--- a/src/mamidimemo/Data/Images.pptx
+++ b/src/mamidimemo/Data/Images.pptx
@@ -104,6 +104,11 @@
       </a:defRPr>
     </a:lvl9pPr>
   </p:defaultTextStyle>
+  <p:extLst>
+    <p:ext uri="{EFAFB233-063F-42B5-8137-9DF3F51BA10A}">
+      <p15:sldGuideLst xmlns:p15="http://schemas.microsoft.com/office/powerpoint/2012/main"/>
+    </p:ext>
+  </p:extLst>
 </p:presentation>
 </file>
 
@@ -254,7 +259,7 @@
           <a:p>
             <a:fld id="{B7E48A73-9369-4B88-BBE6-B1D33CBD5F01}" type="datetimeFigureOut">
               <a:rPr kumimoji="1" lang="ja-JP" altLang="en-US" smtClean="0"/>
-              <a:t>2019/8/11</a:t>
+              <a:t>2019/8/13</a:t>
             </a:fld>
             <a:endParaRPr kumimoji="1" lang="ja-JP" altLang="en-US"/>
           </a:p>
@@ -484,7 +489,7 @@
           <a:p>
             <a:fld id="{B7E48A73-9369-4B88-BBE6-B1D33CBD5F01}" type="datetimeFigureOut">
               <a:rPr kumimoji="1" lang="ja-JP" altLang="en-US" smtClean="0"/>
-              <a:t>2019/8/11</a:t>
+              <a:t>2019/8/13</a:t>
             </a:fld>
             <a:endParaRPr kumimoji="1" lang="ja-JP" altLang="en-US"/>
           </a:p>
@@ -724,7 +729,7 @@
           <a:p>
             <a:fld id="{B7E48A73-9369-4B88-BBE6-B1D33CBD5F01}" type="datetimeFigureOut">
               <a:rPr kumimoji="1" lang="ja-JP" altLang="en-US" smtClean="0"/>
-              <a:t>2019/8/11</a:t>
+              <a:t>2019/8/13</a:t>
             </a:fld>
             <a:endParaRPr kumimoji="1" lang="ja-JP" altLang="en-US"/>
           </a:p>
@@ -954,7 +959,7 @@
           <a:p>
             <a:fld id="{B7E48A73-9369-4B88-BBE6-B1D33CBD5F01}" type="datetimeFigureOut">
               <a:rPr kumimoji="1" lang="ja-JP" altLang="en-US" smtClean="0"/>
-              <a:t>2019/8/11</a:t>
+              <a:t>2019/8/13</a:t>
             </a:fld>
             <a:endParaRPr kumimoji="1" lang="ja-JP" altLang="en-US"/>
           </a:p>
@@ -1229,7 +1234,7 @@
           <a:p>
             <a:fld id="{B7E48A73-9369-4B88-BBE6-B1D33CBD5F01}" type="datetimeFigureOut">
               <a:rPr kumimoji="1" lang="ja-JP" altLang="en-US" smtClean="0"/>
-              <a:t>2019/8/11</a:t>
+              <a:t>2019/8/13</a:t>
             </a:fld>
             <a:endParaRPr kumimoji="1" lang="ja-JP" altLang="en-US"/>
           </a:p>
@@ -1558,7 +1563,7 @@
           <a:p>
             <a:fld id="{B7E48A73-9369-4B88-BBE6-B1D33CBD5F01}" type="datetimeFigureOut">
               <a:rPr kumimoji="1" lang="ja-JP" altLang="en-US" smtClean="0"/>
-              <a:t>2019/8/11</a:t>
+              <a:t>2019/8/13</a:t>
             </a:fld>
             <a:endParaRPr kumimoji="1" lang="ja-JP" altLang="en-US"/>
           </a:p>
@@ -2034,7 +2039,7 @@
           <a:p>
             <a:fld id="{B7E48A73-9369-4B88-BBE6-B1D33CBD5F01}" type="datetimeFigureOut">
               <a:rPr kumimoji="1" lang="ja-JP" altLang="en-US" smtClean="0"/>
-              <a:t>2019/8/11</a:t>
+              <a:t>2019/8/13</a:t>
             </a:fld>
             <a:endParaRPr kumimoji="1" lang="ja-JP" altLang="en-US"/>
           </a:p>
@@ -2175,7 +2180,7 @@
           <a:p>
             <a:fld id="{B7E48A73-9369-4B88-BBE6-B1D33CBD5F01}" type="datetimeFigureOut">
               <a:rPr kumimoji="1" lang="ja-JP" altLang="en-US" smtClean="0"/>
-              <a:t>2019/8/11</a:t>
+              <a:t>2019/8/13</a:t>
             </a:fld>
             <a:endParaRPr kumimoji="1" lang="ja-JP" altLang="en-US"/>
           </a:p>
@@ -2288,7 +2293,7 @@
           <a:p>
             <a:fld id="{B7E48A73-9369-4B88-BBE6-B1D33CBD5F01}" type="datetimeFigureOut">
               <a:rPr kumimoji="1" lang="ja-JP" altLang="en-US" smtClean="0"/>
-              <a:t>2019/8/11</a:t>
+              <a:t>2019/8/13</a:t>
             </a:fld>
             <a:endParaRPr kumimoji="1" lang="ja-JP" altLang="en-US"/>
           </a:p>
@@ -2631,7 +2636,7 @@
           <a:p>
             <a:fld id="{B7E48A73-9369-4B88-BBE6-B1D33CBD5F01}" type="datetimeFigureOut">
               <a:rPr kumimoji="1" lang="ja-JP" altLang="en-US" smtClean="0"/>
-              <a:t>2019/8/11</a:t>
+              <a:t>2019/8/13</a:t>
             </a:fld>
             <a:endParaRPr kumimoji="1" lang="ja-JP" altLang="en-US"/>
           </a:p>
@@ -2919,7 +2924,7 @@
           <a:p>
             <a:fld id="{B7E48A73-9369-4B88-BBE6-B1D33CBD5F01}" type="datetimeFigureOut">
               <a:rPr kumimoji="1" lang="ja-JP" altLang="en-US" smtClean="0"/>
-              <a:t>2019/8/11</a:t>
+              <a:t>2019/8/13</a:t>
             </a:fld>
             <a:endParaRPr kumimoji="1" lang="ja-JP" altLang="en-US"/>
           </a:p>
@@ -3192,7 +3197,7 @@
           <a:p>
             <a:fld id="{B7E48A73-9369-4B88-BBE6-B1D33CBD5F01}" type="datetimeFigureOut">
               <a:rPr kumimoji="1" lang="ja-JP" altLang="en-US" smtClean="0"/>
-              <a:t>2019/8/11</a:t>
+              <a:t>2019/8/13</a:t>
             </a:fld>
             <a:endParaRPr kumimoji="1" lang="ja-JP" altLang="en-US"/>
           </a:p>
@@ -8618,6 +8623,89 @@
           </a:prstGeom>
         </p:spPr>
       </p:pic>
+      <p:sp>
+        <p:nvSpPr>
+          <p:cNvPr id="2" name="テキスト ボックス 1">
+            <a:extLst>
+              <a:ext uri="{FF2B5EF4-FFF2-40B4-BE49-F238E27FC236}">
+                <a16:creationId xmlns:a16="http://schemas.microsoft.com/office/drawing/2014/main" id="{751F8044-3205-4360-93A7-F8926D7E9AB1}"/>
+              </a:ext>
+            </a:extLst>
+          </p:cNvPr>
+          <p:cNvSpPr txBox="1"/>
+          <p:nvPr/>
+        </p:nvSpPr>
+        <p:spPr>
+          <a:xfrm>
+            <a:off x="1065482" y="3224662"/>
+            <a:ext cx="1774845" cy="2215991"/>
+          </a:xfrm>
+          <a:prstGeom prst="rect">
+            <a:avLst/>
+          </a:prstGeom>
+          <a:noFill/>
+        </p:spPr>
+        <p:txBody>
+          <a:bodyPr wrap="none" rtlCol="0">
+            <a:spAutoFit/>
+            <a:scene3d>
+              <a:camera prst="orthographicFront"/>
+              <a:lightRig rig="threePt" dir="t"/>
+            </a:scene3d>
+            <a:sp3d extrusionH="57150">
+              <a:bevelT w="69850" h="69850" prst="divot"/>
+            </a:sp3d>
+          </a:bodyPr>
+          <a:lstStyle/>
+          <a:p>
+            <a:r>
+              <a:rPr lang="en-US" altLang="ja-JP" sz="13800" dirty="0">
+                <a:solidFill>
+                  <a:srgbClr val="0BABD5"/>
+                </a:solidFill>
+                <a:latin typeface="Mission GT-R Condensed" panose="02000500000000000000" pitchFamily="2" charset="0"/>
+              </a:rPr>
+              <a:t>M</a:t>
+            </a:r>
+            <a:endParaRPr kumimoji="1" lang="ja-JP" altLang="en-US" sz="13800" dirty="0">
+              <a:solidFill>
+                <a:srgbClr val="0BABD5"/>
+              </a:solidFill>
+              <a:latin typeface="Mission GT-R Condensed" panose="02000500000000000000" pitchFamily="2" charset="0"/>
+            </a:endParaRPr>
+          </a:p>
+        </p:txBody>
+      </p:sp>
+      <p:pic>
+        <p:nvPicPr>
+          <p:cNvPr id="3" name="図 2">
+            <a:extLst>
+              <a:ext uri="{FF2B5EF4-FFF2-40B4-BE49-F238E27FC236}">
+                <a16:creationId xmlns:a16="http://schemas.microsoft.com/office/drawing/2014/main" id="{4BDE0F54-4393-46E9-A5EE-6F2A9CB35E39}"/>
+              </a:ext>
+            </a:extLst>
+          </p:cNvPr>
+          <p:cNvPicPr>
+            <a:picLocks noChangeAspect="1"/>
+          </p:cNvPicPr>
+          <p:nvPr/>
+        </p:nvPicPr>
+        <p:blipFill>
+          <a:blip r:embed="rId10"/>
+          <a:stretch>
+            <a:fillRect/>
+          </a:stretch>
+        </p:blipFill>
+        <p:spPr>
+          <a:xfrm>
+            <a:off x="4796913" y="3113458"/>
+            <a:ext cx="2438400" cy="2438400"/>
+          </a:xfrm>
+          <a:prstGeom prst="rect">
+            <a:avLst/>
+          </a:prstGeom>
+        </p:spPr>
+      </p:pic>
     </p:spTree>
     <p:extLst>
       <p:ext uri="{BB962C8B-B14F-4D97-AF65-F5344CB8AC3E}">

--- a/src/mamidimemo/Data/Images.pptx
+++ b/src/mamidimemo/Data/Images.pptx
@@ -6,6 +6,7 @@
   </p:sldMasterIdLst>
   <p:sldIdLst>
     <p:sldId id="256" r:id="rId2"/>
+    <p:sldId id="257" r:id="rId3"/>
   </p:sldIdLst>
   <p:sldSz cx="12192000" cy="6858000"/>
   <p:notesSz cx="6858000" cy="9144000"/>
@@ -8719,6 +8720,107 @@
 </p:sld>
 </file>
 
+<file path=ppt/slides/slide2.xml><?xml version="1.0" encoding="utf-8"?>
+<p:sld xmlns:a="http://schemas.openxmlformats.org/drawingml/2006/main" xmlns:r="http://schemas.openxmlformats.org/officeDocument/2006/relationships" xmlns:p="http://schemas.openxmlformats.org/presentationml/2006/main">
+  <p:cSld>
+    <p:spTree>
+      <p:nvGrpSpPr>
+        <p:cNvPr id="1" name=""/>
+        <p:cNvGrpSpPr/>
+        <p:nvPr/>
+      </p:nvGrpSpPr>
+      <p:grpSpPr>
+        <a:xfrm>
+          <a:off x="0" y="0"/>
+          <a:ext cx="0" cy="0"/>
+          <a:chOff x="0" y="0"/>
+          <a:chExt cx="0" cy="0"/>
+        </a:xfrm>
+      </p:grpSpPr>
+      <p:sp>
+        <p:nvSpPr>
+          <p:cNvPr id="5" name="テキスト ボックス 4">
+            <a:extLst>
+              <a:ext uri="{FF2B5EF4-FFF2-40B4-BE49-F238E27FC236}">
+                <a16:creationId xmlns:a16="http://schemas.microsoft.com/office/drawing/2014/main" id="{FEF445E1-A4C3-467A-BC89-5ABB7583FD52}"/>
+              </a:ext>
+            </a:extLst>
+          </p:cNvPr>
+          <p:cNvSpPr txBox="1"/>
+          <p:nvPr/>
+        </p:nvSpPr>
+        <p:spPr>
+          <a:xfrm>
+            <a:off x="359736" y="1405952"/>
+            <a:ext cx="11729981" cy="2215991"/>
+          </a:xfrm>
+          <a:prstGeom prst="rect">
+            <a:avLst/>
+          </a:prstGeom>
+          <a:noFill/>
+        </p:spPr>
+        <p:txBody>
+          <a:bodyPr wrap="square" rtlCol="0">
+            <a:spAutoFit/>
+            <a:scene3d>
+              <a:camera prst="orthographicFront"/>
+              <a:lightRig rig="threePt" dir="t"/>
+            </a:scene3d>
+            <a:sp3d extrusionH="57150">
+              <a:bevelT w="69850" h="69850" prst="divot"/>
+            </a:sp3d>
+          </a:bodyPr>
+          <a:lstStyle/>
+          <a:p>
+            <a:r>
+              <a:rPr kumimoji="1" lang="en-US" altLang="ja-JP" sz="13800" dirty="0" err="1">
+                <a:solidFill>
+                  <a:srgbClr val="0BABD5"/>
+                </a:solidFill>
+                <a:latin typeface="Mission GT-R Condensed" panose="02000500000000000000" pitchFamily="2" charset="0"/>
+              </a:rPr>
+              <a:t>MA</a:t>
+            </a:r>
+            <a:r>
+              <a:rPr kumimoji="1" lang="en-US" altLang="ja-JP" sz="13800" dirty="0" err="1">
+                <a:latin typeface="Mission GT-R Condensed" panose="02000500000000000000" pitchFamily="2" charset="0"/>
+              </a:rPr>
+              <a:t>midi</a:t>
+            </a:r>
+            <a:r>
+              <a:rPr kumimoji="1" lang="en-US" altLang="ja-JP" sz="13800" dirty="0" err="1">
+                <a:solidFill>
+                  <a:srgbClr val="0BABD5"/>
+                </a:solidFill>
+                <a:latin typeface="Mission GT-R Condensed" panose="02000500000000000000" pitchFamily="2" charset="0"/>
+              </a:rPr>
+              <a:t>ME</a:t>
+            </a:r>
+            <a:r>
+              <a:rPr kumimoji="1" lang="en-US" altLang="ja-JP" sz="13800" dirty="0" err="1">
+                <a:latin typeface="Mission GT-R Condensed" panose="02000500000000000000" pitchFamily="2" charset="0"/>
+              </a:rPr>
+              <a:t>mo</a:t>
+            </a:r>
+            <a:endParaRPr kumimoji="1" lang="ja-JP" altLang="en-US" sz="13800" dirty="0">
+              <a:latin typeface="Mission GT-R Condensed" panose="02000500000000000000" pitchFamily="2" charset="0"/>
+            </a:endParaRPr>
+          </a:p>
+        </p:txBody>
+      </p:sp>
+    </p:spTree>
+    <p:extLst>
+      <p:ext uri="{BB962C8B-B14F-4D97-AF65-F5344CB8AC3E}">
+        <p14:creationId xmlns:p14="http://schemas.microsoft.com/office/powerpoint/2010/main" val="992179711"/>
+      </p:ext>
+    </p:extLst>
+  </p:cSld>
+  <p:clrMapOvr>
+    <a:masterClrMapping/>
+  </p:clrMapOvr>
+</p:sld>
+</file>
+
 <file path=ppt/theme/theme1.xml><?xml version="1.0" encoding="utf-8"?>
 <a:theme xmlns:a="http://schemas.openxmlformats.org/drawingml/2006/main" name="Office テーマ">
   <a:themeElements>

--- a/src/mamidimemo/Data/Images.pptx
+++ b/src/mamidimemo/Data/Images.pptx
@@ -198,7 +198,7 @@
           <a:p>
             <a:fld id="{FD0ADE19-EE5F-4EAE-BCEC-0B5F9244BB48}" type="datetimeFigureOut">
               <a:rPr kumimoji="1" lang="ja-JP" altLang="en-US" smtClean="0"/>
-              <a:t>2019/8/15</a:t>
+              <a:t>2019/8/18</a:t>
             </a:fld>
             <a:endParaRPr kumimoji="1" lang="ja-JP" altLang="en-US"/>
           </a:p>
@@ -728,7 +728,7 @@
           <a:p>
             <a:fld id="{B7E48A73-9369-4B88-BBE6-B1D33CBD5F01}" type="datetimeFigureOut">
               <a:rPr kumimoji="1" lang="ja-JP" altLang="en-US" smtClean="0"/>
-              <a:t>2019/8/15</a:t>
+              <a:t>2019/8/18</a:t>
             </a:fld>
             <a:endParaRPr kumimoji="1" lang="ja-JP" altLang="en-US"/>
           </a:p>
@@ -958,7 +958,7 @@
           <a:p>
             <a:fld id="{B7E48A73-9369-4B88-BBE6-B1D33CBD5F01}" type="datetimeFigureOut">
               <a:rPr kumimoji="1" lang="ja-JP" altLang="en-US" smtClean="0"/>
-              <a:t>2019/8/15</a:t>
+              <a:t>2019/8/18</a:t>
             </a:fld>
             <a:endParaRPr kumimoji="1" lang="ja-JP" altLang="en-US"/>
           </a:p>
@@ -1198,7 +1198,7 @@
           <a:p>
             <a:fld id="{B7E48A73-9369-4B88-BBE6-B1D33CBD5F01}" type="datetimeFigureOut">
               <a:rPr kumimoji="1" lang="ja-JP" altLang="en-US" smtClean="0"/>
-              <a:t>2019/8/15</a:t>
+              <a:t>2019/8/18</a:t>
             </a:fld>
             <a:endParaRPr kumimoji="1" lang="ja-JP" altLang="en-US"/>
           </a:p>
@@ -1428,7 +1428,7 @@
           <a:p>
             <a:fld id="{B7E48A73-9369-4B88-BBE6-B1D33CBD5F01}" type="datetimeFigureOut">
               <a:rPr kumimoji="1" lang="ja-JP" altLang="en-US" smtClean="0"/>
-              <a:t>2019/8/15</a:t>
+              <a:t>2019/8/18</a:t>
             </a:fld>
             <a:endParaRPr kumimoji="1" lang="ja-JP" altLang="en-US"/>
           </a:p>
@@ -1703,7 +1703,7 @@
           <a:p>
             <a:fld id="{B7E48A73-9369-4B88-BBE6-B1D33CBD5F01}" type="datetimeFigureOut">
               <a:rPr kumimoji="1" lang="ja-JP" altLang="en-US" smtClean="0"/>
-              <a:t>2019/8/15</a:t>
+              <a:t>2019/8/18</a:t>
             </a:fld>
             <a:endParaRPr kumimoji="1" lang="ja-JP" altLang="en-US"/>
           </a:p>
@@ -2032,7 +2032,7 @@
           <a:p>
             <a:fld id="{B7E48A73-9369-4B88-BBE6-B1D33CBD5F01}" type="datetimeFigureOut">
               <a:rPr kumimoji="1" lang="ja-JP" altLang="en-US" smtClean="0"/>
-              <a:t>2019/8/15</a:t>
+              <a:t>2019/8/18</a:t>
             </a:fld>
             <a:endParaRPr kumimoji="1" lang="ja-JP" altLang="en-US"/>
           </a:p>
@@ -2508,7 +2508,7 @@
           <a:p>
             <a:fld id="{B7E48A73-9369-4B88-BBE6-B1D33CBD5F01}" type="datetimeFigureOut">
               <a:rPr kumimoji="1" lang="ja-JP" altLang="en-US" smtClean="0"/>
-              <a:t>2019/8/15</a:t>
+              <a:t>2019/8/18</a:t>
             </a:fld>
             <a:endParaRPr kumimoji="1" lang="ja-JP" altLang="en-US"/>
           </a:p>
@@ -2649,7 +2649,7 @@
           <a:p>
             <a:fld id="{B7E48A73-9369-4B88-BBE6-B1D33CBD5F01}" type="datetimeFigureOut">
               <a:rPr kumimoji="1" lang="ja-JP" altLang="en-US" smtClean="0"/>
-              <a:t>2019/8/15</a:t>
+              <a:t>2019/8/18</a:t>
             </a:fld>
             <a:endParaRPr kumimoji="1" lang="ja-JP" altLang="en-US"/>
           </a:p>
@@ -2762,7 +2762,7 @@
           <a:p>
             <a:fld id="{B7E48A73-9369-4B88-BBE6-B1D33CBD5F01}" type="datetimeFigureOut">
               <a:rPr kumimoji="1" lang="ja-JP" altLang="en-US" smtClean="0"/>
-              <a:t>2019/8/15</a:t>
+              <a:t>2019/8/18</a:t>
             </a:fld>
             <a:endParaRPr kumimoji="1" lang="ja-JP" altLang="en-US"/>
           </a:p>
@@ -3105,7 +3105,7 @@
           <a:p>
             <a:fld id="{B7E48A73-9369-4B88-BBE6-B1D33CBD5F01}" type="datetimeFigureOut">
               <a:rPr kumimoji="1" lang="ja-JP" altLang="en-US" smtClean="0"/>
-              <a:t>2019/8/15</a:t>
+              <a:t>2019/8/18</a:t>
             </a:fld>
             <a:endParaRPr kumimoji="1" lang="ja-JP" altLang="en-US"/>
           </a:p>
@@ -3393,7 +3393,7 @@
           <a:p>
             <a:fld id="{B7E48A73-9369-4B88-BBE6-B1D33CBD5F01}" type="datetimeFigureOut">
               <a:rPr kumimoji="1" lang="ja-JP" altLang="en-US" smtClean="0"/>
-              <a:t>2019/8/15</a:t>
+              <a:t>2019/8/18</a:t>
             </a:fld>
             <a:endParaRPr kumimoji="1" lang="ja-JP" altLang="en-US"/>
           </a:p>
@@ -3666,7 +3666,7 @@
           <a:p>
             <a:fld id="{B7E48A73-9369-4B88-BBE6-B1D33CBD5F01}" type="datetimeFigureOut">
               <a:rPr kumimoji="1" lang="ja-JP" altLang="en-US" smtClean="0"/>
-              <a:t>2019/8/15</a:t>
+              <a:t>2019/8/18</a:t>
             </a:fld>
             <a:endParaRPr kumimoji="1" lang="ja-JP" altLang="en-US"/>
           </a:p>
@@ -9779,71 +9779,12 @@
           </a:extLst>
         </p:spPr>
       </p:pic>
-      <p:sp>
-        <p:nvSpPr>
-          <p:cNvPr id="170" name="楕円 169">
+      <p:grpSp>
+        <p:nvGrpSpPr>
+          <p:cNvPr id="3" name="グループ化 2">
             <a:extLst>
               <a:ext uri="{FF2B5EF4-FFF2-40B4-BE49-F238E27FC236}">
-                <a16:creationId xmlns:a16="http://schemas.microsoft.com/office/drawing/2014/main" id="{02B19900-673E-4C40-A253-6A250F8A1A43}"/>
-              </a:ext>
-            </a:extLst>
-          </p:cNvPr>
-          <p:cNvSpPr/>
-          <p:nvPr/>
-        </p:nvSpPr>
-        <p:spPr>
-          <a:xfrm>
-            <a:off x="8397176" y="290811"/>
-            <a:ext cx="82610" cy="82610"/>
-          </a:xfrm>
-          <a:prstGeom prst="ellipse">
-            <a:avLst/>
-          </a:prstGeom>
-          <a:solidFill>
-            <a:srgbClr val="FFC000"/>
-          </a:solidFill>
-          <a:ln>
-            <a:solidFill>
-              <a:schemeClr val="tx1"/>
-            </a:solidFill>
-          </a:ln>
-        </p:spPr>
-        <p:style>
-          <a:lnRef idx="2">
-            <a:schemeClr val="accent1">
-              <a:shade val="50000"/>
-            </a:schemeClr>
-          </a:lnRef>
-          <a:fillRef idx="1">
-            <a:schemeClr val="accent1"/>
-          </a:fillRef>
-          <a:effectRef idx="0">
-            <a:schemeClr val="accent1"/>
-          </a:effectRef>
-          <a:fontRef idx="minor">
-            <a:schemeClr val="lt1"/>
-          </a:fontRef>
-        </p:style>
-        <p:txBody>
-          <a:bodyPr rot="0" spcFirstLastPara="0" vertOverflow="overflow" horzOverflow="overflow" vert="horz" wrap="square" lIns="91440" tIns="45720" rIns="91440" bIns="45720" numCol="1" spcCol="0" rtlCol="0" fromWordArt="0" anchor="ctr" anchorCtr="0" forceAA="0" compatLnSpc="1">
-            <a:prstTxWarp prst="textNoShape">
-              <a:avLst/>
-            </a:prstTxWarp>
-            <a:noAutofit/>
-          </a:bodyPr>
-          <a:lstStyle/>
-          <a:p>
-            <a:pPr algn="ctr"/>
-            <a:endParaRPr lang="ja-JP" altLang="en-US"/>
-          </a:p>
-        </p:txBody>
-      </p:sp>
-      <p:grpSp>
-        <p:nvGrpSpPr>
-          <p:cNvPr id="255" name="グループ化 254">
-            <a:extLst>
-              <a:ext uri="{FF2B5EF4-FFF2-40B4-BE49-F238E27FC236}">
-                <a16:creationId xmlns:a16="http://schemas.microsoft.com/office/drawing/2014/main" id="{154E3189-CCE7-454A-8A28-765C671D23A7}"/>
+                <a16:creationId xmlns:a16="http://schemas.microsoft.com/office/drawing/2014/main" id="{579816CD-3FB9-4533-90AB-542D9C6A2540}"/>
               </a:ext>
             </a:extLst>
           </p:cNvPr>
@@ -9852,18 +9793,18 @@
         </p:nvGrpSpPr>
         <p:grpSpPr>
           <a:xfrm>
-            <a:off x="7444107" y="430808"/>
-            <a:ext cx="2038841" cy="902156"/>
-            <a:chOff x="7444108" y="430807"/>
-            <a:chExt cx="2229542" cy="1269521"/>
+            <a:off x="7466763" y="1667631"/>
+            <a:ext cx="2069761" cy="1141971"/>
+            <a:chOff x="7466763" y="1667631"/>
+            <a:chExt cx="2069761" cy="1141971"/>
           </a:xfrm>
         </p:grpSpPr>
         <p:sp>
           <p:nvSpPr>
-            <p:cNvPr id="196" name="フリーフォーム: 図形 195">
+            <p:cNvPr id="170" name="楕円 169">
               <a:extLst>
                 <a:ext uri="{FF2B5EF4-FFF2-40B4-BE49-F238E27FC236}">
-                  <a16:creationId xmlns:a16="http://schemas.microsoft.com/office/drawing/2014/main" id="{3D82CFDD-7ABA-4CF9-8F94-4B81BE8AC9D6}"/>
+                  <a16:creationId xmlns:a16="http://schemas.microsoft.com/office/drawing/2014/main" id="{02B19900-673E-4C40-A253-6A250F8A1A43}"/>
                 </a:ext>
               </a:extLst>
             </p:cNvPr>
@@ -9872,2852 +9813,8 @@
           </p:nvSpPr>
           <p:spPr>
             <a:xfrm>
-              <a:off x="7444108" y="431456"/>
-              <a:ext cx="2228694" cy="1268872"/>
-            </a:xfrm>
-            <a:custGeom>
-              <a:avLst/>
-              <a:gdLst>
-                <a:gd name="connsiteX0" fmla="*/ 2050697 w 2923657"/>
-                <a:gd name="connsiteY0" fmla="*/ 914 h 1930754"/>
-                <a:gd name="connsiteX1" fmla="*/ 2090042 w 2923657"/>
-                <a:gd name="connsiteY1" fmla="*/ 1257 h 1930754"/>
-                <a:gd name="connsiteX2" fmla="*/ 2133583 w 2923657"/>
-                <a:gd name="connsiteY2" fmla="*/ 12579 h 1930754"/>
-                <a:gd name="connsiteX3" fmla="*/ 2245137 w 2923657"/>
-                <a:gd name="connsiteY3" fmla="*/ 152732 h 1930754"/>
-                <a:gd name="connsiteX4" fmla="*/ 2252045 w 2923657"/>
-                <a:gd name="connsiteY4" fmla="*/ 245317 h 1930754"/>
-                <a:gd name="connsiteX5" fmla="*/ 2283505 w 2923657"/>
-                <a:gd name="connsiteY5" fmla="*/ 245592 h 1930754"/>
-                <a:gd name="connsiteX6" fmla="*/ 2327046 w 2923657"/>
-                <a:gd name="connsiteY6" fmla="*/ 256914 h 1930754"/>
-                <a:gd name="connsiteX7" fmla="*/ 2422133 w 2923657"/>
-                <a:gd name="connsiteY7" fmla="*/ 350964 h 1930754"/>
-                <a:gd name="connsiteX8" fmla="*/ 2431309 w 2923657"/>
-                <a:gd name="connsiteY8" fmla="*/ 376653 h 1930754"/>
-                <a:gd name="connsiteX9" fmla="*/ 2436980 w 2923657"/>
-                <a:gd name="connsiteY9" fmla="*/ 370631 h 1930754"/>
-                <a:gd name="connsiteX10" fmla="*/ 2556566 w 2923657"/>
-                <a:gd name="connsiteY10" fmla="*/ 327733 h 1930754"/>
-                <a:gd name="connsiteX11" fmla="*/ 2589329 w 2923657"/>
-                <a:gd name="connsiteY11" fmla="*/ 335740 h 1930754"/>
-                <a:gd name="connsiteX12" fmla="*/ 2670044 w 2923657"/>
-                <a:gd name="connsiteY12" fmla="*/ 447267 h 1930754"/>
-                <a:gd name="connsiteX13" fmla="*/ 2672216 w 2923657"/>
-                <a:gd name="connsiteY13" fmla="*/ 511363 h 1930754"/>
-                <a:gd name="connsiteX14" fmla="*/ 2682638 w 2923657"/>
-                <a:gd name="connsiteY14" fmla="*/ 506826 h 1930754"/>
-                <a:gd name="connsiteX15" fmla="*/ 2752673 w 2923657"/>
-                <a:gd name="connsiteY15" fmla="*/ 498491 h 1930754"/>
-                <a:gd name="connsiteX16" fmla="*/ 2837884 w 2923657"/>
-                <a:gd name="connsiteY16" fmla="*/ 524972 h 1930754"/>
-                <a:gd name="connsiteX17" fmla="*/ 2912041 w 2923657"/>
-                <a:gd name="connsiteY17" fmla="*/ 788005 h 1930754"/>
-                <a:gd name="connsiteX18" fmla="*/ 2868978 w 2923657"/>
-                <a:gd name="connsiteY18" fmla="*/ 884897 h 1930754"/>
-                <a:gd name="connsiteX19" fmla="*/ 2872601 w 2923657"/>
-                <a:gd name="connsiteY19" fmla="*/ 888522 h 1930754"/>
-                <a:gd name="connsiteX20" fmla="*/ 2893308 w 2923657"/>
-                <a:gd name="connsiteY20" fmla="*/ 1193907 h 1930754"/>
-                <a:gd name="connsiteX21" fmla="*/ 2664048 w 2923657"/>
-                <a:gd name="connsiteY21" fmla="*/ 1396710 h 1930754"/>
-                <a:gd name="connsiteX22" fmla="*/ 2632249 w 2923657"/>
-                <a:gd name="connsiteY22" fmla="*/ 1396925 h 1930754"/>
-                <a:gd name="connsiteX23" fmla="*/ 2624836 w 2923657"/>
-                <a:gd name="connsiteY23" fmla="*/ 1421754 h 1930754"/>
-                <a:gd name="connsiteX24" fmla="*/ 2601261 w 2923657"/>
-                <a:gd name="connsiteY24" fmla="*/ 1460094 h 1930754"/>
-                <a:gd name="connsiteX25" fmla="*/ 2552002 w 2923657"/>
-                <a:gd name="connsiteY25" fmla="*/ 1499778 h 1930754"/>
-                <a:gd name="connsiteX26" fmla="*/ 2562309 w 2923657"/>
-                <a:gd name="connsiteY26" fmla="*/ 1512388 h 1930754"/>
-                <a:gd name="connsiteX27" fmla="*/ 2572555 w 2923657"/>
-                <a:gd name="connsiteY27" fmla="*/ 1629208 h 1930754"/>
-                <a:gd name="connsiteX28" fmla="*/ 2535494 w 2923657"/>
-                <a:gd name="connsiteY28" fmla="*/ 1674363 h 1930754"/>
-                <a:gd name="connsiteX29" fmla="*/ 2511124 w 2923657"/>
-                <a:gd name="connsiteY29" fmla="*/ 1685003 h 1930754"/>
-                <a:gd name="connsiteX30" fmla="*/ 2513107 w 2923657"/>
-                <a:gd name="connsiteY30" fmla="*/ 1698748 h 1930754"/>
-                <a:gd name="connsiteX31" fmla="*/ 2493415 w 2923657"/>
-                <a:gd name="connsiteY31" fmla="*/ 1785778 h 1930754"/>
-                <a:gd name="connsiteX32" fmla="*/ 2181569 w 2923657"/>
-                <a:gd name="connsiteY32" fmla="*/ 1865545 h 1930754"/>
-                <a:gd name="connsiteX33" fmla="*/ 2148733 w 2923657"/>
-                <a:gd name="connsiteY33" fmla="*/ 1851137 h 1930754"/>
-                <a:gd name="connsiteX34" fmla="*/ 2122912 w 2923657"/>
-                <a:gd name="connsiteY34" fmla="*/ 1879847 h 1930754"/>
-                <a:gd name="connsiteX35" fmla="*/ 1999237 w 2923657"/>
-                <a:gd name="connsiteY35" fmla="*/ 1930754 h 1930754"/>
-                <a:gd name="connsiteX36" fmla="*/ 1815815 w 2923657"/>
-                <a:gd name="connsiteY36" fmla="*/ 1799332 h 1930754"/>
-                <a:gd name="connsiteX37" fmla="*/ 1799326 w 2923657"/>
-                <a:gd name="connsiteY37" fmla="*/ 1758397 h 1930754"/>
-                <a:gd name="connsiteX38" fmla="*/ 1785002 w 2923657"/>
-                <a:gd name="connsiteY38" fmla="*/ 1784411 h 1930754"/>
-                <a:gd name="connsiteX39" fmla="*/ 1700546 w 2923657"/>
-                <a:gd name="connsiteY39" fmla="*/ 1841192 h 1930754"/>
-                <a:gd name="connsiteX40" fmla="*/ 1575290 w 2923657"/>
-                <a:gd name="connsiteY40" fmla="*/ 1694608 h 1930754"/>
-                <a:gd name="connsiteX41" fmla="*/ 1575028 w 2923657"/>
-                <a:gd name="connsiteY41" fmla="*/ 1693545 h 1930754"/>
-                <a:gd name="connsiteX42" fmla="*/ 1554157 w 2923657"/>
-                <a:gd name="connsiteY42" fmla="*/ 1729037 h 1930754"/>
-                <a:gd name="connsiteX43" fmla="*/ 1386600 w 2923657"/>
-                <a:gd name="connsiteY43" fmla="*/ 1826417 h 1930754"/>
-                <a:gd name="connsiteX44" fmla="*/ 1219043 w 2923657"/>
-                <a:gd name="connsiteY44" fmla="*/ 1729037 h 1930754"/>
-                <a:gd name="connsiteX45" fmla="*/ 1217805 w 2923657"/>
-                <a:gd name="connsiteY45" fmla="*/ 1726932 h 1930754"/>
-                <a:gd name="connsiteX46" fmla="*/ 1199640 w 2923657"/>
-                <a:gd name="connsiteY46" fmla="*/ 1753905 h 1930754"/>
-                <a:gd name="connsiteX47" fmla="*/ 1106436 w 2923657"/>
-                <a:gd name="connsiteY47" fmla="*/ 1825024 h 1930754"/>
-                <a:gd name="connsiteX48" fmla="*/ 776078 w 2923657"/>
-                <a:gd name="connsiteY48" fmla="*/ 1752258 h 1930754"/>
-                <a:gd name="connsiteX49" fmla="*/ 744087 w 2923657"/>
-                <a:gd name="connsiteY49" fmla="*/ 1713860 h 1930754"/>
-                <a:gd name="connsiteX50" fmla="*/ 737364 w 2923657"/>
-                <a:gd name="connsiteY50" fmla="*/ 1732964 h 1930754"/>
-                <a:gd name="connsiteX51" fmla="*/ 523352 w 2923657"/>
-                <a:gd name="connsiteY51" fmla="*/ 1858097 h 1930754"/>
-                <a:gd name="connsiteX52" fmla="*/ 291088 w 2923657"/>
-                <a:gd name="connsiteY52" fmla="*/ 1653215 h 1930754"/>
-                <a:gd name="connsiteX53" fmla="*/ 330755 w 2923657"/>
-                <a:gd name="connsiteY53" fmla="*/ 1538663 h 1930754"/>
-                <a:gd name="connsiteX54" fmla="*/ 334012 w 2923657"/>
-                <a:gd name="connsiteY54" fmla="*/ 1535182 h 1930754"/>
-                <a:gd name="connsiteX55" fmla="*/ 319228 w 2923657"/>
-                <a:gd name="connsiteY55" fmla="*/ 1527159 h 1930754"/>
-                <a:gd name="connsiteX56" fmla="*/ 270023 w 2923657"/>
-                <a:gd name="connsiteY56" fmla="*/ 1486560 h 1930754"/>
-                <a:gd name="connsiteX57" fmla="*/ 240311 w 2923657"/>
-                <a:gd name="connsiteY57" fmla="*/ 1450550 h 1930754"/>
-                <a:gd name="connsiteX58" fmla="*/ 238140 w 2923657"/>
-                <a:gd name="connsiteY58" fmla="*/ 1453770 h 1930754"/>
-                <a:gd name="connsiteX59" fmla="*/ 161798 w 2923657"/>
-                <a:gd name="connsiteY59" fmla="*/ 1485392 h 1930754"/>
-                <a:gd name="connsiteX60" fmla="*/ 53834 w 2923657"/>
-                <a:gd name="connsiteY60" fmla="*/ 1377428 h 1930754"/>
-                <a:gd name="connsiteX61" fmla="*/ 161799 w 2923657"/>
-                <a:gd name="connsiteY61" fmla="*/ 1269464 h 1930754"/>
-                <a:gd name="connsiteX62" fmla="*/ 174720 w 2923657"/>
-                <a:gd name="connsiteY62" fmla="*/ 1272073 h 1930754"/>
-                <a:gd name="connsiteX63" fmla="*/ 172644 w 2923657"/>
-                <a:gd name="connsiteY63" fmla="*/ 1251466 h 1930754"/>
-                <a:gd name="connsiteX64" fmla="*/ 270024 w 2923657"/>
-                <a:gd name="connsiteY64" fmla="*/ 1016372 h 1930754"/>
-                <a:gd name="connsiteX65" fmla="*/ 300742 w 2923657"/>
-                <a:gd name="connsiteY65" fmla="*/ 991026 h 1930754"/>
-                <a:gd name="connsiteX66" fmla="*/ 264959 w 2923657"/>
-                <a:gd name="connsiteY66" fmla="*/ 1009044 h 1930754"/>
-                <a:gd name="connsiteX67" fmla="*/ 216391 w 2923657"/>
-                <a:gd name="connsiteY67" fmla="*/ 1008158 h 1930754"/>
-                <a:gd name="connsiteX68" fmla="*/ 149963 w 2923657"/>
-                <a:gd name="connsiteY68" fmla="*/ 935522 h 1930754"/>
-                <a:gd name="connsiteX69" fmla="*/ 141912 w 2923657"/>
-                <a:gd name="connsiteY69" fmla="*/ 880394 h 1930754"/>
-                <a:gd name="connsiteX70" fmla="*/ 104156 w 2923657"/>
-                <a:gd name="connsiteY70" fmla="*/ 875033 h 1930754"/>
-                <a:gd name="connsiteX71" fmla="*/ 0 w 2923657"/>
-                <a:gd name="connsiteY71" fmla="*/ 764511 h 1930754"/>
-                <a:gd name="connsiteX72" fmla="*/ 170538 w 2923657"/>
-                <a:gd name="connsiteY72" fmla="*/ 644563 h 1930754"/>
-                <a:gd name="connsiteX73" fmla="*/ 192026 w 2923657"/>
-                <a:gd name="connsiteY73" fmla="*/ 647615 h 1930754"/>
-                <a:gd name="connsiteX74" fmla="*/ 189894 w 2923657"/>
-                <a:gd name="connsiteY74" fmla="*/ 644453 h 1930754"/>
-                <a:gd name="connsiteX75" fmla="*/ 176244 w 2923657"/>
-                <a:gd name="connsiteY75" fmla="*/ 576840 h 1930754"/>
-                <a:gd name="connsiteX76" fmla="*/ 349948 w 2923657"/>
-                <a:gd name="connsiteY76" fmla="*/ 403137 h 1930754"/>
-                <a:gd name="connsiteX77" fmla="*/ 417560 w 2923657"/>
-                <a:gd name="connsiteY77" fmla="*/ 416787 h 1930754"/>
-                <a:gd name="connsiteX78" fmla="*/ 450908 w 2923657"/>
-                <a:gd name="connsiteY78" fmla="*/ 439271 h 1930754"/>
-                <a:gd name="connsiteX79" fmla="*/ 448606 w 2923657"/>
-                <a:gd name="connsiteY79" fmla="*/ 413393 h 1930754"/>
-                <a:gd name="connsiteX80" fmla="*/ 604060 w 2923657"/>
-                <a:gd name="connsiteY80" fmla="*/ 115202 h 1930754"/>
-                <a:gd name="connsiteX81" fmla="*/ 734681 w 2923657"/>
-                <a:gd name="connsiteY81" fmla="*/ 85810 h 1930754"/>
-                <a:gd name="connsiteX82" fmla="*/ 937538 w 2923657"/>
-                <a:gd name="connsiteY82" fmla="*/ 158498 h 1930754"/>
-                <a:gd name="connsiteX83" fmla="*/ 960860 w 2923657"/>
-                <a:gd name="connsiteY83" fmla="*/ 179767 h 1930754"/>
-                <a:gd name="connsiteX84" fmla="*/ 969050 w 2923657"/>
-                <a:gd name="connsiteY84" fmla="*/ 139199 h 1930754"/>
-                <a:gd name="connsiteX85" fmla="*/ 1161888 w 2923657"/>
-                <a:gd name="connsiteY85" fmla="*/ 11378 h 1930754"/>
-                <a:gd name="connsiteX86" fmla="*/ 1354725 w 2923657"/>
-                <a:gd name="connsiteY86" fmla="*/ 139200 h 1930754"/>
-                <a:gd name="connsiteX87" fmla="*/ 1370519 w 2923657"/>
-                <a:gd name="connsiteY87" fmla="*/ 217423 h 1930754"/>
-                <a:gd name="connsiteX88" fmla="*/ 1409067 w 2923657"/>
-                <a:gd name="connsiteY88" fmla="*/ 229390 h 1930754"/>
-                <a:gd name="connsiteX89" fmla="*/ 1460730 w 2923657"/>
-                <a:gd name="connsiteY89" fmla="*/ 260733 h 1930754"/>
-                <a:gd name="connsiteX90" fmla="*/ 1472314 w 2923657"/>
-                <a:gd name="connsiteY90" fmla="*/ 273483 h 1930754"/>
-                <a:gd name="connsiteX91" fmla="*/ 1487534 w 2923657"/>
-                <a:gd name="connsiteY91" fmla="*/ 199150 h 1930754"/>
-                <a:gd name="connsiteX92" fmla="*/ 1616002 w 2923657"/>
-                <a:gd name="connsiteY92" fmla="*/ 74318 h 1930754"/>
-                <a:gd name="connsiteX93" fmla="*/ 1827200 w 2923657"/>
-                <a:gd name="connsiteY93" fmla="*/ 153758 h 1930754"/>
-                <a:gd name="connsiteX94" fmla="*/ 1837154 w 2923657"/>
-                <a:gd name="connsiteY94" fmla="*/ 166993 h 1930754"/>
-                <a:gd name="connsiteX95" fmla="*/ 1867104 w 2923657"/>
-                <a:gd name="connsiteY95" fmla="*/ 114642 h 1930754"/>
-                <a:gd name="connsiteX96" fmla="*/ 2050697 w 2923657"/>
-                <a:gd name="connsiteY96" fmla="*/ 914 h 1930754"/>
-              </a:gdLst>
-              <a:ahLst/>
-              <a:cxnLst>
-                <a:cxn ang="0">
-                  <a:pos x="connsiteX0" y="connsiteY0"/>
-                </a:cxn>
-                <a:cxn ang="0">
-                  <a:pos x="connsiteX1" y="connsiteY1"/>
-                </a:cxn>
-                <a:cxn ang="0">
-                  <a:pos x="connsiteX2" y="connsiteY2"/>
-                </a:cxn>
-                <a:cxn ang="0">
-                  <a:pos x="connsiteX3" y="connsiteY3"/>
-                </a:cxn>
-                <a:cxn ang="0">
-                  <a:pos x="connsiteX4" y="connsiteY4"/>
-                </a:cxn>
-                <a:cxn ang="0">
-                  <a:pos x="connsiteX5" y="connsiteY5"/>
-                </a:cxn>
-                <a:cxn ang="0">
-                  <a:pos x="connsiteX6" y="connsiteY6"/>
-                </a:cxn>
-                <a:cxn ang="0">
-                  <a:pos x="connsiteX7" y="connsiteY7"/>
-                </a:cxn>
-                <a:cxn ang="0">
-                  <a:pos x="connsiteX8" y="connsiteY8"/>
-                </a:cxn>
-                <a:cxn ang="0">
-                  <a:pos x="connsiteX9" y="connsiteY9"/>
-                </a:cxn>
-                <a:cxn ang="0">
-                  <a:pos x="connsiteX10" y="connsiteY10"/>
-                </a:cxn>
-                <a:cxn ang="0">
-                  <a:pos x="connsiteX11" y="connsiteY11"/>
-                </a:cxn>
-                <a:cxn ang="0">
-                  <a:pos x="connsiteX12" y="connsiteY12"/>
-                </a:cxn>
-                <a:cxn ang="0">
-                  <a:pos x="connsiteX13" y="connsiteY13"/>
-                </a:cxn>
-                <a:cxn ang="0">
-                  <a:pos x="connsiteX14" y="connsiteY14"/>
-                </a:cxn>
-                <a:cxn ang="0">
-                  <a:pos x="connsiteX15" y="connsiteY15"/>
-                </a:cxn>
-                <a:cxn ang="0">
-                  <a:pos x="connsiteX16" y="connsiteY16"/>
-                </a:cxn>
-                <a:cxn ang="0">
-                  <a:pos x="connsiteX17" y="connsiteY17"/>
-                </a:cxn>
-                <a:cxn ang="0">
-                  <a:pos x="connsiteX18" y="connsiteY18"/>
-                </a:cxn>
-                <a:cxn ang="0">
-                  <a:pos x="connsiteX19" y="connsiteY19"/>
-                </a:cxn>
-                <a:cxn ang="0">
-                  <a:pos x="connsiteX20" y="connsiteY20"/>
-                </a:cxn>
-                <a:cxn ang="0">
-                  <a:pos x="connsiteX21" y="connsiteY21"/>
-                </a:cxn>
-                <a:cxn ang="0">
-                  <a:pos x="connsiteX22" y="connsiteY22"/>
-                </a:cxn>
-                <a:cxn ang="0">
-                  <a:pos x="connsiteX23" y="connsiteY23"/>
-                </a:cxn>
-                <a:cxn ang="0">
-                  <a:pos x="connsiteX24" y="connsiteY24"/>
-                </a:cxn>
-                <a:cxn ang="0">
-                  <a:pos x="connsiteX25" y="connsiteY25"/>
-                </a:cxn>
-                <a:cxn ang="0">
-                  <a:pos x="connsiteX26" y="connsiteY26"/>
-                </a:cxn>
-                <a:cxn ang="0">
-                  <a:pos x="connsiteX27" y="connsiteY27"/>
-                </a:cxn>
-                <a:cxn ang="0">
-                  <a:pos x="connsiteX28" y="connsiteY28"/>
-                </a:cxn>
-                <a:cxn ang="0">
-                  <a:pos x="connsiteX29" y="connsiteY29"/>
-                </a:cxn>
-                <a:cxn ang="0">
-                  <a:pos x="connsiteX30" y="connsiteY30"/>
-                </a:cxn>
-                <a:cxn ang="0">
-                  <a:pos x="connsiteX31" y="connsiteY31"/>
-                </a:cxn>
-                <a:cxn ang="0">
-                  <a:pos x="connsiteX32" y="connsiteY32"/>
-                </a:cxn>
-                <a:cxn ang="0">
-                  <a:pos x="connsiteX33" y="connsiteY33"/>
-                </a:cxn>
-                <a:cxn ang="0">
-                  <a:pos x="connsiteX34" y="connsiteY34"/>
-                </a:cxn>
-                <a:cxn ang="0">
-                  <a:pos x="connsiteX35" y="connsiteY35"/>
-                </a:cxn>
-                <a:cxn ang="0">
-                  <a:pos x="connsiteX36" y="connsiteY36"/>
-                </a:cxn>
-                <a:cxn ang="0">
-                  <a:pos x="connsiteX37" y="connsiteY37"/>
-                </a:cxn>
-                <a:cxn ang="0">
-                  <a:pos x="connsiteX38" y="connsiteY38"/>
-                </a:cxn>
-                <a:cxn ang="0">
-                  <a:pos x="connsiteX39" y="connsiteY39"/>
-                </a:cxn>
-                <a:cxn ang="0">
-                  <a:pos x="connsiteX40" y="connsiteY40"/>
-                </a:cxn>
-                <a:cxn ang="0">
-                  <a:pos x="connsiteX41" y="connsiteY41"/>
-                </a:cxn>
-                <a:cxn ang="0">
-                  <a:pos x="connsiteX42" y="connsiteY42"/>
-                </a:cxn>
-                <a:cxn ang="0">
-                  <a:pos x="connsiteX43" y="connsiteY43"/>
-                </a:cxn>
-                <a:cxn ang="0">
-                  <a:pos x="connsiteX44" y="connsiteY44"/>
-                </a:cxn>
-                <a:cxn ang="0">
-                  <a:pos x="connsiteX45" y="connsiteY45"/>
-                </a:cxn>
-                <a:cxn ang="0">
-                  <a:pos x="connsiteX46" y="connsiteY46"/>
-                </a:cxn>
-                <a:cxn ang="0">
-                  <a:pos x="connsiteX47" y="connsiteY47"/>
-                </a:cxn>
-                <a:cxn ang="0">
-                  <a:pos x="connsiteX48" y="connsiteY48"/>
-                </a:cxn>
-                <a:cxn ang="0">
-                  <a:pos x="connsiteX49" y="connsiteY49"/>
-                </a:cxn>
-                <a:cxn ang="0">
-                  <a:pos x="connsiteX50" y="connsiteY50"/>
-                </a:cxn>
-                <a:cxn ang="0">
-                  <a:pos x="connsiteX51" y="connsiteY51"/>
-                </a:cxn>
-                <a:cxn ang="0">
-                  <a:pos x="connsiteX52" y="connsiteY52"/>
-                </a:cxn>
-                <a:cxn ang="0">
-                  <a:pos x="connsiteX53" y="connsiteY53"/>
-                </a:cxn>
-                <a:cxn ang="0">
-                  <a:pos x="connsiteX54" y="connsiteY54"/>
-                </a:cxn>
-                <a:cxn ang="0">
-                  <a:pos x="connsiteX55" y="connsiteY55"/>
-                </a:cxn>
-                <a:cxn ang="0">
-                  <a:pos x="connsiteX56" y="connsiteY56"/>
-                </a:cxn>
-                <a:cxn ang="0">
-                  <a:pos x="connsiteX57" y="connsiteY57"/>
-                </a:cxn>
-                <a:cxn ang="0">
-                  <a:pos x="connsiteX58" y="connsiteY58"/>
-                </a:cxn>
-                <a:cxn ang="0">
-                  <a:pos x="connsiteX59" y="connsiteY59"/>
-                </a:cxn>
-                <a:cxn ang="0">
-                  <a:pos x="connsiteX60" y="connsiteY60"/>
-                </a:cxn>
-                <a:cxn ang="0">
-                  <a:pos x="connsiteX61" y="connsiteY61"/>
-                </a:cxn>
-                <a:cxn ang="0">
-                  <a:pos x="connsiteX62" y="connsiteY62"/>
-                </a:cxn>
-                <a:cxn ang="0">
-                  <a:pos x="connsiteX63" y="connsiteY63"/>
-                </a:cxn>
-                <a:cxn ang="0">
-                  <a:pos x="connsiteX64" y="connsiteY64"/>
-                </a:cxn>
-                <a:cxn ang="0">
-                  <a:pos x="connsiteX65" y="connsiteY65"/>
-                </a:cxn>
-                <a:cxn ang="0">
-                  <a:pos x="connsiteX66" y="connsiteY66"/>
-                </a:cxn>
-                <a:cxn ang="0">
-                  <a:pos x="connsiteX67" y="connsiteY67"/>
-                </a:cxn>
-                <a:cxn ang="0">
-                  <a:pos x="connsiteX68" y="connsiteY68"/>
-                </a:cxn>
-                <a:cxn ang="0">
-                  <a:pos x="connsiteX69" y="connsiteY69"/>
-                </a:cxn>
-                <a:cxn ang="0">
-                  <a:pos x="connsiteX70" y="connsiteY70"/>
-                </a:cxn>
-                <a:cxn ang="0">
-                  <a:pos x="connsiteX71" y="connsiteY71"/>
-                </a:cxn>
-                <a:cxn ang="0">
-                  <a:pos x="connsiteX72" y="connsiteY72"/>
-                </a:cxn>
-                <a:cxn ang="0">
-                  <a:pos x="connsiteX73" y="connsiteY73"/>
-                </a:cxn>
-                <a:cxn ang="0">
-                  <a:pos x="connsiteX74" y="connsiteY74"/>
-                </a:cxn>
-                <a:cxn ang="0">
-                  <a:pos x="connsiteX75" y="connsiteY75"/>
-                </a:cxn>
-                <a:cxn ang="0">
-                  <a:pos x="connsiteX76" y="connsiteY76"/>
-                </a:cxn>
-                <a:cxn ang="0">
-                  <a:pos x="connsiteX77" y="connsiteY77"/>
-                </a:cxn>
-                <a:cxn ang="0">
-                  <a:pos x="connsiteX78" y="connsiteY78"/>
-                </a:cxn>
-                <a:cxn ang="0">
-                  <a:pos x="connsiteX79" y="connsiteY79"/>
-                </a:cxn>
-                <a:cxn ang="0">
-                  <a:pos x="connsiteX80" y="connsiteY80"/>
-                </a:cxn>
-                <a:cxn ang="0">
-                  <a:pos x="connsiteX81" y="connsiteY81"/>
-                </a:cxn>
-                <a:cxn ang="0">
-                  <a:pos x="connsiteX82" y="connsiteY82"/>
-                </a:cxn>
-                <a:cxn ang="0">
-                  <a:pos x="connsiteX83" y="connsiteY83"/>
-                </a:cxn>
-                <a:cxn ang="0">
-                  <a:pos x="connsiteX84" y="connsiteY84"/>
-                </a:cxn>
-                <a:cxn ang="0">
-                  <a:pos x="connsiteX85" y="connsiteY85"/>
-                </a:cxn>
-                <a:cxn ang="0">
-                  <a:pos x="connsiteX86" y="connsiteY86"/>
-                </a:cxn>
-                <a:cxn ang="0">
-                  <a:pos x="connsiteX87" y="connsiteY87"/>
-                </a:cxn>
-                <a:cxn ang="0">
-                  <a:pos x="connsiteX88" y="connsiteY88"/>
-                </a:cxn>
-                <a:cxn ang="0">
-                  <a:pos x="connsiteX89" y="connsiteY89"/>
-                </a:cxn>
-                <a:cxn ang="0">
-                  <a:pos x="connsiteX90" y="connsiteY90"/>
-                </a:cxn>
-                <a:cxn ang="0">
-                  <a:pos x="connsiteX91" y="connsiteY91"/>
-                </a:cxn>
-                <a:cxn ang="0">
-                  <a:pos x="connsiteX92" y="connsiteY92"/>
-                </a:cxn>
-                <a:cxn ang="0">
-                  <a:pos x="connsiteX93" y="connsiteY93"/>
-                </a:cxn>
-                <a:cxn ang="0">
-                  <a:pos x="connsiteX94" y="connsiteY94"/>
-                </a:cxn>
-                <a:cxn ang="0">
-                  <a:pos x="connsiteX95" y="connsiteY95"/>
-                </a:cxn>
-                <a:cxn ang="0">
-                  <a:pos x="connsiteX96" y="connsiteY96"/>
-                </a:cxn>
-              </a:cxnLst>
-              <a:rect l="l" t="t" r="r" b="b"/>
-              <a:pathLst>
-                <a:path w="2923657" h="1930754">
-                  <a:moveTo>
-                    <a:pt x="2050697" y="914"/>
-                  </a:moveTo>
-                  <a:cubicBezTo>
-                    <a:pt x="2063904" y="-398"/>
-                    <a:pt x="2077067" y="-312"/>
-                    <a:pt x="2090042" y="1257"/>
-                  </a:cubicBezTo>
-                  <a:cubicBezTo>
-                    <a:pt x="2104871" y="3051"/>
-                    <a:pt x="2119456" y="6781"/>
-                    <a:pt x="2133583" y="12579"/>
-                  </a:cubicBezTo>
-                  <a:cubicBezTo>
-                    <a:pt x="2190092" y="35770"/>
-                    <a:pt x="2228585" y="87630"/>
-                    <a:pt x="2245137" y="152732"/>
-                  </a:cubicBezTo>
-                  <a:lnTo>
-                    <a:pt x="2252045" y="245317"/>
-                  </a:lnTo>
-                  <a:lnTo>
-                    <a:pt x="2283505" y="245592"/>
-                  </a:lnTo>
-                  <a:cubicBezTo>
-                    <a:pt x="2298334" y="247386"/>
-                    <a:pt x="2312919" y="251116"/>
-                    <a:pt x="2327046" y="256914"/>
-                  </a:cubicBezTo>
-                  <a:cubicBezTo>
-                    <a:pt x="2369429" y="274307"/>
-                    <a:pt x="2401675" y="307827"/>
-                    <a:pt x="2422133" y="350964"/>
-                  </a:cubicBezTo>
-                  <a:lnTo>
-                    <a:pt x="2431309" y="376653"/>
-                  </a:lnTo>
-                  <a:lnTo>
-                    <a:pt x="2436980" y="370631"/>
-                  </a:lnTo>
-                  <a:cubicBezTo>
-                    <a:pt x="2475072" y="339992"/>
-                    <a:pt x="2517300" y="324099"/>
-                    <a:pt x="2556566" y="327733"/>
-                  </a:cubicBezTo>
-                  <a:cubicBezTo>
-                    <a:pt x="2567784" y="328771"/>
-                    <a:pt x="2578761" y="331402"/>
-                    <a:pt x="2589329" y="335740"/>
-                  </a:cubicBezTo>
-                  <a:cubicBezTo>
-                    <a:pt x="2631604" y="353089"/>
-                    <a:pt x="2659355" y="394439"/>
-                    <a:pt x="2670044" y="447267"/>
-                  </a:cubicBezTo>
-                  <a:lnTo>
-                    <a:pt x="2672216" y="511363"/>
-                  </a:lnTo>
-                  <a:lnTo>
-                    <a:pt x="2682638" y="506826"/>
-                  </a:lnTo>
-                  <a:cubicBezTo>
-                    <a:pt x="2706248" y="500254"/>
-                    <a:pt x="2729855" y="497375"/>
-                    <a:pt x="2752673" y="498491"/>
-                  </a:cubicBezTo>
-                  <a:cubicBezTo>
-                    <a:pt x="2783098" y="499980"/>
-                    <a:pt x="2812121" y="508570"/>
-                    <a:pt x="2837884" y="524972"/>
-                  </a:cubicBezTo>
-                  <a:cubicBezTo>
-                    <a:pt x="2915174" y="574179"/>
-                    <a:pt x="2941172" y="679722"/>
-                    <a:pt x="2912041" y="788005"/>
-                  </a:cubicBezTo>
-                  <a:lnTo>
-                    <a:pt x="2868978" y="884897"/>
-                  </a:lnTo>
-                  <a:lnTo>
-                    <a:pt x="2872601" y="888522"/>
-                  </a:lnTo>
-                  <a:cubicBezTo>
-                    <a:pt x="2928869" y="960527"/>
-                    <a:pt x="2940184" y="1079682"/>
-                    <a:pt x="2893308" y="1193907"/>
-                  </a:cubicBezTo>
-                  <a:cubicBezTo>
-                    <a:pt x="2846431" y="1308133"/>
-                    <a:pt x="2754677" y="1384988"/>
-                    <a:pt x="2664048" y="1396710"/>
-                  </a:cubicBezTo>
-                  <a:lnTo>
-                    <a:pt x="2632249" y="1396925"/>
-                  </a:lnTo>
-                  <a:lnTo>
-                    <a:pt x="2624836" y="1421754"/>
-                  </a:lnTo>
-                  <a:cubicBezTo>
-                    <a:pt x="2618688" y="1435368"/>
-                    <a:pt x="2610756" y="1448186"/>
-                    <a:pt x="2601261" y="1460094"/>
-                  </a:cubicBezTo>
-                  <a:lnTo>
-                    <a:pt x="2552002" y="1499778"/>
-                  </a:lnTo>
-                  <a:lnTo>
-                    <a:pt x="2562309" y="1512388"/>
-                  </a:lnTo>
-                  <a:cubicBezTo>
-                    <a:pt x="2583806" y="1550750"/>
-                    <a:pt x="2588919" y="1592722"/>
-                    <a:pt x="2572555" y="1629208"/>
-                  </a:cubicBezTo>
-                  <a:cubicBezTo>
-                    <a:pt x="2564371" y="1647451"/>
-                    <a:pt x="2551594" y="1662596"/>
-                    <a:pt x="2535494" y="1674363"/>
-                  </a:cubicBezTo>
-                  <a:lnTo>
-                    <a:pt x="2511124" y="1685003"/>
-                  </a:lnTo>
-                  <a:lnTo>
-                    <a:pt x="2513107" y="1698748"/>
-                  </a:lnTo>
-                  <a:cubicBezTo>
-                    <a:pt x="2514017" y="1729195"/>
-                    <a:pt x="2507738" y="1758804"/>
-                    <a:pt x="2493415" y="1785778"/>
-                  </a:cubicBezTo>
-                  <a:cubicBezTo>
-                    <a:pt x="2443280" y="1880187"/>
-                    <a:pt x="2311209" y="1911033"/>
-                    <a:pt x="2181569" y="1865545"/>
-                  </a:cubicBezTo>
-                  <a:lnTo>
-                    <a:pt x="2148733" y="1851137"/>
-                  </a:lnTo>
-                  <a:lnTo>
-                    <a:pt x="2122912" y="1879847"/>
-                  </a:lnTo>
-                  <a:cubicBezTo>
-                    <a:pt x="2087608" y="1911987"/>
-                    <a:pt x="2045049" y="1930754"/>
-                    <a:pt x="1999237" y="1930754"/>
-                  </a:cubicBezTo>
-                  <a:cubicBezTo>
-                    <a:pt x="1922884" y="1930754"/>
-                    <a:pt x="1855566" y="1878623"/>
-                    <a:pt x="1815815" y="1799332"/>
-                  </a:cubicBezTo>
-                  <a:lnTo>
-                    <a:pt x="1799326" y="1758397"/>
-                  </a:lnTo>
-                  <a:lnTo>
-                    <a:pt x="1785002" y="1784411"/>
-                  </a:lnTo>
-                  <a:cubicBezTo>
-                    <a:pt x="1760894" y="1820259"/>
-                    <a:pt x="1731830" y="1841192"/>
-                    <a:pt x="1700546" y="1841192"/>
-                  </a:cubicBezTo>
-                  <a:cubicBezTo>
-                    <a:pt x="1648405" y="1841192"/>
-                    <a:pt x="1602435" y="1783046"/>
-                    <a:pt x="1575290" y="1694608"/>
-                  </a:cubicBezTo>
-                  <a:lnTo>
-                    <a:pt x="1575028" y="1693545"/>
-                  </a:lnTo>
-                  <a:lnTo>
-                    <a:pt x="1554157" y="1729037"/>
-                  </a:lnTo>
-                  <a:cubicBezTo>
-                    <a:pt x="1511276" y="1789204"/>
-                    <a:pt x="1452035" y="1826417"/>
-                    <a:pt x="1386600" y="1826417"/>
-                  </a:cubicBezTo>
-                  <a:cubicBezTo>
-                    <a:pt x="1321165" y="1826417"/>
-                    <a:pt x="1261925" y="1789204"/>
-                    <a:pt x="1219043" y="1729037"/>
-                  </a:cubicBezTo>
-                  <a:lnTo>
-                    <a:pt x="1217805" y="1726932"/>
-                  </a:lnTo>
-                  <a:lnTo>
-                    <a:pt x="1199640" y="1753905"/>
-                  </a:lnTo>
-                  <a:cubicBezTo>
-                    <a:pt x="1174635" y="1783768"/>
-                    <a:pt x="1143335" y="1808232"/>
-                    <a:pt x="1106436" y="1825024"/>
-                  </a:cubicBezTo>
-                  <a:cubicBezTo>
-                    <a:pt x="995734" y="1875399"/>
-                    <a:pt x="866074" y="1842409"/>
-                    <a:pt x="776078" y="1752258"/>
-                  </a:cubicBezTo>
-                  <a:lnTo>
-                    <a:pt x="744087" y="1713860"/>
-                  </a:lnTo>
-                  <a:lnTo>
-                    <a:pt x="737364" y="1732964"/>
-                  </a:lnTo>
-                  <a:cubicBezTo>
-                    <a:pt x="702105" y="1806500"/>
-                    <a:pt x="619559" y="1858097"/>
-                    <a:pt x="523352" y="1858097"/>
-                  </a:cubicBezTo>
-                  <a:cubicBezTo>
-                    <a:pt x="395076" y="1858097"/>
-                    <a:pt x="291088" y="1766368"/>
-                    <a:pt x="291088" y="1653215"/>
-                  </a:cubicBezTo>
-                  <a:cubicBezTo>
-                    <a:pt x="291088" y="1610783"/>
-                    <a:pt x="305711" y="1571364"/>
-                    <a:pt x="330755" y="1538663"/>
-                  </a:cubicBezTo>
-                  <a:lnTo>
-                    <a:pt x="334012" y="1535182"/>
-                  </a:lnTo>
-                  <a:lnTo>
-                    <a:pt x="319228" y="1527159"/>
-                  </a:lnTo>
-                  <a:cubicBezTo>
-                    <a:pt x="301541" y="1515209"/>
-                    <a:pt x="285065" y="1501602"/>
-                    <a:pt x="270023" y="1486560"/>
-                  </a:cubicBezTo>
-                  <a:lnTo>
-                    <a:pt x="240311" y="1450550"/>
-                  </a:lnTo>
-                  <a:lnTo>
-                    <a:pt x="238140" y="1453770"/>
-                  </a:lnTo>
-                  <a:cubicBezTo>
-                    <a:pt x="218603" y="1473308"/>
-                    <a:pt x="191612" y="1485392"/>
-                    <a:pt x="161798" y="1485392"/>
-                  </a:cubicBezTo>
-                  <a:cubicBezTo>
-                    <a:pt x="102171" y="1485392"/>
-                    <a:pt x="53834" y="1437055"/>
-                    <a:pt x="53834" y="1377428"/>
-                  </a:cubicBezTo>
-                  <a:cubicBezTo>
-                    <a:pt x="53834" y="1317801"/>
-                    <a:pt x="102171" y="1269465"/>
-                    <a:pt x="161799" y="1269464"/>
-                  </a:cubicBezTo>
-                  <a:lnTo>
-                    <a:pt x="174720" y="1272073"/>
-                  </a:lnTo>
-                  <a:lnTo>
-                    <a:pt x="172644" y="1251466"/>
-                  </a:lnTo>
-                  <a:cubicBezTo>
-                    <a:pt x="172643" y="1159656"/>
-                    <a:pt x="209857" y="1076538"/>
-                    <a:pt x="270024" y="1016372"/>
-                  </a:cubicBezTo>
-                  <a:lnTo>
-                    <a:pt x="300742" y="991026"/>
-                  </a:lnTo>
-                  <a:lnTo>
-                    <a:pt x="264959" y="1009044"/>
-                  </a:lnTo>
-                  <a:cubicBezTo>
-                    <a:pt x="248707" y="1013084"/>
-                    <a:pt x="232224" y="1013017"/>
-                    <a:pt x="216391" y="1008158"/>
-                  </a:cubicBezTo>
-                  <a:cubicBezTo>
-                    <a:pt x="184727" y="998440"/>
-                    <a:pt x="161660" y="971393"/>
-                    <a:pt x="149963" y="935522"/>
-                  </a:cubicBezTo>
-                  <a:lnTo>
-                    <a:pt x="141912" y="880394"/>
-                  </a:lnTo>
-                  <a:lnTo>
-                    <a:pt x="104156" y="875033"/>
-                  </a:lnTo>
-                  <a:cubicBezTo>
-                    <a:pt x="42949" y="856824"/>
-                    <a:pt x="0" y="814194"/>
-                    <a:pt x="0" y="764511"/>
-                  </a:cubicBezTo>
-                  <a:cubicBezTo>
-                    <a:pt x="0" y="698266"/>
-                    <a:pt x="76352" y="644563"/>
-                    <a:pt x="170538" y="644563"/>
-                  </a:cubicBezTo>
-                  <a:lnTo>
-                    <a:pt x="192026" y="647615"/>
-                  </a:lnTo>
-                  <a:lnTo>
-                    <a:pt x="189894" y="644453"/>
-                  </a:lnTo>
-                  <a:cubicBezTo>
-                    <a:pt x="181105" y="623672"/>
-                    <a:pt x="176244" y="600823"/>
-                    <a:pt x="176244" y="576840"/>
-                  </a:cubicBezTo>
-                  <a:cubicBezTo>
-                    <a:pt x="176244" y="480906"/>
-                    <a:pt x="254013" y="403137"/>
-                    <a:pt x="349948" y="403137"/>
-                  </a:cubicBezTo>
-                  <a:cubicBezTo>
-                    <a:pt x="373931" y="403137"/>
-                    <a:pt x="396780" y="407997"/>
-                    <a:pt x="417560" y="416787"/>
-                  </a:cubicBezTo>
-                  <a:lnTo>
-                    <a:pt x="450908" y="439271"/>
-                  </a:lnTo>
-                  <a:lnTo>
-                    <a:pt x="448606" y="413393"/>
-                  </a:lnTo>
-                  <a:cubicBezTo>
-                    <a:pt x="447883" y="282758"/>
-                    <a:pt x="502296" y="168255"/>
-                    <a:pt x="604060" y="115202"/>
-                  </a:cubicBezTo>
-                  <a:cubicBezTo>
-                    <a:pt x="644766" y="93982"/>
-                    <a:pt x="689194" y="84602"/>
-                    <a:pt x="734681" y="85810"/>
-                  </a:cubicBezTo>
-                  <a:cubicBezTo>
-                    <a:pt x="802912" y="87624"/>
-                    <a:pt x="873528" y="113263"/>
-                    <a:pt x="937538" y="158498"/>
-                  </a:cubicBezTo>
-                  <a:lnTo>
-                    <a:pt x="960860" y="179767"/>
-                  </a:lnTo>
-                  <a:lnTo>
-                    <a:pt x="969050" y="139199"/>
-                  </a:lnTo>
-                  <a:cubicBezTo>
-                    <a:pt x="1000820" y="64084"/>
-                    <a:pt x="1075198" y="11378"/>
-                    <a:pt x="1161888" y="11378"/>
-                  </a:cubicBezTo>
-                  <a:cubicBezTo>
-                    <a:pt x="1248576" y="11377"/>
-                    <a:pt x="1322954" y="64084"/>
-                    <a:pt x="1354725" y="139200"/>
-                  </a:cubicBezTo>
-                  <a:lnTo>
-                    <a:pt x="1370519" y="217423"/>
-                  </a:lnTo>
-                  <a:lnTo>
-                    <a:pt x="1409067" y="229390"/>
-                  </a:lnTo>
-                  <a:cubicBezTo>
-                    <a:pt x="1427846" y="237332"/>
-                    <a:pt x="1445224" y="247938"/>
-                    <a:pt x="1460730" y="260733"/>
-                  </a:cubicBezTo>
-                  <a:lnTo>
-                    <a:pt x="1472314" y="273483"/>
-                  </a:lnTo>
-                  <a:lnTo>
-                    <a:pt x="1487534" y="199150"/>
-                  </a:lnTo>
-                  <a:cubicBezTo>
-                    <a:pt x="1512229" y="136682"/>
-                    <a:pt x="1557003" y="90136"/>
-                    <a:pt x="1616002" y="74318"/>
-                  </a:cubicBezTo>
-                  <a:cubicBezTo>
-                    <a:pt x="1689750" y="54546"/>
-                    <a:pt x="1768272" y="87466"/>
-                    <a:pt x="1827200" y="153758"/>
-                  </a:cubicBezTo>
-                  <a:lnTo>
-                    <a:pt x="1837154" y="166993"/>
-                  </a:lnTo>
-                  <a:lnTo>
-                    <a:pt x="1867104" y="114642"/>
-                  </a:lnTo>
-                  <a:cubicBezTo>
-                    <a:pt x="1917520" y="48971"/>
-                    <a:pt x="1984663" y="7473"/>
-                    <a:pt x="2050697" y="914"/>
-                  </a:cubicBezTo>
-                  <a:close/>
-                </a:path>
-              </a:pathLst>
-            </a:custGeom>
-            <a:solidFill>
-              <a:srgbClr val="FFFF00"/>
-            </a:solidFill>
-            <a:ln w="174625">
-              <a:solidFill>
-                <a:schemeClr val="tx1"/>
-              </a:solidFill>
-            </a:ln>
-          </p:spPr>
-          <p:style>
-            <a:lnRef idx="2">
-              <a:schemeClr val="accent1">
-                <a:shade val="50000"/>
-              </a:schemeClr>
-            </a:lnRef>
-            <a:fillRef idx="1">
-              <a:schemeClr val="accent1"/>
-            </a:fillRef>
-            <a:effectRef idx="0">
-              <a:schemeClr val="accent1"/>
-            </a:effectRef>
-            <a:fontRef idx="minor">
-              <a:schemeClr val="lt1"/>
-            </a:fontRef>
-          </p:style>
-          <p:txBody>
-            <a:bodyPr rtlCol="0" anchor="ctr"/>
-            <a:lstStyle/>
-            <a:p>
-              <a:pPr algn="ctr"/>
-              <a:endParaRPr kumimoji="1" lang="ja-JP" altLang="en-US"/>
-            </a:p>
-          </p:txBody>
-        </p:sp>
-        <p:sp>
-          <p:nvSpPr>
-            <p:cNvPr id="174" name="フリーフォーム: 図形 173">
-              <a:extLst>
-                <a:ext uri="{FF2B5EF4-FFF2-40B4-BE49-F238E27FC236}">
-                  <a16:creationId xmlns:a16="http://schemas.microsoft.com/office/drawing/2014/main" id="{D0F330DD-F59D-467E-B1C8-DF583C97E8EA}"/>
-                </a:ext>
-              </a:extLst>
-            </p:cNvPr>
-            <p:cNvSpPr/>
-            <p:nvPr/>
-          </p:nvSpPr>
-          <p:spPr>
-            <a:xfrm>
-              <a:off x="7444956" y="430990"/>
-              <a:ext cx="2228694" cy="1268872"/>
-            </a:xfrm>
-            <a:custGeom>
-              <a:avLst/>
-              <a:gdLst>
-                <a:gd name="connsiteX0" fmla="*/ 2050697 w 2923657"/>
-                <a:gd name="connsiteY0" fmla="*/ 914 h 1930754"/>
-                <a:gd name="connsiteX1" fmla="*/ 2090042 w 2923657"/>
-                <a:gd name="connsiteY1" fmla="*/ 1257 h 1930754"/>
-                <a:gd name="connsiteX2" fmla="*/ 2133583 w 2923657"/>
-                <a:gd name="connsiteY2" fmla="*/ 12579 h 1930754"/>
-                <a:gd name="connsiteX3" fmla="*/ 2245137 w 2923657"/>
-                <a:gd name="connsiteY3" fmla="*/ 152732 h 1930754"/>
-                <a:gd name="connsiteX4" fmla="*/ 2252045 w 2923657"/>
-                <a:gd name="connsiteY4" fmla="*/ 245317 h 1930754"/>
-                <a:gd name="connsiteX5" fmla="*/ 2283505 w 2923657"/>
-                <a:gd name="connsiteY5" fmla="*/ 245592 h 1930754"/>
-                <a:gd name="connsiteX6" fmla="*/ 2327046 w 2923657"/>
-                <a:gd name="connsiteY6" fmla="*/ 256914 h 1930754"/>
-                <a:gd name="connsiteX7" fmla="*/ 2422133 w 2923657"/>
-                <a:gd name="connsiteY7" fmla="*/ 350964 h 1930754"/>
-                <a:gd name="connsiteX8" fmla="*/ 2431309 w 2923657"/>
-                <a:gd name="connsiteY8" fmla="*/ 376653 h 1930754"/>
-                <a:gd name="connsiteX9" fmla="*/ 2436980 w 2923657"/>
-                <a:gd name="connsiteY9" fmla="*/ 370631 h 1930754"/>
-                <a:gd name="connsiteX10" fmla="*/ 2556566 w 2923657"/>
-                <a:gd name="connsiteY10" fmla="*/ 327733 h 1930754"/>
-                <a:gd name="connsiteX11" fmla="*/ 2589329 w 2923657"/>
-                <a:gd name="connsiteY11" fmla="*/ 335740 h 1930754"/>
-                <a:gd name="connsiteX12" fmla="*/ 2670044 w 2923657"/>
-                <a:gd name="connsiteY12" fmla="*/ 447267 h 1930754"/>
-                <a:gd name="connsiteX13" fmla="*/ 2672216 w 2923657"/>
-                <a:gd name="connsiteY13" fmla="*/ 511363 h 1930754"/>
-                <a:gd name="connsiteX14" fmla="*/ 2682638 w 2923657"/>
-                <a:gd name="connsiteY14" fmla="*/ 506826 h 1930754"/>
-                <a:gd name="connsiteX15" fmla="*/ 2752673 w 2923657"/>
-                <a:gd name="connsiteY15" fmla="*/ 498491 h 1930754"/>
-                <a:gd name="connsiteX16" fmla="*/ 2837884 w 2923657"/>
-                <a:gd name="connsiteY16" fmla="*/ 524972 h 1930754"/>
-                <a:gd name="connsiteX17" fmla="*/ 2912041 w 2923657"/>
-                <a:gd name="connsiteY17" fmla="*/ 788005 h 1930754"/>
-                <a:gd name="connsiteX18" fmla="*/ 2868978 w 2923657"/>
-                <a:gd name="connsiteY18" fmla="*/ 884897 h 1930754"/>
-                <a:gd name="connsiteX19" fmla="*/ 2872601 w 2923657"/>
-                <a:gd name="connsiteY19" fmla="*/ 888522 h 1930754"/>
-                <a:gd name="connsiteX20" fmla="*/ 2893308 w 2923657"/>
-                <a:gd name="connsiteY20" fmla="*/ 1193907 h 1930754"/>
-                <a:gd name="connsiteX21" fmla="*/ 2664048 w 2923657"/>
-                <a:gd name="connsiteY21" fmla="*/ 1396710 h 1930754"/>
-                <a:gd name="connsiteX22" fmla="*/ 2632249 w 2923657"/>
-                <a:gd name="connsiteY22" fmla="*/ 1396925 h 1930754"/>
-                <a:gd name="connsiteX23" fmla="*/ 2624836 w 2923657"/>
-                <a:gd name="connsiteY23" fmla="*/ 1421754 h 1930754"/>
-                <a:gd name="connsiteX24" fmla="*/ 2601261 w 2923657"/>
-                <a:gd name="connsiteY24" fmla="*/ 1460094 h 1930754"/>
-                <a:gd name="connsiteX25" fmla="*/ 2552002 w 2923657"/>
-                <a:gd name="connsiteY25" fmla="*/ 1499778 h 1930754"/>
-                <a:gd name="connsiteX26" fmla="*/ 2562309 w 2923657"/>
-                <a:gd name="connsiteY26" fmla="*/ 1512388 h 1930754"/>
-                <a:gd name="connsiteX27" fmla="*/ 2572555 w 2923657"/>
-                <a:gd name="connsiteY27" fmla="*/ 1629208 h 1930754"/>
-                <a:gd name="connsiteX28" fmla="*/ 2535494 w 2923657"/>
-                <a:gd name="connsiteY28" fmla="*/ 1674363 h 1930754"/>
-                <a:gd name="connsiteX29" fmla="*/ 2511124 w 2923657"/>
-                <a:gd name="connsiteY29" fmla="*/ 1685003 h 1930754"/>
-                <a:gd name="connsiteX30" fmla="*/ 2513107 w 2923657"/>
-                <a:gd name="connsiteY30" fmla="*/ 1698748 h 1930754"/>
-                <a:gd name="connsiteX31" fmla="*/ 2493415 w 2923657"/>
-                <a:gd name="connsiteY31" fmla="*/ 1785778 h 1930754"/>
-                <a:gd name="connsiteX32" fmla="*/ 2181569 w 2923657"/>
-                <a:gd name="connsiteY32" fmla="*/ 1865545 h 1930754"/>
-                <a:gd name="connsiteX33" fmla="*/ 2148733 w 2923657"/>
-                <a:gd name="connsiteY33" fmla="*/ 1851137 h 1930754"/>
-                <a:gd name="connsiteX34" fmla="*/ 2122912 w 2923657"/>
-                <a:gd name="connsiteY34" fmla="*/ 1879847 h 1930754"/>
-                <a:gd name="connsiteX35" fmla="*/ 1999237 w 2923657"/>
-                <a:gd name="connsiteY35" fmla="*/ 1930754 h 1930754"/>
-                <a:gd name="connsiteX36" fmla="*/ 1815815 w 2923657"/>
-                <a:gd name="connsiteY36" fmla="*/ 1799332 h 1930754"/>
-                <a:gd name="connsiteX37" fmla="*/ 1799326 w 2923657"/>
-                <a:gd name="connsiteY37" fmla="*/ 1758397 h 1930754"/>
-                <a:gd name="connsiteX38" fmla="*/ 1785002 w 2923657"/>
-                <a:gd name="connsiteY38" fmla="*/ 1784411 h 1930754"/>
-                <a:gd name="connsiteX39" fmla="*/ 1700546 w 2923657"/>
-                <a:gd name="connsiteY39" fmla="*/ 1841192 h 1930754"/>
-                <a:gd name="connsiteX40" fmla="*/ 1575290 w 2923657"/>
-                <a:gd name="connsiteY40" fmla="*/ 1694608 h 1930754"/>
-                <a:gd name="connsiteX41" fmla="*/ 1575028 w 2923657"/>
-                <a:gd name="connsiteY41" fmla="*/ 1693545 h 1930754"/>
-                <a:gd name="connsiteX42" fmla="*/ 1554157 w 2923657"/>
-                <a:gd name="connsiteY42" fmla="*/ 1729037 h 1930754"/>
-                <a:gd name="connsiteX43" fmla="*/ 1386600 w 2923657"/>
-                <a:gd name="connsiteY43" fmla="*/ 1826417 h 1930754"/>
-                <a:gd name="connsiteX44" fmla="*/ 1219043 w 2923657"/>
-                <a:gd name="connsiteY44" fmla="*/ 1729037 h 1930754"/>
-                <a:gd name="connsiteX45" fmla="*/ 1217805 w 2923657"/>
-                <a:gd name="connsiteY45" fmla="*/ 1726932 h 1930754"/>
-                <a:gd name="connsiteX46" fmla="*/ 1199640 w 2923657"/>
-                <a:gd name="connsiteY46" fmla="*/ 1753905 h 1930754"/>
-                <a:gd name="connsiteX47" fmla="*/ 1106436 w 2923657"/>
-                <a:gd name="connsiteY47" fmla="*/ 1825024 h 1930754"/>
-                <a:gd name="connsiteX48" fmla="*/ 776078 w 2923657"/>
-                <a:gd name="connsiteY48" fmla="*/ 1752258 h 1930754"/>
-                <a:gd name="connsiteX49" fmla="*/ 744087 w 2923657"/>
-                <a:gd name="connsiteY49" fmla="*/ 1713860 h 1930754"/>
-                <a:gd name="connsiteX50" fmla="*/ 737364 w 2923657"/>
-                <a:gd name="connsiteY50" fmla="*/ 1732964 h 1930754"/>
-                <a:gd name="connsiteX51" fmla="*/ 523352 w 2923657"/>
-                <a:gd name="connsiteY51" fmla="*/ 1858097 h 1930754"/>
-                <a:gd name="connsiteX52" fmla="*/ 291088 w 2923657"/>
-                <a:gd name="connsiteY52" fmla="*/ 1653215 h 1930754"/>
-                <a:gd name="connsiteX53" fmla="*/ 330755 w 2923657"/>
-                <a:gd name="connsiteY53" fmla="*/ 1538663 h 1930754"/>
-                <a:gd name="connsiteX54" fmla="*/ 334012 w 2923657"/>
-                <a:gd name="connsiteY54" fmla="*/ 1535182 h 1930754"/>
-                <a:gd name="connsiteX55" fmla="*/ 319228 w 2923657"/>
-                <a:gd name="connsiteY55" fmla="*/ 1527159 h 1930754"/>
-                <a:gd name="connsiteX56" fmla="*/ 270023 w 2923657"/>
-                <a:gd name="connsiteY56" fmla="*/ 1486560 h 1930754"/>
-                <a:gd name="connsiteX57" fmla="*/ 240311 w 2923657"/>
-                <a:gd name="connsiteY57" fmla="*/ 1450550 h 1930754"/>
-                <a:gd name="connsiteX58" fmla="*/ 238140 w 2923657"/>
-                <a:gd name="connsiteY58" fmla="*/ 1453770 h 1930754"/>
-                <a:gd name="connsiteX59" fmla="*/ 161798 w 2923657"/>
-                <a:gd name="connsiteY59" fmla="*/ 1485392 h 1930754"/>
-                <a:gd name="connsiteX60" fmla="*/ 53834 w 2923657"/>
-                <a:gd name="connsiteY60" fmla="*/ 1377428 h 1930754"/>
-                <a:gd name="connsiteX61" fmla="*/ 161799 w 2923657"/>
-                <a:gd name="connsiteY61" fmla="*/ 1269464 h 1930754"/>
-                <a:gd name="connsiteX62" fmla="*/ 174720 w 2923657"/>
-                <a:gd name="connsiteY62" fmla="*/ 1272073 h 1930754"/>
-                <a:gd name="connsiteX63" fmla="*/ 172644 w 2923657"/>
-                <a:gd name="connsiteY63" fmla="*/ 1251466 h 1930754"/>
-                <a:gd name="connsiteX64" fmla="*/ 270024 w 2923657"/>
-                <a:gd name="connsiteY64" fmla="*/ 1016372 h 1930754"/>
-                <a:gd name="connsiteX65" fmla="*/ 300742 w 2923657"/>
-                <a:gd name="connsiteY65" fmla="*/ 991026 h 1930754"/>
-                <a:gd name="connsiteX66" fmla="*/ 264959 w 2923657"/>
-                <a:gd name="connsiteY66" fmla="*/ 1009044 h 1930754"/>
-                <a:gd name="connsiteX67" fmla="*/ 216391 w 2923657"/>
-                <a:gd name="connsiteY67" fmla="*/ 1008158 h 1930754"/>
-                <a:gd name="connsiteX68" fmla="*/ 149963 w 2923657"/>
-                <a:gd name="connsiteY68" fmla="*/ 935522 h 1930754"/>
-                <a:gd name="connsiteX69" fmla="*/ 141912 w 2923657"/>
-                <a:gd name="connsiteY69" fmla="*/ 880394 h 1930754"/>
-                <a:gd name="connsiteX70" fmla="*/ 104156 w 2923657"/>
-                <a:gd name="connsiteY70" fmla="*/ 875033 h 1930754"/>
-                <a:gd name="connsiteX71" fmla="*/ 0 w 2923657"/>
-                <a:gd name="connsiteY71" fmla="*/ 764511 h 1930754"/>
-                <a:gd name="connsiteX72" fmla="*/ 170538 w 2923657"/>
-                <a:gd name="connsiteY72" fmla="*/ 644563 h 1930754"/>
-                <a:gd name="connsiteX73" fmla="*/ 192026 w 2923657"/>
-                <a:gd name="connsiteY73" fmla="*/ 647615 h 1930754"/>
-                <a:gd name="connsiteX74" fmla="*/ 189894 w 2923657"/>
-                <a:gd name="connsiteY74" fmla="*/ 644453 h 1930754"/>
-                <a:gd name="connsiteX75" fmla="*/ 176244 w 2923657"/>
-                <a:gd name="connsiteY75" fmla="*/ 576840 h 1930754"/>
-                <a:gd name="connsiteX76" fmla="*/ 349948 w 2923657"/>
-                <a:gd name="connsiteY76" fmla="*/ 403137 h 1930754"/>
-                <a:gd name="connsiteX77" fmla="*/ 417560 w 2923657"/>
-                <a:gd name="connsiteY77" fmla="*/ 416787 h 1930754"/>
-                <a:gd name="connsiteX78" fmla="*/ 450908 w 2923657"/>
-                <a:gd name="connsiteY78" fmla="*/ 439271 h 1930754"/>
-                <a:gd name="connsiteX79" fmla="*/ 448606 w 2923657"/>
-                <a:gd name="connsiteY79" fmla="*/ 413393 h 1930754"/>
-                <a:gd name="connsiteX80" fmla="*/ 604060 w 2923657"/>
-                <a:gd name="connsiteY80" fmla="*/ 115202 h 1930754"/>
-                <a:gd name="connsiteX81" fmla="*/ 734681 w 2923657"/>
-                <a:gd name="connsiteY81" fmla="*/ 85810 h 1930754"/>
-                <a:gd name="connsiteX82" fmla="*/ 937538 w 2923657"/>
-                <a:gd name="connsiteY82" fmla="*/ 158498 h 1930754"/>
-                <a:gd name="connsiteX83" fmla="*/ 960860 w 2923657"/>
-                <a:gd name="connsiteY83" fmla="*/ 179767 h 1930754"/>
-                <a:gd name="connsiteX84" fmla="*/ 969050 w 2923657"/>
-                <a:gd name="connsiteY84" fmla="*/ 139199 h 1930754"/>
-                <a:gd name="connsiteX85" fmla="*/ 1161888 w 2923657"/>
-                <a:gd name="connsiteY85" fmla="*/ 11378 h 1930754"/>
-                <a:gd name="connsiteX86" fmla="*/ 1354725 w 2923657"/>
-                <a:gd name="connsiteY86" fmla="*/ 139200 h 1930754"/>
-                <a:gd name="connsiteX87" fmla="*/ 1370519 w 2923657"/>
-                <a:gd name="connsiteY87" fmla="*/ 217423 h 1930754"/>
-                <a:gd name="connsiteX88" fmla="*/ 1409067 w 2923657"/>
-                <a:gd name="connsiteY88" fmla="*/ 229390 h 1930754"/>
-                <a:gd name="connsiteX89" fmla="*/ 1460730 w 2923657"/>
-                <a:gd name="connsiteY89" fmla="*/ 260733 h 1930754"/>
-                <a:gd name="connsiteX90" fmla="*/ 1472314 w 2923657"/>
-                <a:gd name="connsiteY90" fmla="*/ 273483 h 1930754"/>
-                <a:gd name="connsiteX91" fmla="*/ 1487534 w 2923657"/>
-                <a:gd name="connsiteY91" fmla="*/ 199150 h 1930754"/>
-                <a:gd name="connsiteX92" fmla="*/ 1616002 w 2923657"/>
-                <a:gd name="connsiteY92" fmla="*/ 74318 h 1930754"/>
-                <a:gd name="connsiteX93" fmla="*/ 1827200 w 2923657"/>
-                <a:gd name="connsiteY93" fmla="*/ 153758 h 1930754"/>
-                <a:gd name="connsiteX94" fmla="*/ 1837154 w 2923657"/>
-                <a:gd name="connsiteY94" fmla="*/ 166993 h 1930754"/>
-                <a:gd name="connsiteX95" fmla="*/ 1867104 w 2923657"/>
-                <a:gd name="connsiteY95" fmla="*/ 114642 h 1930754"/>
-                <a:gd name="connsiteX96" fmla="*/ 2050697 w 2923657"/>
-                <a:gd name="connsiteY96" fmla="*/ 914 h 1930754"/>
-              </a:gdLst>
-              <a:ahLst/>
-              <a:cxnLst>
-                <a:cxn ang="0">
-                  <a:pos x="connsiteX0" y="connsiteY0"/>
-                </a:cxn>
-                <a:cxn ang="0">
-                  <a:pos x="connsiteX1" y="connsiteY1"/>
-                </a:cxn>
-                <a:cxn ang="0">
-                  <a:pos x="connsiteX2" y="connsiteY2"/>
-                </a:cxn>
-                <a:cxn ang="0">
-                  <a:pos x="connsiteX3" y="connsiteY3"/>
-                </a:cxn>
-                <a:cxn ang="0">
-                  <a:pos x="connsiteX4" y="connsiteY4"/>
-                </a:cxn>
-                <a:cxn ang="0">
-                  <a:pos x="connsiteX5" y="connsiteY5"/>
-                </a:cxn>
-                <a:cxn ang="0">
-                  <a:pos x="connsiteX6" y="connsiteY6"/>
-                </a:cxn>
-                <a:cxn ang="0">
-                  <a:pos x="connsiteX7" y="connsiteY7"/>
-                </a:cxn>
-                <a:cxn ang="0">
-                  <a:pos x="connsiteX8" y="connsiteY8"/>
-                </a:cxn>
-                <a:cxn ang="0">
-                  <a:pos x="connsiteX9" y="connsiteY9"/>
-                </a:cxn>
-                <a:cxn ang="0">
-                  <a:pos x="connsiteX10" y="connsiteY10"/>
-                </a:cxn>
-                <a:cxn ang="0">
-                  <a:pos x="connsiteX11" y="connsiteY11"/>
-                </a:cxn>
-                <a:cxn ang="0">
-                  <a:pos x="connsiteX12" y="connsiteY12"/>
-                </a:cxn>
-                <a:cxn ang="0">
-                  <a:pos x="connsiteX13" y="connsiteY13"/>
-                </a:cxn>
-                <a:cxn ang="0">
-                  <a:pos x="connsiteX14" y="connsiteY14"/>
-                </a:cxn>
-                <a:cxn ang="0">
-                  <a:pos x="connsiteX15" y="connsiteY15"/>
-                </a:cxn>
-                <a:cxn ang="0">
-                  <a:pos x="connsiteX16" y="connsiteY16"/>
-                </a:cxn>
-                <a:cxn ang="0">
-                  <a:pos x="connsiteX17" y="connsiteY17"/>
-                </a:cxn>
-                <a:cxn ang="0">
-                  <a:pos x="connsiteX18" y="connsiteY18"/>
-                </a:cxn>
-                <a:cxn ang="0">
-                  <a:pos x="connsiteX19" y="connsiteY19"/>
-                </a:cxn>
-                <a:cxn ang="0">
-                  <a:pos x="connsiteX20" y="connsiteY20"/>
-                </a:cxn>
-                <a:cxn ang="0">
-                  <a:pos x="connsiteX21" y="connsiteY21"/>
-                </a:cxn>
-                <a:cxn ang="0">
-                  <a:pos x="connsiteX22" y="connsiteY22"/>
-                </a:cxn>
-                <a:cxn ang="0">
-                  <a:pos x="connsiteX23" y="connsiteY23"/>
-                </a:cxn>
-                <a:cxn ang="0">
-                  <a:pos x="connsiteX24" y="connsiteY24"/>
-                </a:cxn>
-                <a:cxn ang="0">
-                  <a:pos x="connsiteX25" y="connsiteY25"/>
-                </a:cxn>
-                <a:cxn ang="0">
-                  <a:pos x="connsiteX26" y="connsiteY26"/>
-                </a:cxn>
-                <a:cxn ang="0">
-                  <a:pos x="connsiteX27" y="connsiteY27"/>
-                </a:cxn>
-                <a:cxn ang="0">
-                  <a:pos x="connsiteX28" y="connsiteY28"/>
-                </a:cxn>
-                <a:cxn ang="0">
-                  <a:pos x="connsiteX29" y="connsiteY29"/>
-                </a:cxn>
-                <a:cxn ang="0">
-                  <a:pos x="connsiteX30" y="connsiteY30"/>
-                </a:cxn>
-                <a:cxn ang="0">
-                  <a:pos x="connsiteX31" y="connsiteY31"/>
-                </a:cxn>
-                <a:cxn ang="0">
-                  <a:pos x="connsiteX32" y="connsiteY32"/>
-                </a:cxn>
-                <a:cxn ang="0">
-                  <a:pos x="connsiteX33" y="connsiteY33"/>
-                </a:cxn>
-                <a:cxn ang="0">
-                  <a:pos x="connsiteX34" y="connsiteY34"/>
-                </a:cxn>
-                <a:cxn ang="0">
-                  <a:pos x="connsiteX35" y="connsiteY35"/>
-                </a:cxn>
-                <a:cxn ang="0">
-                  <a:pos x="connsiteX36" y="connsiteY36"/>
-                </a:cxn>
-                <a:cxn ang="0">
-                  <a:pos x="connsiteX37" y="connsiteY37"/>
-                </a:cxn>
-                <a:cxn ang="0">
-                  <a:pos x="connsiteX38" y="connsiteY38"/>
-                </a:cxn>
-                <a:cxn ang="0">
-                  <a:pos x="connsiteX39" y="connsiteY39"/>
-                </a:cxn>
-                <a:cxn ang="0">
-                  <a:pos x="connsiteX40" y="connsiteY40"/>
-                </a:cxn>
-                <a:cxn ang="0">
-                  <a:pos x="connsiteX41" y="connsiteY41"/>
-                </a:cxn>
-                <a:cxn ang="0">
-                  <a:pos x="connsiteX42" y="connsiteY42"/>
-                </a:cxn>
-                <a:cxn ang="0">
-                  <a:pos x="connsiteX43" y="connsiteY43"/>
-                </a:cxn>
-                <a:cxn ang="0">
-                  <a:pos x="connsiteX44" y="connsiteY44"/>
-                </a:cxn>
-                <a:cxn ang="0">
-                  <a:pos x="connsiteX45" y="connsiteY45"/>
-                </a:cxn>
-                <a:cxn ang="0">
-                  <a:pos x="connsiteX46" y="connsiteY46"/>
-                </a:cxn>
-                <a:cxn ang="0">
-                  <a:pos x="connsiteX47" y="connsiteY47"/>
-                </a:cxn>
-                <a:cxn ang="0">
-                  <a:pos x="connsiteX48" y="connsiteY48"/>
-                </a:cxn>
-                <a:cxn ang="0">
-                  <a:pos x="connsiteX49" y="connsiteY49"/>
-                </a:cxn>
-                <a:cxn ang="0">
-                  <a:pos x="connsiteX50" y="connsiteY50"/>
-                </a:cxn>
-                <a:cxn ang="0">
-                  <a:pos x="connsiteX51" y="connsiteY51"/>
-                </a:cxn>
-                <a:cxn ang="0">
-                  <a:pos x="connsiteX52" y="connsiteY52"/>
-                </a:cxn>
-                <a:cxn ang="0">
-                  <a:pos x="connsiteX53" y="connsiteY53"/>
-                </a:cxn>
-                <a:cxn ang="0">
-                  <a:pos x="connsiteX54" y="connsiteY54"/>
-                </a:cxn>
-                <a:cxn ang="0">
-                  <a:pos x="connsiteX55" y="connsiteY55"/>
-                </a:cxn>
-                <a:cxn ang="0">
-                  <a:pos x="connsiteX56" y="connsiteY56"/>
-                </a:cxn>
-                <a:cxn ang="0">
-                  <a:pos x="connsiteX57" y="connsiteY57"/>
-                </a:cxn>
-                <a:cxn ang="0">
-                  <a:pos x="connsiteX58" y="connsiteY58"/>
-                </a:cxn>
-                <a:cxn ang="0">
-                  <a:pos x="connsiteX59" y="connsiteY59"/>
-                </a:cxn>
-                <a:cxn ang="0">
-                  <a:pos x="connsiteX60" y="connsiteY60"/>
-                </a:cxn>
-                <a:cxn ang="0">
-                  <a:pos x="connsiteX61" y="connsiteY61"/>
-                </a:cxn>
-                <a:cxn ang="0">
-                  <a:pos x="connsiteX62" y="connsiteY62"/>
-                </a:cxn>
-                <a:cxn ang="0">
-                  <a:pos x="connsiteX63" y="connsiteY63"/>
-                </a:cxn>
-                <a:cxn ang="0">
-                  <a:pos x="connsiteX64" y="connsiteY64"/>
-                </a:cxn>
-                <a:cxn ang="0">
-                  <a:pos x="connsiteX65" y="connsiteY65"/>
-                </a:cxn>
-                <a:cxn ang="0">
-                  <a:pos x="connsiteX66" y="connsiteY66"/>
-                </a:cxn>
-                <a:cxn ang="0">
-                  <a:pos x="connsiteX67" y="connsiteY67"/>
-                </a:cxn>
-                <a:cxn ang="0">
-                  <a:pos x="connsiteX68" y="connsiteY68"/>
-                </a:cxn>
-                <a:cxn ang="0">
-                  <a:pos x="connsiteX69" y="connsiteY69"/>
-                </a:cxn>
-                <a:cxn ang="0">
-                  <a:pos x="connsiteX70" y="connsiteY70"/>
-                </a:cxn>
-                <a:cxn ang="0">
-                  <a:pos x="connsiteX71" y="connsiteY71"/>
-                </a:cxn>
-                <a:cxn ang="0">
-                  <a:pos x="connsiteX72" y="connsiteY72"/>
-                </a:cxn>
-                <a:cxn ang="0">
-                  <a:pos x="connsiteX73" y="connsiteY73"/>
-                </a:cxn>
-                <a:cxn ang="0">
-                  <a:pos x="connsiteX74" y="connsiteY74"/>
-                </a:cxn>
-                <a:cxn ang="0">
-                  <a:pos x="connsiteX75" y="connsiteY75"/>
-                </a:cxn>
-                <a:cxn ang="0">
-                  <a:pos x="connsiteX76" y="connsiteY76"/>
-                </a:cxn>
-                <a:cxn ang="0">
-                  <a:pos x="connsiteX77" y="connsiteY77"/>
-                </a:cxn>
-                <a:cxn ang="0">
-                  <a:pos x="connsiteX78" y="connsiteY78"/>
-                </a:cxn>
-                <a:cxn ang="0">
-                  <a:pos x="connsiteX79" y="connsiteY79"/>
-                </a:cxn>
-                <a:cxn ang="0">
-                  <a:pos x="connsiteX80" y="connsiteY80"/>
-                </a:cxn>
-                <a:cxn ang="0">
-                  <a:pos x="connsiteX81" y="connsiteY81"/>
-                </a:cxn>
-                <a:cxn ang="0">
-                  <a:pos x="connsiteX82" y="connsiteY82"/>
-                </a:cxn>
-                <a:cxn ang="0">
-                  <a:pos x="connsiteX83" y="connsiteY83"/>
-                </a:cxn>
-                <a:cxn ang="0">
-                  <a:pos x="connsiteX84" y="connsiteY84"/>
-                </a:cxn>
-                <a:cxn ang="0">
-                  <a:pos x="connsiteX85" y="connsiteY85"/>
-                </a:cxn>
-                <a:cxn ang="0">
-                  <a:pos x="connsiteX86" y="connsiteY86"/>
-                </a:cxn>
-                <a:cxn ang="0">
-                  <a:pos x="connsiteX87" y="connsiteY87"/>
-                </a:cxn>
-                <a:cxn ang="0">
-                  <a:pos x="connsiteX88" y="connsiteY88"/>
-                </a:cxn>
-                <a:cxn ang="0">
-                  <a:pos x="connsiteX89" y="connsiteY89"/>
-                </a:cxn>
-                <a:cxn ang="0">
-                  <a:pos x="connsiteX90" y="connsiteY90"/>
-                </a:cxn>
-                <a:cxn ang="0">
-                  <a:pos x="connsiteX91" y="connsiteY91"/>
-                </a:cxn>
-                <a:cxn ang="0">
-                  <a:pos x="connsiteX92" y="connsiteY92"/>
-                </a:cxn>
-                <a:cxn ang="0">
-                  <a:pos x="connsiteX93" y="connsiteY93"/>
-                </a:cxn>
-                <a:cxn ang="0">
-                  <a:pos x="connsiteX94" y="connsiteY94"/>
-                </a:cxn>
-                <a:cxn ang="0">
-                  <a:pos x="connsiteX95" y="connsiteY95"/>
-                </a:cxn>
-                <a:cxn ang="0">
-                  <a:pos x="connsiteX96" y="connsiteY96"/>
-                </a:cxn>
-              </a:cxnLst>
-              <a:rect l="l" t="t" r="r" b="b"/>
-              <a:pathLst>
-                <a:path w="2923657" h="1930754">
-                  <a:moveTo>
-                    <a:pt x="2050697" y="914"/>
-                  </a:moveTo>
-                  <a:cubicBezTo>
-                    <a:pt x="2063904" y="-398"/>
-                    <a:pt x="2077067" y="-312"/>
-                    <a:pt x="2090042" y="1257"/>
-                  </a:cubicBezTo>
-                  <a:cubicBezTo>
-                    <a:pt x="2104871" y="3051"/>
-                    <a:pt x="2119456" y="6781"/>
-                    <a:pt x="2133583" y="12579"/>
-                  </a:cubicBezTo>
-                  <a:cubicBezTo>
-                    <a:pt x="2190092" y="35770"/>
-                    <a:pt x="2228585" y="87630"/>
-                    <a:pt x="2245137" y="152732"/>
-                  </a:cubicBezTo>
-                  <a:lnTo>
-                    <a:pt x="2252045" y="245317"/>
-                  </a:lnTo>
-                  <a:lnTo>
-                    <a:pt x="2283505" y="245592"/>
-                  </a:lnTo>
-                  <a:cubicBezTo>
-                    <a:pt x="2298334" y="247386"/>
-                    <a:pt x="2312919" y="251116"/>
-                    <a:pt x="2327046" y="256914"/>
-                  </a:cubicBezTo>
-                  <a:cubicBezTo>
-                    <a:pt x="2369429" y="274307"/>
-                    <a:pt x="2401675" y="307827"/>
-                    <a:pt x="2422133" y="350964"/>
-                  </a:cubicBezTo>
-                  <a:lnTo>
-                    <a:pt x="2431309" y="376653"/>
-                  </a:lnTo>
-                  <a:lnTo>
-                    <a:pt x="2436980" y="370631"/>
-                  </a:lnTo>
-                  <a:cubicBezTo>
-                    <a:pt x="2475072" y="339992"/>
-                    <a:pt x="2517300" y="324099"/>
-                    <a:pt x="2556566" y="327733"/>
-                  </a:cubicBezTo>
-                  <a:cubicBezTo>
-                    <a:pt x="2567784" y="328771"/>
-                    <a:pt x="2578761" y="331402"/>
-                    <a:pt x="2589329" y="335740"/>
-                  </a:cubicBezTo>
-                  <a:cubicBezTo>
-                    <a:pt x="2631604" y="353089"/>
-                    <a:pt x="2659355" y="394439"/>
-                    <a:pt x="2670044" y="447267"/>
-                  </a:cubicBezTo>
-                  <a:lnTo>
-                    <a:pt x="2672216" y="511363"/>
-                  </a:lnTo>
-                  <a:lnTo>
-                    <a:pt x="2682638" y="506826"/>
-                  </a:lnTo>
-                  <a:cubicBezTo>
-                    <a:pt x="2706248" y="500254"/>
-                    <a:pt x="2729855" y="497375"/>
-                    <a:pt x="2752673" y="498491"/>
-                  </a:cubicBezTo>
-                  <a:cubicBezTo>
-                    <a:pt x="2783098" y="499980"/>
-                    <a:pt x="2812121" y="508570"/>
-                    <a:pt x="2837884" y="524972"/>
-                  </a:cubicBezTo>
-                  <a:cubicBezTo>
-                    <a:pt x="2915174" y="574179"/>
-                    <a:pt x="2941172" y="679722"/>
-                    <a:pt x="2912041" y="788005"/>
-                  </a:cubicBezTo>
-                  <a:lnTo>
-                    <a:pt x="2868978" y="884897"/>
-                  </a:lnTo>
-                  <a:lnTo>
-                    <a:pt x="2872601" y="888522"/>
-                  </a:lnTo>
-                  <a:cubicBezTo>
-                    <a:pt x="2928869" y="960527"/>
-                    <a:pt x="2940184" y="1079682"/>
-                    <a:pt x="2893308" y="1193907"/>
-                  </a:cubicBezTo>
-                  <a:cubicBezTo>
-                    <a:pt x="2846431" y="1308133"/>
-                    <a:pt x="2754677" y="1384988"/>
-                    <a:pt x="2664048" y="1396710"/>
-                  </a:cubicBezTo>
-                  <a:lnTo>
-                    <a:pt x="2632249" y="1396925"/>
-                  </a:lnTo>
-                  <a:lnTo>
-                    <a:pt x="2624836" y="1421754"/>
-                  </a:lnTo>
-                  <a:cubicBezTo>
-                    <a:pt x="2618688" y="1435368"/>
-                    <a:pt x="2610756" y="1448186"/>
-                    <a:pt x="2601261" y="1460094"/>
-                  </a:cubicBezTo>
-                  <a:lnTo>
-                    <a:pt x="2552002" y="1499778"/>
-                  </a:lnTo>
-                  <a:lnTo>
-                    <a:pt x="2562309" y="1512388"/>
-                  </a:lnTo>
-                  <a:cubicBezTo>
-                    <a:pt x="2583806" y="1550750"/>
-                    <a:pt x="2588919" y="1592722"/>
-                    <a:pt x="2572555" y="1629208"/>
-                  </a:cubicBezTo>
-                  <a:cubicBezTo>
-                    <a:pt x="2564371" y="1647451"/>
-                    <a:pt x="2551594" y="1662596"/>
-                    <a:pt x="2535494" y="1674363"/>
-                  </a:cubicBezTo>
-                  <a:lnTo>
-                    <a:pt x="2511124" y="1685003"/>
-                  </a:lnTo>
-                  <a:lnTo>
-                    <a:pt x="2513107" y="1698748"/>
-                  </a:lnTo>
-                  <a:cubicBezTo>
-                    <a:pt x="2514017" y="1729195"/>
-                    <a:pt x="2507738" y="1758804"/>
-                    <a:pt x="2493415" y="1785778"/>
-                  </a:cubicBezTo>
-                  <a:cubicBezTo>
-                    <a:pt x="2443280" y="1880187"/>
-                    <a:pt x="2311209" y="1911033"/>
-                    <a:pt x="2181569" y="1865545"/>
-                  </a:cubicBezTo>
-                  <a:lnTo>
-                    <a:pt x="2148733" y="1851137"/>
-                  </a:lnTo>
-                  <a:lnTo>
-                    <a:pt x="2122912" y="1879847"/>
-                  </a:lnTo>
-                  <a:cubicBezTo>
-                    <a:pt x="2087608" y="1911987"/>
-                    <a:pt x="2045049" y="1930754"/>
-                    <a:pt x="1999237" y="1930754"/>
-                  </a:cubicBezTo>
-                  <a:cubicBezTo>
-                    <a:pt x="1922884" y="1930754"/>
-                    <a:pt x="1855566" y="1878623"/>
-                    <a:pt x="1815815" y="1799332"/>
-                  </a:cubicBezTo>
-                  <a:lnTo>
-                    <a:pt x="1799326" y="1758397"/>
-                  </a:lnTo>
-                  <a:lnTo>
-                    <a:pt x="1785002" y="1784411"/>
-                  </a:lnTo>
-                  <a:cubicBezTo>
-                    <a:pt x="1760894" y="1820259"/>
-                    <a:pt x="1731830" y="1841192"/>
-                    <a:pt x="1700546" y="1841192"/>
-                  </a:cubicBezTo>
-                  <a:cubicBezTo>
-                    <a:pt x="1648405" y="1841192"/>
-                    <a:pt x="1602435" y="1783046"/>
-                    <a:pt x="1575290" y="1694608"/>
-                  </a:cubicBezTo>
-                  <a:lnTo>
-                    <a:pt x="1575028" y="1693545"/>
-                  </a:lnTo>
-                  <a:lnTo>
-                    <a:pt x="1554157" y="1729037"/>
-                  </a:lnTo>
-                  <a:cubicBezTo>
-                    <a:pt x="1511276" y="1789204"/>
-                    <a:pt x="1452035" y="1826417"/>
-                    <a:pt x="1386600" y="1826417"/>
-                  </a:cubicBezTo>
-                  <a:cubicBezTo>
-                    <a:pt x="1321165" y="1826417"/>
-                    <a:pt x="1261925" y="1789204"/>
-                    <a:pt x="1219043" y="1729037"/>
-                  </a:cubicBezTo>
-                  <a:lnTo>
-                    <a:pt x="1217805" y="1726932"/>
-                  </a:lnTo>
-                  <a:lnTo>
-                    <a:pt x="1199640" y="1753905"/>
-                  </a:lnTo>
-                  <a:cubicBezTo>
-                    <a:pt x="1174635" y="1783768"/>
-                    <a:pt x="1143335" y="1808232"/>
-                    <a:pt x="1106436" y="1825024"/>
-                  </a:cubicBezTo>
-                  <a:cubicBezTo>
-                    <a:pt x="995734" y="1875399"/>
-                    <a:pt x="866074" y="1842409"/>
-                    <a:pt x="776078" y="1752258"/>
-                  </a:cubicBezTo>
-                  <a:lnTo>
-                    <a:pt x="744087" y="1713860"/>
-                  </a:lnTo>
-                  <a:lnTo>
-                    <a:pt x="737364" y="1732964"/>
-                  </a:lnTo>
-                  <a:cubicBezTo>
-                    <a:pt x="702105" y="1806500"/>
-                    <a:pt x="619559" y="1858097"/>
-                    <a:pt x="523352" y="1858097"/>
-                  </a:cubicBezTo>
-                  <a:cubicBezTo>
-                    <a:pt x="395076" y="1858097"/>
-                    <a:pt x="291088" y="1766368"/>
-                    <a:pt x="291088" y="1653215"/>
-                  </a:cubicBezTo>
-                  <a:cubicBezTo>
-                    <a:pt x="291088" y="1610783"/>
-                    <a:pt x="305711" y="1571364"/>
-                    <a:pt x="330755" y="1538663"/>
-                  </a:cubicBezTo>
-                  <a:lnTo>
-                    <a:pt x="334012" y="1535182"/>
-                  </a:lnTo>
-                  <a:lnTo>
-                    <a:pt x="319228" y="1527159"/>
-                  </a:lnTo>
-                  <a:cubicBezTo>
-                    <a:pt x="301541" y="1515209"/>
-                    <a:pt x="285065" y="1501602"/>
-                    <a:pt x="270023" y="1486560"/>
-                  </a:cubicBezTo>
-                  <a:lnTo>
-                    <a:pt x="240311" y="1450550"/>
-                  </a:lnTo>
-                  <a:lnTo>
-                    <a:pt x="238140" y="1453770"/>
-                  </a:lnTo>
-                  <a:cubicBezTo>
-                    <a:pt x="218603" y="1473308"/>
-                    <a:pt x="191612" y="1485392"/>
-                    <a:pt x="161798" y="1485392"/>
-                  </a:cubicBezTo>
-                  <a:cubicBezTo>
-                    <a:pt x="102171" y="1485392"/>
-                    <a:pt x="53834" y="1437055"/>
-                    <a:pt x="53834" y="1377428"/>
-                  </a:cubicBezTo>
-                  <a:cubicBezTo>
-                    <a:pt x="53834" y="1317801"/>
-                    <a:pt x="102171" y="1269465"/>
-                    <a:pt x="161799" y="1269464"/>
-                  </a:cubicBezTo>
-                  <a:lnTo>
-                    <a:pt x="174720" y="1272073"/>
-                  </a:lnTo>
-                  <a:lnTo>
-                    <a:pt x="172644" y="1251466"/>
-                  </a:lnTo>
-                  <a:cubicBezTo>
-                    <a:pt x="172643" y="1159656"/>
-                    <a:pt x="209857" y="1076538"/>
-                    <a:pt x="270024" y="1016372"/>
-                  </a:cubicBezTo>
-                  <a:lnTo>
-                    <a:pt x="300742" y="991026"/>
-                  </a:lnTo>
-                  <a:lnTo>
-                    <a:pt x="264959" y="1009044"/>
-                  </a:lnTo>
-                  <a:cubicBezTo>
-                    <a:pt x="248707" y="1013084"/>
-                    <a:pt x="232224" y="1013017"/>
-                    <a:pt x="216391" y="1008158"/>
-                  </a:cubicBezTo>
-                  <a:cubicBezTo>
-                    <a:pt x="184727" y="998440"/>
-                    <a:pt x="161660" y="971393"/>
-                    <a:pt x="149963" y="935522"/>
-                  </a:cubicBezTo>
-                  <a:lnTo>
-                    <a:pt x="141912" y="880394"/>
-                  </a:lnTo>
-                  <a:lnTo>
-                    <a:pt x="104156" y="875033"/>
-                  </a:lnTo>
-                  <a:cubicBezTo>
-                    <a:pt x="42949" y="856824"/>
-                    <a:pt x="0" y="814194"/>
-                    <a:pt x="0" y="764511"/>
-                  </a:cubicBezTo>
-                  <a:cubicBezTo>
-                    <a:pt x="0" y="698266"/>
-                    <a:pt x="76352" y="644563"/>
-                    <a:pt x="170538" y="644563"/>
-                  </a:cubicBezTo>
-                  <a:lnTo>
-                    <a:pt x="192026" y="647615"/>
-                  </a:lnTo>
-                  <a:lnTo>
-                    <a:pt x="189894" y="644453"/>
-                  </a:lnTo>
-                  <a:cubicBezTo>
-                    <a:pt x="181105" y="623672"/>
-                    <a:pt x="176244" y="600823"/>
-                    <a:pt x="176244" y="576840"/>
-                  </a:cubicBezTo>
-                  <a:cubicBezTo>
-                    <a:pt x="176244" y="480906"/>
-                    <a:pt x="254013" y="403137"/>
-                    <a:pt x="349948" y="403137"/>
-                  </a:cubicBezTo>
-                  <a:cubicBezTo>
-                    <a:pt x="373931" y="403137"/>
-                    <a:pt x="396780" y="407997"/>
-                    <a:pt x="417560" y="416787"/>
-                  </a:cubicBezTo>
-                  <a:lnTo>
-                    <a:pt x="450908" y="439271"/>
-                  </a:lnTo>
-                  <a:lnTo>
-                    <a:pt x="448606" y="413393"/>
-                  </a:lnTo>
-                  <a:cubicBezTo>
-                    <a:pt x="447883" y="282758"/>
-                    <a:pt x="502296" y="168255"/>
-                    <a:pt x="604060" y="115202"/>
-                  </a:cubicBezTo>
-                  <a:cubicBezTo>
-                    <a:pt x="644766" y="93982"/>
-                    <a:pt x="689194" y="84602"/>
-                    <a:pt x="734681" y="85810"/>
-                  </a:cubicBezTo>
-                  <a:cubicBezTo>
-                    <a:pt x="802912" y="87624"/>
-                    <a:pt x="873528" y="113263"/>
-                    <a:pt x="937538" y="158498"/>
-                  </a:cubicBezTo>
-                  <a:lnTo>
-                    <a:pt x="960860" y="179767"/>
-                  </a:lnTo>
-                  <a:lnTo>
-                    <a:pt x="969050" y="139199"/>
-                  </a:lnTo>
-                  <a:cubicBezTo>
-                    <a:pt x="1000820" y="64084"/>
-                    <a:pt x="1075198" y="11378"/>
-                    <a:pt x="1161888" y="11378"/>
-                  </a:cubicBezTo>
-                  <a:cubicBezTo>
-                    <a:pt x="1248576" y="11377"/>
-                    <a:pt x="1322954" y="64084"/>
-                    <a:pt x="1354725" y="139200"/>
-                  </a:cubicBezTo>
-                  <a:lnTo>
-                    <a:pt x="1370519" y="217423"/>
-                  </a:lnTo>
-                  <a:lnTo>
-                    <a:pt x="1409067" y="229390"/>
-                  </a:lnTo>
-                  <a:cubicBezTo>
-                    <a:pt x="1427846" y="237332"/>
-                    <a:pt x="1445224" y="247938"/>
-                    <a:pt x="1460730" y="260733"/>
-                  </a:cubicBezTo>
-                  <a:lnTo>
-                    <a:pt x="1472314" y="273483"/>
-                  </a:lnTo>
-                  <a:lnTo>
-                    <a:pt x="1487534" y="199150"/>
-                  </a:lnTo>
-                  <a:cubicBezTo>
-                    <a:pt x="1512229" y="136682"/>
-                    <a:pt x="1557003" y="90136"/>
-                    <a:pt x="1616002" y="74318"/>
-                  </a:cubicBezTo>
-                  <a:cubicBezTo>
-                    <a:pt x="1689750" y="54546"/>
-                    <a:pt x="1768272" y="87466"/>
-                    <a:pt x="1827200" y="153758"/>
-                  </a:cubicBezTo>
-                  <a:lnTo>
-                    <a:pt x="1837154" y="166993"/>
-                  </a:lnTo>
-                  <a:lnTo>
-                    <a:pt x="1867104" y="114642"/>
-                  </a:lnTo>
-                  <a:cubicBezTo>
-                    <a:pt x="1917520" y="48971"/>
-                    <a:pt x="1984663" y="7473"/>
-                    <a:pt x="2050697" y="914"/>
-                  </a:cubicBezTo>
-                  <a:close/>
-                </a:path>
-              </a:pathLst>
-            </a:custGeom>
-            <a:solidFill>
-              <a:srgbClr val="FFFF00"/>
-            </a:solidFill>
-            <a:ln w="146050">
-              <a:solidFill>
-                <a:srgbClr val="FFC000"/>
-              </a:solidFill>
-            </a:ln>
-          </p:spPr>
-          <p:style>
-            <a:lnRef idx="2">
-              <a:schemeClr val="accent1">
-                <a:shade val="50000"/>
-              </a:schemeClr>
-            </a:lnRef>
-            <a:fillRef idx="1">
-              <a:schemeClr val="accent1"/>
-            </a:fillRef>
-            <a:effectRef idx="0">
-              <a:schemeClr val="accent1"/>
-            </a:effectRef>
-            <a:fontRef idx="minor">
-              <a:schemeClr val="lt1"/>
-            </a:fontRef>
-          </p:style>
-          <p:txBody>
-            <a:bodyPr rtlCol="0" anchor="ctr"/>
-            <a:lstStyle/>
-            <a:p>
-              <a:pPr algn="ctr"/>
-              <a:endParaRPr kumimoji="1" lang="ja-JP" altLang="en-US"/>
-            </a:p>
-          </p:txBody>
-        </p:sp>
-        <p:sp>
-          <p:nvSpPr>
-            <p:cNvPr id="189" name="フリーフォーム: 図形 188">
-              <a:extLst>
-                <a:ext uri="{FF2B5EF4-FFF2-40B4-BE49-F238E27FC236}">
-                  <a16:creationId xmlns:a16="http://schemas.microsoft.com/office/drawing/2014/main" id="{74062764-B341-446F-A701-DD7580DB0EF2}"/>
-                </a:ext>
-              </a:extLst>
-            </p:cNvPr>
-            <p:cNvSpPr/>
-            <p:nvPr/>
-          </p:nvSpPr>
-          <p:spPr>
-            <a:xfrm>
-              <a:off x="7444956" y="430807"/>
-              <a:ext cx="2228694" cy="1268872"/>
-            </a:xfrm>
-            <a:custGeom>
-              <a:avLst/>
-              <a:gdLst>
-                <a:gd name="connsiteX0" fmla="*/ 2050697 w 2923657"/>
-                <a:gd name="connsiteY0" fmla="*/ 914 h 1930754"/>
-                <a:gd name="connsiteX1" fmla="*/ 2090042 w 2923657"/>
-                <a:gd name="connsiteY1" fmla="*/ 1257 h 1930754"/>
-                <a:gd name="connsiteX2" fmla="*/ 2133583 w 2923657"/>
-                <a:gd name="connsiteY2" fmla="*/ 12579 h 1930754"/>
-                <a:gd name="connsiteX3" fmla="*/ 2245137 w 2923657"/>
-                <a:gd name="connsiteY3" fmla="*/ 152732 h 1930754"/>
-                <a:gd name="connsiteX4" fmla="*/ 2252045 w 2923657"/>
-                <a:gd name="connsiteY4" fmla="*/ 245317 h 1930754"/>
-                <a:gd name="connsiteX5" fmla="*/ 2283505 w 2923657"/>
-                <a:gd name="connsiteY5" fmla="*/ 245592 h 1930754"/>
-                <a:gd name="connsiteX6" fmla="*/ 2327046 w 2923657"/>
-                <a:gd name="connsiteY6" fmla="*/ 256914 h 1930754"/>
-                <a:gd name="connsiteX7" fmla="*/ 2422133 w 2923657"/>
-                <a:gd name="connsiteY7" fmla="*/ 350964 h 1930754"/>
-                <a:gd name="connsiteX8" fmla="*/ 2431309 w 2923657"/>
-                <a:gd name="connsiteY8" fmla="*/ 376653 h 1930754"/>
-                <a:gd name="connsiteX9" fmla="*/ 2436980 w 2923657"/>
-                <a:gd name="connsiteY9" fmla="*/ 370631 h 1930754"/>
-                <a:gd name="connsiteX10" fmla="*/ 2556566 w 2923657"/>
-                <a:gd name="connsiteY10" fmla="*/ 327733 h 1930754"/>
-                <a:gd name="connsiteX11" fmla="*/ 2589329 w 2923657"/>
-                <a:gd name="connsiteY11" fmla="*/ 335740 h 1930754"/>
-                <a:gd name="connsiteX12" fmla="*/ 2670044 w 2923657"/>
-                <a:gd name="connsiteY12" fmla="*/ 447267 h 1930754"/>
-                <a:gd name="connsiteX13" fmla="*/ 2672216 w 2923657"/>
-                <a:gd name="connsiteY13" fmla="*/ 511363 h 1930754"/>
-                <a:gd name="connsiteX14" fmla="*/ 2682638 w 2923657"/>
-                <a:gd name="connsiteY14" fmla="*/ 506826 h 1930754"/>
-                <a:gd name="connsiteX15" fmla="*/ 2752673 w 2923657"/>
-                <a:gd name="connsiteY15" fmla="*/ 498491 h 1930754"/>
-                <a:gd name="connsiteX16" fmla="*/ 2837884 w 2923657"/>
-                <a:gd name="connsiteY16" fmla="*/ 524972 h 1930754"/>
-                <a:gd name="connsiteX17" fmla="*/ 2912041 w 2923657"/>
-                <a:gd name="connsiteY17" fmla="*/ 788005 h 1930754"/>
-                <a:gd name="connsiteX18" fmla="*/ 2868978 w 2923657"/>
-                <a:gd name="connsiteY18" fmla="*/ 884897 h 1930754"/>
-                <a:gd name="connsiteX19" fmla="*/ 2872601 w 2923657"/>
-                <a:gd name="connsiteY19" fmla="*/ 888522 h 1930754"/>
-                <a:gd name="connsiteX20" fmla="*/ 2893308 w 2923657"/>
-                <a:gd name="connsiteY20" fmla="*/ 1193907 h 1930754"/>
-                <a:gd name="connsiteX21" fmla="*/ 2664048 w 2923657"/>
-                <a:gd name="connsiteY21" fmla="*/ 1396710 h 1930754"/>
-                <a:gd name="connsiteX22" fmla="*/ 2632249 w 2923657"/>
-                <a:gd name="connsiteY22" fmla="*/ 1396925 h 1930754"/>
-                <a:gd name="connsiteX23" fmla="*/ 2624836 w 2923657"/>
-                <a:gd name="connsiteY23" fmla="*/ 1421754 h 1930754"/>
-                <a:gd name="connsiteX24" fmla="*/ 2601261 w 2923657"/>
-                <a:gd name="connsiteY24" fmla="*/ 1460094 h 1930754"/>
-                <a:gd name="connsiteX25" fmla="*/ 2552002 w 2923657"/>
-                <a:gd name="connsiteY25" fmla="*/ 1499778 h 1930754"/>
-                <a:gd name="connsiteX26" fmla="*/ 2562309 w 2923657"/>
-                <a:gd name="connsiteY26" fmla="*/ 1512388 h 1930754"/>
-                <a:gd name="connsiteX27" fmla="*/ 2572555 w 2923657"/>
-                <a:gd name="connsiteY27" fmla="*/ 1629208 h 1930754"/>
-                <a:gd name="connsiteX28" fmla="*/ 2535494 w 2923657"/>
-                <a:gd name="connsiteY28" fmla="*/ 1674363 h 1930754"/>
-                <a:gd name="connsiteX29" fmla="*/ 2511124 w 2923657"/>
-                <a:gd name="connsiteY29" fmla="*/ 1685003 h 1930754"/>
-                <a:gd name="connsiteX30" fmla="*/ 2513107 w 2923657"/>
-                <a:gd name="connsiteY30" fmla="*/ 1698748 h 1930754"/>
-                <a:gd name="connsiteX31" fmla="*/ 2493415 w 2923657"/>
-                <a:gd name="connsiteY31" fmla="*/ 1785778 h 1930754"/>
-                <a:gd name="connsiteX32" fmla="*/ 2181569 w 2923657"/>
-                <a:gd name="connsiteY32" fmla="*/ 1865545 h 1930754"/>
-                <a:gd name="connsiteX33" fmla="*/ 2148733 w 2923657"/>
-                <a:gd name="connsiteY33" fmla="*/ 1851137 h 1930754"/>
-                <a:gd name="connsiteX34" fmla="*/ 2122912 w 2923657"/>
-                <a:gd name="connsiteY34" fmla="*/ 1879847 h 1930754"/>
-                <a:gd name="connsiteX35" fmla="*/ 1999237 w 2923657"/>
-                <a:gd name="connsiteY35" fmla="*/ 1930754 h 1930754"/>
-                <a:gd name="connsiteX36" fmla="*/ 1815815 w 2923657"/>
-                <a:gd name="connsiteY36" fmla="*/ 1799332 h 1930754"/>
-                <a:gd name="connsiteX37" fmla="*/ 1799326 w 2923657"/>
-                <a:gd name="connsiteY37" fmla="*/ 1758397 h 1930754"/>
-                <a:gd name="connsiteX38" fmla="*/ 1785002 w 2923657"/>
-                <a:gd name="connsiteY38" fmla="*/ 1784411 h 1930754"/>
-                <a:gd name="connsiteX39" fmla="*/ 1700546 w 2923657"/>
-                <a:gd name="connsiteY39" fmla="*/ 1841192 h 1930754"/>
-                <a:gd name="connsiteX40" fmla="*/ 1575290 w 2923657"/>
-                <a:gd name="connsiteY40" fmla="*/ 1694608 h 1930754"/>
-                <a:gd name="connsiteX41" fmla="*/ 1575028 w 2923657"/>
-                <a:gd name="connsiteY41" fmla="*/ 1693545 h 1930754"/>
-                <a:gd name="connsiteX42" fmla="*/ 1554157 w 2923657"/>
-                <a:gd name="connsiteY42" fmla="*/ 1729037 h 1930754"/>
-                <a:gd name="connsiteX43" fmla="*/ 1386600 w 2923657"/>
-                <a:gd name="connsiteY43" fmla="*/ 1826417 h 1930754"/>
-                <a:gd name="connsiteX44" fmla="*/ 1219043 w 2923657"/>
-                <a:gd name="connsiteY44" fmla="*/ 1729037 h 1930754"/>
-                <a:gd name="connsiteX45" fmla="*/ 1217805 w 2923657"/>
-                <a:gd name="connsiteY45" fmla="*/ 1726932 h 1930754"/>
-                <a:gd name="connsiteX46" fmla="*/ 1199640 w 2923657"/>
-                <a:gd name="connsiteY46" fmla="*/ 1753905 h 1930754"/>
-                <a:gd name="connsiteX47" fmla="*/ 1106436 w 2923657"/>
-                <a:gd name="connsiteY47" fmla="*/ 1825024 h 1930754"/>
-                <a:gd name="connsiteX48" fmla="*/ 776078 w 2923657"/>
-                <a:gd name="connsiteY48" fmla="*/ 1752258 h 1930754"/>
-                <a:gd name="connsiteX49" fmla="*/ 744087 w 2923657"/>
-                <a:gd name="connsiteY49" fmla="*/ 1713860 h 1930754"/>
-                <a:gd name="connsiteX50" fmla="*/ 737364 w 2923657"/>
-                <a:gd name="connsiteY50" fmla="*/ 1732964 h 1930754"/>
-                <a:gd name="connsiteX51" fmla="*/ 523352 w 2923657"/>
-                <a:gd name="connsiteY51" fmla="*/ 1858097 h 1930754"/>
-                <a:gd name="connsiteX52" fmla="*/ 291088 w 2923657"/>
-                <a:gd name="connsiteY52" fmla="*/ 1653215 h 1930754"/>
-                <a:gd name="connsiteX53" fmla="*/ 330755 w 2923657"/>
-                <a:gd name="connsiteY53" fmla="*/ 1538663 h 1930754"/>
-                <a:gd name="connsiteX54" fmla="*/ 334012 w 2923657"/>
-                <a:gd name="connsiteY54" fmla="*/ 1535182 h 1930754"/>
-                <a:gd name="connsiteX55" fmla="*/ 319228 w 2923657"/>
-                <a:gd name="connsiteY55" fmla="*/ 1527159 h 1930754"/>
-                <a:gd name="connsiteX56" fmla="*/ 270023 w 2923657"/>
-                <a:gd name="connsiteY56" fmla="*/ 1486560 h 1930754"/>
-                <a:gd name="connsiteX57" fmla="*/ 240311 w 2923657"/>
-                <a:gd name="connsiteY57" fmla="*/ 1450550 h 1930754"/>
-                <a:gd name="connsiteX58" fmla="*/ 238140 w 2923657"/>
-                <a:gd name="connsiteY58" fmla="*/ 1453770 h 1930754"/>
-                <a:gd name="connsiteX59" fmla="*/ 161798 w 2923657"/>
-                <a:gd name="connsiteY59" fmla="*/ 1485392 h 1930754"/>
-                <a:gd name="connsiteX60" fmla="*/ 53834 w 2923657"/>
-                <a:gd name="connsiteY60" fmla="*/ 1377428 h 1930754"/>
-                <a:gd name="connsiteX61" fmla="*/ 161799 w 2923657"/>
-                <a:gd name="connsiteY61" fmla="*/ 1269464 h 1930754"/>
-                <a:gd name="connsiteX62" fmla="*/ 174720 w 2923657"/>
-                <a:gd name="connsiteY62" fmla="*/ 1272073 h 1930754"/>
-                <a:gd name="connsiteX63" fmla="*/ 172644 w 2923657"/>
-                <a:gd name="connsiteY63" fmla="*/ 1251466 h 1930754"/>
-                <a:gd name="connsiteX64" fmla="*/ 270024 w 2923657"/>
-                <a:gd name="connsiteY64" fmla="*/ 1016372 h 1930754"/>
-                <a:gd name="connsiteX65" fmla="*/ 300742 w 2923657"/>
-                <a:gd name="connsiteY65" fmla="*/ 991026 h 1930754"/>
-                <a:gd name="connsiteX66" fmla="*/ 264959 w 2923657"/>
-                <a:gd name="connsiteY66" fmla="*/ 1009044 h 1930754"/>
-                <a:gd name="connsiteX67" fmla="*/ 216391 w 2923657"/>
-                <a:gd name="connsiteY67" fmla="*/ 1008158 h 1930754"/>
-                <a:gd name="connsiteX68" fmla="*/ 149963 w 2923657"/>
-                <a:gd name="connsiteY68" fmla="*/ 935522 h 1930754"/>
-                <a:gd name="connsiteX69" fmla="*/ 141912 w 2923657"/>
-                <a:gd name="connsiteY69" fmla="*/ 880394 h 1930754"/>
-                <a:gd name="connsiteX70" fmla="*/ 104156 w 2923657"/>
-                <a:gd name="connsiteY70" fmla="*/ 875033 h 1930754"/>
-                <a:gd name="connsiteX71" fmla="*/ 0 w 2923657"/>
-                <a:gd name="connsiteY71" fmla="*/ 764511 h 1930754"/>
-                <a:gd name="connsiteX72" fmla="*/ 170538 w 2923657"/>
-                <a:gd name="connsiteY72" fmla="*/ 644563 h 1930754"/>
-                <a:gd name="connsiteX73" fmla="*/ 192026 w 2923657"/>
-                <a:gd name="connsiteY73" fmla="*/ 647615 h 1930754"/>
-                <a:gd name="connsiteX74" fmla="*/ 189894 w 2923657"/>
-                <a:gd name="connsiteY74" fmla="*/ 644453 h 1930754"/>
-                <a:gd name="connsiteX75" fmla="*/ 176244 w 2923657"/>
-                <a:gd name="connsiteY75" fmla="*/ 576840 h 1930754"/>
-                <a:gd name="connsiteX76" fmla="*/ 349948 w 2923657"/>
-                <a:gd name="connsiteY76" fmla="*/ 403137 h 1930754"/>
-                <a:gd name="connsiteX77" fmla="*/ 417560 w 2923657"/>
-                <a:gd name="connsiteY77" fmla="*/ 416787 h 1930754"/>
-                <a:gd name="connsiteX78" fmla="*/ 450908 w 2923657"/>
-                <a:gd name="connsiteY78" fmla="*/ 439271 h 1930754"/>
-                <a:gd name="connsiteX79" fmla="*/ 448606 w 2923657"/>
-                <a:gd name="connsiteY79" fmla="*/ 413393 h 1930754"/>
-                <a:gd name="connsiteX80" fmla="*/ 604060 w 2923657"/>
-                <a:gd name="connsiteY80" fmla="*/ 115202 h 1930754"/>
-                <a:gd name="connsiteX81" fmla="*/ 734681 w 2923657"/>
-                <a:gd name="connsiteY81" fmla="*/ 85810 h 1930754"/>
-                <a:gd name="connsiteX82" fmla="*/ 937538 w 2923657"/>
-                <a:gd name="connsiteY82" fmla="*/ 158498 h 1930754"/>
-                <a:gd name="connsiteX83" fmla="*/ 960860 w 2923657"/>
-                <a:gd name="connsiteY83" fmla="*/ 179767 h 1930754"/>
-                <a:gd name="connsiteX84" fmla="*/ 969050 w 2923657"/>
-                <a:gd name="connsiteY84" fmla="*/ 139199 h 1930754"/>
-                <a:gd name="connsiteX85" fmla="*/ 1161888 w 2923657"/>
-                <a:gd name="connsiteY85" fmla="*/ 11378 h 1930754"/>
-                <a:gd name="connsiteX86" fmla="*/ 1354725 w 2923657"/>
-                <a:gd name="connsiteY86" fmla="*/ 139200 h 1930754"/>
-                <a:gd name="connsiteX87" fmla="*/ 1370519 w 2923657"/>
-                <a:gd name="connsiteY87" fmla="*/ 217423 h 1930754"/>
-                <a:gd name="connsiteX88" fmla="*/ 1409067 w 2923657"/>
-                <a:gd name="connsiteY88" fmla="*/ 229390 h 1930754"/>
-                <a:gd name="connsiteX89" fmla="*/ 1460730 w 2923657"/>
-                <a:gd name="connsiteY89" fmla="*/ 260733 h 1930754"/>
-                <a:gd name="connsiteX90" fmla="*/ 1472314 w 2923657"/>
-                <a:gd name="connsiteY90" fmla="*/ 273483 h 1930754"/>
-                <a:gd name="connsiteX91" fmla="*/ 1487534 w 2923657"/>
-                <a:gd name="connsiteY91" fmla="*/ 199150 h 1930754"/>
-                <a:gd name="connsiteX92" fmla="*/ 1616002 w 2923657"/>
-                <a:gd name="connsiteY92" fmla="*/ 74318 h 1930754"/>
-                <a:gd name="connsiteX93" fmla="*/ 1827200 w 2923657"/>
-                <a:gd name="connsiteY93" fmla="*/ 153758 h 1930754"/>
-                <a:gd name="connsiteX94" fmla="*/ 1837154 w 2923657"/>
-                <a:gd name="connsiteY94" fmla="*/ 166993 h 1930754"/>
-                <a:gd name="connsiteX95" fmla="*/ 1867104 w 2923657"/>
-                <a:gd name="connsiteY95" fmla="*/ 114642 h 1930754"/>
-                <a:gd name="connsiteX96" fmla="*/ 2050697 w 2923657"/>
-                <a:gd name="connsiteY96" fmla="*/ 914 h 1930754"/>
-              </a:gdLst>
-              <a:ahLst/>
-              <a:cxnLst>
-                <a:cxn ang="0">
-                  <a:pos x="connsiteX0" y="connsiteY0"/>
-                </a:cxn>
-                <a:cxn ang="0">
-                  <a:pos x="connsiteX1" y="connsiteY1"/>
-                </a:cxn>
-                <a:cxn ang="0">
-                  <a:pos x="connsiteX2" y="connsiteY2"/>
-                </a:cxn>
-                <a:cxn ang="0">
-                  <a:pos x="connsiteX3" y="connsiteY3"/>
-                </a:cxn>
-                <a:cxn ang="0">
-                  <a:pos x="connsiteX4" y="connsiteY4"/>
-                </a:cxn>
-                <a:cxn ang="0">
-                  <a:pos x="connsiteX5" y="connsiteY5"/>
-                </a:cxn>
-                <a:cxn ang="0">
-                  <a:pos x="connsiteX6" y="connsiteY6"/>
-                </a:cxn>
-                <a:cxn ang="0">
-                  <a:pos x="connsiteX7" y="connsiteY7"/>
-                </a:cxn>
-                <a:cxn ang="0">
-                  <a:pos x="connsiteX8" y="connsiteY8"/>
-                </a:cxn>
-                <a:cxn ang="0">
-                  <a:pos x="connsiteX9" y="connsiteY9"/>
-                </a:cxn>
-                <a:cxn ang="0">
-                  <a:pos x="connsiteX10" y="connsiteY10"/>
-                </a:cxn>
-                <a:cxn ang="0">
-                  <a:pos x="connsiteX11" y="connsiteY11"/>
-                </a:cxn>
-                <a:cxn ang="0">
-                  <a:pos x="connsiteX12" y="connsiteY12"/>
-                </a:cxn>
-                <a:cxn ang="0">
-                  <a:pos x="connsiteX13" y="connsiteY13"/>
-                </a:cxn>
-                <a:cxn ang="0">
-                  <a:pos x="connsiteX14" y="connsiteY14"/>
-                </a:cxn>
-                <a:cxn ang="0">
-                  <a:pos x="connsiteX15" y="connsiteY15"/>
-                </a:cxn>
-                <a:cxn ang="0">
-                  <a:pos x="connsiteX16" y="connsiteY16"/>
-                </a:cxn>
-                <a:cxn ang="0">
-                  <a:pos x="connsiteX17" y="connsiteY17"/>
-                </a:cxn>
-                <a:cxn ang="0">
-                  <a:pos x="connsiteX18" y="connsiteY18"/>
-                </a:cxn>
-                <a:cxn ang="0">
-                  <a:pos x="connsiteX19" y="connsiteY19"/>
-                </a:cxn>
-                <a:cxn ang="0">
-                  <a:pos x="connsiteX20" y="connsiteY20"/>
-                </a:cxn>
-                <a:cxn ang="0">
-                  <a:pos x="connsiteX21" y="connsiteY21"/>
-                </a:cxn>
-                <a:cxn ang="0">
-                  <a:pos x="connsiteX22" y="connsiteY22"/>
-                </a:cxn>
-                <a:cxn ang="0">
-                  <a:pos x="connsiteX23" y="connsiteY23"/>
-                </a:cxn>
-                <a:cxn ang="0">
-                  <a:pos x="connsiteX24" y="connsiteY24"/>
-                </a:cxn>
-                <a:cxn ang="0">
-                  <a:pos x="connsiteX25" y="connsiteY25"/>
-                </a:cxn>
-                <a:cxn ang="0">
-                  <a:pos x="connsiteX26" y="connsiteY26"/>
-                </a:cxn>
-                <a:cxn ang="0">
-                  <a:pos x="connsiteX27" y="connsiteY27"/>
-                </a:cxn>
-                <a:cxn ang="0">
-                  <a:pos x="connsiteX28" y="connsiteY28"/>
-                </a:cxn>
-                <a:cxn ang="0">
-                  <a:pos x="connsiteX29" y="connsiteY29"/>
-                </a:cxn>
-                <a:cxn ang="0">
-                  <a:pos x="connsiteX30" y="connsiteY30"/>
-                </a:cxn>
-                <a:cxn ang="0">
-                  <a:pos x="connsiteX31" y="connsiteY31"/>
-                </a:cxn>
-                <a:cxn ang="0">
-                  <a:pos x="connsiteX32" y="connsiteY32"/>
-                </a:cxn>
-                <a:cxn ang="0">
-                  <a:pos x="connsiteX33" y="connsiteY33"/>
-                </a:cxn>
-                <a:cxn ang="0">
-                  <a:pos x="connsiteX34" y="connsiteY34"/>
-                </a:cxn>
-                <a:cxn ang="0">
-                  <a:pos x="connsiteX35" y="connsiteY35"/>
-                </a:cxn>
-                <a:cxn ang="0">
-                  <a:pos x="connsiteX36" y="connsiteY36"/>
-                </a:cxn>
-                <a:cxn ang="0">
-                  <a:pos x="connsiteX37" y="connsiteY37"/>
-                </a:cxn>
-                <a:cxn ang="0">
-                  <a:pos x="connsiteX38" y="connsiteY38"/>
-                </a:cxn>
-                <a:cxn ang="0">
-                  <a:pos x="connsiteX39" y="connsiteY39"/>
-                </a:cxn>
-                <a:cxn ang="0">
-                  <a:pos x="connsiteX40" y="connsiteY40"/>
-                </a:cxn>
-                <a:cxn ang="0">
-                  <a:pos x="connsiteX41" y="connsiteY41"/>
-                </a:cxn>
-                <a:cxn ang="0">
-                  <a:pos x="connsiteX42" y="connsiteY42"/>
-                </a:cxn>
-                <a:cxn ang="0">
-                  <a:pos x="connsiteX43" y="connsiteY43"/>
-                </a:cxn>
-                <a:cxn ang="0">
-                  <a:pos x="connsiteX44" y="connsiteY44"/>
-                </a:cxn>
-                <a:cxn ang="0">
-                  <a:pos x="connsiteX45" y="connsiteY45"/>
-                </a:cxn>
-                <a:cxn ang="0">
-                  <a:pos x="connsiteX46" y="connsiteY46"/>
-                </a:cxn>
-                <a:cxn ang="0">
-                  <a:pos x="connsiteX47" y="connsiteY47"/>
-                </a:cxn>
-                <a:cxn ang="0">
-                  <a:pos x="connsiteX48" y="connsiteY48"/>
-                </a:cxn>
-                <a:cxn ang="0">
-                  <a:pos x="connsiteX49" y="connsiteY49"/>
-                </a:cxn>
-                <a:cxn ang="0">
-                  <a:pos x="connsiteX50" y="connsiteY50"/>
-                </a:cxn>
-                <a:cxn ang="0">
-                  <a:pos x="connsiteX51" y="connsiteY51"/>
-                </a:cxn>
-                <a:cxn ang="0">
-                  <a:pos x="connsiteX52" y="connsiteY52"/>
-                </a:cxn>
-                <a:cxn ang="0">
-                  <a:pos x="connsiteX53" y="connsiteY53"/>
-                </a:cxn>
-                <a:cxn ang="0">
-                  <a:pos x="connsiteX54" y="connsiteY54"/>
-                </a:cxn>
-                <a:cxn ang="0">
-                  <a:pos x="connsiteX55" y="connsiteY55"/>
-                </a:cxn>
-                <a:cxn ang="0">
-                  <a:pos x="connsiteX56" y="connsiteY56"/>
-                </a:cxn>
-                <a:cxn ang="0">
-                  <a:pos x="connsiteX57" y="connsiteY57"/>
-                </a:cxn>
-                <a:cxn ang="0">
-                  <a:pos x="connsiteX58" y="connsiteY58"/>
-                </a:cxn>
-                <a:cxn ang="0">
-                  <a:pos x="connsiteX59" y="connsiteY59"/>
-                </a:cxn>
-                <a:cxn ang="0">
-                  <a:pos x="connsiteX60" y="connsiteY60"/>
-                </a:cxn>
-                <a:cxn ang="0">
-                  <a:pos x="connsiteX61" y="connsiteY61"/>
-                </a:cxn>
-                <a:cxn ang="0">
-                  <a:pos x="connsiteX62" y="connsiteY62"/>
-                </a:cxn>
-                <a:cxn ang="0">
-                  <a:pos x="connsiteX63" y="connsiteY63"/>
-                </a:cxn>
-                <a:cxn ang="0">
-                  <a:pos x="connsiteX64" y="connsiteY64"/>
-                </a:cxn>
-                <a:cxn ang="0">
-                  <a:pos x="connsiteX65" y="connsiteY65"/>
-                </a:cxn>
-                <a:cxn ang="0">
-                  <a:pos x="connsiteX66" y="connsiteY66"/>
-                </a:cxn>
-                <a:cxn ang="0">
-                  <a:pos x="connsiteX67" y="connsiteY67"/>
-                </a:cxn>
-                <a:cxn ang="0">
-                  <a:pos x="connsiteX68" y="connsiteY68"/>
-                </a:cxn>
-                <a:cxn ang="0">
-                  <a:pos x="connsiteX69" y="connsiteY69"/>
-                </a:cxn>
-                <a:cxn ang="0">
-                  <a:pos x="connsiteX70" y="connsiteY70"/>
-                </a:cxn>
-                <a:cxn ang="0">
-                  <a:pos x="connsiteX71" y="connsiteY71"/>
-                </a:cxn>
-                <a:cxn ang="0">
-                  <a:pos x="connsiteX72" y="connsiteY72"/>
-                </a:cxn>
-                <a:cxn ang="0">
-                  <a:pos x="connsiteX73" y="connsiteY73"/>
-                </a:cxn>
-                <a:cxn ang="0">
-                  <a:pos x="connsiteX74" y="connsiteY74"/>
-                </a:cxn>
-                <a:cxn ang="0">
-                  <a:pos x="connsiteX75" y="connsiteY75"/>
-                </a:cxn>
-                <a:cxn ang="0">
-                  <a:pos x="connsiteX76" y="connsiteY76"/>
-                </a:cxn>
-                <a:cxn ang="0">
-                  <a:pos x="connsiteX77" y="connsiteY77"/>
-                </a:cxn>
-                <a:cxn ang="0">
-                  <a:pos x="connsiteX78" y="connsiteY78"/>
-                </a:cxn>
-                <a:cxn ang="0">
-                  <a:pos x="connsiteX79" y="connsiteY79"/>
-                </a:cxn>
-                <a:cxn ang="0">
-                  <a:pos x="connsiteX80" y="connsiteY80"/>
-                </a:cxn>
-                <a:cxn ang="0">
-                  <a:pos x="connsiteX81" y="connsiteY81"/>
-                </a:cxn>
-                <a:cxn ang="0">
-                  <a:pos x="connsiteX82" y="connsiteY82"/>
-                </a:cxn>
-                <a:cxn ang="0">
-                  <a:pos x="connsiteX83" y="connsiteY83"/>
-                </a:cxn>
-                <a:cxn ang="0">
-                  <a:pos x="connsiteX84" y="connsiteY84"/>
-                </a:cxn>
-                <a:cxn ang="0">
-                  <a:pos x="connsiteX85" y="connsiteY85"/>
-                </a:cxn>
-                <a:cxn ang="0">
-                  <a:pos x="connsiteX86" y="connsiteY86"/>
-                </a:cxn>
-                <a:cxn ang="0">
-                  <a:pos x="connsiteX87" y="connsiteY87"/>
-                </a:cxn>
-                <a:cxn ang="0">
-                  <a:pos x="connsiteX88" y="connsiteY88"/>
-                </a:cxn>
-                <a:cxn ang="0">
-                  <a:pos x="connsiteX89" y="connsiteY89"/>
-                </a:cxn>
-                <a:cxn ang="0">
-                  <a:pos x="connsiteX90" y="connsiteY90"/>
-                </a:cxn>
-                <a:cxn ang="0">
-                  <a:pos x="connsiteX91" y="connsiteY91"/>
-                </a:cxn>
-                <a:cxn ang="0">
-                  <a:pos x="connsiteX92" y="connsiteY92"/>
-                </a:cxn>
-                <a:cxn ang="0">
-                  <a:pos x="connsiteX93" y="connsiteY93"/>
-                </a:cxn>
-                <a:cxn ang="0">
-                  <a:pos x="connsiteX94" y="connsiteY94"/>
-                </a:cxn>
-                <a:cxn ang="0">
-                  <a:pos x="connsiteX95" y="connsiteY95"/>
-                </a:cxn>
-                <a:cxn ang="0">
-                  <a:pos x="connsiteX96" y="connsiteY96"/>
-                </a:cxn>
-              </a:cxnLst>
-              <a:rect l="l" t="t" r="r" b="b"/>
-              <a:pathLst>
-                <a:path w="2923657" h="1930754">
-                  <a:moveTo>
-                    <a:pt x="2050697" y="914"/>
-                  </a:moveTo>
-                  <a:cubicBezTo>
-                    <a:pt x="2063904" y="-398"/>
-                    <a:pt x="2077067" y="-312"/>
-                    <a:pt x="2090042" y="1257"/>
-                  </a:cubicBezTo>
-                  <a:cubicBezTo>
-                    <a:pt x="2104871" y="3051"/>
-                    <a:pt x="2119456" y="6781"/>
-                    <a:pt x="2133583" y="12579"/>
-                  </a:cubicBezTo>
-                  <a:cubicBezTo>
-                    <a:pt x="2190092" y="35770"/>
-                    <a:pt x="2228585" y="87630"/>
-                    <a:pt x="2245137" y="152732"/>
-                  </a:cubicBezTo>
-                  <a:lnTo>
-                    <a:pt x="2252045" y="245317"/>
-                  </a:lnTo>
-                  <a:lnTo>
-                    <a:pt x="2283505" y="245592"/>
-                  </a:lnTo>
-                  <a:cubicBezTo>
-                    <a:pt x="2298334" y="247386"/>
-                    <a:pt x="2312919" y="251116"/>
-                    <a:pt x="2327046" y="256914"/>
-                  </a:cubicBezTo>
-                  <a:cubicBezTo>
-                    <a:pt x="2369429" y="274307"/>
-                    <a:pt x="2401675" y="307827"/>
-                    <a:pt x="2422133" y="350964"/>
-                  </a:cubicBezTo>
-                  <a:lnTo>
-                    <a:pt x="2431309" y="376653"/>
-                  </a:lnTo>
-                  <a:lnTo>
-                    <a:pt x="2436980" y="370631"/>
-                  </a:lnTo>
-                  <a:cubicBezTo>
-                    <a:pt x="2475072" y="339992"/>
-                    <a:pt x="2517300" y="324099"/>
-                    <a:pt x="2556566" y="327733"/>
-                  </a:cubicBezTo>
-                  <a:cubicBezTo>
-                    <a:pt x="2567784" y="328771"/>
-                    <a:pt x="2578761" y="331402"/>
-                    <a:pt x="2589329" y="335740"/>
-                  </a:cubicBezTo>
-                  <a:cubicBezTo>
-                    <a:pt x="2631604" y="353089"/>
-                    <a:pt x="2659355" y="394439"/>
-                    <a:pt x="2670044" y="447267"/>
-                  </a:cubicBezTo>
-                  <a:lnTo>
-                    <a:pt x="2672216" y="511363"/>
-                  </a:lnTo>
-                  <a:lnTo>
-                    <a:pt x="2682638" y="506826"/>
-                  </a:lnTo>
-                  <a:cubicBezTo>
-                    <a:pt x="2706248" y="500254"/>
-                    <a:pt x="2729855" y="497375"/>
-                    <a:pt x="2752673" y="498491"/>
-                  </a:cubicBezTo>
-                  <a:cubicBezTo>
-                    <a:pt x="2783098" y="499980"/>
-                    <a:pt x="2812121" y="508570"/>
-                    <a:pt x="2837884" y="524972"/>
-                  </a:cubicBezTo>
-                  <a:cubicBezTo>
-                    <a:pt x="2915174" y="574179"/>
-                    <a:pt x="2941172" y="679722"/>
-                    <a:pt x="2912041" y="788005"/>
-                  </a:cubicBezTo>
-                  <a:lnTo>
-                    <a:pt x="2868978" y="884897"/>
-                  </a:lnTo>
-                  <a:lnTo>
-                    <a:pt x="2872601" y="888522"/>
-                  </a:lnTo>
-                  <a:cubicBezTo>
-                    <a:pt x="2928869" y="960527"/>
-                    <a:pt x="2940184" y="1079682"/>
-                    <a:pt x="2893308" y="1193907"/>
-                  </a:cubicBezTo>
-                  <a:cubicBezTo>
-                    <a:pt x="2846431" y="1308133"/>
-                    <a:pt x="2754677" y="1384988"/>
-                    <a:pt x="2664048" y="1396710"/>
-                  </a:cubicBezTo>
-                  <a:lnTo>
-                    <a:pt x="2632249" y="1396925"/>
-                  </a:lnTo>
-                  <a:lnTo>
-                    <a:pt x="2624836" y="1421754"/>
-                  </a:lnTo>
-                  <a:cubicBezTo>
-                    <a:pt x="2618688" y="1435368"/>
-                    <a:pt x="2610756" y="1448186"/>
-                    <a:pt x="2601261" y="1460094"/>
-                  </a:cubicBezTo>
-                  <a:lnTo>
-                    <a:pt x="2552002" y="1499778"/>
-                  </a:lnTo>
-                  <a:lnTo>
-                    <a:pt x="2562309" y="1512388"/>
-                  </a:lnTo>
-                  <a:cubicBezTo>
-                    <a:pt x="2583806" y="1550750"/>
-                    <a:pt x="2588919" y="1592722"/>
-                    <a:pt x="2572555" y="1629208"/>
-                  </a:cubicBezTo>
-                  <a:cubicBezTo>
-                    <a:pt x="2564371" y="1647451"/>
-                    <a:pt x="2551594" y="1662596"/>
-                    <a:pt x="2535494" y="1674363"/>
-                  </a:cubicBezTo>
-                  <a:lnTo>
-                    <a:pt x="2511124" y="1685003"/>
-                  </a:lnTo>
-                  <a:lnTo>
-                    <a:pt x="2513107" y="1698748"/>
-                  </a:lnTo>
-                  <a:cubicBezTo>
-                    <a:pt x="2514017" y="1729195"/>
-                    <a:pt x="2507738" y="1758804"/>
-                    <a:pt x="2493415" y="1785778"/>
-                  </a:cubicBezTo>
-                  <a:cubicBezTo>
-                    <a:pt x="2443280" y="1880187"/>
-                    <a:pt x="2311209" y="1911033"/>
-                    <a:pt x="2181569" y="1865545"/>
-                  </a:cubicBezTo>
-                  <a:lnTo>
-                    <a:pt x="2148733" y="1851137"/>
-                  </a:lnTo>
-                  <a:lnTo>
-                    <a:pt x="2122912" y="1879847"/>
-                  </a:lnTo>
-                  <a:cubicBezTo>
-                    <a:pt x="2087608" y="1911987"/>
-                    <a:pt x="2045049" y="1930754"/>
-                    <a:pt x="1999237" y="1930754"/>
-                  </a:cubicBezTo>
-                  <a:cubicBezTo>
-                    <a:pt x="1922884" y="1930754"/>
-                    <a:pt x="1855566" y="1878623"/>
-                    <a:pt x="1815815" y="1799332"/>
-                  </a:cubicBezTo>
-                  <a:lnTo>
-                    <a:pt x="1799326" y="1758397"/>
-                  </a:lnTo>
-                  <a:lnTo>
-                    <a:pt x="1785002" y="1784411"/>
-                  </a:lnTo>
-                  <a:cubicBezTo>
-                    <a:pt x="1760894" y="1820259"/>
-                    <a:pt x="1731830" y="1841192"/>
-                    <a:pt x="1700546" y="1841192"/>
-                  </a:cubicBezTo>
-                  <a:cubicBezTo>
-                    <a:pt x="1648405" y="1841192"/>
-                    <a:pt x="1602435" y="1783046"/>
-                    <a:pt x="1575290" y="1694608"/>
-                  </a:cubicBezTo>
-                  <a:lnTo>
-                    <a:pt x="1575028" y="1693545"/>
-                  </a:lnTo>
-                  <a:lnTo>
-                    <a:pt x="1554157" y="1729037"/>
-                  </a:lnTo>
-                  <a:cubicBezTo>
-                    <a:pt x="1511276" y="1789204"/>
-                    <a:pt x="1452035" y="1826417"/>
-                    <a:pt x="1386600" y="1826417"/>
-                  </a:cubicBezTo>
-                  <a:cubicBezTo>
-                    <a:pt x="1321165" y="1826417"/>
-                    <a:pt x="1261925" y="1789204"/>
-                    <a:pt x="1219043" y="1729037"/>
-                  </a:cubicBezTo>
-                  <a:lnTo>
-                    <a:pt x="1217805" y="1726932"/>
-                  </a:lnTo>
-                  <a:lnTo>
-                    <a:pt x="1199640" y="1753905"/>
-                  </a:lnTo>
-                  <a:cubicBezTo>
-                    <a:pt x="1174635" y="1783768"/>
-                    <a:pt x="1143335" y="1808232"/>
-                    <a:pt x="1106436" y="1825024"/>
-                  </a:cubicBezTo>
-                  <a:cubicBezTo>
-                    <a:pt x="995734" y="1875399"/>
-                    <a:pt x="866074" y="1842409"/>
-                    <a:pt x="776078" y="1752258"/>
-                  </a:cubicBezTo>
-                  <a:lnTo>
-                    <a:pt x="744087" y="1713860"/>
-                  </a:lnTo>
-                  <a:lnTo>
-                    <a:pt x="737364" y="1732964"/>
-                  </a:lnTo>
-                  <a:cubicBezTo>
-                    <a:pt x="702105" y="1806500"/>
-                    <a:pt x="619559" y="1858097"/>
-                    <a:pt x="523352" y="1858097"/>
-                  </a:cubicBezTo>
-                  <a:cubicBezTo>
-                    <a:pt x="395076" y="1858097"/>
-                    <a:pt x="291088" y="1766368"/>
-                    <a:pt x="291088" y="1653215"/>
-                  </a:cubicBezTo>
-                  <a:cubicBezTo>
-                    <a:pt x="291088" y="1610783"/>
-                    <a:pt x="305711" y="1571364"/>
-                    <a:pt x="330755" y="1538663"/>
-                  </a:cubicBezTo>
-                  <a:lnTo>
-                    <a:pt x="334012" y="1535182"/>
-                  </a:lnTo>
-                  <a:lnTo>
-                    <a:pt x="319228" y="1527159"/>
-                  </a:lnTo>
-                  <a:cubicBezTo>
-                    <a:pt x="301541" y="1515209"/>
-                    <a:pt x="285065" y="1501602"/>
-                    <a:pt x="270023" y="1486560"/>
-                  </a:cubicBezTo>
-                  <a:lnTo>
-                    <a:pt x="240311" y="1450550"/>
-                  </a:lnTo>
-                  <a:lnTo>
-                    <a:pt x="238140" y="1453770"/>
-                  </a:lnTo>
-                  <a:cubicBezTo>
-                    <a:pt x="218603" y="1473308"/>
-                    <a:pt x="191612" y="1485392"/>
-                    <a:pt x="161798" y="1485392"/>
-                  </a:cubicBezTo>
-                  <a:cubicBezTo>
-                    <a:pt x="102171" y="1485392"/>
-                    <a:pt x="53834" y="1437055"/>
-                    <a:pt x="53834" y="1377428"/>
-                  </a:cubicBezTo>
-                  <a:cubicBezTo>
-                    <a:pt x="53834" y="1317801"/>
-                    <a:pt x="102171" y="1269465"/>
-                    <a:pt x="161799" y="1269464"/>
-                  </a:cubicBezTo>
-                  <a:lnTo>
-                    <a:pt x="174720" y="1272073"/>
-                  </a:lnTo>
-                  <a:lnTo>
-                    <a:pt x="172644" y="1251466"/>
-                  </a:lnTo>
-                  <a:cubicBezTo>
-                    <a:pt x="172643" y="1159656"/>
-                    <a:pt x="209857" y="1076538"/>
-                    <a:pt x="270024" y="1016372"/>
-                  </a:cubicBezTo>
-                  <a:lnTo>
-                    <a:pt x="300742" y="991026"/>
-                  </a:lnTo>
-                  <a:lnTo>
-                    <a:pt x="264959" y="1009044"/>
-                  </a:lnTo>
-                  <a:cubicBezTo>
-                    <a:pt x="248707" y="1013084"/>
-                    <a:pt x="232224" y="1013017"/>
-                    <a:pt x="216391" y="1008158"/>
-                  </a:cubicBezTo>
-                  <a:cubicBezTo>
-                    <a:pt x="184727" y="998440"/>
-                    <a:pt x="161660" y="971393"/>
-                    <a:pt x="149963" y="935522"/>
-                  </a:cubicBezTo>
-                  <a:lnTo>
-                    <a:pt x="141912" y="880394"/>
-                  </a:lnTo>
-                  <a:lnTo>
-                    <a:pt x="104156" y="875033"/>
-                  </a:lnTo>
-                  <a:cubicBezTo>
-                    <a:pt x="42949" y="856824"/>
-                    <a:pt x="0" y="814194"/>
-                    <a:pt x="0" y="764511"/>
-                  </a:cubicBezTo>
-                  <a:cubicBezTo>
-                    <a:pt x="0" y="698266"/>
-                    <a:pt x="76352" y="644563"/>
-                    <a:pt x="170538" y="644563"/>
-                  </a:cubicBezTo>
-                  <a:lnTo>
-                    <a:pt x="192026" y="647615"/>
-                  </a:lnTo>
-                  <a:lnTo>
-                    <a:pt x="189894" y="644453"/>
-                  </a:lnTo>
-                  <a:cubicBezTo>
-                    <a:pt x="181105" y="623672"/>
-                    <a:pt x="176244" y="600823"/>
-                    <a:pt x="176244" y="576840"/>
-                  </a:cubicBezTo>
-                  <a:cubicBezTo>
-                    <a:pt x="176244" y="480906"/>
-                    <a:pt x="254013" y="403137"/>
-                    <a:pt x="349948" y="403137"/>
-                  </a:cubicBezTo>
-                  <a:cubicBezTo>
-                    <a:pt x="373931" y="403137"/>
-                    <a:pt x="396780" y="407997"/>
-                    <a:pt x="417560" y="416787"/>
-                  </a:cubicBezTo>
-                  <a:lnTo>
-                    <a:pt x="450908" y="439271"/>
-                  </a:lnTo>
-                  <a:lnTo>
-                    <a:pt x="448606" y="413393"/>
-                  </a:lnTo>
-                  <a:cubicBezTo>
-                    <a:pt x="447883" y="282758"/>
-                    <a:pt x="502296" y="168255"/>
-                    <a:pt x="604060" y="115202"/>
-                  </a:cubicBezTo>
-                  <a:cubicBezTo>
-                    <a:pt x="644766" y="93982"/>
-                    <a:pt x="689194" y="84602"/>
-                    <a:pt x="734681" y="85810"/>
-                  </a:cubicBezTo>
-                  <a:cubicBezTo>
-                    <a:pt x="802912" y="87624"/>
-                    <a:pt x="873528" y="113263"/>
-                    <a:pt x="937538" y="158498"/>
-                  </a:cubicBezTo>
-                  <a:lnTo>
-                    <a:pt x="960860" y="179767"/>
-                  </a:lnTo>
-                  <a:lnTo>
-                    <a:pt x="969050" y="139199"/>
-                  </a:lnTo>
-                  <a:cubicBezTo>
-                    <a:pt x="1000820" y="64084"/>
-                    <a:pt x="1075198" y="11378"/>
-                    <a:pt x="1161888" y="11378"/>
-                  </a:cubicBezTo>
-                  <a:cubicBezTo>
-                    <a:pt x="1248576" y="11377"/>
-                    <a:pt x="1322954" y="64084"/>
-                    <a:pt x="1354725" y="139200"/>
-                  </a:cubicBezTo>
-                  <a:lnTo>
-                    <a:pt x="1370519" y="217423"/>
-                  </a:lnTo>
-                  <a:lnTo>
-                    <a:pt x="1409067" y="229390"/>
-                  </a:lnTo>
-                  <a:cubicBezTo>
-                    <a:pt x="1427846" y="237332"/>
-                    <a:pt x="1445224" y="247938"/>
-                    <a:pt x="1460730" y="260733"/>
-                  </a:cubicBezTo>
-                  <a:lnTo>
-                    <a:pt x="1472314" y="273483"/>
-                  </a:lnTo>
-                  <a:lnTo>
-                    <a:pt x="1487534" y="199150"/>
-                  </a:lnTo>
-                  <a:cubicBezTo>
-                    <a:pt x="1512229" y="136682"/>
-                    <a:pt x="1557003" y="90136"/>
-                    <a:pt x="1616002" y="74318"/>
-                  </a:cubicBezTo>
-                  <a:cubicBezTo>
-                    <a:pt x="1689750" y="54546"/>
-                    <a:pt x="1768272" y="87466"/>
-                    <a:pt x="1827200" y="153758"/>
-                  </a:cubicBezTo>
-                  <a:lnTo>
-                    <a:pt x="1837154" y="166993"/>
-                  </a:lnTo>
-                  <a:lnTo>
-                    <a:pt x="1867104" y="114642"/>
-                  </a:lnTo>
-                  <a:cubicBezTo>
-                    <a:pt x="1917520" y="48971"/>
-                    <a:pt x="1984663" y="7473"/>
-                    <a:pt x="2050697" y="914"/>
-                  </a:cubicBezTo>
-                  <a:close/>
-                </a:path>
-              </a:pathLst>
-            </a:custGeom>
-            <a:solidFill>
-              <a:srgbClr val="FFFF00"/>
-            </a:solidFill>
-            <a:ln w="12700">
-              <a:solidFill>
-                <a:schemeClr val="tx1"/>
-              </a:solidFill>
-            </a:ln>
-          </p:spPr>
-          <p:style>
-            <a:lnRef idx="2">
-              <a:schemeClr val="accent1">
-                <a:shade val="50000"/>
-              </a:schemeClr>
-            </a:lnRef>
-            <a:fillRef idx="1">
-              <a:schemeClr val="accent1"/>
-            </a:fillRef>
-            <a:effectRef idx="0">
-              <a:schemeClr val="accent1"/>
-            </a:effectRef>
-            <a:fontRef idx="minor">
-              <a:schemeClr val="lt1"/>
-            </a:fontRef>
-          </p:style>
-          <p:txBody>
-            <a:bodyPr rtlCol="0" anchor="ctr"/>
-            <a:lstStyle/>
-            <a:p>
-              <a:pPr algn="ctr"/>
-              <a:endParaRPr kumimoji="1" lang="ja-JP" altLang="en-US" dirty="0"/>
-            </a:p>
-          </p:txBody>
-        </p:sp>
-      </p:grpSp>
-      <p:grpSp>
-        <p:nvGrpSpPr>
-          <p:cNvPr id="190" name="グループ化 189">
-            <a:extLst>
-              <a:ext uri="{FF2B5EF4-FFF2-40B4-BE49-F238E27FC236}">
-                <a16:creationId xmlns:a16="http://schemas.microsoft.com/office/drawing/2014/main" id="{E3015EA5-1D26-4D4E-8ED7-66EE53A923B8}"/>
-              </a:ext>
-            </a:extLst>
-          </p:cNvPr>
-          <p:cNvGrpSpPr/>
-          <p:nvPr/>
-        </p:nvGrpSpPr>
-        <p:grpSpPr>
-          <a:xfrm>
-            <a:off x="9302700" y="993446"/>
-            <a:ext cx="211168" cy="211168"/>
-            <a:chOff x="11382375" y="2886437"/>
-            <a:chExt cx="211168" cy="211168"/>
-          </a:xfrm>
-        </p:grpSpPr>
-        <p:sp>
-          <p:nvSpPr>
-            <p:cNvPr id="191" name="楕円 190">
-              <a:extLst>
-                <a:ext uri="{FF2B5EF4-FFF2-40B4-BE49-F238E27FC236}">
-                  <a16:creationId xmlns:a16="http://schemas.microsoft.com/office/drawing/2014/main" id="{7A484836-50D0-4184-B8D3-27A571D5EF15}"/>
-                </a:ext>
-              </a:extLst>
-            </p:cNvPr>
-            <p:cNvSpPr/>
-            <p:nvPr/>
-          </p:nvSpPr>
-          <p:spPr>
-            <a:xfrm>
-              <a:off x="11382375" y="2886437"/>
-              <a:ext cx="211168" cy="211168"/>
+              <a:off x="8419832" y="1667631"/>
+              <a:ext cx="82610" cy="82610"/>
             </a:xfrm>
             <a:prstGeom prst="ellipse">
               <a:avLst/>
@@ -12761,204 +9858,3128 @@
             </a:p>
           </p:txBody>
         </p:sp>
-        <p:sp>
-          <p:nvSpPr>
-            <p:cNvPr id="192" name="楕円 191">
+        <p:grpSp>
+          <p:nvGrpSpPr>
+            <p:cNvPr id="255" name="グループ化 254">
               <a:extLst>
                 <a:ext uri="{FF2B5EF4-FFF2-40B4-BE49-F238E27FC236}">
-                  <a16:creationId xmlns:a16="http://schemas.microsoft.com/office/drawing/2014/main" id="{B176AB17-C942-4E42-9C56-B269F3FF8DDE}"/>
+                  <a16:creationId xmlns:a16="http://schemas.microsoft.com/office/drawing/2014/main" id="{154E3189-CCE7-454A-8A28-765C671D23A7}"/>
                 </a:ext>
               </a:extLst>
             </p:cNvPr>
-            <p:cNvSpPr/>
+            <p:cNvGrpSpPr/>
             <p:nvPr/>
-          </p:nvSpPr>
-          <p:spPr>
+          </p:nvGrpSpPr>
+          <p:grpSpPr>
             <a:xfrm>
-              <a:off x="11437994" y="2942056"/>
-              <a:ext cx="99930" cy="99930"/>
+              <a:off x="7466763" y="1807628"/>
+              <a:ext cx="2038841" cy="902156"/>
+              <a:chOff x="7444108" y="430807"/>
+              <a:chExt cx="2229542" cy="1269521"/>
             </a:xfrm>
-            <a:prstGeom prst="ellipse">
-              <a:avLst/>
-            </a:prstGeom>
-            <a:solidFill>
-              <a:srgbClr val="FFFF00"/>
-            </a:solidFill>
-            <a:ln>
+          </p:grpSpPr>
+          <p:sp>
+            <p:nvSpPr>
+              <p:cNvPr id="196" name="フリーフォーム: 図形 195">
+                <a:extLst>
+                  <a:ext uri="{FF2B5EF4-FFF2-40B4-BE49-F238E27FC236}">
+                    <a16:creationId xmlns:a16="http://schemas.microsoft.com/office/drawing/2014/main" id="{3D82CFDD-7ABA-4CF9-8F94-4B81BE8AC9D6}"/>
+                  </a:ext>
+                </a:extLst>
+              </p:cNvPr>
+              <p:cNvSpPr/>
+              <p:nvPr/>
+            </p:nvSpPr>
+            <p:spPr>
+              <a:xfrm>
+                <a:off x="7444108" y="431456"/>
+                <a:ext cx="2228694" cy="1268872"/>
+              </a:xfrm>
+              <a:custGeom>
+                <a:avLst/>
+                <a:gdLst>
+                  <a:gd name="connsiteX0" fmla="*/ 2050697 w 2923657"/>
+                  <a:gd name="connsiteY0" fmla="*/ 914 h 1930754"/>
+                  <a:gd name="connsiteX1" fmla="*/ 2090042 w 2923657"/>
+                  <a:gd name="connsiteY1" fmla="*/ 1257 h 1930754"/>
+                  <a:gd name="connsiteX2" fmla="*/ 2133583 w 2923657"/>
+                  <a:gd name="connsiteY2" fmla="*/ 12579 h 1930754"/>
+                  <a:gd name="connsiteX3" fmla="*/ 2245137 w 2923657"/>
+                  <a:gd name="connsiteY3" fmla="*/ 152732 h 1930754"/>
+                  <a:gd name="connsiteX4" fmla="*/ 2252045 w 2923657"/>
+                  <a:gd name="connsiteY4" fmla="*/ 245317 h 1930754"/>
+                  <a:gd name="connsiteX5" fmla="*/ 2283505 w 2923657"/>
+                  <a:gd name="connsiteY5" fmla="*/ 245592 h 1930754"/>
+                  <a:gd name="connsiteX6" fmla="*/ 2327046 w 2923657"/>
+                  <a:gd name="connsiteY6" fmla="*/ 256914 h 1930754"/>
+                  <a:gd name="connsiteX7" fmla="*/ 2422133 w 2923657"/>
+                  <a:gd name="connsiteY7" fmla="*/ 350964 h 1930754"/>
+                  <a:gd name="connsiteX8" fmla="*/ 2431309 w 2923657"/>
+                  <a:gd name="connsiteY8" fmla="*/ 376653 h 1930754"/>
+                  <a:gd name="connsiteX9" fmla="*/ 2436980 w 2923657"/>
+                  <a:gd name="connsiteY9" fmla="*/ 370631 h 1930754"/>
+                  <a:gd name="connsiteX10" fmla="*/ 2556566 w 2923657"/>
+                  <a:gd name="connsiteY10" fmla="*/ 327733 h 1930754"/>
+                  <a:gd name="connsiteX11" fmla="*/ 2589329 w 2923657"/>
+                  <a:gd name="connsiteY11" fmla="*/ 335740 h 1930754"/>
+                  <a:gd name="connsiteX12" fmla="*/ 2670044 w 2923657"/>
+                  <a:gd name="connsiteY12" fmla="*/ 447267 h 1930754"/>
+                  <a:gd name="connsiteX13" fmla="*/ 2672216 w 2923657"/>
+                  <a:gd name="connsiteY13" fmla="*/ 511363 h 1930754"/>
+                  <a:gd name="connsiteX14" fmla="*/ 2682638 w 2923657"/>
+                  <a:gd name="connsiteY14" fmla="*/ 506826 h 1930754"/>
+                  <a:gd name="connsiteX15" fmla="*/ 2752673 w 2923657"/>
+                  <a:gd name="connsiteY15" fmla="*/ 498491 h 1930754"/>
+                  <a:gd name="connsiteX16" fmla="*/ 2837884 w 2923657"/>
+                  <a:gd name="connsiteY16" fmla="*/ 524972 h 1930754"/>
+                  <a:gd name="connsiteX17" fmla="*/ 2912041 w 2923657"/>
+                  <a:gd name="connsiteY17" fmla="*/ 788005 h 1930754"/>
+                  <a:gd name="connsiteX18" fmla="*/ 2868978 w 2923657"/>
+                  <a:gd name="connsiteY18" fmla="*/ 884897 h 1930754"/>
+                  <a:gd name="connsiteX19" fmla="*/ 2872601 w 2923657"/>
+                  <a:gd name="connsiteY19" fmla="*/ 888522 h 1930754"/>
+                  <a:gd name="connsiteX20" fmla="*/ 2893308 w 2923657"/>
+                  <a:gd name="connsiteY20" fmla="*/ 1193907 h 1930754"/>
+                  <a:gd name="connsiteX21" fmla="*/ 2664048 w 2923657"/>
+                  <a:gd name="connsiteY21" fmla="*/ 1396710 h 1930754"/>
+                  <a:gd name="connsiteX22" fmla="*/ 2632249 w 2923657"/>
+                  <a:gd name="connsiteY22" fmla="*/ 1396925 h 1930754"/>
+                  <a:gd name="connsiteX23" fmla="*/ 2624836 w 2923657"/>
+                  <a:gd name="connsiteY23" fmla="*/ 1421754 h 1930754"/>
+                  <a:gd name="connsiteX24" fmla="*/ 2601261 w 2923657"/>
+                  <a:gd name="connsiteY24" fmla="*/ 1460094 h 1930754"/>
+                  <a:gd name="connsiteX25" fmla="*/ 2552002 w 2923657"/>
+                  <a:gd name="connsiteY25" fmla="*/ 1499778 h 1930754"/>
+                  <a:gd name="connsiteX26" fmla="*/ 2562309 w 2923657"/>
+                  <a:gd name="connsiteY26" fmla="*/ 1512388 h 1930754"/>
+                  <a:gd name="connsiteX27" fmla="*/ 2572555 w 2923657"/>
+                  <a:gd name="connsiteY27" fmla="*/ 1629208 h 1930754"/>
+                  <a:gd name="connsiteX28" fmla="*/ 2535494 w 2923657"/>
+                  <a:gd name="connsiteY28" fmla="*/ 1674363 h 1930754"/>
+                  <a:gd name="connsiteX29" fmla="*/ 2511124 w 2923657"/>
+                  <a:gd name="connsiteY29" fmla="*/ 1685003 h 1930754"/>
+                  <a:gd name="connsiteX30" fmla="*/ 2513107 w 2923657"/>
+                  <a:gd name="connsiteY30" fmla="*/ 1698748 h 1930754"/>
+                  <a:gd name="connsiteX31" fmla="*/ 2493415 w 2923657"/>
+                  <a:gd name="connsiteY31" fmla="*/ 1785778 h 1930754"/>
+                  <a:gd name="connsiteX32" fmla="*/ 2181569 w 2923657"/>
+                  <a:gd name="connsiteY32" fmla="*/ 1865545 h 1930754"/>
+                  <a:gd name="connsiteX33" fmla="*/ 2148733 w 2923657"/>
+                  <a:gd name="connsiteY33" fmla="*/ 1851137 h 1930754"/>
+                  <a:gd name="connsiteX34" fmla="*/ 2122912 w 2923657"/>
+                  <a:gd name="connsiteY34" fmla="*/ 1879847 h 1930754"/>
+                  <a:gd name="connsiteX35" fmla="*/ 1999237 w 2923657"/>
+                  <a:gd name="connsiteY35" fmla="*/ 1930754 h 1930754"/>
+                  <a:gd name="connsiteX36" fmla="*/ 1815815 w 2923657"/>
+                  <a:gd name="connsiteY36" fmla="*/ 1799332 h 1930754"/>
+                  <a:gd name="connsiteX37" fmla="*/ 1799326 w 2923657"/>
+                  <a:gd name="connsiteY37" fmla="*/ 1758397 h 1930754"/>
+                  <a:gd name="connsiteX38" fmla="*/ 1785002 w 2923657"/>
+                  <a:gd name="connsiteY38" fmla="*/ 1784411 h 1930754"/>
+                  <a:gd name="connsiteX39" fmla="*/ 1700546 w 2923657"/>
+                  <a:gd name="connsiteY39" fmla="*/ 1841192 h 1930754"/>
+                  <a:gd name="connsiteX40" fmla="*/ 1575290 w 2923657"/>
+                  <a:gd name="connsiteY40" fmla="*/ 1694608 h 1930754"/>
+                  <a:gd name="connsiteX41" fmla="*/ 1575028 w 2923657"/>
+                  <a:gd name="connsiteY41" fmla="*/ 1693545 h 1930754"/>
+                  <a:gd name="connsiteX42" fmla="*/ 1554157 w 2923657"/>
+                  <a:gd name="connsiteY42" fmla="*/ 1729037 h 1930754"/>
+                  <a:gd name="connsiteX43" fmla="*/ 1386600 w 2923657"/>
+                  <a:gd name="connsiteY43" fmla="*/ 1826417 h 1930754"/>
+                  <a:gd name="connsiteX44" fmla="*/ 1219043 w 2923657"/>
+                  <a:gd name="connsiteY44" fmla="*/ 1729037 h 1930754"/>
+                  <a:gd name="connsiteX45" fmla="*/ 1217805 w 2923657"/>
+                  <a:gd name="connsiteY45" fmla="*/ 1726932 h 1930754"/>
+                  <a:gd name="connsiteX46" fmla="*/ 1199640 w 2923657"/>
+                  <a:gd name="connsiteY46" fmla="*/ 1753905 h 1930754"/>
+                  <a:gd name="connsiteX47" fmla="*/ 1106436 w 2923657"/>
+                  <a:gd name="connsiteY47" fmla="*/ 1825024 h 1930754"/>
+                  <a:gd name="connsiteX48" fmla="*/ 776078 w 2923657"/>
+                  <a:gd name="connsiteY48" fmla="*/ 1752258 h 1930754"/>
+                  <a:gd name="connsiteX49" fmla="*/ 744087 w 2923657"/>
+                  <a:gd name="connsiteY49" fmla="*/ 1713860 h 1930754"/>
+                  <a:gd name="connsiteX50" fmla="*/ 737364 w 2923657"/>
+                  <a:gd name="connsiteY50" fmla="*/ 1732964 h 1930754"/>
+                  <a:gd name="connsiteX51" fmla="*/ 523352 w 2923657"/>
+                  <a:gd name="connsiteY51" fmla="*/ 1858097 h 1930754"/>
+                  <a:gd name="connsiteX52" fmla="*/ 291088 w 2923657"/>
+                  <a:gd name="connsiteY52" fmla="*/ 1653215 h 1930754"/>
+                  <a:gd name="connsiteX53" fmla="*/ 330755 w 2923657"/>
+                  <a:gd name="connsiteY53" fmla="*/ 1538663 h 1930754"/>
+                  <a:gd name="connsiteX54" fmla="*/ 334012 w 2923657"/>
+                  <a:gd name="connsiteY54" fmla="*/ 1535182 h 1930754"/>
+                  <a:gd name="connsiteX55" fmla="*/ 319228 w 2923657"/>
+                  <a:gd name="connsiteY55" fmla="*/ 1527159 h 1930754"/>
+                  <a:gd name="connsiteX56" fmla="*/ 270023 w 2923657"/>
+                  <a:gd name="connsiteY56" fmla="*/ 1486560 h 1930754"/>
+                  <a:gd name="connsiteX57" fmla="*/ 240311 w 2923657"/>
+                  <a:gd name="connsiteY57" fmla="*/ 1450550 h 1930754"/>
+                  <a:gd name="connsiteX58" fmla="*/ 238140 w 2923657"/>
+                  <a:gd name="connsiteY58" fmla="*/ 1453770 h 1930754"/>
+                  <a:gd name="connsiteX59" fmla="*/ 161798 w 2923657"/>
+                  <a:gd name="connsiteY59" fmla="*/ 1485392 h 1930754"/>
+                  <a:gd name="connsiteX60" fmla="*/ 53834 w 2923657"/>
+                  <a:gd name="connsiteY60" fmla="*/ 1377428 h 1930754"/>
+                  <a:gd name="connsiteX61" fmla="*/ 161799 w 2923657"/>
+                  <a:gd name="connsiteY61" fmla="*/ 1269464 h 1930754"/>
+                  <a:gd name="connsiteX62" fmla="*/ 174720 w 2923657"/>
+                  <a:gd name="connsiteY62" fmla="*/ 1272073 h 1930754"/>
+                  <a:gd name="connsiteX63" fmla="*/ 172644 w 2923657"/>
+                  <a:gd name="connsiteY63" fmla="*/ 1251466 h 1930754"/>
+                  <a:gd name="connsiteX64" fmla="*/ 270024 w 2923657"/>
+                  <a:gd name="connsiteY64" fmla="*/ 1016372 h 1930754"/>
+                  <a:gd name="connsiteX65" fmla="*/ 300742 w 2923657"/>
+                  <a:gd name="connsiteY65" fmla="*/ 991026 h 1930754"/>
+                  <a:gd name="connsiteX66" fmla="*/ 264959 w 2923657"/>
+                  <a:gd name="connsiteY66" fmla="*/ 1009044 h 1930754"/>
+                  <a:gd name="connsiteX67" fmla="*/ 216391 w 2923657"/>
+                  <a:gd name="connsiteY67" fmla="*/ 1008158 h 1930754"/>
+                  <a:gd name="connsiteX68" fmla="*/ 149963 w 2923657"/>
+                  <a:gd name="connsiteY68" fmla="*/ 935522 h 1930754"/>
+                  <a:gd name="connsiteX69" fmla="*/ 141912 w 2923657"/>
+                  <a:gd name="connsiteY69" fmla="*/ 880394 h 1930754"/>
+                  <a:gd name="connsiteX70" fmla="*/ 104156 w 2923657"/>
+                  <a:gd name="connsiteY70" fmla="*/ 875033 h 1930754"/>
+                  <a:gd name="connsiteX71" fmla="*/ 0 w 2923657"/>
+                  <a:gd name="connsiteY71" fmla="*/ 764511 h 1930754"/>
+                  <a:gd name="connsiteX72" fmla="*/ 170538 w 2923657"/>
+                  <a:gd name="connsiteY72" fmla="*/ 644563 h 1930754"/>
+                  <a:gd name="connsiteX73" fmla="*/ 192026 w 2923657"/>
+                  <a:gd name="connsiteY73" fmla="*/ 647615 h 1930754"/>
+                  <a:gd name="connsiteX74" fmla="*/ 189894 w 2923657"/>
+                  <a:gd name="connsiteY74" fmla="*/ 644453 h 1930754"/>
+                  <a:gd name="connsiteX75" fmla="*/ 176244 w 2923657"/>
+                  <a:gd name="connsiteY75" fmla="*/ 576840 h 1930754"/>
+                  <a:gd name="connsiteX76" fmla="*/ 349948 w 2923657"/>
+                  <a:gd name="connsiteY76" fmla="*/ 403137 h 1930754"/>
+                  <a:gd name="connsiteX77" fmla="*/ 417560 w 2923657"/>
+                  <a:gd name="connsiteY77" fmla="*/ 416787 h 1930754"/>
+                  <a:gd name="connsiteX78" fmla="*/ 450908 w 2923657"/>
+                  <a:gd name="connsiteY78" fmla="*/ 439271 h 1930754"/>
+                  <a:gd name="connsiteX79" fmla="*/ 448606 w 2923657"/>
+                  <a:gd name="connsiteY79" fmla="*/ 413393 h 1930754"/>
+                  <a:gd name="connsiteX80" fmla="*/ 604060 w 2923657"/>
+                  <a:gd name="connsiteY80" fmla="*/ 115202 h 1930754"/>
+                  <a:gd name="connsiteX81" fmla="*/ 734681 w 2923657"/>
+                  <a:gd name="connsiteY81" fmla="*/ 85810 h 1930754"/>
+                  <a:gd name="connsiteX82" fmla="*/ 937538 w 2923657"/>
+                  <a:gd name="connsiteY82" fmla="*/ 158498 h 1930754"/>
+                  <a:gd name="connsiteX83" fmla="*/ 960860 w 2923657"/>
+                  <a:gd name="connsiteY83" fmla="*/ 179767 h 1930754"/>
+                  <a:gd name="connsiteX84" fmla="*/ 969050 w 2923657"/>
+                  <a:gd name="connsiteY84" fmla="*/ 139199 h 1930754"/>
+                  <a:gd name="connsiteX85" fmla="*/ 1161888 w 2923657"/>
+                  <a:gd name="connsiteY85" fmla="*/ 11378 h 1930754"/>
+                  <a:gd name="connsiteX86" fmla="*/ 1354725 w 2923657"/>
+                  <a:gd name="connsiteY86" fmla="*/ 139200 h 1930754"/>
+                  <a:gd name="connsiteX87" fmla="*/ 1370519 w 2923657"/>
+                  <a:gd name="connsiteY87" fmla="*/ 217423 h 1930754"/>
+                  <a:gd name="connsiteX88" fmla="*/ 1409067 w 2923657"/>
+                  <a:gd name="connsiteY88" fmla="*/ 229390 h 1930754"/>
+                  <a:gd name="connsiteX89" fmla="*/ 1460730 w 2923657"/>
+                  <a:gd name="connsiteY89" fmla="*/ 260733 h 1930754"/>
+                  <a:gd name="connsiteX90" fmla="*/ 1472314 w 2923657"/>
+                  <a:gd name="connsiteY90" fmla="*/ 273483 h 1930754"/>
+                  <a:gd name="connsiteX91" fmla="*/ 1487534 w 2923657"/>
+                  <a:gd name="connsiteY91" fmla="*/ 199150 h 1930754"/>
+                  <a:gd name="connsiteX92" fmla="*/ 1616002 w 2923657"/>
+                  <a:gd name="connsiteY92" fmla="*/ 74318 h 1930754"/>
+                  <a:gd name="connsiteX93" fmla="*/ 1827200 w 2923657"/>
+                  <a:gd name="connsiteY93" fmla="*/ 153758 h 1930754"/>
+                  <a:gd name="connsiteX94" fmla="*/ 1837154 w 2923657"/>
+                  <a:gd name="connsiteY94" fmla="*/ 166993 h 1930754"/>
+                  <a:gd name="connsiteX95" fmla="*/ 1867104 w 2923657"/>
+                  <a:gd name="connsiteY95" fmla="*/ 114642 h 1930754"/>
+                  <a:gd name="connsiteX96" fmla="*/ 2050697 w 2923657"/>
+                  <a:gd name="connsiteY96" fmla="*/ 914 h 1930754"/>
+                </a:gdLst>
+                <a:ahLst/>
+                <a:cxnLst>
+                  <a:cxn ang="0">
+                    <a:pos x="connsiteX0" y="connsiteY0"/>
+                  </a:cxn>
+                  <a:cxn ang="0">
+                    <a:pos x="connsiteX1" y="connsiteY1"/>
+                  </a:cxn>
+                  <a:cxn ang="0">
+                    <a:pos x="connsiteX2" y="connsiteY2"/>
+                  </a:cxn>
+                  <a:cxn ang="0">
+                    <a:pos x="connsiteX3" y="connsiteY3"/>
+                  </a:cxn>
+                  <a:cxn ang="0">
+                    <a:pos x="connsiteX4" y="connsiteY4"/>
+                  </a:cxn>
+                  <a:cxn ang="0">
+                    <a:pos x="connsiteX5" y="connsiteY5"/>
+                  </a:cxn>
+                  <a:cxn ang="0">
+                    <a:pos x="connsiteX6" y="connsiteY6"/>
+                  </a:cxn>
+                  <a:cxn ang="0">
+                    <a:pos x="connsiteX7" y="connsiteY7"/>
+                  </a:cxn>
+                  <a:cxn ang="0">
+                    <a:pos x="connsiteX8" y="connsiteY8"/>
+                  </a:cxn>
+                  <a:cxn ang="0">
+                    <a:pos x="connsiteX9" y="connsiteY9"/>
+                  </a:cxn>
+                  <a:cxn ang="0">
+                    <a:pos x="connsiteX10" y="connsiteY10"/>
+                  </a:cxn>
+                  <a:cxn ang="0">
+                    <a:pos x="connsiteX11" y="connsiteY11"/>
+                  </a:cxn>
+                  <a:cxn ang="0">
+                    <a:pos x="connsiteX12" y="connsiteY12"/>
+                  </a:cxn>
+                  <a:cxn ang="0">
+                    <a:pos x="connsiteX13" y="connsiteY13"/>
+                  </a:cxn>
+                  <a:cxn ang="0">
+                    <a:pos x="connsiteX14" y="connsiteY14"/>
+                  </a:cxn>
+                  <a:cxn ang="0">
+                    <a:pos x="connsiteX15" y="connsiteY15"/>
+                  </a:cxn>
+                  <a:cxn ang="0">
+                    <a:pos x="connsiteX16" y="connsiteY16"/>
+                  </a:cxn>
+                  <a:cxn ang="0">
+                    <a:pos x="connsiteX17" y="connsiteY17"/>
+                  </a:cxn>
+                  <a:cxn ang="0">
+                    <a:pos x="connsiteX18" y="connsiteY18"/>
+                  </a:cxn>
+                  <a:cxn ang="0">
+                    <a:pos x="connsiteX19" y="connsiteY19"/>
+                  </a:cxn>
+                  <a:cxn ang="0">
+                    <a:pos x="connsiteX20" y="connsiteY20"/>
+                  </a:cxn>
+                  <a:cxn ang="0">
+                    <a:pos x="connsiteX21" y="connsiteY21"/>
+                  </a:cxn>
+                  <a:cxn ang="0">
+                    <a:pos x="connsiteX22" y="connsiteY22"/>
+                  </a:cxn>
+                  <a:cxn ang="0">
+                    <a:pos x="connsiteX23" y="connsiteY23"/>
+                  </a:cxn>
+                  <a:cxn ang="0">
+                    <a:pos x="connsiteX24" y="connsiteY24"/>
+                  </a:cxn>
+                  <a:cxn ang="0">
+                    <a:pos x="connsiteX25" y="connsiteY25"/>
+                  </a:cxn>
+                  <a:cxn ang="0">
+                    <a:pos x="connsiteX26" y="connsiteY26"/>
+                  </a:cxn>
+                  <a:cxn ang="0">
+                    <a:pos x="connsiteX27" y="connsiteY27"/>
+                  </a:cxn>
+                  <a:cxn ang="0">
+                    <a:pos x="connsiteX28" y="connsiteY28"/>
+                  </a:cxn>
+                  <a:cxn ang="0">
+                    <a:pos x="connsiteX29" y="connsiteY29"/>
+                  </a:cxn>
+                  <a:cxn ang="0">
+                    <a:pos x="connsiteX30" y="connsiteY30"/>
+                  </a:cxn>
+                  <a:cxn ang="0">
+                    <a:pos x="connsiteX31" y="connsiteY31"/>
+                  </a:cxn>
+                  <a:cxn ang="0">
+                    <a:pos x="connsiteX32" y="connsiteY32"/>
+                  </a:cxn>
+                  <a:cxn ang="0">
+                    <a:pos x="connsiteX33" y="connsiteY33"/>
+                  </a:cxn>
+                  <a:cxn ang="0">
+                    <a:pos x="connsiteX34" y="connsiteY34"/>
+                  </a:cxn>
+                  <a:cxn ang="0">
+                    <a:pos x="connsiteX35" y="connsiteY35"/>
+                  </a:cxn>
+                  <a:cxn ang="0">
+                    <a:pos x="connsiteX36" y="connsiteY36"/>
+                  </a:cxn>
+                  <a:cxn ang="0">
+                    <a:pos x="connsiteX37" y="connsiteY37"/>
+                  </a:cxn>
+                  <a:cxn ang="0">
+                    <a:pos x="connsiteX38" y="connsiteY38"/>
+                  </a:cxn>
+                  <a:cxn ang="0">
+                    <a:pos x="connsiteX39" y="connsiteY39"/>
+                  </a:cxn>
+                  <a:cxn ang="0">
+                    <a:pos x="connsiteX40" y="connsiteY40"/>
+                  </a:cxn>
+                  <a:cxn ang="0">
+                    <a:pos x="connsiteX41" y="connsiteY41"/>
+                  </a:cxn>
+                  <a:cxn ang="0">
+                    <a:pos x="connsiteX42" y="connsiteY42"/>
+                  </a:cxn>
+                  <a:cxn ang="0">
+                    <a:pos x="connsiteX43" y="connsiteY43"/>
+                  </a:cxn>
+                  <a:cxn ang="0">
+                    <a:pos x="connsiteX44" y="connsiteY44"/>
+                  </a:cxn>
+                  <a:cxn ang="0">
+                    <a:pos x="connsiteX45" y="connsiteY45"/>
+                  </a:cxn>
+                  <a:cxn ang="0">
+                    <a:pos x="connsiteX46" y="connsiteY46"/>
+                  </a:cxn>
+                  <a:cxn ang="0">
+                    <a:pos x="connsiteX47" y="connsiteY47"/>
+                  </a:cxn>
+                  <a:cxn ang="0">
+                    <a:pos x="connsiteX48" y="connsiteY48"/>
+                  </a:cxn>
+                  <a:cxn ang="0">
+                    <a:pos x="connsiteX49" y="connsiteY49"/>
+                  </a:cxn>
+                  <a:cxn ang="0">
+                    <a:pos x="connsiteX50" y="connsiteY50"/>
+                  </a:cxn>
+                  <a:cxn ang="0">
+                    <a:pos x="connsiteX51" y="connsiteY51"/>
+                  </a:cxn>
+                  <a:cxn ang="0">
+                    <a:pos x="connsiteX52" y="connsiteY52"/>
+                  </a:cxn>
+                  <a:cxn ang="0">
+                    <a:pos x="connsiteX53" y="connsiteY53"/>
+                  </a:cxn>
+                  <a:cxn ang="0">
+                    <a:pos x="connsiteX54" y="connsiteY54"/>
+                  </a:cxn>
+                  <a:cxn ang="0">
+                    <a:pos x="connsiteX55" y="connsiteY55"/>
+                  </a:cxn>
+                  <a:cxn ang="0">
+                    <a:pos x="connsiteX56" y="connsiteY56"/>
+                  </a:cxn>
+                  <a:cxn ang="0">
+                    <a:pos x="connsiteX57" y="connsiteY57"/>
+                  </a:cxn>
+                  <a:cxn ang="0">
+                    <a:pos x="connsiteX58" y="connsiteY58"/>
+                  </a:cxn>
+                  <a:cxn ang="0">
+                    <a:pos x="connsiteX59" y="connsiteY59"/>
+                  </a:cxn>
+                  <a:cxn ang="0">
+                    <a:pos x="connsiteX60" y="connsiteY60"/>
+                  </a:cxn>
+                  <a:cxn ang="0">
+                    <a:pos x="connsiteX61" y="connsiteY61"/>
+                  </a:cxn>
+                  <a:cxn ang="0">
+                    <a:pos x="connsiteX62" y="connsiteY62"/>
+                  </a:cxn>
+                  <a:cxn ang="0">
+                    <a:pos x="connsiteX63" y="connsiteY63"/>
+                  </a:cxn>
+                  <a:cxn ang="0">
+                    <a:pos x="connsiteX64" y="connsiteY64"/>
+                  </a:cxn>
+                  <a:cxn ang="0">
+                    <a:pos x="connsiteX65" y="connsiteY65"/>
+                  </a:cxn>
+                  <a:cxn ang="0">
+                    <a:pos x="connsiteX66" y="connsiteY66"/>
+                  </a:cxn>
+                  <a:cxn ang="0">
+                    <a:pos x="connsiteX67" y="connsiteY67"/>
+                  </a:cxn>
+                  <a:cxn ang="0">
+                    <a:pos x="connsiteX68" y="connsiteY68"/>
+                  </a:cxn>
+                  <a:cxn ang="0">
+                    <a:pos x="connsiteX69" y="connsiteY69"/>
+                  </a:cxn>
+                  <a:cxn ang="0">
+                    <a:pos x="connsiteX70" y="connsiteY70"/>
+                  </a:cxn>
+                  <a:cxn ang="0">
+                    <a:pos x="connsiteX71" y="connsiteY71"/>
+                  </a:cxn>
+                  <a:cxn ang="0">
+                    <a:pos x="connsiteX72" y="connsiteY72"/>
+                  </a:cxn>
+                  <a:cxn ang="0">
+                    <a:pos x="connsiteX73" y="connsiteY73"/>
+                  </a:cxn>
+                  <a:cxn ang="0">
+                    <a:pos x="connsiteX74" y="connsiteY74"/>
+                  </a:cxn>
+                  <a:cxn ang="0">
+                    <a:pos x="connsiteX75" y="connsiteY75"/>
+                  </a:cxn>
+                  <a:cxn ang="0">
+                    <a:pos x="connsiteX76" y="connsiteY76"/>
+                  </a:cxn>
+                  <a:cxn ang="0">
+                    <a:pos x="connsiteX77" y="connsiteY77"/>
+                  </a:cxn>
+                  <a:cxn ang="0">
+                    <a:pos x="connsiteX78" y="connsiteY78"/>
+                  </a:cxn>
+                  <a:cxn ang="0">
+                    <a:pos x="connsiteX79" y="connsiteY79"/>
+                  </a:cxn>
+                  <a:cxn ang="0">
+                    <a:pos x="connsiteX80" y="connsiteY80"/>
+                  </a:cxn>
+                  <a:cxn ang="0">
+                    <a:pos x="connsiteX81" y="connsiteY81"/>
+                  </a:cxn>
+                  <a:cxn ang="0">
+                    <a:pos x="connsiteX82" y="connsiteY82"/>
+                  </a:cxn>
+                  <a:cxn ang="0">
+                    <a:pos x="connsiteX83" y="connsiteY83"/>
+                  </a:cxn>
+                  <a:cxn ang="0">
+                    <a:pos x="connsiteX84" y="connsiteY84"/>
+                  </a:cxn>
+                  <a:cxn ang="0">
+                    <a:pos x="connsiteX85" y="connsiteY85"/>
+                  </a:cxn>
+                  <a:cxn ang="0">
+                    <a:pos x="connsiteX86" y="connsiteY86"/>
+                  </a:cxn>
+                  <a:cxn ang="0">
+                    <a:pos x="connsiteX87" y="connsiteY87"/>
+                  </a:cxn>
+                  <a:cxn ang="0">
+                    <a:pos x="connsiteX88" y="connsiteY88"/>
+                  </a:cxn>
+                  <a:cxn ang="0">
+                    <a:pos x="connsiteX89" y="connsiteY89"/>
+                  </a:cxn>
+                  <a:cxn ang="0">
+                    <a:pos x="connsiteX90" y="connsiteY90"/>
+                  </a:cxn>
+                  <a:cxn ang="0">
+                    <a:pos x="connsiteX91" y="connsiteY91"/>
+                  </a:cxn>
+                  <a:cxn ang="0">
+                    <a:pos x="connsiteX92" y="connsiteY92"/>
+                  </a:cxn>
+                  <a:cxn ang="0">
+                    <a:pos x="connsiteX93" y="connsiteY93"/>
+                  </a:cxn>
+                  <a:cxn ang="0">
+                    <a:pos x="connsiteX94" y="connsiteY94"/>
+                  </a:cxn>
+                  <a:cxn ang="0">
+                    <a:pos x="connsiteX95" y="connsiteY95"/>
+                  </a:cxn>
+                  <a:cxn ang="0">
+                    <a:pos x="connsiteX96" y="connsiteY96"/>
+                  </a:cxn>
+                </a:cxnLst>
+                <a:rect l="l" t="t" r="r" b="b"/>
+                <a:pathLst>
+                  <a:path w="2923657" h="1930754">
+                    <a:moveTo>
+                      <a:pt x="2050697" y="914"/>
+                    </a:moveTo>
+                    <a:cubicBezTo>
+                      <a:pt x="2063904" y="-398"/>
+                      <a:pt x="2077067" y="-312"/>
+                      <a:pt x="2090042" y="1257"/>
+                    </a:cubicBezTo>
+                    <a:cubicBezTo>
+                      <a:pt x="2104871" y="3051"/>
+                      <a:pt x="2119456" y="6781"/>
+                      <a:pt x="2133583" y="12579"/>
+                    </a:cubicBezTo>
+                    <a:cubicBezTo>
+                      <a:pt x="2190092" y="35770"/>
+                      <a:pt x="2228585" y="87630"/>
+                      <a:pt x="2245137" y="152732"/>
+                    </a:cubicBezTo>
+                    <a:lnTo>
+                      <a:pt x="2252045" y="245317"/>
+                    </a:lnTo>
+                    <a:lnTo>
+                      <a:pt x="2283505" y="245592"/>
+                    </a:lnTo>
+                    <a:cubicBezTo>
+                      <a:pt x="2298334" y="247386"/>
+                      <a:pt x="2312919" y="251116"/>
+                      <a:pt x="2327046" y="256914"/>
+                    </a:cubicBezTo>
+                    <a:cubicBezTo>
+                      <a:pt x="2369429" y="274307"/>
+                      <a:pt x="2401675" y="307827"/>
+                      <a:pt x="2422133" y="350964"/>
+                    </a:cubicBezTo>
+                    <a:lnTo>
+                      <a:pt x="2431309" y="376653"/>
+                    </a:lnTo>
+                    <a:lnTo>
+                      <a:pt x="2436980" y="370631"/>
+                    </a:lnTo>
+                    <a:cubicBezTo>
+                      <a:pt x="2475072" y="339992"/>
+                      <a:pt x="2517300" y="324099"/>
+                      <a:pt x="2556566" y="327733"/>
+                    </a:cubicBezTo>
+                    <a:cubicBezTo>
+                      <a:pt x="2567784" y="328771"/>
+                      <a:pt x="2578761" y="331402"/>
+                      <a:pt x="2589329" y="335740"/>
+                    </a:cubicBezTo>
+                    <a:cubicBezTo>
+                      <a:pt x="2631604" y="353089"/>
+                      <a:pt x="2659355" y="394439"/>
+                      <a:pt x="2670044" y="447267"/>
+                    </a:cubicBezTo>
+                    <a:lnTo>
+                      <a:pt x="2672216" y="511363"/>
+                    </a:lnTo>
+                    <a:lnTo>
+                      <a:pt x="2682638" y="506826"/>
+                    </a:lnTo>
+                    <a:cubicBezTo>
+                      <a:pt x="2706248" y="500254"/>
+                      <a:pt x="2729855" y="497375"/>
+                      <a:pt x="2752673" y="498491"/>
+                    </a:cubicBezTo>
+                    <a:cubicBezTo>
+                      <a:pt x="2783098" y="499980"/>
+                      <a:pt x="2812121" y="508570"/>
+                      <a:pt x="2837884" y="524972"/>
+                    </a:cubicBezTo>
+                    <a:cubicBezTo>
+                      <a:pt x="2915174" y="574179"/>
+                      <a:pt x="2941172" y="679722"/>
+                      <a:pt x="2912041" y="788005"/>
+                    </a:cubicBezTo>
+                    <a:lnTo>
+                      <a:pt x="2868978" y="884897"/>
+                    </a:lnTo>
+                    <a:lnTo>
+                      <a:pt x="2872601" y="888522"/>
+                    </a:lnTo>
+                    <a:cubicBezTo>
+                      <a:pt x="2928869" y="960527"/>
+                      <a:pt x="2940184" y="1079682"/>
+                      <a:pt x="2893308" y="1193907"/>
+                    </a:cubicBezTo>
+                    <a:cubicBezTo>
+                      <a:pt x="2846431" y="1308133"/>
+                      <a:pt x="2754677" y="1384988"/>
+                      <a:pt x="2664048" y="1396710"/>
+                    </a:cubicBezTo>
+                    <a:lnTo>
+                      <a:pt x="2632249" y="1396925"/>
+                    </a:lnTo>
+                    <a:lnTo>
+                      <a:pt x="2624836" y="1421754"/>
+                    </a:lnTo>
+                    <a:cubicBezTo>
+                      <a:pt x="2618688" y="1435368"/>
+                      <a:pt x="2610756" y="1448186"/>
+                      <a:pt x="2601261" y="1460094"/>
+                    </a:cubicBezTo>
+                    <a:lnTo>
+                      <a:pt x="2552002" y="1499778"/>
+                    </a:lnTo>
+                    <a:lnTo>
+                      <a:pt x="2562309" y="1512388"/>
+                    </a:lnTo>
+                    <a:cubicBezTo>
+                      <a:pt x="2583806" y="1550750"/>
+                      <a:pt x="2588919" y="1592722"/>
+                      <a:pt x="2572555" y="1629208"/>
+                    </a:cubicBezTo>
+                    <a:cubicBezTo>
+                      <a:pt x="2564371" y="1647451"/>
+                      <a:pt x="2551594" y="1662596"/>
+                      <a:pt x="2535494" y="1674363"/>
+                    </a:cubicBezTo>
+                    <a:lnTo>
+                      <a:pt x="2511124" y="1685003"/>
+                    </a:lnTo>
+                    <a:lnTo>
+                      <a:pt x="2513107" y="1698748"/>
+                    </a:lnTo>
+                    <a:cubicBezTo>
+                      <a:pt x="2514017" y="1729195"/>
+                      <a:pt x="2507738" y="1758804"/>
+                      <a:pt x="2493415" y="1785778"/>
+                    </a:cubicBezTo>
+                    <a:cubicBezTo>
+                      <a:pt x="2443280" y="1880187"/>
+                      <a:pt x="2311209" y="1911033"/>
+                      <a:pt x="2181569" y="1865545"/>
+                    </a:cubicBezTo>
+                    <a:lnTo>
+                      <a:pt x="2148733" y="1851137"/>
+                    </a:lnTo>
+                    <a:lnTo>
+                      <a:pt x="2122912" y="1879847"/>
+                    </a:lnTo>
+                    <a:cubicBezTo>
+                      <a:pt x="2087608" y="1911987"/>
+                      <a:pt x="2045049" y="1930754"/>
+                      <a:pt x="1999237" y="1930754"/>
+                    </a:cubicBezTo>
+                    <a:cubicBezTo>
+                      <a:pt x="1922884" y="1930754"/>
+                      <a:pt x="1855566" y="1878623"/>
+                      <a:pt x="1815815" y="1799332"/>
+                    </a:cubicBezTo>
+                    <a:lnTo>
+                      <a:pt x="1799326" y="1758397"/>
+                    </a:lnTo>
+                    <a:lnTo>
+                      <a:pt x="1785002" y="1784411"/>
+                    </a:lnTo>
+                    <a:cubicBezTo>
+                      <a:pt x="1760894" y="1820259"/>
+                      <a:pt x="1731830" y="1841192"/>
+                      <a:pt x="1700546" y="1841192"/>
+                    </a:cubicBezTo>
+                    <a:cubicBezTo>
+                      <a:pt x="1648405" y="1841192"/>
+                      <a:pt x="1602435" y="1783046"/>
+                      <a:pt x="1575290" y="1694608"/>
+                    </a:cubicBezTo>
+                    <a:lnTo>
+                      <a:pt x="1575028" y="1693545"/>
+                    </a:lnTo>
+                    <a:lnTo>
+                      <a:pt x="1554157" y="1729037"/>
+                    </a:lnTo>
+                    <a:cubicBezTo>
+                      <a:pt x="1511276" y="1789204"/>
+                      <a:pt x="1452035" y="1826417"/>
+                      <a:pt x="1386600" y="1826417"/>
+                    </a:cubicBezTo>
+                    <a:cubicBezTo>
+                      <a:pt x="1321165" y="1826417"/>
+                      <a:pt x="1261925" y="1789204"/>
+                      <a:pt x="1219043" y="1729037"/>
+                    </a:cubicBezTo>
+                    <a:lnTo>
+                      <a:pt x="1217805" y="1726932"/>
+                    </a:lnTo>
+                    <a:lnTo>
+                      <a:pt x="1199640" y="1753905"/>
+                    </a:lnTo>
+                    <a:cubicBezTo>
+                      <a:pt x="1174635" y="1783768"/>
+                      <a:pt x="1143335" y="1808232"/>
+                      <a:pt x="1106436" y="1825024"/>
+                    </a:cubicBezTo>
+                    <a:cubicBezTo>
+                      <a:pt x="995734" y="1875399"/>
+                      <a:pt x="866074" y="1842409"/>
+                      <a:pt x="776078" y="1752258"/>
+                    </a:cubicBezTo>
+                    <a:lnTo>
+                      <a:pt x="744087" y="1713860"/>
+                    </a:lnTo>
+                    <a:lnTo>
+                      <a:pt x="737364" y="1732964"/>
+                    </a:lnTo>
+                    <a:cubicBezTo>
+                      <a:pt x="702105" y="1806500"/>
+                      <a:pt x="619559" y="1858097"/>
+                      <a:pt x="523352" y="1858097"/>
+                    </a:cubicBezTo>
+                    <a:cubicBezTo>
+                      <a:pt x="395076" y="1858097"/>
+                      <a:pt x="291088" y="1766368"/>
+                      <a:pt x="291088" y="1653215"/>
+                    </a:cubicBezTo>
+                    <a:cubicBezTo>
+                      <a:pt x="291088" y="1610783"/>
+                      <a:pt x="305711" y="1571364"/>
+                      <a:pt x="330755" y="1538663"/>
+                    </a:cubicBezTo>
+                    <a:lnTo>
+                      <a:pt x="334012" y="1535182"/>
+                    </a:lnTo>
+                    <a:lnTo>
+                      <a:pt x="319228" y="1527159"/>
+                    </a:lnTo>
+                    <a:cubicBezTo>
+                      <a:pt x="301541" y="1515209"/>
+                      <a:pt x="285065" y="1501602"/>
+                      <a:pt x="270023" y="1486560"/>
+                    </a:cubicBezTo>
+                    <a:lnTo>
+                      <a:pt x="240311" y="1450550"/>
+                    </a:lnTo>
+                    <a:lnTo>
+                      <a:pt x="238140" y="1453770"/>
+                    </a:lnTo>
+                    <a:cubicBezTo>
+                      <a:pt x="218603" y="1473308"/>
+                      <a:pt x="191612" y="1485392"/>
+                      <a:pt x="161798" y="1485392"/>
+                    </a:cubicBezTo>
+                    <a:cubicBezTo>
+                      <a:pt x="102171" y="1485392"/>
+                      <a:pt x="53834" y="1437055"/>
+                      <a:pt x="53834" y="1377428"/>
+                    </a:cubicBezTo>
+                    <a:cubicBezTo>
+                      <a:pt x="53834" y="1317801"/>
+                      <a:pt x="102171" y="1269465"/>
+                      <a:pt x="161799" y="1269464"/>
+                    </a:cubicBezTo>
+                    <a:lnTo>
+                      <a:pt x="174720" y="1272073"/>
+                    </a:lnTo>
+                    <a:lnTo>
+                      <a:pt x="172644" y="1251466"/>
+                    </a:lnTo>
+                    <a:cubicBezTo>
+                      <a:pt x="172643" y="1159656"/>
+                      <a:pt x="209857" y="1076538"/>
+                      <a:pt x="270024" y="1016372"/>
+                    </a:cubicBezTo>
+                    <a:lnTo>
+                      <a:pt x="300742" y="991026"/>
+                    </a:lnTo>
+                    <a:lnTo>
+                      <a:pt x="264959" y="1009044"/>
+                    </a:lnTo>
+                    <a:cubicBezTo>
+                      <a:pt x="248707" y="1013084"/>
+                      <a:pt x="232224" y="1013017"/>
+                      <a:pt x="216391" y="1008158"/>
+                    </a:cubicBezTo>
+                    <a:cubicBezTo>
+                      <a:pt x="184727" y="998440"/>
+                      <a:pt x="161660" y="971393"/>
+                      <a:pt x="149963" y="935522"/>
+                    </a:cubicBezTo>
+                    <a:lnTo>
+                      <a:pt x="141912" y="880394"/>
+                    </a:lnTo>
+                    <a:lnTo>
+                      <a:pt x="104156" y="875033"/>
+                    </a:lnTo>
+                    <a:cubicBezTo>
+                      <a:pt x="42949" y="856824"/>
+                      <a:pt x="0" y="814194"/>
+                      <a:pt x="0" y="764511"/>
+                    </a:cubicBezTo>
+                    <a:cubicBezTo>
+                      <a:pt x="0" y="698266"/>
+                      <a:pt x="76352" y="644563"/>
+                      <a:pt x="170538" y="644563"/>
+                    </a:cubicBezTo>
+                    <a:lnTo>
+                      <a:pt x="192026" y="647615"/>
+                    </a:lnTo>
+                    <a:lnTo>
+                      <a:pt x="189894" y="644453"/>
+                    </a:lnTo>
+                    <a:cubicBezTo>
+                      <a:pt x="181105" y="623672"/>
+                      <a:pt x="176244" y="600823"/>
+                      <a:pt x="176244" y="576840"/>
+                    </a:cubicBezTo>
+                    <a:cubicBezTo>
+                      <a:pt x="176244" y="480906"/>
+                      <a:pt x="254013" y="403137"/>
+                      <a:pt x="349948" y="403137"/>
+                    </a:cubicBezTo>
+                    <a:cubicBezTo>
+                      <a:pt x="373931" y="403137"/>
+                      <a:pt x="396780" y="407997"/>
+                      <a:pt x="417560" y="416787"/>
+                    </a:cubicBezTo>
+                    <a:lnTo>
+                      <a:pt x="450908" y="439271"/>
+                    </a:lnTo>
+                    <a:lnTo>
+                      <a:pt x="448606" y="413393"/>
+                    </a:lnTo>
+                    <a:cubicBezTo>
+                      <a:pt x="447883" y="282758"/>
+                      <a:pt x="502296" y="168255"/>
+                      <a:pt x="604060" y="115202"/>
+                    </a:cubicBezTo>
+                    <a:cubicBezTo>
+                      <a:pt x="644766" y="93982"/>
+                      <a:pt x="689194" y="84602"/>
+                      <a:pt x="734681" y="85810"/>
+                    </a:cubicBezTo>
+                    <a:cubicBezTo>
+                      <a:pt x="802912" y="87624"/>
+                      <a:pt x="873528" y="113263"/>
+                      <a:pt x="937538" y="158498"/>
+                    </a:cubicBezTo>
+                    <a:lnTo>
+                      <a:pt x="960860" y="179767"/>
+                    </a:lnTo>
+                    <a:lnTo>
+                      <a:pt x="969050" y="139199"/>
+                    </a:lnTo>
+                    <a:cubicBezTo>
+                      <a:pt x="1000820" y="64084"/>
+                      <a:pt x="1075198" y="11378"/>
+                      <a:pt x="1161888" y="11378"/>
+                    </a:cubicBezTo>
+                    <a:cubicBezTo>
+                      <a:pt x="1248576" y="11377"/>
+                      <a:pt x="1322954" y="64084"/>
+                      <a:pt x="1354725" y="139200"/>
+                    </a:cubicBezTo>
+                    <a:lnTo>
+                      <a:pt x="1370519" y="217423"/>
+                    </a:lnTo>
+                    <a:lnTo>
+                      <a:pt x="1409067" y="229390"/>
+                    </a:lnTo>
+                    <a:cubicBezTo>
+                      <a:pt x="1427846" y="237332"/>
+                      <a:pt x="1445224" y="247938"/>
+                      <a:pt x="1460730" y="260733"/>
+                    </a:cubicBezTo>
+                    <a:lnTo>
+                      <a:pt x="1472314" y="273483"/>
+                    </a:lnTo>
+                    <a:lnTo>
+                      <a:pt x="1487534" y="199150"/>
+                    </a:lnTo>
+                    <a:cubicBezTo>
+                      <a:pt x="1512229" y="136682"/>
+                      <a:pt x="1557003" y="90136"/>
+                      <a:pt x="1616002" y="74318"/>
+                    </a:cubicBezTo>
+                    <a:cubicBezTo>
+                      <a:pt x="1689750" y="54546"/>
+                      <a:pt x="1768272" y="87466"/>
+                      <a:pt x="1827200" y="153758"/>
+                    </a:cubicBezTo>
+                    <a:lnTo>
+                      <a:pt x="1837154" y="166993"/>
+                    </a:lnTo>
+                    <a:lnTo>
+                      <a:pt x="1867104" y="114642"/>
+                    </a:lnTo>
+                    <a:cubicBezTo>
+                      <a:pt x="1917520" y="48971"/>
+                      <a:pt x="1984663" y="7473"/>
+                      <a:pt x="2050697" y="914"/>
+                    </a:cubicBezTo>
+                    <a:close/>
+                  </a:path>
+                </a:pathLst>
+              </a:custGeom>
               <a:solidFill>
-                <a:schemeClr val="tx1"/>
+                <a:srgbClr val="FFFF00"/>
               </a:solidFill>
-            </a:ln>
-          </p:spPr>
-          <p:style>
-            <a:lnRef idx="2">
-              <a:schemeClr val="accent1">
-                <a:shade val="50000"/>
-              </a:schemeClr>
-            </a:lnRef>
-            <a:fillRef idx="1">
-              <a:schemeClr val="accent1"/>
-            </a:fillRef>
-            <a:effectRef idx="0">
-              <a:schemeClr val="accent1"/>
-            </a:effectRef>
-            <a:fontRef idx="minor">
-              <a:schemeClr val="lt1"/>
-            </a:fontRef>
-          </p:style>
-          <p:txBody>
-            <a:bodyPr rot="0" spcFirstLastPara="0" vertOverflow="overflow" horzOverflow="overflow" vert="horz" wrap="square" lIns="91440" tIns="45720" rIns="91440" bIns="45720" numCol="1" spcCol="0" rtlCol="0" fromWordArt="0" anchor="ctr" anchorCtr="0" forceAA="0" compatLnSpc="1">
-              <a:prstTxWarp prst="textNoShape">
+              <a:ln w="174625">
+                <a:solidFill>
+                  <a:schemeClr val="tx1"/>
+                </a:solidFill>
+              </a:ln>
+            </p:spPr>
+            <p:style>
+              <a:lnRef idx="2">
+                <a:schemeClr val="accent1">
+                  <a:shade val="50000"/>
+                </a:schemeClr>
+              </a:lnRef>
+              <a:fillRef idx="1">
+                <a:schemeClr val="accent1"/>
+              </a:fillRef>
+              <a:effectRef idx="0">
+                <a:schemeClr val="accent1"/>
+              </a:effectRef>
+              <a:fontRef idx="minor">
+                <a:schemeClr val="lt1"/>
+              </a:fontRef>
+            </p:style>
+            <p:txBody>
+              <a:bodyPr rtlCol="0" anchor="ctr"/>
+              <a:lstStyle/>
+              <a:p>
+                <a:pPr algn="ctr"/>
+                <a:endParaRPr kumimoji="1" lang="ja-JP" altLang="en-US"/>
+              </a:p>
+            </p:txBody>
+          </p:sp>
+          <p:sp>
+            <p:nvSpPr>
+              <p:cNvPr id="174" name="フリーフォーム: 図形 173">
+                <a:extLst>
+                  <a:ext uri="{FF2B5EF4-FFF2-40B4-BE49-F238E27FC236}">
+                    <a16:creationId xmlns:a16="http://schemas.microsoft.com/office/drawing/2014/main" id="{D0F330DD-F59D-467E-B1C8-DF583C97E8EA}"/>
+                  </a:ext>
+                </a:extLst>
+              </p:cNvPr>
+              <p:cNvSpPr/>
+              <p:nvPr/>
+            </p:nvSpPr>
+            <p:spPr>
+              <a:xfrm>
+                <a:off x="7444956" y="430990"/>
+                <a:ext cx="2228694" cy="1268872"/>
+              </a:xfrm>
+              <a:custGeom>
                 <a:avLst/>
-              </a:prstTxWarp>
-              <a:noAutofit/>
-            </a:bodyPr>
-            <a:lstStyle/>
-            <a:p>
-              <a:pPr algn="ctr"/>
-              <a:endParaRPr lang="ja-JP" altLang="en-US"/>
-            </a:p>
-          </p:txBody>
-        </p:sp>
-      </p:grpSp>
-      <p:grpSp>
-        <p:nvGrpSpPr>
-          <p:cNvPr id="193" name="グループ化 192">
-            <a:extLst>
-              <a:ext uri="{FF2B5EF4-FFF2-40B4-BE49-F238E27FC236}">
-                <a16:creationId xmlns:a16="http://schemas.microsoft.com/office/drawing/2014/main" id="{04702F04-2968-46E5-AD31-1BCA0D927490}"/>
-              </a:ext>
-            </a:extLst>
-          </p:cNvPr>
-          <p:cNvGrpSpPr/>
-          <p:nvPr/>
-        </p:nvGrpSpPr>
-        <p:grpSpPr>
-          <a:xfrm>
-            <a:off x="7558324" y="1188856"/>
-            <a:ext cx="243926" cy="243926"/>
-            <a:chOff x="9202377" y="3206329"/>
-            <a:chExt cx="243926" cy="243926"/>
-          </a:xfrm>
-        </p:grpSpPr>
-        <p:sp>
-          <p:nvSpPr>
-            <p:cNvPr id="194" name="楕円 193">
+                <a:gdLst>
+                  <a:gd name="connsiteX0" fmla="*/ 2050697 w 2923657"/>
+                  <a:gd name="connsiteY0" fmla="*/ 914 h 1930754"/>
+                  <a:gd name="connsiteX1" fmla="*/ 2090042 w 2923657"/>
+                  <a:gd name="connsiteY1" fmla="*/ 1257 h 1930754"/>
+                  <a:gd name="connsiteX2" fmla="*/ 2133583 w 2923657"/>
+                  <a:gd name="connsiteY2" fmla="*/ 12579 h 1930754"/>
+                  <a:gd name="connsiteX3" fmla="*/ 2245137 w 2923657"/>
+                  <a:gd name="connsiteY3" fmla="*/ 152732 h 1930754"/>
+                  <a:gd name="connsiteX4" fmla="*/ 2252045 w 2923657"/>
+                  <a:gd name="connsiteY4" fmla="*/ 245317 h 1930754"/>
+                  <a:gd name="connsiteX5" fmla="*/ 2283505 w 2923657"/>
+                  <a:gd name="connsiteY5" fmla="*/ 245592 h 1930754"/>
+                  <a:gd name="connsiteX6" fmla="*/ 2327046 w 2923657"/>
+                  <a:gd name="connsiteY6" fmla="*/ 256914 h 1930754"/>
+                  <a:gd name="connsiteX7" fmla="*/ 2422133 w 2923657"/>
+                  <a:gd name="connsiteY7" fmla="*/ 350964 h 1930754"/>
+                  <a:gd name="connsiteX8" fmla="*/ 2431309 w 2923657"/>
+                  <a:gd name="connsiteY8" fmla="*/ 376653 h 1930754"/>
+                  <a:gd name="connsiteX9" fmla="*/ 2436980 w 2923657"/>
+                  <a:gd name="connsiteY9" fmla="*/ 370631 h 1930754"/>
+                  <a:gd name="connsiteX10" fmla="*/ 2556566 w 2923657"/>
+                  <a:gd name="connsiteY10" fmla="*/ 327733 h 1930754"/>
+                  <a:gd name="connsiteX11" fmla="*/ 2589329 w 2923657"/>
+                  <a:gd name="connsiteY11" fmla="*/ 335740 h 1930754"/>
+                  <a:gd name="connsiteX12" fmla="*/ 2670044 w 2923657"/>
+                  <a:gd name="connsiteY12" fmla="*/ 447267 h 1930754"/>
+                  <a:gd name="connsiteX13" fmla="*/ 2672216 w 2923657"/>
+                  <a:gd name="connsiteY13" fmla="*/ 511363 h 1930754"/>
+                  <a:gd name="connsiteX14" fmla="*/ 2682638 w 2923657"/>
+                  <a:gd name="connsiteY14" fmla="*/ 506826 h 1930754"/>
+                  <a:gd name="connsiteX15" fmla="*/ 2752673 w 2923657"/>
+                  <a:gd name="connsiteY15" fmla="*/ 498491 h 1930754"/>
+                  <a:gd name="connsiteX16" fmla="*/ 2837884 w 2923657"/>
+                  <a:gd name="connsiteY16" fmla="*/ 524972 h 1930754"/>
+                  <a:gd name="connsiteX17" fmla="*/ 2912041 w 2923657"/>
+                  <a:gd name="connsiteY17" fmla="*/ 788005 h 1930754"/>
+                  <a:gd name="connsiteX18" fmla="*/ 2868978 w 2923657"/>
+                  <a:gd name="connsiteY18" fmla="*/ 884897 h 1930754"/>
+                  <a:gd name="connsiteX19" fmla="*/ 2872601 w 2923657"/>
+                  <a:gd name="connsiteY19" fmla="*/ 888522 h 1930754"/>
+                  <a:gd name="connsiteX20" fmla="*/ 2893308 w 2923657"/>
+                  <a:gd name="connsiteY20" fmla="*/ 1193907 h 1930754"/>
+                  <a:gd name="connsiteX21" fmla="*/ 2664048 w 2923657"/>
+                  <a:gd name="connsiteY21" fmla="*/ 1396710 h 1930754"/>
+                  <a:gd name="connsiteX22" fmla="*/ 2632249 w 2923657"/>
+                  <a:gd name="connsiteY22" fmla="*/ 1396925 h 1930754"/>
+                  <a:gd name="connsiteX23" fmla="*/ 2624836 w 2923657"/>
+                  <a:gd name="connsiteY23" fmla="*/ 1421754 h 1930754"/>
+                  <a:gd name="connsiteX24" fmla="*/ 2601261 w 2923657"/>
+                  <a:gd name="connsiteY24" fmla="*/ 1460094 h 1930754"/>
+                  <a:gd name="connsiteX25" fmla="*/ 2552002 w 2923657"/>
+                  <a:gd name="connsiteY25" fmla="*/ 1499778 h 1930754"/>
+                  <a:gd name="connsiteX26" fmla="*/ 2562309 w 2923657"/>
+                  <a:gd name="connsiteY26" fmla="*/ 1512388 h 1930754"/>
+                  <a:gd name="connsiteX27" fmla="*/ 2572555 w 2923657"/>
+                  <a:gd name="connsiteY27" fmla="*/ 1629208 h 1930754"/>
+                  <a:gd name="connsiteX28" fmla="*/ 2535494 w 2923657"/>
+                  <a:gd name="connsiteY28" fmla="*/ 1674363 h 1930754"/>
+                  <a:gd name="connsiteX29" fmla="*/ 2511124 w 2923657"/>
+                  <a:gd name="connsiteY29" fmla="*/ 1685003 h 1930754"/>
+                  <a:gd name="connsiteX30" fmla="*/ 2513107 w 2923657"/>
+                  <a:gd name="connsiteY30" fmla="*/ 1698748 h 1930754"/>
+                  <a:gd name="connsiteX31" fmla="*/ 2493415 w 2923657"/>
+                  <a:gd name="connsiteY31" fmla="*/ 1785778 h 1930754"/>
+                  <a:gd name="connsiteX32" fmla="*/ 2181569 w 2923657"/>
+                  <a:gd name="connsiteY32" fmla="*/ 1865545 h 1930754"/>
+                  <a:gd name="connsiteX33" fmla="*/ 2148733 w 2923657"/>
+                  <a:gd name="connsiteY33" fmla="*/ 1851137 h 1930754"/>
+                  <a:gd name="connsiteX34" fmla="*/ 2122912 w 2923657"/>
+                  <a:gd name="connsiteY34" fmla="*/ 1879847 h 1930754"/>
+                  <a:gd name="connsiteX35" fmla="*/ 1999237 w 2923657"/>
+                  <a:gd name="connsiteY35" fmla="*/ 1930754 h 1930754"/>
+                  <a:gd name="connsiteX36" fmla="*/ 1815815 w 2923657"/>
+                  <a:gd name="connsiteY36" fmla="*/ 1799332 h 1930754"/>
+                  <a:gd name="connsiteX37" fmla="*/ 1799326 w 2923657"/>
+                  <a:gd name="connsiteY37" fmla="*/ 1758397 h 1930754"/>
+                  <a:gd name="connsiteX38" fmla="*/ 1785002 w 2923657"/>
+                  <a:gd name="connsiteY38" fmla="*/ 1784411 h 1930754"/>
+                  <a:gd name="connsiteX39" fmla="*/ 1700546 w 2923657"/>
+                  <a:gd name="connsiteY39" fmla="*/ 1841192 h 1930754"/>
+                  <a:gd name="connsiteX40" fmla="*/ 1575290 w 2923657"/>
+                  <a:gd name="connsiteY40" fmla="*/ 1694608 h 1930754"/>
+                  <a:gd name="connsiteX41" fmla="*/ 1575028 w 2923657"/>
+                  <a:gd name="connsiteY41" fmla="*/ 1693545 h 1930754"/>
+                  <a:gd name="connsiteX42" fmla="*/ 1554157 w 2923657"/>
+                  <a:gd name="connsiteY42" fmla="*/ 1729037 h 1930754"/>
+                  <a:gd name="connsiteX43" fmla="*/ 1386600 w 2923657"/>
+                  <a:gd name="connsiteY43" fmla="*/ 1826417 h 1930754"/>
+                  <a:gd name="connsiteX44" fmla="*/ 1219043 w 2923657"/>
+                  <a:gd name="connsiteY44" fmla="*/ 1729037 h 1930754"/>
+                  <a:gd name="connsiteX45" fmla="*/ 1217805 w 2923657"/>
+                  <a:gd name="connsiteY45" fmla="*/ 1726932 h 1930754"/>
+                  <a:gd name="connsiteX46" fmla="*/ 1199640 w 2923657"/>
+                  <a:gd name="connsiteY46" fmla="*/ 1753905 h 1930754"/>
+                  <a:gd name="connsiteX47" fmla="*/ 1106436 w 2923657"/>
+                  <a:gd name="connsiteY47" fmla="*/ 1825024 h 1930754"/>
+                  <a:gd name="connsiteX48" fmla="*/ 776078 w 2923657"/>
+                  <a:gd name="connsiteY48" fmla="*/ 1752258 h 1930754"/>
+                  <a:gd name="connsiteX49" fmla="*/ 744087 w 2923657"/>
+                  <a:gd name="connsiteY49" fmla="*/ 1713860 h 1930754"/>
+                  <a:gd name="connsiteX50" fmla="*/ 737364 w 2923657"/>
+                  <a:gd name="connsiteY50" fmla="*/ 1732964 h 1930754"/>
+                  <a:gd name="connsiteX51" fmla="*/ 523352 w 2923657"/>
+                  <a:gd name="connsiteY51" fmla="*/ 1858097 h 1930754"/>
+                  <a:gd name="connsiteX52" fmla="*/ 291088 w 2923657"/>
+                  <a:gd name="connsiteY52" fmla="*/ 1653215 h 1930754"/>
+                  <a:gd name="connsiteX53" fmla="*/ 330755 w 2923657"/>
+                  <a:gd name="connsiteY53" fmla="*/ 1538663 h 1930754"/>
+                  <a:gd name="connsiteX54" fmla="*/ 334012 w 2923657"/>
+                  <a:gd name="connsiteY54" fmla="*/ 1535182 h 1930754"/>
+                  <a:gd name="connsiteX55" fmla="*/ 319228 w 2923657"/>
+                  <a:gd name="connsiteY55" fmla="*/ 1527159 h 1930754"/>
+                  <a:gd name="connsiteX56" fmla="*/ 270023 w 2923657"/>
+                  <a:gd name="connsiteY56" fmla="*/ 1486560 h 1930754"/>
+                  <a:gd name="connsiteX57" fmla="*/ 240311 w 2923657"/>
+                  <a:gd name="connsiteY57" fmla="*/ 1450550 h 1930754"/>
+                  <a:gd name="connsiteX58" fmla="*/ 238140 w 2923657"/>
+                  <a:gd name="connsiteY58" fmla="*/ 1453770 h 1930754"/>
+                  <a:gd name="connsiteX59" fmla="*/ 161798 w 2923657"/>
+                  <a:gd name="connsiteY59" fmla="*/ 1485392 h 1930754"/>
+                  <a:gd name="connsiteX60" fmla="*/ 53834 w 2923657"/>
+                  <a:gd name="connsiteY60" fmla="*/ 1377428 h 1930754"/>
+                  <a:gd name="connsiteX61" fmla="*/ 161799 w 2923657"/>
+                  <a:gd name="connsiteY61" fmla="*/ 1269464 h 1930754"/>
+                  <a:gd name="connsiteX62" fmla="*/ 174720 w 2923657"/>
+                  <a:gd name="connsiteY62" fmla="*/ 1272073 h 1930754"/>
+                  <a:gd name="connsiteX63" fmla="*/ 172644 w 2923657"/>
+                  <a:gd name="connsiteY63" fmla="*/ 1251466 h 1930754"/>
+                  <a:gd name="connsiteX64" fmla="*/ 270024 w 2923657"/>
+                  <a:gd name="connsiteY64" fmla="*/ 1016372 h 1930754"/>
+                  <a:gd name="connsiteX65" fmla="*/ 300742 w 2923657"/>
+                  <a:gd name="connsiteY65" fmla="*/ 991026 h 1930754"/>
+                  <a:gd name="connsiteX66" fmla="*/ 264959 w 2923657"/>
+                  <a:gd name="connsiteY66" fmla="*/ 1009044 h 1930754"/>
+                  <a:gd name="connsiteX67" fmla="*/ 216391 w 2923657"/>
+                  <a:gd name="connsiteY67" fmla="*/ 1008158 h 1930754"/>
+                  <a:gd name="connsiteX68" fmla="*/ 149963 w 2923657"/>
+                  <a:gd name="connsiteY68" fmla="*/ 935522 h 1930754"/>
+                  <a:gd name="connsiteX69" fmla="*/ 141912 w 2923657"/>
+                  <a:gd name="connsiteY69" fmla="*/ 880394 h 1930754"/>
+                  <a:gd name="connsiteX70" fmla="*/ 104156 w 2923657"/>
+                  <a:gd name="connsiteY70" fmla="*/ 875033 h 1930754"/>
+                  <a:gd name="connsiteX71" fmla="*/ 0 w 2923657"/>
+                  <a:gd name="connsiteY71" fmla="*/ 764511 h 1930754"/>
+                  <a:gd name="connsiteX72" fmla="*/ 170538 w 2923657"/>
+                  <a:gd name="connsiteY72" fmla="*/ 644563 h 1930754"/>
+                  <a:gd name="connsiteX73" fmla="*/ 192026 w 2923657"/>
+                  <a:gd name="connsiteY73" fmla="*/ 647615 h 1930754"/>
+                  <a:gd name="connsiteX74" fmla="*/ 189894 w 2923657"/>
+                  <a:gd name="connsiteY74" fmla="*/ 644453 h 1930754"/>
+                  <a:gd name="connsiteX75" fmla="*/ 176244 w 2923657"/>
+                  <a:gd name="connsiteY75" fmla="*/ 576840 h 1930754"/>
+                  <a:gd name="connsiteX76" fmla="*/ 349948 w 2923657"/>
+                  <a:gd name="connsiteY76" fmla="*/ 403137 h 1930754"/>
+                  <a:gd name="connsiteX77" fmla="*/ 417560 w 2923657"/>
+                  <a:gd name="connsiteY77" fmla="*/ 416787 h 1930754"/>
+                  <a:gd name="connsiteX78" fmla="*/ 450908 w 2923657"/>
+                  <a:gd name="connsiteY78" fmla="*/ 439271 h 1930754"/>
+                  <a:gd name="connsiteX79" fmla="*/ 448606 w 2923657"/>
+                  <a:gd name="connsiteY79" fmla="*/ 413393 h 1930754"/>
+                  <a:gd name="connsiteX80" fmla="*/ 604060 w 2923657"/>
+                  <a:gd name="connsiteY80" fmla="*/ 115202 h 1930754"/>
+                  <a:gd name="connsiteX81" fmla="*/ 734681 w 2923657"/>
+                  <a:gd name="connsiteY81" fmla="*/ 85810 h 1930754"/>
+                  <a:gd name="connsiteX82" fmla="*/ 937538 w 2923657"/>
+                  <a:gd name="connsiteY82" fmla="*/ 158498 h 1930754"/>
+                  <a:gd name="connsiteX83" fmla="*/ 960860 w 2923657"/>
+                  <a:gd name="connsiteY83" fmla="*/ 179767 h 1930754"/>
+                  <a:gd name="connsiteX84" fmla="*/ 969050 w 2923657"/>
+                  <a:gd name="connsiteY84" fmla="*/ 139199 h 1930754"/>
+                  <a:gd name="connsiteX85" fmla="*/ 1161888 w 2923657"/>
+                  <a:gd name="connsiteY85" fmla="*/ 11378 h 1930754"/>
+                  <a:gd name="connsiteX86" fmla="*/ 1354725 w 2923657"/>
+                  <a:gd name="connsiteY86" fmla="*/ 139200 h 1930754"/>
+                  <a:gd name="connsiteX87" fmla="*/ 1370519 w 2923657"/>
+                  <a:gd name="connsiteY87" fmla="*/ 217423 h 1930754"/>
+                  <a:gd name="connsiteX88" fmla="*/ 1409067 w 2923657"/>
+                  <a:gd name="connsiteY88" fmla="*/ 229390 h 1930754"/>
+                  <a:gd name="connsiteX89" fmla="*/ 1460730 w 2923657"/>
+                  <a:gd name="connsiteY89" fmla="*/ 260733 h 1930754"/>
+                  <a:gd name="connsiteX90" fmla="*/ 1472314 w 2923657"/>
+                  <a:gd name="connsiteY90" fmla="*/ 273483 h 1930754"/>
+                  <a:gd name="connsiteX91" fmla="*/ 1487534 w 2923657"/>
+                  <a:gd name="connsiteY91" fmla="*/ 199150 h 1930754"/>
+                  <a:gd name="connsiteX92" fmla="*/ 1616002 w 2923657"/>
+                  <a:gd name="connsiteY92" fmla="*/ 74318 h 1930754"/>
+                  <a:gd name="connsiteX93" fmla="*/ 1827200 w 2923657"/>
+                  <a:gd name="connsiteY93" fmla="*/ 153758 h 1930754"/>
+                  <a:gd name="connsiteX94" fmla="*/ 1837154 w 2923657"/>
+                  <a:gd name="connsiteY94" fmla="*/ 166993 h 1930754"/>
+                  <a:gd name="connsiteX95" fmla="*/ 1867104 w 2923657"/>
+                  <a:gd name="connsiteY95" fmla="*/ 114642 h 1930754"/>
+                  <a:gd name="connsiteX96" fmla="*/ 2050697 w 2923657"/>
+                  <a:gd name="connsiteY96" fmla="*/ 914 h 1930754"/>
+                </a:gdLst>
+                <a:ahLst/>
+                <a:cxnLst>
+                  <a:cxn ang="0">
+                    <a:pos x="connsiteX0" y="connsiteY0"/>
+                  </a:cxn>
+                  <a:cxn ang="0">
+                    <a:pos x="connsiteX1" y="connsiteY1"/>
+                  </a:cxn>
+                  <a:cxn ang="0">
+                    <a:pos x="connsiteX2" y="connsiteY2"/>
+                  </a:cxn>
+                  <a:cxn ang="0">
+                    <a:pos x="connsiteX3" y="connsiteY3"/>
+                  </a:cxn>
+                  <a:cxn ang="0">
+                    <a:pos x="connsiteX4" y="connsiteY4"/>
+                  </a:cxn>
+                  <a:cxn ang="0">
+                    <a:pos x="connsiteX5" y="connsiteY5"/>
+                  </a:cxn>
+                  <a:cxn ang="0">
+                    <a:pos x="connsiteX6" y="connsiteY6"/>
+                  </a:cxn>
+                  <a:cxn ang="0">
+                    <a:pos x="connsiteX7" y="connsiteY7"/>
+                  </a:cxn>
+                  <a:cxn ang="0">
+                    <a:pos x="connsiteX8" y="connsiteY8"/>
+                  </a:cxn>
+                  <a:cxn ang="0">
+                    <a:pos x="connsiteX9" y="connsiteY9"/>
+                  </a:cxn>
+                  <a:cxn ang="0">
+                    <a:pos x="connsiteX10" y="connsiteY10"/>
+                  </a:cxn>
+                  <a:cxn ang="0">
+                    <a:pos x="connsiteX11" y="connsiteY11"/>
+                  </a:cxn>
+                  <a:cxn ang="0">
+                    <a:pos x="connsiteX12" y="connsiteY12"/>
+                  </a:cxn>
+                  <a:cxn ang="0">
+                    <a:pos x="connsiteX13" y="connsiteY13"/>
+                  </a:cxn>
+                  <a:cxn ang="0">
+                    <a:pos x="connsiteX14" y="connsiteY14"/>
+                  </a:cxn>
+                  <a:cxn ang="0">
+                    <a:pos x="connsiteX15" y="connsiteY15"/>
+                  </a:cxn>
+                  <a:cxn ang="0">
+                    <a:pos x="connsiteX16" y="connsiteY16"/>
+                  </a:cxn>
+                  <a:cxn ang="0">
+                    <a:pos x="connsiteX17" y="connsiteY17"/>
+                  </a:cxn>
+                  <a:cxn ang="0">
+                    <a:pos x="connsiteX18" y="connsiteY18"/>
+                  </a:cxn>
+                  <a:cxn ang="0">
+                    <a:pos x="connsiteX19" y="connsiteY19"/>
+                  </a:cxn>
+                  <a:cxn ang="0">
+                    <a:pos x="connsiteX20" y="connsiteY20"/>
+                  </a:cxn>
+                  <a:cxn ang="0">
+                    <a:pos x="connsiteX21" y="connsiteY21"/>
+                  </a:cxn>
+                  <a:cxn ang="0">
+                    <a:pos x="connsiteX22" y="connsiteY22"/>
+                  </a:cxn>
+                  <a:cxn ang="0">
+                    <a:pos x="connsiteX23" y="connsiteY23"/>
+                  </a:cxn>
+                  <a:cxn ang="0">
+                    <a:pos x="connsiteX24" y="connsiteY24"/>
+                  </a:cxn>
+                  <a:cxn ang="0">
+                    <a:pos x="connsiteX25" y="connsiteY25"/>
+                  </a:cxn>
+                  <a:cxn ang="0">
+                    <a:pos x="connsiteX26" y="connsiteY26"/>
+                  </a:cxn>
+                  <a:cxn ang="0">
+                    <a:pos x="connsiteX27" y="connsiteY27"/>
+                  </a:cxn>
+                  <a:cxn ang="0">
+                    <a:pos x="connsiteX28" y="connsiteY28"/>
+                  </a:cxn>
+                  <a:cxn ang="0">
+                    <a:pos x="connsiteX29" y="connsiteY29"/>
+                  </a:cxn>
+                  <a:cxn ang="0">
+                    <a:pos x="connsiteX30" y="connsiteY30"/>
+                  </a:cxn>
+                  <a:cxn ang="0">
+                    <a:pos x="connsiteX31" y="connsiteY31"/>
+                  </a:cxn>
+                  <a:cxn ang="0">
+                    <a:pos x="connsiteX32" y="connsiteY32"/>
+                  </a:cxn>
+                  <a:cxn ang="0">
+                    <a:pos x="connsiteX33" y="connsiteY33"/>
+                  </a:cxn>
+                  <a:cxn ang="0">
+                    <a:pos x="connsiteX34" y="connsiteY34"/>
+                  </a:cxn>
+                  <a:cxn ang="0">
+                    <a:pos x="connsiteX35" y="connsiteY35"/>
+                  </a:cxn>
+                  <a:cxn ang="0">
+                    <a:pos x="connsiteX36" y="connsiteY36"/>
+                  </a:cxn>
+                  <a:cxn ang="0">
+                    <a:pos x="connsiteX37" y="connsiteY37"/>
+                  </a:cxn>
+                  <a:cxn ang="0">
+                    <a:pos x="connsiteX38" y="connsiteY38"/>
+                  </a:cxn>
+                  <a:cxn ang="0">
+                    <a:pos x="connsiteX39" y="connsiteY39"/>
+                  </a:cxn>
+                  <a:cxn ang="0">
+                    <a:pos x="connsiteX40" y="connsiteY40"/>
+                  </a:cxn>
+                  <a:cxn ang="0">
+                    <a:pos x="connsiteX41" y="connsiteY41"/>
+                  </a:cxn>
+                  <a:cxn ang="0">
+                    <a:pos x="connsiteX42" y="connsiteY42"/>
+                  </a:cxn>
+                  <a:cxn ang="0">
+                    <a:pos x="connsiteX43" y="connsiteY43"/>
+                  </a:cxn>
+                  <a:cxn ang="0">
+                    <a:pos x="connsiteX44" y="connsiteY44"/>
+                  </a:cxn>
+                  <a:cxn ang="0">
+                    <a:pos x="connsiteX45" y="connsiteY45"/>
+                  </a:cxn>
+                  <a:cxn ang="0">
+                    <a:pos x="connsiteX46" y="connsiteY46"/>
+                  </a:cxn>
+                  <a:cxn ang="0">
+                    <a:pos x="connsiteX47" y="connsiteY47"/>
+                  </a:cxn>
+                  <a:cxn ang="0">
+                    <a:pos x="connsiteX48" y="connsiteY48"/>
+                  </a:cxn>
+                  <a:cxn ang="0">
+                    <a:pos x="connsiteX49" y="connsiteY49"/>
+                  </a:cxn>
+                  <a:cxn ang="0">
+                    <a:pos x="connsiteX50" y="connsiteY50"/>
+                  </a:cxn>
+                  <a:cxn ang="0">
+                    <a:pos x="connsiteX51" y="connsiteY51"/>
+                  </a:cxn>
+                  <a:cxn ang="0">
+                    <a:pos x="connsiteX52" y="connsiteY52"/>
+                  </a:cxn>
+                  <a:cxn ang="0">
+                    <a:pos x="connsiteX53" y="connsiteY53"/>
+                  </a:cxn>
+                  <a:cxn ang="0">
+                    <a:pos x="connsiteX54" y="connsiteY54"/>
+                  </a:cxn>
+                  <a:cxn ang="0">
+                    <a:pos x="connsiteX55" y="connsiteY55"/>
+                  </a:cxn>
+                  <a:cxn ang="0">
+                    <a:pos x="connsiteX56" y="connsiteY56"/>
+                  </a:cxn>
+                  <a:cxn ang="0">
+                    <a:pos x="connsiteX57" y="connsiteY57"/>
+                  </a:cxn>
+                  <a:cxn ang="0">
+                    <a:pos x="connsiteX58" y="connsiteY58"/>
+                  </a:cxn>
+                  <a:cxn ang="0">
+                    <a:pos x="connsiteX59" y="connsiteY59"/>
+                  </a:cxn>
+                  <a:cxn ang="0">
+                    <a:pos x="connsiteX60" y="connsiteY60"/>
+                  </a:cxn>
+                  <a:cxn ang="0">
+                    <a:pos x="connsiteX61" y="connsiteY61"/>
+                  </a:cxn>
+                  <a:cxn ang="0">
+                    <a:pos x="connsiteX62" y="connsiteY62"/>
+                  </a:cxn>
+                  <a:cxn ang="0">
+                    <a:pos x="connsiteX63" y="connsiteY63"/>
+                  </a:cxn>
+                  <a:cxn ang="0">
+                    <a:pos x="connsiteX64" y="connsiteY64"/>
+                  </a:cxn>
+                  <a:cxn ang="0">
+                    <a:pos x="connsiteX65" y="connsiteY65"/>
+                  </a:cxn>
+                  <a:cxn ang="0">
+                    <a:pos x="connsiteX66" y="connsiteY66"/>
+                  </a:cxn>
+                  <a:cxn ang="0">
+                    <a:pos x="connsiteX67" y="connsiteY67"/>
+                  </a:cxn>
+                  <a:cxn ang="0">
+                    <a:pos x="connsiteX68" y="connsiteY68"/>
+                  </a:cxn>
+                  <a:cxn ang="0">
+                    <a:pos x="connsiteX69" y="connsiteY69"/>
+                  </a:cxn>
+                  <a:cxn ang="0">
+                    <a:pos x="connsiteX70" y="connsiteY70"/>
+                  </a:cxn>
+                  <a:cxn ang="0">
+                    <a:pos x="connsiteX71" y="connsiteY71"/>
+                  </a:cxn>
+                  <a:cxn ang="0">
+                    <a:pos x="connsiteX72" y="connsiteY72"/>
+                  </a:cxn>
+                  <a:cxn ang="0">
+                    <a:pos x="connsiteX73" y="connsiteY73"/>
+                  </a:cxn>
+                  <a:cxn ang="0">
+                    <a:pos x="connsiteX74" y="connsiteY74"/>
+                  </a:cxn>
+                  <a:cxn ang="0">
+                    <a:pos x="connsiteX75" y="connsiteY75"/>
+                  </a:cxn>
+                  <a:cxn ang="0">
+                    <a:pos x="connsiteX76" y="connsiteY76"/>
+                  </a:cxn>
+                  <a:cxn ang="0">
+                    <a:pos x="connsiteX77" y="connsiteY77"/>
+                  </a:cxn>
+                  <a:cxn ang="0">
+                    <a:pos x="connsiteX78" y="connsiteY78"/>
+                  </a:cxn>
+                  <a:cxn ang="0">
+                    <a:pos x="connsiteX79" y="connsiteY79"/>
+                  </a:cxn>
+                  <a:cxn ang="0">
+                    <a:pos x="connsiteX80" y="connsiteY80"/>
+                  </a:cxn>
+                  <a:cxn ang="0">
+                    <a:pos x="connsiteX81" y="connsiteY81"/>
+                  </a:cxn>
+                  <a:cxn ang="0">
+                    <a:pos x="connsiteX82" y="connsiteY82"/>
+                  </a:cxn>
+                  <a:cxn ang="0">
+                    <a:pos x="connsiteX83" y="connsiteY83"/>
+                  </a:cxn>
+                  <a:cxn ang="0">
+                    <a:pos x="connsiteX84" y="connsiteY84"/>
+                  </a:cxn>
+                  <a:cxn ang="0">
+                    <a:pos x="connsiteX85" y="connsiteY85"/>
+                  </a:cxn>
+                  <a:cxn ang="0">
+                    <a:pos x="connsiteX86" y="connsiteY86"/>
+                  </a:cxn>
+                  <a:cxn ang="0">
+                    <a:pos x="connsiteX87" y="connsiteY87"/>
+                  </a:cxn>
+                  <a:cxn ang="0">
+                    <a:pos x="connsiteX88" y="connsiteY88"/>
+                  </a:cxn>
+                  <a:cxn ang="0">
+                    <a:pos x="connsiteX89" y="connsiteY89"/>
+                  </a:cxn>
+                  <a:cxn ang="0">
+                    <a:pos x="connsiteX90" y="connsiteY90"/>
+                  </a:cxn>
+                  <a:cxn ang="0">
+                    <a:pos x="connsiteX91" y="connsiteY91"/>
+                  </a:cxn>
+                  <a:cxn ang="0">
+                    <a:pos x="connsiteX92" y="connsiteY92"/>
+                  </a:cxn>
+                  <a:cxn ang="0">
+                    <a:pos x="connsiteX93" y="connsiteY93"/>
+                  </a:cxn>
+                  <a:cxn ang="0">
+                    <a:pos x="connsiteX94" y="connsiteY94"/>
+                  </a:cxn>
+                  <a:cxn ang="0">
+                    <a:pos x="connsiteX95" y="connsiteY95"/>
+                  </a:cxn>
+                  <a:cxn ang="0">
+                    <a:pos x="connsiteX96" y="connsiteY96"/>
+                  </a:cxn>
+                </a:cxnLst>
+                <a:rect l="l" t="t" r="r" b="b"/>
+                <a:pathLst>
+                  <a:path w="2923657" h="1930754">
+                    <a:moveTo>
+                      <a:pt x="2050697" y="914"/>
+                    </a:moveTo>
+                    <a:cubicBezTo>
+                      <a:pt x="2063904" y="-398"/>
+                      <a:pt x="2077067" y="-312"/>
+                      <a:pt x="2090042" y="1257"/>
+                    </a:cubicBezTo>
+                    <a:cubicBezTo>
+                      <a:pt x="2104871" y="3051"/>
+                      <a:pt x="2119456" y="6781"/>
+                      <a:pt x="2133583" y="12579"/>
+                    </a:cubicBezTo>
+                    <a:cubicBezTo>
+                      <a:pt x="2190092" y="35770"/>
+                      <a:pt x="2228585" y="87630"/>
+                      <a:pt x="2245137" y="152732"/>
+                    </a:cubicBezTo>
+                    <a:lnTo>
+                      <a:pt x="2252045" y="245317"/>
+                    </a:lnTo>
+                    <a:lnTo>
+                      <a:pt x="2283505" y="245592"/>
+                    </a:lnTo>
+                    <a:cubicBezTo>
+                      <a:pt x="2298334" y="247386"/>
+                      <a:pt x="2312919" y="251116"/>
+                      <a:pt x="2327046" y="256914"/>
+                    </a:cubicBezTo>
+                    <a:cubicBezTo>
+                      <a:pt x="2369429" y="274307"/>
+                      <a:pt x="2401675" y="307827"/>
+                      <a:pt x="2422133" y="350964"/>
+                    </a:cubicBezTo>
+                    <a:lnTo>
+                      <a:pt x="2431309" y="376653"/>
+                    </a:lnTo>
+                    <a:lnTo>
+                      <a:pt x="2436980" y="370631"/>
+                    </a:lnTo>
+                    <a:cubicBezTo>
+                      <a:pt x="2475072" y="339992"/>
+                      <a:pt x="2517300" y="324099"/>
+                      <a:pt x="2556566" y="327733"/>
+                    </a:cubicBezTo>
+                    <a:cubicBezTo>
+                      <a:pt x="2567784" y="328771"/>
+                      <a:pt x="2578761" y="331402"/>
+                      <a:pt x="2589329" y="335740"/>
+                    </a:cubicBezTo>
+                    <a:cubicBezTo>
+                      <a:pt x="2631604" y="353089"/>
+                      <a:pt x="2659355" y="394439"/>
+                      <a:pt x="2670044" y="447267"/>
+                    </a:cubicBezTo>
+                    <a:lnTo>
+                      <a:pt x="2672216" y="511363"/>
+                    </a:lnTo>
+                    <a:lnTo>
+                      <a:pt x="2682638" y="506826"/>
+                    </a:lnTo>
+                    <a:cubicBezTo>
+                      <a:pt x="2706248" y="500254"/>
+                      <a:pt x="2729855" y="497375"/>
+                      <a:pt x="2752673" y="498491"/>
+                    </a:cubicBezTo>
+                    <a:cubicBezTo>
+                      <a:pt x="2783098" y="499980"/>
+                      <a:pt x="2812121" y="508570"/>
+                      <a:pt x="2837884" y="524972"/>
+                    </a:cubicBezTo>
+                    <a:cubicBezTo>
+                      <a:pt x="2915174" y="574179"/>
+                      <a:pt x="2941172" y="679722"/>
+                      <a:pt x="2912041" y="788005"/>
+                    </a:cubicBezTo>
+                    <a:lnTo>
+                      <a:pt x="2868978" y="884897"/>
+                    </a:lnTo>
+                    <a:lnTo>
+                      <a:pt x="2872601" y="888522"/>
+                    </a:lnTo>
+                    <a:cubicBezTo>
+                      <a:pt x="2928869" y="960527"/>
+                      <a:pt x="2940184" y="1079682"/>
+                      <a:pt x="2893308" y="1193907"/>
+                    </a:cubicBezTo>
+                    <a:cubicBezTo>
+                      <a:pt x="2846431" y="1308133"/>
+                      <a:pt x="2754677" y="1384988"/>
+                      <a:pt x="2664048" y="1396710"/>
+                    </a:cubicBezTo>
+                    <a:lnTo>
+                      <a:pt x="2632249" y="1396925"/>
+                    </a:lnTo>
+                    <a:lnTo>
+                      <a:pt x="2624836" y="1421754"/>
+                    </a:lnTo>
+                    <a:cubicBezTo>
+                      <a:pt x="2618688" y="1435368"/>
+                      <a:pt x="2610756" y="1448186"/>
+                      <a:pt x="2601261" y="1460094"/>
+                    </a:cubicBezTo>
+                    <a:lnTo>
+                      <a:pt x="2552002" y="1499778"/>
+                    </a:lnTo>
+                    <a:lnTo>
+                      <a:pt x="2562309" y="1512388"/>
+                    </a:lnTo>
+                    <a:cubicBezTo>
+                      <a:pt x="2583806" y="1550750"/>
+                      <a:pt x="2588919" y="1592722"/>
+                      <a:pt x="2572555" y="1629208"/>
+                    </a:cubicBezTo>
+                    <a:cubicBezTo>
+                      <a:pt x="2564371" y="1647451"/>
+                      <a:pt x="2551594" y="1662596"/>
+                      <a:pt x="2535494" y="1674363"/>
+                    </a:cubicBezTo>
+                    <a:lnTo>
+                      <a:pt x="2511124" y="1685003"/>
+                    </a:lnTo>
+                    <a:lnTo>
+                      <a:pt x="2513107" y="1698748"/>
+                    </a:lnTo>
+                    <a:cubicBezTo>
+                      <a:pt x="2514017" y="1729195"/>
+                      <a:pt x="2507738" y="1758804"/>
+                      <a:pt x="2493415" y="1785778"/>
+                    </a:cubicBezTo>
+                    <a:cubicBezTo>
+                      <a:pt x="2443280" y="1880187"/>
+                      <a:pt x="2311209" y="1911033"/>
+                      <a:pt x="2181569" y="1865545"/>
+                    </a:cubicBezTo>
+                    <a:lnTo>
+                      <a:pt x="2148733" y="1851137"/>
+                    </a:lnTo>
+                    <a:lnTo>
+                      <a:pt x="2122912" y="1879847"/>
+                    </a:lnTo>
+                    <a:cubicBezTo>
+                      <a:pt x="2087608" y="1911987"/>
+                      <a:pt x="2045049" y="1930754"/>
+                      <a:pt x="1999237" y="1930754"/>
+                    </a:cubicBezTo>
+                    <a:cubicBezTo>
+                      <a:pt x="1922884" y="1930754"/>
+                      <a:pt x="1855566" y="1878623"/>
+                      <a:pt x="1815815" y="1799332"/>
+                    </a:cubicBezTo>
+                    <a:lnTo>
+                      <a:pt x="1799326" y="1758397"/>
+                    </a:lnTo>
+                    <a:lnTo>
+                      <a:pt x="1785002" y="1784411"/>
+                    </a:lnTo>
+                    <a:cubicBezTo>
+                      <a:pt x="1760894" y="1820259"/>
+                      <a:pt x="1731830" y="1841192"/>
+                      <a:pt x="1700546" y="1841192"/>
+                    </a:cubicBezTo>
+                    <a:cubicBezTo>
+                      <a:pt x="1648405" y="1841192"/>
+                      <a:pt x="1602435" y="1783046"/>
+                      <a:pt x="1575290" y="1694608"/>
+                    </a:cubicBezTo>
+                    <a:lnTo>
+                      <a:pt x="1575028" y="1693545"/>
+                    </a:lnTo>
+                    <a:lnTo>
+                      <a:pt x="1554157" y="1729037"/>
+                    </a:lnTo>
+                    <a:cubicBezTo>
+                      <a:pt x="1511276" y="1789204"/>
+                      <a:pt x="1452035" y="1826417"/>
+                      <a:pt x="1386600" y="1826417"/>
+                    </a:cubicBezTo>
+                    <a:cubicBezTo>
+                      <a:pt x="1321165" y="1826417"/>
+                      <a:pt x="1261925" y="1789204"/>
+                      <a:pt x="1219043" y="1729037"/>
+                    </a:cubicBezTo>
+                    <a:lnTo>
+                      <a:pt x="1217805" y="1726932"/>
+                    </a:lnTo>
+                    <a:lnTo>
+                      <a:pt x="1199640" y="1753905"/>
+                    </a:lnTo>
+                    <a:cubicBezTo>
+                      <a:pt x="1174635" y="1783768"/>
+                      <a:pt x="1143335" y="1808232"/>
+                      <a:pt x="1106436" y="1825024"/>
+                    </a:cubicBezTo>
+                    <a:cubicBezTo>
+                      <a:pt x="995734" y="1875399"/>
+                      <a:pt x="866074" y="1842409"/>
+                      <a:pt x="776078" y="1752258"/>
+                    </a:cubicBezTo>
+                    <a:lnTo>
+                      <a:pt x="744087" y="1713860"/>
+                    </a:lnTo>
+                    <a:lnTo>
+                      <a:pt x="737364" y="1732964"/>
+                    </a:lnTo>
+                    <a:cubicBezTo>
+                      <a:pt x="702105" y="1806500"/>
+                      <a:pt x="619559" y="1858097"/>
+                      <a:pt x="523352" y="1858097"/>
+                    </a:cubicBezTo>
+                    <a:cubicBezTo>
+                      <a:pt x="395076" y="1858097"/>
+                      <a:pt x="291088" y="1766368"/>
+                      <a:pt x="291088" y="1653215"/>
+                    </a:cubicBezTo>
+                    <a:cubicBezTo>
+                      <a:pt x="291088" y="1610783"/>
+                      <a:pt x="305711" y="1571364"/>
+                      <a:pt x="330755" y="1538663"/>
+                    </a:cubicBezTo>
+                    <a:lnTo>
+                      <a:pt x="334012" y="1535182"/>
+                    </a:lnTo>
+                    <a:lnTo>
+                      <a:pt x="319228" y="1527159"/>
+                    </a:lnTo>
+                    <a:cubicBezTo>
+                      <a:pt x="301541" y="1515209"/>
+                      <a:pt x="285065" y="1501602"/>
+                      <a:pt x="270023" y="1486560"/>
+                    </a:cubicBezTo>
+                    <a:lnTo>
+                      <a:pt x="240311" y="1450550"/>
+                    </a:lnTo>
+                    <a:lnTo>
+                      <a:pt x="238140" y="1453770"/>
+                    </a:lnTo>
+                    <a:cubicBezTo>
+                      <a:pt x="218603" y="1473308"/>
+                      <a:pt x="191612" y="1485392"/>
+                      <a:pt x="161798" y="1485392"/>
+                    </a:cubicBezTo>
+                    <a:cubicBezTo>
+                      <a:pt x="102171" y="1485392"/>
+                      <a:pt x="53834" y="1437055"/>
+                      <a:pt x="53834" y="1377428"/>
+                    </a:cubicBezTo>
+                    <a:cubicBezTo>
+                      <a:pt x="53834" y="1317801"/>
+                      <a:pt x="102171" y="1269465"/>
+                      <a:pt x="161799" y="1269464"/>
+                    </a:cubicBezTo>
+                    <a:lnTo>
+                      <a:pt x="174720" y="1272073"/>
+                    </a:lnTo>
+                    <a:lnTo>
+                      <a:pt x="172644" y="1251466"/>
+                    </a:lnTo>
+                    <a:cubicBezTo>
+                      <a:pt x="172643" y="1159656"/>
+                      <a:pt x="209857" y="1076538"/>
+                      <a:pt x="270024" y="1016372"/>
+                    </a:cubicBezTo>
+                    <a:lnTo>
+                      <a:pt x="300742" y="991026"/>
+                    </a:lnTo>
+                    <a:lnTo>
+                      <a:pt x="264959" y="1009044"/>
+                    </a:lnTo>
+                    <a:cubicBezTo>
+                      <a:pt x="248707" y="1013084"/>
+                      <a:pt x="232224" y="1013017"/>
+                      <a:pt x="216391" y="1008158"/>
+                    </a:cubicBezTo>
+                    <a:cubicBezTo>
+                      <a:pt x="184727" y="998440"/>
+                      <a:pt x="161660" y="971393"/>
+                      <a:pt x="149963" y="935522"/>
+                    </a:cubicBezTo>
+                    <a:lnTo>
+                      <a:pt x="141912" y="880394"/>
+                    </a:lnTo>
+                    <a:lnTo>
+                      <a:pt x="104156" y="875033"/>
+                    </a:lnTo>
+                    <a:cubicBezTo>
+                      <a:pt x="42949" y="856824"/>
+                      <a:pt x="0" y="814194"/>
+                      <a:pt x="0" y="764511"/>
+                    </a:cubicBezTo>
+                    <a:cubicBezTo>
+                      <a:pt x="0" y="698266"/>
+                      <a:pt x="76352" y="644563"/>
+                      <a:pt x="170538" y="644563"/>
+                    </a:cubicBezTo>
+                    <a:lnTo>
+                      <a:pt x="192026" y="647615"/>
+                    </a:lnTo>
+                    <a:lnTo>
+                      <a:pt x="189894" y="644453"/>
+                    </a:lnTo>
+                    <a:cubicBezTo>
+                      <a:pt x="181105" y="623672"/>
+                      <a:pt x="176244" y="600823"/>
+                      <a:pt x="176244" y="576840"/>
+                    </a:cubicBezTo>
+                    <a:cubicBezTo>
+                      <a:pt x="176244" y="480906"/>
+                      <a:pt x="254013" y="403137"/>
+                      <a:pt x="349948" y="403137"/>
+                    </a:cubicBezTo>
+                    <a:cubicBezTo>
+                      <a:pt x="373931" y="403137"/>
+                      <a:pt x="396780" y="407997"/>
+                      <a:pt x="417560" y="416787"/>
+                    </a:cubicBezTo>
+                    <a:lnTo>
+                      <a:pt x="450908" y="439271"/>
+                    </a:lnTo>
+                    <a:lnTo>
+                      <a:pt x="448606" y="413393"/>
+                    </a:lnTo>
+                    <a:cubicBezTo>
+                      <a:pt x="447883" y="282758"/>
+                      <a:pt x="502296" y="168255"/>
+                      <a:pt x="604060" y="115202"/>
+                    </a:cubicBezTo>
+                    <a:cubicBezTo>
+                      <a:pt x="644766" y="93982"/>
+                      <a:pt x="689194" y="84602"/>
+                      <a:pt x="734681" y="85810"/>
+                    </a:cubicBezTo>
+                    <a:cubicBezTo>
+                      <a:pt x="802912" y="87624"/>
+                      <a:pt x="873528" y="113263"/>
+                      <a:pt x="937538" y="158498"/>
+                    </a:cubicBezTo>
+                    <a:lnTo>
+                      <a:pt x="960860" y="179767"/>
+                    </a:lnTo>
+                    <a:lnTo>
+                      <a:pt x="969050" y="139199"/>
+                    </a:lnTo>
+                    <a:cubicBezTo>
+                      <a:pt x="1000820" y="64084"/>
+                      <a:pt x="1075198" y="11378"/>
+                      <a:pt x="1161888" y="11378"/>
+                    </a:cubicBezTo>
+                    <a:cubicBezTo>
+                      <a:pt x="1248576" y="11377"/>
+                      <a:pt x="1322954" y="64084"/>
+                      <a:pt x="1354725" y="139200"/>
+                    </a:cubicBezTo>
+                    <a:lnTo>
+                      <a:pt x="1370519" y="217423"/>
+                    </a:lnTo>
+                    <a:lnTo>
+                      <a:pt x="1409067" y="229390"/>
+                    </a:lnTo>
+                    <a:cubicBezTo>
+                      <a:pt x="1427846" y="237332"/>
+                      <a:pt x="1445224" y="247938"/>
+                      <a:pt x="1460730" y="260733"/>
+                    </a:cubicBezTo>
+                    <a:lnTo>
+                      <a:pt x="1472314" y="273483"/>
+                    </a:lnTo>
+                    <a:lnTo>
+                      <a:pt x="1487534" y="199150"/>
+                    </a:lnTo>
+                    <a:cubicBezTo>
+                      <a:pt x="1512229" y="136682"/>
+                      <a:pt x="1557003" y="90136"/>
+                      <a:pt x="1616002" y="74318"/>
+                    </a:cubicBezTo>
+                    <a:cubicBezTo>
+                      <a:pt x="1689750" y="54546"/>
+                      <a:pt x="1768272" y="87466"/>
+                      <a:pt x="1827200" y="153758"/>
+                    </a:cubicBezTo>
+                    <a:lnTo>
+                      <a:pt x="1837154" y="166993"/>
+                    </a:lnTo>
+                    <a:lnTo>
+                      <a:pt x="1867104" y="114642"/>
+                    </a:lnTo>
+                    <a:cubicBezTo>
+                      <a:pt x="1917520" y="48971"/>
+                      <a:pt x="1984663" y="7473"/>
+                      <a:pt x="2050697" y="914"/>
+                    </a:cubicBezTo>
+                    <a:close/>
+                  </a:path>
+                </a:pathLst>
+              </a:custGeom>
+              <a:solidFill>
+                <a:srgbClr val="FFFF00"/>
+              </a:solidFill>
+              <a:ln w="146050">
+                <a:solidFill>
+                  <a:srgbClr val="FFC000"/>
+                </a:solidFill>
+              </a:ln>
+            </p:spPr>
+            <p:style>
+              <a:lnRef idx="2">
+                <a:schemeClr val="accent1">
+                  <a:shade val="50000"/>
+                </a:schemeClr>
+              </a:lnRef>
+              <a:fillRef idx="1">
+                <a:schemeClr val="accent1"/>
+              </a:fillRef>
+              <a:effectRef idx="0">
+                <a:schemeClr val="accent1"/>
+              </a:effectRef>
+              <a:fontRef idx="minor">
+                <a:schemeClr val="lt1"/>
+              </a:fontRef>
+            </p:style>
+            <p:txBody>
+              <a:bodyPr rtlCol="0" anchor="ctr"/>
+              <a:lstStyle/>
+              <a:p>
+                <a:pPr algn="ctr"/>
+                <a:endParaRPr kumimoji="1" lang="ja-JP" altLang="en-US"/>
+              </a:p>
+            </p:txBody>
+          </p:sp>
+          <p:sp>
+            <p:nvSpPr>
+              <p:cNvPr id="189" name="フリーフォーム: 図形 188">
+                <a:extLst>
+                  <a:ext uri="{FF2B5EF4-FFF2-40B4-BE49-F238E27FC236}">
+                    <a16:creationId xmlns:a16="http://schemas.microsoft.com/office/drawing/2014/main" id="{74062764-B341-446F-A701-DD7580DB0EF2}"/>
+                  </a:ext>
+                </a:extLst>
+              </p:cNvPr>
+              <p:cNvSpPr/>
+              <p:nvPr/>
+            </p:nvSpPr>
+            <p:spPr>
+              <a:xfrm>
+                <a:off x="7444956" y="430807"/>
+                <a:ext cx="2228694" cy="1268872"/>
+              </a:xfrm>
+              <a:custGeom>
+                <a:avLst/>
+                <a:gdLst>
+                  <a:gd name="connsiteX0" fmla="*/ 2050697 w 2923657"/>
+                  <a:gd name="connsiteY0" fmla="*/ 914 h 1930754"/>
+                  <a:gd name="connsiteX1" fmla="*/ 2090042 w 2923657"/>
+                  <a:gd name="connsiteY1" fmla="*/ 1257 h 1930754"/>
+                  <a:gd name="connsiteX2" fmla="*/ 2133583 w 2923657"/>
+                  <a:gd name="connsiteY2" fmla="*/ 12579 h 1930754"/>
+                  <a:gd name="connsiteX3" fmla="*/ 2245137 w 2923657"/>
+                  <a:gd name="connsiteY3" fmla="*/ 152732 h 1930754"/>
+                  <a:gd name="connsiteX4" fmla="*/ 2252045 w 2923657"/>
+                  <a:gd name="connsiteY4" fmla="*/ 245317 h 1930754"/>
+                  <a:gd name="connsiteX5" fmla="*/ 2283505 w 2923657"/>
+                  <a:gd name="connsiteY5" fmla="*/ 245592 h 1930754"/>
+                  <a:gd name="connsiteX6" fmla="*/ 2327046 w 2923657"/>
+                  <a:gd name="connsiteY6" fmla="*/ 256914 h 1930754"/>
+                  <a:gd name="connsiteX7" fmla="*/ 2422133 w 2923657"/>
+                  <a:gd name="connsiteY7" fmla="*/ 350964 h 1930754"/>
+                  <a:gd name="connsiteX8" fmla="*/ 2431309 w 2923657"/>
+                  <a:gd name="connsiteY8" fmla="*/ 376653 h 1930754"/>
+                  <a:gd name="connsiteX9" fmla="*/ 2436980 w 2923657"/>
+                  <a:gd name="connsiteY9" fmla="*/ 370631 h 1930754"/>
+                  <a:gd name="connsiteX10" fmla="*/ 2556566 w 2923657"/>
+                  <a:gd name="connsiteY10" fmla="*/ 327733 h 1930754"/>
+                  <a:gd name="connsiteX11" fmla="*/ 2589329 w 2923657"/>
+                  <a:gd name="connsiteY11" fmla="*/ 335740 h 1930754"/>
+                  <a:gd name="connsiteX12" fmla="*/ 2670044 w 2923657"/>
+                  <a:gd name="connsiteY12" fmla="*/ 447267 h 1930754"/>
+                  <a:gd name="connsiteX13" fmla="*/ 2672216 w 2923657"/>
+                  <a:gd name="connsiteY13" fmla="*/ 511363 h 1930754"/>
+                  <a:gd name="connsiteX14" fmla="*/ 2682638 w 2923657"/>
+                  <a:gd name="connsiteY14" fmla="*/ 506826 h 1930754"/>
+                  <a:gd name="connsiteX15" fmla="*/ 2752673 w 2923657"/>
+                  <a:gd name="connsiteY15" fmla="*/ 498491 h 1930754"/>
+                  <a:gd name="connsiteX16" fmla="*/ 2837884 w 2923657"/>
+                  <a:gd name="connsiteY16" fmla="*/ 524972 h 1930754"/>
+                  <a:gd name="connsiteX17" fmla="*/ 2912041 w 2923657"/>
+                  <a:gd name="connsiteY17" fmla="*/ 788005 h 1930754"/>
+                  <a:gd name="connsiteX18" fmla="*/ 2868978 w 2923657"/>
+                  <a:gd name="connsiteY18" fmla="*/ 884897 h 1930754"/>
+                  <a:gd name="connsiteX19" fmla="*/ 2872601 w 2923657"/>
+                  <a:gd name="connsiteY19" fmla="*/ 888522 h 1930754"/>
+                  <a:gd name="connsiteX20" fmla="*/ 2893308 w 2923657"/>
+                  <a:gd name="connsiteY20" fmla="*/ 1193907 h 1930754"/>
+                  <a:gd name="connsiteX21" fmla="*/ 2664048 w 2923657"/>
+                  <a:gd name="connsiteY21" fmla="*/ 1396710 h 1930754"/>
+                  <a:gd name="connsiteX22" fmla="*/ 2632249 w 2923657"/>
+                  <a:gd name="connsiteY22" fmla="*/ 1396925 h 1930754"/>
+                  <a:gd name="connsiteX23" fmla="*/ 2624836 w 2923657"/>
+                  <a:gd name="connsiteY23" fmla="*/ 1421754 h 1930754"/>
+                  <a:gd name="connsiteX24" fmla="*/ 2601261 w 2923657"/>
+                  <a:gd name="connsiteY24" fmla="*/ 1460094 h 1930754"/>
+                  <a:gd name="connsiteX25" fmla="*/ 2552002 w 2923657"/>
+                  <a:gd name="connsiteY25" fmla="*/ 1499778 h 1930754"/>
+                  <a:gd name="connsiteX26" fmla="*/ 2562309 w 2923657"/>
+                  <a:gd name="connsiteY26" fmla="*/ 1512388 h 1930754"/>
+                  <a:gd name="connsiteX27" fmla="*/ 2572555 w 2923657"/>
+                  <a:gd name="connsiteY27" fmla="*/ 1629208 h 1930754"/>
+                  <a:gd name="connsiteX28" fmla="*/ 2535494 w 2923657"/>
+                  <a:gd name="connsiteY28" fmla="*/ 1674363 h 1930754"/>
+                  <a:gd name="connsiteX29" fmla="*/ 2511124 w 2923657"/>
+                  <a:gd name="connsiteY29" fmla="*/ 1685003 h 1930754"/>
+                  <a:gd name="connsiteX30" fmla="*/ 2513107 w 2923657"/>
+                  <a:gd name="connsiteY30" fmla="*/ 1698748 h 1930754"/>
+                  <a:gd name="connsiteX31" fmla="*/ 2493415 w 2923657"/>
+                  <a:gd name="connsiteY31" fmla="*/ 1785778 h 1930754"/>
+                  <a:gd name="connsiteX32" fmla="*/ 2181569 w 2923657"/>
+                  <a:gd name="connsiteY32" fmla="*/ 1865545 h 1930754"/>
+                  <a:gd name="connsiteX33" fmla="*/ 2148733 w 2923657"/>
+                  <a:gd name="connsiteY33" fmla="*/ 1851137 h 1930754"/>
+                  <a:gd name="connsiteX34" fmla="*/ 2122912 w 2923657"/>
+                  <a:gd name="connsiteY34" fmla="*/ 1879847 h 1930754"/>
+                  <a:gd name="connsiteX35" fmla="*/ 1999237 w 2923657"/>
+                  <a:gd name="connsiteY35" fmla="*/ 1930754 h 1930754"/>
+                  <a:gd name="connsiteX36" fmla="*/ 1815815 w 2923657"/>
+                  <a:gd name="connsiteY36" fmla="*/ 1799332 h 1930754"/>
+                  <a:gd name="connsiteX37" fmla="*/ 1799326 w 2923657"/>
+                  <a:gd name="connsiteY37" fmla="*/ 1758397 h 1930754"/>
+                  <a:gd name="connsiteX38" fmla="*/ 1785002 w 2923657"/>
+                  <a:gd name="connsiteY38" fmla="*/ 1784411 h 1930754"/>
+                  <a:gd name="connsiteX39" fmla="*/ 1700546 w 2923657"/>
+                  <a:gd name="connsiteY39" fmla="*/ 1841192 h 1930754"/>
+                  <a:gd name="connsiteX40" fmla="*/ 1575290 w 2923657"/>
+                  <a:gd name="connsiteY40" fmla="*/ 1694608 h 1930754"/>
+                  <a:gd name="connsiteX41" fmla="*/ 1575028 w 2923657"/>
+                  <a:gd name="connsiteY41" fmla="*/ 1693545 h 1930754"/>
+                  <a:gd name="connsiteX42" fmla="*/ 1554157 w 2923657"/>
+                  <a:gd name="connsiteY42" fmla="*/ 1729037 h 1930754"/>
+                  <a:gd name="connsiteX43" fmla="*/ 1386600 w 2923657"/>
+                  <a:gd name="connsiteY43" fmla="*/ 1826417 h 1930754"/>
+                  <a:gd name="connsiteX44" fmla="*/ 1219043 w 2923657"/>
+                  <a:gd name="connsiteY44" fmla="*/ 1729037 h 1930754"/>
+                  <a:gd name="connsiteX45" fmla="*/ 1217805 w 2923657"/>
+                  <a:gd name="connsiteY45" fmla="*/ 1726932 h 1930754"/>
+                  <a:gd name="connsiteX46" fmla="*/ 1199640 w 2923657"/>
+                  <a:gd name="connsiteY46" fmla="*/ 1753905 h 1930754"/>
+                  <a:gd name="connsiteX47" fmla="*/ 1106436 w 2923657"/>
+                  <a:gd name="connsiteY47" fmla="*/ 1825024 h 1930754"/>
+                  <a:gd name="connsiteX48" fmla="*/ 776078 w 2923657"/>
+                  <a:gd name="connsiteY48" fmla="*/ 1752258 h 1930754"/>
+                  <a:gd name="connsiteX49" fmla="*/ 744087 w 2923657"/>
+                  <a:gd name="connsiteY49" fmla="*/ 1713860 h 1930754"/>
+                  <a:gd name="connsiteX50" fmla="*/ 737364 w 2923657"/>
+                  <a:gd name="connsiteY50" fmla="*/ 1732964 h 1930754"/>
+                  <a:gd name="connsiteX51" fmla="*/ 523352 w 2923657"/>
+                  <a:gd name="connsiteY51" fmla="*/ 1858097 h 1930754"/>
+                  <a:gd name="connsiteX52" fmla="*/ 291088 w 2923657"/>
+                  <a:gd name="connsiteY52" fmla="*/ 1653215 h 1930754"/>
+                  <a:gd name="connsiteX53" fmla="*/ 330755 w 2923657"/>
+                  <a:gd name="connsiteY53" fmla="*/ 1538663 h 1930754"/>
+                  <a:gd name="connsiteX54" fmla="*/ 334012 w 2923657"/>
+                  <a:gd name="connsiteY54" fmla="*/ 1535182 h 1930754"/>
+                  <a:gd name="connsiteX55" fmla="*/ 319228 w 2923657"/>
+                  <a:gd name="connsiteY55" fmla="*/ 1527159 h 1930754"/>
+                  <a:gd name="connsiteX56" fmla="*/ 270023 w 2923657"/>
+                  <a:gd name="connsiteY56" fmla="*/ 1486560 h 1930754"/>
+                  <a:gd name="connsiteX57" fmla="*/ 240311 w 2923657"/>
+                  <a:gd name="connsiteY57" fmla="*/ 1450550 h 1930754"/>
+                  <a:gd name="connsiteX58" fmla="*/ 238140 w 2923657"/>
+                  <a:gd name="connsiteY58" fmla="*/ 1453770 h 1930754"/>
+                  <a:gd name="connsiteX59" fmla="*/ 161798 w 2923657"/>
+                  <a:gd name="connsiteY59" fmla="*/ 1485392 h 1930754"/>
+                  <a:gd name="connsiteX60" fmla="*/ 53834 w 2923657"/>
+                  <a:gd name="connsiteY60" fmla="*/ 1377428 h 1930754"/>
+                  <a:gd name="connsiteX61" fmla="*/ 161799 w 2923657"/>
+                  <a:gd name="connsiteY61" fmla="*/ 1269464 h 1930754"/>
+                  <a:gd name="connsiteX62" fmla="*/ 174720 w 2923657"/>
+                  <a:gd name="connsiteY62" fmla="*/ 1272073 h 1930754"/>
+                  <a:gd name="connsiteX63" fmla="*/ 172644 w 2923657"/>
+                  <a:gd name="connsiteY63" fmla="*/ 1251466 h 1930754"/>
+                  <a:gd name="connsiteX64" fmla="*/ 270024 w 2923657"/>
+                  <a:gd name="connsiteY64" fmla="*/ 1016372 h 1930754"/>
+                  <a:gd name="connsiteX65" fmla="*/ 300742 w 2923657"/>
+                  <a:gd name="connsiteY65" fmla="*/ 991026 h 1930754"/>
+                  <a:gd name="connsiteX66" fmla="*/ 264959 w 2923657"/>
+                  <a:gd name="connsiteY66" fmla="*/ 1009044 h 1930754"/>
+                  <a:gd name="connsiteX67" fmla="*/ 216391 w 2923657"/>
+                  <a:gd name="connsiteY67" fmla="*/ 1008158 h 1930754"/>
+                  <a:gd name="connsiteX68" fmla="*/ 149963 w 2923657"/>
+                  <a:gd name="connsiteY68" fmla="*/ 935522 h 1930754"/>
+                  <a:gd name="connsiteX69" fmla="*/ 141912 w 2923657"/>
+                  <a:gd name="connsiteY69" fmla="*/ 880394 h 1930754"/>
+                  <a:gd name="connsiteX70" fmla="*/ 104156 w 2923657"/>
+                  <a:gd name="connsiteY70" fmla="*/ 875033 h 1930754"/>
+                  <a:gd name="connsiteX71" fmla="*/ 0 w 2923657"/>
+                  <a:gd name="connsiteY71" fmla="*/ 764511 h 1930754"/>
+                  <a:gd name="connsiteX72" fmla="*/ 170538 w 2923657"/>
+                  <a:gd name="connsiteY72" fmla="*/ 644563 h 1930754"/>
+                  <a:gd name="connsiteX73" fmla="*/ 192026 w 2923657"/>
+                  <a:gd name="connsiteY73" fmla="*/ 647615 h 1930754"/>
+                  <a:gd name="connsiteX74" fmla="*/ 189894 w 2923657"/>
+                  <a:gd name="connsiteY74" fmla="*/ 644453 h 1930754"/>
+                  <a:gd name="connsiteX75" fmla="*/ 176244 w 2923657"/>
+                  <a:gd name="connsiteY75" fmla="*/ 576840 h 1930754"/>
+                  <a:gd name="connsiteX76" fmla="*/ 349948 w 2923657"/>
+                  <a:gd name="connsiteY76" fmla="*/ 403137 h 1930754"/>
+                  <a:gd name="connsiteX77" fmla="*/ 417560 w 2923657"/>
+                  <a:gd name="connsiteY77" fmla="*/ 416787 h 1930754"/>
+                  <a:gd name="connsiteX78" fmla="*/ 450908 w 2923657"/>
+                  <a:gd name="connsiteY78" fmla="*/ 439271 h 1930754"/>
+                  <a:gd name="connsiteX79" fmla="*/ 448606 w 2923657"/>
+                  <a:gd name="connsiteY79" fmla="*/ 413393 h 1930754"/>
+                  <a:gd name="connsiteX80" fmla="*/ 604060 w 2923657"/>
+                  <a:gd name="connsiteY80" fmla="*/ 115202 h 1930754"/>
+                  <a:gd name="connsiteX81" fmla="*/ 734681 w 2923657"/>
+                  <a:gd name="connsiteY81" fmla="*/ 85810 h 1930754"/>
+                  <a:gd name="connsiteX82" fmla="*/ 937538 w 2923657"/>
+                  <a:gd name="connsiteY82" fmla="*/ 158498 h 1930754"/>
+                  <a:gd name="connsiteX83" fmla="*/ 960860 w 2923657"/>
+                  <a:gd name="connsiteY83" fmla="*/ 179767 h 1930754"/>
+                  <a:gd name="connsiteX84" fmla="*/ 969050 w 2923657"/>
+                  <a:gd name="connsiteY84" fmla="*/ 139199 h 1930754"/>
+                  <a:gd name="connsiteX85" fmla="*/ 1161888 w 2923657"/>
+                  <a:gd name="connsiteY85" fmla="*/ 11378 h 1930754"/>
+                  <a:gd name="connsiteX86" fmla="*/ 1354725 w 2923657"/>
+                  <a:gd name="connsiteY86" fmla="*/ 139200 h 1930754"/>
+                  <a:gd name="connsiteX87" fmla="*/ 1370519 w 2923657"/>
+                  <a:gd name="connsiteY87" fmla="*/ 217423 h 1930754"/>
+                  <a:gd name="connsiteX88" fmla="*/ 1409067 w 2923657"/>
+                  <a:gd name="connsiteY88" fmla="*/ 229390 h 1930754"/>
+                  <a:gd name="connsiteX89" fmla="*/ 1460730 w 2923657"/>
+                  <a:gd name="connsiteY89" fmla="*/ 260733 h 1930754"/>
+                  <a:gd name="connsiteX90" fmla="*/ 1472314 w 2923657"/>
+                  <a:gd name="connsiteY90" fmla="*/ 273483 h 1930754"/>
+                  <a:gd name="connsiteX91" fmla="*/ 1487534 w 2923657"/>
+                  <a:gd name="connsiteY91" fmla="*/ 199150 h 1930754"/>
+                  <a:gd name="connsiteX92" fmla="*/ 1616002 w 2923657"/>
+                  <a:gd name="connsiteY92" fmla="*/ 74318 h 1930754"/>
+                  <a:gd name="connsiteX93" fmla="*/ 1827200 w 2923657"/>
+                  <a:gd name="connsiteY93" fmla="*/ 153758 h 1930754"/>
+                  <a:gd name="connsiteX94" fmla="*/ 1837154 w 2923657"/>
+                  <a:gd name="connsiteY94" fmla="*/ 166993 h 1930754"/>
+                  <a:gd name="connsiteX95" fmla="*/ 1867104 w 2923657"/>
+                  <a:gd name="connsiteY95" fmla="*/ 114642 h 1930754"/>
+                  <a:gd name="connsiteX96" fmla="*/ 2050697 w 2923657"/>
+                  <a:gd name="connsiteY96" fmla="*/ 914 h 1930754"/>
+                </a:gdLst>
+                <a:ahLst/>
+                <a:cxnLst>
+                  <a:cxn ang="0">
+                    <a:pos x="connsiteX0" y="connsiteY0"/>
+                  </a:cxn>
+                  <a:cxn ang="0">
+                    <a:pos x="connsiteX1" y="connsiteY1"/>
+                  </a:cxn>
+                  <a:cxn ang="0">
+                    <a:pos x="connsiteX2" y="connsiteY2"/>
+                  </a:cxn>
+                  <a:cxn ang="0">
+                    <a:pos x="connsiteX3" y="connsiteY3"/>
+                  </a:cxn>
+                  <a:cxn ang="0">
+                    <a:pos x="connsiteX4" y="connsiteY4"/>
+                  </a:cxn>
+                  <a:cxn ang="0">
+                    <a:pos x="connsiteX5" y="connsiteY5"/>
+                  </a:cxn>
+                  <a:cxn ang="0">
+                    <a:pos x="connsiteX6" y="connsiteY6"/>
+                  </a:cxn>
+                  <a:cxn ang="0">
+                    <a:pos x="connsiteX7" y="connsiteY7"/>
+                  </a:cxn>
+                  <a:cxn ang="0">
+                    <a:pos x="connsiteX8" y="connsiteY8"/>
+                  </a:cxn>
+                  <a:cxn ang="0">
+                    <a:pos x="connsiteX9" y="connsiteY9"/>
+                  </a:cxn>
+                  <a:cxn ang="0">
+                    <a:pos x="connsiteX10" y="connsiteY10"/>
+                  </a:cxn>
+                  <a:cxn ang="0">
+                    <a:pos x="connsiteX11" y="connsiteY11"/>
+                  </a:cxn>
+                  <a:cxn ang="0">
+                    <a:pos x="connsiteX12" y="connsiteY12"/>
+                  </a:cxn>
+                  <a:cxn ang="0">
+                    <a:pos x="connsiteX13" y="connsiteY13"/>
+                  </a:cxn>
+                  <a:cxn ang="0">
+                    <a:pos x="connsiteX14" y="connsiteY14"/>
+                  </a:cxn>
+                  <a:cxn ang="0">
+                    <a:pos x="connsiteX15" y="connsiteY15"/>
+                  </a:cxn>
+                  <a:cxn ang="0">
+                    <a:pos x="connsiteX16" y="connsiteY16"/>
+                  </a:cxn>
+                  <a:cxn ang="0">
+                    <a:pos x="connsiteX17" y="connsiteY17"/>
+                  </a:cxn>
+                  <a:cxn ang="0">
+                    <a:pos x="connsiteX18" y="connsiteY18"/>
+                  </a:cxn>
+                  <a:cxn ang="0">
+                    <a:pos x="connsiteX19" y="connsiteY19"/>
+                  </a:cxn>
+                  <a:cxn ang="0">
+                    <a:pos x="connsiteX20" y="connsiteY20"/>
+                  </a:cxn>
+                  <a:cxn ang="0">
+                    <a:pos x="connsiteX21" y="connsiteY21"/>
+                  </a:cxn>
+                  <a:cxn ang="0">
+                    <a:pos x="connsiteX22" y="connsiteY22"/>
+                  </a:cxn>
+                  <a:cxn ang="0">
+                    <a:pos x="connsiteX23" y="connsiteY23"/>
+                  </a:cxn>
+                  <a:cxn ang="0">
+                    <a:pos x="connsiteX24" y="connsiteY24"/>
+                  </a:cxn>
+                  <a:cxn ang="0">
+                    <a:pos x="connsiteX25" y="connsiteY25"/>
+                  </a:cxn>
+                  <a:cxn ang="0">
+                    <a:pos x="connsiteX26" y="connsiteY26"/>
+                  </a:cxn>
+                  <a:cxn ang="0">
+                    <a:pos x="connsiteX27" y="connsiteY27"/>
+                  </a:cxn>
+                  <a:cxn ang="0">
+                    <a:pos x="connsiteX28" y="connsiteY28"/>
+                  </a:cxn>
+                  <a:cxn ang="0">
+                    <a:pos x="connsiteX29" y="connsiteY29"/>
+                  </a:cxn>
+                  <a:cxn ang="0">
+                    <a:pos x="connsiteX30" y="connsiteY30"/>
+                  </a:cxn>
+                  <a:cxn ang="0">
+                    <a:pos x="connsiteX31" y="connsiteY31"/>
+                  </a:cxn>
+                  <a:cxn ang="0">
+                    <a:pos x="connsiteX32" y="connsiteY32"/>
+                  </a:cxn>
+                  <a:cxn ang="0">
+                    <a:pos x="connsiteX33" y="connsiteY33"/>
+                  </a:cxn>
+                  <a:cxn ang="0">
+                    <a:pos x="connsiteX34" y="connsiteY34"/>
+                  </a:cxn>
+                  <a:cxn ang="0">
+                    <a:pos x="connsiteX35" y="connsiteY35"/>
+                  </a:cxn>
+                  <a:cxn ang="0">
+                    <a:pos x="connsiteX36" y="connsiteY36"/>
+                  </a:cxn>
+                  <a:cxn ang="0">
+                    <a:pos x="connsiteX37" y="connsiteY37"/>
+                  </a:cxn>
+                  <a:cxn ang="0">
+                    <a:pos x="connsiteX38" y="connsiteY38"/>
+                  </a:cxn>
+                  <a:cxn ang="0">
+                    <a:pos x="connsiteX39" y="connsiteY39"/>
+                  </a:cxn>
+                  <a:cxn ang="0">
+                    <a:pos x="connsiteX40" y="connsiteY40"/>
+                  </a:cxn>
+                  <a:cxn ang="0">
+                    <a:pos x="connsiteX41" y="connsiteY41"/>
+                  </a:cxn>
+                  <a:cxn ang="0">
+                    <a:pos x="connsiteX42" y="connsiteY42"/>
+                  </a:cxn>
+                  <a:cxn ang="0">
+                    <a:pos x="connsiteX43" y="connsiteY43"/>
+                  </a:cxn>
+                  <a:cxn ang="0">
+                    <a:pos x="connsiteX44" y="connsiteY44"/>
+                  </a:cxn>
+                  <a:cxn ang="0">
+                    <a:pos x="connsiteX45" y="connsiteY45"/>
+                  </a:cxn>
+                  <a:cxn ang="0">
+                    <a:pos x="connsiteX46" y="connsiteY46"/>
+                  </a:cxn>
+                  <a:cxn ang="0">
+                    <a:pos x="connsiteX47" y="connsiteY47"/>
+                  </a:cxn>
+                  <a:cxn ang="0">
+                    <a:pos x="connsiteX48" y="connsiteY48"/>
+                  </a:cxn>
+                  <a:cxn ang="0">
+                    <a:pos x="connsiteX49" y="connsiteY49"/>
+                  </a:cxn>
+                  <a:cxn ang="0">
+                    <a:pos x="connsiteX50" y="connsiteY50"/>
+                  </a:cxn>
+                  <a:cxn ang="0">
+                    <a:pos x="connsiteX51" y="connsiteY51"/>
+                  </a:cxn>
+                  <a:cxn ang="0">
+                    <a:pos x="connsiteX52" y="connsiteY52"/>
+                  </a:cxn>
+                  <a:cxn ang="0">
+                    <a:pos x="connsiteX53" y="connsiteY53"/>
+                  </a:cxn>
+                  <a:cxn ang="0">
+                    <a:pos x="connsiteX54" y="connsiteY54"/>
+                  </a:cxn>
+                  <a:cxn ang="0">
+                    <a:pos x="connsiteX55" y="connsiteY55"/>
+                  </a:cxn>
+                  <a:cxn ang="0">
+                    <a:pos x="connsiteX56" y="connsiteY56"/>
+                  </a:cxn>
+                  <a:cxn ang="0">
+                    <a:pos x="connsiteX57" y="connsiteY57"/>
+                  </a:cxn>
+                  <a:cxn ang="0">
+                    <a:pos x="connsiteX58" y="connsiteY58"/>
+                  </a:cxn>
+                  <a:cxn ang="0">
+                    <a:pos x="connsiteX59" y="connsiteY59"/>
+                  </a:cxn>
+                  <a:cxn ang="0">
+                    <a:pos x="connsiteX60" y="connsiteY60"/>
+                  </a:cxn>
+                  <a:cxn ang="0">
+                    <a:pos x="connsiteX61" y="connsiteY61"/>
+                  </a:cxn>
+                  <a:cxn ang="0">
+                    <a:pos x="connsiteX62" y="connsiteY62"/>
+                  </a:cxn>
+                  <a:cxn ang="0">
+                    <a:pos x="connsiteX63" y="connsiteY63"/>
+                  </a:cxn>
+                  <a:cxn ang="0">
+                    <a:pos x="connsiteX64" y="connsiteY64"/>
+                  </a:cxn>
+                  <a:cxn ang="0">
+                    <a:pos x="connsiteX65" y="connsiteY65"/>
+                  </a:cxn>
+                  <a:cxn ang="0">
+                    <a:pos x="connsiteX66" y="connsiteY66"/>
+                  </a:cxn>
+                  <a:cxn ang="0">
+                    <a:pos x="connsiteX67" y="connsiteY67"/>
+                  </a:cxn>
+                  <a:cxn ang="0">
+                    <a:pos x="connsiteX68" y="connsiteY68"/>
+                  </a:cxn>
+                  <a:cxn ang="0">
+                    <a:pos x="connsiteX69" y="connsiteY69"/>
+                  </a:cxn>
+                  <a:cxn ang="0">
+                    <a:pos x="connsiteX70" y="connsiteY70"/>
+                  </a:cxn>
+                  <a:cxn ang="0">
+                    <a:pos x="connsiteX71" y="connsiteY71"/>
+                  </a:cxn>
+                  <a:cxn ang="0">
+                    <a:pos x="connsiteX72" y="connsiteY72"/>
+                  </a:cxn>
+                  <a:cxn ang="0">
+                    <a:pos x="connsiteX73" y="connsiteY73"/>
+                  </a:cxn>
+                  <a:cxn ang="0">
+                    <a:pos x="connsiteX74" y="connsiteY74"/>
+                  </a:cxn>
+                  <a:cxn ang="0">
+                    <a:pos x="connsiteX75" y="connsiteY75"/>
+                  </a:cxn>
+                  <a:cxn ang="0">
+                    <a:pos x="connsiteX76" y="connsiteY76"/>
+                  </a:cxn>
+                  <a:cxn ang="0">
+                    <a:pos x="connsiteX77" y="connsiteY77"/>
+                  </a:cxn>
+                  <a:cxn ang="0">
+                    <a:pos x="connsiteX78" y="connsiteY78"/>
+                  </a:cxn>
+                  <a:cxn ang="0">
+                    <a:pos x="connsiteX79" y="connsiteY79"/>
+                  </a:cxn>
+                  <a:cxn ang="0">
+                    <a:pos x="connsiteX80" y="connsiteY80"/>
+                  </a:cxn>
+                  <a:cxn ang="0">
+                    <a:pos x="connsiteX81" y="connsiteY81"/>
+                  </a:cxn>
+                  <a:cxn ang="0">
+                    <a:pos x="connsiteX82" y="connsiteY82"/>
+                  </a:cxn>
+                  <a:cxn ang="0">
+                    <a:pos x="connsiteX83" y="connsiteY83"/>
+                  </a:cxn>
+                  <a:cxn ang="0">
+                    <a:pos x="connsiteX84" y="connsiteY84"/>
+                  </a:cxn>
+                  <a:cxn ang="0">
+                    <a:pos x="connsiteX85" y="connsiteY85"/>
+                  </a:cxn>
+                  <a:cxn ang="0">
+                    <a:pos x="connsiteX86" y="connsiteY86"/>
+                  </a:cxn>
+                  <a:cxn ang="0">
+                    <a:pos x="connsiteX87" y="connsiteY87"/>
+                  </a:cxn>
+                  <a:cxn ang="0">
+                    <a:pos x="connsiteX88" y="connsiteY88"/>
+                  </a:cxn>
+                  <a:cxn ang="0">
+                    <a:pos x="connsiteX89" y="connsiteY89"/>
+                  </a:cxn>
+                  <a:cxn ang="0">
+                    <a:pos x="connsiteX90" y="connsiteY90"/>
+                  </a:cxn>
+                  <a:cxn ang="0">
+                    <a:pos x="connsiteX91" y="connsiteY91"/>
+                  </a:cxn>
+                  <a:cxn ang="0">
+                    <a:pos x="connsiteX92" y="connsiteY92"/>
+                  </a:cxn>
+                  <a:cxn ang="0">
+                    <a:pos x="connsiteX93" y="connsiteY93"/>
+                  </a:cxn>
+                  <a:cxn ang="0">
+                    <a:pos x="connsiteX94" y="connsiteY94"/>
+                  </a:cxn>
+                  <a:cxn ang="0">
+                    <a:pos x="connsiteX95" y="connsiteY95"/>
+                  </a:cxn>
+                  <a:cxn ang="0">
+                    <a:pos x="connsiteX96" y="connsiteY96"/>
+                  </a:cxn>
+                </a:cxnLst>
+                <a:rect l="l" t="t" r="r" b="b"/>
+                <a:pathLst>
+                  <a:path w="2923657" h="1930754">
+                    <a:moveTo>
+                      <a:pt x="2050697" y="914"/>
+                    </a:moveTo>
+                    <a:cubicBezTo>
+                      <a:pt x="2063904" y="-398"/>
+                      <a:pt x="2077067" y="-312"/>
+                      <a:pt x="2090042" y="1257"/>
+                    </a:cubicBezTo>
+                    <a:cubicBezTo>
+                      <a:pt x="2104871" y="3051"/>
+                      <a:pt x="2119456" y="6781"/>
+                      <a:pt x="2133583" y="12579"/>
+                    </a:cubicBezTo>
+                    <a:cubicBezTo>
+                      <a:pt x="2190092" y="35770"/>
+                      <a:pt x="2228585" y="87630"/>
+                      <a:pt x="2245137" y="152732"/>
+                    </a:cubicBezTo>
+                    <a:lnTo>
+                      <a:pt x="2252045" y="245317"/>
+                    </a:lnTo>
+                    <a:lnTo>
+                      <a:pt x="2283505" y="245592"/>
+                    </a:lnTo>
+                    <a:cubicBezTo>
+                      <a:pt x="2298334" y="247386"/>
+                      <a:pt x="2312919" y="251116"/>
+                      <a:pt x="2327046" y="256914"/>
+                    </a:cubicBezTo>
+                    <a:cubicBezTo>
+                      <a:pt x="2369429" y="274307"/>
+                      <a:pt x="2401675" y="307827"/>
+                      <a:pt x="2422133" y="350964"/>
+                    </a:cubicBezTo>
+                    <a:lnTo>
+                      <a:pt x="2431309" y="376653"/>
+                    </a:lnTo>
+                    <a:lnTo>
+                      <a:pt x="2436980" y="370631"/>
+                    </a:lnTo>
+                    <a:cubicBezTo>
+                      <a:pt x="2475072" y="339992"/>
+                      <a:pt x="2517300" y="324099"/>
+                      <a:pt x="2556566" y="327733"/>
+                    </a:cubicBezTo>
+                    <a:cubicBezTo>
+                      <a:pt x="2567784" y="328771"/>
+                      <a:pt x="2578761" y="331402"/>
+                      <a:pt x="2589329" y="335740"/>
+                    </a:cubicBezTo>
+                    <a:cubicBezTo>
+                      <a:pt x="2631604" y="353089"/>
+                      <a:pt x="2659355" y="394439"/>
+                      <a:pt x="2670044" y="447267"/>
+                    </a:cubicBezTo>
+                    <a:lnTo>
+                      <a:pt x="2672216" y="511363"/>
+                    </a:lnTo>
+                    <a:lnTo>
+                      <a:pt x="2682638" y="506826"/>
+                    </a:lnTo>
+                    <a:cubicBezTo>
+                      <a:pt x="2706248" y="500254"/>
+                      <a:pt x="2729855" y="497375"/>
+                      <a:pt x="2752673" y="498491"/>
+                    </a:cubicBezTo>
+                    <a:cubicBezTo>
+                      <a:pt x="2783098" y="499980"/>
+                      <a:pt x="2812121" y="508570"/>
+                      <a:pt x="2837884" y="524972"/>
+                    </a:cubicBezTo>
+                    <a:cubicBezTo>
+                      <a:pt x="2915174" y="574179"/>
+                      <a:pt x="2941172" y="679722"/>
+                      <a:pt x="2912041" y="788005"/>
+                    </a:cubicBezTo>
+                    <a:lnTo>
+                      <a:pt x="2868978" y="884897"/>
+                    </a:lnTo>
+                    <a:lnTo>
+                      <a:pt x="2872601" y="888522"/>
+                    </a:lnTo>
+                    <a:cubicBezTo>
+                      <a:pt x="2928869" y="960527"/>
+                      <a:pt x="2940184" y="1079682"/>
+                      <a:pt x="2893308" y="1193907"/>
+                    </a:cubicBezTo>
+                    <a:cubicBezTo>
+                      <a:pt x="2846431" y="1308133"/>
+                      <a:pt x="2754677" y="1384988"/>
+                      <a:pt x="2664048" y="1396710"/>
+                    </a:cubicBezTo>
+                    <a:lnTo>
+                      <a:pt x="2632249" y="1396925"/>
+                    </a:lnTo>
+                    <a:lnTo>
+                      <a:pt x="2624836" y="1421754"/>
+                    </a:lnTo>
+                    <a:cubicBezTo>
+                      <a:pt x="2618688" y="1435368"/>
+                      <a:pt x="2610756" y="1448186"/>
+                      <a:pt x="2601261" y="1460094"/>
+                    </a:cubicBezTo>
+                    <a:lnTo>
+                      <a:pt x="2552002" y="1499778"/>
+                    </a:lnTo>
+                    <a:lnTo>
+                      <a:pt x="2562309" y="1512388"/>
+                    </a:lnTo>
+                    <a:cubicBezTo>
+                      <a:pt x="2583806" y="1550750"/>
+                      <a:pt x="2588919" y="1592722"/>
+                      <a:pt x="2572555" y="1629208"/>
+                    </a:cubicBezTo>
+                    <a:cubicBezTo>
+                      <a:pt x="2564371" y="1647451"/>
+                      <a:pt x="2551594" y="1662596"/>
+                      <a:pt x="2535494" y="1674363"/>
+                    </a:cubicBezTo>
+                    <a:lnTo>
+                      <a:pt x="2511124" y="1685003"/>
+                    </a:lnTo>
+                    <a:lnTo>
+                      <a:pt x="2513107" y="1698748"/>
+                    </a:lnTo>
+                    <a:cubicBezTo>
+                      <a:pt x="2514017" y="1729195"/>
+                      <a:pt x="2507738" y="1758804"/>
+                      <a:pt x="2493415" y="1785778"/>
+                    </a:cubicBezTo>
+                    <a:cubicBezTo>
+                      <a:pt x="2443280" y="1880187"/>
+                      <a:pt x="2311209" y="1911033"/>
+                      <a:pt x="2181569" y="1865545"/>
+                    </a:cubicBezTo>
+                    <a:lnTo>
+                      <a:pt x="2148733" y="1851137"/>
+                    </a:lnTo>
+                    <a:lnTo>
+                      <a:pt x="2122912" y="1879847"/>
+                    </a:lnTo>
+                    <a:cubicBezTo>
+                      <a:pt x="2087608" y="1911987"/>
+                      <a:pt x="2045049" y="1930754"/>
+                      <a:pt x="1999237" y="1930754"/>
+                    </a:cubicBezTo>
+                    <a:cubicBezTo>
+                      <a:pt x="1922884" y="1930754"/>
+                      <a:pt x="1855566" y="1878623"/>
+                      <a:pt x="1815815" y="1799332"/>
+                    </a:cubicBezTo>
+                    <a:lnTo>
+                      <a:pt x="1799326" y="1758397"/>
+                    </a:lnTo>
+                    <a:lnTo>
+                      <a:pt x="1785002" y="1784411"/>
+                    </a:lnTo>
+                    <a:cubicBezTo>
+                      <a:pt x="1760894" y="1820259"/>
+                      <a:pt x="1731830" y="1841192"/>
+                      <a:pt x="1700546" y="1841192"/>
+                    </a:cubicBezTo>
+                    <a:cubicBezTo>
+                      <a:pt x="1648405" y="1841192"/>
+                      <a:pt x="1602435" y="1783046"/>
+                      <a:pt x="1575290" y="1694608"/>
+                    </a:cubicBezTo>
+                    <a:lnTo>
+                      <a:pt x="1575028" y="1693545"/>
+                    </a:lnTo>
+                    <a:lnTo>
+                      <a:pt x="1554157" y="1729037"/>
+                    </a:lnTo>
+                    <a:cubicBezTo>
+                      <a:pt x="1511276" y="1789204"/>
+                      <a:pt x="1452035" y="1826417"/>
+                      <a:pt x="1386600" y="1826417"/>
+                    </a:cubicBezTo>
+                    <a:cubicBezTo>
+                      <a:pt x="1321165" y="1826417"/>
+                      <a:pt x="1261925" y="1789204"/>
+                      <a:pt x="1219043" y="1729037"/>
+                    </a:cubicBezTo>
+                    <a:lnTo>
+                      <a:pt x="1217805" y="1726932"/>
+                    </a:lnTo>
+                    <a:lnTo>
+                      <a:pt x="1199640" y="1753905"/>
+                    </a:lnTo>
+                    <a:cubicBezTo>
+                      <a:pt x="1174635" y="1783768"/>
+                      <a:pt x="1143335" y="1808232"/>
+                      <a:pt x="1106436" y="1825024"/>
+                    </a:cubicBezTo>
+                    <a:cubicBezTo>
+                      <a:pt x="995734" y="1875399"/>
+                      <a:pt x="866074" y="1842409"/>
+                      <a:pt x="776078" y="1752258"/>
+                    </a:cubicBezTo>
+                    <a:lnTo>
+                      <a:pt x="744087" y="1713860"/>
+                    </a:lnTo>
+                    <a:lnTo>
+                      <a:pt x="737364" y="1732964"/>
+                    </a:lnTo>
+                    <a:cubicBezTo>
+                      <a:pt x="702105" y="1806500"/>
+                      <a:pt x="619559" y="1858097"/>
+                      <a:pt x="523352" y="1858097"/>
+                    </a:cubicBezTo>
+                    <a:cubicBezTo>
+                      <a:pt x="395076" y="1858097"/>
+                      <a:pt x="291088" y="1766368"/>
+                      <a:pt x="291088" y="1653215"/>
+                    </a:cubicBezTo>
+                    <a:cubicBezTo>
+                      <a:pt x="291088" y="1610783"/>
+                      <a:pt x="305711" y="1571364"/>
+                      <a:pt x="330755" y="1538663"/>
+                    </a:cubicBezTo>
+                    <a:lnTo>
+                      <a:pt x="334012" y="1535182"/>
+                    </a:lnTo>
+                    <a:lnTo>
+                      <a:pt x="319228" y="1527159"/>
+                    </a:lnTo>
+                    <a:cubicBezTo>
+                      <a:pt x="301541" y="1515209"/>
+                      <a:pt x="285065" y="1501602"/>
+                      <a:pt x="270023" y="1486560"/>
+                    </a:cubicBezTo>
+                    <a:lnTo>
+                      <a:pt x="240311" y="1450550"/>
+                    </a:lnTo>
+                    <a:lnTo>
+                      <a:pt x="238140" y="1453770"/>
+                    </a:lnTo>
+                    <a:cubicBezTo>
+                      <a:pt x="218603" y="1473308"/>
+                      <a:pt x="191612" y="1485392"/>
+                      <a:pt x="161798" y="1485392"/>
+                    </a:cubicBezTo>
+                    <a:cubicBezTo>
+                      <a:pt x="102171" y="1485392"/>
+                      <a:pt x="53834" y="1437055"/>
+                      <a:pt x="53834" y="1377428"/>
+                    </a:cubicBezTo>
+                    <a:cubicBezTo>
+                      <a:pt x="53834" y="1317801"/>
+                      <a:pt x="102171" y="1269465"/>
+                      <a:pt x="161799" y="1269464"/>
+                    </a:cubicBezTo>
+                    <a:lnTo>
+                      <a:pt x="174720" y="1272073"/>
+                    </a:lnTo>
+                    <a:lnTo>
+                      <a:pt x="172644" y="1251466"/>
+                    </a:lnTo>
+                    <a:cubicBezTo>
+                      <a:pt x="172643" y="1159656"/>
+                      <a:pt x="209857" y="1076538"/>
+                      <a:pt x="270024" y="1016372"/>
+                    </a:cubicBezTo>
+                    <a:lnTo>
+                      <a:pt x="300742" y="991026"/>
+                    </a:lnTo>
+                    <a:lnTo>
+                      <a:pt x="264959" y="1009044"/>
+                    </a:lnTo>
+                    <a:cubicBezTo>
+                      <a:pt x="248707" y="1013084"/>
+                      <a:pt x="232224" y="1013017"/>
+                      <a:pt x="216391" y="1008158"/>
+                    </a:cubicBezTo>
+                    <a:cubicBezTo>
+                      <a:pt x="184727" y="998440"/>
+                      <a:pt x="161660" y="971393"/>
+                      <a:pt x="149963" y="935522"/>
+                    </a:cubicBezTo>
+                    <a:lnTo>
+                      <a:pt x="141912" y="880394"/>
+                    </a:lnTo>
+                    <a:lnTo>
+                      <a:pt x="104156" y="875033"/>
+                    </a:lnTo>
+                    <a:cubicBezTo>
+                      <a:pt x="42949" y="856824"/>
+                      <a:pt x="0" y="814194"/>
+                      <a:pt x="0" y="764511"/>
+                    </a:cubicBezTo>
+                    <a:cubicBezTo>
+                      <a:pt x="0" y="698266"/>
+                      <a:pt x="76352" y="644563"/>
+                      <a:pt x="170538" y="644563"/>
+                    </a:cubicBezTo>
+                    <a:lnTo>
+                      <a:pt x="192026" y="647615"/>
+                    </a:lnTo>
+                    <a:lnTo>
+                      <a:pt x="189894" y="644453"/>
+                    </a:lnTo>
+                    <a:cubicBezTo>
+                      <a:pt x="181105" y="623672"/>
+                      <a:pt x="176244" y="600823"/>
+                      <a:pt x="176244" y="576840"/>
+                    </a:cubicBezTo>
+                    <a:cubicBezTo>
+                      <a:pt x="176244" y="480906"/>
+                      <a:pt x="254013" y="403137"/>
+                      <a:pt x="349948" y="403137"/>
+                    </a:cubicBezTo>
+                    <a:cubicBezTo>
+                      <a:pt x="373931" y="403137"/>
+                      <a:pt x="396780" y="407997"/>
+                      <a:pt x="417560" y="416787"/>
+                    </a:cubicBezTo>
+                    <a:lnTo>
+                      <a:pt x="450908" y="439271"/>
+                    </a:lnTo>
+                    <a:lnTo>
+                      <a:pt x="448606" y="413393"/>
+                    </a:lnTo>
+                    <a:cubicBezTo>
+                      <a:pt x="447883" y="282758"/>
+                      <a:pt x="502296" y="168255"/>
+                      <a:pt x="604060" y="115202"/>
+                    </a:cubicBezTo>
+                    <a:cubicBezTo>
+                      <a:pt x="644766" y="93982"/>
+                      <a:pt x="689194" y="84602"/>
+                      <a:pt x="734681" y="85810"/>
+                    </a:cubicBezTo>
+                    <a:cubicBezTo>
+                      <a:pt x="802912" y="87624"/>
+                      <a:pt x="873528" y="113263"/>
+                      <a:pt x="937538" y="158498"/>
+                    </a:cubicBezTo>
+                    <a:lnTo>
+                      <a:pt x="960860" y="179767"/>
+                    </a:lnTo>
+                    <a:lnTo>
+                      <a:pt x="969050" y="139199"/>
+                    </a:lnTo>
+                    <a:cubicBezTo>
+                      <a:pt x="1000820" y="64084"/>
+                      <a:pt x="1075198" y="11378"/>
+                      <a:pt x="1161888" y="11378"/>
+                    </a:cubicBezTo>
+                    <a:cubicBezTo>
+                      <a:pt x="1248576" y="11377"/>
+                      <a:pt x="1322954" y="64084"/>
+                      <a:pt x="1354725" y="139200"/>
+                    </a:cubicBezTo>
+                    <a:lnTo>
+                      <a:pt x="1370519" y="217423"/>
+                    </a:lnTo>
+                    <a:lnTo>
+                      <a:pt x="1409067" y="229390"/>
+                    </a:lnTo>
+                    <a:cubicBezTo>
+                      <a:pt x="1427846" y="237332"/>
+                      <a:pt x="1445224" y="247938"/>
+                      <a:pt x="1460730" y="260733"/>
+                    </a:cubicBezTo>
+                    <a:lnTo>
+                      <a:pt x="1472314" y="273483"/>
+                    </a:lnTo>
+                    <a:lnTo>
+                      <a:pt x="1487534" y="199150"/>
+                    </a:lnTo>
+                    <a:cubicBezTo>
+                      <a:pt x="1512229" y="136682"/>
+                      <a:pt x="1557003" y="90136"/>
+                      <a:pt x="1616002" y="74318"/>
+                    </a:cubicBezTo>
+                    <a:cubicBezTo>
+                      <a:pt x="1689750" y="54546"/>
+                      <a:pt x="1768272" y="87466"/>
+                      <a:pt x="1827200" y="153758"/>
+                    </a:cubicBezTo>
+                    <a:lnTo>
+                      <a:pt x="1837154" y="166993"/>
+                    </a:lnTo>
+                    <a:lnTo>
+                      <a:pt x="1867104" y="114642"/>
+                    </a:lnTo>
+                    <a:cubicBezTo>
+                      <a:pt x="1917520" y="48971"/>
+                      <a:pt x="1984663" y="7473"/>
+                      <a:pt x="2050697" y="914"/>
+                    </a:cubicBezTo>
+                    <a:close/>
+                  </a:path>
+                </a:pathLst>
+              </a:custGeom>
+              <a:solidFill>
+                <a:srgbClr val="FFFF00"/>
+              </a:solidFill>
+              <a:ln w="12700">
+                <a:solidFill>
+                  <a:schemeClr val="tx1"/>
+                </a:solidFill>
+              </a:ln>
+            </p:spPr>
+            <p:style>
+              <a:lnRef idx="2">
+                <a:schemeClr val="accent1">
+                  <a:shade val="50000"/>
+                </a:schemeClr>
+              </a:lnRef>
+              <a:fillRef idx="1">
+                <a:schemeClr val="accent1"/>
+              </a:fillRef>
+              <a:effectRef idx="0">
+                <a:schemeClr val="accent1"/>
+              </a:effectRef>
+              <a:fontRef idx="minor">
+                <a:schemeClr val="lt1"/>
+              </a:fontRef>
+            </p:style>
+            <p:txBody>
+              <a:bodyPr rtlCol="0" anchor="ctr"/>
+              <a:lstStyle/>
+              <a:p>
+                <a:pPr algn="ctr"/>
+                <a:endParaRPr kumimoji="1" lang="ja-JP" altLang="en-US" dirty="0"/>
+              </a:p>
+            </p:txBody>
+          </p:sp>
+        </p:grpSp>
+        <p:grpSp>
+          <p:nvGrpSpPr>
+            <p:cNvPr id="190" name="グループ化 189">
               <a:extLst>
                 <a:ext uri="{FF2B5EF4-FFF2-40B4-BE49-F238E27FC236}">
-                  <a16:creationId xmlns:a16="http://schemas.microsoft.com/office/drawing/2014/main" id="{CAEF3184-B8C1-4177-8C41-64AECD75A964}"/>
+                  <a16:creationId xmlns:a16="http://schemas.microsoft.com/office/drawing/2014/main" id="{E3015EA5-1D26-4D4E-8ED7-66EE53A923B8}"/>
                 </a:ext>
               </a:extLst>
             </p:cNvPr>
-            <p:cNvSpPr/>
+            <p:cNvGrpSpPr/>
             <p:nvPr/>
-          </p:nvSpPr>
-          <p:spPr>
+          </p:nvGrpSpPr>
+          <p:grpSpPr>
             <a:xfrm>
-              <a:off x="9202377" y="3206329"/>
-              <a:ext cx="243926" cy="243926"/>
+              <a:off x="9325356" y="2370266"/>
+              <a:ext cx="211168" cy="211168"/>
+              <a:chOff x="11382375" y="2886437"/>
+              <a:chExt cx="211168" cy="211168"/>
             </a:xfrm>
-            <a:prstGeom prst="ellipse">
-              <a:avLst/>
-            </a:prstGeom>
-            <a:solidFill>
-              <a:srgbClr val="FFC000"/>
-            </a:solidFill>
-            <a:ln>
+          </p:grpSpPr>
+          <p:sp>
+            <p:nvSpPr>
+              <p:cNvPr id="191" name="楕円 190">
+                <a:extLst>
+                  <a:ext uri="{FF2B5EF4-FFF2-40B4-BE49-F238E27FC236}">
+                    <a16:creationId xmlns:a16="http://schemas.microsoft.com/office/drawing/2014/main" id="{7A484836-50D0-4184-B8D3-27A571D5EF15}"/>
+                  </a:ext>
+                </a:extLst>
+              </p:cNvPr>
+              <p:cNvSpPr/>
+              <p:nvPr/>
+            </p:nvSpPr>
+            <p:spPr>
+              <a:xfrm>
+                <a:off x="11382375" y="2886437"/>
+                <a:ext cx="211168" cy="211168"/>
+              </a:xfrm>
+              <a:prstGeom prst="ellipse">
+                <a:avLst/>
+              </a:prstGeom>
               <a:solidFill>
-                <a:schemeClr val="tx1"/>
+                <a:srgbClr val="FFC000"/>
               </a:solidFill>
-            </a:ln>
-          </p:spPr>
-          <p:style>
-            <a:lnRef idx="2">
-              <a:schemeClr val="accent1">
-                <a:shade val="50000"/>
-              </a:schemeClr>
-            </a:lnRef>
-            <a:fillRef idx="1">
-              <a:schemeClr val="accent1"/>
-            </a:fillRef>
-            <a:effectRef idx="0">
-              <a:schemeClr val="accent1"/>
-            </a:effectRef>
-            <a:fontRef idx="minor">
-              <a:schemeClr val="lt1"/>
-            </a:fontRef>
-          </p:style>
-          <p:txBody>
-            <a:bodyPr rot="0" spcFirstLastPara="0" vertOverflow="overflow" horzOverflow="overflow" vert="horz" wrap="square" lIns="91440" tIns="45720" rIns="91440" bIns="45720" numCol="1" spcCol="0" rtlCol="0" fromWordArt="0" anchor="ctr" anchorCtr="0" forceAA="0" compatLnSpc="1">
-              <a:prstTxWarp prst="textNoShape">
+              <a:ln>
+                <a:solidFill>
+                  <a:schemeClr val="tx1"/>
+                </a:solidFill>
+              </a:ln>
+            </p:spPr>
+            <p:style>
+              <a:lnRef idx="2">
+                <a:schemeClr val="accent1">
+                  <a:shade val="50000"/>
+                </a:schemeClr>
+              </a:lnRef>
+              <a:fillRef idx="1">
+                <a:schemeClr val="accent1"/>
+              </a:fillRef>
+              <a:effectRef idx="0">
+                <a:schemeClr val="accent1"/>
+              </a:effectRef>
+              <a:fontRef idx="minor">
+                <a:schemeClr val="lt1"/>
+              </a:fontRef>
+            </p:style>
+            <p:txBody>
+              <a:bodyPr rot="0" spcFirstLastPara="0" vertOverflow="overflow" horzOverflow="overflow" vert="horz" wrap="square" lIns="91440" tIns="45720" rIns="91440" bIns="45720" numCol="1" spcCol="0" rtlCol="0" fromWordArt="0" anchor="ctr" anchorCtr="0" forceAA="0" compatLnSpc="1">
+                <a:prstTxWarp prst="textNoShape">
+                  <a:avLst/>
+                </a:prstTxWarp>
+                <a:noAutofit/>
+              </a:bodyPr>
+              <a:lstStyle/>
+              <a:p>
+                <a:pPr algn="ctr"/>
+                <a:endParaRPr lang="ja-JP" altLang="en-US"/>
+              </a:p>
+            </p:txBody>
+          </p:sp>
+          <p:sp>
+            <p:nvSpPr>
+              <p:cNvPr id="192" name="楕円 191">
+                <a:extLst>
+                  <a:ext uri="{FF2B5EF4-FFF2-40B4-BE49-F238E27FC236}">
+                    <a16:creationId xmlns:a16="http://schemas.microsoft.com/office/drawing/2014/main" id="{B176AB17-C942-4E42-9C56-B269F3FF8DDE}"/>
+                  </a:ext>
+                </a:extLst>
+              </p:cNvPr>
+              <p:cNvSpPr/>
+              <p:nvPr/>
+            </p:nvSpPr>
+            <p:spPr>
+              <a:xfrm>
+                <a:off x="11437994" y="2942056"/>
+                <a:ext cx="99930" cy="99930"/>
+              </a:xfrm>
+              <a:prstGeom prst="ellipse">
                 <a:avLst/>
-              </a:prstTxWarp>
-              <a:noAutofit/>
-            </a:bodyPr>
-            <a:lstStyle/>
-            <a:p>
-              <a:pPr algn="ctr"/>
-              <a:endParaRPr lang="ja-JP" altLang="en-US"/>
-            </a:p>
-          </p:txBody>
-        </p:sp>
-        <p:sp>
-          <p:nvSpPr>
-            <p:cNvPr id="195" name="楕円 194">
+              </a:prstGeom>
+              <a:solidFill>
+                <a:srgbClr val="FFFF00"/>
+              </a:solidFill>
+              <a:ln>
+                <a:solidFill>
+                  <a:schemeClr val="tx1"/>
+                </a:solidFill>
+              </a:ln>
+            </p:spPr>
+            <p:style>
+              <a:lnRef idx="2">
+                <a:schemeClr val="accent1">
+                  <a:shade val="50000"/>
+                </a:schemeClr>
+              </a:lnRef>
+              <a:fillRef idx="1">
+                <a:schemeClr val="accent1"/>
+              </a:fillRef>
+              <a:effectRef idx="0">
+                <a:schemeClr val="accent1"/>
+              </a:effectRef>
+              <a:fontRef idx="minor">
+                <a:schemeClr val="lt1"/>
+              </a:fontRef>
+            </p:style>
+            <p:txBody>
+              <a:bodyPr rot="0" spcFirstLastPara="0" vertOverflow="overflow" horzOverflow="overflow" vert="horz" wrap="square" lIns="91440" tIns="45720" rIns="91440" bIns="45720" numCol="1" spcCol="0" rtlCol="0" fromWordArt="0" anchor="ctr" anchorCtr="0" forceAA="0" compatLnSpc="1">
+                <a:prstTxWarp prst="textNoShape">
+                  <a:avLst/>
+                </a:prstTxWarp>
+                <a:noAutofit/>
+              </a:bodyPr>
+              <a:lstStyle/>
+              <a:p>
+                <a:pPr algn="ctr"/>
+                <a:endParaRPr lang="ja-JP" altLang="en-US"/>
+              </a:p>
+            </p:txBody>
+          </p:sp>
+        </p:grpSp>
+        <p:grpSp>
+          <p:nvGrpSpPr>
+            <p:cNvPr id="193" name="グループ化 192">
               <a:extLst>
                 <a:ext uri="{FF2B5EF4-FFF2-40B4-BE49-F238E27FC236}">
-                  <a16:creationId xmlns:a16="http://schemas.microsoft.com/office/drawing/2014/main" id="{68D1291F-9551-4C80-B040-E3B7A790E2C3}"/>
+                  <a16:creationId xmlns:a16="http://schemas.microsoft.com/office/drawing/2014/main" id="{04702F04-2968-46E5-AD31-1BCA0D927490}"/>
                 </a:ext>
               </a:extLst>
             </p:cNvPr>
-            <p:cNvSpPr/>
+            <p:cNvGrpSpPr/>
             <p:nvPr/>
-          </p:nvSpPr>
-          <p:spPr>
+          </p:nvGrpSpPr>
+          <p:grpSpPr>
             <a:xfrm>
-              <a:off x="9266624" y="3270576"/>
-              <a:ext cx="115432" cy="115432"/>
+              <a:off x="7580980" y="2565676"/>
+              <a:ext cx="243926" cy="243926"/>
+              <a:chOff x="9202377" y="3206329"/>
+              <a:chExt cx="243926" cy="243926"/>
             </a:xfrm>
-            <a:prstGeom prst="ellipse">
-              <a:avLst/>
-            </a:prstGeom>
-            <a:solidFill>
-              <a:srgbClr val="FFFF00"/>
-            </a:solidFill>
-            <a:ln>
+          </p:grpSpPr>
+          <p:sp>
+            <p:nvSpPr>
+              <p:cNvPr id="194" name="楕円 193">
+                <a:extLst>
+                  <a:ext uri="{FF2B5EF4-FFF2-40B4-BE49-F238E27FC236}">
+                    <a16:creationId xmlns:a16="http://schemas.microsoft.com/office/drawing/2014/main" id="{CAEF3184-B8C1-4177-8C41-64AECD75A964}"/>
+                  </a:ext>
+                </a:extLst>
+              </p:cNvPr>
+              <p:cNvSpPr/>
+              <p:nvPr/>
+            </p:nvSpPr>
+            <p:spPr>
+              <a:xfrm>
+                <a:off x="9202377" y="3206329"/>
+                <a:ext cx="243926" cy="243926"/>
+              </a:xfrm>
+              <a:prstGeom prst="ellipse">
+                <a:avLst/>
+              </a:prstGeom>
               <a:solidFill>
-                <a:schemeClr val="tx1"/>
+                <a:srgbClr val="FFC000"/>
               </a:solidFill>
-            </a:ln>
-          </p:spPr>
-          <p:style>
-            <a:lnRef idx="2">
-              <a:schemeClr val="accent1">
-                <a:shade val="50000"/>
-              </a:schemeClr>
-            </a:lnRef>
-            <a:fillRef idx="1">
-              <a:schemeClr val="accent1"/>
-            </a:fillRef>
-            <a:effectRef idx="0">
-              <a:schemeClr val="accent1"/>
-            </a:effectRef>
-            <a:fontRef idx="minor">
-              <a:schemeClr val="lt1"/>
-            </a:fontRef>
-          </p:style>
-          <p:txBody>
-            <a:bodyPr rot="0" spcFirstLastPara="0" vertOverflow="overflow" horzOverflow="overflow" vert="horz" wrap="square" lIns="91440" tIns="45720" rIns="91440" bIns="45720" numCol="1" spcCol="0" rtlCol="0" fromWordArt="0" anchor="ctr" anchorCtr="0" forceAA="0" compatLnSpc="1">
-              <a:prstTxWarp prst="textNoShape">
+              <a:ln>
+                <a:solidFill>
+                  <a:schemeClr val="tx1"/>
+                </a:solidFill>
+              </a:ln>
+            </p:spPr>
+            <p:style>
+              <a:lnRef idx="2">
+                <a:schemeClr val="accent1">
+                  <a:shade val="50000"/>
+                </a:schemeClr>
+              </a:lnRef>
+              <a:fillRef idx="1">
+                <a:schemeClr val="accent1"/>
+              </a:fillRef>
+              <a:effectRef idx="0">
+                <a:schemeClr val="accent1"/>
+              </a:effectRef>
+              <a:fontRef idx="minor">
+                <a:schemeClr val="lt1"/>
+              </a:fontRef>
+            </p:style>
+            <p:txBody>
+              <a:bodyPr rot="0" spcFirstLastPara="0" vertOverflow="overflow" horzOverflow="overflow" vert="horz" wrap="square" lIns="91440" tIns="45720" rIns="91440" bIns="45720" numCol="1" spcCol="0" rtlCol="0" fromWordArt="0" anchor="ctr" anchorCtr="0" forceAA="0" compatLnSpc="1">
+                <a:prstTxWarp prst="textNoShape">
+                  <a:avLst/>
+                </a:prstTxWarp>
+                <a:noAutofit/>
+              </a:bodyPr>
+              <a:lstStyle/>
+              <a:p>
+                <a:pPr algn="ctr"/>
+                <a:endParaRPr lang="ja-JP" altLang="en-US"/>
+              </a:p>
+            </p:txBody>
+          </p:sp>
+          <p:sp>
+            <p:nvSpPr>
+              <p:cNvPr id="195" name="楕円 194">
+                <a:extLst>
+                  <a:ext uri="{FF2B5EF4-FFF2-40B4-BE49-F238E27FC236}">
+                    <a16:creationId xmlns:a16="http://schemas.microsoft.com/office/drawing/2014/main" id="{68D1291F-9551-4C80-B040-E3B7A790E2C3}"/>
+                  </a:ext>
+                </a:extLst>
+              </p:cNvPr>
+              <p:cNvSpPr/>
+              <p:nvPr/>
+            </p:nvSpPr>
+            <p:spPr>
+              <a:xfrm>
+                <a:off x="9266624" y="3270576"/>
+                <a:ext cx="115432" cy="115432"/>
+              </a:xfrm>
+              <a:prstGeom prst="ellipse">
                 <a:avLst/>
-              </a:prstTxWarp>
-              <a:noAutofit/>
-            </a:bodyPr>
-            <a:lstStyle/>
-            <a:p>
-              <a:pPr algn="ctr"/>
-              <a:endParaRPr lang="ja-JP" altLang="en-US"/>
-            </a:p>
-          </p:txBody>
-        </p:sp>
+              </a:prstGeom>
+              <a:solidFill>
+                <a:srgbClr val="FFFF00"/>
+              </a:solidFill>
+              <a:ln>
+                <a:solidFill>
+                  <a:schemeClr val="tx1"/>
+                </a:solidFill>
+              </a:ln>
+            </p:spPr>
+            <p:style>
+              <a:lnRef idx="2">
+                <a:schemeClr val="accent1">
+                  <a:shade val="50000"/>
+                </a:schemeClr>
+              </a:lnRef>
+              <a:fillRef idx="1">
+                <a:schemeClr val="accent1"/>
+              </a:fillRef>
+              <a:effectRef idx="0">
+                <a:schemeClr val="accent1"/>
+              </a:effectRef>
+              <a:fontRef idx="minor">
+                <a:schemeClr val="lt1"/>
+              </a:fontRef>
+            </p:style>
+            <p:txBody>
+              <a:bodyPr rot="0" spcFirstLastPara="0" vertOverflow="overflow" horzOverflow="overflow" vert="horz" wrap="square" lIns="91440" tIns="45720" rIns="91440" bIns="45720" numCol="1" spcCol="0" rtlCol="0" fromWordArt="0" anchor="ctr" anchorCtr="0" forceAA="0" compatLnSpc="1">
+                <a:prstTxWarp prst="textNoShape">
+                  <a:avLst/>
+                </a:prstTxWarp>
+                <a:noAutofit/>
+              </a:bodyPr>
+              <a:lstStyle/>
+              <a:p>
+                <a:pPr algn="ctr"/>
+                <a:endParaRPr lang="ja-JP" altLang="en-US"/>
+              </a:p>
+            </p:txBody>
+          </p:sp>
+        </p:grpSp>
       </p:grpSp>
       <p:sp>
         <p:nvSpPr>
@@ -29681,6 +29702,181 @@
           </a:p>
         </p:txBody>
       </p:sp>
+      <p:sp>
+        <p:nvSpPr>
+          <p:cNvPr id="2" name="正方形/長方形 1">
+            <a:extLst>
+              <a:ext uri="{FF2B5EF4-FFF2-40B4-BE49-F238E27FC236}">
+                <a16:creationId xmlns:a16="http://schemas.microsoft.com/office/drawing/2014/main" id="{5AA2B910-FAD4-4612-AF5D-AB110AD571F1}"/>
+              </a:ext>
+            </a:extLst>
+          </p:cNvPr>
+          <p:cNvSpPr/>
+          <p:nvPr/>
+        </p:nvSpPr>
+        <p:spPr>
+          <a:xfrm>
+            <a:off x="5585283" y="3244334"/>
+            <a:ext cx="1021433" cy="369332"/>
+          </a:xfrm>
+          <a:prstGeom prst="rect">
+            <a:avLst/>
+          </a:prstGeom>
+        </p:spPr>
+        <p:txBody>
+          <a:bodyPr wrap="none">
+            <a:spAutoFit/>
+          </a:bodyPr>
+          <a:lstStyle/>
+          <a:p>
+            <a:r>
+              <a:rPr lang="ja-JP" altLang="en-US" spc="-300" dirty="0">
+                <a:latin typeface="Sylfaen" panose="010A0502050306030303" pitchFamily="18" charset="0"/>
+              </a:rPr>
+              <a:t>♪</a:t>
+            </a:r>
+            <a:r>
+              <a:rPr lang="en-US" altLang="ja-JP" spc="-300" dirty="0">
+                <a:latin typeface="QuickSilver" panose="040B7200000000000000" pitchFamily="82" charset="0"/>
+              </a:rPr>
+              <a:t>M 381 2</a:t>
+            </a:r>
+            <a:endParaRPr lang="ja-JP" altLang="en-US" spc="-300" dirty="0">
+              <a:latin typeface="QuickSilver" panose="040B7200000000000000" pitchFamily="82" charset="0"/>
+            </a:endParaRPr>
+          </a:p>
+        </p:txBody>
+      </p:sp>
+      <p:sp>
+        <p:nvSpPr>
+          <p:cNvPr id="132" name="正方形/長方形 131">
+            <a:extLst>
+              <a:ext uri="{FF2B5EF4-FFF2-40B4-BE49-F238E27FC236}">
+                <a16:creationId xmlns:a16="http://schemas.microsoft.com/office/drawing/2014/main" id="{F3ACAFBA-0A38-46E8-B6D3-82C6797A33F0}"/>
+              </a:ext>
+            </a:extLst>
+          </p:cNvPr>
+          <p:cNvSpPr/>
+          <p:nvPr/>
+        </p:nvSpPr>
+        <p:spPr>
+          <a:xfrm>
+            <a:off x="7663939" y="3283402"/>
+            <a:ext cx="1285328" cy="610424"/>
+          </a:xfrm>
+          <a:prstGeom prst="rect">
+            <a:avLst/>
+          </a:prstGeom>
+          <a:solidFill>
+            <a:schemeClr val="tx1"/>
+          </a:solidFill>
+        </p:spPr>
+        <p:txBody>
+          <a:bodyPr wrap="square">
+            <a:spAutoFit/>
+          </a:bodyPr>
+          <a:lstStyle/>
+          <a:p>
+            <a:pPr>
+              <a:lnSpc>
+                <a:spcPts val="2000"/>
+              </a:lnSpc>
+            </a:pPr>
+            <a:r>
+              <a:rPr lang="en-US" altLang="ja-JP" b="1" dirty="0">
+                <a:ln>
+                  <a:solidFill>
+                    <a:srgbClr val="FF00BB"/>
+                  </a:solidFill>
+                </a:ln>
+                <a:solidFill>
+                  <a:schemeClr val="bg1"/>
+                </a:solidFill>
+                <a:effectLst>
+                  <a:outerShdw dist="50800" dir="2700000" algn="tl" rotWithShape="0">
+                    <a:srgbClr val="FF00BB"/>
+                  </a:outerShdw>
+                </a:effectLst>
+                <a:latin typeface="Kaushan Script" panose="03060602040705080205" pitchFamily="66" charset="0"/>
+                <a:cs typeface="Lato Semibold" panose="020F0502020204030203" pitchFamily="34" charset="0"/>
+              </a:rPr>
+              <a:t>MSM5232</a:t>
+            </a:r>
+          </a:p>
+          <a:p>
+            <a:pPr>
+              <a:lnSpc>
+                <a:spcPts val="2000"/>
+              </a:lnSpc>
+            </a:pPr>
+            <a:r>
+              <a:rPr lang="en-US" altLang="ja-JP" b="1" dirty="0">
+                <a:ln>
+                  <a:solidFill>
+                    <a:srgbClr val="FF00BB"/>
+                  </a:solidFill>
+                </a:ln>
+                <a:solidFill>
+                  <a:schemeClr val="bg1"/>
+                </a:solidFill>
+                <a:effectLst>
+                  <a:outerShdw dist="50800" dir="2700000" algn="tl" rotWithShape="0">
+                    <a:srgbClr val="FF00BB"/>
+                  </a:outerShdw>
+                </a:effectLst>
+                <a:latin typeface="Kaushan Script" panose="03060602040705080205" pitchFamily="66" charset="0"/>
+                <a:cs typeface="Lato Semibold" panose="020F0502020204030203" pitchFamily="34" charset="0"/>
+              </a:rPr>
+              <a:t>+TA7630</a:t>
+            </a:r>
+          </a:p>
+        </p:txBody>
+      </p:sp>
+      <p:pic>
+        <p:nvPicPr>
+          <p:cNvPr id="134" name="Picture 2" descr="img_0 (512Ã224)">
+            <a:extLst>
+              <a:ext uri="{FF2B5EF4-FFF2-40B4-BE49-F238E27FC236}">
+                <a16:creationId xmlns:a16="http://schemas.microsoft.com/office/drawing/2014/main" id="{A67ED61F-4185-4845-B4C1-8AD370E04842}"/>
+              </a:ext>
+            </a:extLst>
+          </p:cNvPr>
+          <p:cNvPicPr>
+            <a:picLocks noChangeAspect="1" noChangeArrowheads="1"/>
+          </p:cNvPicPr>
+          <p:nvPr/>
+        </p:nvPicPr>
+        <p:blipFill rotWithShape="1">
+          <a:blip r:embed="rId14">
+            <a:extLst>
+              <a:ext uri="{28A0092B-C50C-407E-A947-70E740481C1C}">
+                <a14:useLocalDpi xmlns:a14="http://schemas.microsoft.com/office/drawing/2010/main" val="0"/>
+              </a:ext>
+            </a:extLst>
+          </a:blip>
+          <a:srcRect l="9126" t="14551" r="57437" b="34781"/>
+          <a:stretch/>
+        </p:blipFill>
+        <p:spPr bwMode="auto">
+          <a:xfrm>
+            <a:off x="9536524" y="3150080"/>
+            <a:ext cx="1630663" cy="1081057"/>
+          </a:xfrm>
+          <a:prstGeom prst="rect">
+            <a:avLst/>
+          </a:prstGeom>
+          <a:noFill/>
+          <a:extLst>
+            <a:ext uri="{909E8E84-426E-40DD-AFC4-6F175D3DCCD1}">
+              <a14:hiddenFill xmlns:a14="http://schemas.microsoft.com/office/drawing/2010/main">
+                <a:solidFill>
+                  <a:srgbClr val="FFFFFF"/>
+                </a:solidFill>
+              </a14:hiddenFill>
+            </a:ext>
+          </a:extLst>
+        </p:spPr>
+      </p:pic>
     </p:spTree>
     <p:extLst>
       <p:ext uri="{BB962C8B-B14F-4D97-AF65-F5344CB8AC3E}">

--- a/src/mamidimemo/Data/Images.pptx
+++ b/src/mamidimemo/Data/Images.pptx
@@ -198,7 +198,7 @@
           <a:p>
             <a:fld id="{FD0ADE19-EE5F-4EAE-BCEC-0B5F9244BB48}" type="datetimeFigureOut">
               <a:rPr kumimoji="1" lang="ja-JP" altLang="en-US" smtClean="0"/>
-              <a:t>2019/8/18</a:t>
+              <a:t>2019/9/3</a:t>
             </a:fld>
             <a:endParaRPr kumimoji="1" lang="ja-JP" altLang="en-US"/>
           </a:p>
@@ -728,7 +728,7 @@
           <a:p>
             <a:fld id="{B7E48A73-9369-4B88-BBE6-B1D33CBD5F01}" type="datetimeFigureOut">
               <a:rPr kumimoji="1" lang="ja-JP" altLang="en-US" smtClean="0"/>
-              <a:t>2019/8/18</a:t>
+              <a:t>2019/9/3</a:t>
             </a:fld>
             <a:endParaRPr kumimoji="1" lang="ja-JP" altLang="en-US"/>
           </a:p>
@@ -958,7 +958,7 @@
           <a:p>
             <a:fld id="{B7E48A73-9369-4B88-BBE6-B1D33CBD5F01}" type="datetimeFigureOut">
               <a:rPr kumimoji="1" lang="ja-JP" altLang="en-US" smtClean="0"/>
-              <a:t>2019/8/18</a:t>
+              <a:t>2019/9/3</a:t>
             </a:fld>
             <a:endParaRPr kumimoji="1" lang="ja-JP" altLang="en-US"/>
           </a:p>
@@ -1198,7 +1198,7 @@
           <a:p>
             <a:fld id="{B7E48A73-9369-4B88-BBE6-B1D33CBD5F01}" type="datetimeFigureOut">
               <a:rPr kumimoji="1" lang="ja-JP" altLang="en-US" smtClean="0"/>
-              <a:t>2019/8/18</a:t>
+              <a:t>2019/9/3</a:t>
             </a:fld>
             <a:endParaRPr kumimoji="1" lang="ja-JP" altLang="en-US"/>
           </a:p>
@@ -1428,7 +1428,7 @@
           <a:p>
             <a:fld id="{B7E48A73-9369-4B88-BBE6-B1D33CBD5F01}" type="datetimeFigureOut">
               <a:rPr kumimoji="1" lang="ja-JP" altLang="en-US" smtClean="0"/>
-              <a:t>2019/8/18</a:t>
+              <a:t>2019/9/3</a:t>
             </a:fld>
             <a:endParaRPr kumimoji="1" lang="ja-JP" altLang="en-US"/>
           </a:p>
@@ -1703,7 +1703,7 @@
           <a:p>
             <a:fld id="{B7E48A73-9369-4B88-BBE6-B1D33CBD5F01}" type="datetimeFigureOut">
               <a:rPr kumimoji="1" lang="ja-JP" altLang="en-US" smtClean="0"/>
-              <a:t>2019/8/18</a:t>
+              <a:t>2019/9/3</a:t>
             </a:fld>
             <a:endParaRPr kumimoji="1" lang="ja-JP" altLang="en-US"/>
           </a:p>
@@ -2032,7 +2032,7 @@
           <a:p>
             <a:fld id="{B7E48A73-9369-4B88-BBE6-B1D33CBD5F01}" type="datetimeFigureOut">
               <a:rPr kumimoji="1" lang="ja-JP" altLang="en-US" smtClean="0"/>
-              <a:t>2019/8/18</a:t>
+              <a:t>2019/9/3</a:t>
             </a:fld>
             <a:endParaRPr kumimoji="1" lang="ja-JP" altLang="en-US"/>
           </a:p>
@@ -2508,7 +2508,7 @@
           <a:p>
             <a:fld id="{B7E48A73-9369-4B88-BBE6-B1D33CBD5F01}" type="datetimeFigureOut">
               <a:rPr kumimoji="1" lang="ja-JP" altLang="en-US" smtClean="0"/>
-              <a:t>2019/8/18</a:t>
+              <a:t>2019/9/3</a:t>
             </a:fld>
             <a:endParaRPr kumimoji="1" lang="ja-JP" altLang="en-US"/>
           </a:p>
@@ -2649,7 +2649,7 @@
           <a:p>
             <a:fld id="{B7E48A73-9369-4B88-BBE6-B1D33CBD5F01}" type="datetimeFigureOut">
               <a:rPr kumimoji="1" lang="ja-JP" altLang="en-US" smtClean="0"/>
-              <a:t>2019/8/18</a:t>
+              <a:t>2019/9/3</a:t>
             </a:fld>
             <a:endParaRPr kumimoji="1" lang="ja-JP" altLang="en-US"/>
           </a:p>
@@ -2762,7 +2762,7 @@
           <a:p>
             <a:fld id="{B7E48A73-9369-4B88-BBE6-B1D33CBD5F01}" type="datetimeFigureOut">
               <a:rPr kumimoji="1" lang="ja-JP" altLang="en-US" smtClean="0"/>
-              <a:t>2019/8/18</a:t>
+              <a:t>2019/9/3</a:t>
             </a:fld>
             <a:endParaRPr kumimoji="1" lang="ja-JP" altLang="en-US"/>
           </a:p>
@@ -3105,7 +3105,7 @@
           <a:p>
             <a:fld id="{B7E48A73-9369-4B88-BBE6-B1D33CBD5F01}" type="datetimeFigureOut">
               <a:rPr kumimoji="1" lang="ja-JP" altLang="en-US" smtClean="0"/>
-              <a:t>2019/8/18</a:t>
+              <a:t>2019/9/3</a:t>
             </a:fld>
             <a:endParaRPr kumimoji="1" lang="ja-JP" altLang="en-US"/>
           </a:p>
@@ -3393,7 +3393,7 @@
           <a:p>
             <a:fld id="{B7E48A73-9369-4B88-BBE6-B1D33CBD5F01}" type="datetimeFigureOut">
               <a:rPr kumimoji="1" lang="ja-JP" altLang="en-US" smtClean="0"/>
-              <a:t>2019/8/18</a:t>
+              <a:t>2019/9/3</a:t>
             </a:fld>
             <a:endParaRPr kumimoji="1" lang="ja-JP" altLang="en-US"/>
           </a:p>
@@ -3666,7 +3666,7 @@
           <a:p>
             <a:fld id="{B7E48A73-9369-4B88-BBE6-B1D33CBD5F01}" type="datetimeFigureOut">
               <a:rPr kumimoji="1" lang="ja-JP" altLang="en-US" smtClean="0"/>
-              <a:t>2019/8/18</a:t>
+              <a:t>2019/9/3</a:t>
             </a:fld>
             <a:endParaRPr kumimoji="1" lang="ja-JP" altLang="en-US"/>
           </a:p>
@@ -29877,6 +29877,92 @@
           </a:extLst>
         </p:spPr>
       </p:pic>
+      <p:sp>
+        <p:nvSpPr>
+          <p:cNvPr id="135" name="正方形/長方形 134">
+            <a:extLst>
+              <a:ext uri="{FF2B5EF4-FFF2-40B4-BE49-F238E27FC236}">
+                <a16:creationId xmlns:a16="http://schemas.microsoft.com/office/drawing/2014/main" id="{D7339D5B-52D2-470E-BC32-B77E2C3A64B3}"/>
+              </a:ext>
+            </a:extLst>
+          </p:cNvPr>
+          <p:cNvSpPr/>
+          <p:nvPr/>
+        </p:nvSpPr>
+        <p:spPr>
+          <a:xfrm>
+            <a:off x="8461137" y="4799783"/>
+            <a:ext cx="1853541" cy="523220"/>
+          </a:xfrm>
+          <a:prstGeom prst="rect">
+            <a:avLst/>
+          </a:prstGeom>
+          <a:solidFill>
+            <a:srgbClr val="0070C0"/>
+          </a:solidFill>
+        </p:spPr>
+        <p:txBody>
+          <a:bodyPr wrap="square">
+            <a:spAutoFit/>
+          </a:bodyPr>
+          <a:lstStyle/>
+          <a:p>
+            <a:pPr algn="ctr"/>
+            <a:r>
+              <a:rPr lang="en-US" altLang="ja-JP" sz="2800" dirty="0">
+                <a:solidFill>
+                  <a:srgbClr val="00B0F0"/>
+                </a:solidFill>
+                <a:latin typeface="Bauhaus 93" panose="04030905020B02020C02" pitchFamily="82" charset="0"/>
+                <a:ea typeface="ＭＳ Ｐゴシック" panose="020B0600070205080204" pitchFamily="50" charset="-128"/>
+              </a:rPr>
+              <a:t>AY-3-8910</a:t>
+            </a:r>
+          </a:p>
+        </p:txBody>
+      </p:sp>
+      <p:sp>
+        <p:nvSpPr>
+          <p:cNvPr id="136" name="正方形/長方形 135">
+            <a:extLst>
+              <a:ext uri="{FF2B5EF4-FFF2-40B4-BE49-F238E27FC236}">
+                <a16:creationId xmlns:a16="http://schemas.microsoft.com/office/drawing/2014/main" id="{9C3BE605-B9F5-45EA-9FD5-39763655F0A1}"/>
+              </a:ext>
+            </a:extLst>
+          </p:cNvPr>
+          <p:cNvSpPr/>
+          <p:nvPr/>
+        </p:nvSpPr>
+        <p:spPr>
+          <a:xfrm>
+            <a:off x="8419832" y="4753318"/>
+            <a:ext cx="1853541" cy="523220"/>
+          </a:xfrm>
+          <a:prstGeom prst="rect">
+            <a:avLst/>
+          </a:prstGeom>
+          <a:noFill/>
+        </p:spPr>
+        <p:txBody>
+          <a:bodyPr wrap="square">
+            <a:spAutoFit/>
+          </a:bodyPr>
+          <a:lstStyle/>
+          <a:p>
+            <a:pPr algn="ctr"/>
+            <a:r>
+              <a:rPr lang="en-US" altLang="ja-JP" sz="2800" dirty="0">
+                <a:solidFill>
+                  <a:schemeClr val="bg1"/>
+                </a:solidFill>
+                <a:latin typeface="Bauhaus 93" panose="04030905020B02020C02" pitchFamily="82" charset="0"/>
+                <a:ea typeface="ＭＳ Ｐゴシック" panose="020B0600070205080204" pitchFamily="50" charset="-128"/>
+              </a:rPr>
+              <a:t>AY-3-8910</a:t>
+            </a:r>
+          </a:p>
+        </p:txBody>
+      </p:sp>
     </p:spTree>
     <p:extLst>
       <p:ext uri="{BB962C8B-B14F-4D97-AF65-F5344CB8AC3E}">

--- a/src/mamidimemo/Data/Images.pptx
+++ b/src/mamidimemo/Data/Images.pptx
@@ -5,11 +5,12 @@
     <p:sldMasterId id="2147483648" r:id="rId1"/>
   </p:sldMasterIdLst>
   <p:notesMasterIdLst>
-    <p:notesMasterId r:id="rId4"/>
+    <p:notesMasterId r:id="rId5"/>
   </p:notesMasterIdLst>
   <p:sldIdLst>
     <p:sldId id="256" r:id="rId2"/>
-    <p:sldId id="257" r:id="rId3"/>
+    <p:sldId id="258" r:id="rId3"/>
+    <p:sldId id="257" r:id="rId4"/>
   </p:sldIdLst>
   <p:sldSz cx="12192000" cy="6858000"/>
   <p:notesSz cx="6858000" cy="9144000"/>
@@ -198,7 +199,7 @@
           <a:p>
             <a:fld id="{FD0ADE19-EE5F-4EAE-BCEC-0B5F9244BB48}" type="datetimeFigureOut">
               <a:rPr kumimoji="1" lang="ja-JP" altLang="en-US" smtClean="0"/>
-              <a:t>2019/9/3</a:t>
+              <a:t>2019/9/14</a:t>
             </a:fld>
             <a:endParaRPr kumimoji="1" lang="ja-JP" altLang="en-US"/>
           </a:p>
@@ -728,7 +729,7 @@
           <a:p>
             <a:fld id="{B7E48A73-9369-4B88-BBE6-B1D33CBD5F01}" type="datetimeFigureOut">
               <a:rPr kumimoji="1" lang="ja-JP" altLang="en-US" smtClean="0"/>
-              <a:t>2019/9/3</a:t>
+              <a:t>2019/9/14</a:t>
             </a:fld>
             <a:endParaRPr kumimoji="1" lang="ja-JP" altLang="en-US"/>
           </a:p>
@@ -958,7 +959,7 @@
           <a:p>
             <a:fld id="{B7E48A73-9369-4B88-BBE6-B1D33CBD5F01}" type="datetimeFigureOut">
               <a:rPr kumimoji="1" lang="ja-JP" altLang="en-US" smtClean="0"/>
-              <a:t>2019/9/3</a:t>
+              <a:t>2019/9/14</a:t>
             </a:fld>
             <a:endParaRPr kumimoji="1" lang="ja-JP" altLang="en-US"/>
           </a:p>
@@ -1198,7 +1199,7 @@
           <a:p>
             <a:fld id="{B7E48A73-9369-4B88-BBE6-B1D33CBD5F01}" type="datetimeFigureOut">
               <a:rPr kumimoji="1" lang="ja-JP" altLang="en-US" smtClean="0"/>
-              <a:t>2019/9/3</a:t>
+              <a:t>2019/9/14</a:t>
             </a:fld>
             <a:endParaRPr kumimoji="1" lang="ja-JP" altLang="en-US"/>
           </a:p>
@@ -1428,7 +1429,7 @@
           <a:p>
             <a:fld id="{B7E48A73-9369-4B88-BBE6-B1D33CBD5F01}" type="datetimeFigureOut">
               <a:rPr kumimoji="1" lang="ja-JP" altLang="en-US" smtClean="0"/>
-              <a:t>2019/9/3</a:t>
+              <a:t>2019/9/14</a:t>
             </a:fld>
             <a:endParaRPr kumimoji="1" lang="ja-JP" altLang="en-US"/>
           </a:p>
@@ -1703,7 +1704,7 @@
           <a:p>
             <a:fld id="{B7E48A73-9369-4B88-BBE6-B1D33CBD5F01}" type="datetimeFigureOut">
               <a:rPr kumimoji="1" lang="ja-JP" altLang="en-US" smtClean="0"/>
-              <a:t>2019/9/3</a:t>
+              <a:t>2019/9/14</a:t>
             </a:fld>
             <a:endParaRPr kumimoji="1" lang="ja-JP" altLang="en-US"/>
           </a:p>
@@ -2032,7 +2033,7 @@
           <a:p>
             <a:fld id="{B7E48A73-9369-4B88-BBE6-B1D33CBD5F01}" type="datetimeFigureOut">
               <a:rPr kumimoji="1" lang="ja-JP" altLang="en-US" smtClean="0"/>
-              <a:t>2019/9/3</a:t>
+              <a:t>2019/9/14</a:t>
             </a:fld>
             <a:endParaRPr kumimoji="1" lang="ja-JP" altLang="en-US"/>
           </a:p>
@@ -2508,7 +2509,7 @@
           <a:p>
             <a:fld id="{B7E48A73-9369-4B88-BBE6-B1D33CBD5F01}" type="datetimeFigureOut">
               <a:rPr kumimoji="1" lang="ja-JP" altLang="en-US" smtClean="0"/>
-              <a:t>2019/9/3</a:t>
+              <a:t>2019/9/14</a:t>
             </a:fld>
             <a:endParaRPr kumimoji="1" lang="ja-JP" altLang="en-US"/>
           </a:p>
@@ -2649,7 +2650,7 @@
           <a:p>
             <a:fld id="{B7E48A73-9369-4B88-BBE6-B1D33CBD5F01}" type="datetimeFigureOut">
               <a:rPr kumimoji="1" lang="ja-JP" altLang="en-US" smtClean="0"/>
-              <a:t>2019/9/3</a:t>
+              <a:t>2019/9/14</a:t>
             </a:fld>
             <a:endParaRPr kumimoji="1" lang="ja-JP" altLang="en-US"/>
           </a:p>
@@ -2762,7 +2763,7 @@
           <a:p>
             <a:fld id="{B7E48A73-9369-4B88-BBE6-B1D33CBD5F01}" type="datetimeFigureOut">
               <a:rPr kumimoji="1" lang="ja-JP" altLang="en-US" smtClean="0"/>
-              <a:t>2019/9/3</a:t>
+              <a:t>2019/9/14</a:t>
             </a:fld>
             <a:endParaRPr kumimoji="1" lang="ja-JP" altLang="en-US"/>
           </a:p>
@@ -3105,7 +3106,7 @@
           <a:p>
             <a:fld id="{B7E48A73-9369-4B88-BBE6-B1D33CBD5F01}" type="datetimeFigureOut">
               <a:rPr kumimoji="1" lang="ja-JP" altLang="en-US" smtClean="0"/>
-              <a:t>2019/9/3</a:t>
+              <a:t>2019/9/14</a:t>
             </a:fld>
             <a:endParaRPr kumimoji="1" lang="ja-JP" altLang="en-US"/>
           </a:p>
@@ -3393,7 +3394,7 @@
           <a:p>
             <a:fld id="{B7E48A73-9369-4B88-BBE6-B1D33CBD5F01}" type="datetimeFigureOut">
               <a:rPr kumimoji="1" lang="ja-JP" altLang="en-US" smtClean="0"/>
-              <a:t>2019/9/3</a:t>
+              <a:t>2019/9/14</a:t>
             </a:fld>
             <a:endParaRPr kumimoji="1" lang="ja-JP" altLang="en-US"/>
           </a:p>
@@ -3666,7 +3667,7 @@
           <a:p>
             <a:fld id="{B7E48A73-9369-4B88-BBE6-B1D33CBD5F01}" type="datetimeFigureOut">
               <a:rPr kumimoji="1" lang="ja-JP" altLang="en-US" smtClean="0"/>
-              <a:t>2019/9/3</a:t>
+              <a:t>2019/9/14</a:t>
             </a:fld>
             <a:endParaRPr kumimoji="1" lang="ja-JP" altLang="en-US"/>
           </a:p>
@@ -29993,6 +29994,1762 @@
           <a:chExt cx="0" cy="0"/>
         </a:xfrm>
       </p:grpSpPr>
+      <p:grpSp>
+        <p:nvGrpSpPr>
+          <p:cNvPr id="13" name="グループ化 12">
+            <a:extLst>
+              <a:ext uri="{FF2B5EF4-FFF2-40B4-BE49-F238E27FC236}">
+                <a16:creationId xmlns:a16="http://schemas.microsoft.com/office/drawing/2014/main" id="{325FBDDD-039D-4390-8F6B-02121036DD38}"/>
+              </a:ext>
+            </a:extLst>
+          </p:cNvPr>
+          <p:cNvGrpSpPr/>
+          <p:nvPr/>
+        </p:nvGrpSpPr>
+        <p:grpSpPr>
+          <a:xfrm>
+            <a:off x="3288136" y="1757681"/>
+            <a:ext cx="3315211" cy="1044786"/>
+            <a:chOff x="3288136" y="1757681"/>
+            <a:chExt cx="3315211" cy="1044786"/>
+          </a:xfrm>
+        </p:grpSpPr>
+        <p:sp>
+          <p:nvSpPr>
+            <p:cNvPr id="6" name="正方形/長方形 5">
+              <a:extLst>
+                <a:ext uri="{FF2B5EF4-FFF2-40B4-BE49-F238E27FC236}">
+                  <a16:creationId xmlns:a16="http://schemas.microsoft.com/office/drawing/2014/main" id="{9953208D-3440-466E-858B-FB22A0186960}"/>
+                </a:ext>
+              </a:extLst>
+            </p:cNvPr>
+            <p:cNvSpPr/>
+            <p:nvPr/>
+          </p:nvSpPr>
+          <p:spPr>
+            <a:xfrm>
+              <a:off x="3288136" y="1757681"/>
+              <a:ext cx="270088" cy="1044786"/>
+            </a:xfrm>
+            <a:prstGeom prst="rect">
+              <a:avLst/>
+            </a:prstGeom>
+          </p:spPr>
+          <p:style>
+            <a:lnRef idx="2">
+              <a:schemeClr val="dk1">
+                <a:shade val="50000"/>
+              </a:schemeClr>
+            </a:lnRef>
+            <a:fillRef idx="1">
+              <a:schemeClr val="dk1"/>
+            </a:fillRef>
+            <a:effectRef idx="0">
+              <a:schemeClr val="dk1"/>
+            </a:effectRef>
+            <a:fontRef idx="minor">
+              <a:schemeClr val="lt1"/>
+            </a:fontRef>
+          </p:style>
+          <p:txBody>
+            <a:bodyPr rtlCol="0" anchor="ctr"/>
+            <a:lstStyle/>
+            <a:p>
+              <a:pPr algn="ctr"/>
+              <a:endParaRPr kumimoji="1" lang="ja-JP" altLang="en-US"/>
+            </a:p>
+          </p:txBody>
+        </p:sp>
+        <p:sp>
+          <p:nvSpPr>
+            <p:cNvPr id="11" name="フリーフォーム: 図形 10">
+              <a:extLst>
+                <a:ext uri="{FF2B5EF4-FFF2-40B4-BE49-F238E27FC236}">
+                  <a16:creationId xmlns:a16="http://schemas.microsoft.com/office/drawing/2014/main" id="{F9FEB278-D6FA-4783-BF48-F3766181D919}"/>
+                </a:ext>
+              </a:extLst>
+            </p:cNvPr>
+            <p:cNvSpPr/>
+            <p:nvPr/>
+          </p:nvSpPr>
+          <p:spPr>
+            <a:xfrm>
+              <a:off x="4030766" y="1757681"/>
+              <a:ext cx="294110" cy="1044786"/>
+            </a:xfrm>
+            <a:custGeom>
+              <a:avLst/>
+              <a:gdLst>
+                <a:gd name="connsiteX0" fmla="*/ 0 w 294110"/>
+                <a:gd name="connsiteY0" fmla="*/ 0 h 1044786"/>
+                <a:gd name="connsiteX1" fmla="*/ 12011 w 294110"/>
+                <a:gd name="connsiteY1" fmla="*/ 0 h 1044786"/>
+                <a:gd name="connsiteX2" fmla="*/ 294110 w 294110"/>
+                <a:gd name="connsiteY2" fmla="*/ 282099 h 1044786"/>
+                <a:gd name="connsiteX3" fmla="*/ 294109 w 294110"/>
+                <a:gd name="connsiteY3" fmla="*/ 1044786 h 1044786"/>
+                <a:gd name="connsiteX4" fmla="*/ 0 w 294110"/>
+                <a:gd name="connsiteY4" fmla="*/ 1044786 h 1044786"/>
+                <a:gd name="connsiteX5" fmla="*/ 0 w 294110"/>
+                <a:gd name="connsiteY5" fmla="*/ 0 h 1044786"/>
+              </a:gdLst>
+              <a:ahLst/>
+              <a:cxnLst>
+                <a:cxn ang="0">
+                  <a:pos x="connsiteX0" y="connsiteY0"/>
+                </a:cxn>
+                <a:cxn ang="0">
+                  <a:pos x="connsiteX1" y="connsiteY1"/>
+                </a:cxn>
+                <a:cxn ang="0">
+                  <a:pos x="connsiteX2" y="connsiteY2"/>
+                </a:cxn>
+                <a:cxn ang="0">
+                  <a:pos x="connsiteX3" y="connsiteY3"/>
+                </a:cxn>
+                <a:cxn ang="0">
+                  <a:pos x="connsiteX4" y="connsiteY4"/>
+                </a:cxn>
+                <a:cxn ang="0">
+                  <a:pos x="connsiteX5" y="connsiteY5"/>
+                </a:cxn>
+              </a:cxnLst>
+              <a:rect l="l" t="t" r="r" b="b"/>
+              <a:pathLst>
+                <a:path w="294110" h="1044786">
+                  <a:moveTo>
+                    <a:pt x="0" y="0"/>
+                  </a:moveTo>
+                  <a:lnTo>
+                    <a:pt x="12011" y="0"/>
+                  </a:lnTo>
+                  <a:cubicBezTo>
+                    <a:pt x="167810" y="0"/>
+                    <a:pt x="294110" y="126300"/>
+                    <a:pt x="294110" y="282099"/>
+                  </a:cubicBezTo>
+                  <a:cubicBezTo>
+                    <a:pt x="294110" y="536328"/>
+                    <a:pt x="294109" y="790557"/>
+                    <a:pt x="294109" y="1044786"/>
+                  </a:cubicBezTo>
+                  <a:lnTo>
+                    <a:pt x="0" y="1044786"/>
+                  </a:lnTo>
+                  <a:lnTo>
+                    <a:pt x="0" y="0"/>
+                  </a:lnTo>
+                  <a:close/>
+                </a:path>
+              </a:pathLst>
+            </a:custGeom>
+          </p:spPr>
+          <p:style>
+            <a:lnRef idx="2">
+              <a:schemeClr val="dk1">
+                <a:shade val="50000"/>
+              </a:schemeClr>
+            </a:lnRef>
+            <a:fillRef idx="1">
+              <a:schemeClr val="dk1"/>
+            </a:fillRef>
+            <a:effectRef idx="0">
+              <a:schemeClr val="dk1"/>
+            </a:effectRef>
+            <a:fontRef idx="minor">
+              <a:schemeClr val="lt1"/>
+            </a:fontRef>
+          </p:style>
+          <p:txBody>
+            <a:bodyPr rtlCol="0" anchor="ctr"/>
+            <a:lstStyle/>
+            <a:p>
+              <a:pPr algn="ctr"/>
+              <a:endParaRPr kumimoji="1" lang="ja-JP" altLang="en-US"/>
+            </a:p>
+          </p:txBody>
+        </p:sp>
+        <p:sp>
+          <p:nvSpPr>
+            <p:cNvPr id="12" name="フリーフォーム: 図形 11">
+              <a:extLst>
+                <a:ext uri="{FF2B5EF4-FFF2-40B4-BE49-F238E27FC236}">
+                  <a16:creationId xmlns:a16="http://schemas.microsoft.com/office/drawing/2014/main" id="{857DA32C-36CC-4D6B-84C0-C16483A264C2}"/>
+                </a:ext>
+              </a:extLst>
+            </p:cNvPr>
+            <p:cNvSpPr/>
+            <p:nvPr/>
+          </p:nvSpPr>
+          <p:spPr>
+            <a:xfrm>
+              <a:off x="3647440" y="1757681"/>
+              <a:ext cx="294110" cy="1044786"/>
+            </a:xfrm>
+            <a:custGeom>
+              <a:avLst/>
+              <a:gdLst>
+                <a:gd name="connsiteX0" fmla="*/ 0 w 294110"/>
+                <a:gd name="connsiteY0" fmla="*/ 0 h 1044786"/>
+                <a:gd name="connsiteX1" fmla="*/ 12011 w 294110"/>
+                <a:gd name="connsiteY1" fmla="*/ 0 h 1044786"/>
+                <a:gd name="connsiteX2" fmla="*/ 294110 w 294110"/>
+                <a:gd name="connsiteY2" fmla="*/ 282099 h 1044786"/>
+                <a:gd name="connsiteX3" fmla="*/ 294109 w 294110"/>
+                <a:gd name="connsiteY3" fmla="*/ 1044786 h 1044786"/>
+                <a:gd name="connsiteX4" fmla="*/ 0 w 294110"/>
+                <a:gd name="connsiteY4" fmla="*/ 1044786 h 1044786"/>
+                <a:gd name="connsiteX5" fmla="*/ 0 w 294110"/>
+                <a:gd name="connsiteY5" fmla="*/ 0 h 1044786"/>
+              </a:gdLst>
+              <a:ahLst/>
+              <a:cxnLst>
+                <a:cxn ang="0">
+                  <a:pos x="connsiteX0" y="connsiteY0"/>
+                </a:cxn>
+                <a:cxn ang="0">
+                  <a:pos x="connsiteX1" y="connsiteY1"/>
+                </a:cxn>
+                <a:cxn ang="0">
+                  <a:pos x="connsiteX2" y="connsiteY2"/>
+                </a:cxn>
+                <a:cxn ang="0">
+                  <a:pos x="connsiteX3" y="connsiteY3"/>
+                </a:cxn>
+                <a:cxn ang="0">
+                  <a:pos x="connsiteX4" y="connsiteY4"/>
+                </a:cxn>
+                <a:cxn ang="0">
+                  <a:pos x="connsiteX5" y="connsiteY5"/>
+                </a:cxn>
+              </a:cxnLst>
+              <a:rect l="l" t="t" r="r" b="b"/>
+              <a:pathLst>
+                <a:path w="294110" h="1044786">
+                  <a:moveTo>
+                    <a:pt x="0" y="0"/>
+                  </a:moveTo>
+                  <a:lnTo>
+                    <a:pt x="12011" y="0"/>
+                  </a:lnTo>
+                  <a:cubicBezTo>
+                    <a:pt x="167810" y="0"/>
+                    <a:pt x="294110" y="126300"/>
+                    <a:pt x="294110" y="282099"/>
+                  </a:cubicBezTo>
+                  <a:cubicBezTo>
+                    <a:pt x="294110" y="536328"/>
+                    <a:pt x="294109" y="790557"/>
+                    <a:pt x="294109" y="1044786"/>
+                  </a:cubicBezTo>
+                  <a:lnTo>
+                    <a:pt x="0" y="1044786"/>
+                  </a:lnTo>
+                  <a:lnTo>
+                    <a:pt x="0" y="0"/>
+                  </a:lnTo>
+                  <a:close/>
+                </a:path>
+              </a:pathLst>
+            </a:custGeom>
+          </p:spPr>
+          <p:style>
+            <a:lnRef idx="2">
+              <a:schemeClr val="dk1">
+                <a:shade val="50000"/>
+              </a:schemeClr>
+            </a:lnRef>
+            <a:fillRef idx="1">
+              <a:schemeClr val="dk1"/>
+            </a:fillRef>
+            <a:effectRef idx="0">
+              <a:schemeClr val="dk1"/>
+            </a:effectRef>
+            <a:fontRef idx="minor">
+              <a:schemeClr val="lt1"/>
+            </a:fontRef>
+          </p:style>
+          <p:txBody>
+            <a:bodyPr rtlCol="0" anchor="ctr"/>
+            <a:lstStyle/>
+            <a:p>
+              <a:pPr algn="ctr"/>
+              <a:endParaRPr kumimoji="1" lang="ja-JP" altLang="en-US"/>
+            </a:p>
+          </p:txBody>
+        </p:sp>
+        <p:sp>
+          <p:nvSpPr>
+            <p:cNvPr id="7" name="楕円 6">
+              <a:extLst>
+                <a:ext uri="{FF2B5EF4-FFF2-40B4-BE49-F238E27FC236}">
+                  <a16:creationId xmlns:a16="http://schemas.microsoft.com/office/drawing/2014/main" id="{A93CD2D2-DA28-4646-AC61-6EF91789C578}"/>
+                </a:ext>
+              </a:extLst>
+            </p:cNvPr>
+            <p:cNvSpPr/>
+            <p:nvPr/>
+          </p:nvSpPr>
+          <p:spPr>
+            <a:xfrm>
+              <a:off x="4414092" y="1757681"/>
+              <a:ext cx="1055253" cy="1044786"/>
+            </a:xfrm>
+            <a:prstGeom prst="ellipse">
+              <a:avLst/>
+            </a:prstGeom>
+          </p:spPr>
+          <p:style>
+            <a:lnRef idx="2">
+              <a:schemeClr val="dk1">
+                <a:shade val="50000"/>
+              </a:schemeClr>
+            </a:lnRef>
+            <a:fillRef idx="1">
+              <a:schemeClr val="dk1"/>
+            </a:fillRef>
+            <a:effectRef idx="0">
+              <a:schemeClr val="dk1"/>
+            </a:effectRef>
+            <a:fontRef idx="minor">
+              <a:schemeClr val="lt1"/>
+            </a:fontRef>
+          </p:style>
+          <p:txBody>
+            <a:bodyPr rtlCol="0" anchor="ctr"/>
+            <a:lstStyle/>
+            <a:p>
+              <a:pPr algn="ctr"/>
+              <a:endParaRPr kumimoji="1" lang="ja-JP" altLang="en-US"/>
+            </a:p>
+          </p:txBody>
+        </p:sp>
+        <p:sp>
+          <p:nvSpPr>
+            <p:cNvPr id="14" name="フリーフォーム: 図形 13">
+              <a:extLst>
+                <a:ext uri="{FF2B5EF4-FFF2-40B4-BE49-F238E27FC236}">
+                  <a16:creationId xmlns:a16="http://schemas.microsoft.com/office/drawing/2014/main" id="{51D49ADF-AB9C-4667-B1E9-FDAAC2147563}"/>
+                </a:ext>
+              </a:extLst>
+            </p:cNvPr>
+            <p:cNvSpPr/>
+            <p:nvPr/>
+          </p:nvSpPr>
+          <p:spPr>
+            <a:xfrm rot="5400000">
+              <a:off x="5933899" y="2133019"/>
+              <a:ext cx="294110" cy="1044786"/>
+            </a:xfrm>
+            <a:custGeom>
+              <a:avLst/>
+              <a:gdLst>
+                <a:gd name="connsiteX0" fmla="*/ 0 w 294110"/>
+                <a:gd name="connsiteY0" fmla="*/ 0 h 1044786"/>
+                <a:gd name="connsiteX1" fmla="*/ 12011 w 294110"/>
+                <a:gd name="connsiteY1" fmla="*/ 0 h 1044786"/>
+                <a:gd name="connsiteX2" fmla="*/ 294110 w 294110"/>
+                <a:gd name="connsiteY2" fmla="*/ 282099 h 1044786"/>
+                <a:gd name="connsiteX3" fmla="*/ 294109 w 294110"/>
+                <a:gd name="connsiteY3" fmla="*/ 1044786 h 1044786"/>
+                <a:gd name="connsiteX4" fmla="*/ 0 w 294110"/>
+                <a:gd name="connsiteY4" fmla="*/ 1044786 h 1044786"/>
+                <a:gd name="connsiteX5" fmla="*/ 0 w 294110"/>
+                <a:gd name="connsiteY5" fmla="*/ 0 h 1044786"/>
+              </a:gdLst>
+              <a:ahLst/>
+              <a:cxnLst>
+                <a:cxn ang="0">
+                  <a:pos x="connsiteX0" y="connsiteY0"/>
+                </a:cxn>
+                <a:cxn ang="0">
+                  <a:pos x="connsiteX1" y="connsiteY1"/>
+                </a:cxn>
+                <a:cxn ang="0">
+                  <a:pos x="connsiteX2" y="connsiteY2"/>
+                </a:cxn>
+                <a:cxn ang="0">
+                  <a:pos x="connsiteX3" y="connsiteY3"/>
+                </a:cxn>
+                <a:cxn ang="0">
+                  <a:pos x="connsiteX4" y="connsiteY4"/>
+                </a:cxn>
+                <a:cxn ang="0">
+                  <a:pos x="connsiteX5" y="connsiteY5"/>
+                </a:cxn>
+              </a:cxnLst>
+              <a:rect l="l" t="t" r="r" b="b"/>
+              <a:pathLst>
+                <a:path w="294110" h="1044786">
+                  <a:moveTo>
+                    <a:pt x="0" y="0"/>
+                  </a:moveTo>
+                  <a:lnTo>
+                    <a:pt x="12011" y="0"/>
+                  </a:lnTo>
+                  <a:cubicBezTo>
+                    <a:pt x="167810" y="0"/>
+                    <a:pt x="294110" y="126300"/>
+                    <a:pt x="294110" y="282099"/>
+                  </a:cubicBezTo>
+                  <a:cubicBezTo>
+                    <a:pt x="294110" y="536328"/>
+                    <a:pt x="294109" y="790557"/>
+                    <a:pt x="294109" y="1044786"/>
+                  </a:cubicBezTo>
+                  <a:lnTo>
+                    <a:pt x="0" y="1044786"/>
+                  </a:lnTo>
+                  <a:lnTo>
+                    <a:pt x="0" y="0"/>
+                  </a:lnTo>
+                  <a:close/>
+                </a:path>
+              </a:pathLst>
+            </a:custGeom>
+          </p:spPr>
+          <p:style>
+            <a:lnRef idx="2">
+              <a:schemeClr val="dk1">
+                <a:shade val="50000"/>
+              </a:schemeClr>
+            </a:lnRef>
+            <a:fillRef idx="1">
+              <a:schemeClr val="dk1"/>
+            </a:fillRef>
+            <a:effectRef idx="0">
+              <a:schemeClr val="dk1"/>
+            </a:effectRef>
+            <a:fontRef idx="minor">
+              <a:schemeClr val="lt1"/>
+            </a:fontRef>
+          </p:style>
+          <p:txBody>
+            <a:bodyPr rtlCol="0" anchor="ctr"/>
+            <a:lstStyle/>
+            <a:p>
+              <a:pPr algn="ctr"/>
+              <a:endParaRPr kumimoji="1" lang="ja-JP" altLang="en-US"/>
+            </a:p>
+          </p:txBody>
+        </p:sp>
+        <p:sp>
+          <p:nvSpPr>
+            <p:cNvPr id="15" name="正方形/長方形 14">
+              <a:extLst>
+                <a:ext uri="{FF2B5EF4-FFF2-40B4-BE49-F238E27FC236}">
+                  <a16:creationId xmlns:a16="http://schemas.microsoft.com/office/drawing/2014/main" id="{0FD46A35-1FE3-4D83-8E58-84F14EB14034}"/>
+                </a:ext>
+              </a:extLst>
+            </p:cNvPr>
+            <p:cNvSpPr/>
+            <p:nvPr/>
+          </p:nvSpPr>
+          <p:spPr>
+            <a:xfrm rot="5400000">
+              <a:off x="5944170" y="1757681"/>
+              <a:ext cx="270088" cy="1044786"/>
+            </a:xfrm>
+            <a:prstGeom prst="rect">
+              <a:avLst/>
+            </a:prstGeom>
+          </p:spPr>
+          <p:style>
+            <a:lnRef idx="2">
+              <a:schemeClr val="dk1">
+                <a:shade val="50000"/>
+              </a:schemeClr>
+            </a:lnRef>
+            <a:fillRef idx="1">
+              <a:schemeClr val="dk1"/>
+            </a:fillRef>
+            <a:effectRef idx="0">
+              <a:schemeClr val="dk1"/>
+            </a:effectRef>
+            <a:fontRef idx="minor">
+              <a:schemeClr val="lt1"/>
+            </a:fontRef>
+          </p:style>
+          <p:txBody>
+            <a:bodyPr rtlCol="0" anchor="ctr"/>
+            <a:lstStyle/>
+            <a:p>
+              <a:pPr algn="ctr"/>
+              <a:endParaRPr kumimoji="1" lang="ja-JP" altLang="en-US"/>
+            </a:p>
+          </p:txBody>
+        </p:sp>
+        <p:sp>
+          <p:nvSpPr>
+            <p:cNvPr id="16" name="フリーフォーム: 図形 15">
+              <a:extLst>
+                <a:ext uri="{FF2B5EF4-FFF2-40B4-BE49-F238E27FC236}">
+                  <a16:creationId xmlns:a16="http://schemas.microsoft.com/office/drawing/2014/main" id="{E7F404D1-BCB2-4F23-AD67-121A5E68D63A}"/>
+                </a:ext>
+              </a:extLst>
+            </p:cNvPr>
+            <p:cNvSpPr/>
+            <p:nvPr/>
+          </p:nvSpPr>
+          <p:spPr>
+            <a:xfrm rot="16200000">
+              <a:off x="5932159" y="1388087"/>
+              <a:ext cx="294110" cy="1044786"/>
+            </a:xfrm>
+            <a:custGeom>
+              <a:avLst/>
+              <a:gdLst>
+                <a:gd name="connsiteX0" fmla="*/ 0 w 294110"/>
+                <a:gd name="connsiteY0" fmla="*/ 0 h 1044786"/>
+                <a:gd name="connsiteX1" fmla="*/ 12011 w 294110"/>
+                <a:gd name="connsiteY1" fmla="*/ 0 h 1044786"/>
+                <a:gd name="connsiteX2" fmla="*/ 294110 w 294110"/>
+                <a:gd name="connsiteY2" fmla="*/ 282099 h 1044786"/>
+                <a:gd name="connsiteX3" fmla="*/ 294109 w 294110"/>
+                <a:gd name="connsiteY3" fmla="*/ 1044786 h 1044786"/>
+                <a:gd name="connsiteX4" fmla="*/ 0 w 294110"/>
+                <a:gd name="connsiteY4" fmla="*/ 1044786 h 1044786"/>
+                <a:gd name="connsiteX5" fmla="*/ 0 w 294110"/>
+                <a:gd name="connsiteY5" fmla="*/ 0 h 1044786"/>
+              </a:gdLst>
+              <a:ahLst/>
+              <a:cxnLst>
+                <a:cxn ang="0">
+                  <a:pos x="connsiteX0" y="connsiteY0"/>
+                </a:cxn>
+                <a:cxn ang="0">
+                  <a:pos x="connsiteX1" y="connsiteY1"/>
+                </a:cxn>
+                <a:cxn ang="0">
+                  <a:pos x="connsiteX2" y="connsiteY2"/>
+                </a:cxn>
+                <a:cxn ang="0">
+                  <a:pos x="connsiteX3" y="connsiteY3"/>
+                </a:cxn>
+                <a:cxn ang="0">
+                  <a:pos x="connsiteX4" y="connsiteY4"/>
+                </a:cxn>
+                <a:cxn ang="0">
+                  <a:pos x="connsiteX5" y="connsiteY5"/>
+                </a:cxn>
+              </a:cxnLst>
+              <a:rect l="l" t="t" r="r" b="b"/>
+              <a:pathLst>
+                <a:path w="294110" h="1044786">
+                  <a:moveTo>
+                    <a:pt x="0" y="0"/>
+                  </a:moveTo>
+                  <a:lnTo>
+                    <a:pt x="12011" y="0"/>
+                  </a:lnTo>
+                  <a:cubicBezTo>
+                    <a:pt x="167810" y="0"/>
+                    <a:pt x="294110" y="126300"/>
+                    <a:pt x="294110" y="282099"/>
+                  </a:cubicBezTo>
+                  <a:cubicBezTo>
+                    <a:pt x="294110" y="536328"/>
+                    <a:pt x="294109" y="790557"/>
+                    <a:pt x="294109" y="1044786"/>
+                  </a:cubicBezTo>
+                  <a:lnTo>
+                    <a:pt x="0" y="1044786"/>
+                  </a:lnTo>
+                  <a:lnTo>
+                    <a:pt x="0" y="0"/>
+                  </a:lnTo>
+                  <a:close/>
+                </a:path>
+              </a:pathLst>
+            </a:custGeom>
+          </p:spPr>
+          <p:style>
+            <a:lnRef idx="2">
+              <a:schemeClr val="dk1">
+                <a:shade val="50000"/>
+              </a:schemeClr>
+            </a:lnRef>
+            <a:fillRef idx="1">
+              <a:schemeClr val="dk1"/>
+            </a:fillRef>
+            <a:effectRef idx="0">
+              <a:schemeClr val="dk1"/>
+            </a:effectRef>
+            <a:fontRef idx="minor">
+              <a:schemeClr val="lt1"/>
+            </a:fontRef>
+          </p:style>
+          <p:txBody>
+            <a:bodyPr rtlCol="0" anchor="ctr"/>
+            <a:lstStyle/>
+            <a:p>
+              <a:pPr algn="ctr"/>
+              <a:endParaRPr kumimoji="1" lang="ja-JP" altLang="en-US"/>
+            </a:p>
+          </p:txBody>
+        </p:sp>
+      </p:grpSp>
+      <p:grpSp>
+        <p:nvGrpSpPr>
+          <p:cNvPr id="43" name="グループ化 42">
+            <a:extLst>
+              <a:ext uri="{FF2B5EF4-FFF2-40B4-BE49-F238E27FC236}">
+                <a16:creationId xmlns:a16="http://schemas.microsoft.com/office/drawing/2014/main" id="{E5DAB938-FF35-461F-BB75-44C1768CCE93}"/>
+              </a:ext>
+            </a:extLst>
+          </p:cNvPr>
+          <p:cNvGrpSpPr/>
+          <p:nvPr/>
+        </p:nvGrpSpPr>
+        <p:grpSpPr>
+          <a:xfrm>
+            <a:off x="3319850" y="3156782"/>
+            <a:ext cx="655180" cy="981859"/>
+            <a:chOff x="3288136" y="3156782"/>
+            <a:chExt cx="655180" cy="981859"/>
+          </a:xfrm>
+        </p:grpSpPr>
+        <p:sp>
+          <p:nvSpPr>
+            <p:cNvPr id="19" name="部分円 18">
+              <a:extLst>
+                <a:ext uri="{FF2B5EF4-FFF2-40B4-BE49-F238E27FC236}">
+                  <a16:creationId xmlns:a16="http://schemas.microsoft.com/office/drawing/2014/main" id="{559E5BEA-E307-489E-BB35-450D567DD6B2}"/>
+                </a:ext>
+              </a:extLst>
+            </p:cNvPr>
+            <p:cNvSpPr/>
+            <p:nvPr/>
+          </p:nvSpPr>
+          <p:spPr>
+            <a:xfrm rot="10800000">
+              <a:off x="3348082" y="3543407"/>
+              <a:ext cx="595234" cy="595234"/>
+            </a:xfrm>
+            <a:prstGeom prst="pie">
+              <a:avLst>
+                <a:gd name="adj1" fmla="val 5429402"/>
+                <a:gd name="adj2" fmla="val 16200000"/>
+              </a:avLst>
+            </a:prstGeom>
+          </p:spPr>
+          <p:style>
+            <a:lnRef idx="2">
+              <a:schemeClr val="dk1">
+                <a:shade val="50000"/>
+              </a:schemeClr>
+            </a:lnRef>
+            <a:fillRef idx="1">
+              <a:schemeClr val="dk1"/>
+            </a:fillRef>
+            <a:effectRef idx="0">
+              <a:schemeClr val="dk1"/>
+            </a:effectRef>
+            <a:fontRef idx="minor">
+              <a:schemeClr val="lt1"/>
+            </a:fontRef>
+          </p:style>
+          <p:txBody>
+            <a:bodyPr rtlCol="0" anchor="ctr"/>
+            <a:lstStyle/>
+            <a:p>
+              <a:pPr algn="ctr"/>
+              <a:endParaRPr kumimoji="1" lang="ja-JP" altLang="en-US">
+                <a:solidFill>
+                  <a:schemeClr val="tx1"/>
+                </a:solidFill>
+              </a:endParaRPr>
+            </a:p>
+          </p:txBody>
+        </p:sp>
+        <p:sp>
+          <p:nvSpPr>
+            <p:cNvPr id="36" name="フリーフォーム: 図形 35">
+              <a:extLst>
+                <a:ext uri="{FF2B5EF4-FFF2-40B4-BE49-F238E27FC236}">
+                  <a16:creationId xmlns:a16="http://schemas.microsoft.com/office/drawing/2014/main" id="{ED7D8BF9-707D-4D20-B633-23108D996EF8}"/>
+                </a:ext>
+              </a:extLst>
+            </p:cNvPr>
+            <p:cNvSpPr/>
+            <p:nvPr/>
+          </p:nvSpPr>
+          <p:spPr>
+            <a:xfrm flipH="1">
+              <a:off x="3288136" y="3156782"/>
+              <a:ext cx="270088" cy="978352"/>
+            </a:xfrm>
+            <a:custGeom>
+              <a:avLst/>
+              <a:gdLst>
+                <a:gd name="connsiteX0" fmla="*/ 0 w 294110"/>
+                <a:gd name="connsiteY0" fmla="*/ 0 h 1044786"/>
+                <a:gd name="connsiteX1" fmla="*/ 12011 w 294110"/>
+                <a:gd name="connsiteY1" fmla="*/ 0 h 1044786"/>
+                <a:gd name="connsiteX2" fmla="*/ 294110 w 294110"/>
+                <a:gd name="connsiteY2" fmla="*/ 282099 h 1044786"/>
+                <a:gd name="connsiteX3" fmla="*/ 294109 w 294110"/>
+                <a:gd name="connsiteY3" fmla="*/ 1044786 h 1044786"/>
+                <a:gd name="connsiteX4" fmla="*/ 0 w 294110"/>
+                <a:gd name="connsiteY4" fmla="*/ 1044786 h 1044786"/>
+                <a:gd name="connsiteX5" fmla="*/ 0 w 294110"/>
+                <a:gd name="connsiteY5" fmla="*/ 0 h 1044786"/>
+              </a:gdLst>
+              <a:ahLst/>
+              <a:cxnLst>
+                <a:cxn ang="0">
+                  <a:pos x="connsiteX0" y="connsiteY0"/>
+                </a:cxn>
+                <a:cxn ang="0">
+                  <a:pos x="connsiteX1" y="connsiteY1"/>
+                </a:cxn>
+                <a:cxn ang="0">
+                  <a:pos x="connsiteX2" y="connsiteY2"/>
+                </a:cxn>
+                <a:cxn ang="0">
+                  <a:pos x="connsiteX3" y="connsiteY3"/>
+                </a:cxn>
+                <a:cxn ang="0">
+                  <a:pos x="connsiteX4" y="connsiteY4"/>
+                </a:cxn>
+                <a:cxn ang="0">
+                  <a:pos x="connsiteX5" y="connsiteY5"/>
+                </a:cxn>
+              </a:cxnLst>
+              <a:rect l="l" t="t" r="r" b="b"/>
+              <a:pathLst>
+                <a:path w="294110" h="1044786">
+                  <a:moveTo>
+                    <a:pt x="0" y="0"/>
+                  </a:moveTo>
+                  <a:lnTo>
+                    <a:pt x="12011" y="0"/>
+                  </a:lnTo>
+                  <a:cubicBezTo>
+                    <a:pt x="167810" y="0"/>
+                    <a:pt x="294110" y="126300"/>
+                    <a:pt x="294110" y="282099"/>
+                  </a:cubicBezTo>
+                  <a:cubicBezTo>
+                    <a:pt x="294110" y="536328"/>
+                    <a:pt x="294109" y="790557"/>
+                    <a:pt x="294109" y="1044786"/>
+                  </a:cubicBezTo>
+                  <a:lnTo>
+                    <a:pt x="0" y="1044786"/>
+                  </a:lnTo>
+                  <a:lnTo>
+                    <a:pt x="0" y="0"/>
+                  </a:lnTo>
+                  <a:close/>
+                </a:path>
+              </a:pathLst>
+            </a:custGeom>
+          </p:spPr>
+          <p:style>
+            <a:lnRef idx="2">
+              <a:schemeClr val="dk1">
+                <a:shade val="50000"/>
+              </a:schemeClr>
+            </a:lnRef>
+            <a:fillRef idx="1">
+              <a:schemeClr val="dk1"/>
+            </a:fillRef>
+            <a:effectRef idx="0">
+              <a:schemeClr val="dk1"/>
+            </a:effectRef>
+            <a:fontRef idx="minor">
+              <a:schemeClr val="lt1"/>
+            </a:fontRef>
+          </p:style>
+          <p:txBody>
+            <a:bodyPr rtlCol="0" anchor="ctr"/>
+            <a:lstStyle/>
+            <a:p>
+              <a:pPr algn="ctr"/>
+              <a:endParaRPr kumimoji="1" lang="ja-JP" altLang="en-US"/>
+            </a:p>
+          </p:txBody>
+        </p:sp>
+      </p:grpSp>
+      <p:grpSp>
+        <p:nvGrpSpPr>
+          <p:cNvPr id="34" name="グループ化 33">
+            <a:extLst>
+              <a:ext uri="{FF2B5EF4-FFF2-40B4-BE49-F238E27FC236}">
+                <a16:creationId xmlns:a16="http://schemas.microsoft.com/office/drawing/2014/main" id="{62FE1AB7-6AAA-4BE5-B877-C07E781FEF27}"/>
+              </a:ext>
+            </a:extLst>
+          </p:cNvPr>
+          <p:cNvGrpSpPr/>
+          <p:nvPr/>
+        </p:nvGrpSpPr>
+        <p:grpSpPr>
+          <a:xfrm>
+            <a:off x="4218302" y="3120115"/>
+            <a:ext cx="664262" cy="1018526"/>
+            <a:chOff x="4163335" y="3120115"/>
+            <a:chExt cx="664262" cy="1018526"/>
+          </a:xfrm>
+        </p:grpSpPr>
+        <p:sp>
+          <p:nvSpPr>
+            <p:cNvPr id="33" name="正方形/長方形 32">
+              <a:extLst>
+                <a:ext uri="{FF2B5EF4-FFF2-40B4-BE49-F238E27FC236}">
+                  <a16:creationId xmlns:a16="http://schemas.microsoft.com/office/drawing/2014/main" id="{4C6C5C66-1C0E-4DD7-83D0-0E92A85676A0}"/>
+                </a:ext>
+              </a:extLst>
+            </p:cNvPr>
+            <p:cNvSpPr/>
+            <p:nvPr/>
+          </p:nvSpPr>
+          <p:spPr>
+            <a:xfrm>
+              <a:off x="4163335" y="3444939"/>
+              <a:ext cx="270088" cy="356682"/>
+            </a:xfrm>
+            <a:prstGeom prst="rect">
+              <a:avLst/>
+            </a:prstGeom>
+          </p:spPr>
+          <p:style>
+            <a:lnRef idx="2">
+              <a:schemeClr val="dk1">
+                <a:shade val="50000"/>
+              </a:schemeClr>
+            </a:lnRef>
+            <a:fillRef idx="1">
+              <a:schemeClr val="dk1"/>
+            </a:fillRef>
+            <a:effectRef idx="0">
+              <a:schemeClr val="dk1"/>
+            </a:effectRef>
+            <a:fontRef idx="minor">
+              <a:schemeClr val="lt1"/>
+            </a:fontRef>
+          </p:style>
+          <p:txBody>
+            <a:bodyPr rtlCol="0" anchor="ctr"/>
+            <a:lstStyle/>
+            <a:p>
+              <a:pPr algn="ctr"/>
+              <a:endParaRPr kumimoji="1" lang="ja-JP" altLang="en-US"/>
+            </a:p>
+          </p:txBody>
+        </p:sp>
+        <p:sp>
+          <p:nvSpPr>
+            <p:cNvPr id="40" name="フリーフォーム: 図形 39">
+              <a:extLst>
+                <a:ext uri="{FF2B5EF4-FFF2-40B4-BE49-F238E27FC236}">
+                  <a16:creationId xmlns:a16="http://schemas.microsoft.com/office/drawing/2014/main" id="{5C6C3261-6E5F-49B0-8E56-800F08E69820}"/>
+                </a:ext>
+              </a:extLst>
+            </p:cNvPr>
+            <p:cNvSpPr/>
+            <p:nvPr/>
+          </p:nvSpPr>
+          <p:spPr>
+            <a:xfrm rot="16200000">
+              <a:off x="4361796" y="2924401"/>
+              <a:ext cx="270088" cy="661515"/>
+            </a:xfrm>
+            <a:custGeom>
+              <a:avLst/>
+              <a:gdLst>
+                <a:gd name="connsiteX0" fmla="*/ 270088 w 270088"/>
+                <a:gd name="connsiteY0" fmla="*/ 264161 h 661515"/>
+                <a:gd name="connsiteX1" fmla="*/ 270088 w 270088"/>
+                <a:gd name="connsiteY1" fmla="*/ 661515 h 661515"/>
+                <a:gd name="connsiteX2" fmla="*/ 0 w 270088"/>
+                <a:gd name="connsiteY2" fmla="*/ 661515 h 661515"/>
+                <a:gd name="connsiteX3" fmla="*/ 0 w 270088"/>
+                <a:gd name="connsiteY3" fmla="*/ 0 h 661515"/>
+                <a:gd name="connsiteX4" fmla="*/ 11030 w 270088"/>
+                <a:gd name="connsiteY4" fmla="*/ 0 h 661515"/>
+                <a:gd name="connsiteX5" fmla="*/ 270088 w 270088"/>
+                <a:gd name="connsiteY5" fmla="*/ 264161 h 661515"/>
+              </a:gdLst>
+              <a:ahLst/>
+              <a:cxnLst>
+                <a:cxn ang="0">
+                  <a:pos x="connsiteX0" y="connsiteY0"/>
+                </a:cxn>
+                <a:cxn ang="0">
+                  <a:pos x="connsiteX1" y="connsiteY1"/>
+                </a:cxn>
+                <a:cxn ang="0">
+                  <a:pos x="connsiteX2" y="connsiteY2"/>
+                </a:cxn>
+                <a:cxn ang="0">
+                  <a:pos x="connsiteX3" y="connsiteY3"/>
+                </a:cxn>
+                <a:cxn ang="0">
+                  <a:pos x="connsiteX4" y="connsiteY4"/>
+                </a:cxn>
+                <a:cxn ang="0">
+                  <a:pos x="connsiteX5" y="connsiteY5"/>
+                </a:cxn>
+              </a:cxnLst>
+              <a:rect l="l" t="t" r="r" b="b"/>
+              <a:pathLst>
+                <a:path w="270088" h="661515">
+                  <a:moveTo>
+                    <a:pt x="270088" y="264161"/>
+                  </a:moveTo>
+                  <a:lnTo>
+                    <a:pt x="270088" y="661515"/>
+                  </a:lnTo>
+                  <a:lnTo>
+                    <a:pt x="0" y="661515"/>
+                  </a:lnTo>
+                  <a:lnTo>
+                    <a:pt x="0" y="0"/>
+                  </a:lnTo>
+                  <a:lnTo>
+                    <a:pt x="11030" y="0"/>
+                  </a:lnTo>
+                  <a:cubicBezTo>
+                    <a:pt x="154104" y="0"/>
+                    <a:pt x="270088" y="118269"/>
+                    <a:pt x="270088" y="264161"/>
+                  </a:cubicBezTo>
+                  <a:close/>
+                </a:path>
+              </a:pathLst>
+            </a:custGeom>
+          </p:spPr>
+          <p:style>
+            <a:lnRef idx="2">
+              <a:schemeClr val="dk1">
+                <a:shade val="50000"/>
+              </a:schemeClr>
+            </a:lnRef>
+            <a:fillRef idx="1">
+              <a:schemeClr val="dk1"/>
+            </a:fillRef>
+            <a:effectRef idx="0">
+              <a:schemeClr val="dk1"/>
+            </a:effectRef>
+            <a:fontRef idx="minor">
+              <a:schemeClr val="lt1"/>
+            </a:fontRef>
+          </p:style>
+          <p:txBody>
+            <a:bodyPr rtlCol="0" anchor="ctr"/>
+            <a:lstStyle/>
+            <a:p>
+              <a:pPr algn="ctr"/>
+              <a:endParaRPr kumimoji="1" lang="ja-JP" altLang="en-US"/>
+            </a:p>
+          </p:txBody>
+        </p:sp>
+        <p:sp>
+          <p:nvSpPr>
+            <p:cNvPr id="39" name="部分円 38">
+              <a:extLst>
+                <a:ext uri="{FF2B5EF4-FFF2-40B4-BE49-F238E27FC236}">
+                  <a16:creationId xmlns:a16="http://schemas.microsoft.com/office/drawing/2014/main" id="{768B0311-40F9-4D0B-8063-6F8C4D4FDFE4}"/>
+                </a:ext>
+              </a:extLst>
+            </p:cNvPr>
+            <p:cNvSpPr/>
+            <p:nvPr/>
+          </p:nvSpPr>
+          <p:spPr>
+            <a:xfrm rot="10800000">
+              <a:off x="4220121" y="3543407"/>
+              <a:ext cx="595234" cy="595234"/>
+            </a:xfrm>
+            <a:prstGeom prst="pie">
+              <a:avLst>
+                <a:gd name="adj1" fmla="val 5429402"/>
+                <a:gd name="adj2" fmla="val 16200000"/>
+              </a:avLst>
+            </a:prstGeom>
+          </p:spPr>
+          <p:style>
+            <a:lnRef idx="2">
+              <a:schemeClr val="dk1">
+                <a:shade val="50000"/>
+              </a:schemeClr>
+            </a:lnRef>
+            <a:fillRef idx="1">
+              <a:schemeClr val="dk1"/>
+            </a:fillRef>
+            <a:effectRef idx="0">
+              <a:schemeClr val="dk1"/>
+            </a:effectRef>
+            <a:fontRef idx="minor">
+              <a:schemeClr val="lt1"/>
+            </a:fontRef>
+          </p:style>
+          <p:txBody>
+            <a:bodyPr rtlCol="0" anchor="ctr"/>
+            <a:lstStyle/>
+            <a:p>
+              <a:pPr algn="ctr"/>
+              <a:endParaRPr kumimoji="1" lang="ja-JP" altLang="en-US">
+                <a:solidFill>
+                  <a:schemeClr val="tx1"/>
+                </a:solidFill>
+              </a:endParaRPr>
+            </a:p>
+          </p:txBody>
+        </p:sp>
+      </p:grpSp>
+      <p:grpSp>
+        <p:nvGrpSpPr>
+          <p:cNvPr id="45" name="グループ化 44">
+            <a:extLst>
+              <a:ext uri="{FF2B5EF4-FFF2-40B4-BE49-F238E27FC236}">
+                <a16:creationId xmlns:a16="http://schemas.microsoft.com/office/drawing/2014/main" id="{EA4993E9-51AC-4CB0-9047-6A0AF2E2939E}"/>
+              </a:ext>
+            </a:extLst>
+          </p:cNvPr>
+          <p:cNvGrpSpPr/>
+          <p:nvPr/>
+        </p:nvGrpSpPr>
+        <p:grpSpPr>
+          <a:xfrm>
+            <a:off x="5168746" y="3121425"/>
+            <a:ext cx="601198" cy="1013708"/>
+            <a:chOff x="5168746" y="3121425"/>
+            <a:chExt cx="601198" cy="1013708"/>
+          </a:xfrm>
+        </p:grpSpPr>
+        <p:sp>
+          <p:nvSpPr>
+            <p:cNvPr id="24" name="楕円 23">
+              <a:extLst>
+                <a:ext uri="{FF2B5EF4-FFF2-40B4-BE49-F238E27FC236}">
+                  <a16:creationId xmlns:a16="http://schemas.microsoft.com/office/drawing/2014/main" id="{99A24F43-DBE0-4002-A3A0-61EF8949A201}"/>
+                </a:ext>
+              </a:extLst>
+            </p:cNvPr>
+            <p:cNvSpPr/>
+            <p:nvPr/>
+          </p:nvSpPr>
+          <p:spPr>
+            <a:xfrm>
+              <a:off x="5168746" y="3539898"/>
+              <a:ext cx="601198" cy="595235"/>
+            </a:xfrm>
+            <a:prstGeom prst="ellipse">
+              <a:avLst/>
+            </a:prstGeom>
+          </p:spPr>
+          <p:style>
+            <a:lnRef idx="2">
+              <a:schemeClr val="dk1">
+                <a:shade val="50000"/>
+              </a:schemeClr>
+            </a:lnRef>
+            <a:fillRef idx="1">
+              <a:schemeClr val="dk1"/>
+            </a:fillRef>
+            <a:effectRef idx="0">
+              <a:schemeClr val="dk1"/>
+            </a:effectRef>
+            <a:fontRef idx="minor">
+              <a:schemeClr val="lt1"/>
+            </a:fontRef>
+          </p:style>
+          <p:txBody>
+            <a:bodyPr rtlCol="0" anchor="ctr"/>
+            <a:lstStyle/>
+            <a:p>
+              <a:pPr algn="ctr"/>
+              <a:endParaRPr kumimoji="1" lang="ja-JP" altLang="en-US"/>
+            </a:p>
+          </p:txBody>
+        </p:sp>
+        <p:sp>
+          <p:nvSpPr>
+            <p:cNvPr id="41" name="楕円 40">
+              <a:extLst>
+                <a:ext uri="{FF2B5EF4-FFF2-40B4-BE49-F238E27FC236}">
+                  <a16:creationId xmlns:a16="http://schemas.microsoft.com/office/drawing/2014/main" id="{8507D519-6355-46A3-B3C3-3495975B9B0D}"/>
+                </a:ext>
+              </a:extLst>
+            </p:cNvPr>
+            <p:cNvSpPr/>
+            <p:nvPr/>
+          </p:nvSpPr>
+          <p:spPr>
+            <a:xfrm>
+              <a:off x="5275429" y="3121425"/>
+              <a:ext cx="387834" cy="383988"/>
+            </a:xfrm>
+            <a:prstGeom prst="ellipse">
+              <a:avLst/>
+            </a:prstGeom>
+          </p:spPr>
+          <p:style>
+            <a:lnRef idx="2">
+              <a:schemeClr val="dk1">
+                <a:shade val="50000"/>
+              </a:schemeClr>
+            </a:lnRef>
+            <a:fillRef idx="1">
+              <a:schemeClr val="dk1"/>
+            </a:fillRef>
+            <a:effectRef idx="0">
+              <a:schemeClr val="dk1"/>
+            </a:effectRef>
+            <a:fontRef idx="minor">
+              <a:schemeClr val="lt1"/>
+            </a:fontRef>
+          </p:style>
+          <p:txBody>
+            <a:bodyPr rtlCol="0" anchor="ctr"/>
+            <a:lstStyle/>
+            <a:p>
+              <a:pPr algn="ctr"/>
+              <a:endParaRPr kumimoji="1" lang="ja-JP" altLang="en-US"/>
+            </a:p>
+          </p:txBody>
+        </p:sp>
+      </p:grpSp>
+      <p:sp>
+        <p:nvSpPr>
+          <p:cNvPr id="42" name="フリーフォーム: 図形 41">
+            <a:extLst>
+              <a:ext uri="{FF2B5EF4-FFF2-40B4-BE49-F238E27FC236}">
+                <a16:creationId xmlns:a16="http://schemas.microsoft.com/office/drawing/2014/main" id="{CED06221-FB3F-4C50-B714-F5BE28FFC671}"/>
+              </a:ext>
+            </a:extLst>
+          </p:cNvPr>
+          <p:cNvSpPr/>
+          <p:nvPr/>
+        </p:nvSpPr>
+        <p:spPr>
+          <a:xfrm>
+            <a:off x="6054170" y="3156782"/>
+            <a:ext cx="270088" cy="978352"/>
+          </a:xfrm>
+          <a:custGeom>
+            <a:avLst/>
+            <a:gdLst>
+              <a:gd name="connsiteX0" fmla="*/ 0 w 294110"/>
+              <a:gd name="connsiteY0" fmla="*/ 0 h 1044786"/>
+              <a:gd name="connsiteX1" fmla="*/ 12011 w 294110"/>
+              <a:gd name="connsiteY1" fmla="*/ 0 h 1044786"/>
+              <a:gd name="connsiteX2" fmla="*/ 294110 w 294110"/>
+              <a:gd name="connsiteY2" fmla="*/ 282099 h 1044786"/>
+              <a:gd name="connsiteX3" fmla="*/ 294109 w 294110"/>
+              <a:gd name="connsiteY3" fmla="*/ 1044786 h 1044786"/>
+              <a:gd name="connsiteX4" fmla="*/ 0 w 294110"/>
+              <a:gd name="connsiteY4" fmla="*/ 1044786 h 1044786"/>
+              <a:gd name="connsiteX5" fmla="*/ 0 w 294110"/>
+              <a:gd name="connsiteY5" fmla="*/ 0 h 1044786"/>
+            </a:gdLst>
+            <a:ahLst/>
+            <a:cxnLst>
+              <a:cxn ang="0">
+                <a:pos x="connsiteX0" y="connsiteY0"/>
+              </a:cxn>
+              <a:cxn ang="0">
+                <a:pos x="connsiteX1" y="connsiteY1"/>
+              </a:cxn>
+              <a:cxn ang="0">
+                <a:pos x="connsiteX2" y="connsiteY2"/>
+              </a:cxn>
+              <a:cxn ang="0">
+                <a:pos x="connsiteX3" y="connsiteY3"/>
+              </a:cxn>
+              <a:cxn ang="0">
+                <a:pos x="connsiteX4" y="connsiteY4"/>
+              </a:cxn>
+              <a:cxn ang="0">
+                <a:pos x="connsiteX5" y="connsiteY5"/>
+              </a:cxn>
+            </a:cxnLst>
+            <a:rect l="l" t="t" r="r" b="b"/>
+            <a:pathLst>
+              <a:path w="294110" h="1044786">
+                <a:moveTo>
+                  <a:pt x="0" y="0"/>
+                </a:moveTo>
+                <a:lnTo>
+                  <a:pt x="12011" y="0"/>
+                </a:lnTo>
+                <a:cubicBezTo>
+                  <a:pt x="167810" y="0"/>
+                  <a:pt x="294110" y="126300"/>
+                  <a:pt x="294110" y="282099"/>
+                </a:cubicBezTo>
+                <a:cubicBezTo>
+                  <a:pt x="294110" y="536328"/>
+                  <a:pt x="294109" y="790557"/>
+                  <a:pt x="294109" y="1044786"/>
+                </a:cubicBezTo>
+                <a:lnTo>
+                  <a:pt x="0" y="1044786"/>
+                </a:lnTo>
+                <a:lnTo>
+                  <a:pt x="0" y="0"/>
+                </a:lnTo>
+                <a:close/>
+              </a:path>
+            </a:pathLst>
+          </a:custGeom>
+        </p:spPr>
+        <p:style>
+          <a:lnRef idx="2">
+            <a:schemeClr val="dk1">
+              <a:shade val="50000"/>
+            </a:schemeClr>
+          </a:lnRef>
+          <a:fillRef idx="1">
+            <a:schemeClr val="dk1"/>
+          </a:fillRef>
+          <a:effectRef idx="0">
+            <a:schemeClr val="dk1"/>
+          </a:effectRef>
+          <a:fontRef idx="minor">
+            <a:schemeClr val="lt1"/>
+          </a:fontRef>
+        </p:style>
+        <p:txBody>
+          <a:bodyPr rtlCol="0" anchor="ctr"/>
+          <a:lstStyle/>
+          <a:p>
+            <a:pPr algn="ctr"/>
+            <a:endParaRPr kumimoji="1" lang="ja-JP" altLang="en-US"/>
+          </a:p>
+        </p:txBody>
+      </p:sp>
+      <p:grpSp>
+        <p:nvGrpSpPr>
+          <p:cNvPr id="47" name="グループ化 46">
+            <a:extLst>
+              <a:ext uri="{FF2B5EF4-FFF2-40B4-BE49-F238E27FC236}">
+                <a16:creationId xmlns:a16="http://schemas.microsoft.com/office/drawing/2014/main" id="{B5055D17-E977-4B77-82CA-984B4AC469B9}"/>
+              </a:ext>
+            </a:extLst>
+          </p:cNvPr>
+          <p:cNvGrpSpPr/>
+          <p:nvPr/>
+        </p:nvGrpSpPr>
+        <p:grpSpPr>
+          <a:xfrm>
+            <a:off x="3326771" y="4428063"/>
+            <a:ext cx="601198" cy="1013708"/>
+            <a:chOff x="5168746" y="3121425"/>
+            <a:chExt cx="601198" cy="1013708"/>
+          </a:xfrm>
+        </p:grpSpPr>
+        <p:sp>
+          <p:nvSpPr>
+            <p:cNvPr id="48" name="楕円 47">
+              <a:extLst>
+                <a:ext uri="{FF2B5EF4-FFF2-40B4-BE49-F238E27FC236}">
+                  <a16:creationId xmlns:a16="http://schemas.microsoft.com/office/drawing/2014/main" id="{34024253-766D-4D2E-8AB6-88D6B5CEE35B}"/>
+                </a:ext>
+              </a:extLst>
+            </p:cNvPr>
+            <p:cNvSpPr/>
+            <p:nvPr/>
+          </p:nvSpPr>
+          <p:spPr>
+            <a:xfrm>
+              <a:off x="5168746" y="3539898"/>
+              <a:ext cx="601198" cy="595235"/>
+            </a:xfrm>
+            <a:prstGeom prst="ellipse">
+              <a:avLst/>
+            </a:prstGeom>
+          </p:spPr>
+          <p:style>
+            <a:lnRef idx="2">
+              <a:schemeClr val="dk1">
+                <a:shade val="50000"/>
+              </a:schemeClr>
+            </a:lnRef>
+            <a:fillRef idx="1">
+              <a:schemeClr val="dk1"/>
+            </a:fillRef>
+            <a:effectRef idx="0">
+              <a:schemeClr val="dk1"/>
+            </a:effectRef>
+            <a:fontRef idx="minor">
+              <a:schemeClr val="lt1"/>
+            </a:fontRef>
+          </p:style>
+          <p:txBody>
+            <a:bodyPr rtlCol="0" anchor="ctr"/>
+            <a:lstStyle/>
+            <a:p>
+              <a:pPr algn="ctr"/>
+              <a:endParaRPr kumimoji="1" lang="ja-JP" altLang="en-US"/>
+            </a:p>
+          </p:txBody>
+        </p:sp>
+        <p:sp>
+          <p:nvSpPr>
+            <p:cNvPr id="49" name="楕円 48">
+              <a:extLst>
+                <a:ext uri="{FF2B5EF4-FFF2-40B4-BE49-F238E27FC236}">
+                  <a16:creationId xmlns:a16="http://schemas.microsoft.com/office/drawing/2014/main" id="{0BD5BD64-DBA6-4110-A0B0-B4242F1AA92C}"/>
+                </a:ext>
+              </a:extLst>
+            </p:cNvPr>
+            <p:cNvSpPr/>
+            <p:nvPr/>
+          </p:nvSpPr>
+          <p:spPr>
+            <a:xfrm>
+              <a:off x="5275429" y="3121425"/>
+              <a:ext cx="387834" cy="383988"/>
+            </a:xfrm>
+            <a:prstGeom prst="ellipse">
+              <a:avLst/>
+            </a:prstGeom>
+          </p:spPr>
+          <p:style>
+            <a:lnRef idx="2">
+              <a:schemeClr val="dk1">
+                <a:shade val="50000"/>
+              </a:schemeClr>
+            </a:lnRef>
+            <a:fillRef idx="1">
+              <a:schemeClr val="dk1"/>
+            </a:fillRef>
+            <a:effectRef idx="0">
+              <a:schemeClr val="dk1"/>
+            </a:effectRef>
+            <a:fontRef idx="minor">
+              <a:schemeClr val="lt1"/>
+            </a:fontRef>
+          </p:style>
+          <p:txBody>
+            <a:bodyPr rtlCol="0" anchor="ctr"/>
+            <a:lstStyle/>
+            <a:p>
+              <a:pPr algn="ctr"/>
+              <a:endParaRPr kumimoji="1" lang="ja-JP" altLang="en-US"/>
+            </a:p>
+          </p:txBody>
+        </p:sp>
+      </p:grpSp>
+      <p:grpSp>
+        <p:nvGrpSpPr>
+          <p:cNvPr id="50" name="グループ化 49">
+            <a:extLst>
+              <a:ext uri="{FF2B5EF4-FFF2-40B4-BE49-F238E27FC236}">
+                <a16:creationId xmlns:a16="http://schemas.microsoft.com/office/drawing/2014/main" id="{AEBEA07F-92B5-48FE-9291-0EA43455EDC7}"/>
+              </a:ext>
+            </a:extLst>
+          </p:cNvPr>
+          <p:cNvGrpSpPr/>
+          <p:nvPr/>
+        </p:nvGrpSpPr>
+        <p:grpSpPr>
+          <a:xfrm>
+            <a:off x="4218302" y="4428063"/>
+            <a:ext cx="664262" cy="1018526"/>
+            <a:chOff x="4163335" y="3120115"/>
+            <a:chExt cx="664262" cy="1018526"/>
+          </a:xfrm>
+        </p:grpSpPr>
+        <p:sp>
+          <p:nvSpPr>
+            <p:cNvPr id="51" name="正方形/長方形 50">
+              <a:extLst>
+                <a:ext uri="{FF2B5EF4-FFF2-40B4-BE49-F238E27FC236}">
+                  <a16:creationId xmlns:a16="http://schemas.microsoft.com/office/drawing/2014/main" id="{D58DA560-F528-4FE5-A3FD-D4E04F35A6D7}"/>
+                </a:ext>
+              </a:extLst>
+            </p:cNvPr>
+            <p:cNvSpPr/>
+            <p:nvPr/>
+          </p:nvSpPr>
+          <p:spPr>
+            <a:xfrm>
+              <a:off x="4163335" y="3444939"/>
+              <a:ext cx="270088" cy="356682"/>
+            </a:xfrm>
+            <a:prstGeom prst="rect">
+              <a:avLst/>
+            </a:prstGeom>
+          </p:spPr>
+          <p:style>
+            <a:lnRef idx="2">
+              <a:schemeClr val="dk1">
+                <a:shade val="50000"/>
+              </a:schemeClr>
+            </a:lnRef>
+            <a:fillRef idx="1">
+              <a:schemeClr val="dk1"/>
+            </a:fillRef>
+            <a:effectRef idx="0">
+              <a:schemeClr val="dk1"/>
+            </a:effectRef>
+            <a:fontRef idx="minor">
+              <a:schemeClr val="lt1"/>
+            </a:fontRef>
+          </p:style>
+          <p:txBody>
+            <a:bodyPr rtlCol="0" anchor="ctr"/>
+            <a:lstStyle/>
+            <a:p>
+              <a:pPr algn="ctr"/>
+              <a:endParaRPr kumimoji="1" lang="ja-JP" altLang="en-US"/>
+            </a:p>
+          </p:txBody>
+        </p:sp>
+        <p:sp>
+          <p:nvSpPr>
+            <p:cNvPr id="52" name="フリーフォーム: 図形 51">
+              <a:extLst>
+                <a:ext uri="{FF2B5EF4-FFF2-40B4-BE49-F238E27FC236}">
+                  <a16:creationId xmlns:a16="http://schemas.microsoft.com/office/drawing/2014/main" id="{DEB6531D-AB6F-4108-B231-B0B1735E4271}"/>
+                </a:ext>
+              </a:extLst>
+            </p:cNvPr>
+            <p:cNvSpPr/>
+            <p:nvPr/>
+          </p:nvSpPr>
+          <p:spPr>
+            <a:xfrm rot="16200000">
+              <a:off x="4361796" y="2924401"/>
+              <a:ext cx="270088" cy="661515"/>
+            </a:xfrm>
+            <a:custGeom>
+              <a:avLst/>
+              <a:gdLst>
+                <a:gd name="connsiteX0" fmla="*/ 270088 w 270088"/>
+                <a:gd name="connsiteY0" fmla="*/ 264161 h 661515"/>
+                <a:gd name="connsiteX1" fmla="*/ 270088 w 270088"/>
+                <a:gd name="connsiteY1" fmla="*/ 661515 h 661515"/>
+                <a:gd name="connsiteX2" fmla="*/ 0 w 270088"/>
+                <a:gd name="connsiteY2" fmla="*/ 661515 h 661515"/>
+                <a:gd name="connsiteX3" fmla="*/ 0 w 270088"/>
+                <a:gd name="connsiteY3" fmla="*/ 0 h 661515"/>
+                <a:gd name="connsiteX4" fmla="*/ 11030 w 270088"/>
+                <a:gd name="connsiteY4" fmla="*/ 0 h 661515"/>
+                <a:gd name="connsiteX5" fmla="*/ 270088 w 270088"/>
+                <a:gd name="connsiteY5" fmla="*/ 264161 h 661515"/>
+              </a:gdLst>
+              <a:ahLst/>
+              <a:cxnLst>
+                <a:cxn ang="0">
+                  <a:pos x="connsiteX0" y="connsiteY0"/>
+                </a:cxn>
+                <a:cxn ang="0">
+                  <a:pos x="connsiteX1" y="connsiteY1"/>
+                </a:cxn>
+                <a:cxn ang="0">
+                  <a:pos x="connsiteX2" y="connsiteY2"/>
+                </a:cxn>
+                <a:cxn ang="0">
+                  <a:pos x="connsiteX3" y="connsiteY3"/>
+                </a:cxn>
+                <a:cxn ang="0">
+                  <a:pos x="connsiteX4" y="connsiteY4"/>
+                </a:cxn>
+                <a:cxn ang="0">
+                  <a:pos x="connsiteX5" y="connsiteY5"/>
+                </a:cxn>
+              </a:cxnLst>
+              <a:rect l="l" t="t" r="r" b="b"/>
+              <a:pathLst>
+                <a:path w="270088" h="661515">
+                  <a:moveTo>
+                    <a:pt x="270088" y="264161"/>
+                  </a:moveTo>
+                  <a:lnTo>
+                    <a:pt x="270088" y="661515"/>
+                  </a:lnTo>
+                  <a:lnTo>
+                    <a:pt x="0" y="661515"/>
+                  </a:lnTo>
+                  <a:lnTo>
+                    <a:pt x="0" y="0"/>
+                  </a:lnTo>
+                  <a:lnTo>
+                    <a:pt x="11030" y="0"/>
+                  </a:lnTo>
+                  <a:cubicBezTo>
+                    <a:pt x="154104" y="0"/>
+                    <a:pt x="270088" y="118269"/>
+                    <a:pt x="270088" y="264161"/>
+                  </a:cubicBezTo>
+                  <a:close/>
+                </a:path>
+              </a:pathLst>
+            </a:custGeom>
+          </p:spPr>
+          <p:style>
+            <a:lnRef idx="2">
+              <a:schemeClr val="dk1">
+                <a:shade val="50000"/>
+              </a:schemeClr>
+            </a:lnRef>
+            <a:fillRef idx="1">
+              <a:schemeClr val="dk1"/>
+            </a:fillRef>
+            <a:effectRef idx="0">
+              <a:schemeClr val="dk1"/>
+            </a:effectRef>
+            <a:fontRef idx="minor">
+              <a:schemeClr val="lt1"/>
+            </a:fontRef>
+          </p:style>
+          <p:txBody>
+            <a:bodyPr rtlCol="0" anchor="ctr"/>
+            <a:lstStyle/>
+            <a:p>
+              <a:pPr algn="ctr"/>
+              <a:endParaRPr kumimoji="1" lang="ja-JP" altLang="en-US"/>
+            </a:p>
+          </p:txBody>
+        </p:sp>
+        <p:sp>
+          <p:nvSpPr>
+            <p:cNvPr id="53" name="部分円 52">
+              <a:extLst>
+                <a:ext uri="{FF2B5EF4-FFF2-40B4-BE49-F238E27FC236}">
+                  <a16:creationId xmlns:a16="http://schemas.microsoft.com/office/drawing/2014/main" id="{C9CB706C-21C3-4108-95A2-8A7270C7C8A0}"/>
+                </a:ext>
+              </a:extLst>
+            </p:cNvPr>
+            <p:cNvSpPr/>
+            <p:nvPr/>
+          </p:nvSpPr>
+          <p:spPr>
+            <a:xfrm rot="10800000">
+              <a:off x="4220121" y="3543407"/>
+              <a:ext cx="595234" cy="595234"/>
+            </a:xfrm>
+            <a:prstGeom prst="pie">
+              <a:avLst>
+                <a:gd name="adj1" fmla="val 5429402"/>
+                <a:gd name="adj2" fmla="val 16200000"/>
+              </a:avLst>
+            </a:prstGeom>
+          </p:spPr>
+          <p:style>
+            <a:lnRef idx="2">
+              <a:schemeClr val="dk1">
+                <a:shade val="50000"/>
+              </a:schemeClr>
+            </a:lnRef>
+            <a:fillRef idx="1">
+              <a:schemeClr val="dk1"/>
+            </a:fillRef>
+            <a:effectRef idx="0">
+              <a:schemeClr val="dk1"/>
+            </a:effectRef>
+            <a:fontRef idx="minor">
+              <a:schemeClr val="lt1"/>
+            </a:fontRef>
+          </p:style>
+          <p:txBody>
+            <a:bodyPr rtlCol="0" anchor="ctr"/>
+            <a:lstStyle/>
+            <a:p>
+              <a:pPr algn="ctr"/>
+              <a:endParaRPr kumimoji="1" lang="ja-JP" altLang="en-US">
+                <a:solidFill>
+                  <a:schemeClr val="tx1"/>
+                </a:solidFill>
+              </a:endParaRPr>
+            </a:p>
+          </p:txBody>
+        </p:sp>
+      </p:grpSp>
+      <p:grpSp>
+        <p:nvGrpSpPr>
+          <p:cNvPr id="54" name="グループ化 53">
+            <a:extLst>
+              <a:ext uri="{FF2B5EF4-FFF2-40B4-BE49-F238E27FC236}">
+                <a16:creationId xmlns:a16="http://schemas.microsoft.com/office/drawing/2014/main" id="{872947DB-FC50-4D2A-BA95-1F7F0A64D8AE}"/>
+              </a:ext>
+            </a:extLst>
+          </p:cNvPr>
+          <p:cNvGrpSpPr/>
+          <p:nvPr/>
+        </p:nvGrpSpPr>
+        <p:grpSpPr>
+          <a:xfrm>
+            <a:off x="5168746" y="4424374"/>
+            <a:ext cx="601198" cy="1013708"/>
+            <a:chOff x="5168746" y="3121425"/>
+            <a:chExt cx="601198" cy="1013708"/>
+          </a:xfrm>
+        </p:grpSpPr>
+        <p:sp>
+          <p:nvSpPr>
+            <p:cNvPr id="55" name="楕円 54">
+              <a:extLst>
+                <a:ext uri="{FF2B5EF4-FFF2-40B4-BE49-F238E27FC236}">
+                  <a16:creationId xmlns:a16="http://schemas.microsoft.com/office/drawing/2014/main" id="{24923C02-1ED9-4292-9862-8BDAB185FE03}"/>
+                </a:ext>
+              </a:extLst>
+            </p:cNvPr>
+            <p:cNvSpPr/>
+            <p:nvPr/>
+          </p:nvSpPr>
+          <p:spPr>
+            <a:xfrm>
+              <a:off x="5168746" y="3539898"/>
+              <a:ext cx="601198" cy="595235"/>
+            </a:xfrm>
+            <a:prstGeom prst="ellipse">
+              <a:avLst/>
+            </a:prstGeom>
+          </p:spPr>
+          <p:style>
+            <a:lnRef idx="2">
+              <a:schemeClr val="dk1">
+                <a:shade val="50000"/>
+              </a:schemeClr>
+            </a:lnRef>
+            <a:fillRef idx="1">
+              <a:schemeClr val="dk1"/>
+            </a:fillRef>
+            <a:effectRef idx="0">
+              <a:schemeClr val="dk1"/>
+            </a:effectRef>
+            <a:fontRef idx="minor">
+              <a:schemeClr val="lt1"/>
+            </a:fontRef>
+          </p:style>
+          <p:txBody>
+            <a:bodyPr rtlCol="0" anchor="ctr"/>
+            <a:lstStyle/>
+            <a:p>
+              <a:pPr algn="ctr"/>
+              <a:endParaRPr kumimoji="1" lang="ja-JP" altLang="en-US"/>
+            </a:p>
+          </p:txBody>
+        </p:sp>
+        <p:sp>
+          <p:nvSpPr>
+            <p:cNvPr id="56" name="楕円 55">
+              <a:extLst>
+                <a:ext uri="{FF2B5EF4-FFF2-40B4-BE49-F238E27FC236}">
+                  <a16:creationId xmlns:a16="http://schemas.microsoft.com/office/drawing/2014/main" id="{70922B06-9BF1-48F4-96DC-6FD7F767981A}"/>
+                </a:ext>
+              </a:extLst>
+            </p:cNvPr>
+            <p:cNvSpPr/>
+            <p:nvPr/>
+          </p:nvSpPr>
+          <p:spPr>
+            <a:xfrm>
+              <a:off x="5275429" y="3121425"/>
+              <a:ext cx="387834" cy="383988"/>
+            </a:xfrm>
+            <a:prstGeom prst="ellipse">
+              <a:avLst/>
+            </a:prstGeom>
+          </p:spPr>
+          <p:style>
+            <a:lnRef idx="2">
+              <a:schemeClr val="dk1">
+                <a:shade val="50000"/>
+              </a:schemeClr>
+            </a:lnRef>
+            <a:fillRef idx="1">
+              <a:schemeClr val="dk1"/>
+            </a:fillRef>
+            <a:effectRef idx="0">
+              <a:schemeClr val="dk1"/>
+            </a:effectRef>
+            <a:fontRef idx="minor">
+              <a:schemeClr val="lt1"/>
+            </a:fontRef>
+          </p:style>
+          <p:txBody>
+            <a:bodyPr rtlCol="0" anchor="ctr"/>
+            <a:lstStyle/>
+            <a:p>
+              <a:pPr algn="ctr"/>
+              <a:endParaRPr kumimoji="1" lang="ja-JP" altLang="en-US"/>
+            </a:p>
+          </p:txBody>
+        </p:sp>
+      </p:grpSp>
+      <p:sp>
+        <p:nvSpPr>
+          <p:cNvPr id="58" name="楕円 57">
+            <a:extLst>
+              <a:ext uri="{FF2B5EF4-FFF2-40B4-BE49-F238E27FC236}">
+                <a16:creationId xmlns:a16="http://schemas.microsoft.com/office/drawing/2014/main" id="{95D4F6A8-88F9-4D0A-9DF1-44CA30DF7473}"/>
+              </a:ext>
+            </a:extLst>
+          </p:cNvPr>
+          <p:cNvSpPr/>
+          <p:nvPr/>
+        </p:nvSpPr>
+        <p:spPr>
+          <a:xfrm>
+            <a:off x="5955785" y="4633610"/>
+            <a:ext cx="601198" cy="595235"/>
+          </a:xfrm>
+          <a:prstGeom prst="ellipse">
+            <a:avLst/>
+          </a:prstGeom>
+        </p:spPr>
+        <p:style>
+          <a:lnRef idx="2">
+            <a:schemeClr val="dk1">
+              <a:shade val="50000"/>
+            </a:schemeClr>
+          </a:lnRef>
+          <a:fillRef idx="1">
+            <a:schemeClr val="dk1"/>
+          </a:fillRef>
+          <a:effectRef idx="0">
+            <a:schemeClr val="dk1"/>
+          </a:effectRef>
+          <a:fontRef idx="minor">
+            <a:schemeClr val="lt1"/>
+          </a:fontRef>
+        </p:style>
+        <p:txBody>
+          <a:bodyPr rtlCol="0" anchor="ctr"/>
+          <a:lstStyle/>
+          <a:p>
+            <a:pPr algn="ctr"/>
+            <a:endParaRPr kumimoji="1" lang="ja-JP" altLang="en-US"/>
+          </a:p>
+        </p:txBody>
+      </p:sp>
+    </p:spTree>
+    <p:extLst>
+      <p:ext uri="{BB962C8B-B14F-4D97-AF65-F5344CB8AC3E}">
+        <p14:creationId xmlns:p14="http://schemas.microsoft.com/office/powerpoint/2010/main" val="1391422416"/>
+      </p:ext>
+    </p:extLst>
+  </p:cSld>
+  <p:clrMapOvr>
+    <a:masterClrMapping/>
+  </p:clrMapOvr>
+</p:sld>
+</file>
+
+<file path=ppt/slides/slide3.xml><?xml version="1.0" encoding="utf-8"?>
+<p:sld xmlns:a="http://schemas.openxmlformats.org/drawingml/2006/main" xmlns:r="http://schemas.openxmlformats.org/officeDocument/2006/relationships" xmlns:p="http://schemas.openxmlformats.org/presentationml/2006/main">
+  <p:cSld>
+    <p:spTree>
+      <p:nvGrpSpPr>
+        <p:cNvPr id="1" name=""/>
+        <p:cNvGrpSpPr/>
+        <p:nvPr/>
+      </p:nvGrpSpPr>
+      <p:grpSpPr>
+        <a:xfrm>
+          <a:off x="0" y="0"/>
+          <a:ext cx="0" cy="0"/>
+          <a:chOff x="0" y="0"/>
+          <a:chExt cx="0" cy="0"/>
+        </a:xfrm>
+      </p:grpSpPr>
       <p:sp>
         <p:nvSpPr>
           <p:cNvPr id="5" name="テキスト ボックス 4">

--- a/src/mamidimemo/Data/Images.pptx
+++ b/src/mamidimemo/Data/Images.pptx
@@ -199,7 +199,7 @@
           <a:p>
             <a:fld id="{FD0ADE19-EE5F-4EAE-BCEC-0B5F9244BB48}" type="datetimeFigureOut">
               <a:rPr kumimoji="1" lang="ja-JP" altLang="en-US" smtClean="0"/>
-              <a:t>2019/9/14</a:t>
+              <a:t>2019/9/29</a:t>
             </a:fld>
             <a:endParaRPr kumimoji="1" lang="ja-JP" altLang="en-US"/>
           </a:p>
@@ -729,7 +729,7 @@
           <a:p>
             <a:fld id="{B7E48A73-9369-4B88-BBE6-B1D33CBD5F01}" type="datetimeFigureOut">
               <a:rPr kumimoji="1" lang="ja-JP" altLang="en-US" smtClean="0"/>
-              <a:t>2019/9/14</a:t>
+              <a:t>2019/9/29</a:t>
             </a:fld>
             <a:endParaRPr kumimoji="1" lang="ja-JP" altLang="en-US"/>
           </a:p>
@@ -959,7 +959,7 @@
           <a:p>
             <a:fld id="{B7E48A73-9369-4B88-BBE6-B1D33CBD5F01}" type="datetimeFigureOut">
               <a:rPr kumimoji="1" lang="ja-JP" altLang="en-US" smtClean="0"/>
-              <a:t>2019/9/14</a:t>
+              <a:t>2019/9/29</a:t>
             </a:fld>
             <a:endParaRPr kumimoji="1" lang="ja-JP" altLang="en-US"/>
           </a:p>
@@ -1199,7 +1199,7 @@
           <a:p>
             <a:fld id="{B7E48A73-9369-4B88-BBE6-B1D33CBD5F01}" type="datetimeFigureOut">
               <a:rPr kumimoji="1" lang="ja-JP" altLang="en-US" smtClean="0"/>
-              <a:t>2019/9/14</a:t>
+              <a:t>2019/9/29</a:t>
             </a:fld>
             <a:endParaRPr kumimoji="1" lang="ja-JP" altLang="en-US"/>
           </a:p>
@@ -1429,7 +1429,7 @@
           <a:p>
             <a:fld id="{B7E48A73-9369-4B88-BBE6-B1D33CBD5F01}" type="datetimeFigureOut">
               <a:rPr kumimoji="1" lang="ja-JP" altLang="en-US" smtClean="0"/>
-              <a:t>2019/9/14</a:t>
+              <a:t>2019/9/29</a:t>
             </a:fld>
             <a:endParaRPr kumimoji="1" lang="ja-JP" altLang="en-US"/>
           </a:p>
@@ -1704,7 +1704,7 @@
           <a:p>
             <a:fld id="{B7E48A73-9369-4B88-BBE6-B1D33CBD5F01}" type="datetimeFigureOut">
               <a:rPr kumimoji="1" lang="ja-JP" altLang="en-US" smtClean="0"/>
-              <a:t>2019/9/14</a:t>
+              <a:t>2019/9/29</a:t>
             </a:fld>
             <a:endParaRPr kumimoji="1" lang="ja-JP" altLang="en-US"/>
           </a:p>
@@ -2033,7 +2033,7 @@
           <a:p>
             <a:fld id="{B7E48A73-9369-4B88-BBE6-B1D33CBD5F01}" type="datetimeFigureOut">
               <a:rPr kumimoji="1" lang="ja-JP" altLang="en-US" smtClean="0"/>
-              <a:t>2019/9/14</a:t>
+              <a:t>2019/9/29</a:t>
             </a:fld>
             <a:endParaRPr kumimoji="1" lang="ja-JP" altLang="en-US"/>
           </a:p>
@@ -2509,7 +2509,7 @@
           <a:p>
             <a:fld id="{B7E48A73-9369-4B88-BBE6-B1D33CBD5F01}" type="datetimeFigureOut">
               <a:rPr kumimoji="1" lang="ja-JP" altLang="en-US" smtClean="0"/>
-              <a:t>2019/9/14</a:t>
+              <a:t>2019/9/29</a:t>
             </a:fld>
             <a:endParaRPr kumimoji="1" lang="ja-JP" altLang="en-US"/>
           </a:p>
@@ -2650,7 +2650,7 @@
           <a:p>
             <a:fld id="{B7E48A73-9369-4B88-BBE6-B1D33CBD5F01}" type="datetimeFigureOut">
               <a:rPr kumimoji="1" lang="ja-JP" altLang="en-US" smtClean="0"/>
-              <a:t>2019/9/14</a:t>
+              <a:t>2019/9/29</a:t>
             </a:fld>
             <a:endParaRPr kumimoji="1" lang="ja-JP" altLang="en-US"/>
           </a:p>
@@ -2763,7 +2763,7 @@
           <a:p>
             <a:fld id="{B7E48A73-9369-4B88-BBE6-B1D33CBD5F01}" type="datetimeFigureOut">
               <a:rPr kumimoji="1" lang="ja-JP" altLang="en-US" smtClean="0"/>
-              <a:t>2019/9/14</a:t>
+              <a:t>2019/9/29</a:t>
             </a:fld>
             <a:endParaRPr kumimoji="1" lang="ja-JP" altLang="en-US"/>
           </a:p>
@@ -3106,7 +3106,7 @@
           <a:p>
             <a:fld id="{B7E48A73-9369-4B88-BBE6-B1D33CBD5F01}" type="datetimeFigureOut">
               <a:rPr kumimoji="1" lang="ja-JP" altLang="en-US" smtClean="0"/>
-              <a:t>2019/9/14</a:t>
+              <a:t>2019/9/29</a:t>
             </a:fld>
             <a:endParaRPr kumimoji="1" lang="ja-JP" altLang="en-US"/>
           </a:p>
@@ -3394,7 +3394,7 @@
           <a:p>
             <a:fld id="{B7E48A73-9369-4B88-BBE6-B1D33CBD5F01}" type="datetimeFigureOut">
               <a:rPr kumimoji="1" lang="ja-JP" altLang="en-US" smtClean="0"/>
-              <a:t>2019/9/14</a:t>
+              <a:t>2019/9/29</a:t>
             </a:fld>
             <a:endParaRPr kumimoji="1" lang="ja-JP" altLang="en-US"/>
           </a:p>
@@ -3667,7 +3667,7 @@
           <a:p>
             <a:fld id="{B7E48A73-9369-4B88-BBE6-B1D33CBD5F01}" type="datetimeFigureOut">
               <a:rPr kumimoji="1" lang="ja-JP" altLang="en-US" smtClean="0"/>
-              <a:t>2019/9/14</a:t>
+              <a:t>2019/9/29</a:t>
             </a:fld>
             <a:endParaRPr kumimoji="1" lang="ja-JP" altLang="en-US"/>
           </a:p>
@@ -9762,7 +9762,7 @@
         </p:blipFill>
         <p:spPr bwMode="auto">
           <a:xfrm>
-            <a:off x="5237013" y="4873759"/>
+            <a:off x="4277593" y="5227456"/>
             <a:ext cx="1513288" cy="1089567"/>
           </a:xfrm>
           <a:prstGeom prst="rect">
@@ -29964,6 +29964,51 @@
           </a:p>
         </p:txBody>
       </p:sp>
+      <p:sp>
+        <p:nvSpPr>
+          <p:cNvPr id="137" name="正方形/長方形 136">
+            <a:extLst>
+              <a:ext uri="{FF2B5EF4-FFF2-40B4-BE49-F238E27FC236}">
+                <a16:creationId xmlns:a16="http://schemas.microsoft.com/office/drawing/2014/main" id="{B6F46157-D149-4D3F-9E2A-74442AE6528B}"/>
+              </a:ext>
+            </a:extLst>
+          </p:cNvPr>
+          <p:cNvSpPr/>
+          <p:nvPr/>
+        </p:nvSpPr>
+        <p:spPr>
+          <a:xfrm>
+            <a:off x="8990739" y="5633333"/>
+            <a:ext cx="1513288" cy="523220"/>
+          </a:xfrm>
+          <a:prstGeom prst="rect">
+            <a:avLst/>
+          </a:prstGeom>
+        </p:spPr>
+        <p:txBody>
+          <a:bodyPr wrap="square">
+            <a:spAutoFit/>
+          </a:bodyPr>
+          <a:lstStyle/>
+          <a:p>
+            <a:r>
+              <a:rPr lang="en-US" altLang="ja-JP" sz="2800" spc="-150" dirty="0">
+                <a:solidFill>
+                  <a:srgbClr val="C00000"/>
+                </a:solidFill>
+                <a:latin typeface="Tondo" panose="02000500000000000000" pitchFamily="2" charset="0"/>
+              </a:rPr>
+              <a:t>Beep</a:t>
+            </a:r>
+            <a:endParaRPr lang="ja-JP" altLang="en-US" sz="2800" spc="-150" dirty="0">
+              <a:solidFill>
+                <a:srgbClr val="C00000"/>
+              </a:solidFill>
+              <a:latin typeface="Tondo" panose="02000500000000000000" pitchFamily="2" charset="0"/>
+            </a:endParaRPr>
+          </a:p>
+        </p:txBody>
+      </p:sp>
     </p:spTree>
     <p:extLst>
       <p:ext uri="{BB962C8B-B14F-4D97-AF65-F5344CB8AC3E}">
@@ -30008,7 +30053,7 @@
         </p:nvGrpSpPr>
         <p:grpSpPr>
           <a:xfrm>
-            <a:off x="3288136" y="1757681"/>
+            <a:off x="429026" y="1351997"/>
             <a:ext cx="3315211" cy="1044786"/>
             <a:chOff x="3288136" y="1757681"/>
             <a:chExt cx="3315211" cy="1044786"/>
@@ -30603,7 +30648,7 @@
         </p:nvGrpSpPr>
         <p:grpSpPr>
           <a:xfrm>
-            <a:off x="3319850" y="3156782"/>
+            <a:off x="460740" y="2751098"/>
             <a:ext cx="655180" cy="981859"/>
             <a:chOff x="3288136" y="3156782"/>
             <a:chExt cx="655180" cy="981859"/>
@@ -30786,7 +30831,7 @@
         </p:nvGrpSpPr>
         <p:grpSpPr>
           <a:xfrm>
-            <a:off x="4218302" y="3120115"/>
+            <a:off x="1359192" y="2714431"/>
             <a:ext cx="664262" cy="1018526"/>
             <a:chOff x="4163335" y="3120115"/>
             <a:chExt cx="664262" cy="1018526"/>
@@ -31013,7 +31058,7 @@
         </p:nvGrpSpPr>
         <p:grpSpPr>
           <a:xfrm>
-            <a:off x="5168746" y="3121425"/>
+            <a:off x="2309636" y="2715741"/>
             <a:ext cx="601198" cy="1013708"/>
             <a:chOff x="5168746" y="3121425"/>
             <a:chExt cx="601198" cy="1013708"/>
@@ -31126,7 +31171,7 @@
         </p:nvSpPr>
         <p:spPr>
           <a:xfrm>
-            <a:off x="6054170" y="3156782"/>
+            <a:off x="3195060" y="2751098"/>
             <a:ext cx="270088" cy="978352"/>
           </a:xfrm>
           <a:custGeom>
@@ -31235,7 +31280,7 @@
         </p:nvGrpSpPr>
         <p:grpSpPr>
           <a:xfrm>
-            <a:off x="3326771" y="4428063"/>
+            <a:off x="467661" y="4022379"/>
             <a:ext cx="601198" cy="1013708"/>
             <a:chOff x="5168746" y="3121425"/>
             <a:chExt cx="601198" cy="1013708"/>
@@ -31348,7 +31393,7 @@
         </p:nvGrpSpPr>
         <p:grpSpPr>
           <a:xfrm>
-            <a:off x="4218302" y="4428063"/>
+            <a:off x="1359192" y="4022379"/>
             <a:ext cx="664262" cy="1018526"/>
             <a:chOff x="4163335" y="3120115"/>
             <a:chExt cx="664262" cy="1018526"/>
@@ -31575,7 +31620,7 @@
         </p:nvGrpSpPr>
         <p:grpSpPr>
           <a:xfrm>
-            <a:off x="5168746" y="4424374"/>
+            <a:off x="2309636" y="4018690"/>
             <a:ext cx="601198" cy="1013708"/>
             <a:chOff x="5168746" y="3121425"/>
             <a:chExt cx="601198" cy="1013708"/>
@@ -31688,7 +31733,7 @@
         </p:nvSpPr>
         <p:spPr>
           <a:xfrm>
-            <a:off x="5955785" y="4633610"/>
+            <a:off x="3096675" y="4227926"/>
             <a:ext cx="601198" cy="595235"/>
           </a:xfrm>
           <a:prstGeom prst="ellipse">
@@ -31720,6 +31765,567 @@
           </a:p>
         </p:txBody>
       </p:sp>
+      <p:sp>
+        <p:nvSpPr>
+          <p:cNvPr id="32" name="正方形/長方形 31">
+            <a:extLst>
+              <a:ext uri="{FF2B5EF4-FFF2-40B4-BE49-F238E27FC236}">
+                <a16:creationId xmlns:a16="http://schemas.microsoft.com/office/drawing/2014/main" id="{1FE32FD6-38BF-4484-A271-17637B0C9B35}"/>
+              </a:ext>
+            </a:extLst>
+          </p:cNvPr>
+          <p:cNvSpPr/>
+          <p:nvPr/>
+        </p:nvSpPr>
+        <p:spPr>
+          <a:xfrm>
+            <a:off x="4359166" y="809105"/>
+            <a:ext cx="2549181" cy="1200329"/>
+          </a:xfrm>
+          <a:prstGeom prst="rect">
+            <a:avLst/>
+          </a:prstGeom>
+        </p:spPr>
+        <p:txBody>
+          <a:bodyPr wrap="square">
+            <a:spAutoFit/>
+          </a:bodyPr>
+          <a:lstStyle/>
+          <a:p>
+            <a:pPr algn="ctr"/>
+            <a:r>
+              <a:rPr lang="en-US" altLang="ja-JP" sz="7200" b="1" dirty="0">
+                <a:ln w="28575">
+                  <a:solidFill>
+                    <a:schemeClr val="bg2">
+                      <a:lumMod val="25000"/>
+                    </a:schemeClr>
+                  </a:solidFill>
+                  <a:prstDash val="solid"/>
+                </a:ln>
+                <a:gradFill>
+                  <a:gsLst>
+                    <a:gs pos="0">
+                      <a:schemeClr val="accent1">
+                        <a:lumMod val="75000"/>
+                      </a:schemeClr>
+                    </a:gs>
+                    <a:gs pos="43000">
+                      <a:srgbClr val="0070C0"/>
+                    </a:gs>
+                    <a:gs pos="55000">
+                      <a:schemeClr val="bg1"/>
+                    </a:gs>
+                    <a:gs pos="100000">
+                      <a:schemeClr val="bg1"/>
+                    </a:gs>
+                  </a:gsLst>
+                  <a:lin ang="5400000" scaled="1"/>
+                </a:gradFill>
+                <a:effectLst>
+                  <a:outerShdw dist="127000" dir="2700000" algn="tl" rotWithShape="0">
+                    <a:schemeClr val="bg2">
+                      <a:lumMod val="25000"/>
+                    </a:schemeClr>
+                  </a:outerShdw>
+                </a:effectLst>
+                <a:latin typeface="Showcard Gothic" panose="04020904020102020604" pitchFamily="82" charset="0"/>
+              </a:rPr>
+              <a:t>C140</a:t>
+            </a:r>
+            <a:endParaRPr lang="ja-JP" altLang="en-US" sz="7200" b="1" dirty="0">
+              <a:ln w="28575">
+                <a:solidFill>
+                  <a:schemeClr val="bg2">
+                    <a:lumMod val="25000"/>
+                  </a:schemeClr>
+                </a:solidFill>
+                <a:prstDash val="solid"/>
+              </a:ln>
+              <a:gradFill>
+                <a:gsLst>
+                  <a:gs pos="0">
+                    <a:schemeClr val="accent1">
+                      <a:lumMod val="75000"/>
+                    </a:schemeClr>
+                  </a:gs>
+                  <a:gs pos="43000">
+                    <a:srgbClr val="0070C0"/>
+                  </a:gs>
+                  <a:gs pos="55000">
+                    <a:schemeClr val="bg1"/>
+                  </a:gs>
+                  <a:gs pos="100000">
+                    <a:schemeClr val="bg1"/>
+                  </a:gs>
+                </a:gsLst>
+                <a:lin ang="5400000" scaled="1"/>
+              </a:gradFill>
+              <a:effectLst>
+                <a:outerShdw dist="127000" dir="2700000" algn="tl" rotWithShape="0">
+                  <a:schemeClr val="bg2">
+                    <a:lumMod val="25000"/>
+                  </a:schemeClr>
+                </a:outerShdw>
+              </a:effectLst>
+              <a:latin typeface="Showcard Gothic" panose="04020904020102020604" pitchFamily="82" charset="0"/>
+            </a:endParaRPr>
+          </a:p>
+        </p:txBody>
+      </p:sp>
+      <p:grpSp>
+        <p:nvGrpSpPr>
+          <p:cNvPr id="3" name="グループ化 2">
+            <a:extLst>
+              <a:ext uri="{FF2B5EF4-FFF2-40B4-BE49-F238E27FC236}">
+                <a16:creationId xmlns:a16="http://schemas.microsoft.com/office/drawing/2014/main" id="{C306A972-02B0-460B-AF3C-BCA2FA5F47C4}"/>
+              </a:ext>
+            </a:extLst>
+          </p:cNvPr>
+          <p:cNvGrpSpPr/>
+          <p:nvPr/>
+        </p:nvGrpSpPr>
+        <p:grpSpPr>
+          <a:xfrm>
+            <a:off x="7761136" y="3490265"/>
+            <a:ext cx="2377153" cy="1338200"/>
+            <a:chOff x="7761136" y="3490265"/>
+            <a:chExt cx="2377153" cy="1338200"/>
+          </a:xfrm>
+        </p:grpSpPr>
+        <p:sp>
+          <p:nvSpPr>
+            <p:cNvPr id="35" name="正方形/長方形 34">
+              <a:extLst>
+                <a:ext uri="{FF2B5EF4-FFF2-40B4-BE49-F238E27FC236}">
+                  <a16:creationId xmlns:a16="http://schemas.microsoft.com/office/drawing/2014/main" id="{A4E83727-3ED8-400C-8E75-11DFA4A7BD77}"/>
+                </a:ext>
+              </a:extLst>
+            </p:cNvPr>
+            <p:cNvSpPr/>
+            <p:nvPr/>
+          </p:nvSpPr>
+          <p:spPr>
+            <a:xfrm rot="20700000">
+              <a:off x="7761136" y="3628136"/>
+              <a:ext cx="867103" cy="1200329"/>
+            </a:xfrm>
+            <a:prstGeom prst="rect">
+              <a:avLst/>
+            </a:prstGeom>
+          </p:spPr>
+          <p:txBody>
+            <a:bodyPr wrap="square">
+              <a:spAutoFit/>
+            </a:bodyPr>
+            <a:lstStyle/>
+            <a:p>
+              <a:pPr algn="ctr"/>
+              <a:r>
+                <a:rPr lang="en-US" altLang="ja-JP" sz="7200" b="1" dirty="0">
+                  <a:ln w="28575">
+                    <a:solidFill>
+                      <a:schemeClr val="bg2">
+                        <a:lumMod val="25000"/>
+                      </a:schemeClr>
+                    </a:solidFill>
+                    <a:prstDash val="solid"/>
+                  </a:ln>
+                  <a:gradFill>
+                    <a:gsLst>
+                      <a:gs pos="0">
+                        <a:schemeClr val="accent1">
+                          <a:lumMod val="75000"/>
+                        </a:schemeClr>
+                      </a:gs>
+                      <a:gs pos="43000">
+                        <a:srgbClr val="0070C0"/>
+                      </a:gs>
+                      <a:gs pos="55000">
+                        <a:schemeClr val="bg1"/>
+                      </a:gs>
+                      <a:gs pos="100000">
+                        <a:schemeClr val="bg1"/>
+                      </a:gs>
+                    </a:gsLst>
+                    <a:lin ang="5400000" scaled="1"/>
+                  </a:gradFill>
+                  <a:effectLst>
+                    <a:outerShdw dist="127000" dir="2700000" algn="tl" rotWithShape="0">
+                      <a:schemeClr val="bg2">
+                        <a:lumMod val="25000"/>
+                      </a:schemeClr>
+                    </a:outerShdw>
+                  </a:effectLst>
+                  <a:latin typeface="Showcard Gothic" panose="04020904020102020604" pitchFamily="82" charset="0"/>
+                </a:rPr>
+                <a:t>C</a:t>
+              </a:r>
+              <a:endParaRPr lang="ja-JP" altLang="en-US" sz="7200" b="1" dirty="0">
+                <a:ln w="28575">
+                  <a:solidFill>
+                    <a:schemeClr val="bg2">
+                      <a:lumMod val="25000"/>
+                    </a:schemeClr>
+                  </a:solidFill>
+                  <a:prstDash val="solid"/>
+                </a:ln>
+                <a:gradFill>
+                  <a:gsLst>
+                    <a:gs pos="0">
+                      <a:schemeClr val="accent1">
+                        <a:lumMod val="75000"/>
+                      </a:schemeClr>
+                    </a:gs>
+                    <a:gs pos="43000">
+                      <a:srgbClr val="0070C0"/>
+                    </a:gs>
+                    <a:gs pos="55000">
+                      <a:schemeClr val="bg1"/>
+                    </a:gs>
+                    <a:gs pos="100000">
+                      <a:schemeClr val="bg1"/>
+                    </a:gs>
+                  </a:gsLst>
+                  <a:lin ang="5400000" scaled="1"/>
+                </a:gradFill>
+                <a:effectLst>
+                  <a:outerShdw dist="127000" dir="2700000" algn="tl" rotWithShape="0">
+                    <a:schemeClr val="bg2">
+                      <a:lumMod val="25000"/>
+                    </a:schemeClr>
+                  </a:outerShdw>
+                </a:effectLst>
+                <a:latin typeface="Showcard Gothic" panose="04020904020102020604" pitchFamily="82" charset="0"/>
+              </a:endParaRPr>
+            </a:p>
+          </p:txBody>
+        </p:sp>
+        <p:sp>
+          <p:nvSpPr>
+            <p:cNvPr id="37" name="正方形/長方形 36">
+              <a:extLst>
+                <a:ext uri="{FF2B5EF4-FFF2-40B4-BE49-F238E27FC236}">
+                  <a16:creationId xmlns:a16="http://schemas.microsoft.com/office/drawing/2014/main" id="{96BC8CD9-75F6-4545-8CDE-6D40D162E486}"/>
+                </a:ext>
+              </a:extLst>
+            </p:cNvPr>
+            <p:cNvSpPr/>
+            <p:nvPr/>
+          </p:nvSpPr>
+          <p:spPr>
+            <a:xfrm rot="21300000">
+              <a:off x="8264577" y="3490265"/>
+              <a:ext cx="867103" cy="1200329"/>
+            </a:xfrm>
+            <a:prstGeom prst="rect">
+              <a:avLst/>
+            </a:prstGeom>
+          </p:spPr>
+          <p:txBody>
+            <a:bodyPr wrap="square">
+              <a:spAutoFit/>
+            </a:bodyPr>
+            <a:lstStyle/>
+            <a:p>
+              <a:pPr algn="ctr"/>
+              <a:r>
+                <a:rPr lang="en-US" altLang="ja-JP" sz="7200" b="1" dirty="0">
+                  <a:ln w="28575">
+                    <a:solidFill>
+                      <a:schemeClr val="bg2">
+                        <a:lumMod val="25000"/>
+                      </a:schemeClr>
+                    </a:solidFill>
+                    <a:prstDash val="solid"/>
+                  </a:ln>
+                  <a:gradFill>
+                    <a:gsLst>
+                      <a:gs pos="0">
+                        <a:schemeClr val="accent1">
+                          <a:lumMod val="75000"/>
+                        </a:schemeClr>
+                      </a:gs>
+                      <a:gs pos="43000">
+                        <a:srgbClr val="0070C0"/>
+                      </a:gs>
+                      <a:gs pos="55000">
+                        <a:schemeClr val="bg1"/>
+                      </a:gs>
+                      <a:gs pos="100000">
+                        <a:schemeClr val="bg1"/>
+                      </a:gs>
+                    </a:gsLst>
+                    <a:lin ang="5400000" scaled="1"/>
+                  </a:gradFill>
+                  <a:effectLst>
+                    <a:outerShdw dist="127000" dir="2700000" algn="tl" rotWithShape="0">
+                      <a:schemeClr val="bg2">
+                        <a:lumMod val="25000"/>
+                      </a:schemeClr>
+                    </a:outerShdw>
+                  </a:effectLst>
+                  <a:latin typeface="Showcard Gothic" panose="04020904020102020604" pitchFamily="82" charset="0"/>
+                </a:rPr>
+                <a:t>1</a:t>
+              </a:r>
+              <a:endParaRPr lang="ja-JP" altLang="en-US" sz="7200" b="1" dirty="0">
+                <a:ln w="28575">
+                  <a:solidFill>
+                    <a:schemeClr val="bg2">
+                      <a:lumMod val="25000"/>
+                    </a:schemeClr>
+                  </a:solidFill>
+                  <a:prstDash val="solid"/>
+                </a:ln>
+                <a:gradFill>
+                  <a:gsLst>
+                    <a:gs pos="0">
+                      <a:schemeClr val="accent1">
+                        <a:lumMod val="75000"/>
+                      </a:schemeClr>
+                    </a:gs>
+                    <a:gs pos="43000">
+                      <a:srgbClr val="0070C0"/>
+                    </a:gs>
+                    <a:gs pos="55000">
+                      <a:schemeClr val="bg1"/>
+                    </a:gs>
+                    <a:gs pos="100000">
+                      <a:schemeClr val="bg1"/>
+                    </a:gs>
+                  </a:gsLst>
+                  <a:lin ang="5400000" scaled="1"/>
+                </a:gradFill>
+                <a:effectLst>
+                  <a:outerShdw dist="127000" dir="2700000" algn="tl" rotWithShape="0">
+                    <a:schemeClr val="bg2">
+                      <a:lumMod val="25000"/>
+                    </a:schemeClr>
+                  </a:outerShdw>
+                </a:effectLst>
+                <a:latin typeface="Showcard Gothic" panose="04020904020102020604" pitchFamily="82" charset="0"/>
+              </a:endParaRPr>
+            </a:p>
+          </p:txBody>
+        </p:sp>
+        <p:sp>
+          <p:nvSpPr>
+            <p:cNvPr id="38" name="正方形/長方形 37">
+              <a:extLst>
+                <a:ext uri="{FF2B5EF4-FFF2-40B4-BE49-F238E27FC236}">
+                  <a16:creationId xmlns:a16="http://schemas.microsoft.com/office/drawing/2014/main" id="{18293736-3DB3-4863-8FF7-75ADA52CF9E0}"/>
+                </a:ext>
+              </a:extLst>
+            </p:cNvPr>
+            <p:cNvSpPr/>
+            <p:nvPr/>
+          </p:nvSpPr>
+          <p:spPr>
+            <a:xfrm rot="300000">
+              <a:off x="8819730" y="3496448"/>
+              <a:ext cx="725214" cy="1200329"/>
+            </a:xfrm>
+            <a:prstGeom prst="rect">
+              <a:avLst/>
+            </a:prstGeom>
+          </p:spPr>
+          <p:txBody>
+            <a:bodyPr wrap="square">
+              <a:spAutoFit/>
+            </a:bodyPr>
+            <a:lstStyle/>
+            <a:p>
+              <a:pPr algn="ctr"/>
+              <a:r>
+                <a:rPr lang="en-US" altLang="ja-JP" sz="7200" b="1" dirty="0">
+                  <a:ln w="28575">
+                    <a:solidFill>
+                      <a:schemeClr val="bg2">
+                        <a:lumMod val="25000"/>
+                      </a:schemeClr>
+                    </a:solidFill>
+                    <a:prstDash val="solid"/>
+                  </a:ln>
+                  <a:gradFill>
+                    <a:gsLst>
+                      <a:gs pos="0">
+                        <a:schemeClr val="accent1">
+                          <a:lumMod val="75000"/>
+                        </a:schemeClr>
+                      </a:gs>
+                      <a:gs pos="43000">
+                        <a:srgbClr val="0070C0"/>
+                      </a:gs>
+                      <a:gs pos="55000">
+                        <a:schemeClr val="bg1"/>
+                      </a:gs>
+                      <a:gs pos="100000">
+                        <a:schemeClr val="bg1"/>
+                      </a:gs>
+                    </a:gsLst>
+                    <a:lin ang="5400000" scaled="1"/>
+                  </a:gradFill>
+                  <a:effectLst>
+                    <a:outerShdw dist="127000" dir="2700000" algn="tl" rotWithShape="0">
+                      <a:schemeClr val="bg2">
+                        <a:lumMod val="25000"/>
+                      </a:schemeClr>
+                    </a:outerShdw>
+                  </a:effectLst>
+                  <a:latin typeface="Showcard Gothic" panose="04020904020102020604" pitchFamily="82" charset="0"/>
+                </a:rPr>
+                <a:t>4</a:t>
+              </a:r>
+              <a:endParaRPr lang="ja-JP" altLang="en-US" sz="7200" b="1" dirty="0">
+                <a:ln w="28575">
+                  <a:solidFill>
+                    <a:schemeClr val="bg2">
+                      <a:lumMod val="25000"/>
+                    </a:schemeClr>
+                  </a:solidFill>
+                  <a:prstDash val="solid"/>
+                </a:ln>
+                <a:gradFill>
+                  <a:gsLst>
+                    <a:gs pos="0">
+                      <a:schemeClr val="accent1">
+                        <a:lumMod val="75000"/>
+                      </a:schemeClr>
+                    </a:gs>
+                    <a:gs pos="43000">
+                      <a:srgbClr val="0070C0"/>
+                    </a:gs>
+                    <a:gs pos="55000">
+                      <a:schemeClr val="bg1"/>
+                    </a:gs>
+                    <a:gs pos="100000">
+                      <a:schemeClr val="bg1"/>
+                    </a:gs>
+                  </a:gsLst>
+                  <a:lin ang="5400000" scaled="1"/>
+                </a:gradFill>
+                <a:effectLst>
+                  <a:outerShdw dist="127000" dir="2700000" algn="tl" rotWithShape="0">
+                    <a:schemeClr val="bg2">
+                      <a:lumMod val="25000"/>
+                    </a:schemeClr>
+                  </a:outerShdw>
+                </a:effectLst>
+                <a:latin typeface="Showcard Gothic" panose="04020904020102020604" pitchFamily="82" charset="0"/>
+              </a:endParaRPr>
+            </a:p>
+          </p:txBody>
+        </p:sp>
+        <p:sp>
+          <p:nvSpPr>
+            <p:cNvPr id="44" name="正方形/長方形 43">
+              <a:extLst>
+                <a:ext uri="{FF2B5EF4-FFF2-40B4-BE49-F238E27FC236}">
+                  <a16:creationId xmlns:a16="http://schemas.microsoft.com/office/drawing/2014/main" id="{EB101570-FE35-4CCC-A6FB-9675EBA144BC}"/>
+                </a:ext>
+              </a:extLst>
+            </p:cNvPr>
+            <p:cNvSpPr/>
+            <p:nvPr/>
+          </p:nvSpPr>
+          <p:spPr>
+            <a:xfrm rot="900000">
+              <a:off x="9413075" y="3549433"/>
+              <a:ext cx="725214" cy="1200329"/>
+            </a:xfrm>
+            <a:prstGeom prst="rect">
+              <a:avLst/>
+            </a:prstGeom>
+          </p:spPr>
+          <p:txBody>
+            <a:bodyPr wrap="square">
+              <a:spAutoFit/>
+            </a:bodyPr>
+            <a:lstStyle/>
+            <a:p>
+              <a:pPr algn="ctr"/>
+              <a:r>
+                <a:rPr lang="en-US" altLang="ja-JP" sz="7200" b="1" dirty="0">
+                  <a:ln w="28575">
+                    <a:solidFill>
+                      <a:schemeClr val="bg2">
+                        <a:lumMod val="25000"/>
+                      </a:schemeClr>
+                    </a:solidFill>
+                    <a:prstDash val="solid"/>
+                  </a:ln>
+                  <a:gradFill>
+                    <a:gsLst>
+                      <a:gs pos="0">
+                        <a:schemeClr val="accent1">
+                          <a:lumMod val="75000"/>
+                        </a:schemeClr>
+                      </a:gs>
+                      <a:gs pos="43000">
+                        <a:srgbClr val="0070C0"/>
+                      </a:gs>
+                      <a:gs pos="55000">
+                        <a:schemeClr val="bg1"/>
+                      </a:gs>
+                      <a:gs pos="100000">
+                        <a:schemeClr val="bg1"/>
+                      </a:gs>
+                    </a:gsLst>
+                    <a:lin ang="5400000" scaled="1"/>
+                  </a:gradFill>
+                  <a:effectLst>
+                    <a:outerShdw dist="127000" dir="2700000" algn="tl" rotWithShape="0">
+                      <a:schemeClr val="bg2">
+                        <a:lumMod val="25000"/>
+                      </a:schemeClr>
+                    </a:outerShdw>
+                  </a:effectLst>
+                  <a:latin typeface="Showcard Gothic" panose="04020904020102020604" pitchFamily="82" charset="0"/>
+                </a:rPr>
+                <a:t>0</a:t>
+              </a:r>
+              <a:endParaRPr lang="ja-JP" altLang="en-US" sz="7200" b="1" dirty="0">
+                <a:ln w="28575">
+                  <a:solidFill>
+                    <a:schemeClr val="bg2">
+                      <a:lumMod val="25000"/>
+                    </a:schemeClr>
+                  </a:solidFill>
+                  <a:prstDash val="solid"/>
+                </a:ln>
+                <a:gradFill>
+                  <a:gsLst>
+                    <a:gs pos="0">
+                      <a:schemeClr val="accent1">
+                        <a:lumMod val="75000"/>
+                      </a:schemeClr>
+                    </a:gs>
+                    <a:gs pos="43000">
+                      <a:srgbClr val="0070C0"/>
+                    </a:gs>
+                    <a:gs pos="55000">
+                      <a:schemeClr val="bg1"/>
+                    </a:gs>
+                    <a:gs pos="100000">
+                      <a:schemeClr val="bg1"/>
+                    </a:gs>
+                  </a:gsLst>
+                  <a:lin ang="5400000" scaled="1"/>
+                </a:gradFill>
+                <a:effectLst>
+                  <a:outerShdw dist="127000" dir="2700000" algn="tl" rotWithShape="0">
+                    <a:schemeClr val="bg2">
+                      <a:lumMod val="25000"/>
+                    </a:schemeClr>
+                  </a:outerShdw>
+                </a:effectLst>
+                <a:latin typeface="Showcard Gothic" panose="04020904020102020604" pitchFamily="82" charset="0"/>
+              </a:endParaRPr>
+            </a:p>
+          </p:txBody>
+        </p:sp>
+      </p:grpSp>
     </p:spTree>
     <p:extLst>
       <p:ext uri="{BB962C8B-B14F-4D97-AF65-F5344CB8AC3E}">

--- a/src/mamidimemo/Data/Images.pptx
+++ b/src/mamidimemo/Data/Images.pptx
@@ -199,7 +199,7 @@
           <a:p>
             <a:fld id="{FD0ADE19-EE5F-4EAE-BCEC-0B5F9244BB48}" type="datetimeFigureOut">
               <a:rPr kumimoji="1" lang="ja-JP" altLang="en-US" smtClean="0"/>
-              <a:t>2019/9/29</a:t>
+              <a:t>2019/12/14</a:t>
             </a:fld>
             <a:endParaRPr kumimoji="1" lang="ja-JP" altLang="en-US"/>
           </a:p>
@@ -729,7 +729,7 @@
           <a:p>
             <a:fld id="{B7E48A73-9369-4B88-BBE6-B1D33CBD5F01}" type="datetimeFigureOut">
               <a:rPr kumimoji="1" lang="ja-JP" altLang="en-US" smtClean="0"/>
-              <a:t>2019/9/29</a:t>
+              <a:t>2019/12/14</a:t>
             </a:fld>
             <a:endParaRPr kumimoji="1" lang="ja-JP" altLang="en-US"/>
           </a:p>
@@ -959,7 +959,7 @@
           <a:p>
             <a:fld id="{B7E48A73-9369-4B88-BBE6-B1D33CBD5F01}" type="datetimeFigureOut">
               <a:rPr kumimoji="1" lang="ja-JP" altLang="en-US" smtClean="0"/>
-              <a:t>2019/9/29</a:t>
+              <a:t>2019/12/14</a:t>
             </a:fld>
             <a:endParaRPr kumimoji="1" lang="ja-JP" altLang="en-US"/>
           </a:p>
@@ -1199,7 +1199,7 @@
           <a:p>
             <a:fld id="{B7E48A73-9369-4B88-BBE6-B1D33CBD5F01}" type="datetimeFigureOut">
               <a:rPr kumimoji="1" lang="ja-JP" altLang="en-US" smtClean="0"/>
-              <a:t>2019/9/29</a:t>
+              <a:t>2019/12/14</a:t>
             </a:fld>
             <a:endParaRPr kumimoji="1" lang="ja-JP" altLang="en-US"/>
           </a:p>
@@ -1429,7 +1429,7 @@
           <a:p>
             <a:fld id="{B7E48A73-9369-4B88-BBE6-B1D33CBD5F01}" type="datetimeFigureOut">
               <a:rPr kumimoji="1" lang="ja-JP" altLang="en-US" smtClean="0"/>
-              <a:t>2019/9/29</a:t>
+              <a:t>2019/12/14</a:t>
             </a:fld>
             <a:endParaRPr kumimoji="1" lang="ja-JP" altLang="en-US"/>
           </a:p>
@@ -1704,7 +1704,7 @@
           <a:p>
             <a:fld id="{B7E48A73-9369-4B88-BBE6-B1D33CBD5F01}" type="datetimeFigureOut">
               <a:rPr kumimoji="1" lang="ja-JP" altLang="en-US" smtClean="0"/>
-              <a:t>2019/9/29</a:t>
+              <a:t>2019/12/14</a:t>
             </a:fld>
             <a:endParaRPr kumimoji="1" lang="ja-JP" altLang="en-US"/>
           </a:p>
@@ -2033,7 +2033,7 @@
           <a:p>
             <a:fld id="{B7E48A73-9369-4B88-BBE6-B1D33CBD5F01}" type="datetimeFigureOut">
               <a:rPr kumimoji="1" lang="ja-JP" altLang="en-US" smtClean="0"/>
-              <a:t>2019/9/29</a:t>
+              <a:t>2019/12/14</a:t>
             </a:fld>
             <a:endParaRPr kumimoji="1" lang="ja-JP" altLang="en-US"/>
           </a:p>
@@ -2509,7 +2509,7 @@
           <a:p>
             <a:fld id="{B7E48A73-9369-4B88-BBE6-B1D33CBD5F01}" type="datetimeFigureOut">
               <a:rPr kumimoji="1" lang="ja-JP" altLang="en-US" smtClean="0"/>
-              <a:t>2019/9/29</a:t>
+              <a:t>2019/12/14</a:t>
             </a:fld>
             <a:endParaRPr kumimoji="1" lang="ja-JP" altLang="en-US"/>
           </a:p>
@@ -2650,7 +2650,7 @@
           <a:p>
             <a:fld id="{B7E48A73-9369-4B88-BBE6-B1D33CBD5F01}" type="datetimeFigureOut">
               <a:rPr kumimoji="1" lang="ja-JP" altLang="en-US" smtClean="0"/>
-              <a:t>2019/9/29</a:t>
+              <a:t>2019/12/14</a:t>
             </a:fld>
             <a:endParaRPr kumimoji="1" lang="ja-JP" altLang="en-US"/>
           </a:p>
@@ -2763,7 +2763,7 @@
           <a:p>
             <a:fld id="{B7E48A73-9369-4B88-BBE6-B1D33CBD5F01}" type="datetimeFigureOut">
               <a:rPr kumimoji="1" lang="ja-JP" altLang="en-US" smtClean="0"/>
-              <a:t>2019/9/29</a:t>
+              <a:t>2019/12/14</a:t>
             </a:fld>
             <a:endParaRPr kumimoji="1" lang="ja-JP" altLang="en-US"/>
           </a:p>
@@ -3106,7 +3106,7 @@
           <a:p>
             <a:fld id="{B7E48A73-9369-4B88-BBE6-B1D33CBD5F01}" type="datetimeFigureOut">
               <a:rPr kumimoji="1" lang="ja-JP" altLang="en-US" smtClean="0"/>
-              <a:t>2019/9/29</a:t>
+              <a:t>2019/12/14</a:t>
             </a:fld>
             <a:endParaRPr kumimoji="1" lang="ja-JP" altLang="en-US"/>
           </a:p>
@@ -3394,7 +3394,7 @@
           <a:p>
             <a:fld id="{B7E48A73-9369-4B88-BBE6-B1D33CBD5F01}" type="datetimeFigureOut">
               <a:rPr kumimoji="1" lang="ja-JP" altLang="en-US" smtClean="0"/>
-              <a:t>2019/9/29</a:t>
+              <a:t>2019/12/14</a:t>
             </a:fld>
             <a:endParaRPr kumimoji="1" lang="ja-JP" altLang="en-US"/>
           </a:p>
@@ -3667,7 +3667,7 @@
           <a:p>
             <a:fld id="{B7E48A73-9369-4B88-BBE6-B1D33CBD5F01}" type="datetimeFigureOut">
               <a:rPr kumimoji="1" lang="ja-JP" altLang="en-US" smtClean="0"/>
-              <a:t>2019/9/29</a:t>
+              <a:t>2019/12/14</a:t>
             </a:fld>
             <a:endParaRPr kumimoji="1" lang="ja-JP" altLang="en-US"/>
           </a:p>
@@ -31887,7 +31887,7 @@
         </p:nvGrpSpPr>
         <p:grpSpPr>
           <a:xfrm>
-            <a:off x="7761136" y="3490265"/>
+            <a:off x="7468701" y="682897"/>
             <a:ext cx="2377153" cy="1338200"/>
             <a:chOff x="7761136" y="3490265"/>
             <a:chExt cx="2377153" cy="1338200"/>
@@ -32326,6 +32326,485 @@
           </p:txBody>
         </p:sp>
       </p:grpSp>
+      <p:pic>
+        <p:nvPicPr>
+          <p:cNvPr id="1129" name="Picture 105" descr="「pcエンジン ロゴ」の画像検索結果&quot;">
+            <a:extLst>
+              <a:ext uri="{FF2B5EF4-FFF2-40B4-BE49-F238E27FC236}">
+                <a16:creationId xmlns:a16="http://schemas.microsoft.com/office/drawing/2014/main" id="{7F5550D6-4D8C-4D7D-B71F-8B7C41223A11}"/>
+              </a:ext>
+            </a:extLst>
+          </p:cNvPr>
+          <p:cNvPicPr>
+            <a:picLocks noChangeAspect="1" noChangeArrowheads="1"/>
+          </p:cNvPicPr>
+          <p:nvPr/>
+        </p:nvPicPr>
+        <p:blipFill>
+          <a:blip r:embed="rId2">
+            <a:extLst>
+              <a:ext uri="{28A0092B-C50C-407E-A947-70E740481C1C}">
+                <a14:useLocalDpi xmlns:a14="http://schemas.microsoft.com/office/drawing/2010/main" val="0"/>
+              </a:ext>
+            </a:extLst>
+          </a:blip>
+          <a:stretch>
+            <a:fillRect/>
+          </a:stretch>
+        </p:blipFill>
+        <p:spPr bwMode="auto">
+          <a:xfrm>
+            <a:off x="7319473" y="3834663"/>
+            <a:ext cx="4572000" cy="3429000"/>
+          </a:xfrm>
+          <a:prstGeom prst="rect">
+            <a:avLst/>
+          </a:prstGeom>
+          <a:noFill/>
+          <a:extLst>
+            <a:ext uri="{909E8E84-426E-40DD-AFC4-6F175D3DCCD1}">
+              <a14:hiddenFill xmlns:a14="http://schemas.microsoft.com/office/drawing/2010/main">
+                <a:solidFill>
+                  <a:srgbClr val="FFFFFF"/>
+                </a:solidFill>
+              </a14:hiddenFill>
+            </a:ext>
+          </a:extLst>
+        </p:spPr>
+      </p:pic>
+      <p:grpSp>
+        <p:nvGrpSpPr>
+          <p:cNvPr id="1106" name="グループ化 1105">
+            <a:extLst>
+              <a:ext uri="{FF2B5EF4-FFF2-40B4-BE49-F238E27FC236}">
+                <a16:creationId xmlns:a16="http://schemas.microsoft.com/office/drawing/2014/main" id="{54A6AD08-2A49-414B-AA8F-B215B75280F5}"/>
+              </a:ext>
+            </a:extLst>
+          </p:cNvPr>
+          <p:cNvGrpSpPr/>
+          <p:nvPr/>
+        </p:nvGrpSpPr>
+        <p:grpSpPr>
+          <a:xfrm>
+            <a:off x="3972111" y="4743288"/>
+            <a:ext cx="2977454" cy="1475700"/>
+            <a:chOff x="5988250" y="4332798"/>
+            <a:chExt cx="2977454" cy="1475700"/>
+          </a:xfrm>
+        </p:grpSpPr>
+        <p:sp>
+          <p:nvSpPr>
+            <p:cNvPr id="145" name="正方形/長方形 144">
+              <a:extLst>
+                <a:ext uri="{FF2B5EF4-FFF2-40B4-BE49-F238E27FC236}">
+                  <a16:creationId xmlns:a16="http://schemas.microsoft.com/office/drawing/2014/main" id="{4F04E2C4-3A30-4C8C-869D-26426E81F2DC}"/>
+                </a:ext>
+              </a:extLst>
+            </p:cNvPr>
+            <p:cNvSpPr/>
+            <p:nvPr/>
+          </p:nvSpPr>
+          <p:spPr>
+            <a:xfrm>
+              <a:off x="5988250" y="4885168"/>
+              <a:ext cx="2977454" cy="923330"/>
+            </a:xfrm>
+            <a:prstGeom prst="rect">
+              <a:avLst/>
+            </a:prstGeom>
+          </p:spPr>
+          <p:txBody>
+            <a:bodyPr wrap="square">
+              <a:spAutoFit/>
+            </a:bodyPr>
+            <a:lstStyle/>
+            <a:p>
+              <a:pPr algn="ctr"/>
+              <a:r>
+                <a:rPr lang="en-US" altLang="ja-JP" sz="5400" dirty="0">
+                  <a:ln w="57150">
+                    <a:solidFill>
+                      <a:srgbClr val="FC412B"/>
+                    </a:solidFill>
+                  </a:ln>
+                  <a:solidFill>
+                    <a:schemeClr val="bg1"/>
+                  </a:solidFill>
+                  <a:effectLst>
+                    <a:outerShdw blurRad="38100" dist="19050" dir="2700000" algn="tl" rotWithShape="0">
+                      <a:schemeClr val="dk1">
+                        <a:alpha val="40000"/>
+                      </a:schemeClr>
+                    </a:outerShdw>
+                  </a:effectLst>
+                  <a:latin typeface="Mission GT-R Condensed" panose="02000500000000000000" pitchFamily="2" charset="0"/>
+                </a:rPr>
+                <a:t>6280</a:t>
+              </a:r>
+            </a:p>
+          </p:txBody>
+        </p:sp>
+        <p:sp>
+          <p:nvSpPr>
+            <p:cNvPr id="148" name="正方形/長方形 147">
+              <a:extLst>
+                <a:ext uri="{FF2B5EF4-FFF2-40B4-BE49-F238E27FC236}">
+                  <a16:creationId xmlns:a16="http://schemas.microsoft.com/office/drawing/2014/main" id="{4A32F7DF-D357-4D29-B056-1BAC76735517}"/>
+                </a:ext>
+              </a:extLst>
+            </p:cNvPr>
+            <p:cNvSpPr/>
+            <p:nvPr/>
+          </p:nvSpPr>
+          <p:spPr>
+            <a:xfrm>
+              <a:off x="5988250" y="4332798"/>
+              <a:ext cx="2977454" cy="923330"/>
+            </a:xfrm>
+            <a:prstGeom prst="rect">
+              <a:avLst/>
+            </a:prstGeom>
+          </p:spPr>
+          <p:txBody>
+            <a:bodyPr wrap="square">
+              <a:spAutoFit/>
+            </a:bodyPr>
+            <a:lstStyle/>
+            <a:p>
+              <a:pPr algn="ctr"/>
+              <a:r>
+                <a:rPr lang="en-US" altLang="ja-JP" sz="5400" dirty="0" err="1">
+                  <a:ln w="0"/>
+                  <a:solidFill>
+                    <a:srgbClr val="FC412B"/>
+                  </a:solidFill>
+                  <a:effectLst>
+                    <a:outerShdw blurRad="38100" dist="19050" dir="2700000" algn="tl" rotWithShape="0">
+                      <a:schemeClr val="dk1">
+                        <a:alpha val="40000"/>
+                      </a:schemeClr>
+                    </a:outerShdw>
+                  </a:effectLst>
+                  <a:latin typeface="Mission GT-R Condensed" panose="02000500000000000000" pitchFamily="2" charset="0"/>
+                </a:rPr>
+                <a:t>HuC</a:t>
+              </a:r>
+              <a:endParaRPr lang="en-US" altLang="ja-JP" sz="5400" dirty="0">
+                <a:ln w="0"/>
+                <a:solidFill>
+                  <a:srgbClr val="FC412B"/>
+                </a:solidFill>
+                <a:effectLst>
+                  <a:outerShdw blurRad="38100" dist="19050" dir="2700000" algn="tl" rotWithShape="0">
+                    <a:schemeClr val="dk1">
+                      <a:alpha val="40000"/>
+                    </a:schemeClr>
+                  </a:outerShdw>
+                </a:effectLst>
+                <a:latin typeface="Mission GT-R Condensed" panose="02000500000000000000" pitchFamily="2" charset="0"/>
+              </a:endParaRPr>
+            </a:p>
+          </p:txBody>
+        </p:sp>
+      </p:grpSp>
+      <p:sp>
+        <p:nvSpPr>
+          <p:cNvPr id="1105" name="楕円 1104">
+            <a:extLst>
+              <a:ext uri="{FF2B5EF4-FFF2-40B4-BE49-F238E27FC236}">
+                <a16:creationId xmlns:a16="http://schemas.microsoft.com/office/drawing/2014/main" id="{4D91C100-BD4A-4E9D-AE7E-42A07DF17172}"/>
+              </a:ext>
+            </a:extLst>
+          </p:cNvPr>
+          <p:cNvSpPr/>
+          <p:nvPr/>
+        </p:nvSpPr>
+        <p:spPr>
+          <a:xfrm rot="21013589">
+            <a:off x="8099623" y="3004858"/>
+            <a:ext cx="3352116" cy="1132410"/>
+          </a:xfrm>
+          <a:prstGeom prst="ellipse">
+            <a:avLst/>
+          </a:prstGeom>
+          <a:noFill/>
+          <a:ln w="38100">
+            <a:solidFill>
+              <a:srgbClr val="F73C26"/>
+            </a:solidFill>
+          </a:ln>
+        </p:spPr>
+        <p:style>
+          <a:lnRef idx="2">
+            <a:schemeClr val="accent1">
+              <a:shade val="50000"/>
+            </a:schemeClr>
+          </a:lnRef>
+          <a:fillRef idx="1">
+            <a:schemeClr val="accent1"/>
+          </a:fillRef>
+          <a:effectRef idx="0">
+            <a:schemeClr val="accent1"/>
+          </a:effectRef>
+          <a:fontRef idx="minor">
+            <a:schemeClr val="lt1"/>
+          </a:fontRef>
+        </p:style>
+        <p:txBody>
+          <a:bodyPr rtlCol="0" anchor="ctr"/>
+          <a:lstStyle/>
+          <a:p>
+            <a:pPr algn="ctr"/>
+            <a:endParaRPr kumimoji="1" lang="ja-JP" altLang="en-US"/>
+          </a:p>
+        </p:txBody>
+      </p:sp>
+      <p:sp>
+        <p:nvSpPr>
+          <p:cNvPr id="161" name="正方形/長方形 160">
+            <a:extLst>
+              <a:ext uri="{FF2B5EF4-FFF2-40B4-BE49-F238E27FC236}">
+                <a16:creationId xmlns:a16="http://schemas.microsoft.com/office/drawing/2014/main" id="{AF110217-FCAA-4873-B80B-859AAC426CF5}"/>
+              </a:ext>
+            </a:extLst>
+          </p:cNvPr>
+          <p:cNvSpPr/>
+          <p:nvPr/>
+        </p:nvSpPr>
+        <p:spPr>
+          <a:xfrm rot="20608585">
+            <a:off x="8843938" y="3687329"/>
+            <a:ext cx="898136" cy="554656"/>
+          </a:xfrm>
+          <a:prstGeom prst="rect">
+            <a:avLst/>
+          </a:prstGeom>
+          <a:solidFill>
+            <a:schemeClr val="bg1"/>
+          </a:solidFill>
+          <a:ln>
+            <a:noFill/>
+          </a:ln>
+        </p:spPr>
+        <p:style>
+          <a:lnRef idx="2">
+            <a:schemeClr val="accent1">
+              <a:shade val="50000"/>
+            </a:schemeClr>
+          </a:lnRef>
+          <a:fillRef idx="1">
+            <a:schemeClr val="accent1"/>
+          </a:fillRef>
+          <a:effectRef idx="0">
+            <a:schemeClr val="accent1"/>
+          </a:effectRef>
+          <a:fontRef idx="minor">
+            <a:schemeClr val="lt1"/>
+          </a:fontRef>
+        </p:style>
+        <p:txBody>
+          <a:bodyPr rtlCol="0" anchor="ctr"/>
+          <a:lstStyle/>
+          <a:p>
+            <a:pPr algn="ctr"/>
+            <a:endParaRPr kumimoji="1" lang="ja-JP" altLang="en-US"/>
+          </a:p>
+        </p:txBody>
+      </p:sp>
+      <p:sp>
+        <p:nvSpPr>
+          <p:cNvPr id="160" name="正方形/長方形 159">
+            <a:extLst>
+              <a:ext uri="{FF2B5EF4-FFF2-40B4-BE49-F238E27FC236}">
+                <a16:creationId xmlns:a16="http://schemas.microsoft.com/office/drawing/2014/main" id="{BBA42480-EE80-4B20-B8EB-6345B7E42867}"/>
+              </a:ext>
+            </a:extLst>
+          </p:cNvPr>
+          <p:cNvSpPr/>
+          <p:nvPr/>
+        </p:nvSpPr>
+        <p:spPr>
+          <a:xfrm>
+            <a:off x="8750376" y="2723219"/>
+            <a:ext cx="1869279" cy="662982"/>
+          </a:xfrm>
+          <a:prstGeom prst="rect">
+            <a:avLst/>
+          </a:prstGeom>
+          <a:solidFill>
+            <a:schemeClr val="bg1"/>
+          </a:solidFill>
+          <a:ln>
+            <a:noFill/>
+          </a:ln>
+        </p:spPr>
+        <p:style>
+          <a:lnRef idx="2">
+            <a:schemeClr val="accent1">
+              <a:shade val="50000"/>
+            </a:schemeClr>
+          </a:lnRef>
+          <a:fillRef idx="1">
+            <a:schemeClr val="accent1"/>
+          </a:fillRef>
+          <a:effectRef idx="0">
+            <a:schemeClr val="accent1"/>
+          </a:effectRef>
+          <a:fontRef idx="minor">
+            <a:schemeClr val="lt1"/>
+          </a:fontRef>
+        </p:style>
+        <p:txBody>
+          <a:bodyPr rtlCol="0" anchor="ctr"/>
+          <a:lstStyle/>
+          <a:p>
+            <a:pPr algn="ctr"/>
+            <a:endParaRPr kumimoji="1" lang="ja-JP" altLang="en-US"/>
+          </a:p>
+        </p:txBody>
+      </p:sp>
+      <p:sp>
+        <p:nvSpPr>
+          <p:cNvPr id="1107" name="正方形/長方形 1106">
+            <a:extLst>
+              <a:ext uri="{FF2B5EF4-FFF2-40B4-BE49-F238E27FC236}">
+                <a16:creationId xmlns:a16="http://schemas.microsoft.com/office/drawing/2014/main" id="{F77F684F-8303-4EF9-A99E-5E1F14878A2F}"/>
+              </a:ext>
+            </a:extLst>
+          </p:cNvPr>
+          <p:cNvSpPr/>
+          <p:nvPr/>
+        </p:nvSpPr>
+        <p:spPr>
+          <a:xfrm>
+            <a:off x="8386602" y="3834663"/>
+            <a:ext cx="756475" cy="690880"/>
+          </a:xfrm>
+          <a:prstGeom prst="rect">
+            <a:avLst/>
+          </a:prstGeom>
+          <a:solidFill>
+            <a:schemeClr val="bg1"/>
+          </a:solidFill>
+          <a:ln>
+            <a:noFill/>
+          </a:ln>
+        </p:spPr>
+        <p:style>
+          <a:lnRef idx="2">
+            <a:schemeClr val="accent1">
+              <a:shade val="50000"/>
+            </a:schemeClr>
+          </a:lnRef>
+          <a:fillRef idx="1">
+            <a:schemeClr val="accent1"/>
+          </a:fillRef>
+          <a:effectRef idx="0">
+            <a:schemeClr val="accent1"/>
+          </a:effectRef>
+          <a:fontRef idx="minor">
+            <a:schemeClr val="lt1"/>
+          </a:fontRef>
+        </p:style>
+        <p:txBody>
+          <a:bodyPr rtlCol="0" anchor="ctr"/>
+          <a:lstStyle/>
+          <a:p>
+            <a:pPr algn="ctr"/>
+            <a:endParaRPr kumimoji="1" lang="ja-JP" altLang="en-US"/>
+          </a:p>
+        </p:txBody>
+      </p:sp>
+      <p:pic>
+        <p:nvPicPr>
+          <p:cNvPr id="1110" name="図 1109">
+            <a:extLst>
+              <a:ext uri="{FF2B5EF4-FFF2-40B4-BE49-F238E27FC236}">
+                <a16:creationId xmlns:a16="http://schemas.microsoft.com/office/drawing/2014/main" id="{341AA22A-B36D-448A-983A-27DE88FBFC60}"/>
+              </a:ext>
+            </a:extLst>
+          </p:cNvPr>
+          <p:cNvPicPr>
+            <a:picLocks noChangeAspect="1"/>
+          </p:cNvPicPr>
+          <p:nvPr/>
+        </p:nvPicPr>
+        <p:blipFill>
+          <a:blip r:embed="rId3"/>
+          <a:stretch>
+            <a:fillRect/>
+          </a:stretch>
+        </p:blipFill>
+        <p:spPr>
+          <a:xfrm>
+            <a:off x="7748542" y="1798974"/>
+            <a:ext cx="3896618" cy="2904911"/>
+          </a:xfrm>
+          <a:prstGeom prst="rect">
+            <a:avLst/>
+          </a:prstGeom>
+          <a:scene3d>
+            <a:camera prst="isometricOffAxis1Right"/>
+            <a:lightRig rig="threePt" dir="t"/>
+          </a:scene3d>
+        </p:spPr>
+      </p:pic>
+      <p:sp>
+        <p:nvSpPr>
+          <p:cNvPr id="174" name="星: 4 pt 173">
+            <a:extLst>
+              <a:ext uri="{FF2B5EF4-FFF2-40B4-BE49-F238E27FC236}">
+                <a16:creationId xmlns:a16="http://schemas.microsoft.com/office/drawing/2014/main" id="{C49EAE5D-1636-4914-9F0F-2B50930A50FC}"/>
+              </a:ext>
+            </a:extLst>
+          </p:cNvPr>
+          <p:cNvSpPr/>
+          <p:nvPr/>
+        </p:nvSpPr>
+        <p:spPr>
+          <a:xfrm rot="3005734">
+            <a:off x="10322099" y="2530136"/>
+            <a:ext cx="512634" cy="1003424"/>
+          </a:xfrm>
+          <a:prstGeom prst="star4">
+            <a:avLst>
+              <a:gd name="adj" fmla="val 12817"/>
+            </a:avLst>
+          </a:prstGeom>
+          <a:solidFill>
+            <a:srgbClr val="FC412B"/>
+          </a:solidFill>
+          <a:ln>
+            <a:solidFill>
+              <a:schemeClr val="bg1"/>
+            </a:solidFill>
+          </a:ln>
+        </p:spPr>
+        <p:style>
+          <a:lnRef idx="2">
+            <a:schemeClr val="accent1">
+              <a:shade val="50000"/>
+            </a:schemeClr>
+          </a:lnRef>
+          <a:fillRef idx="1">
+            <a:schemeClr val="accent1"/>
+          </a:fillRef>
+          <a:effectRef idx="0">
+            <a:schemeClr val="accent1"/>
+          </a:effectRef>
+          <a:fontRef idx="minor">
+            <a:schemeClr val="lt1"/>
+          </a:fontRef>
+        </p:style>
+        <p:txBody>
+          <a:bodyPr rtlCol="0" anchor="ctr"/>
+          <a:lstStyle/>
+          <a:p>
+            <a:pPr algn="ctr"/>
+            <a:endParaRPr kumimoji="1" lang="ja-JP" altLang="en-US"/>
+          </a:p>
+        </p:txBody>
+      </p:sp>
     </p:spTree>
     <p:extLst>
       <p:ext uri="{BB962C8B-B14F-4D97-AF65-F5344CB8AC3E}">

--- a/src/mamidimemo/Data/Images.pptx
+++ b/src/mamidimemo/Data/Images.pptx
@@ -5,12 +5,13 @@
     <p:sldMasterId id="2147483648" r:id="rId1"/>
   </p:sldMasterIdLst>
   <p:notesMasterIdLst>
-    <p:notesMasterId r:id="rId5"/>
+    <p:notesMasterId r:id="rId6"/>
   </p:notesMasterIdLst>
   <p:sldIdLst>
     <p:sldId id="256" r:id="rId2"/>
     <p:sldId id="258" r:id="rId3"/>
-    <p:sldId id="257" r:id="rId4"/>
+    <p:sldId id="259" r:id="rId4"/>
+    <p:sldId id="257" r:id="rId5"/>
   </p:sldIdLst>
   <p:sldSz cx="12192000" cy="6858000"/>
   <p:notesSz cx="6858000" cy="9144000"/>
@@ -199,7 +200,7 @@
           <a:p>
             <a:fld id="{FD0ADE19-EE5F-4EAE-BCEC-0B5F9244BB48}" type="datetimeFigureOut">
               <a:rPr kumimoji="1" lang="ja-JP" altLang="en-US" smtClean="0"/>
-              <a:t>2019/12/14</a:t>
+              <a:t>2019/12/15</a:t>
             </a:fld>
             <a:endParaRPr kumimoji="1" lang="ja-JP" altLang="en-US"/>
           </a:p>
@@ -729,7 +730,7 @@
           <a:p>
             <a:fld id="{B7E48A73-9369-4B88-BBE6-B1D33CBD5F01}" type="datetimeFigureOut">
               <a:rPr kumimoji="1" lang="ja-JP" altLang="en-US" smtClean="0"/>
-              <a:t>2019/12/14</a:t>
+              <a:t>2019/12/15</a:t>
             </a:fld>
             <a:endParaRPr kumimoji="1" lang="ja-JP" altLang="en-US"/>
           </a:p>
@@ -959,7 +960,7 @@
           <a:p>
             <a:fld id="{B7E48A73-9369-4B88-BBE6-B1D33CBD5F01}" type="datetimeFigureOut">
               <a:rPr kumimoji="1" lang="ja-JP" altLang="en-US" smtClean="0"/>
-              <a:t>2019/12/14</a:t>
+              <a:t>2019/12/15</a:t>
             </a:fld>
             <a:endParaRPr kumimoji="1" lang="ja-JP" altLang="en-US"/>
           </a:p>
@@ -1199,7 +1200,7 @@
           <a:p>
             <a:fld id="{B7E48A73-9369-4B88-BBE6-B1D33CBD5F01}" type="datetimeFigureOut">
               <a:rPr kumimoji="1" lang="ja-JP" altLang="en-US" smtClean="0"/>
-              <a:t>2019/12/14</a:t>
+              <a:t>2019/12/15</a:t>
             </a:fld>
             <a:endParaRPr kumimoji="1" lang="ja-JP" altLang="en-US"/>
           </a:p>
@@ -1429,7 +1430,7 @@
           <a:p>
             <a:fld id="{B7E48A73-9369-4B88-BBE6-B1D33CBD5F01}" type="datetimeFigureOut">
               <a:rPr kumimoji="1" lang="ja-JP" altLang="en-US" smtClean="0"/>
-              <a:t>2019/12/14</a:t>
+              <a:t>2019/12/15</a:t>
             </a:fld>
             <a:endParaRPr kumimoji="1" lang="ja-JP" altLang="en-US"/>
           </a:p>
@@ -1704,7 +1705,7 @@
           <a:p>
             <a:fld id="{B7E48A73-9369-4B88-BBE6-B1D33CBD5F01}" type="datetimeFigureOut">
               <a:rPr kumimoji="1" lang="ja-JP" altLang="en-US" smtClean="0"/>
-              <a:t>2019/12/14</a:t>
+              <a:t>2019/12/15</a:t>
             </a:fld>
             <a:endParaRPr kumimoji="1" lang="ja-JP" altLang="en-US"/>
           </a:p>
@@ -2033,7 +2034,7 @@
           <a:p>
             <a:fld id="{B7E48A73-9369-4B88-BBE6-B1D33CBD5F01}" type="datetimeFigureOut">
               <a:rPr kumimoji="1" lang="ja-JP" altLang="en-US" smtClean="0"/>
-              <a:t>2019/12/14</a:t>
+              <a:t>2019/12/15</a:t>
             </a:fld>
             <a:endParaRPr kumimoji="1" lang="ja-JP" altLang="en-US"/>
           </a:p>
@@ -2509,7 +2510,7 @@
           <a:p>
             <a:fld id="{B7E48A73-9369-4B88-BBE6-B1D33CBD5F01}" type="datetimeFigureOut">
               <a:rPr kumimoji="1" lang="ja-JP" altLang="en-US" smtClean="0"/>
-              <a:t>2019/12/14</a:t>
+              <a:t>2019/12/15</a:t>
             </a:fld>
             <a:endParaRPr kumimoji="1" lang="ja-JP" altLang="en-US"/>
           </a:p>
@@ -2650,7 +2651,7 @@
           <a:p>
             <a:fld id="{B7E48A73-9369-4B88-BBE6-B1D33CBD5F01}" type="datetimeFigureOut">
               <a:rPr kumimoji="1" lang="ja-JP" altLang="en-US" smtClean="0"/>
-              <a:t>2019/12/14</a:t>
+              <a:t>2019/12/15</a:t>
             </a:fld>
             <a:endParaRPr kumimoji="1" lang="ja-JP" altLang="en-US"/>
           </a:p>
@@ -2763,7 +2764,7 @@
           <a:p>
             <a:fld id="{B7E48A73-9369-4B88-BBE6-B1D33CBD5F01}" type="datetimeFigureOut">
               <a:rPr kumimoji="1" lang="ja-JP" altLang="en-US" smtClean="0"/>
-              <a:t>2019/12/14</a:t>
+              <a:t>2019/12/15</a:t>
             </a:fld>
             <a:endParaRPr kumimoji="1" lang="ja-JP" altLang="en-US"/>
           </a:p>
@@ -3106,7 +3107,7 @@
           <a:p>
             <a:fld id="{B7E48A73-9369-4B88-BBE6-B1D33CBD5F01}" type="datetimeFigureOut">
               <a:rPr kumimoji="1" lang="ja-JP" altLang="en-US" smtClean="0"/>
-              <a:t>2019/12/14</a:t>
+              <a:t>2019/12/15</a:t>
             </a:fld>
             <a:endParaRPr kumimoji="1" lang="ja-JP" altLang="en-US"/>
           </a:p>
@@ -3394,7 +3395,7 @@
           <a:p>
             <a:fld id="{B7E48A73-9369-4B88-BBE6-B1D33CBD5F01}" type="datetimeFigureOut">
               <a:rPr kumimoji="1" lang="ja-JP" altLang="en-US" smtClean="0"/>
-              <a:t>2019/12/14</a:t>
+              <a:t>2019/12/15</a:t>
             </a:fld>
             <a:endParaRPr kumimoji="1" lang="ja-JP" altLang="en-US"/>
           </a:p>
@@ -3667,7 +3668,7 @@
           <a:p>
             <a:fld id="{B7E48A73-9369-4B88-BBE6-B1D33CBD5F01}" type="datetimeFigureOut">
               <a:rPr kumimoji="1" lang="ja-JP" altLang="en-US" smtClean="0"/>
-              <a:t>2019/12/14</a:t>
+              <a:t>2019/12/15</a:t>
             </a:fld>
             <a:endParaRPr kumimoji="1" lang="ja-JP" altLang="en-US"/>
           </a:p>
@@ -4084,36 +4085,6 @@
           <a:chExt cx="0" cy="0"/>
         </a:xfrm>
       </p:grpSpPr>
-      <p:pic>
-        <p:nvPicPr>
-          <p:cNvPr id="10" name="図 9">
-            <a:extLst>
-              <a:ext uri="{FF2B5EF4-FFF2-40B4-BE49-F238E27FC236}">
-                <a16:creationId xmlns:a16="http://schemas.microsoft.com/office/drawing/2014/main" id="{BCAE223E-A958-4E93-87C4-018B3757E67F}"/>
-              </a:ext>
-            </a:extLst>
-          </p:cNvPr>
-          <p:cNvPicPr>
-            <a:picLocks noChangeAspect="1"/>
-          </p:cNvPicPr>
-          <p:nvPr/>
-        </p:nvPicPr>
-        <p:blipFill>
-          <a:blip r:embed="rId3"/>
-          <a:stretch>
-            <a:fillRect/>
-          </a:stretch>
-        </p:blipFill>
-        <p:spPr>
-          <a:xfrm>
-            <a:off x="3435854" y="3135518"/>
-            <a:ext cx="1481163" cy="596166"/>
-          </a:xfrm>
-          <a:prstGeom prst="rect">
-            <a:avLst/>
-          </a:prstGeom>
-        </p:spPr>
-      </p:pic>
       <p:grpSp>
         <p:nvGrpSpPr>
           <p:cNvPr id="42" name="グループ化 41">
@@ -8884,121 +8855,142 @@
           </p:txBody>
         </p:sp>
       </p:grpSp>
-      <p:pic>
-        <p:nvPicPr>
-          <p:cNvPr id="121" name="図 120">
+      <p:grpSp>
+        <p:nvGrpSpPr>
+          <p:cNvPr id="228" name="グループ化 227">
             <a:extLst>
               <a:ext uri="{FF2B5EF4-FFF2-40B4-BE49-F238E27FC236}">
-                <a16:creationId xmlns:a16="http://schemas.microsoft.com/office/drawing/2014/main" id="{91DCBB89-26D3-4749-9B58-4792DDE0C6E3}"/>
+                <a16:creationId xmlns:a16="http://schemas.microsoft.com/office/drawing/2014/main" id="{93DB8AF7-6559-43FB-AD73-78532CBBF611}"/>
               </a:ext>
             </a:extLst>
           </p:cNvPr>
-          <p:cNvPicPr>
-            <a:picLocks noChangeAspect="1"/>
-          </p:cNvPicPr>
+          <p:cNvGrpSpPr/>
           <p:nvPr/>
-        </p:nvPicPr>
-        <p:blipFill rotWithShape="1">
-          <a:blip r:embed="rId4">
-            <a:duotone>
-              <a:schemeClr val="accent2">
-                <a:shade val="45000"/>
-                <a:satMod val="135000"/>
-              </a:schemeClr>
-              <a:prstClr val="white"/>
-            </a:duotone>
-            <a:extLst>
-              <a:ext uri="{BEBA8EAE-BF5A-486C-A8C5-ECC9F3942E4B}">
-                <a14:imgProps xmlns:a14="http://schemas.microsoft.com/office/drawing/2010/main">
-                  <a14:imgLayer r:embed="rId5">
-                    <a14:imgEffect>
-                      <a14:backgroundRemoval t="8333" b="89815" l="3822" r="96603">
-                        <a14:foregroundMark x1="35456" y1="44444" x2="35456" y2="44444"/>
-                        <a14:foregroundMark x1="15074" y1="37037" x2="15074" y2="37037"/>
-                        <a14:foregroundMark x1="3822" y1="29630" x2="3822" y2="29630"/>
-                        <a14:foregroundMark x1="68153" y1="29630" x2="68153" y2="29630"/>
-                        <a14:foregroundMark x1="96603" y1="37037" x2="96603" y2="37037"/>
-                      </a14:backgroundRemoval>
-                    </a14:imgEffect>
-                  </a14:imgLayer>
-                </a14:imgProps>
-              </a:ext>
-              <a:ext uri="{28A0092B-C50C-407E-A947-70E740481C1C}">
-                <a14:useLocalDpi xmlns:a14="http://schemas.microsoft.com/office/drawing/2010/main"/>
-              </a:ext>
-            </a:extLst>
-          </a:blip>
-          <a:srcRect/>
-          <a:stretch/>
-        </p:blipFill>
-        <p:spPr>
+        </p:nvGrpSpPr>
+        <p:grpSpPr>
           <a:xfrm>
-            <a:off x="1099028" y="2078423"/>
-            <a:ext cx="1387661" cy="317857"/>
+            <a:off x="1421918" y="1971057"/>
+            <a:ext cx="1387661" cy="615878"/>
+            <a:chOff x="1099028" y="2078423"/>
+            <a:chExt cx="1387661" cy="615878"/>
           </a:xfrm>
-          <a:prstGeom prst="rect">
-            <a:avLst/>
-          </a:prstGeom>
-        </p:spPr>
-      </p:pic>
-      <p:pic>
-        <p:nvPicPr>
-          <p:cNvPr id="122" name="図 121">
-            <a:extLst>
-              <a:ext uri="{FF2B5EF4-FFF2-40B4-BE49-F238E27FC236}">
-                <a16:creationId xmlns:a16="http://schemas.microsoft.com/office/drawing/2014/main" id="{5DB9373A-3A88-4DD4-960C-7AAB42378886}"/>
-              </a:ext>
-            </a:extLst>
-          </p:cNvPr>
-          <p:cNvPicPr>
-            <a:picLocks noChangeAspect="1"/>
-          </p:cNvPicPr>
-          <p:nvPr/>
-        </p:nvPicPr>
-        <p:blipFill rotWithShape="1">
-          <a:blip r:embed="rId6">
-            <a:duotone>
-              <a:schemeClr val="accent2">
-                <a:shade val="45000"/>
-                <a:satMod val="135000"/>
-              </a:schemeClr>
-              <a:prstClr val="white"/>
-            </a:duotone>
-            <a:extLst>
-              <a:ext uri="{BEBA8EAE-BF5A-486C-A8C5-ECC9F3942E4B}">
-                <a14:imgProps xmlns:a14="http://schemas.microsoft.com/office/drawing/2010/main">
-                  <a14:imgLayer r:embed="rId7">
-                    <a14:imgEffect>
-                      <a14:backgroundRemoval t="8333" b="89815" l="4000" r="95111">
-                        <a14:foregroundMark x1="21556" y1="53704" x2="21556" y2="53704"/>
-                        <a14:foregroundMark x1="16222" y1="24074" x2="16222" y2="24074"/>
-                        <a14:foregroundMark x1="4000" y1="49074" x2="4000" y2="49074"/>
-                        <a14:foregroundMark x1="75111" y1="47222" x2="75111" y2="47222"/>
-                        <a14:foregroundMark x1="95111" y1="45370" x2="95111" y2="45370"/>
-                        <a14:foregroundMark x1="88889" y1="47222" x2="88889" y2="47222"/>
-                      </a14:backgroundRemoval>
-                    </a14:imgEffect>
-                  </a14:imgLayer>
-                </a14:imgProps>
-              </a:ext>
-              <a:ext uri="{28A0092B-C50C-407E-A947-70E740481C1C}">
-                <a14:useLocalDpi xmlns:a14="http://schemas.microsoft.com/office/drawing/2010/main"/>
-              </a:ext>
-            </a:extLst>
-          </a:blip>
-          <a:srcRect/>
-          <a:stretch/>
-        </p:blipFill>
-        <p:spPr>
-          <a:xfrm>
-            <a:off x="1132352" y="2376444"/>
-            <a:ext cx="1325721" cy="317857"/>
-          </a:xfrm>
-          <a:prstGeom prst="rect">
-            <a:avLst/>
-          </a:prstGeom>
-        </p:spPr>
-      </p:pic>
+        </p:grpSpPr>
+        <p:pic>
+          <p:nvPicPr>
+            <p:cNvPr id="121" name="図 120">
+              <a:extLst>
+                <a:ext uri="{FF2B5EF4-FFF2-40B4-BE49-F238E27FC236}">
+                  <a16:creationId xmlns:a16="http://schemas.microsoft.com/office/drawing/2014/main" id="{91DCBB89-26D3-4749-9B58-4792DDE0C6E3}"/>
+                </a:ext>
+              </a:extLst>
+            </p:cNvPr>
+            <p:cNvPicPr>
+              <a:picLocks noChangeAspect="1"/>
+            </p:cNvPicPr>
+            <p:nvPr/>
+          </p:nvPicPr>
+          <p:blipFill rotWithShape="1">
+            <a:blip r:embed="rId3">
+              <a:duotone>
+                <a:schemeClr val="accent2">
+                  <a:shade val="45000"/>
+                  <a:satMod val="135000"/>
+                </a:schemeClr>
+                <a:prstClr val="white"/>
+              </a:duotone>
+              <a:extLst>
+                <a:ext uri="{BEBA8EAE-BF5A-486C-A8C5-ECC9F3942E4B}">
+                  <a14:imgProps xmlns:a14="http://schemas.microsoft.com/office/drawing/2010/main">
+                    <a14:imgLayer r:embed="rId4">
+                      <a14:imgEffect>
+                        <a14:backgroundRemoval t="8333" b="89815" l="3822" r="96603">
+                          <a14:foregroundMark x1="35456" y1="44444" x2="35456" y2="44444"/>
+                          <a14:foregroundMark x1="15074" y1="37037" x2="15074" y2="37037"/>
+                          <a14:foregroundMark x1="3822" y1="29630" x2="3822" y2="29630"/>
+                          <a14:foregroundMark x1="68153" y1="29630" x2="68153" y2="29630"/>
+                          <a14:foregroundMark x1="96603" y1="37037" x2="96603" y2="37037"/>
+                        </a14:backgroundRemoval>
+                      </a14:imgEffect>
+                    </a14:imgLayer>
+                  </a14:imgProps>
+                </a:ext>
+                <a:ext uri="{28A0092B-C50C-407E-A947-70E740481C1C}">
+                  <a14:useLocalDpi xmlns:a14="http://schemas.microsoft.com/office/drawing/2010/main"/>
+                </a:ext>
+              </a:extLst>
+            </a:blip>
+            <a:srcRect/>
+            <a:stretch/>
+          </p:blipFill>
+          <p:spPr>
+            <a:xfrm>
+              <a:off x="1099028" y="2078423"/>
+              <a:ext cx="1387661" cy="317857"/>
+            </a:xfrm>
+            <a:prstGeom prst="rect">
+              <a:avLst/>
+            </a:prstGeom>
+          </p:spPr>
+        </p:pic>
+        <p:pic>
+          <p:nvPicPr>
+            <p:cNvPr id="122" name="図 121">
+              <a:extLst>
+                <a:ext uri="{FF2B5EF4-FFF2-40B4-BE49-F238E27FC236}">
+                  <a16:creationId xmlns:a16="http://schemas.microsoft.com/office/drawing/2014/main" id="{5DB9373A-3A88-4DD4-960C-7AAB42378886}"/>
+                </a:ext>
+              </a:extLst>
+            </p:cNvPr>
+            <p:cNvPicPr>
+              <a:picLocks noChangeAspect="1"/>
+            </p:cNvPicPr>
+            <p:nvPr/>
+          </p:nvPicPr>
+          <p:blipFill rotWithShape="1">
+            <a:blip r:embed="rId5">
+              <a:duotone>
+                <a:schemeClr val="accent2">
+                  <a:shade val="45000"/>
+                  <a:satMod val="135000"/>
+                </a:schemeClr>
+                <a:prstClr val="white"/>
+              </a:duotone>
+              <a:extLst>
+                <a:ext uri="{BEBA8EAE-BF5A-486C-A8C5-ECC9F3942E4B}">
+                  <a14:imgProps xmlns:a14="http://schemas.microsoft.com/office/drawing/2010/main">
+                    <a14:imgLayer r:embed="rId6">
+                      <a14:imgEffect>
+                        <a14:backgroundRemoval t="8333" b="89815" l="4000" r="95111">
+                          <a14:foregroundMark x1="21556" y1="53704" x2="21556" y2="53704"/>
+                          <a14:foregroundMark x1="16222" y1="24074" x2="16222" y2="24074"/>
+                          <a14:foregroundMark x1="4000" y1="49074" x2="4000" y2="49074"/>
+                          <a14:foregroundMark x1="75111" y1="47222" x2="75111" y2="47222"/>
+                          <a14:foregroundMark x1="95111" y1="45370" x2="95111" y2="45370"/>
+                          <a14:foregroundMark x1="88889" y1="47222" x2="88889" y2="47222"/>
+                        </a14:backgroundRemoval>
+                      </a14:imgEffect>
+                    </a14:imgLayer>
+                  </a14:imgProps>
+                </a:ext>
+                <a:ext uri="{28A0092B-C50C-407E-A947-70E740481C1C}">
+                  <a14:useLocalDpi xmlns:a14="http://schemas.microsoft.com/office/drawing/2010/main"/>
+                </a:ext>
+              </a:extLst>
+            </a:blip>
+            <a:srcRect/>
+            <a:stretch/>
+          </p:blipFill>
+          <p:spPr>
+            <a:xfrm>
+              <a:off x="1132352" y="2376444"/>
+              <a:ext cx="1325721" cy="317857"/>
+            </a:xfrm>
+            <a:prstGeom prst="rect">
+              <a:avLst/>
+            </a:prstGeom>
+          </p:spPr>
+        </p:pic>
+      </p:grpSp>
       <p:pic>
         <p:nvPicPr>
           <p:cNvPr id="125" name="図 124">
@@ -9014,11 +9006,11 @@
           <p:nvPr/>
         </p:nvPicPr>
         <p:blipFill rotWithShape="1">
-          <a:blip r:embed="rId8">
+          <a:blip r:embed="rId7">
             <a:extLst>
               <a:ext uri="{BEBA8EAE-BF5A-486C-A8C5-ECC9F3942E4B}">
                 <a14:imgProps xmlns:a14="http://schemas.microsoft.com/office/drawing/2010/main">
-                  <a14:imgLayer r:embed="rId9">
+                  <a14:imgLayer r:embed="rId8">
                     <a14:imgEffect>
                       <a14:backgroundRemoval t="7895" b="89474" l="3261" r="63768">
                         <a14:foregroundMark x1="24275" y1="47368" x2="24275" y2="47368"/>
@@ -9063,11 +9055,11 @@
           <p:nvPr/>
         </p:nvPicPr>
         <p:blipFill rotWithShape="1">
-          <a:blip r:embed="rId10">
+          <a:blip r:embed="rId9">
             <a:extLst>
               <a:ext uri="{BEBA8EAE-BF5A-486C-A8C5-ECC9F3942E4B}">
                 <a14:imgProps xmlns:a14="http://schemas.microsoft.com/office/drawing/2010/main">
-                  <a14:imgLayer r:embed="rId9">
+                  <a14:imgLayer r:embed="rId8">
                     <a14:imgEffect>
                       <a14:backgroundRemoval t="10000" b="90000" l="72120" r="96902">
                         <a14:foregroundMark x1="76449" y1="60526" x2="76449" y2="60526"/>
@@ -9109,7 +9101,7 @@
           <p:nvPr/>
         </p:nvPicPr>
         <p:blipFill>
-          <a:blip r:embed="rId11">
+          <a:blip r:embed="rId10">
             <a:extLst>
               <a:ext uri="{28A0092B-C50C-407E-A947-70E740481C1C}">
                 <a14:useLocalDpi xmlns:a14="http://schemas.microsoft.com/office/drawing/2010/main" val="0"/>
@@ -9169,152 +9161,203 @@
           </a:p>
         </p:txBody>
       </p:sp>
-      <p:sp>
-        <p:nvSpPr>
-          <p:cNvPr id="7" name="正方形/長方形 6">
+      <p:grpSp>
+        <p:nvGrpSpPr>
+          <p:cNvPr id="224" name="グループ化 223">
             <a:extLst>
               <a:ext uri="{FF2B5EF4-FFF2-40B4-BE49-F238E27FC236}">
-                <a16:creationId xmlns:a16="http://schemas.microsoft.com/office/drawing/2014/main" id="{BB9C071C-18F3-42B4-AA5E-F3D34F8F95FC}"/>
+                <a16:creationId xmlns:a16="http://schemas.microsoft.com/office/drawing/2014/main" id="{3D75A443-E4DC-4950-8B45-EA8C1AC59D31}"/>
               </a:ext>
             </a:extLst>
           </p:cNvPr>
-          <p:cNvSpPr/>
+          <p:cNvGrpSpPr/>
           <p:nvPr/>
-        </p:nvSpPr>
-        <p:spPr>
+        </p:nvGrpSpPr>
+        <p:grpSpPr>
           <a:xfrm>
-            <a:off x="3514357" y="3167389"/>
-            <a:ext cx="1342034" cy="523220"/>
+            <a:off x="1656131" y="3352711"/>
+            <a:ext cx="1481163" cy="596166"/>
+            <a:chOff x="3435854" y="3135518"/>
+            <a:chExt cx="1481163" cy="596166"/>
           </a:xfrm>
-          <a:prstGeom prst="rect">
-            <a:avLst/>
-          </a:prstGeom>
-        </p:spPr>
-        <p:txBody>
-          <a:bodyPr wrap="none">
-            <a:spAutoFit/>
-          </a:bodyPr>
-          <a:lstStyle/>
-          <a:p>
-            <a:r>
-              <a:rPr lang="en-US" altLang="ja-JP" sz="2800" dirty="0">
+        </p:grpSpPr>
+        <p:pic>
+          <p:nvPicPr>
+            <p:cNvPr id="10" name="図 9">
+              <a:extLst>
+                <a:ext uri="{FF2B5EF4-FFF2-40B4-BE49-F238E27FC236}">
+                  <a16:creationId xmlns:a16="http://schemas.microsoft.com/office/drawing/2014/main" id="{BCAE223E-A958-4E93-87C4-018B3757E67F}"/>
+                </a:ext>
+              </a:extLst>
+            </p:cNvPr>
+            <p:cNvPicPr>
+              <a:picLocks noChangeAspect="1"/>
+            </p:cNvPicPr>
+            <p:nvPr/>
+          </p:nvPicPr>
+          <p:blipFill>
+            <a:blip r:embed="rId11"/>
+            <a:stretch>
+              <a:fillRect/>
+            </a:stretch>
+          </p:blipFill>
+          <p:spPr>
+            <a:xfrm>
+              <a:off x="3435854" y="3135518"/>
+              <a:ext cx="1481163" cy="596166"/>
+            </a:xfrm>
+            <a:prstGeom prst="rect">
+              <a:avLst/>
+            </a:prstGeom>
+          </p:spPr>
+        </p:pic>
+        <p:sp>
+          <p:nvSpPr>
+            <p:cNvPr id="7" name="正方形/長方形 6">
+              <a:extLst>
+                <a:ext uri="{FF2B5EF4-FFF2-40B4-BE49-F238E27FC236}">
+                  <a16:creationId xmlns:a16="http://schemas.microsoft.com/office/drawing/2014/main" id="{BB9C071C-18F3-42B4-AA5E-F3D34F8F95FC}"/>
+                </a:ext>
+              </a:extLst>
+            </p:cNvPr>
+            <p:cNvSpPr/>
+            <p:nvPr/>
+          </p:nvSpPr>
+          <p:spPr>
+            <a:xfrm>
+              <a:off x="3514357" y="3167389"/>
+              <a:ext cx="1342034" cy="523220"/>
+            </a:xfrm>
+            <a:prstGeom prst="rect">
+              <a:avLst/>
+            </a:prstGeom>
+          </p:spPr>
+          <p:txBody>
+            <a:bodyPr wrap="none">
+              <a:spAutoFit/>
+            </a:bodyPr>
+            <a:lstStyle/>
+            <a:p>
+              <a:r>
+                <a:rPr lang="en-US" altLang="ja-JP" sz="2800" dirty="0">
+                  <a:solidFill>
+                    <a:schemeClr val="bg1"/>
+                  </a:solidFill>
+                  <a:latin typeface="Nintender" panose="02000500000000000000" pitchFamily="2" charset="0"/>
+                </a:rPr>
+                <a:t>R</a:t>
+              </a:r>
+              <a:r>
+                <a:rPr lang="en-US" altLang="ja-JP" dirty="0">
+                  <a:solidFill>
+                    <a:schemeClr val="bg1"/>
+                  </a:solidFill>
+                  <a:latin typeface="Nintender" panose="02000500000000000000" pitchFamily="2" charset="0"/>
+                </a:rPr>
+                <a:t>P2A03</a:t>
+              </a:r>
+              <a:endParaRPr lang="ja-JP" altLang="en-US" sz="2800" baseline="100000" dirty="0">
                 <a:solidFill>
                   <a:schemeClr val="bg1"/>
                 </a:solidFill>
                 <a:latin typeface="Nintender" panose="02000500000000000000" pitchFamily="2" charset="0"/>
-              </a:rPr>
-              <a:t>R</a:t>
-            </a:r>
-            <a:r>
-              <a:rPr lang="en-US" altLang="ja-JP" dirty="0">
-                <a:solidFill>
-                  <a:schemeClr val="bg1"/>
-                </a:solidFill>
-                <a:latin typeface="Nintender" panose="02000500000000000000" pitchFamily="2" charset="0"/>
-              </a:rPr>
-              <a:t>P2A03</a:t>
-            </a:r>
-            <a:endParaRPr lang="ja-JP" altLang="en-US" sz="2800" baseline="100000" dirty="0">
+              </a:endParaRPr>
+            </a:p>
+          </p:txBody>
+        </p:sp>
+        <p:sp>
+          <p:nvSpPr>
+            <p:cNvPr id="9" name="フローチャート: 端子 8">
+              <a:extLst>
+                <a:ext uri="{FF2B5EF4-FFF2-40B4-BE49-F238E27FC236}">
+                  <a16:creationId xmlns:a16="http://schemas.microsoft.com/office/drawing/2014/main" id="{9B427C14-1CCD-4F50-9B34-F62BC82857DE}"/>
+                </a:ext>
+              </a:extLst>
+            </p:cNvPr>
+            <p:cNvSpPr/>
+            <p:nvPr/>
+          </p:nvSpPr>
+          <p:spPr>
+            <a:xfrm>
+              <a:off x="3501410" y="3201133"/>
+              <a:ext cx="1350050" cy="464934"/>
+            </a:xfrm>
+            <a:prstGeom prst="flowChartTerminator">
+              <a:avLst/>
+            </a:prstGeom>
+            <a:noFill/>
+            <a:ln w="57150">
               <a:solidFill>
                 <a:schemeClr val="bg1"/>
               </a:solidFill>
-              <a:latin typeface="Nintender" panose="02000500000000000000" pitchFamily="2" charset="0"/>
-            </a:endParaRPr>
-          </a:p>
-        </p:txBody>
-      </p:sp>
-      <p:sp>
-        <p:nvSpPr>
-          <p:cNvPr id="9" name="フローチャート: 端子 8">
-            <a:extLst>
-              <a:ext uri="{FF2B5EF4-FFF2-40B4-BE49-F238E27FC236}">
-                <a16:creationId xmlns:a16="http://schemas.microsoft.com/office/drawing/2014/main" id="{9B427C14-1CCD-4F50-9B34-F62BC82857DE}"/>
-              </a:ext>
-            </a:extLst>
-          </p:cNvPr>
-          <p:cNvSpPr/>
-          <p:nvPr/>
-        </p:nvSpPr>
-        <p:spPr>
-          <a:xfrm>
-            <a:off x="3501410" y="3201133"/>
-            <a:ext cx="1350050" cy="464934"/>
-          </a:xfrm>
-          <a:prstGeom prst="flowChartTerminator">
-            <a:avLst/>
-          </a:prstGeom>
-          <a:noFill/>
-          <a:ln w="57150">
-            <a:solidFill>
-              <a:schemeClr val="bg1"/>
-            </a:solidFill>
-          </a:ln>
-        </p:spPr>
-        <p:style>
-          <a:lnRef idx="2">
-            <a:schemeClr val="accent1">
-              <a:shade val="50000"/>
-            </a:schemeClr>
-          </a:lnRef>
-          <a:fillRef idx="1">
-            <a:schemeClr val="accent1"/>
-          </a:fillRef>
-          <a:effectRef idx="0">
-            <a:schemeClr val="accent1"/>
-          </a:effectRef>
-          <a:fontRef idx="minor">
-            <a:schemeClr val="lt1"/>
-          </a:fontRef>
-        </p:style>
-        <p:txBody>
-          <a:bodyPr rtlCol="0" anchor="ctr"/>
-          <a:lstStyle/>
-          <a:p>
-            <a:pPr algn="ctr"/>
-            <a:endParaRPr kumimoji="1" lang="ja-JP" altLang="en-US"/>
-          </a:p>
-        </p:txBody>
-      </p:sp>
-      <p:sp>
-        <p:nvSpPr>
-          <p:cNvPr id="27" name="正方形/長方形 26">
-            <a:extLst>
-              <a:ext uri="{FF2B5EF4-FFF2-40B4-BE49-F238E27FC236}">
-                <a16:creationId xmlns:a16="http://schemas.microsoft.com/office/drawing/2014/main" id="{055630BB-F577-44AE-9ABA-297D50F0ADD5}"/>
-              </a:ext>
-            </a:extLst>
-          </p:cNvPr>
-          <p:cNvSpPr/>
-          <p:nvPr/>
-        </p:nvSpPr>
-        <p:spPr>
-          <a:xfrm>
-            <a:off x="4631061" y="3361339"/>
-            <a:ext cx="240772" cy="215444"/>
-          </a:xfrm>
-          <a:prstGeom prst="rect">
-            <a:avLst/>
-          </a:prstGeom>
-        </p:spPr>
-        <p:txBody>
-          <a:bodyPr wrap="none">
-            <a:spAutoFit/>
-          </a:bodyPr>
-          <a:lstStyle/>
-          <a:p>
-            <a:r>
-              <a:rPr lang="en-US" altLang="ja-JP" sz="800" baseline="100000" dirty="0">
-                <a:solidFill>
-                  <a:schemeClr val="bg1"/>
-                </a:solidFill>
-                <a:latin typeface="Nintender" panose="02000500000000000000" pitchFamily="2" charset="0"/>
-              </a:rPr>
-              <a:t>®</a:t>
-            </a:r>
-            <a:endParaRPr lang="ja-JP" altLang="en-US" dirty="0"/>
-          </a:p>
-        </p:txBody>
-      </p:sp>
+            </a:ln>
+          </p:spPr>
+          <p:style>
+            <a:lnRef idx="2">
+              <a:schemeClr val="accent1">
+                <a:shade val="50000"/>
+              </a:schemeClr>
+            </a:lnRef>
+            <a:fillRef idx="1">
+              <a:schemeClr val="accent1"/>
+            </a:fillRef>
+            <a:effectRef idx="0">
+              <a:schemeClr val="accent1"/>
+            </a:effectRef>
+            <a:fontRef idx="minor">
+              <a:schemeClr val="lt1"/>
+            </a:fontRef>
+          </p:style>
+          <p:txBody>
+            <a:bodyPr rtlCol="0" anchor="ctr"/>
+            <a:lstStyle/>
+            <a:p>
+              <a:pPr algn="ctr"/>
+              <a:endParaRPr kumimoji="1" lang="ja-JP" altLang="en-US"/>
+            </a:p>
+          </p:txBody>
+        </p:sp>
+        <p:sp>
+          <p:nvSpPr>
+            <p:cNvPr id="27" name="正方形/長方形 26">
+              <a:extLst>
+                <a:ext uri="{FF2B5EF4-FFF2-40B4-BE49-F238E27FC236}">
+                  <a16:creationId xmlns:a16="http://schemas.microsoft.com/office/drawing/2014/main" id="{055630BB-F577-44AE-9ABA-297D50F0ADD5}"/>
+                </a:ext>
+              </a:extLst>
+            </p:cNvPr>
+            <p:cNvSpPr/>
+            <p:nvPr/>
+          </p:nvSpPr>
+          <p:spPr>
+            <a:xfrm>
+              <a:off x="4631061" y="3361339"/>
+              <a:ext cx="240772" cy="215444"/>
+            </a:xfrm>
+            <a:prstGeom prst="rect">
+              <a:avLst/>
+            </a:prstGeom>
+          </p:spPr>
+          <p:txBody>
+            <a:bodyPr wrap="none">
+              <a:spAutoFit/>
+            </a:bodyPr>
+            <a:lstStyle/>
+            <a:p>
+              <a:r>
+                <a:rPr lang="en-US" altLang="ja-JP" sz="800" baseline="100000" dirty="0">
+                  <a:solidFill>
+                    <a:schemeClr val="bg1"/>
+                  </a:solidFill>
+                  <a:latin typeface="Nintender" panose="02000500000000000000" pitchFamily="2" charset="0"/>
+                </a:rPr>
+                <a:t>®</a:t>
+              </a:r>
+              <a:endParaRPr lang="ja-JP" altLang="en-US" dirty="0"/>
+            </a:p>
+          </p:txBody>
+        </p:sp>
+      </p:grpSp>
       <p:pic>
         <p:nvPicPr>
           <p:cNvPr id="117" name="図 116">
@@ -30009,6 +30052,208 @@
           </a:p>
         </p:txBody>
       </p:sp>
+      <p:pic>
+        <p:nvPicPr>
+          <p:cNvPr id="225" name="図 224">
+            <a:extLst>
+              <a:ext uri="{FF2B5EF4-FFF2-40B4-BE49-F238E27FC236}">
+                <a16:creationId xmlns:a16="http://schemas.microsoft.com/office/drawing/2014/main" id="{6AC67F7F-7AC1-43DB-8435-429AB23C1D65}"/>
+              </a:ext>
+            </a:extLst>
+          </p:cNvPr>
+          <p:cNvPicPr>
+            <a:picLocks noChangeAspect="1"/>
+          </p:cNvPicPr>
+          <p:nvPr/>
+        </p:nvPicPr>
+        <p:blipFill>
+          <a:blip r:embed="rId15"/>
+          <a:stretch>
+            <a:fillRect/>
+          </a:stretch>
+        </p:blipFill>
+        <p:spPr>
+          <a:xfrm>
+            <a:off x="3612264" y="3093033"/>
+            <a:ext cx="594950" cy="291549"/>
+          </a:xfrm>
+          <a:prstGeom prst="rect">
+            <a:avLst/>
+          </a:prstGeom>
+        </p:spPr>
+      </p:pic>
+      <p:pic>
+        <p:nvPicPr>
+          <p:cNvPr id="227" name="図 226">
+            <a:extLst>
+              <a:ext uri="{FF2B5EF4-FFF2-40B4-BE49-F238E27FC236}">
+                <a16:creationId xmlns:a16="http://schemas.microsoft.com/office/drawing/2014/main" id="{11E20235-76DB-432B-850F-3305F6C0C08D}"/>
+              </a:ext>
+            </a:extLst>
+          </p:cNvPr>
+          <p:cNvPicPr>
+            <a:picLocks noChangeAspect="1"/>
+          </p:cNvPicPr>
+          <p:nvPr/>
+        </p:nvPicPr>
+        <p:blipFill>
+          <a:blip r:embed="rId16">
+            <a:extLst>
+              <a:ext uri="{28A0092B-C50C-407E-A947-70E740481C1C}">
+                <a14:useLocalDpi xmlns:a14="http://schemas.microsoft.com/office/drawing/2010/main" val="0"/>
+              </a:ext>
+            </a:extLst>
+          </a:blip>
+          <a:stretch>
+            <a:fillRect/>
+          </a:stretch>
+        </p:blipFill>
+        <p:spPr>
+          <a:xfrm>
+            <a:off x="228345" y="2745355"/>
+            <a:ext cx="609685" cy="304843"/>
+          </a:xfrm>
+          <a:prstGeom prst="rect">
+            <a:avLst/>
+          </a:prstGeom>
+        </p:spPr>
+      </p:pic>
+      <p:grpSp>
+        <p:nvGrpSpPr>
+          <p:cNvPr id="148" name="グループ化 147">
+            <a:extLst>
+              <a:ext uri="{FF2B5EF4-FFF2-40B4-BE49-F238E27FC236}">
+                <a16:creationId xmlns:a16="http://schemas.microsoft.com/office/drawing/2014/main" id="{3D94DD07-EB16-4B9A-B63F-949D73E3CA28}"/>
+              </a:ext>
+            </a:extLst>
+          </p:cNvPr>
+          <p:cNvGrpSpPr/>
+          <p:nvPr/>
+        </p:nvGrpSpPr>
+        <p:grpSpPr>
+          <a:xfrm>
+            <a:off x="228345" y="2269078"/>
+            <a:ext cx="628905" cy="279123"/>
+            <a:chOff x="1099028" y="2078423"/>
+            <a:chExt cx="1387661" cy="615878"/>
+          </a:xfrm>
+        </p:grpSpPr>
+        <p:pic>
+          <p:nvPicPr>
+            <p:cNvPr id="149" name="図 148">
+              <a:extLst>
+                <a:ext uri="{FF2B5EF4-FFF2-40B4-BE49-F238E27FC236}">
+                  <a16:creationId xmlns:a16="http://schemas.microsoft.com/office/drawing/2014/main" id="{7A5A837B-838C-4E46-AD82-582F5A411647}"/>
+                </a:ext>
+              </a:extLst>
+            </p:cNvPr>
+            <p:cNvPicPr>
+              <a:picLocks noChangeAspect="1"/>
+            </p:cNvPicPr>
+            <p:nvPr/>
+          </p:nvPicPr>
+          <p:blipFill rotWithShape="1">
+            <a:blip r:embed="rId3">
+              <a:duotone>
+                <a:schemeClr val="accent2">
+                  <a:shade val="45000"/>
+                  <a:satMod val="135000"/>
+                </a:schemeClr>
+                <a:prstClr val="white"/>
+              </a:duotone>
+              <a:extLst>
+                <a:ext uri="{BEBA8EAE-BF5A-486C-A8C5-ECC9F3942E4B}">
+                  <a14:imgProps xmlns:a14="http://schemas.microsoft.com/office/drawing/2010/main">
+                    <a14:imgLayer r:embed="rId4">
+                      <a14:imgEffect>
+                        <a14:backgroundRemoval t="8333" b="89815" l="3822" r="96603">
+                          <a14:foregroundMark x1="35456" y1="44444" x2="35456" y2="44444"/>
+                          <a14:foregroundMark x1="15074" y1="37037" x2="15074" y2="37037"/>
+                          <a14:foregroundMark x1="3822" y1="29630" x2="3822" y2="29630"/>
+                          <a14:foregroundMark x1="68153" y1="29630" x2="68153" y2="29630"/>
+                          <a14:foregroundMark x1="96603" y1="37037" x2="96603" y2="37037"/>
+                        </a14:backgroundRemoval>
+                      </a14:imgEffect>
+                    </a14:imgLayer>
+                  </a14:imgProps>
+                </a:ext>
+                <a:ext uri="{28A0092B-C50C-407E-A947-70E740481C1C}">
+                  <a14:useLocalDpi xmlns:a14="http://schemas.microsoft.com/office/drawing/2010/main"/>
+                </a:ext>
+              </a:extLst>
+            </a:blip>
+            <a:srcRect/>
+            <a:stretch/>
+          </p:blipFill>
+          <p:spPr>
+            <a:xfrm>
+              <a:off x="1099028" y="2078423"/>
+              <a:ext cx="1387661" cy="317857"/>
+            </a:xfrm>
+            <a:prstGeom prst="rect">
+              <a:avLst/>
+            </a:prstGeom>
+          </p:spPr>
+        </p:pic>
+        <p:pic>
+          <p:nvPicPr>
+            <p:cNvPr id="150" name="図 149">
+              <a:extLst>
+                <a:ext uri="{FF2B5EF4-FFF2-40B4-BE49-F238E27FC236}">
+                  <a16:creationId xmlns:a16="http://schemas.microsoft.com/office/drawing/2014/main" id="{C95E8D0C-D50A-444D-9246-86F8471743E7}"/>
+                </a:ext>
+              </a:extLst>
+            </p:cNvPr>
+            <p:cNvPicPr>
+              <a:picLocks noChangeAspect="1"/>
+            </p:cNvPicPr>
+            <p:nvPr/>
+          </p:nvPicPr>
+          <p:blipFill rotWithShape="1">
+            <a:blip r:embed="rId5">
+              <a:duotone>
+                <a:schemeClr val="accent2">
+                  <a:shade val="45000"/>
+                  <a:satMod val="135000"/>
+                </a:schemeClr>
+                <a:prstClr val="white"/>
+              </a:duotone>
+              <a:extLst>
+                <a:ext uri="{BEBA8EAE-BF5A-486C-A8C5-ECC9F3942E4B}">
+                  <a14:imgProps xmlns:a14="http://schemas.microsoft.com/office/drawing/2010/main">
+                    <a14:imgLayer r:embed="rId6">
+                      <a14:imgEffect>
+                        <a14:backgroundRemoval t="8333" b="89815" l="4000" r="95111">
+                          <a14:foregroundMark x1="21556" y1="53704" x2="21556" y2="53704"/>
+                          <a14:foregroundMark x1="16222" y1="24074" x2="16222" y2="24074"/>
+                          <a14:foregroundMark x1="4000" y1="49074" x2="4000" y2="49074"/>
+                          <a14:foregroundMark x1="75111" y1="47222" x2="75111" y2="47222"/>
+                          <a14:foregroundMark x1="95111" y1="45370" x2="95111" y2="45370"/>
+                          <a14:foregroundMark x1="88889" y1="47222" x2="88889" y2="47222"/>
+                        </a14:backgroundRemoval>
+                      </a14:imgEffect>
+                    </a14:imgLayer>
+                  </a14:imgProps>
+                </a:ext>
+                <a:ext uri="{28A0092B-C50C-407E-A947-70E740481C1C}">
+                  <a14:useLocalDpi xmlns:a14="http://schemas.microsoft.com/office/drawing/2010/main"/>
+                </a:ext>
+              </a:extLst>
+            </a:blip>
+            <a:srcRect/>
+            <a:stretch/>
+          </p:blipFill>
+          <p:spPr>
+            <a:xfrm>
+              <a:off x="1132352" y="2376444"/>
+              <a:ext cx="1325721" cy="317857"/>
+            </a:xfrm>
+            <a:prstGeom prst="rect">
+              <a:avLst/>
+            </a:prstGeom>
+          </p:spPr>
+        </p:pic>
+      </p:grpSp>
     </p:spTree>
     <p:extLst>
       <p:ext uri="{BB962C8B-B14F-4D97-AF65-F5344CB8AC3E}">
@@ -30636,10 +30881,10 @@
       </p:grpSp>
       <p:grpSp>
         <p:nvGrpSpPr>
-          <p:cNvPr id="43" name="グループ化 42">
+          <p:cNvPr id="4" name="グループ化 3">
             <a:extLst>
               <a:ext uri="{FF2B5EF4-FFF2-40B4-BE49-F238E27FC236}">
-                <a16:creationId xmlns:a16="http://schemas.microsoft.com/office/drawing/2014/main" id="{E5DAB938-FF35-461F-BB75-44C1768CCE93}"/>
+                <a16:creationId xmlns:a16="http://schemas.microsoft.com/office/drawing/2014/main" id="{0AF12156-EF79-447B-BDEF-DE5352AF6A11}"/>
               </a:ext>
             </a:extLst>
           </p:cNvPr>
@@ -30648,18 +30893,541 @@
         </p:nvGrpSpPr>
         <p:grpSpPr>
           <a:xfrm>
-            <a:off x="460740" y="2751098"/>
-            <a:ext cx="655180" cy="981859"/>
-            <a:chOff x="3288136" y="3156782"/>
-            <a:chExt cx="655180" cy="981859"/>
+            <a:off x="460740" y="2714431"/>
+            <a:ext cx="3004408" cy="1018526"/>
+            <a:chOff x="460740" y="2714431"/>
+            <a:chExt cx="3004408" cy="1018526"/>
           </a:xfrm>
         </p:grpSpPr>
+        <p:grpSp>
+          <p:nvGrpSpPr>
+            <p:cNvPr id="43" name="グループ化 42">
+              <a:extLst>
+                <a:ext uri="{FF2B5EF4-FFF2-40B4-BE49-F238E27FC236}">
+                  <a16:creationId xmlns:a16="http://schemas.microsoft.com/office/drawing/2014/main" id="{E5DAB938-FF35-461F-BB75-44C1768CCE93}"/>
+                </a:ext>
+              </a:extLst>
+            </p:cNvPr>
+            <p:cNvGrpSpPr/>
+            <p:nvPr/>
+          </p:nvGrpSpPr>
+          <p:grpSpPr>
+            <a:xfrm>
+              <a:off x="460740" y="2751098"/>
+              <a:ext cx="655180" cy="981859"/>
+              <a:chOff x="3288136" y="3156782"/>
+              <a:chExt cx="655180" cy="981859"/>
+            </a:xfrm>
+          </p:grpSpPr>
+          <p:sp>
+            <p:nvSpPr>
+              <p:cNvPr id="19" name="部分円 18">
+                <a:extLst>
+                  <a:ext uri="{FF2B5EF4-FFF2-40B4-BE49-F238E27FC236}">
+                    <a16:creationId xmlns:a16="http://schemas.microsoft.com/office/drawing/2014/main" id="{559E5BEA-E307-489E-BB35-450D567DD6B2}"/>
+                  </a:ext>
+                </a:extLst>
+              </p:cNvPr>
+              <p:cNvSpPr/>
+              <p:nvPr/>
+            </p:nvSpPr>
+            <p:spPr>
+              <a:xfrm rot="10800000">
+                <a:off x="3348082" y="3543407"/>
+                <a:ext cx="595234" cy="595234"/>
+              </a:xfrm>
+              <a:prstGeom prst="pie">
+                <a:avLst>
+                  <a:gd name="adj1" fmla="val 5429402"/>
+                  <a:gd name="adj2" fmla="val 16200000"/>
+                </a:avLst>
+              </a:prstGeom>
+            </p:spPr>
+            <p:style>
+              <a:lnRef idx="2">
+                <a:schemeClr val="dk1">
+                  <a:shade val="50000"/>
+                </a:schemeClr>
+              </a:lnRef>
+              <a:fillRef idx="1">
+                <a:schemeClr val="dk1"/>
+              </a:fillRef>
+              <a:effectRef idx="0">
+                <a:schemeClr val="dk1"/>
+              </a:effectRef>
+              <a:fontRef idx="minor">
+                <a:schemeClr val="lt1"/>
+              </a:fontRef>
+            </p:style>
+            <p:txBody>
+              <a:bodyPr rtlCol="0" anchor="ctr"/>
+              <a:lstStyle/>
+              <a:p>
+                <a:pPr algn="ctr"/>
+                <a:endParaRPr kumimoji="1" lang="ja-JP" altLang="en-US">
+                  <a:solidFill>
+                    <a:schemeClr val="tx1"/>
+                  </a:solidFill>
+                </a:endParaRPr>
+              </a:p>
+            </p:txBody>
+          </p:sp>
+          <p:sp>
+            <p:nvSpPr>
+              <p:cNvPr id="36" name="フリーフォーム: 図形 35">
+                <a:extLst>
+                  <a:ext uri="{FF2B5EF4-FFF2-40B4-BE49-F238E27FC236}">
+                    <a16:creationId xmlns:a16="http://schemas.microsoft.com/office/drawing/2014/main" id="{ED7D8BF9-707D-4D20-B633-23108D996EF8}"/>
+                  </a:ext>
+                </a:extLst>
+              </p:cNvPr>
+              <p:cNvSpPr/>
+              <p:nvPr/>
+            </p:nvSpPr>
+            <p:spPr>
+              <a:xfrm flipH="1">
+                <a:off x="3288136" y="3156782"/>
+                <a:ext cx="270088" cy="978352"/>
+              </a:xfrm>
+              <a:custGeom>
+                <a:avLst/>
+                <a:gdLst>
+                  <a:gd name="connsiteX0" fmla="*/ 0 w 294110"/>
+                  <a:gd name="connsiteY0" fmla="*/ 0 h 1044786"/>
+                  <a:gd name="connsiteX1" fmla="*/ 12011 w 294110"/>
+                  <a:gd name="connsiteY1" fmla="*/ 0 h 1044786"/>
+                  <a:gd name="connsiteX2" fmla="*/ 294110 w 294110"/>
+                  <a:gd name="connsiteY2" fmla="*/ 282099 h 1044786"/>
+                  <a:gd name="connsiteX3" fmla="*/ 294109 w 294110"/>
+                  <a:gd name="connsiteY3" fmla="*/ 1044786 h 1044786"/>
+                  <a:gd name="connsiteX4" fmla="*/ 0 w 294110"/>
+                  <a:gd name="connsiteY4" fmla="*/ 1044786 h 1044786"/>
+                  <a:gd name="connsiteX5" fmla="*/ 0 w 294110"/>
+                  <a:gd name="connsiteY5" fmla="*/ 0 h 1044786"/>
+                </a:gdLst>
+                <a:ahLst/>
+                <a:cxnLst>
+                  <a:cxn ang="0">
+                    <a:pos x="connsiteX0" y="connsiteY0"/>
+                  </a:cxn>
+                  <a:cxn ang="0">
+                    <a:pos x="connsiteX1" y="connsiteY1"/>
+                  </a:cxn>
+                  <a:cxn ang="0">
+                    <a:pos x="connsiteX2" y="connsiteY2"/>
+                  </a:cxn>
+                  <a:cxn ang="0">
+                    <a:pos x="connsiteX3" y="connsiteY3"/>
+                  </a:cxn>
+                  <a:cxn ang="0">
+                    <a:pos x="connsiteX4" y="connsiteY4"/>
+                  </a:cxn>
+                  <a:cxn ang="0">
+                    <a:pos x="connsiteX5" y="connsiteY5"/>
+                  </a:cxn>
+                </a:cxnLst>
+                <a:rect l="l" t="t" r="r" b="b"/>
+                <a:pathLst>
+                  <a:path w="294110" h="1044786">
+                    <a:moveTo>
+                      <a:pt x="0" y="0"/>
+                    </a:moveTo>
+                    <a:lnTo>
+                      <a:pt x="12011" y="0"/>
+                    </a:lnTo>
+                    <a:cubicBezTo>
+                      <a:pt x="167810" y="0"/>
+                      <a:pt x="294110" y="126300"/>
+                      <a:pt x="294110" y="282099"/>
+                    </a:cubicBezTo>
+                    <a:cubicBezTo>
+                      <a:pt x="294110" y="536328"/>
+                      <a:pt x="294109" y="790557"/>
+                      <a:pt x="294109" y="1044786"/>
+                    </a:cubicBezTo>
+                    <a:lnTo>
+                      <a:pt x="0" y="1044786"/>
+                    </a:lnTo>
+                    <a:lnTo>
+                      <a:pt x="0" y="0"/>
+                    </a:lnTo>
+                    <a:close/>
+                  </a:path>
+                </a:pathLst>
+              </a:custGeom>
+            </p:spPr>
+            <p:style>
+              <a:lnRef idx="2">
+                <a:schemeClr val="dk1">
+                  <a:shade val="50000"/>
+                </a:schemeClr>
+              </a:lnRef>
+              <a:fillRef idx="1">
+                <a:schemeClr val="dk1"/>
+              </a:fillRef>
+              <a:effectRef idx="0">
+                <a:schemeClr val="dk1"/>
+              </a:effectRef>
+              <a:fontRef idx="minor">
+                <a:schemeClr val="lt1"/>
+              </a:fontRef>
+            </p:style>
+            <p:txBody>
+              <a:bodyPr rtlCol="0" anchor="ctr"/>
+              <a:lstStyle/>
+              <a:p>
+                <a:pPr algn="ctr"/>
+                <a:endParaRPr kumimoji="1" lang="ja-JP" altLang="en-US"/>
+              </a:p>
+            </p:txBody>
+          </p:sp>
+        </p:grpSp>
+        <p:grpSp>
+          <p:nvGrpSpPr>
+            <p:cNvPr id="34" name="グループ化 33">
+              <a:extLst>
+                <a:ext uri="{FF2B5EF4-FFF2-40B4-BE49-F238E27FC236}">
+                  <a16:creationId xmlns:a16="http://schemas.microsoft.com/office/drawing/2014/main" id="{62FE1AB7-6AAA-4BE5-B877-C07E781FEF27}"/>
+                </a:ext>
+              </a:extLst>
+            </p:cNvPr>
+            <p:cNvGrpSpPr/>
+            <p:nvPr/>
+          </p:nvGrpSpPr>
+          <p:grpSpPr>
+            <a:xfrm>
+              <a:off x="1359192" y="2714431"/>
+              <a:ext cx="664262" cy="1018526"/>
+              <a:chOff x="4163335" y="3120115"/>
+              <a:chExt cx="664262" cy="1018526"/>
+            </a:xfrm>
+          </p:grpSpPr>
+          <p:sp>
+            <p:nvSpPr>
+              <p:cNvPr id="33" name="正方形/長方形 32">
+                <a:extLst>
+                  <a:ext uri="{FF2B5EF4-FFF2-40B4-BE49-F238E27FC236}">
+                    <a16:creationId xmlns:a16="http://schemas.microsoft.com/office/drawing/2014/main" id="{4C6C5C66-1C0E-4DD7-83D0-0E92A85676A0}"/>
+                  </a:ext>
+                </a:extLst>
+              </p:cNvPr>
+              <p:cNvSpPr/>
+              <p:nvPr/>
+            </p:nvSpPr>
+            <p:spPr>
+              <a:xfrm>
+                <a:off x="4163335" y="3444939"/>
+                <a:ext cx="270088" cy="356682"/>
+              </a:xfrm>
+              <a:prstGeom prst="rect">
+                <a:avLst/>
+              </a:prstGeom>
+            </p:spPr>
+            <p:style>
+              <a:lnRef idx="2">
+                <a:schemeClr val="dk1">
+                  <a:shade val="50000"/>
+                </a:schemeClr>
+              </a:lnRef>
+              <a:fillRef idx="1">
+                <a:schemeClr val="dk1"/>
+              </a:fillRef>
+              <a:effectRef idx="0">
+                <a:schemeClr val="dk1"/>
+              </a:effectRef>
+              <a:fontRef idx="minor">
+                <a:schemeClr val="lt1"/>
+              </a:fontRef>
+            </p:style>
+            <p:txBody>
+              <a:bodyPr rtlCol="0" anchor="ctr"/>
+              <a:lstStyle/>
+              <a:p>
+                <a:pPr algn="ctr"/>
+                <a:endParaRPr kumimoji="1" lang="ja-JP" altLang="en-US"/>
+              </a:p>
+            </p:txBody>
+          </p:sp>
+          <p:sp>
+            <p:nvSpPr>
+              <p:cNvPr id="40" name="フリーフォーム: 図形 39">
+                <a:extLst>
+                  <a:ext uri="{FF2B5EF4-FFF2-40B4-BE49-F238E27FC236}">
+                    <a16:creationId xmlns:a16="http://schemas.microsoft.com/office/drawing/2014/main" id="{5C6C3261-6E5F-49B0-8E56-800F08E69820}"/>
+                  </a:ext>
+                </a:extLst>
+              </p:cNvPr>
+              <p:cNvSpPr/>
+              <p:nvPr/>
+            </p:nvSpPr>
+            <p:spPr>
+              <a:xfrm rot="16200000">
+                <a:off x="4361796" y="2924401"/>
+                <a:ext cx="270088" cy="661515"/>
+              </a:xfrm>
+              <a:custGeom>
+                <a:avLst/>
+                <a:gdLst>
+                  <a:gd name="connsiteX0" fmla="*/ 270088 w 270088"/>
+                  <a:gd name="connsiteY0" fmla="*/ 264161 h 661515"/>
+                  <a:gd name="connsiteX1" fmla="*/ 270088 w 270088"/>
+                  <a:gd name="connsiteY1" fmla="*/ 661515 h 661515"/>
+                  <a:gd name="connsiteX2" fmla="*/ 0 w 270088"/>
+                  <a:gd name="connsiteY2" fmla="*/ 661515 h 661515"/>
+                  <a:gd name="connsiteX3" fmla="*/ 0 w 270088"/>
+                  <a:gd name="connsiteY3" fmla="*/ 0 h 661515"/>
+                  <a:gd name="connsiteX4" fmla="*/ 11030 w 270088"/>
+                  <a:gd name="connsiteY4" fmla="*/ 0 h 661515"/>
+                  <a:gd name="connsiteX5" fmla="*/ 270088 w 270088"/>
+                  <a:gd name="connsiteY5" fmla="*/ 264161 h 661515"/>
+                </a:gdLst>
+                <a:ahLst/>
+                <a:cxnLst>
+                  <a:cxn ang="0">
+                    <a:pos x="connsiteX0" y="connsiteY0"/>
+                  </a:cxn>
+                  <a:cxn ang="0">
+                    <a:pos x="connsiteX1" y="connsiteY1"/>
+                  </a:cxn>
+                  <a:cxn ang="0">
+                    <a:pos x="connsiteX2" y="connsiteY2"/>
+                  </a:cxn>
+                  <a:cxn ang="0">
+                    <a:pos x="connsiteX3" y="connsiteY3"/>
+                  </a:cxn>
+                  <a:cxn ang="0">
+                    <a:pos x="connsiteX4" y="connsiteY4"/>
+                  </a:cxn>
+                  <a:cxn ang="0">
+                    <a:pos x="connsiteX5" y="connsiteY5"/>
+                  </a:cxn>
+                </a:cxnLst>
+                <a:rect l="l" t="t" r="r" b="b"/>
+                <a:pathLst>
+                  <a:path w="270088" h="661515">
+                    <a:moveTo>
+                      <a:pt x="270088" y="264161"/>
+                    </a:moveTo>
+                    <a:lnTo>
+                      <a:pt x="270088" y="661515"/>
+                    </a:lnTo>
+                    <a:lnTo>
+                      <a:pt x="0" y="661515"/>
+                    </a:lnTo>
+                    <a:lnTo>
+                      <a:pt x="0" y="0"/>
+                    </a:lnTo>
+                    <a:lnTo>
+                      <a:pt x="11030" y="0"/>
+                    </a:lnTo>
+                    <a:cubicBezTo>
+                      <a:pt x="154104" y="0"/>
+                      <a:pt x="270088" y="118269"/>
+                      <a:pt x="270088" y="264161"/>
+                    </a:cubicBezTo>
+                    <a:close/>
+                  </a:path>
+                </a:pathLst>
+              </a:custGeom>
+            </p:spPr>
+            <p:style>
+              <a:lnRef idx="2">
+                <a:schemeClr val="dk1">
+                  <a:shade val="50000"/>
+                </a:schemeClr>
+              </a:lnRef>
+              <a:fillRef idx="1">
+                <a:schemeClr val="dk1"/>
+              </a:fillRef>
+              <a:effectRef idx="0">
+                <a:schemeClr val="dk1"/>
+              </a:effectRef>
+              <a:fontRef idx="minor">
+                <a:schemeClr val="lt1"/>
+              </a:fontRef>
+            </p:style>
+            <p:txBody>
+              <a:bodyPr rtlCol="0" anchor="ctr"/>
+              <a:lstStyle/>
+              <a:p>
+                <a:pPr algn="ctr"/>
+                <a:endParaRPr kumimoji="1" lang="ja-JP" altLang="en-US"/>
+              </a:p>
+            </p:txBody>
+          </p:sp>
+          <p:sp>
+            <p:nvSpPr>
+              <p:cNvPr id="39" name="部分円 38">
+                <a:extLst>
+                  <a:ext uri="{FF2B5EF4-FFF2-40B4-BE49-F238E27FC236}">
+                    <a16:creationId xmlns:a16="http://schemas.microsoft.com/office/drawing/2014/main" id="{768B0311-40F9-4D0B-8063-6F8C4D4FDFE4}"/>
+                  </a:ext>
+                </a:extLst>
+              </p:cNvPr>
+              <p:cNvSpPr/>
+              <p:nvPr/>
+            </p:nvSpPr>
+            <p:spPr>
+              <a:xfrm rot="10800000">
+                <a:off x="4220121" y="3543407"/>
+                <a:ext cx="595234" cy="595234"/>
+              </a:xfrm>
+              <a:prstGeom prst="pie">
+                <a:avLst>
+                  <a:gd name="adj1" fmla="val 5429402"/>
+                  <a:gd name="adj2" fmla="val 16200000"/>
+                </a:avLst>
+              </a:prstGeom>
+            </p:spPr>
+            <p:style>
+              <a:lnRef idx="2">
+                <a:schemeClr val="dk1">
+                  <a:shade val="50000"/>
+                </a:schemeClr>
+              </a:lnRef>
+              <a:fillRef idx="1">
+                <a:schemeClr val="dk1"/>
+              </a:fillRef>
+              <a:effectRef idx="0">
+                <a:schemeClr val="dk1"/>
+              </a:effectRef>
+              <a:fontRef idx="minor">
+                <a:schemeClr val="lt1"/>
+              </a:fontRef>
+            </p:style>
+            <p:txBody>
+              <a:bodyPr rtlCol="0" anchor="ctr"/>
+              <a:lstStyle/>
+              <a:p>
+                <a:pPr algn="ctr"/>
+                <a:endParaRPr kumimoji="1" lang="ja-JP" altLang="en-US">
+                  <a:solidFill>
+                    <a:schemeClr val="tx1"/>
+                  </a:solidFill>
+                </a:endParaRPr>
+              </a:p>
+            </p:txBody>
+          </p:sp>
+        </p:grpSp>
+        <p:grpSp>
+          <p:nvGrpSpPr>
+            <p:cNvPr id="45" name="グループ化 44">
+              <a:extLst>
+                <a:ext uri="{FF2B5EF4-FFF2-40B4-BE49-F238E27FC236}">
+                  <a16:creationId xmlns:a16="http://schemas.microsoft.com/office/drawing/2014/main" id="{EA4993E9-51AC-4CB0-9047-6A0AF2E2939E}"/>
+                </a:ext>
+              </a:extLst>
+            </p:cNvPr>
+            <p:cNvGrpSpPr/>
+            <p:nvPr/>
+          </p:nvGrpSpPr>
+          <p:grpSpPr>
+            <a:xfrm>
+              <a:off x="2309636" y="2715741"/>
+              <a:ext cx="601198" cy="1013708"/>
+              <a:chOff x="5168746" y="3121425"/>
+              <a:chExt cx="601198" cy="1013708"/>
+            </a:xfrm>
+          </p:grpSpPr>
+          <p:sp>
+            <p:nvSpPr>
+              <p:cNvPr id="24" name="楕円 23">
+                <a:extLst>
+                  <a:ext uri="{FF2B5EF4-FFF2-40B4-BE49-F238E27FC236}">
+                    <a16:creationId xmlns:a16="http://schemas.microsoft.com/office/drawing/2014/main" id="{99A24F43-DBE0-4002-A3A0-61EF8949A201}"/>
+                  </a:ext>
+                </a:extLst>
+              </p:cNvPr>
+              <p:cNvSpPr/>
+              <p:nvPr/>
+            </p:nvSpPr>
+            <p:spPr>
+              <a:xfrm>
+                <a:off x="5168746" y="3539898"/>
+                <a:ext cx="601198" cy="595235"/>
+              </a:xfrm>
+              <a:prstGeom prst="ellipse">
+                <a:avLst/>
+              </a:prstGeom>
+            </p:spPr>
+            <p:style>
+              <a:lnRef idx="2">
+                <a:schemeClr val="dk1">
+                  <a:shade val="50000"/>
+                </a:schemeClr>
+              </a:lnRef>
+              <a:fillRef idx="1">
+                <a:schemeClr val="dk1"/>
+              </a:fillRef>
+              <a:effectRef idx="0">
+                <a:schemeClr val="dk1"/>
+              </a:effectRef>
+              <a:fontRef idx="minor">
+                <a:schemeClr val="lt1"/>
+              </a:fontRef>
+            </p:style>
+            <p:txBody>
+              <a:bodyPr rtlCol="0" anchor="ctr"/>
+              <a:lstStyle/>
+              <a:p>
+                <a:pPr algn="ctr"/>
+                <a:endParaRPr kumimoji="1" lang="ja-JP" altLang="en-US"/>
+              </a:p>
+            </p:txBody>
+          </p:sp>
+          <p:sp>
+            <p:nvSpPr>
+              <p:cNvPr id="41" name="楕円 40">
+                <a:extLst>
+                  <a:ext uri="{FF2B5EF4-FFF2-40B4-BE49-F238E27FC236}">
+                    <a16:creationId xmlns:a16="http://schemas.microsoft.com/office/drawing/2014/main" id="{8507D519-6355-46A3-B3C3-3495975B9B0D}"/>
+                  </a:ext>
+                </a:extLst>
+              </p:cNvPr>
+              <p:cNvSpPr/>
+              <p:nvPr/>
+            </p:nvSpPr>
+            <p:spPr>
+              <a:xfrm>
+                <a:off x="5275429" y="3121425"/>
+                <a:ext cx="387834" cy="383988"/>
+              </a:xfrm>
+              <a:prstGeom prst="ellipse">
+                <a:avLst/>
+              </a:prstGeom>
+            </p:spPr>
+            <p:style>
+              <a:lnRef idx="2">
+                <a:schemeClr val="dk1">
+                  <a:shade val="50000"/>
+                </a:schemeClr>
+              </a:lnRef>
+              <a:fillRef idx="1">
+                <a:schemeClr val="dk1"/>
+              </a:fillRef>
+              <a:effectRef idx="0">
+                <a:schemeClr val="dk1"/>
+              </a:effectRef>
+              <a:fontRef idx="minor">
+                <a:schemeClr val="lt1"/>
+              </a:fontRef>
+            </p:style>
+            <p:txBody>
+              <a:bodyPr rtlCol="0" anchor="ctr"/>
+              <a:lstStyle/>
+              <a:p>
+                <a:pPr algn="ctr"/>
+                <a:endParaRPr kumimoji="1" lang="ja-JP" altLang="en-US"/>
+              </a:p>
+            </p:txBody>
+          </p:sp>
+        </p:grpSp>
         <p:sp>
           <p:nvSpPr>
-            <p:cNvPr id="19" name="部分円 18">
+            <p:cNvPr id="42" name="フリーフォーム: 図形 41">
               <a:extLst>
                 <a:ext uri="{FF2B5EF4-FFF2-40B4-BE49-F238E27FC236}">
-                  <a16:creationId xmlns:a16="http://schemas.microsoft.com/office/drawing/2014/main" id="{559E5BEA-E307-489E-BB35-450D567DD6B2}"/>
+                  <a16:creationId xmlns:a16="http://schemas.microsoft.com/office/drawing/2014/main" id="{CED06221-FB3F-4C50-B714-F5BE28FFC671}"/>
                 </a:ext>
               </a:extLst>
             </p:cNvPr>
@@ -30667,61 +31435,8 @@
             <p:nvPr/>
           </p:nvSpPr>
           <p:spPr>
-            <a:xfrm rot="10800000">
-              <a:off x="3348082" y="3543407"/>
-              <a:ext cx="595234" cy="595234"/>
-            </a:xfrm>
-            <a:prstGeom prst="pie">
-              <a:avLst>
-                <a:gd name="adj1" fmla="val 5429402"/>
-                <a:gd name="adj2" fmla="val 16200000"/>
-              </a:avLst>
-            </a:prstGeom>
-          </p:spPr>
-          <p:style>
-            <a:lnRef idx="2">
-              <a:schemeClr val="dk1">
-                <a:shade val="50000"/>
-              </a:schemeClr>
-            </a:lnRef>
-            <a:fillRef idx="1">
-              <a:schemeClr val="dk1"/>
-            </a:fillRef>
-            <a:effectRef idx="0">
-              <a:schemeClr val="dk1"/>
-            </a:effectRef>
-            <a:fontRef idx="minor">
-              <a:schemeClr val="lt1"/>
-            </a:fontRef>
-          </p:style>
-          <p:txBody>
-            <a:bodyPr rtlCol="0" anchor="ctr"/>
-            <a:lstStyle/>
-            <a:p>
-              <a:pPr algn="ctr"/>
-              <a:endParaRPr kumimoji="1" lang="ja-JP" altLang="en-US">
-                <a:solidFill>
-                  <a:schemeClr val="tx1"/>
-                </a:solidFill>
-              </a:endParaRPr>
-            </a:p>
-          </p:txBody>
-        </p:sp>
-        <p:sp>
-          <p:nvSpPr>
-            <p:cNvPr id="36" name="フリーフォーム: 図形 35">
-              <a:extLst>
-                <a:ext uri="{FF2B5EF4-FFF2-40B4-BE49-F238E27FC236}">
-                  <a16:creationId xmlns:a16="http://schemas.microsoft.com/office/drawing/2014/main" id="{ED7D8BF9-707D-4D20-B633-23108D996EF8}"/>
-                </a:ext>
-              </a:extLst>
-            </p:cNvPr>
-            <p:cNvSpPr/>
-            <p:nvPr/>
-          </p:nvSpPr>
-          <p:spPr>
-            <a:xfrm flipH="1">
-              <a:off x="3288136" y="3156782"/>
+            <a:xfrm>
+              <a:off x="3195060" y="2751098"/>
               <a:ext cx="270088" cy="978352"/>
             </a:xfrm>
             <a:custGeom>
@@ -30819,10 +31534,10 @@
       </p:grpSp>
       <p:grpSp>
         <p:nvGrpSpPr>
-          <p:cNvPr id="34" name="グループ化 33">
+          <p:cNvPr id="5" name="グループ化 4">
             <a:extLst>
               <a:ext uri="{FF2B5EF4-FFF2-40B4-BE49-F238E27FC236}">
-                <a16:creationId xmlns:a16="http://schemas.microsoft.com/office/drawing/2014/main" id="{62FE1AB7-6AAA-4BE5-B877-C07E781FEF27}"/>
+                <a16:creationId xmlns:a16="http://schemas.microsoft.com/office/drawing/2014/main" id="{ED53E035-5FA6-4B22-89DE-A268F79F0D94}"/>
               </a:ext>
             </a:extLst>
           </p:cNvPr>
@@ -30831,18 +31546,471 @@
         </p:nvGrpSpPr>
         <p:grpSpPr>
           <a:xfrm>
-            <a:off x="1359192" y="2714431"/>
-            <a:ext cx="664262" cy="1018526"/>
-            <a:chOff x="4163335" y="3120115"/>
-            <a:chExt cx="664262" cy="1018526"/>
+            <a:off x="467661" y="4018690"/>
+            <a:ext cx="3230212" cy="1022215"/>
+            <a:chOff x="467661" y="4018690"/>
+            <a:chExt cx="3230212" cy="1022215"/>
           </a:xfrm>
         </p:grpSpPr>
+        <p:grpSp>
+          <p:nvGrpSpPr>
+            <p:cNvPr id="47" name="グループ化 46">
+              <a:extLst>
+                <a:ext uri="{FF2B5EF4-FFF2-40B4-BE49-F238E27FC236}">
+                  <a16:creationId xmlns:a16="http://schemas.microsoft.com/office/drawing/2014/main" id="{B5055D17-E977-4B77-82CA-984B4AC469B9}"/>
+                </a:ext>
+              </a:extLst>
+            </p:cNvPr>
+            <p:cNvGrpSpPr/>
+            <p:nvPr/>
+          </p:nvGrpSpPr>
+          <p:grpSpPr>
+            <a:xfrm>
+              <a:off x="467661" y="4022379"/>
+              <a:ext cx="601198" cy="1013708"/>
+              <a:chOff x="5168746" y="3121425"/>
+              <a:chExt cx="601198" cy="1013708"/>
+            </a:xfrm>
+          </p:grpSpPr>
+          <p:sp>
+            <p:nvSpPr>
+              <p:cNvPr id="48" name="楕円 47">
+                <a:extLst>
+                  <a:ext uri="{FF2B5EF4-FFF2-40B4-BE49-F238E27FC236}">
+                    <a16:creationId xmlns:a16="http://schemas.microsoft.com/office/drawing/2014/main" id="{34024253-766D-4D2E-8AB6-88D6B5CEE35B}"/>
+                  </a:ext>
+                </a:extLst>
+              </p:cNvPr>
+              <p:cNvSpPr/>
+              <p:nvPr/>
+            </p:nvSpPr>
+            <p:spPr>
+              <a:xfrm>
+                <a:off x="5168746" y="3539898"/>
+                <a:ext cx="601198" cy="595235"/>
+              </a:xfrm>
+              <a:prstGeom prst="ellipse">
+                <a:avLst/>
+              </a:prstGeom>
+            </p:spPr>
+            <p:style>
+              <a:lnRef idx="2">
+                <a:schemeClr val="dk1">
+                  <a:shade val="50000"/>
+                </a:schemeClr>
+              </a:lnRef>
+              <a:fillRef idx="1">
+                <a:schemeClr val="dk1"/>
+              </a:fillRef>
+              <a:effectRef idx="0">
+                <a:schemeClr val="dk1"/>
+              </a:effectRef>
+              <a:fontRef idx="minor">
+                <a:schemeClr val="lt1"/>
+              </a:fontRef>
+            </p:style>
+            <p:txBody>
+              <a:bodyPr rtlCol="0" anchor="ctr"/>
+              <a:lstStyle/>
+              <a:p>
+                <a:pPr algn="ctr"/>
+                <a:endParaRPr kumimoji="1" lang="ja-JP" altLang="en-US"/>
+              </a:p>
+            </p:txBody>
+          </p:sp>
+          <p:sp>
+            <p:nvSpPr>
+              <p:cNvPr id="49" name="楕円 48">
+                <a:extLst>
+                  <a:ext uri="{FF2B5EF4-FFF2-40B4-BE49-F238E27FC236}">
+                    <a16:creationId xmlns:a16="http://schemas.microsoft.com/office/drawing/2014/main" id="{0BD5BD64-DBA6-4110-A0B0-B4242F1AA92C}"/>
+                  </a:ext>
+                </a:extLst>
+              </p:cNvPr>
+              <p:cNvSpPr/>
+              <p:nvPr/>
+            </p:nvSpPr>
+            <p:spPr>
+              <a:xfrm>
+                <a:off x="5275429" y="3121425"/>
+                <a:ext cx="387834" cy="383988"/>
+              </a:xfrm>
+              <a:prstGeom prst="ellipse">
+                <a:avLst/>
+              </a:prstGeom>
+            </p:spPr>
+            <p:style>
+              <a:lnRef idx="2">
+                <a:schemeClr val="dk1">
+                  <a:shade val="50000"/>
+                </a:schemeClr>
+              </a:lnRef>
+              <a:fillRef idx="1">
+                <a:schemeClr val="dk1"/>
+              </a:fillRef>
+              <a:effectRef idx="0">
+                <a:schemeClr val="dk1"/>
+              </a:effectRef>
+              <a:fontRef idx="minor">
+                <a:schemeClr val="lt1"/>
+              </a:fontRef>
+            </p:style>
+            <p:txBody>
+              <a:bodyPr rtlCol="0" anchor="ctr"/>
+              <a:lstStyle/>
+              <a:p>
+                <a:pPr algn="ctr"/>
+                <a:endParaRPr kumimoji="1" lang="ja-JP" altLang="en-US"/>
+              </a:p>
+            </p:txBody>
+          </p:sp>
+        </p:grpSp>
+        <p:grpSp>
+          <p:nvGrpSpPr>
+            <p:cNvPr id="50" name="グループ化 49">
+              <a:extLst>
+                <a:ext uri="{FF2B5EF4-FFF2-40B4-BE49-F238E27FC236}">
+                  <a16:creationId xmlns:a16="http://schemas.microsoft.com/office/drawing/2014/main" id="{AEBEA07F-92B5-48FE-9291-0EA43455EDC7}"/>
+                </a:ext>
+              </a:extLst>
+            </p:cNvPr>
+            <p:cNvGrpSpPr/>
+            <p:nvPr/>
+          </p:nvGrpSpPr>
+          <p:grpSpPr>
+            <a:xfrm>
+              <a:off x="1359192" y="4022379"/>
+              <a:ext cx="664262" cy="1018526"/>
+              <a:chOff x="4163335" y="3120115"/>
+              <a:chExt cx="664262" cy="1018526"/>
+            </a:xfrm>
+          </p:grpSpPr>
+          <p:sp>
+            <p:nvSpPr>
+              <p:cNvPr id="51" name="正方形/長方形 50">
+                <a:extLst>
+                  <a:ext uri="{FF2B5EF4-FFF2-40B4-BE49-F238E27FC236}">
+                    <a16:creationId xmlns:a16="http://schemas.microsoft.com/office/drawing/2014/main" id="{D58DA560-F528-4FE5-A3FD-D4E04F35A6D7}"/>
+                  </a:ext>
+                </a:extLst>
+              </p:cNvPr>
+              <p:cNvSpPr/>
+              <p:nvPr/>
+            </p:nvSpPr>
+            <p:spPr>
+              <a:xfrm>
+                <a:off x="4163335" y="3444939"/>
+                <a:ext cx="270088" cy="356682"/>
+              </a:xfrm>
+              <a:prstGeom prst="rect">
+                <a:avLst/>
+              </a:prstGeom>
+            </p:spPr>
+            <p:style>
+              <a:lnRef idx="2">
+                <a:schemeClr val="dk1">
+                  <a:shade val="50000"/>
+                </a:schemeClr>
+              </a:lnRef>
+              <a:fillRef idx="1">
+                <a:schemeClr val="dk1"/>
+              </a:fillRef>
+              <a:effectRef idx="0">
+                <a:schemeClr val="dk1"/>
+              </a:effectRef>
+              <a:fontRef idx="minor">
+                <a:schemeClr val="lt1"/>
+              </a:fontRef>
+            </p:style>
+            <p:txBody>
+              <a:bodyPr rtlCol="0" anchor="ctr"/>
+              <a:lstStyle/>
+              <a:p>
+                <a:pPr algn="ctr"/>
+                <a:endParaRPr kumimoji="1" lang="ja-JP" altLang="en-US"/>
+              </a:p>
+            </p:txBody>
+          </p:sp>
+          <p:sp>
+            <p:nvSpPr>
+              <p:cNvPr id="52" name="フリーフォーム: 図形 51">
+                <a:extLst>
+                  <a:ext uri="{FF2B5EF4-FFF2-40B4-BE49-F238E27FC236}">
+                    <a16:creationId xmlns:a16="http://schemas.microsoft.com/office/drawing/2014/main" id="{DEB6531D-AB6F-4108-B231-B0B1735E4271}"/>
+                  </a:ext>
+                </a:extLst>
+              </p:cNvPr>
+              <p:cNvSpPr/>
+              <p:nvPr/>
+            </p:nvSpPr>
+            <p:spPr>
+              <a:xfrm rot="16200000">
+                <a:off x="4361796" y="2924401"/>
+                <a:ext cx="270088" cy="661515"/>
+              </a:xfrm>
+              <a:custGeom>
+                <a:avLst/>
+                <a:gdLst>
+                  <a:gd name="connsiteX0" fmla="*/ 270088 w 270088"/>
+                  <a:gd name="connsiteY0" fmla="*/ 264161 h 661515"/>
+                  <a:gd name="connsiteX1" fmla="*/ 270088 w 270088"/>
+                  <a:gd name="connsiteY1" fmla="*/ 661515 h 661515"/>
+                  <a:gd name="connsiteX2" fmla="*/ 0 w 270088"/>
+                  <a:gd name="connsiteY2" fmla="*/ 661515 h 661515"/>
+                  <a:gd name="connsiteX3" fmla="*/ 0 w 270088"/>
+                  <a:gd name="connsiteY3" fmla="*/ 0 h 661515"/>
+                  <a:gd name="connsiteX4" fmla="*/ 11030 w 270088"/>
+                  <a:gd name="connsiteY4" fmla="*/ 0 h 661515"/>
+                  <a:gd name="connsiteX5" fmla="*/ 270088 w 270088"/>
+                  <a:gd name="connsiteY5" fmla="*/ 264161 h 661515"/>
+                </a:gdLst>
+                <a:ahLst/>
+                <a:cxnLst>
+                  <a:cxn ang="0">
+                    <a:pos x="connsiteX0" y="connsiteY0"/>
+                  </a:cxn>
+                  <a:cxn ang="0">
+                    <a:pos x="connsiteX1" y="connsiteY1"/>
+                  </a:cxn>
+                  <a:cxn ang="0">
+                    <a:pos x="connsiteX2" y="connsiteY2"/>
+                  </a:cxn>
+                  <a:cxn ang="0">
+                    <a:pos x="connsiteX3" y="connsiteY3"/>
+                  </a:cxn>
+                  <a:cxn ang="0">
+                    <a:pos x="connsiteX4" y="connsiteY4"/>
+                  </a:cxn>
+                  <a:cxn ang="0">
+                    <a:pos x="connsiteX5" y="connsiteY5"/>
+                  </a:cxn>
+                </a:cxnLst>
+                <a:rect l="l" t="t" r="r" b="b"/>
+                <a:pathLst>
+                  <a:path w="270088" h="661515">
+                    <a:moveTo>
+                      <a:pt x="270088" y="264161"/>
+                    </a:moveTo>
+                    <a:lnTo>
+                      <a:pt x="270088" y="661515"/>
+                    </a:lnTo>
+                    <a:lnTo>
+                      <a:pt x="0" y="661515"/>
+                    </a:lnTo>
+                    <a:lnTo>
+                      <a:pt x="0" y="0"/>
+                    </a:lnTo>
+                    <a:lnTo>
+                      <a:pt x="11030" y="0"/>
+                    </a:lnTo>
+                    <a:cubicBezTo>
+                      <a:pt x="154104" y="0"/>
+                      <a:pt x="270088" y="118269"/>
+                      <a:pt x="270088" y="264161"/>
+                    </a:cubicBezTo>
+                    <a:close/>
+                  </a:path>
+                </a:pathLst>
+              </a:custGeom>
+            </p:spPr>
+            <p:style>
+              <a:lnRef idx="2">
+                <a:schemeClr val="dk1">
+                  <a:shade val="50000"/>
+                </a:schemeClr>
+              </a:lnRef>
+              <a:fillRef idx="1">
+                <a:schemeClr val="dk1"/>
+              </a:fillRef>
+              <a:effectRef idx="0">
+                <a:schemeClr val="dk1"/>
+              </a:effectRef>
+              <a:fontRef idx="minor">
+                <a:schemeClr val="lt1"/>
+              </a:fontRef>
+            </p:style>
+            <p:txBody>
+              <a:bodyPr rtlCol="0" anchor="ctr"/>
+              <a:lstStyle/>
+              <a:p>
+                <a:pPr algn="ctr"/>
+                <a:endParaRPr kumimoji="1" lang="ja-JP" altLang="en-US"/>
+              </a:p>
+            </p:txBody>
+          </p:sp>
+          <p:sp>
+            <p:nvSpPr>
+              <p:cNvPr id="53" name="部分円 52">
+                <a:extLst>
+                  <a:ext uri="{FF2B5EF4-FFF2-40B4-BE49-F238E27FC236}">
+                    <a16:creationId xmlns:a16="http://schemas.microsoft.com/office/drawing/2014/main" id="{C9CB706C-21C3-4108-95A2-8A7270C7C8A0}"/>
+                  </a:ext>
+                </a:extLst>
+              </p:cNvPr>
+              <p:cNvSpPr/>
+              <p:nvPr/>
+            </p:nvSpPr>
+            <p:spPr>
+              <a:xfrm rot="10800000">
+                <a:off x="4220121" y="3543407"/>
+                <a:ext cx="595234" cy="595234"/>
+              </a:xfrm>
+              <a:prstGeom prst="pie">
+                <a:avLst>
+                  <a:gd name="adj1" fmla="val 5429402"/>
+                  <a:gd name="adj2" fmla="val 16200000"/>
+                </a:avLst>
+              </a:prstGeom>
+            </p:spPr>
+            <p:style>
+              <a:lnRef idx="2">
+                <a:schemeClr val="dk1">
+                  <a:shade val="50000"/>
+                </a:schemeClr>
+              </a:lnRef>
+              <a:fillRef idx="1">
+                <a:schemeClr val="dk1"/>
+              </a:fillRef>
+              <a:effectRef idx="0">
+                <a:schemeClr val="dk1"/>
+              </a:effectRef>
+              <a:fontRef idx="minor">
+                <a:schemeClr val="lt1"/>
+              </a:fontRef>
+            </p:style>
+            <p:txBody>
+              <a:bodyPr rtlCol="0" anchor="ctr"/>
+              <a:lstStyle/>
+              <a:p>
+                <a:pPr algn="ctr"/>
+                <a:endParaRPr kumimoji="1" lang="ja-JP" altLang="en-US">
+                  <a:solidFill>
+                    <a:schemeClr val="tx1"/>
+                  </a:solidFill>
+                </a:endParaRPr>
+              </a:p>
+            </p:txBody>
+          </p:sp>
+        </p:grpSp>
+        <p:grpSp>
+          <p:nvGrpSpPr>
+            <p:cNvPr id="54" name="グループ化 53">
+              <a:extLst>
+                <a:ext uri="{FF2B5EF4-FFF2-40B4-BE49-F238E27FC236}">
+                  <a16:creationId xmlns:a16="http://schemas.microsoft.com/office/drawing/2014/main" id="{872947DB-FC50-4D2A-BA95-1F7F0A64D8AE}"/>
+                </a:ext>
+              </a:extLst>
+            </p:cNvPr>
+            <p:cNvGrpSpPr/>
+            <p:nvPr/>
+          </p:nvGrpSpPr>
+          <p:grpSpPr>
+            <a:xfrm>
+              <a:off x="2309636" y="4018690"/>
+              <a:ext cx="601198" cy="1013708"/>
+              <a:chOff x="5168746" y="3121425"/>
+              <a:chExt cx="601198" cy="1013708"/>
+            </a:xfrm>
+          </p:grpSpPr>
+          <p:sp>
+            <p:nvSpPr>
+              <p:cNvPr id="55" name="楕円 54">
+                <a:extLst>
+                  <a:ext uri="{FF2B5EF4-FFF2-40B4-BE49-F238E27FC236}">
+                    <a16:creationId xmlns:a16="http://schemas.microsoft.com/office/drawing/2014/main" id="{24923C02-1ED9-4292-9862-8BDAB185FE03}"/>
+                  </a:ext>
+                </a:extLst>
+              </p:cNvPr>
+              <p:cNvSpPr/>
+              <p:nvPr/>
+            </p:nvSpPr>
+            <p:spPr>
+              <a:xfrm>
+                <a:off x="5168746" y="3539898"/>
+                <a:ext cx="601198" cy="595235"/>
+              </a:xfrm>
+              <a:prstGeom prst="ellipse">
+                <a:avLst/>
+              </a:prstGeom>
+            </p:spPr>
+            <p:style>
+              <a:lnRef idx="2">
+                <a:schemeClr val="dk1">
+                  <a:shade val="50000"/>
+                </a:schemeClr>
+              </a:lnRef>
+              <a:fillRef idx="1">
+                <a:schemeClr val="dk1"/>
+              </a:fillRef>
+              <a:effectRef idx="0">
+                <a:schemeClr val="dk1"/>
+              </a:effectRef>
+              <a:fontRef idx="minor">
+                <a:schemeClr val="lt1"/>
+              </a:fontRef>
+            </p:style>
+            <p:txBody>
+              <a:bodyPr rtlCol="0" anchor="ctr"/>
+              <a:lstStyle/>
+              <a:p>
+                <a:pPr algn="ctr"/>
+                <a:endParaRPr kumimoji="1" lang="ja-JP" altLang="en-US"/>
+              </a:p>
+            </p:txBody>
+          </p:sp>
+          <p:sp>
+            <p:nvSpPr>
+              <p:cNvPr id="56" name="楕円 55">
+                <a:extLst>
+                  <a:ext uri="{FF2B5EF4-FFF2-40B4-BE49-F238E27FC236}">
+                    <a16:creationId xmlns:a16="http://schemas.microsoft.com/office/drawing/2014/main" id="{70922B06-9BF1-48F4-96DC-6FD7F767981A}"/>
+                  </a:ext>
+                </a:extLst>
+              </p:cNvPr>
+              <p:cNvSpPr/>
+              <p:nvPr/>
+            </p:nvSpPr>
+            <p:spPr>
+              <a:xfrm>
+                <a:off x="5275429" y="3121425"/>
+                <a:ext cx="387834" cy="383988"/>
+              </a:xfrm>
+              <a:prstGeom prst="ellipse">
+                <a:avLst/>
+              </a:prstGeom>
+            </p:spPr>
+            <p:style>
+              <a:lnRef idx="2">
+                <a:schemeClr val="dk1">
+                  <a:shade val="50000"/>
+                </a:schemeClr>
+              </a:lnRef>
+              <a:fillRef idx="1">
+                <a:schemeClr val="dk1"/>
+              </a:fillRef>
+              <a:effectRef idx="0">
+                <a:schemeClr val="dk1"/>
+              </a:effectRef>
+              <a:fontRef idx="minor">
+                <a:schemeClr val="lt1"/>
+              </a:fontRef>
+            </p:style>
+            <p:txBody>
+              <a:bodyPr rtlCol="0" anchor="ctr"/>
+              <a:lstStyle/>
+              <a:p>
+                <a:pPr algn="ctr"/>
+                <a:endParaRPr kumimoji="1" lang="ja-JP" altLang="en-US"/>
+              </a:p>
+            </p:txBody>
+          </p:sp>
+        </p:grpSp>
         <p:sp>
           <p:nvSpPr>
-            <p:cNvPr id="33" name="正方形/長方形 32">
+            <p:cNvPr id="58" name="楕円 57">
               <a:extLst>
                 <a:ext uri="{FF2B5EF4-FFF2-40B4-BE49-F238E27FC236}">
-                  <a16:creationId xmlns:a16="http://schemas.microsoft.com/office/drawing/2014/main" id="{4C6C5C66-1C0E-4DD7-83D0-0E92A85676A0}"/>
+                  <a16:creationId xmlns:a16="http://schemas.microsoft.com/office/drawing/2014/main" id="{95D4F6A8-88F9-4D0A-9DF1-44CA30DF7473}"/>
                 </a:ext>
               </a:extLst>
             </p:cNvPr>
@@ -30851,234 +32019,7 @@
           </p:nvSpPr>
           <p:spPr>
             <a:xfrm>
-              <a:off x="4163335" y="3444939"/>
-              <a:ext cx="270088" cy="356682"/>
-            </a:xfrm>
-            <a:prstGeom prst="rect">
-              <a:avLst/>
-            </a:prstGeom>
-          </p:spPr>
-          <p:style>
-            <a:lnRef idx="2">
-              <a:schemeClr val="dk1">
-                <a:shade val="50000"/>
-              </a:schemeClr>
-            </a:lnRef>
-            <a:fillRef idx="1">
-              <a:schemeClr val="dk1"/>
-            </a:fillRef>
-            <a:effectRef idx="0">
-              <a:schemeClr val="dk1"/>
-            </a:effectRef>
-            <a:fontRef idx="minor">
-              <a:schemeClr val="lt1"/>
-            </a:fontRef>
-          </p:style>
-          <p:txBody>
-            <a:bodyPr rtlCol="0" anchor="ctr"/>
-            <a:lstStyle/>
-            <a:p>
-              <a:pPr algn="ctr"/>
-              <a:endParaRPr kumimoji="1" lang="ja-JP" altLang="en-US"/>
-            </a:p>
-          </p:txBody>
-        </p:sp>
-        <p:sp>
-          <p:nvSpPr>
-            <p:cNvPr id="40" name="フリーフォーム: 図形 39">
-              <a:extLst>
-                <a:ext uri="{FF2B5EF4-FFF2-40B4-BE49-F238E27FC236}">
-                  <a16:creationId xmlns:a16="http://schemas.microsoft.com/office/drawing/2014/main" id="{5C6C3261-6E5F-49B0-8E56-800F08E69820}"/>
-                </a:ext>
-              </a:extLst>
-            </p:cNvPr>
-            <p:cNvSpPr/>
-            <p:nvPr/>
-          </p:nvSpPr>
-          <p:spPr>
-            <a:xfrm rot="16200000">
-              <a:off x="4361796" y="2924401"/>
-              <a:ext cx="270088" cy="661515"/>
-            </a:xfrm>
-            <a:custGeom>
-              <a:avLst/>
-              <a:gdLst>
-                <a:gd name="connsiteX0" fmla="*/ 270088 w 270088"/>
-                <a:gd name="connsiteY0" fmla="*/ 264161 h 661515"/>
-                <a:gd name="connsiteX1" fmla="*/ 270088 w 270088"/>
-                <a:gd name="connsiteY1" fmla="*/ 661515 h 661515"/>
-                <a:gd name="connsiteX2" fmla="*/ 0 w 270088"/>
-                <a:gd name="connsiteY2" fmla="*/ 661515 h 661515"/>
-                <a:gd name="connsiteX3" fmla="*/ 0 w 270088"/>
-                <a:gd name="connsiteY3" fmla="*/ 0 h 661515"/>
-                <a:gd name="connsiteX4" fmla="*/ 11030 w 270088"/>
-                <a:gd name="connsiteY4" fmla="*/ 0 h 661515"/>
-                <a:gd name="connsiteX5" fmla="*/ 270088 w 270088"/>
-                <a:gd name="connsiteY5" fmla="*/ 264161 h 661515"/>
-              </a:gdLst>
-              <a:ahLst/>
-              <a:cxnLst>
-                <a:cxn ang="0">
-                  <a:pos x="connsiteX0" y="connsiteY0"/>
-                </a:cxn>
-                <a:cxn ang="0">
-                  <a:pos x="connsiteX1" y="connsiteY1"/>
-                </a:cxn>
-                <a:cxn ang="0">
-                  <a:pos x="connsiteX2" y="connsiteY2"/>
-                </a:cxn>
-                <a:cxn ang="0">
-                  <a:pos x="connsiteX3" y="connsiteY3"/>
-                </a:cxn>
-                <a:cxn ang="0">
-                  <a:pos x="connsiteX4" y="connsiteY4"/>
-                </a:cxn>
-                <a:cxn ang="0">
-                  <a:pos x="connsiteX5" y="connsiteY5"/>
-                </a:cxn>
-              </a:cxnLst>
-              <a:rect l="l" t="t" r="r" b="b"/>
-              <a:pathLst>
-                <a:path w="270088" h="661515">
-                  <a:moveTo>
-                    <a:pt x="270088" y="264161"/>
-                  </a:moveTo>
-                  <a:lnTo>
-                    <a:pt x="270088" y="661515"/>
-                  </a:lnTo>
-                  <a:lnTo>
-                    <a:pt x="0" y="661515"/>
-                  </a:lnTo>
-                  <a:lnTo>
-                    <a:pt x="0" y="0"/>
-                  </a:lnTo>
-                  <a:lnTo>
-                    <a:pt x="11030" y="0"/>
-                  </a:lnTo>
-                  <a:cubicBezTo>
-                    <a:pt x="154104" y="0"/>
-                    <a:pt x="270088" y="118269"/>
-                    <a:pt x="270088" y="264161"/>
-                  </a:cubicBezTo>
-                  <a:close/>
-                </a:path>
-              </a:pathLst>
-            </a:custGeom>
-          </p:spPr>
-          <p:style>
-            <a:lnRef idx="2">
-              <a:schemeClr val="dk1">
-                <a:shade val="50000"/>
-              </a:schemeClr>
-            </a:lnRef>
-            <a:fillRef idx="1">
-              <a:schemeClr val="dk1"/>
-            </a:fillRef>
-            <a:effectRef idx="0">
-              <a:schemeClr val="dk1"/>
-            </a:effectRef>
-            <a:fontRef idx="minor">
-              <a:schemeClr val="lt1"/>
-            </a:fontRef>
-          </p:style>
-          <p:txBody>
-            <a:bodyPr rtlCol="0" anchor="ctr"/>
-            <a:lstStyle/>
-            <a:p>
-              <a:pPr algn="ctr"/>
-              <a:endParaRPr kumimoji="1" lang="ja-JP" altLang="en-US"/>
-            </a:p>
-          </p:txBody>
-        </p:sp>
-        <p:sp>
-          <p:nvSpPr>
-            <p:cNvPr id="39" name="部分円 38">
-              <a:extLst>
-                <a:ext uri="{FF2B5EF4-FFF2-40B4-BE49-F238E27FC236}">
-                  <a16:creationId xmlns:a16="http://schemas.microsoft.com/office/drawing/2014/main" id="{768B0311-40F9-4D0B-8063-6F8C4D4FDFE4}"/>
-                </a:ext>
-              </a:extLst>
-            </p:cNvPr>
-            <p:cNvSpPr/>
-            <p:nvPr/>
-          </p:nvSpPr>
-          <p:spPr>
-            <a:xfrm rot="10800000">
-              <a:off x="4220121" y="3543407"/>
-              <a:ext cx="595234" cy="595234"/>
-            </a:xfrm>
-            <a:prstGeom prst="pie">
-              <a:avLst>
-                <a:gd name="adj1" fmla="val 5429402"/>
-                <a:gd name="adj2" fmla="val 16200000"/>
-              </a:avLst>
-            </a:prstGeom>
-          </p:spPr>
-          <p:style>
-            <a:lnRef idx="2">
-              <a:schemeClr val="dk1">
-                <a:shade val="50000"/>
-              </a:schemeClr>
-            </a:lnRef>
-            <a:fillRef idx="1">
-              <a:schemeClr val="dk1"/>
-            </a:fillRef>
-            <a:effectRef idx="0">
-              <a:schemeClr val="dk1"/>
-            </a:effectRef>
-            <a:fontRef idx="minor">
-              <a:schemeClr val="lt1"/>
-            </a:fontRef>
-          </p:style>
-          <p:txBody>
-            <a:bodyPr rtlCol="0" anchor="ctr"/>
-            <a:lstStyle/>
-            <a:p>
-              <a:pPr algn="ctr"/>
-              <a:endParaRPr kumimoji="1" lang="ja-JP" altLang="en-US">
-                <a:solidFill>
-                  <a:schemeClr val="tx1"/>
-                </a:solidFill>
-              </a:endParaRPr>
-            </a:p>
-          </p:txBody>
-        </p:sp>
-      </p:grpSp>
-      <p:grpSp>
-        <p:nvGrpSpPr>
-          <p:cNvPr id="45" name="グループ化 44">
-            <a:extLst>
-              <a:ext uri="{FF2B5EF4-FFF2-40B4-BE49-F238E27FC236}">
-                <a16:creationId xmlns:a16="http://schemas.microsoft.com/office/drawing/2014/main" id="{EA4993E9-51AC-4CB0-9047-6A0AF2E2939E}"/>
-              </a:ext>
-            </a:extLst>
-          </p:cNvPr>
-          <p:cNvGrpSpPr/>
-          <p:nvPr/>
-        </p:nvGrpSpPr>
-        <p:grpSpPr>
-          <a:xfrm>
-            <a:off x="2309636" y="2715741"/>
-            <a:ext cx="601198" cy="1013708"/>
-            <a:chOff x="5168746" y="3121425"/>
-            <a:chExt cx="601198" cy="1013708"/>
-          </a:xfrm>
-        </p:grpSpPr>
-        <p:sp>
-          <p:nvSpPr>
-            <p:cNvPr id="24" name="楕円 23">
-              <a:extLst>
-                <a:ext uri="{FF2B5EF4-FFF2-40B4-BE49-F238E27FC236}">
-                  <a16:creationId xmlns:a16="http://schemas.microsoft.com/office/drawing/2014/main" id="{99A24F43-DBE0-4002-A3A0-61EF8949A201}"/>
-                </a:ext>
-              </a:extLst>
-            </p:cNvPr>
-            <p:cNvSpPr/>
-            <p:nvPr/>
-          </p:nvSpPr>
-          <p:spPr>
-            <a:xfrm>
-              <a:off x="5168746" y="3539898"/>
+              <a:off x="3096675" y="4227926"/>
               <a:ext cx="601198" cy="595235"/>
             </a:xfrm>
             <a:prstGeom prst="ellipse">
@@ -31110,661 +32051,7 @@
             </a:p>
           </p:txBody>
         </p:sp>
-        <p:sp>
-          <p:nvSpPr>
-            <p:cNvPr id="41" name="楕円 40">
-              <a:extLst>
-                <a:ext uri="{FF2B5EF4-FFF2-40B4-BE49-F238E27FC236}">
-                  <a16:creationId xmlns:a16="http://schemas.microsoft.com/office/drawing/2014/main" id="{8507D519-6355-46A3-B3C3-3495975B9B0D}"/>
-                </a:ext>
-              </a:extLst>
-            </p:cNvPr>
-            <p:cNvSpPr/>
-            <p:nvPr/>
-          </p:nvSpPr>
-          <p:spPr>
-            <a:xfrm>
-              <a:off x="5275429" y="3121425"/>
-              <a:ext cx="387834" cy="383988"/>
-            </a:xfrm>
-            <a:prstGeom prst="ellipse">
-              <a:avLst/>
-            </a:prstGeom>
-          </p:spPr>
-          <p:style>
-            <a:lnRef idx="2">
-              <a:schemeClr val="dk1">
-                <a:shade val="50000"/>
-              </a:schemeClr>
-            </a:lnRef>
-            <a:fillRef idx="1">
-              <a:schemeClr val="dk1"/>
-            </a:fillRef>
-            <a:effectRef idx="0">
-              <a:schemeClr val="dk1"/>
-            </a:effectRef>
-            <a:fontRef idx="minor">
-              <a:schemeClr val="lt1"/>
-            </a:fontRef>
-          </p:style>
-          <p:txBody>
-            <a:bodyPr rtlCol="0" anchor="ctr"/>
-            <a:lstStyle/>
-            <a:p>
-              <a:pPr algn="ctr"/>
-              <a:endParaRPr kumimoji="1" lang="ja-JP" altLang="en-US"/>
-            </a:p>
-          </p:txBody>
-        </p:sp>
       </p:grpSp>
-      <p:sp>
-        <p:nvSpPr>
-          <p:cNvPr id="42" name="フリーフォーム: 図形 41">
-            <a:extLst>
-              <a:ext uri="{FF2B5EF4-FFF2-40B4-BE49-F238E27FC236}">
-                <a16:creationId xmlns:a16="http://schemas.microsoft.com/office/drawing/2014/main" id="{CED06221-FB3F-4C50-B714-F5BE28FFC671}"/>
-              </a:ext>
-            </a:extLst>
-          </p:cNvPr>
-          <p:cNvSpPr/>
-          <p:nvPr/>
-        </p:nvSpPr>
-        <p:spPr>
-          <a:xfrm>
-            <a:off x="3195060" y="2751098"/>
-            <a:ext cx="270088" cy="978352"/>
-          </a:xfrm>
-          <a:custGeom>
-            <a:avLst/>
-            <a:gdLst>
-              <a:gd name="connsiteX0" fmla="*/ 0 w 294110"/>
-              <a:gd name="connsiteY0" fmla="*/ 0 h 1044786"/>
-              <a:gd name="connsiteX1" fmla="*/ 12011 w 294110"/>
-              <a:gd name="connsiteY1" fmla="*/ 0 h 1044786"/>
-              <a:gd name="connsiteX2" fmla="*/ 294110 w 294110"/>
-              <a:gd name="connsiteY2" fmla="*/ 282099 h 1044786"/>
-              <a:gd name="connsiteX3" fmla="*/ 294109 w 294110"/>
-              <a:gd name="connsiteY3" fmla="*/ 1044786 h 1044786"/>
-              <a:gd name="connsiteX4" fmla="*/ 0 w 294110"/>
-              <a:gd name="connsiteY4" fmla="*/ 1044786 h 1044786"/>
-              <a:gd name="connsiteX5" fmla="*/ 0 w 294110"/>
-              <a:gd name="connsiteY5" fmla="*/ 0 h 1044786"/>
-            </a:gdLst>
-            <a:ahLst/>
-            <a:cxnLst>
-              <a:cxn ang="0">
-                <a:pos x="connsiteX0" y="connsiteY0"/>
-              </a:cxn>
-              <a:cxn ang="0">
-                <a:pos x="connsiteX1" y="connsiteY1"/>
-              </a:cxn>
-              <a:cxn ang="0">
-                <a:pos x="connsiteX2" y="connsiteY2"/>
-              </a:cxn>
-              <a:cxn ang="0">
-                <a:pos x="connsiteX3" y="connsiteY3"/>
-              </a:cxn>
-              <a:cxn ang="0">
-                <a:pos x="connsiteX4" y="connsiteY4"/>
-              </a:cxn>
-              <a:cxn ang="0">
-                <a:pos x="connsiteX5" y="connsiteY5"/>
-              </a:cxn>
-            </a:cxnLst>
-            <a:rect l="l" t="t" r="r" b="b"/>
-            <a:pathLst>
-              <a:path w="294110" h="1044786">
-                <a:moveTo>
-                  <a:pt x="0" y="0"/>
-                </a:moveTo>
-                <a:lnTo>
-                  <a:pt x="12011" y="0"/>
-                </a:lnTo>
-                <a:cubicBezTo>
-                  <a:pt x="167810" y="0"/>
-                  <a:pt x="294110" y="126300"/>
-                  <a:pt x="294110" y="282099"/>
-                </a:cubicBezTo>
-                <a:cubicBezTo>
-                  <a:pt x="294110" y="536328"/>
-                  <a:pt x="294109" y="790557"/>
-                  <a:pt x="294109" y="1044786"/>
-                </a:cubicBezTo>
-                <a:lnTo>
-                  <a:pt x="0" y="1044786"/>
-                </a:lnTo>
-                <a:lnTo>
-                  <a:pt x="0" y="0"/>
-                </a:lnTo>
-                <a:close/>
-              </a:path>
-            </a:pathLst>
-          </a:custGeom>
-        </p:spPr>
-        <p:style>
-          <a:lnRef idx="2">
-            <a:schemeClr val="dk1">
-              <a:shade val="50000"/>
-            </a:schemeClr>
-          </a:lnRef>
-          <a:fillRef idx="1">
-            <a:schemeClr val="dk1"/>
-          </a:fillRef>
-          <a:effectRef idx="0">
-            <a:schemeClr val="dk1"/>
-          </a:effectRef>
-          <a:fontRef idx="minor">
-            <a:schemeClr val="lt1"/>
-          </a:fontRef>
-        </p:style>
-        <p:txBody>
-          <a:bodyPr rtlCol="0" anchor="ctr"/>
-          <a:lstStyle/>
-          <a:p>
-            <a:pPr algn="ctr"/>
-            <a:endParaRPr kumimoji="1" lang="ja-JP" altLang="en-US"/>
-          </a:p>
-        </p:txBody>
-      </p:sp>
-      <p:grpSp>
-        <p:nvGrpSpPr>
-          <p:cNvPr id="47" name="グループ化 46">
-            <a:extLst>
-              <a:ext uri="{FF2B5EF4-FFF2-40B4-BE49-F238E27FC236}">
-                <a16:creationId xmlns:a16="http://schemas.microsoft.com/office/drawing/2014/main" id="{B5055D17-E977-4B77-82CA-984B4AC469B9}"/>
-              </a:ext>
-            </a:extLst>
-          </p:cNvPr>
-          <p:cNvGrpSpPr/>
-          <p:nvPr/>
-        </p:nvGrpSpPr>
-        <p:grpSpPr>
-          <a:xfrm>
-            <a:off x="467661" y="4022379"/>
-            <a:ext cx="601198" cy="1013708"/>
-            <a:chOff x="5168746" y="3121425"/>
-            <a:chExt cx="601198" cy="1013708"/>
-          </a:xfrm>
-        </p:grpSpPr>
-        <p:sp>
-          <p:nvSpPr>
-            <p:cNvPr id="48" name="楕円 47">
-              <a:extLst>
-                <a:ext uri="{FF2B5EF4-FFF2-40B4-BE49-F238E27FC236}">
-                  <a16:creationId xmlns:a16="http://schemas.microsoft.com/office/drawing/2014/main" id="{34024253-766D-4D2E-8AB6-88D6B5CEE35B}"/>
-                </a:ext>
-              </a:extLst>
-            </p:cNvPr>
-            <p:cNvSpPr/>
-            <p:nvPr/>
-          </p:nvSpPr>
-          <p:spPr>
-            <a:xfrm>
-              <a:off x="5168746" y="3539898"/>
-              <a:ext cx="601198" cy="595235"/>
-            </a:xfrm>
-            <a:prstGeom prst="ellipse">
-              <a:avLst/>
-            </a:prstGeom>
-          </p:spPr>
-          <p:style>
-            <a:lnRef idx="2">
-              <a:schemeClr val="dk1">
-                <a:shade val="50000"/>
-              </a:schemeClr>
-            </a:lnRef>
-            <a:fillRef idx="1">
-              <a:schemeClr val="dk1"/>
-            </a:fillRef>
-            <a:effectRef idx="0">
-              <a:schemeClr val="dk1"/>
-            </a:effectRef>
-            <a:fontRef idx="minor">
-              <a:schemeClr val="lt1"/>
-            </a:fontRef>
-          </p:style>
-          <p:txBody>
-            <a:bodyPr rtlCol="0" anchor="ctr"/>
-            <a:lstStyle/>
-            <a:p>
-              <a:pPr algn="ctr"/>
-              <a:endParaRPr kumimoji="1" lang="ja-JP" altLang="en-US"/>
-            </a:p>
-          </p:txBody>
-        </p:sp>
-        <p:sp>
-          <p:nvSpPr>
-            <p:cNvPr id="49" name="楕円 48">
-              <a:extLst>
-                <a:ext uri="{FF2B5EF4-FFF2-40B4-BE49-F238E27FC236}">
-                  <a16:creationId xmlns:a16="http://schemas.microsoft.com/office/drawing/2014/main" id="{0BD5BD64-DBA6-4110-A0B0-B4242F1AA92C}"/>
-                </a:ext>
-              </a:extLst>
-            </p:cNvPr>
-            <p:cNvSpPr/>
-            <p:nvPr/>
-          </p:nvSpPr>
-          <p:spPr>
-            <a:xfrm>
-              <a:off x="5275429" y="3121425"/>
-              <a:ext cx="387834" cy="383988"/>
-            </a:xfrm>
-            <a:prstGeom prst="ellipse">
-              <a:avLst/>
-            </a:prstGeom>
-          </p:spPr>
-          <p:style>
-            <a:lnRef idx="2">
-              <a:schemeClr val="dk1">
-                <a:shade val="50000"/>
-              </a:schemeClr>
-            </a:lnRef>
-            <a:fillRef idx="1">
-              <a:schemeClr val="dk1"/>
-            </a:fillRef>
-            <a:effectRef idx="0">
-              <a:schemeClr val="dk1"/>
-            </a:effectRef>
-            <a:fontRef idx="minor">
-              <a:schemeClr val="lt1"/>
-            </a:fontRef>
-          </p:style>
-          <p:txBody>
-            <a:bodyPr rtlCol="0" anchor="ctr"/>
-            <a:lstStyle/>
-            <a:p>
-              <a:pPr algn="ctr"/>
-              <a:endParaRPr kumimoji="1" lang="ja-JP" altLang="en-US"/>
-            </a:p>
-          </p:txBody>
-        </p:sp>
-      </p:grpSp>
-      <p:grpSp>
-        <p:nvGrpSpPr>
-          <p:cNvPr id="50" name="グループ化 49">
-            <a:extLst>
-              <a:ext uri="{FF2B5EF4-FFF2-40B4-BE49-F238E27FC236}">
-                <a16:creationId xmlns:a16="http://schemas.microsoft.com/office/drawing/2014/main" id="{AEBEA07F-92B5-48FE-9291-0EA43455EDC7}"/>
-              </a:ext>
-            </a:extLst>
-          </p:cNvPr>
-          <p:cNvGrpSpPr/>
-          <p:nvPr/>
-        </p:nvGrpSpPr>
-        <p:grpSpPr>
-          <a:xfrm>
-            <a:off x="1359192" y="4022379"/>
-            <a:ext cx="664262" cy="1018526"/>
-            <a:chOff x="4163335" y="3120115"/>
-            <a:chExt cx="664262" cy="1018526"/>
-          </a:xfrm>
-        </p:grpSpPr>
-        <p:sp>
-          <p:nvSpPr>
-            <p:cNvPr id="51" name="正方形/長方形 50">
-              <a:extLst>
-                <a:ext uri="{FF2B5EF4-FFF2-40B4-BE49-F238E27FC236}">
-                  <a16:creationId xmlns:a16="http://schemas.microsoft.com/office/drawing/2014/main" id="{D58DA560-F528-4FE5-A3FD-D4E04F35A6D7}"/>
-                </a:ext>
-              </a:extLst>
-            </p:cNvPr>
-            <p:cNvSpPr/>
-            <p:nvPr/>
-          </p:nvSpPr>
-          <p:spPr>
-            <a:xfrm>
-              <a:off x="4163335" y="3444939"/>
-              <a:ext cx="270088" cy="356682"/>
-            </a:xfrm>
-            <a:prstGeom prst="rect">
-              <a:avLst/>
-            </a:prstGeom>
-          </p:spPr>
-          <p:style>
-            <a:lnRef idx="2">
-              <a:schemeClr val="dk1">
-                <a:shade val="50000"/>
-              </a:schemeClr>
-            </a:lnRef>
-            <a:fillRef idx="1">
-              <a:schemeClr val="dk1"/>
-            </a:fillRef>
-            <a:effectRef idx="0">
-              <a:schemeClr val="dk1"/>
-            </a:effectRef>
-            <a:fontRef idx="minor">
-              <a:schemeClr val="lt1"/>
-            </a:fontRef>
-          </p:style>
-          <p:txBody>
-            <a:bodyPr rtlCol="0" anchor="ctr"/>
-            <a:lstStyle/>
-            <a:p>
-              <a:pPr algn="ctr"/>
-              <a:endParaRPr kumimoji="1" lang="ja-JP" altLang="en-US"/>
-            </a:p>
-          </p:txBody>
-        </p:sp>
-        <p:sp>
-          <p:nvSpPr>
-            <p:cNvPr id="52" name="フリーフォーム: 図形 51">
-              <a:extLst>
-                <a:ext uri="{FF2B5EF4-FFF2-40B4-BE49-F238E27FC236}">
-                  <a16:creationId xmlns:a16="http://schemas.microsoft.com/office/drawing/2014/main" id="{DEB6531D-AB6F-4108-B231-B0B1735E4271}"/>
-                </a:ext>
-              </a:extLst>
-            </p:cNvPr>
-            <p:cNvSpPr/>
-            <p:nvPr/>
-          </p:nvSpPr>
-          <p:spPr>
-            <a:xfrm rot="16200000">
-              <a:off x="4361796" y="2924401"/>
-              <a:ext cx="270088" cy="661515"/>
-            </a:xfrm>
-            <a:custGeom>
-              <a:avLst/>
-              <a:gdLst>
-                <a:gd name="connsiteX0" fmla="*/ 270088 w 270088"/>
-                <a:gd name="connsiteY0" fmla="*/ 264161 h 661515"/>
-                <a:gd name="connsiteX1" fmla="*/ 270088 w 270088"/>
-                <a:gd name="connsiteY1" fmla="*/ 661515 h 661515"/>
-                <a:gd name="connsiteX2" fmla="*/ 0 w 270088"/>
-                <a:gd name="connsiteY2" fmla="*/ 661515 h 661515"/>
-                <a:gd name="connsiteX3" fmla="*/ 0 w 270088"/>
-                <a:gd name="connsiteY3" fmla="*/ 0 h 661515"/>
-                <a:gd name="connsiteX4" fmla="*/ 11030 w 270088"/>
-                <a:gd name="connsiteY4" fmla="*/ 0 h 661515"/>
-                <a:gd name="connsiteX5" fmla="*/ 270088 w 270088"/>
-                <a:gd name="connsiteY5" fmla="*/ 264161 h 661515"/>
-              </a:gdLst>
-              <a:ahLst/>
-              <a:cxnLst>
-                <a:cxn ang="0">
-                  <a:pos x="connsiteX0" y="connsiteY0"/>
-                </a:cxn>
-                <a:cxn ang="0">
-                  <a:pos x="connsiteX1" y="connsiteY1"/>
-                </a:cxn>
-                <a:cxn ang="0">
-                  <a:pos x="connsiteX2" y="connsiteY2"/>
-                </a:cxn>
-                <a:cxn ang="0">
-                  <a:pos x="connsiteX3" y="connsiteY3"/>
-                </a:cxn>
-                <a:cxn ang="0">
-                  <a:pos x="connsiteX4" y="connsiteY4"/>
-                </a:cxn>
-                <a:cxn ang="0">
-                  <a:pos x="connsiteX5" y="connsiteY5"/>
-                </a:cxn>
-              </a:cxnLst>
-              <a:rect l="l" t="t" r="r" b="b"/>
-              <a:pathLst>
-                <a:path w="270088" h="661515">
-                  <a:moveTo>
-                    <a:pt x="270088" y="264161"/>
-                  </a:moveTo>
-                  <a:lnTo>
-                    <a:pt x="270088" y="661515"/>
-                  </a:lnTo>
-                  <a:lnTo>
-                    <a:pt x="0" y="661515"/>
-                  </a:lnTo>
-                  <a:lnTo>
-                    <a:pt x="0" y="0"/>
-                  </a:lnTo>
-                  <a:lnTo>
-                    <a:pt x="11030" y="0"/>
-                  </a:lnTo>
-                  <a:cubicBezTo>
-                    <a:pt x="154104" y="0"/>
-                    <a:pt x="270088" y="118269"/>
-                    <a:pt x="270088" y="264161"/>
-                  </a:cubicBezTo>
-                  <a:close/>
-                </a:path>
-              </a:pathLst>
-            </a:custGeom>
-          </p:spPr>
-          <p:style>
-            <a:lnRef idx="2">
-              <a:schemeClr val="dk1">
-                <a:shade val="50000"/>
-              </a:schemeClr>
-            </a:lnRef>
-            <a:fillRef idx="1">
-              <a:schemeClr val="dk1"/>
-            </a:fillRef>
-            <a:effectRef idx="0">
-              <a:schemeClr val="dk1"/>
-            </a:effectRef>
-            <a:fontRef idx="minor">
-              <a:schemeClr val="lt1"/>
-            </a:fontRef>
-          </p:style>
-          <p:txBody>
-            <a:bodyPr rtlCol="0" anchor="ctr"/>
-            <a:lstStyle/>
-            <a:p>
-              <a:pPr algn="ctr"/>
-              <a:endParaRPr kumimoji="1" lang="ja-JP" altLang="en-US"/>
-            </a:p>
-          </p:txBody>
-        </p:sp>
-        <p:sp>
-          <p:nvSpPr>
-            <p:cNvPr id="53" name="部分円 52">
-              <a:extLst>
-                <a:ext uri="{FF2B5EF4-FFF2-40B4-BE49-F238E27FC236}">
-                  <a16:creationId xmlns:a16="http://schemas.microsoft.com/office/drawing/2014/main" id="{C9CB706C-21C3-4108-95A2-8A7270C7C8A0}"/>
-                </a:ext>
-              </a:extLst>
-            </p:cNvPr>
-            <p:cNvSpPr/>
-            <p:nvPr/>
-          </p:nvSpPr>
-          <p:spPr>
-            <a:xfrm rot="10800000">
-              <a:off x="4220121" y="3543407"/>
-              <a:ext cx="595234" cy="595234"/>
-            </a:xfrm>
-            <a:prstGeom prst="pie">
-              <a:avLst>
-                <a:gd name="adj1" fmla="val 5429402"/>
-                <a:gd name="adj2" fmla="val 16200000"/>
-              </a:avLst>
-            </a:prstGeom>
-          </p:spPr>
-          <p:style>
-            <a:lnRef idx="2">
-              <a:schemeClr val="dk1">
-                <a:shade val="50000"/>
-              </a:schemeClr>
-            </a:lnRef>
-            <a:fillRef idx="1">
-              <a:schemeClr val="dk1"/>
-            </a:fillRef>
-            <a:effectRef idx="0">
-              <a:schemeClr val="dk1"/>
-            </a:effectRef>
-            <a:fontRef idx="minor">
-              <a:schemeClr val="lt1"/>
-            </a:fontRef>
-          </p:style>
-          <p:txBody>
-            <a:bodyPr rtlCol="0" anchor="ctr"/>
-            <a:lstStyle/>
-            <a:p>
-              <a:pPr algn="ctr"/>
-              <a:endParaRPr kumimoji="1" lang="ja-JP" altLang="en-US">
-                <a:solidFill>
-                  <a:schemeClr val="tx1"/>
-                </a:solidFill>
-              </a:endParaRPr>
-            </a:p>
-          </p:txBody>
-        </p:sp>
-      </p:grpSp>
-      <p:grpSp>
-        <p:nvGrpSpPr>
-          <p:cNvPr id="54" name="グループ化 53">
-            <a:extLst>
-              <a:ext uri="{FF2B5EF4-FFF2-40B4-BE49-F238E27FC236}">
-                <a16:creationId xmlns:a16="http://schemas.microsoft.com/office/drawing/2014/main" id="{872947DB-FC50-4D2A-BA95-1F7F0A64D8AE}"/>
-              </a:ext>
-            </a:extLst>
-          </p:cNvPr>
-          <p:cNvGrpSpPr/>
-          <p:nvPr/>
-        </p:nvGrpSpPr>
-        <p:grpSpPr>
-          <a:xfrm>
-            <a:off x="2309636" y="4018690"/>
-            <a:ext cx="601198" cy="1013708"/>
-            <a:chOff x="5168746" y="3121425"/>
-            <a:chExt cx="601198" cy="1013708"/>
-          </a:xfrm>
-        </p:grpSpPr>
-        <p:sp>
-          <p:nvSpPr>
-            <p:cNvPr id="55" name="楕円 54">
-              <a:extLst>
-                <a:ext uri="{FF2B5EF4-FFF2-40B4-BE49-F238E27FC236}">
-                  <a16:creationId xmlns:a16="http://schemas.microsoft.com/office/drawing/2014/main" id="{24923C02-1ED9-4292-9862-8BDAB185FE03}"/>
-                </a:ext>
-              </a:extLst>
-            </p:cNvPr>
-            <p:cNvSpPr/>
-            <p:nvPr/>
-          </p:nvSpPr>
-          <p:spPr>
-            <a:xfrm>
-              <a:off x="5168746" y="3539898"/>
-              <a:ext cx="601198" cy="595235"/>
-            </a:xfrm>
-            <a:prstGeom prst="ellipse">
-              <a:avLst/>
-            </a:prstGeom>
-          </p:spPr>
-          <p:style>
-            <a:lnRef idx="2">
-              <a:schemeClr val="dk1">
-                <a:shade val="50000"/>
-              </a:schemeClr>
-            </a:lnRef>
-            <a:fillRef idx="1">
-              <a:schemeClr val="dk1"/>
-            </a:fillRef>
-            <a:effectRef idx="0">
-              <a:schemeClr val="dk1"/>
-            </a:effectRef>
-            <a:fontRef idx="minor">
-              <a:schemeClr val="lt1"/>
-            </a:fontRef>
-          </p:style>
-          <p:txBody>
-            <a:bodyPr rtlCol="0" anchor="ctr"/>
-            <a:lstStyle/>
-            <a:p>
-              <a:pPr algn="ctr"/>
-              <a:endParaRPr kumimoji="1" lang="ja-JP" altLang="en-US"/>
-            </a:p>
-          </p:txBody>
-        </p:sp>
-        <p:sp>
-          <p:nvSpPr>
-            <p:cNvPr id="56" name="楕円 55">
-              <a:extLst>
-                <a:ext uri="{FF2B5EF4-FFF2-40B4-BE49-F238E27FC236}">
-                  <a16:creationId xmlns:a16="http://schemas.microsoft.com/office/drawing/2014/main" id="{70922B06-9BF1-48F4-96DC-6FD7F767981A}"/>
-                </a:ext>
-              </a:extLst>
-            </p:cNvPr>
-            <p:cNvSpPr/>
-            <p:nvPr/>
-          </p:nvSpPr>
-          <p:spPr>
-            <a:xfrm>
-              <a:off x="5275429" y="3121425"/>
-              <a:ext cx="387834" cy="383988"/>
-            </a:xfrm>
-            <a:prstGeom prst="ellipse">
-              <a:avLst/>
-            </a:prstGeom>
-          </p:spPr>
-          <p:style>
-            <a:lnRef idx="2">
-              <a:schemeClr val="dk1">
-                <a:shade val="50000"/>
-              </a:schemeClr>
-            </a:lnRef>
-            <a:fillRef idx="1">
-              <a:schemeClr val="dk1"/>
-            </a:fillRef>
-            <a:effectRef idx="0">
-              <a:schemeClr val="dk1"/>
-            </a:effectRef>
-            <a:fontRef idx="minor">
-              <a:schemeClr val="lt1"/>
-            </a:fontRef>
-          </p:style>
-          <p:txBody>
-            <a:bodyPr rtlCol="0" anchor="ctr"/>
-            <a:lstStyle/>
-            <a:p>
-              <a:pPr algn="ctr"/>
-              <a:endParaRPr kumimoji="1" lang="ja-JP" altLang="en-US"/>
-            </a:p>
-          </p:txBody>
-        </p:sp>
-      </p:grpSp>
-      <p:sp>
-        <p:nvSpPr>
-          <p:cNvPr id="58" name="楕円 57">
-            <a:extLst>
-              <a:ext uri="{FF2B5EF4-FFF2-40B4-BE49-F238E27FC236}">
-                <a16:creationId xmlns:a16="http://schemas.microsoft.com/office/drawing/2014/main" id="{95D4F6A8-88F9-4D0A-9DF1-44CA30DF7473}"/>
-              </a:ext>
-            </a:extLst>
-          </p:cNvPr>
-          <p:cNvSpPr/>
-          <p:nvPr/>
-        </p:nvSpPr>
-        <p:spPr>
-          <a:xfrm>
-            <a:off x="3096675" y="4227926"/>
-            <a:ext cx="601198" cy="595235"/>
-          </a:xfrm>
-          <a:prstGeom prst="ellipse">
-            <a:avLst/>
-          </a:prstGeom>
-        </p:spPr>
-        <p:style>
-          <a:lnRef idx="2">
-            <a:schemeClr val="dk1">
-              <a:shade val="50000"/>
-            </a:schemeClr>
-          </a:lnRef>
-          <a:fillRef idx="1">
-            <a:schemeClr val="dk1"/>
-          </a:fillRef>
-          <a:effectRef idx="0">
-            <a:schemeClr val="dk1"/>
-          </a:effectRef>
-          <a:fontRef idx="minor">
-            <a:schemeClr val="lt1"/>
-          </a:fontRef>
-        </p:style>
-        <p:txBody>
-          <a:bodyPr rtlCol="0" anchor="ctr"/>
-          <a:lstStyle/>
-          <a:p>
-            <a:pPr algn="ctr"/>
-            <a:endParaRPr kumimoji="1" lang="ja-JP" altLang="en-US"/>
-          </a:p>
-        </p:txBody>
-      </p:sp>
       <p:sp>
         <p:nvSpPr>
           <p:cNvPr id="32" name="正方形/長方形 31">
@@ -32354,7 +32641,7 @@
         </p:blipFill>
         <p:spPr bwMode="auto">
           <a:xfrm>
-            <a:off x="7319473" y="3834663"/>
+            <a:off x="3966442" y="1866658"/>
             <a:ext cx="4572000" cy="3429000"/>
           </a:xfrm>
           <a:prstGeom prst="rect">
@@ -32507,12 +32794,1594 @@
           </p:txBody>
         </p:sp>
       </p:grpSp>
+      <p:grpSp>
+        <p:nvGrpSpPr>
+          <p:cNvPr id="8" name="グループ化 7">
+            <a:extLst>
+              <a:ext uri="{FF2B5EF4-FFF2-40B4-BE49-F238E27FC236}">
+                <a16:creationId xmlns:a16="http://schemas.microsoft.com/office/drawing/2014/main" id="{A9F7BB27-AD88-4D5A-84F8-CDB5231CF5CD}"/>
+              </a:ext>
+            </a:extLst>
+          </p:cNvPr>
+          <p:cNvGrpSpPr/>
+          <p:nvPr/>
+        </p:nvGrpSpPr>
+        <p:grpSpPr>
+          <a:xfrm>
+            <a:off x="7748542" y="1798974"/>
+            <a:ext cx="3896618" cy="2904911"/>
+            <a:chOff x="7748542" y="1798974"/>
+            <a:chExt cx="3896618" cy="2904911"/>
+          </a:xfrm>
+        </p:grpSpPr>
+        <p:sp>
+          <p:nvSpPr>
+            <p:cNvPr id="1105" name="楕円 1104">
+              <a:extLst>
+                <a:ext uri="{FF2B5EF4-FFF2-40B4-BE49-F238E27FC236}">
+                  <a16:creationId xmlns:a16="http://schemas.microsoft.com/office/drawing/2014/main" id="{4D91C100-BD4A-4E9D-AE7E-42A07DF17172}"/>
+                </a:ext>
+              </a:extLst>
+            </p:cNvPr>
+            <p:cNvSpPr/>
+            <p:nvPr/>
+          </p:nvSpPr>
+          <p:spPr>
+            <a:xfrm rot="21013589">
+              <a:off x="8099623" y="3004858"/>
+              <a:ext cx="3352116" cy="1132410"/>
+            </a:xfrm>
+            <a:prstGeom prst="ellipse">
+              <a:avLst/>
+            </a:prstGeom>
+            <a:noFill/>
+            <a:ln w="38100">
+              <a:solidFill>
+                <a:srgbClr val="F73C26"/>
+              </a:solidFill>
+            </a:ln>
+          </p:spPr>
+          <p:style>
+            <a:lnRef idx="2">
+              <a:schemeClr val="accent1">
+                <a:shade val="50000"/>
+              </a:schemeClr>
+            </a:lnRef>
+            <a:fillRef idx="1">
+              <a:schemeClr val="accent1"/>
+            </a:fillRef>
+            <a:effectRef idx="0">
+              <a:schemeClr val="accent1"/>
+            </a:effectRef>
+            <a:fontRef idx="minor">
+              <a:schemeClr val="lt1"/>
+            </a:fontRef>
+          </p:style>
+          <p:txBody>
+            <a:bodyPr rtlCol="0" anchor="ctr"/>
+            <a:lstStyle/>
+            <a:p>
+              <a:pPr algn="ctr"/>
+              <a:endParaRPr kumimoji="1" lang="ja-JP" altLang="en-US"/>
+            </a:p>
+          </p:txBody>
+        </p:sp>
+        <p:sp>
+          <p:nvSpPr>
+            <p:cNvPr id="161" name="正方形/長方形 160">
+              <a:extLst>
+                <a:ext uri="{FF2B5EF4-FFF2-40B4-BE49-F238E27FC236}">
+                  <a16:creationId xmlns:a16="http://schemas.microsoft.com/office/drawing/2014/main" id="{AF110217-FCAA-4873-B80B-859AAC426CF5}"/>
+                </a:ext>
+              </a:extLst>
+            </p:cNvPr>
+            <p:cNvSpPr/>
+            <p:nvPr/>
+          </p:nvSpPr>
+          <p:spPr>
+            <a:xfrm rot="20608585">
+              <a:off x="8843938" y="3687329"/>
+              <a:ext cx="898136" cy="554656"/>
+            </a:xfrm>
+            <a:prstGeom prst="rect">
+              <a:avLst/>
+            </a:prstGeom>
+            <a:solidFill>
+              <a:schemeClr val="bg1"/>
+            </a:solidFill>
+            <a:ln>
+              <a:noFill/>
+            </a:ln>
+          </p:spPr>
+          <p:style>
+            <a:lnRef idx="2">
+              <a:schemeClr val="accent1">
+                <a:shade val="50000"/>
+              </a:schemeClr>
+            </a:lnRef>
+            <a:fillRef idx="1">
+              <a:schemeClr val="accent1"/>
+            </a:fillRef>
+            <a:effectRef idx="0">
+              <a:schemeClr val="accent1"/>
+            </a:effectRef>
+            <a:fontRef idx="minor">
+              <a:schemeClr val="lt1"/>
+            </a:fontRef>
+          </p:style>
+          <p:txBody>
+            <a:bodyPr rtlCol="0" anchor="ctr"/>
+            <a:lstStyle/>
+            <a:p>
+              <a:pPr algn="ctr"/>
+              <a:endParaRPr kumimoji="1" lang="ja-JP" altLang="en-US"/>
+            </a:p>
+          </p:txBody>
+        </p:sp>
+        <p:sp>
+          <p:nvSpPr>
+            <p:cNvPr id="160" name="正方形/長方形 159">
+              <a:extLst>
+                <a:ext uri="{FF2B5EF4-FFF2-40B4-BE49-F238E27FC236}">
+                  <a16:creationId xmlns:a16="http://schemas.microsoft.com/office/drawing/2014/main" id="{BBA42480-EE80-4B20-B8EB-6345B7E42867}"/>
+                </a:ext>
+              </a:extLst>
+            </p:cNvPr>
+            <p:cNvSpPr/>
+            <p:nvPr/>
+          </p:nvSpPr>
+          <p:spPr>
+            <a:xfrm>
+              <a:off x="8750376" y="2723219"/>
+              <a:ext cx="1869279" cy="662982"/>
+            </a:xfrm>
+            <a:prstGeom prst="rect">
+              <a:avLst/>
+            </a:prstGeom>
+            <a:solidFill>
+              <a:schemeClr val="bg1"/>
+            </a:solidFill>
+            <a:ln>
+              <a:noFill/>
+            </a:ln>
+          </p:spPr>
+          <p:style>
+            <a:lnRef idx="2">
+              <a:schemeClr val="accent1">
+                <a:shade val="50000"/>
+              </a:schemeClr>
+            </a:lnRef>
+            <a:fillRef idx="1">
+              <a:schemeClr val="accent1"/>
+            </a:fillRef>
+            <a:effectRef idx="0">
+              <a:schemeClr val="accent1"/>
+            </a:effectRef>
+            <a:fontRef idx="minor">
+              <a:schemeClr val="lt1"/>
+            </a:fontRef>
+          </p:style>
+          <p:txBody>
+            <a:bodyPr rtlCol="0" anchor="ctr"/>
+            <a:lstStyle/>
+            <a:p>
+              <a:pPr algn="ctr"/>
+              <a:endParaRPr kumimoji="1" lang="ja-JP" altLang="en-US"/>
+            </a:p>
+          </p:txBody>
+        </p:sp>
+        <p:sp>
+          <p:nvSpPr>
+            <p:cNvPr id="1107" name="正方形/長方形 1106">
+              <a:extLst>
+                <a:ext uri="{FF2B5EF4-FFF2-40B4-BE49-F238E27FC236}">
+                  <a16:creationId xmlns:a16="http://schemas.microsoft.com/office/drawing/2014/main" id="{F77F684F-8303-4EF9-A99E-5E1F14878A2F}"/>
+                </a:ext>
+              </a:extLst>
+            </p:cNvPr>
+            <p:cNvSpPr/>
+            <p:nvPr/>
+          </p:nvSpPr>
+          <p:spPr>
+            <a:xfrm>
+              <a:off x="8386602" y="3834663"/>
+              <a:ext cx="756475" cy="690880"/>
+            </a:xfrm>
+            <a:prstGeom prst="rect">
+              <a:avLst/>
+            </a:prstGeom>
+            <a:solidFill>
+              <a:schemeClr val="bg1"/>
+            </a:solidFill>
+            <a:ln>
+              <a:noFill/>
+            </a:ln>
+          </p:spPr>
+          <p:style>
+            <a:lnRef idx="2">
+              <a:schemeClr val="accent1">
+                <a:shade val="50000"/>
+              </a:schemeClr>
+            </a:lnRef>
+            <a:fillRef idx="1">
+              <a:schemeClr val="accent1"/>
+            </a:fillRef>
+            <a:effectRef idx="0">
+              <a:schemeClr val="accent1"/>
+            </a:effectRef>
+            <a:fontRef idx="minor">
+              <a:schemeClr val="lt1"/>
+            </a:fontRef>
+          </p:style>
+          <p:txBody>
+            <a:bodyPr rtlCol="0" anchor="ctr"/>
+            <a:lstStyle/>
+            <a:p>
+              <a:pPr algn="ctr"/>
+              <a:endParaRPr kumimoji="1" lang="ja-JP" altLang="en-US"/>
+            </a:p>
+          </p:txBody>
+        </p:sp>
+        <p:pic>
+          <p:nvPicPr>
+            <p:cNvPr id="1110" name="図 1109">
+              <a:extLst>
+                <a:ext uri="{FF2B5EF4-FFF2-40B4-BE49-F238E27FC236}">
+                  <a16:creationId xmlns:a16="http://schemas.microsoft.com/office/drawing/2014/main" id="{341AA22A-B36D-448A-983A-27DE88FBFC60}"/>
+                </a:ext>
+              </a:extLst>
+            </p:cNvPr>
+            <p:cNvPicPr>
+              <a:picLocks noChangeAspect="1"/>
+            </p:cNvPicPr>
+            <p:nvPr/>
+          </p:nvPicPr>
+          <p:blipFill>
+            <a:blip r:embed="rId3"/>
+            <a:stretch>
+              <a:fillRect/>
+            </a:stretch>
+          </p:blipFill>
+          <p:spPr>
+            <a:xfrm>
+              <a:off x="7748542" y="1798974"/>
+              <a:ext cx="3896618" cy="2904911"/>
+            </a:xfrm>
+            <a:prstGeom prst="rect">
+              <a:avLst/>
+            </a:prstGeom>
+            <a:scene3d>
+              <a:camera prst="isometricOffAxis1Right"/>
+              <a:lightRig rig="threePt" dir="t"/>
+            </a:scene3d>
+          </p:spPr>
+        </p:pic>
+        <p:sp>
+          <p:nvSpPr>
+            <p:cNvPr id="174" name="星: 4 pt 173">
+              <a:extLst>
+                <a:ext uri="{FF2B5EF4-FFF2-40B4-BE49-F238E27FC236}">
+                  <a16:creationId xmlns:a16="http://schemas.microsoft.com/office/drawing/2014/main" id="{C49EAE5D-1636-4914-9F0F-2B50930A50FC}"/>
+                </a:ext>
+              </a:extLst>
+            </p:cNvPr>
+            <p:cNvSpPr/>
+            <p:nvPr/>
+          </p:nvSpPr>
+          <p:spPr>
+            <a:xfrm rot="3005734">
+              <a:off x="10322099" y="2530136"/>
+              <a:ext cx="512634" cy="1003424"/>
+            </a:xfrm>
+            <a:prstGeom prst="star4">
+              <a:avLst>
+                <a:gd name="adj" fmla="val 12817"/>
+              </a:avLst>
+            </a:prstGeom>
+            <a:solidFill>
+              <a:srgbClr val="FC412B"/>
+            </a:solidFill>
+            <a:ln>
+              <a:solidFill>
+                <a:schemeClr val="bg1"/>
+              </a:solidFill>
+            </a:ln>
+          </p:spPr>
+          <p:style>
+            <a:lnRef idx="2">
+              <a:schemeClr val="accent1">
+                <a:shade val="50000"/>
+              </a:schemeClr>
+            </a:lnRef>
+            <a:fillRef idx="1">
+              <a:schemeClr val="accent1"/>
+            </a:fillRef>
+            <a:effectRef idx="0">
+              <a:schemeClr val="accent1"/>
+            </a:effectRef>
+            <a:fontRef idx="minor">
+              <a:schemeClr val="lt1"/>
+            </a:fontRef>
+          </p:style>
+          <p:txBody>
+            <a:bodyPr rtlCol="0" anchor="ctr"/>
+            <a:lstStyle/>
+            <a:p>
+              <a:pPr algn="ctr"/>
+              <a:endParaRPr kumimoji="1" lang="ja-JP" altLang="en-US"/>
+            </a:p>
+          </p:txBody>
+        </p:sp>
+      </p:grpSp>
+      <p:pic>
+        <p:nvPicPr>
+          <p:cNvPr id="2" name="図 1">
+            <a:extLst>
+              <a:ext uri="{FF2B5EF4-FFF2-40B4-BE49-F238E27FC236}">
+                <a16:creationId xmlns:a16="http://schemas.microsoft.com/office/drawing/2014/main" id="{A1F95CE0-BDA6-48DB-8F2F-168975EF0088}"/>
+              </a:ext>
+            </a:extLst>
+          </p:cNvPr>
+          <p:cNvPicPr>
+            <a:picLocks noChangeAspect="1"/>
+          </p:cNvPicPr>
+          <p:nvPr/>
+        </p:nvPicPr>
+        <p:blipFill>
+          <a:blip r:embed="rId4"/>
+          <a:stretch>
+            <a:fillRect/>
+          </a:stretch>
+        </p:blipFill>
+        <p:spPr>
+          <a:xfrm>
+            <a:off x="5917921" y="2112859"/>
+            <a:ext cx="605651" cy="334008"/>
+          </a:xfrm>
+          <a:prstGeom prst="rect">
+            <a:avLst/>
+          </a:prstGeom>
+        </p:spPr>
+      </p:pic>
+      <p:grpSp>
+        <p:nvGrpSpPr>
+          <p:cNvPr id="68" name="グループ化 67">
+            <a:extLst>
+              <a:ext uri="{FF2B5EF4-FFF2-40B4-BE49-F238E27FC236}">
+                <a16:creationId xmlns:a16="http://schemas.microsoft.com/office/drawing/2014/main" id="{DE9E4365-0FFA-4441-939C-298D8A033826}"/>
+              </a:ext>
+            </a:extLst>
+          </p:cNvPr>
+          <p:cNvGrpSpPr/>
+          <p:nvPr/>
+        </p:nvGrpSpPr>
+        <p:grpSpPr>
+          <a:xfrm>
+            <a:off x="3883138" y="2847072"/>
+            <a:ext cx="566894" cy="192183"/>
+            <a:chOff x="460740" y="2714431"/>
+            <a:chExt cx="3004408" cy="1018526"/>
+          </a:xfrm>
+        </p:grpSpPr>
+        <p:grpSp>
+          <p:nvGrpSpPr>
+            <p:cNvPr id="69" name="グループ化 68">
+              <a:extLst>
+                <a:ext uri="{FF2B5EF4-FFF2-40B4-BE49-F238E27FC236}">
+                  <a16:creationId xmlns:a16="http://schemas.microsoft.com/office/drawing/2014/main" id="{C6759D05-48FC-4F29-9109-F4881DF6545C}"/>
+                </a:ext>
+              </a:extLst>
+            </p:cNvPr>
+            <p:cNvGrpSpPr/>
+            <p:nvPr/>
+          </p:nvGrpSpPr>
+          <p:grpSpPr>
+            <a:xfrm>
+              <a:off x="460740" y="2751098"/>
+              <a:ext cx="655180" cy="981859"/>
+              <a:chOff x="3288136" y="3156782"/>
+              <a:chExt cx="655180" cy="981859"/>
+            </a:xfrm>
+          </p:grpSpPr>
+          <p:sp>
+            <p:nvSpPr>
+              <p:cNvPr id="78" name="部分円 77">
+                <a:extLst>
+                  <a:ext uri="{FF2B5EF4-FFF2-40B4-BE49-F238E27FC236}">
+                    <a16:creationId xmlns:a16="http://schemas.microsoft.com/office/drawing/2014/main" id="{67EB304D-9F4F-4973-BC73-501180CD1286}"/>
+                  </a:ext>
+                </a:extLst>
+              </p:cNvPr>
+              <p:cNvSpPr/>
+              <p:nvPr/>
+            </p:nvSpPr>
+            <p:spPr>
+              <a:xfrm rot="10800000">
+                <a:off x="3348082" y="3543407"/>
+                <a:ext cx="595234" cy="595234"/>
+              </a:xfrm>
+              <a:prstGeom prst="pie">
+                <a:avLst>
+                  <a:gd name="adj1" fmla="val 5429402"/>
+                  <a:gd name="adj2" fmla="val 16200000"/>
+                </a:avLst>
+              </a:prstGeom>
+            </p:spPr>
+            <p:style>
+              <a:lnRef idx="2">
+                <a:schemeClr val="dk1">
+                  <a:shade val="50000"/>
+                </a:schemeClr>
+              </a:lnRef>
+              <a:fillRef idx="1">
+                <a:schemeClr val="dk1"/>
+              </a:fillRef>
+              <a:effectRef idx="0">
+                <a:schemeClr val="dk1"/>
+              </a:effectRef>
+              <a:fontRef idx="minor">
+                <a:schemeClr val="lt1"/>
+              </a:fontRef>
+            </p:style>
+            <p:txBody>
+              <a:bodyPr rtlCol="0" anchor="ctr"/>
+              <a:lstStyle/>
+              <a:p>
+                <a:pPr algn="ctr"/>
+                <a:endParaRPr kumimoji="1" lang="ja-JP" altLang="en-US">
+                  <a:solidFill>
+                    <a:schemeClr val="tx1"/>
+                  </a:solidFill>
+                </a:endParaRPr>
+              </a:p>
+            </p:txBody>
+          </p:sp>
+          <p:sp>
+            <p:nvSpPr>
+              <p:cNvPr id="79" name="フリーフォーム: 図形 78">
+                <a:extLst>
+                  <a:ext uri="{FF2B5EF4-FFF2-40B4-BE49-F238E27FC236}">
+                    <a16:creationId xmlns:a16="http://schemas.microsoft.com/office/drawing/2014/main" id="{76273EE7-2725-4829-928D-BE5F7FE8F97D}"/>
+                  </a:ext>
+                </a:extLst>
+              </p:cNvPr>
+              <p:cNvSpPr/>
+              <p:nvPr/>
+            </p:nvSpPr>
+            <p:spPr>
+              <a:xfrm flipH="1">
+                <a:off x="3288136" y="3156782"/>
+                <a:ext cx="270088" cy="978352"/>
+              </a:xfrm>
+              <a:custGeom>
+                <a:avLst/>
+                <a:gdLst>
+                  <a:gd name="connsiteX0" fmla="*/ 0 w 294110"/>
+                  <a:gd name="connsiteY0" fmla="*/ 0 h 1044786"/>
+                  <a:gd name="connsiteX1" fmla="*/ 12011 w 294110"/>
+                  <a:gd name="connsiteY1" fmla="*/ 0 h 1044786"/>
+                  <a:gd name="connsiteX2" fmla="*/ 294110 w 294110"/>
+                  <a:gd name="connsiteY2" fmla="*/ 282099 h 1044786"/>
+                  <a:gd name="connsiteX3" fmla="*/ 294109 w 294110"/>
+                  <a:gd name="connsiteY3" fmla="*/ 1044786 h 1044786"/>
+                  <a:gd name="connsiteX4" fmla="*/ 0 w 294110"/>
+                  <a:gd name="connsiteY4" fmla="*/ 1044786 h 1044786"/>
+                  <a:gd name="connsiteX5" fmla="*/ 0 w 294110"/>
+                  <a:gd name="connsiteY5" fmla="*/ 0 h 1044786"/>
+                </a:gdLst>
+                <a:ahLst/>
+                <a:cxnLst>
+                  <a:cxn ang="0">
+                    <a:pos x="connsiteX0" y="connsiteY0"/>
+                  </a:cxn>
+                  <a:cxn ang="0">
+                    <a:pos x="connsiteX1" y="connsiteY1"/>
+                  </a:cxn>
+                  <a:cxn ang="0">
+                    <a:pos x="connsiteX2" y="connsiteY2"/>
+                  </a:cxn>
+                  <a:cxn ang="0">
+                    <a:pos x="connsiteX3" y="connsiteY3"/>
+                  </a:cxn>
+                  <a:cxn ang="0">
+                    <a:pos x="connsiteX4" y="connsiteY4"/>
+                  </a:cxn>
+                  <a:cxn ang="0">
+                    <a:pos x="connsiteX5" y="connsiteY5"/>
+                  </a:cxn>
+                </a:cxnLst>
+                <a:rect l="l" t="t" r="r" b="b"/>
+                <a:pathLst>
+                  <a:path w="294110" h="1044786">
+                    <a:moveTo>
+                      <a:pt x="0" y="0"/>
+                    </a:moveTo>
+                    <a:lnTo>
+                      <a:pt x="12011" y="0"/>
+                    </a:lnTo>
+                    <a:cubicBezTo>
+                      <a:pt x="167810" y="0"/>
+                      <a:pt x="294110" y="126300"/>
+                      <a:pt x="294110" y="282099"/>
+                    </a:cubicBezTo>
+                    <a:cubicBezTo>
+                      <a:pt x="294110" y="536328"/>
+                      <a:pt x="294109" y="790557"/>
+                      <a:pt x="294109" y="1044786"/>
+                    </a:cubicBezTo>
+                    <a:lnTo>
+                      <a:pt x="0" y="1044786"/>
+                    </a:lnTo>
+                    <a:lnTo>
+                      <a:pt x="0" y="0"/>
+                    </a:lnTo>
+                    <a:close/>
+                  </a:path>
+                </a:pathLst>
+              </a:custGeom>
+            </p:spPr>
+            <p:style>
+              <a:lnRef idx="2">
+                <a:schemeClr val="dk1">
+                  <a:shade val="50000"/>
+                </a:schemeClr>
+              </a:lnRef>
+              <a:fillRef idx="1">
+                <a:schemeClr val="dk1"/>
+              </a:fillRef>
+              <a:effectRef idx="0">
+                <a:schemeClr val="dk1"/>
+              </a:effectRef>
+              <a:fontRef idx="minor">
+                <a:schemeClr val="lt1"/>
+              </a:fontRef>
+            </p:style>
+            <p:txBody>
+              <a:bodyPr rtlCol="0" anchor="ctr"/>
+              <a:lstStyle/>
+              <a:p>
+                <a:pPr algn="ctr"/>
+                <a:endParaRPr kumimoji="1" lang="ja-JP" altLang="en-US"/>
+              </a:p>
+            </p:txBody>
+          </p:sp>
+        </p:grpSp>
+        <p:grpSp>
+          <p:nvGrpSpPr>
+            <p:cNvPr id="70" name="グループ化 69">
+              <a:extLst>
+                <a:ext uri="{FF2B5EF4-FFF2-40B4-BE49-F238E27FC236}">
+                  <a16:creationId xmlns:a16="http://schemas.microsoft.com/office/drawing/2014/main" id="{12B41F64-7AA5-4DEB-9952-EA2F3865EB2A}"/>
+                </a:ext>
+              </a:extLst>
+            </p:cNvPr>
+            <p:cNvGrpSpPr/>
+            <p:nvPr/>
+          </p:nvGrpSpPr>
+          <p:grpSpPr>
+            <a:xfrm>
+              <a:off x="1359192" y="2714431"/>
+              <a:ext cx="664262" cy="1018526"/>
+              <a:chOff x="4163335" y="3120115"/>
+              <a:chExt cx="664262" cy="1018526"/>
+            </a:xfrm>
+          </p:grpSpPr>
+          <p:sp>
+            <p:nvSpPr>
+              <p:cNvPr id="75" name="正方形/長方形 74">
+                <a:extLst>
+                  <a:ext uri="{FF2B5EF4-FFF2-40B4-BE49-F238E27FC236}">
+                    <a16:creationId xmlns:a16="http://schemas.microsoft.com/office/drawing/2014/main" id="{6A76EE0E-8F4A-441C-A439-9CEEE82B3E52}"/>
+                  </a:ext>
+                </a:extLst>
+              </p:cNvPr>
+              <p:cNvSpPr/>
+              <p:nvPr/>
+            </p:nvSpPr>
+            <p:spPr>
+              <a:xfrm>
+                <a:off x="4163335" y="3444939"/>
+                <a:ext cx="270088" cy="356682"/>
+              </a:xfrm>
+              <a:prstGeom prst="rect">
+                <a:avLst/>
+              </a:prstGeom>
+            </p:spPr>
+            <p:style>
+              <a:lnRef idx="2">
+                <a:schemeClr val="dk1">
+                  <a:shade val="50000"/>
+                </a:schemeClr>
+              </a:lnRef>
+              <a:fillRef idx="1">
+                <a:schemeClr val="dk1"/>
+              </a:fillRef>
+              <a:effectRef idx="0">
+                <a:schemeClr val="dk1"/>
+              </a:effectRef>
+              <a:fontRef idx="minor">
+                <a:schemeClr val="lt1"/>
+              </a:fontRef>
+            </p:style>
+            <p:txBody>
+              <a:bodyPr rtlCol="0" anchor="ctr"/>
+              <a:lstStyle/>
+              <a:p>
+                <a:pPr algn="ctr"/>
+                <a:endParaRPr kumimoji="1" lang="ja-JP" altLang="en-US"/>
+              </a:p>
+            </p:txBody>
+          </p:sp>
+          <p:sp>
+            <p:nvSpPr>
+              <p:cNvPr id="76" name="フリーフォーム: 図形 75">
+                <a:extLst>
+                  <a:ext uri="{FF2B5EF4-FFF2-40B4-BE49-F238E27FC236}">
+                    <a16:creationId xmlns:a16="http://schemas.microsoft.com/office/drawing/2014/main" id="{F4F2C9DF-5F7B-4D28-B37D-0AC67FB2DAED}"/>
+                  </a:ext>
+                </a:extLst>
+              </p:cNvPr>
+              <p:cNvSpPr/>
+              <p:nvPr/>
+            </p:nvSpPr>
+            <p:spPr>
+              <a:xfrm rot="16200000">
+                <a:off x="4361796" y="2924401"/>
+                <a:ext cx="270088" cy="661515"/>
+              </a:xfrm>
+              <a:custGeom>
+                <a:avLst/>
+                <a:gdLst>
+                  <a:gd name="connsiteX0" fmla="*/ 270088 w 270088"/>
+                  <a:gd name="connsiteY0" fmla="*/ 264161 h 661515"/>
+                  <a:gd name="connsiteX1" fmla="*/ 270088 w 270088"/>
+                  <a:gd name="connsiteY1" fmla="*/ 661515 h 661515"/>
+                  <a:gd name="connsiteX2" fmla="*/ 0 w 270088"/>
+                  <a:gd name="connsiteY2" fmla="*/ 661515 h 661515"/>
+                  <a:gd name="connsiteX3" fmla="*/ 0 w 270088"/>
+                  <a:gd name="connsiteY3" fmla="*/ 0 h 661515"/>
+                  <a:gd name="connsiteX4" fmla="*/ 11030 w 270088"/>
+                  <a:gd name="connsiteY4" fmla="*/ 0 h 661515"/>
+                  <a:gd name="connsiteX5" fmla="*/ 270088 w 270088"/>
+                  <a:gd name="connsiteY5" fmla="*/ 264161 h 661515"/>
+                </a:gdLst>
+                <a:ahLst/>
+                <a:cxnLst>
+                  <a:cxn ang="0">
+                    <a:pos x="connsiteX0" y="connsiteY0"/>
+                  </a:cxn>
+                  <a:cxn ang="0">
+                    <a:pos x="connsiteX1" y="connsiteY1"/>
+                  </a:cxn>
+                  <a:cxn ang="0">
+                    <a:pos x="connsiteX2" y="connsiteY2"/>
+                  </a:cxn>
+                  <a:cxn ang="0">
+                    <a:pos x="connsiteX3" y="connsiteY3"/>
+                  </a:cxn>
+                  <a:cxn ang="0">
+                    <a:pos x="connsiteX4" y="connsiteY4"/>
+                  </a:cxn>
+                  <a:cxn ang="0">
+                    <a:pos x="connsiteX5" y="connsiteY5"/>
+                  </a:cxn>
+                </a:cxnLst>
+                <a:rect l="l" t="t" r="r" b="b"/>
+                <a:pathLst>
+                  <a:path w="270088" h="661515">
+                    <a:moveTo>
+                      <a:pt x="270088" y="264161"/>
+                    </a:moveTo>
+                    <a:lnTo>
+                      <a:pt x="270088" y="661515"/>
+                    </a:lnTo>
+                    <a:lnTo>
+                      <a:pt x="0" y="661515"/>
+                    </a:lnTo>
+                    <a:lnTo>
+                      <a:pt x="0" y="0"/>
+                    </a:lnTo>
+                    <a:lnTo>
+                      <a:pt x="11030" y="0"/>
+                    </a:lnTo>
+                    <a:cubicBezTo>
+                      <a:pt x="154104" y="0"/>
+                      <a:pt x="270088" y="118269"/>
+                      <a:pt x="270088" y="264161"/>
+                    </a:cubicBezTo>
+                    <a:close/>
+                  </a:path>
+                </a:pathLst>
+              </a:custGeom>
+            </p:spPr>
+            <p:style>
+              <a:lnRef idx="2">
+                <a:schemeClr val="dk1">
+                  <a:shade val="50000"/>
+                </a:schemeClr>
+              </a:lnRef>
+              <a:fillRef idx="1">
+                <a:schemeClr val="dk1"/>
+              </a:fillRef>
+              <a:effectRef idx="0">
+                <a:schemeClr val="dk1"/>
+              </a:effectRef>
+              <a:fontRef idx="minor">
+                <a:schemeClr val="lt1"/>
+              </a:fontRef>
+            </p:style>
+            <p:txBody>
+              <a:bodyPr rtlCol="0" anchor="ctr"/>
+              <a:lstStyle/>
+              <a:p>
+                <a:pPr algn="ctr"/>
+                <a:endParaRPr kumimoji="1" lang="ja-JP" altLang="en-US"/>
+              </a:p>
+            </p:txBody>
+          </p:sp>
+          <p:sp>
+            <p:nvSpPr>
+              <p:cNvPr id="77" name="部分円 76">
+                <a:extLst>
+                  <a:ext uri="{FF2B5EF4-FFF2-40B4-BE49-F238E27FC236}">
+                    <a16:creationId xmlns:a16="http://schemas.microsoft.com/office/drawing/2014/main" id="{C6626DB6-AB74-453D-B76A-DA7CCCDC3765}"/>
+                  </a:ext>
+                </a:extLst>
+              </p:cNvPr>
+              <p:cNvSpPr/>
+              <p:nvPr/>
+            </p:nvSpPr>
+            <p:spPr>
+              <a:xfrm rot="10800000">
+                <a:off x="4220121" y="3543407"/>
+                <a:ext cx="595234" cy="595234"/>
+              </a:xfrm>
+              <a:prstGeom prst="pie">
+                <a:avLst>
+                  <a:gd name="adj1" fmla="val 5429402"/>
+                  <a:gd name="adj2" fmla="val 16200000"/>
+                </a:avLst>
+              </a:prstGeom>
+            </p:spPr>
+            <p:style>
+              <a:lnRef idx="2">
+                <a:schemeClr val="dk1">
+                  <a:shade val="50000"/>
+                </a:schemeClr>
+              </a:lnRef>
+              <a:fillRef idx="1">
+                <a:schemeClr val="dk1"/>
+              </a:fillRef>
+              <a:effectRef idx="0">
+                <a:schemeClr val="dk1"/>
+              </a:effectRef>
+              <a:fontRef idx="minor">
+                <a:schemeClr val="lt1"/>
+              </a:fontRef>
+            </p:style>
+            <p:txBody>
+              <a:bodyPr rtlCol="0" anchor="ctr"/>
+              <a:lstStyle/>
+              <a:p>
+                <a:pPr algn="ctr"/>
+                <a:endParaRPr kumimoji="1" lang="ja-JP" altLang="en-US">
+                  <a:solidFill>
+                    <a:schemeClr val="tx1"/>
+                  </a:solidFill>
+                </a:endParaRPr>
+              </a:p>
+            </p:txBody>
+          </p:sp>
+        </p:grpSp>
+        <p:grpSp>
+          <p:nvGrpSpPr>
+            <p:cNvPr id="71" name="グループ化 70">
+              <a:extLst>
+                <a:ext uri="{FF2B5EF4-FFF2-40B4-BE49-F238E27FC236}">
+                  <a16:creationId xmlns:a16="http://schemas.microsoft.com/office/drawing/2014/main" id="{30E46969-7C57-44A1-837C-A102C58FA149}"/>
+                </a:ext>
+              </a:extLst>
+            </p:cNvPr>
+            <p:cNvGrpSpPr/>
+            <p:nvPr/>
+          </p:nvGrpSpPr>
+          <p:grpSpPr>
+            <a:xfrm>
+              <a:off x="2309636" y="2715741"/>
+              <a:ext cx="601198" cy="1013708"/>
+              <a:chOff x="5168746" y="3121425"/>
+              <a:chExt cx="601198" cy="1013708"/>
+            </a:xfrm>
+          </p:grpSpPr>
+          <p:sp>
+            <p:nvSpPr>
+              <p:cNvPr id="73" name="楕円 72">
+                <a:extLst>
+                  <a:ext uri="{FF2B5EF4-FFF2-40B4-BE49-F238E27FC236}">
+                    <a16:creationId xmlns:a16="http://schemas.microsoft.com/office/drawing/2014/main" id="{4C2CA980-EF68-4BF5-A7A2-97B32380D881}"/>
+                  </a:ext>
+                </a:extLst>
+              </p:cNvPr>
+              <p:cNvSpPr/>
+              <p:nvPr/>
+            </p:nvSpPr>
+            <p:spPr>
+              <a:xfrm>
+                <a:off x="5168746" y="3539898"/>
+                <a:ext cx="601198" cy="595235"/>
+              </a:xfrm>
+              <a:prstGeom prst="ellipse">
+                <a:avLst/>
+              </a:prstGeom>
+            </p:spPr>
+            <p:style>
+              <a:lnRef idx="2">
+                <a:schemeClr val="dk1">
+                  <a:shade val="50000"/>
+                </a:schemeClr>
+              </a:lnRef>
+              <a:fillRef idx="1">
+                <a:schemeClr val="dk1"/>
+              </a:fillRef>
+              <a:effectRef idx="0">
+                <a:schemeClr val="dk1"/>
+              </a:effectRef>
+              <a:fontRef idx="minor">
+                <a:schemeClr val="lt1"/>
+              </a:fontRef>
+            </p:style>
+            <p:txBody>
+              <a:bodyPr rtlCol="0" anchor="ctr"/>
+              <a:lstStyle/>
+              <a:p>
+                <a:pPr algn="ctr"/>
+                <a:endParaRPr kumimoji="1" lang="ja-JP" altLang="en-US"/>
+              </a:p>
+            </p:txBody>
+          </p:sp>
+          <p:sp>
+            <p:nvSpPr>
+              <p:cNvPr id="74" name="楕円 73">
+                <a:extLst>
+                  <a:ext uri="{FF2B5EF4-FFF2-40B4-BE49-F238E27FC236}">
+                    <a16:creationId xmlns:a16="http://schemas.microsoft.com/office/drawing/2014/main" id="{FE7341CB-136C-40B3-820D-7783D070616A}"/>
+                  </a:ext>
+                </a:extLst>
+              </p:cNvPr>
+              <p:cNvSpPr/>
+              <p:nvPr/>
+            </p:nvSpPr>
+            <p:spPr>
+              <a:xfrm>
+                <a:off x="5275429" y="3121425"/>
+                <a:ext cx="387834" cy="383988"/>
+              </a:xfrm>
+              <a:prstGeom prst="ellipse">
+                <a:avLst/>
+              </a:prstGeom>
+            </p:spPr>
+            <p:style>
+              <a:lnRef idx="2">
+                <a:schemeClr val="dk1">
+                  <a:shade val="50000"/>
+                </a:schemeClr>
+              </a:lnRef>
+              <a:fillRef idx="1">
+                <a:schemeClr val="dk1"/>
+              </a:fillRef>
+              <a:effectRef idx="0">
+                <a:schemeClr val="dk1"/>
+              </a:effectRef>
+              <a:fontRef idx="minor">
+                <a:schemeClr val="lt1"/>
+              </a:fontRef>
+            </p:style>
+            <p:txBody>
+              <a:bodyPr rtlCol="0" anchor="ctr"/>
+              <a:lstStyle/>
+              <a:p>
+                <a:pPr algn="ctr"/>
+                <a:endParaRPr kumimoji="1" lang="ja-JP" altLang="en-US"/>
+              </a:p>
+            </p:txBody>
+          </p:sp>
+        </p:grpSp>
+        <p:sp>
+          <p:nvSpPr>
+            <p:cNvPr id="72" name="フリーフォーム: 図形 71">
+              <a:extLst>
+                <a:ext uri="{FF2B5EF4-FFF2-40B4-BE49-F238E27FC236}">
+                  <a16:creationId xmlns:a16="http://schemas.microsoft.com/office/drawing/2014/main" id="{84013544-2ADD-4A98-B36E-25D54AFF5DEB}"/>
+                </a:ext>
+              </a:extLst>
+            </p:cNvPr>
+            <p:cNvSpPr/>
+            <p:nvPr/>
+          </p:nvSpPr>
+          <p:spPr>
+            <a:xfrm>
+              <a:off x="3195060" y="2751098"/>
+              <a:ext cx="270088" cy="978352"/>
+            </a:xfrm>
+            <a:custGeom>
+              <a:avLst/>
+              <a:gdLst>
+                <a:gd name="connsiteX0" fmla="*/ 0 w 294110"/>
+                <a:gd name="connsiteY0" fmla="*/ 0 h 1044786"/>
+                <a:gd name="connsiteX1" fmla="*/ 12011 w 294110"/>
+                <a:gd name="connsiteY1" fmla="*/ 0 h 1044786"/>
+                <a:gd name="connsiteX2" fmla="*/ 294110 w 294110"/>
+                <a:gd name="connsiteY2" fmla="*/ 282099 h 1044786"/>
+                <a:gd name="connsiteX3" fmla="*/ 294109 w 294110"/>
+                <a:gd name="connsiteY3" fmla="*/ 1044786 h 1044786"/>
+                <a:gd name="connsiteX4" fmla="*/ 0 w 294110"/>
+                <a:gd name="connsiteY4" fmla="*/ 1044786 h 1044786"/>
+                <a:gd name="connsiteX5" fmla="*/ 0 w 294110"/>
+                <a:gd name="connsiteY5" fmla="*/ 0 h 1044786"/>
+              </a:gdLst>
+              <a:ahLst/>
+              <a:cxnLst>
+                <a:cxn ang="0">
+                  <a:pos x="connsiteX0" y="connsiteY0"/>
+                </a:cxn>
+                <a:cxn ang="0">
+                  <a:pos x="connsiteX1" y="connsiteY1"/>
+                </a:cxn>
+                <a:cxn ang="0">
+                  <a:pos x="connsiteX2" y="connsiteY2"/>
+                </a:cxn>
+                <a:cxn ang="0">
+                  <a:pos x="connsiteX3" y="connsiteY3"/>
+                </a:cxn>
+                <a:cxn ang="0">
+                  <a:pos x="connsiteX4" y="connsiteY4"/>
+                </a:cxn>
+                <a:cxn ang="0">
+                  <a:pos x="connsiteX5" y="connsiteY5"/>
+                </a:cxn>
+              </a:cxnLst>
+              <a:rect l="l" t="t" r="r" b="b"/>
+              <a:pathLst>
+                <a:path w="294110" h="1044786">
+                  <a:moveTo>
+                    <a:pt x="0" y="0"/>
+                  </a:moveTo>
+                  <a:lnTo>
+                    <a:pt x="12011" y="0"/>
+                  </a:lnTo>
+                  <a:cubicBezTo>
+                    <a:pt x="167810" y="0"/>
+                    <a:pt x="294110" y="126300"/>
+                    <a:pt x="294110" y="282099"/>
+                  </a:cubicBezTo>
+                  <a:cubicBezTo>
+                    <a:pt x="294110" y="536328"/>
+                    <a:pt x="294109" y="790557"/>
+                    <a:pt x="294109" y="1044786"/>
+                  </a:cubicBezTo>
+                  <a:lnTo>
+                    <a:pt x="0" y="1044786"/>
+                  </a:lnTo>
+                  <a:lnTo>
+                    <a:pt x="0" y="0"/>
+                  </a:lnTo>
+                  <a:close/>
+                </a:path>
+              </a:pathLst>
+            </a:custGeom>
+          </p:spPr>
+          <p:style>
+            <a:lnRef idx="2">
+              <a:schemeClr val="dk1">
+                <a:shade val="50000"/>
+              </a:schemeClr>
+            </a:lnRef>
+            <a:fillRef idx="1">
+              <a:schemeClr val="dk1"/>
+            </a:fillRef>
+            <a:effectRef idx="0">
+              <a:schemeClr val="dk1"/>
+            </a:effectRef>
+            <a:fontRef idx="minor">
+              <a:schemeClr val="lt1"/>
+            </a:fontRef>
+          </p:style>
+          <p:txBody>
+            <a:bodyPr rtlCol="0" anchor="ctr"/>
+            <a:lstStyle/>
+            <a:p>
+              <a:pPr algn="ctr"/>
+              <a:endParaRPr kumimoji="1" lang="ja-JP" altLang="en-US"/>
+            </a:p>
+          </p:txBody>
+        </p:sp>
+      </p:grpSp>
+      <p:grpSp>
+        <p:nvGrpSpPr>
+          <p:cNvPr id="80" name="グループ化 79">
+            <a:extLst>
+              <a:ext uri="{FF2B5EF4-FFF2-40B4-BE49-F238E27FC236}">
+                <a16:creationId xmlns:a16="http://schemas.microsoft.com/office/drawing/2014/main" id="{790A34AF-B34F-40FC-B2FF-9A51C361639D}"/>
+              </a:ext>
+            </a:extLst>
+          </p:cNvPr>
+          <p:cNvGrpSpPr/>
+          <p:nvPr/>
+        </p:nvGrpSpPr>
+        <p:grpSpPr>
+          <a:xfrm>
+            <a:off x="3883271" y="3154572"/>
+            <a:ext cx="583345" cy="184602"/>
+            <a:chOff x="467661" y="4018690"/>
+            <a:chExt cx="3230212" cy="1022215"/>
+          </a:xfrm>
+        </p:grpSpPr>
+        <p:grpSp>
+          <p:nvGrpSpPr>
+            <p:cNvPr id="81" name="グループ化 80">
+              <a:extLst>
+                <a:ext uri="{FF2B5EF4-FFF2-40B4-BE49-F238E27FC236}">
+                  <a16:creationId xmlns:a16="http://schemas.microsoft.com/office/drawing/2014/main" id="{2A97AB2D-C9CE-4F10-926C-A24A153E6CA9}"/>
+                </a:ext>
+              </a:extLst>
+            </p:cNvPr>
+            <p:cNvGrpSpPr/>
+            <p:nvPr/>
+          </p:nvGrpSpPr>
+          <p:grpSpPr>
+            <a:xfrm>
+              <a:off x="467661" y="4022379"/>
+              <a:ext cx="601198" cy="1013708"/>
+              <a:chOff x="5168746" y="3121425"/>
+              <a:chExt cx="601198" cy="1013708"/>
+            </a:xfrm>
+          </p:grpSpPr>
+          <p:sp>
+            <p:nvSpPr>
+              <p:cNvPr id="90" name="楕円 89">
+                <a:extLst>
+                  <a:ext uri="{FF2B5EF4-FFF2-40B4-BE49-F238E27FC236}">
+                    <a16:creationId xmlns:a16="http://schemas.microsoft.com/office/drawing/2014/main" id="{BDBCA2B7-C0CC-4DF2-A441-239106A5C24D}"/>
+                  </a:ext>
+                </a:extLst>
+              </p:cNvPr>
+              <p:cNvSpPr/>
+              <p:nvPr/>
+            </p:nvSpPr>
+            <p:spPr>
+              <a:xfrm>
+                <a:off x="5168746" y="3539898"/>
+                <a:ext cx="601198" cy="595235"/>
+              </a:xfrm>
+              <a:prstGeom prst="ellipse">
+                <a:avLst/>
+              </a:prstGeom>
+            </p:spPr>
+            <p:style>
+              <a:lnRef idx="2">
+                <a:schemeClr val="dk1">
+                  <a:shade val="50000"/>
+                </a:schemeClr>
+              </a:lnRef>
+              <a:fillRef idx="1">
+                <a:schemeClr val="dk1"/>
+              </a:fillRef>
+              <a:effectRef idx="0">
+                <a:schemeClr val="dk1"/>
+              </a:effectRef>
+              <a:fontRef idx="minor">
+                <a:schemeClr val="lt1"/>
+              </a:fontRef>
+            </p:style>
+            <p:txBody>
+              <a:bodyPr rtlCol="0" anchor="ctr"/>
+              <a:lstStyle/>
+              <a:p>
+                <a:pPr algn="ctr"/>
+                <a:endParaRPr kumimoji="1" lang="ja-JP" altLang="en-US"/>
+              </a:p>
+            </p:txBody>
+          </p:sp>
+          <p:sp>
+            <p:nvSpPr>
+              <p:cNvPr id="91" name="楕円 90">
+                <a:extLst>
+                  <a:ext uri="{FF2B5EF4-FFF2-40B4-BE49-F238E27FC236}">
+                    <a16:creationId xmlns:a16="http://schemas.microsoft.com/office/drawing/2014/main" id="{512670D2-561C-4D7B-AFE2-EF6FB88687A7}"/>
+                  </a:ext>
+                </a:extLst>
+              </p:cNvPr>
+              <p:cNvSpPr/>
+              <p:nvPr/>
+            </p:nvSpPr>
+            <p:spPr>
+              <a:xfrm>
+                <a:off x="5275429" y="3121425"/>
+                <a:ext cx="387834" cy="383988"/>
+              </a:xfrm>
+              <a:prstGeom prst="ellipse">
+                <a:avLst/>
+              </a:prstGeom>
+            </p:spPr>
+            <p:style>
+              <a:lnRef idx="2">
+                <a:schemeClr val="dk1">
+                  <a:shade val="50000"/>
+                </a:schemeClr>
+              </a:lnRef>
+              <a:fillRef idx="1">
+                <a:schemeClr val="dk1"/>
+              </a:fillRef>
+              <a:effectRef idx="0">
+                <a:schemeClr val="dk1"/>
+              </a:effectRef>
+              <a:fontRef idx="minor">
+                <a:schemeClr val="lt1"/>
+              </a:fontRef>
+            </p:style>
+            <p:txBody>
+              <a:bodyPr rtlCol="0" anchor="ctr"/>
+              <a:lstStyle/>
+              <a:p>
+                <a:pPr algn="ctr"/>
+                <a:endParaRPr kumimoji="1" lang="ja-JP" altLang="en-US"/>
+              </a:p>
+            </p:txBody>
+          </p:sp>
+        </p:grpSp>
+        <p:grpSp>
+          <p:nvGrpSpPr>
+            <p:cNvPr id="82" name="グループ化 81">
+              <a:extLst>
+                <a:ext uri="{FF2B5EF4-FFF2-40B4-BE49-F238E27FC236}">
+                  <a16:creationId xmlns:a16="http://schemas.microsoft.com/office/drawing/2014/main" id="{2342BD64-C987-4096-AFC0-FB07448EBCA3}"/>
+                </a:ext>
+              </a:extLst>
+            </p:cNvPr>
+            <p:cNvGrpSpPr/>
+            <p:nvPr/>
+          </p:nvGrpSpPr>
+          <p:grpSpPr>
+            <a:xfrm>
+              <a:off x="1359192" y="4022379"/>
+              <a:ext cx="664262" cy="1018526"/>
+              <a:chOff x="4163335" y="3120115"/>
+              <a:chExt cx="664262" cy="1018526"/>
+            </a:xfrm>
+          </p:grpSpPr>
+          <p:sp>
+            <p:nvSpPr>
+              <p:cNvPr id="87" name="正方形/長方形 86">
+                <a:extLst>
+                  <a:ext uri="{FF2B5EF4-FFF2-40B4-BE49-F238E27FC236}">
+                    <a16:creationId xmlns:a16="http://schemas.microsoft.com/office/drawing/2014/main" id="{2E754A1A-3A15-49A0-A015-4E721FDA7515}"/>
+                  </a:ext>
+                </a:extLst>
+              </p:cNvPr>
+              <p:cNvSpPr/>
+              <p:nvPr/>
+            </p:nvSpPr>
+            <p:spPr>
+              <a:xfrm>
+                <a:off x="4163335" y="3444939"/>
+                <a:ext cx="270088" cy="356682"/>
+              </a:xfrm>
+              <a:prstGeom prst="rect">
+                <a:avLst/>
+              </a:prstGeom>
+            </p:spPr>
+            <p:style>
+              <a:lnRef idx="2">
+                <a:schemeClr val="dk1">
+                  <a:shade val="50000"/>
+                </a:schemeClr>
+              </a:lnRef>
+              <a:fillRef idx="1">
+                <a:schemeClr val="dk1"/>
+              </a:fillRef>
+              <a:effectRef idx="0">
+                <a:schemeClr val="dk1"/>
+              </a:effectRef>
+              <a:fontRef idx="minor">
+                <a:schemeClr val="lt1"/>
+              </a:fontRef>
+            </p:style>
+            <p:txBody>
+              <a:bodyPr rtlCol="0" anchor="ctr"/>
+              <a:lstStyle/>
+              <a:p>
+                <a:pPr algn="ctr"/>
+                <a:endParaRPr kumimoji="1" lang="ja-JP" altLang="en-US"/>
+              </a:p>
+            </p:txBody>
+          </p:sp>
+          <p:sp>
+            <p:nvSpPr>
+              <p:cNvPr id="88" name="フリーフォーム: 図形 87">
+                <a:extLst>
+                  <a:ext uri="{FF2B5EF4-FFF2-40B4-BE49-F238E27FC236}">
+                    <a16:creationId xmlns:a16="http://schemas.microsoft.com/office/drawing/2014/main" id="{EE1BB04B-34C5-43C9-97C7-3AD07E3AE222}"/>
+                  </a:ext>
+                </a:extLst>
+              </p:cNvPr>
+              <p:cNvSpPr/>
+              <p:nvPr/>
+            </p:nvSpPr>
+            <p:spPr>
+              <a:xfrm rot="16200000">
+                <a:off x="4361796" y="2924401"/>
+                <a:ext cx="270088" cy="661515"/>
+              </a:xfrm>
+              <a:custGeom>
+                <a:avLst/>
+                <a:gdLst>
+                  <a:gd name="connsiteX0" fmla="*/ 270088 w 270088"/>
+                  <a:gd name="connsiteY0" fmla="*/ 264161 h 661515"/>
+                  <a:gd name="connsiteX1" fmla="*/ 270088 w 270088"/>
+                  <a:gd name="connsiteY1" fmla="*/ 661515 h 661515"/>
+                  <a:gd name="connsiteX2" fmla="*/ 0 w 270088"/>
+                  <a:gd name="connsiteY2" fmla="*/ 661515 h 661515"/>
+                  <a:gd name="connsiteX3" fmla="*/ 0 w 270088"/>
+                  <a:gd name="connsiteY3" fmla="*/ 0 h 661515"/>
+                  <a:gd name="connsiteX4" fmla="*/ 11030 w 270088"/>
+                  <a:gd name="connsiteY4" fmla="*/ 0 h 661515"/>
+                  <a:gd name="connsiteX5" fmla="*/ 270088 w 270088"/>
+                  <a:gd name="connsiteY5" fmla="*/ 264161 h 661515"/>
+                </a:gdLst>
+                <a:ahLst/>
+                <a:cxnLst>
+                  <a:cxn ang="0">
+                    <a:pos x="connsiteX0" y="connsiteY0"/>
+                  </a:cxn>
+                  <a:cxn ang="0">
+                    <a:pos x="connsiteX1" y="connsiteY1"/>
+                  </a:cxn>
+                  <a:cxn ang="0">
+                    <a:pos x="connsiteX2" y="connsiteY2"/>
+                  </a:cxn>
+                  <a:cxn ang="0">
+                    <a:pos x="connsiteX3" y="connsiteY3"/>
+                  </a:cxn>
+                  <a:cxn ang="0">
+                    <a:pos x="connsiteX4" y="connsiteY4"/>
+                  </a:cxn>
+                  <a:cxn ang="0">
+                    <a:pos x="connsiteX5" y="connsiteY5"/>
+                  </a:cxn>
+                </a:cxnLst>
+                <a:rect l="l" t="t" r="r" b="b"/>
+                <a:pathLst>
+                  <a:path w="270088" h="661515">
+                    <a:moveTo>
+                      <a:pt x="270088" y="264161"/>
+                    </a:moveTo>
+                    <a:lnTo>
+                      <a:pt x="270088" y="661515"/>
+                    </a:lnTo>
+                    <a:lnTo>
+                      <a:pt x="0" y="661515"/>
+                    </a:lnTo>
+                    <a:lnTo>
+                      <a:pt x="0" y="0"/>
+                    </a:lnTo>
+                    <a:lnTo>
+                      <a:pt x="11030" y="0"/>
+                    </a:lnTo>
+                    <a:cubicBezTo>
+                      <a:pt x="154104" y="0"/>
+                      <a:pt x="270088" y="118269"/>
+                      <a:pt x="270088" y="264161"/>
+                    </a:cubicBezTo>
+                    <a:close/>
+                  </a:path>
+                </a:pathLst>
+              </a:custGeom>
+            </p:spPr>
+            <p:style>
+              <a:lnRef idx="2">
+                <a:schemeClr val="dk1">
+                  <a:shade val="50000"/>
+                </a:schemeClr>
+              </a:lnRef>
+              <a:fillRef idx="1">
+                <a:schemeClr val="dk1"/>
+              </a:fillRef>
+              <a:effectRef idx="0">
+                <a:schemeClr val="dk1"/>
+              </a:effectRef>
+              <a:fontRef idx="minor">
+                <a:schemeClr val="lt1"/>
+              </a:fontRef>
+            </p:style>
+            <p:txBody>
+              <a:bodyPr rtlCol="0" anchor="ctr"/>
+              <a:lstStyle/>
+              <a:p>
+                <a:pPr algn="ctr"/>
+                <a:endParaRPr kumimoji="1" lang="ja-JP" altLang="en-US"/>
+              </a:p>
+            </p:txBody>
+          </p:sp>
+          <p:sp>
+            <p:nvSpPr>
+              <p:cNvPr id="89" name="部分円 88">
+                <a:extLst>
+                  <a:ext uri="{FF2B5EF4-FFF2-40B4-BE49-F238E27FC236}">
+                    <a16:creationId xmlns:a16="http://schemas.microsoft.com/office/drawing/2014/main" id="{EE966AE9-2E55-4395-B974-CFE0519C82D2}"/>
+                  </a:ext>
+                </a:extLst>
+              </p:cNvPr>
+              <p:cNvSpPr/>
+              <p:nvPr/>
+            </p:nvSpPr>
+            <p:spPr>
+              <a:xfrm rot="10800000">
+                <a:off x="4220121" y="3543407"/>
+                <a:ext cx="595234" cy="595234"/>
+              </a:xfrm>
+              <a:prstGeom prst="pie">
+                <a:avLst>
+                  <a:gd name="adj1" fmla="val 5429402"/>
+                  <a:gd name="adj2" fmla="val 16200000"/>
+                </a:avLst>
+              </a:prstGeom>
+            </p:spPr>
+            <p:style>
+              <a:lnRef idx="2">
+                <a:schemeClr val="dk1">
+                  <a:shade val="50000"/>
+                </a:schemeClr>
+              </a:lnRef>
+              <a:fillRef idx="1">
+                <a:schemeClr val="dk1"/>
+              </a:fillRef>
+              <a:effectRef idx="0">
+                <a:schemeClr val="dk1"/>
+              </a:effectRef>
+              <a:fontRef idx="minor">
+                <a:schemeClr val="lt1"/>
+              </a:fontRef>
+            </p:style>
+            <p:txBody>
+              <a:bodyPr rtlCol="0" anchor="ctr"/>
+              <a:lstStyle/>
+              <a:p>
+                <a:pPr algn="ctr"/>
+                <a:endParaRPr kumimoji="1" lang="ja-JP" altLang="en-US">
+                  <a:solidFill>
+                    <a:schemeClr val="tx1"/>
+                  </a:solidFill>
+                </a:endParaRPr>
+              </a:p>
+            </p:txBody>
+          </p:sp>
+        </p:grpSp>
+        <p:grpSp>
+          <p:nvGrpSpPr>
+            <p:cNvPr id="83" name="グループ化 82">
+              <a:extLst>
+                <a:ext uri="{FF2B5EF4-FFF2-40B4-BE49-F238E27FC236}">
+                  <a16:creationId xmlns:a16="http://schemas.microsoft.com/office/drawing/2014/main" id="{88F93094-835D-4415-BB44-83145FDBDC20}"/>
+                </a:ext>
+              </a:extLst>
+            </p:cNvPr>
+            <p:cNvGrpSpPr/>
+            <p:nvPr/>
+          </p:nvGrpSpPr>
+          <p:grpSpPr>
+            <a:xfrm>
+              <a:off x="2309636" y="4018690"/>
+              <a:ext cx="601198" cy="1013708"/>
+              <a:chOff x="5168746" y="3121425"/>
+              <a:chExt cx="601198" cy="1013708"/>
+            </a:xfrm>
+          </p:grpSpPr>
+          <p:sp>
+            <p:nvSpPr>
+              <p:cNvPr id="85" name="楕円 84">
+                <a:extLst>
+                  <a:ext uri="{FF2B5EF4-FFF2-40B4-BE49-F238E27FC236}">
+                    <a16:creationId xmlns:a16="http://schemas.microsoft.com/office/drawing/2014/main" id="{B025A804-384C-4ED4-8423-C01CEE2730CA}"/>
+                  </a:ext>
+                </a:extLst>
+              </p:cNvPr>
+              <p:cNvSpPr/>
+              <p:nvPr/>
+            </p:nvSpPr>
+            <p:spPr>
+              <a:xfrm>
+                <a:off x="5168746" y="3539898"/>
+                <a:ext cx="601198" cy="595235"/>
+              </a:xfrm>
+              <a:prstGeom prst="ellipse">
+                <a:avLst/>
+              </a:prstGeom>
+            </p:spPr>
+            <p:style>
+              <a:lnRef idx="2">
+                <a:schemeClr val="dk1">
+                  <a:shade val="50000"/>
+                </a:schemeClr>
+              </a:lnRef>
+              <a:fillRef idx="1">
+                <a:schemeClr val="dk1"/>
+              </a:fillRef>
+              <a:effectRef idx="0">
+                <a:schemeClr val="dk1"/>
+              </a:effectRef>
+              <a:fontRef idx="minor">
+                <a:schemeClr val="lt1"/>
+              </a:fontRef>
+            </p:style>
+            <p:txBody>
+              <a:bodyPr rtlCol="0" anchor="ctr"/>
+              <a:lstStyle/>
+              <a:p>
+                <a:pPr algn="ctr"/>
+                <a:endParaRPr kumimoji="1" lang="ja-JP" altLang="en-US"/>
+              </a:p>
+            </p:txBody>
+          </p:sp>
+          <p:sp>
+            <p:nvSpPr>
+              <p:cNvPr id="86" name="楕円 85">
+                <a:extLst>
+                  <a:ext uri="{FF2B5EF4-FFF2-40B4-BE49-F238E27FC236}">
+                    <a16:creationId xmlns:a16="http://schemas.microsoft.com/office/drawing/2014/main" id="{562BFCAA-0D1A-40D5-BE55-0DEC340E9418}"/>
+                  </a:ext>
+                </a:extLst>
+              </p:cNvPr>
+              <p:cNvSpPr/>
+              <p:nvPr/>
+            </p:nvSpPr>
+            <p:spPr>
+              <a:xfrm>
+                <a:off x="5275429" y="3121425"/>
+                <a:ext cx="387834" cy="383988"/>
+              </a:xfrm>
+              <a:prstGeom prst="ellipse">
+                <a:avLst/>
+              </a:prstGeom>
+            </p:spPr>
+            <p:style>
+              <a:lnRef idx="2">
+                <a:schemeClr val="dk1">
+                  <a:shade val="50000"/>
+                </a:schemeClr>
+              </a:lnRef>
+              <a:fillRef idx="1">
+                <a:schemeClr val="dk1"/>
+              </a:fillRef>
+              <a:effectRef idx="0">
+                <a:schemeClr val="dk1"/>
+              </a:effectRef>
+              <a:fontRef idx="minor">
+                <a:schemeClr val="lt1"/>
+              </a:fontRef>
+            </p:style>
+            <p:txBody>
+              <a:bodyPr rtlCol="0" anchor="ctr"/>
+              <a:lstStyle/>
+              <a:p>
+                <a:pPr algn="ctr"/>
+                <a:endParaRPr kumimoji="1" lang="ja-JP" altLang="en-US"/>
+              </a:p>
+            </p:txBody>
+          </p:sp>
+        </p:grpSp>
+        <p:sp>
+          <p:nvSpPr>
+            <p:cNvPr id="84" name="楕円 83">
+              <a:extLst>
+                <a:ext uri="{FF2B5EF4-FFF2-40B4-BE49-F238E27FC236}">
+                  <a16:creationId xmlns:a16="http://schemas.microsoft.com/office/drawing/2014/main" id="{6574524D-045D-4B30-ABD6-A84B9EE6D1BA}"/>
+                </a:ext>
+              </a:extLst>
+            </p:cNvPr>
+            <p:cNvSpPr/>
+            <p:nvPr/>
+          </p:nvSpPr>
+          <p:spPr>
+            <a:xfrm>
+              <a:off x="3096675" y="4227926"/>
+              <a:ext cx="601198" cy="595235"/>
+            </a:xfrm>
+            <a:prstGeom prst="ellipse">
+              <a:avLst/>
+            </a:prstGeom>
+          </p:spPr>
+          <p:style>
+            <a:lnRef idx="2">
+              <a:schemeClr val="dk1">
+                <a:shade val="50000"/>
+              </a:schemeClr>
+            </a:lnRef>
+            <a:fillRef idx="1">
+              <a:schemeClr val="dk1"/>
+            </a:fillRef>
+            <a:effectRef idx="0">
+              <a:schemeClr val="dk1"/>
+            </a:effectRef>
+            <a:fontRef idx="minor">
+              <a:schemeClr val="lt1"/>
+            </a:fontRef>
+          </p:style>
+          <p:txBody>
+            <a:bodyPr rtlCol="0" anchor="ctr"/>
+            <a:lstStyle/>
+            <a:p>
+              <a:pPr algn="ctr"/>
+              <a:endParaRPr kumimoji="1" lang="ja-JP" altLang="en-US"/>
+            </a:p>
+          </p:txBody>
+        </p:sp>
+      </p:grpSp>
+      <p:pic>
+        <p:nvPicPr>
+          <p:cNvPr id="9" name="図 8">
+            <a:extLst>
+              <a:ext uri="{FF2B5EF4-FFF2-40B4-BE49-F238E27FC236}">
+                <a16:creationId xmlns:a16="http://schemas.microsoft.com/office/drawing/2014/main" id="{F2E6AE90-531F-4C5F-AD7F-083E82FAA2B6}"/>
+              </a:ext>
+            </a:extLst>
+          </p:cNvPr>
+          <p:cNvPicPr>
+            <a:picLocks noChangeAspect="1"/>
+          </p:cNvPicPr>
+          <p:nvPr/>
+        </p:nvPicPr>
+        <p:blipFill>
+          <a:blip r:embed="rId5"/>
+          <a:stretch>
+            <a:fillRect/>
+          </a:stretch>
+        </p:blipFill>
+        <p:spPr>
+          <a:xfrm>
+            <a:off x="8783608" y="4952048"/>
+            <a:ext cx="591035" cy="556328"/>
+          </a:xfrm>
+          <a:prstGeom prst="rect">
+            <a:avLst/>
+          </a:prstGeom>
+        </p:spPr>
+      </p:pic>
+    </p:spTree>
+    <p:extLst>
+      <p:ext uri="{BB962C8B-B14F-4D97-AF65-F5344CB8AC3E}">
+        <p14:creationId xmlns:p14="http://schemas.microsoft.com/office/powerpoint/2010/main" val="1391422416"/>
+      </p:ext>
+    </p:extLst>
+  </p:cSld>
+  <p:clrMapOvr>
+    <a:masterClrMapping/>
+  </p:clrMapOvr>
+</p:sld>
+</file>
+
+<file path=ppt/slides/slide3.xml><?xml version="1.0" encoding="utf-8"?>
+<p:sld xmlns:a="http://schemas.openxmlformats.org/drawingml/2006/main" xmlns:r="http://schemas.openxmlformats.org/officeDocument/2006/relationships" xmlns:p="http://schemas.openxmlformats.org/presentationml/2006/main">
+  <p:cSld>
+    <p:spTree>
+      <p:nvGrpSpPr>
+        <p:cNvPr id="1" name=""/>
+        <p:cNvGrpSpPr/>
+        <p:nvPr/>
+      </p:nvGrpSpPr>
+      <p:grpSpPr>
+        <a:xfrm>
+          <a:off x="0" y="0"/>
+          <a:ext cx="0" cy="0"/>
+          <a:chOff x="0" y="0"/>
+          <a:chExt cx="0" cy="0"/>
+        </a:xfrm>
+      </p:grpSpPr>
       <p:sp>
         <p:nvSpPr>
-          <p:cNvPr id="1105" name="楕円 1104">
+          <p:cNvPr id="5" name="楕円 4">
             <a:extLst>
               <a:ext uri="{FF2B5EF4-FFF2-40B4-BE49-F238E27FC236}">
-                <a16:creationId xmlns:a16="http://schemas.microsoft.com/office/drawing/2014/main" id="{4D91C100-BD4A-4E9D-AE7E-42A07DF17172}"/>
+                <a16:creationId xmlns:a16="http://schemas.microsoft.com/office/drawing/2014/main" id="{29542DB2-7A25-4995-8F1B-D49C00677025}"/>
               </a:ext>
             </a:extLst>
           </p:cNvPr>
@@ -32520,67 +34389,15 @@
           <p:nvPr/>
         </p:nvSpPr>
         <p:spPr>
-          <a:xfrm rot="21013589">
-            <a:off x="8099623" y="3004858"/>
-            <a:ext cx="3352116" cy="1132410"/>
+          <a:xfrm>
+            <a:off x="2570287" y="1926992"/>
+            <a:ext cx="1321776" cy="650634"/>
           </a:xfrm>
           <a:prstGeom prst="ellipse">
             <a:avLst/>
           </a:prstGeom>
-          <a:noFill/>
-          <a:ln w="38100">
-            <a:solidFill>
-              <a:srgbClr val="F73C26"/>
-            </a:solidFill>
-          </a:ln>
-        </p:spPr>
-        <p:style>
-          <a:lnRef idx="2">
-            <a:schemeClr val="accent1">
-              <a:shade val="50000"/>
-            </a:schemeClr>
-          </a:lnRef>
-          <a:fillRef idx="1">
-            <a:schemeClr val="accent1"/>
-          </a:fillRef>
-          <a:effectRef idx="0">
-            <a:schemeClr val="accent1"/>
-          </a:effectRef>
-          <a:fontRef idx="minor">
-            <a:schemeClr val="lt1"/>
-          </a:fontRef>
-        </p:style>
-        <p:txBody>
-          <a:bodyPr rtlCol="0" anchor="ctr"/>
-          <a:lstStyle/>
-          <a:p>
-            <a:pPr algn="ctr"/>
-            <a:endParaRPr kumimoji="1" lang="ja-JP" altLang="en-US"/>
-          </a:p>
-        </p:txBody>
-      </p:sp>
-      <p:sp>
-        <p:nvSpPr>
-          <p:cNvPr id="161" name="正方形/長方形 160">
-            <a:extLst>
-              <a:ext uri="{FF2B5EF4-FFF2-40B4-BE49-F238E27FC236}">
-                <a16:creationId xmlns:a16="http://schemas.microsoft.com/office/drawing/2014/main" id="{AF110217-FCAA-4873-B80B-859AAC426CF5}"/>
-              </a:ext>
-            </a:extLst>
-          </p:cNvPr>
-          <p:cNvSpPr/>
-          <p:nvPr/>
-        </p:nvSpPr>
-        <p:spPr>
-          <a:xfrm rot="20608585">
-            <a:off x="8843938" y="3687329"/>
-            <a:ext cx="898136" cy="554656"/>
-          </a:xfrm>
-          <a:prstGeom prst="rect">
-            <a:avLst/>
-          </a:prstGeom>
           <a:solidFill>
-            <a:schemeClr val="bg1"/>
+            <a:srgbClr val="2DD123"/>
           </a:solidFill>
           <a:ln>
             <a:noFill/>
@@ -32613,10 +34430,10 @@
       </p:sp>
       <p:sp>
         <p:nvSpPr>
-          <p:cNvPr id="160" name="正方形/長方形 159">
+          <p:cNvPr id="7" name="楕円 6">
             <a:extLst>
               <a:ext uri="{FF2B5EF4-FFF2-40B4-BE49-F238E27FC236}">
-                <a16:creationId xmlns:a16="http://schemas.microsoft.com/office/drawing/2014/main" id="{BBA42480-EE80-4B20-B8EB-6345B7E42867}"/>
+                <a16:creationId xmlns:a16="http://schemas.microsoft.com/office/drawing/2014/main" id="{6F217DC8-FB77-45AC-B7CB-85DCB6B036E5}"/>
               </a:ext>
             </a:extLst>
           </p:cNvPr>
@@ -32625,14 +34442,14 @@
         </p:nvSpPr>
         <p:spPr>
           <a:xfrm>
-            <a:off x="8750376" y="2723219"/>
-            <a:ext cx="1869279" cy="662982"/>
+            <a:off x="1324687" y="1330566"/>
+            <a:ext cx="1321776" cy="650634"/>
           </a:xfrm>
-          <a:prstGeom prst="rect">
+          <a:prstGeom prst="ellipse">
             <a:avLst/>
           </a:prstGeom>
           <a:solidFill>
-            <a:schemeClr val="bg1"/>
+            <a:srgbClr val="F7F91C"/>
           </a:solidFill>
           <a:ln>
             <a:noFill/>
@@ -32665,10 +34482,10 @@
       </p:sp>
       <p:sp>
         <p:nvSpPr>
-          <p:cNvPr id="1107" name="正方形/長方形 1106">
+          <p:cNvPr id="8" name="楕円 7">
             <a:extLst>
               <a:ext uri="{FF2B5EF4-FFF2-40B4-BE49-F238E27FC236}">
-                <a16:creationId xmlns:a16="http://schemas.microsoft.com/office/drawing/2014/main" id="{F77F684F-8303-4EF9-A99E-5E1F14878A2F}"/>
+                <a16:creationId xmlns:a16="http://schemas.microsoft.com/office/drawing/2014/main" id="{14E1660B-BDA7-48A0-9327-C578FF5A5B93}"/>
               </a:ext>
             </a:extLst>
           </p:cNvPr>
@@ -32677,14 +34494,14 @@
         </p:nvSpPr>
         <p:spPr>
           <a:xfrm>
-            <a:off x="8386602" y="3834663"/>
-            <a:ext cx="756475" cy="690880"/>
+            <a:off x="2157046" y="257538"/>
+            <a:ext cx="1247060" cy="1247060"/>
           </a:xfrm>
-          <a:prstGeom prst="rect">
+          <a:prstGeom prst="ellipse">
             <a:avLst/>
           </a:prstGeom>
           <a:solidFill>
-            <a:schemeClr val="bg1"/>
+            <a:srgbClr val="FA0E18"/>
           </a:solidFill>
           <a:ln>
             <a:noFill/>
@@ -32715,46 +34532,12 @@
           </a:p>
         </p:txBody>
       </p:sp>
-      <p:pic>
-        <p:nvPicPr>
-          <p:cNvPr id="1110" name="図 1109">
+      <p:sp>
+        <p:nvSpPr>
+          <p:cNvPr id="9" name="楕円 8">
             <a:extLst>
               <a:ext uri="{FF2B5EF4-FFF2-40B4-BE49-F238E27FC236}">
-                <a16:creationId xmlns:a16="http://schemas.microsoft.com/office/drawing/2014/main" id="{341AA22A-B36D-448A-983A-27DE88FBFC60}"/>
-              </a:ext>
-            </a:extLst>
-          </p:cNvPr>
-          <p:cNvPicPr>
-            <a:picLocks noChangeAspect="1"/>
-          </p:cNvPicPr>
-          <p:nvPr/>
-        </p:nvPicPr>
-        <p:blipFill>
-          <a:blip r:embed="rId3"/>
-          <a:stretch>
-            <a:fillRect/>
-          </a:stretch>
-        </p:blipFill>
-        <p:spPr>
-          <a:xfrm>
-            <a:off x="7748542" y="1798974"/>
-            <a:ext cx="3896618" cy="2904911"/>
-          </a:xfrm>
-          <a:prstGeom prst="rect">
-            <a:avLst/>
-          </a:prstGeom>
-          <a:scene3d>
-            <a:camera prst="isometricOffAxis1Right"/>
-            <a:lightRig rig="threePt" dir="t"/>
-          </a:scene3d>
-        </p:spPr>
-      </p:pic>
-      <p:sp>
-        <p:nvSpPr>
-          <p:cNvPr id="174" name="星: 4 pt 173">
-            <a:extLst>
-              <a:ext uri="{FF2B5EF4-FFF2-40B4-BE49-F238E27FC236}">
-                <a16:creationId xmlns:a16="http://schemas.microsoft.com/office/drawing/2014/main" id="{C49EAE5D-1636-4914-9F0F-2B50930A50FC}"/>
+                <a16:creationId xmlns:a16="http://schemas.microsoft.com/office/drawing/2014/main" id="{6C905ECC-9A27-428B-A448-FECE8707DDE1}"/>
               </a:ext>
             </a:extLst>
           </p:cNvPr>
@@ -32762,21 +34545,654 @@
           <p:nvPr/>
         </p:nvSpPr>
         <p:spPr>
-          <a:xfrm rot="3005734">
-            <a:off x="10322099" y="2530136"/>
-            <a:ext cx="512634" cy="1003424"/>
+          <a:xfrm>
+            <a:off x="3404106" y="881068"/>
+            <a:ext cx="1245600" cy="1245600"/>
           </a:xfrm>
-          <a:prstGeom prst="star4">
-            <a:avLst>
-              <a:gd name="adj" fmla="val 12817"/>
-            </a:avLst>
+          <a:prstGeom prst="ellipse">
+            <a:avLst/>
           </a:prstGeom>
           <a:solidFill>
-            <a:srgbClr val="FC412B"/>
+            <a:srgbClr val="0B10FF"/>
           </a:solidFill>
           <a:ln>
+            <a:noFill/>
+          </a:ln>
+        </p:spPr>
+        <p:style>
+          <a:lnRef idx="2">
+            <a:schemeClr val="accent1">
+              <a:shade val="50000"/>
+            </a:schemeClr>
+          </a:lnRef>
+          <a:fillRef idx="1">
+            <a:schemeClr val="accent1"/>
+          </a:fillRef>
+          <a:effectRef idx="0">
+            <a:schemeClr val="accent1"/>
+          </a:effectRef>
+          <a:fontRef idx="minor">
+            <a:schemeClr val="lt1"/>
+          </a:fontRef>
+        </p:style>
+        <p:txBody>
+          <a:bodyPr rtlCol="0" anchor="ctr"/>
+          <a:lstStyle/>
+          <a:p>
+            <a:pPr algn="ctr"/>
+            <a:endParaRPr kumimoji="1" lang="ja-JP" altLang="en-US"/>
+          </a:p>
+        </p:txBody>
+      </p:sp>
+      <p:grpSp>
+        <p:nvGrpSpPr>
+          <p:cNvPr id="10" name="グループ化 9">
+            <a:extLst>
+              <a:ext uri="{FF2B5EF4-FFF2-40B4-BE49-F238E27FC236}">
+                <a16:creationId xmlns:a16="http://schemas.microsoft.com/office/drawing/2014/main" id="{65D61EA9-DCC5-4BC6-AF17-99BCC6ECCB1E}"/>
+              </a:ext>
+            </a:extLst>
+          </p:cNvPr>
+          <p:cNvGrpSpPr/>
+          <p:nvPr/>
+        </p:nvGrpSpPr>
+        <p:grpSpPr>
+          <a:xfrm>
+            <a:off x="617485" y="3429000"/>
+            <a:ext cx="4691049" cy="2320088"/>
+            <a:chOff x="617485" y="3429000"/>
+            <a:chExt cx="4691049" cy="2320088"/>
+          </a:xfrm>
+        </p:grpSpPr>
+        <p:sp>
+          <p:nvSpPr>
+            <p:cNvPr id="19" name="楕円 18">
+              <a:extLst>
+                <a:ext uri="{FF2B5EF4-FFF2-40B4-BE49-F238E27FC236}">
+                  <a16:creationId xmlns:a16="http://schemas.microsoft.com/office/drawing/2014/main" id="{5CFF0F9E-3D68-47E5-A4C9-FEAD865CE218}"/>
+                </a:ext>
+              </a:extLst>
+            </p:cNvPr>
+            <p:cNvSpPr/>
+            <p:nvPr/>
+          </p:nvSpPr>
+          <p:spPr>
+            <a:xfrm>
+              <a:off x="2570287" y="5098454"/>
+              <a:ext cx="1321776" cy="650634"/>
+            </a:xfrm>
+            <a:prstGeom prst="ellipse">
+              <a:avLst/>
+            </a:prstGeom>
             <a:solidFill>
-              <a:schemeClr val="bg1"/>
+              <a:srgbClr val="F7F91C"/>
+            </a:solidFill>
+            <a:ln>
+              <a:noFill/>
+            </a:ln>
+          </p:spPr>
+          <p:style>
+            <a:lnRef idx="2">
+              <a:schemeClr val="accent1">
+                <a:shade val="50000"/>
+              </a:schemeClr>
+            </a:lnRef>
+            <a:fillRef idx="1">
+              <a:schemeClr val="accent1"/>
+            </a:fillRef>
+            <a:effectRef idx="0">
+              <a:schemeClr val="accent1"/>
+            </a:effectRef>
+            <a:fontRef idx="minor">
+              <a:schemeClr val="lt1"/>
+            </a:fontRef>
+          </p:style>
+          <p:txBody>
+            <a:bodyPr rtlCol="0" anchor="ctr"/>
+            <a:lstStyle/>
+            <a:p>
+              <a:pPr algn="ctr"/>
+              <a:endParaRPr kumimoji="1" lang="ja-JP" altLang="en-US"/>
+            </a:p>
+          </p:txBody>
+        </p:sp>
+        <p:sp>
+          <p:nvSpPr>
+            <p:cNvPr id="20" name="楕円 19">
+              <a:extLst>
+                <a:ext uri="{FF2B5EF4-FFF2-40B4-BE49-F238E27FC236}">
+                  <a16:creationId xmlns:a16="http://schemas.microsoft.com/office/drawing/2014/main" id="{47D3FA4F-D5C6-4D8A-9778-666FEE3769E4}"/>
+                </a:ext>
+              </a:extLst>
+            </p:cNvPr>
+            <p:cNvSpPr/>
+            <p:nvPr/>
+          </p:nvSpPr>
+          <p:spPr>
+            <a:xfrm>
+              <a:off x="1324687" y="4502028"/>
+              <a:ext cx="1321776" cy="650634"/>
+            </a:xfrm>
+            <a:prstGeom prst="ellipse">
+              <a:avLst/>
+            </a:prstGeom>
+            <a:solidFill>
+              <a:srgbClr val="2DD123"/>
+            </a:solidFill>
+            <a:ln>
+              <a:noFill/>
+            </a:ln>
+          </p:spPr>
+          <p:style>
+            <a:lnRef idx="2">
+              <a:schemeClr val="accent1">
+                <a:shade val="50000"/>
+              </a:schemeClr>
+            </a:lnRef>
+            <a:fillRef idx="1">
+              <a:schemeClr val="accent1"/>
+            </a:fillRef>
+            <a:effectRef idx="0">
+              <a:schemeClr val="accent1"/>
+            </a:effectRef>
+            <a:fontRef idx="minor">
+              <a:schemeClr val="lt1"/>
+            </a:fontRef>
+          </p:style>
+          <p:txBody>
+            <a:bodyPr rtlCol="0" anchor="ctr"/>
+            <a:lstStyle/>
+            <a:p>
+              <a:pPr algn="ctr"/>
+              <a:endParaRPr kumimoji="1" lang="ja-JP" altLang="en-US"/>
+            </a:p>
+          </p:txBody>
+        </p:sp>
+        <p:sp>
+          <p:nvSpPr>
+            <p:cNvPr id="21" name="楕円 20">
+              <a:extLst>
+                <a:ext uri="{FF2B5EF4-FFF2-40B4-BE49-F238E27FC236}">
+                  <a16:creationId xmlns:a16="http://schemas.microsoft.com/office/drawing/2014/main" id="{A697A304-8DA6-43FC-945F-9B5197B574F0}"/>
+                </a:ext>
+              </a:extLst>
+            </p:cNvPr>
+            <p:cNvSpPr/>
+            <p:nvPr/>
+          </p:nvSpPr>
+          <p:spPr>
+            <a:xfrm>
+              <a:off x="2157046" y="3429000"/>
+              <a:ext cx="1247060" cy="1247060"/>
+            </a:xfrm>
+            <a:prstGeom prst="ellipse">
+              <a:avLst/>
+            </a:prstGeom>
+            <a:solidFill>
+              <a:srgbClr val="0B10FF"/>
+            </a:solidFill>
+            <a:ln>
+              <a:noFill/>
+            </a:ln>
+          </p:spPr>
+          <p:style>
+            <a:lnRef idx="2">
+              <a:schemeClr val="accent1">
+                <a:shade val="50000"/>
+              </a:schemeClr>
+            </a:lnRef>
+            <a:fillRef idx="1">
+              <a:schemeClr val="accent1"/>
+            </a:fillRef>
+            <a:effectRef idx="0">
+              <a:schemeClr val="accent1"/>
+            </a:effectRef>
+            <a:fontRef idx="minor">
+              <a:schemeClr val="lt1"/>
+            </a:fontRef>
+          </p:style>
+          <p:txBody>
+            <a:bodyPr rtlCol="0" anchor="ctr"/>
+            <a:lstStyle/>
+            <a:p>
+              <a:pPr algn="ctr"/>
+              <a:endParaRPr kumimoji="1" lang="ja-JP" altLang="en-US"/>
+            </a:p>
+          </p:txBody>
+        </p:sp>
+        <p:sp>
+          <p:nvSpPr>
+            <p:cNvPr id="22" name="楕円 21">
+              <a:extLst>
+                <a:ext uri="{FF2B5EF4-FFF2-40B4-BE49-F238E27FC236}">
+                  <a16:creationId xmlns:a16="http://schemas.microsoft.com/office/drawing/2014/main" id="{EA1AF767-A3A8-4139-9525-AE53199452D5}"/>
+                </a:ext>
+              </a:extLst>
+            </p:cNvPr>
+            <p:cNvSpPr/>
+            <p:nvPr/>
+          </p:nvSpPr>
+          <p:spPr>
+            <a:xfrm>
+              <a:off x="3404106" y="4052530"/>
+              <a:ext cx="1245600" cy="1245600"/>
+            </a:xfrm>
+            <a:prstGeom prst="ellipse">
+              <a:avLst/>
+            </a:prstGeom>
+            <a:solidFill>
+              <a:srgbClr val="FA0E18"/>
+            </a:solidFill>
+            <a:ln>
+              <a:noFill/>
+            </a:ln>
+          </p:spPr>
+          <p:style>
+            <a:lnRef idx="2">
+              <a:schemeClr val="accent1">
+                <a:shade val="50000"/>
+              </a:schemeClr>
+            </a:lnRef>
+            <a:fillRef idx="1">
+              <a:schemeClr val="accent1"/>
+            </a:fillRef>
+            <a:effectRef idx="0">
+              <a:schemeClr val="accent1"/>
+            </a:effectRef>
+            <a:fontRef idx="minor">
+              <a:schemeClr val="lt1"/>
+            </a:fontRef>
+          </p:style>
+          <p:txBody>
+            <a:bodyPr rtlCol="0" anchor="ctr"/>
+            <a:lstStyle/>
+            <a:p>
+              <a:pPr algn="ctr"/>
+              <a:endParaRPr kumimoji="1" lang="ja-JP" altLang="en-US"/>
+            </a:p>
+          </p:txBody>
+        </p:sp>
+        <p:sp>
+          <p:nvSpPr>
+            <p:cNvPr id="23" name="正方形/長方形 22">
+              <a:extLst>
+                <a:ext uri="{FF2B5EF4-FFF2-40B4-BE49-F238E27FC236}">
+                  <a16:creationId xmlns:a16="http://schemas.microsoft.com/office/drawing/2014/main" id="{EF81853F-4F8D-4AB1-8267-0E79638E040D}"/>
+                </a:ext>
+              </a:extLst>
+            </p:cNvPr>
+            <p:cNvSpPr/>
+            <p:nvPr/>
+          </p:nvSpPr>
+          <p:spPr>
+            <a:xfrm>
+              <a:off x="617485" y="3975328"/>
+              <a:ext cx="4691049" cy="1200329"/>
+            </a:xfrm>
+            <a:prstGeom prst="rect">
+              <a:avLst/>
+            </a:prstGeom>
+          </p:spPr>
+          <p:txBody>
+            <a:bodyPr wrap="square">
+              <a:spAutoFit/>
+              <a:scene3d>
+                <a:camera prst="orthographicFront"/>
+                <a:lightRig rig="harsh" dir="t"/>
+              </a:scene3d>
+              <a:sp3d extrusionH="57150" prstMaterial="matte">
+                <a:bevelT w="63500" h="12700" prst="angle"/>
+                <a:contourClr>
+                  <a:schemeClr val="bg1">
+                    <a:lumMod val="65000"/>
+                  </a:schemeClr>
+                </a:contourClr>
+              </a:sp3d>
+            </a:bodyPr>
+            <a:lstStyle/>
+            <a:p>
+              <a:pPr algn="ctr"/>
+              <a:r>
+                <a:rPr lang="en-US" altLang="ja-JP" sz="7200" b="1" dirty="0">
+                  <a:ln/>
+                  <a:solidFill>
+                    <a:schemeClr val="tx1">
+                      <a:lumMod val="95000"/>
+                      <a:lumOff val="5000"/>
+                    </a:schemeClr>
+                  </a:solidFill>
+                  <a:latin typeface="HandelGothic BT" panose="04030805030B02020C03" pitchFamily="82" charset="0"/>
+                </a:rPr>
+                <a:t>SPC700</a:t>
+              </a:r>
+              <a:endParaRPr lang="ja-JP" altLang="en-US" sz="7200" b="1" dirty="0">
+                <a:ln/>
+                <a:solidFill>
+                  <a:schemeClr val="tx1">
+                    <a:lumMod val="95000"/>
+                    <a:lumOff val="5000"/>
+                  </a:schemeClr>
+                </a:solidFill>
+                <a:latin typeface="HandelGothic BT" panose="04030805030B02020C03" pitchFamily="82" charset="0"/>
+              </a:endParaRPr>
+            </a:p>
+          </p:txBody>
+        </p:sp>
+      </p:grpSp>
+      <p:sp>
+        <p:nvSpPr>
+          <p:cNvPr id="25" name="フリーフォーム: 図形 24">
+            <a:extLst>
+              <a:ext uri="{FF2B5EF4-FFF2-40B4-BE49-F238E27FC236}">
+                <a16:creationId xmlns:a16="http://schemas.microsoft.com/office/drawing/2014/main" id="{F52548E4-2B1D-4CCE-98B9-13F3BADF5237}"/>
+              </a:ext>
+            </a:extLst>
+          </p:cNvPr>
+          <p:cNvSpPr/>
+          <p:nvPr/>
+        </p:nvSpPr>
+        <p:spPr>
+          <a:xfrm>
+            <a:off x="8223193" y="972293"/>
+            <a:ext cx="960311" cy="960254"/>
+          </a:xfrm>
+          <a:custGeom>
+            <a:avLst/>
+            <a:gdLst>
+              <a:gd name="connsiteX0" fmla="*/ 479303 w 960311"/>
+              <a:gd name="connsiteY0" fmla="*/ 0 h 960254"/>
+              <a:gd name="connsiteX1" fmla="*/ 960311 w 960311"/>
+              <a:gd name="connsiteY1" fmla="*/ 481008 h 960254"/>
+              <a:gd name="connsiteX2" fmla="*/ 576243 w 960311"/>
+              <a:gd name="connsiteY2" fmla="*/ 952244 h 960254"/>
+              <a:gd name="connsiteX3" fmla="*/ 496780 w 960311"/>
+              <a:gd name="connsiteY3" fmla="*/ 960254 h 960254"/>
+              <a:gd name="connsiteX4" fmla="*/ 498485 w 960311"/>
+              <a:gd name="connsiteY4" fmla="*/ 943338 h 960254"/>
+              <a:gd name="connsiteX5" fmla="*/ 17477 w 960311"/>
+              <a:gd name="connsiteY5" fmla="*/ 462330 h 960254"/>
+              <a:gd name="connsiteX6" fmla="*/ 0 w 960311"/>
+              <a:gd name="connsiteY6" fmla="*/ 464092 h 960254"/>
+              <a:gd name="connsiteX7" fmla="*/ 8067 w 960311"/>
+              <a:gd name="connsiteY7" fmla="*/ 384068 h 960254"/>
+              <a:gd name="connsiteX8" fmla="*/ 479303 w 960311"/>
+              <a:gd name="connsiteY8" fmla="*/ 0 h 960254"/>
+            </a:gdLst>
+            <a:ahLst/>
+            <a:cxnLst>
+              <a:cxn ang="0">
+                <a:pos x="connsiteX0" y="connsiteY0"/>
+              </a:cxn>
+              <a:cxn ang="0">
+                <a:pos x="connsiteX1" y="connsiteY1"/>
+              </a:cxn>
+              <a:cxn ang="0">
+                <a:pos x="connsiteX2" y="connsiteY2"/>
+              </a:cxn>
+              <a:cxn ang="0">
+                <a:pos x="connsiteX3" y="connsiteY3"/>
+              </a:cxn>
+              <a:cxn ang="0">
+                <a:pos x="connsiteX4" y="connsiteY4"/>
+              </a:cxn>
+              <a:cxn ang="0">
+                <a:pos x="connsiteX5" y="connsiteY5"/>
+              </a:cxn>
+              <a:cxn ang="0">
+                <a:pos x="connsiteX6" y="connsiteY6"/>
+              </a:cxn>
+              <a:cxn ang="0">
+                <a:pos x="connsiteX7" y="connsiteY7"/>
+              </a:cxn>
+              <a:cxn ang="0">
+                <a:pos x="connsiteX8" y="connsiteY8"/>
+              </a:cxn>
+            </a:cxnLst>
+            <a:rect l="l" t="t" r="r" b="b"/>
+            <a:pathLst>
+              <a:path w="960311" h="960254">
+                <a:moveTo>
+                  <a:pt x="479303" y="0"/>
+                </a:moveTo>
+                <a:cubicBezTo>
+                  <a:pt x="744956" y="0"/>
+                  <a:pt x="960311" y="215355"/>
+                  <a:pt x="960311" y="481008"/>
+                </a:cubicBezTo>
+                <a:cubicBezTo>
+                  <a:pt x="960311" y="713454"/>
+                  <a:pt x="795430" y="907391"/>
+                  <a:pt x="576243" y="952244"/>
+                </a:cubicBezTo>
+                <a:lnTo>
+                  <a:pt x="496780" y="960254"/>
+                </a:lnTo>
+                <a:lnTo>
+                  <a:pt x="498485" y="943338"/>
+                </a:lnTo>
+                <a:cubicBezTo>
+                  <a:pt x="498485" y="677685"/>
+                  <a:pt x="283130" y="462330"/>
+                  <a:pt x="17477" y="462330"/>
+                </a:cubicBezTo>
+                <a:lnTo>
+                  <a:pt x="0" y="464092"/>
+                </a:lnTo>
+                <a:lnTo>
+                  <a:pt x="8067" y="384068"/>
+                </a:lnTo>
+                <a:cubicBezTo>
+                  <a:pt x="52920" y="164881"/>
+                  <a:pt x="246857" y="0"/>
+                  <a:pt x="479303" y="0"/>
+                </a:cubicBezTo>
+                <a:close/>
+              </a:path>
+            </a:pathLst>
+          </a:custGeom>
+          <a:solidFill>
+            <a:srgbClr val="FA0E18"/>
+          </a:solidFill>
+          <a:ln>
+            <a:noFill/>
+          </a:ln>
+        </p:spPr>
+        <p:style>
+          <a:lnRef idx="2">
+            <a:schemeClr val="accent1">
+              <a:shade val="50000"/>
+            </a:schemeClr>
+          </a:lnRef>
+          <a:fillRef idx="1">
+            <a:schemeClr val="accent1"/>
+          </a:fillRef>
+          <a:effectRef idx="0">
+            <a:schemeClr val="accent1"/>
+          </a:effectRef>
+          <a:fontRef idx="minor">
+            <a:schemeClr val="lt1"/>
+          </a:fontRef>
+        </p:style>
+        <p:txBody>
+          <a:bodyPr wrap="square" rtlCol="0" anchor="ctr">
+            <a:noAutofit/>
+          </a:bodyPr>
+          <a:lstStyle/>
+          <a:p>
+            <a:pPr algn="ctr"/>
+            <a:endParaRPr kumimoji="1" lang="ja-JP" altLang="en-US"/>
+          </a:p>
+        </p:txBody>
+      </p:sp>
+      <p:sp>
+        <p:nvSpPr>
+          <p:cNvPr id="27" name="フリーフォーム: 図形 26">
+            <a:extLst>
+              <a:ext uri="{FF2B5EF4-FFF2-40B4-BE49-F238E27FC236}">
+                <a16:creationId xmlns:a16="http://schemas.microsoft.com/office/drawing/2014/main" id="{0043CECD-2612-42D6-824E-684703EE6777}"/>
+              </a:ext>
+            </a:extLst>
+          </p:cNvPr>
+          <p:cNvSpPr/>
+          <p:nvPr/>
+        </p:nvSpPr>
+        <p:spPr>
+          <a:xfrm>
+            <a:off x="9183504" y="1474804"/>
+            <a:ext cx="960311" cy="960254"/>
+          </a:xfrm>
+          <a:custGeom>
+            <a:avLst/>
+            <a:gdLst>
+              <a:gd name="connsiteX0" fmla="*/ 479303 w 960311"/>
+              <a:gd name="connsiteY0" fmla="*/ 0 h 960254"/>
+              <a:gd name="connsiteX1" fmla="*/ 960311 w 960311"/>
+              <a:gd name="connsiteY1" fmla="*/ 481008 h 960254"/>
+              <a:gd name="connsiteX2" fmla="*/ 576243 w 960311"/>
+              <a:gd name="connsiteY2" fmla="*/ 952244 h 960254"/>
+              <a:gd name="connsiteX3" fmla="*/ 496780 w 960311"/>
+              <a:gd name="connsiteY3" fmla="*/ 960254 h 960254"/>
+              <a:gd name="connsiteX4" fmla="*/ 498485 w 960311"/>
+              <a:gd name="connsiteY4" fmla="*/ 943338 h 960254"/>
+              <a:gd name="connsiteX5" fmla="*/ 17477 w 960311"/>
+              <a:gd name="connsiteY5" fmla="*/ 462330 h 960254"/>
+              <a:gd name="connsiteX6" fmla="*/ 0 w 960311"/>
+              <a:gd name="connsiteY6" fmla="*/ 464092 h 960254"/>
+              <a:gd name="connsiteX7" fmla="*/ 8067 w 960311"/>
+              <a:gd name="connsiteY7" fmla="*/ 384068 h 960254"/>
+              <a:gd name="connsiteX8" fmla="*/ 479303 w 960311"/>
+              <a:gd name="connsiteY8" fmla="*/ 0 h 960254"/>
+            </a:gdLst>
+            <a:ahLst/>
+            <a:cxnLst>
+              <a:cxn ang="0">
+                <a:pos x="connsiteX0" y="connsiteY0"/>
+              </a:cxn>
+              <a:cxn ang="0">
+                <a:pos x="connsiteX1" y="connsiteY1"/>
+              </a:cxn>
+              <a:cxn ang="0">
+                <a:pos x="connsiteX2" y="connsiteY2"/>
+              </a:cxn>
+              <a:cxn ang="0">
+                <a:pos x="connsiteX3" y="connsiteY3"/>
+              </a:cxn>
+              <a:cxn ang="0">
+                <a:pos x="connsiteX4" y="connsiteY4"/>
+              </a:cxn>
+              <a:cxn ang="0">
+                <a:pos x="connsiteX5" y="connsiteY5"/>
+              </a:cxn>
+              <a:cxn ang="0">
+                <a:pos x="connsiteX6" y="connsiteY6"/>
+              </a:cxn>
+              <a:cxn ang="0">
+                <a:pos x="connsiteX7" y="connsiteY7"/>
+              </a:cxn>
+              <a:cxn ang="0">
+                <a:pos x="connsiteX8" y="connsiteY8"/>
+              </a:cxn>
+            </a:cxnLst>
+            <a:rect l="l" t="t" r="r" b="b"/>
+            <a:pathLst>
+              <a:path w="960311" h="960254">
+                <a:moveTo>
+                  <a:pt x="479303" y="0"/>
+                </a:moveTo>
+                <a:cubicBezTo>
+                  <a:pt x="744956" y="0"/>
+                  <a:pt x="960311" y="215355"/>
+                  <a:pt x="960311" y="481008"/>
+                </a:cubicBezTo>
+                <a:cubicBezTo>
+                  <a:pt x="960311" y="713454"/>
+                  <a:pt x="795430" y="907391"/>
+                  <a:pt x="576243" y="952244"/>
+                </a:cubicBezTo>
+                <a:lnTo>
+                  <a:pt x="496780" y="960254"/>
+                </a:lnTo>
+                <a:lnTo>
+                  <a:pt x="498485" y="943338"/>
+                </a:lnTo>
+                <a:cubicBezTo>
+                  <a:pt x="498485" y="677685"/>
+                  <a:pt x="283130" y="462330"/>
+                  <a:pt x="17477" y="462330"/>
+                </a:cubicBezTo>
+                <a:lnTo>
+                  <a:pt x="0" y="464092"/>
+                </a:lnTo>
+                <a:lnTo>
+                  <a:pt x="8067" y="384068"/>
+                </a:lnTo>
+                <a:cubicBezTo>
+                  <a:pt x="52920" y="164881"/>
+                  <a:pt x="246857" y="0"/>
+                  <a:pt x="479303" y="0"/>
+                </a:cubicBezTo>
+                <a:close/>
+              </a:path>
+            </a:pathLst>
+          </a:custGeom>
+          <a:solidFill>
+            <a:srgbClr val="0B10FF"/>
+          </a:solidFill>
+          <a:ln>
+            <a:noFill/>
+          </a:ln>
+        </p:spPr>
+        <p:style>
+          <a:lnRef idx="2">
+            <a:schemeClr val="accent1">
+              <a:shade val="50000"/>
+            </a:schemeClr>
+          </a:lnRef>
+          <a:fillRef idx="1">
+            <a:schemeClr val="accent1"/>
+          </a:fillRef>
+          <a:effectRef idx="0">
+            <a:schemeClr val="accent1"/>
+          </a:effectRef>
+          <a:fontRef idx="minor">
+            <a:schemeClr val="lt1"/>
+          </a:fontRef>
+        </p:style>
+        <p:txBody>
+          <a:bodyPr wrap="square" rtlCol="0" anchor="ctr">
+            <a:noAutofit/>
+          </a:bodyPr>
+          <a:lstStyle/>
+          <a:p>
+            <a:pPr algn="ctr"/>
+            <a:endParaRPr kumimoji="1" lang="ja-JP" altLang="en-US"/>
+          </a:p>
+        </p:txBody>
+      </p:sp>
+      <p:sp>
+        <p:nvSpPr>
+          <p:cNvPr id="29" name="楕円 28">
+            <a:extLst>
+              <a:ext uri="{FF2B5EF4-FFF2-40B4-BE49-F238E27FC236}">
+                <a16:creationId xmlns:a16="http://schemas.microsoft.com/office/drawing/2014/main" id="{559FE367-2E30-4BB3-B539-6A51A99EDA69}"/>
+              </a:ext>
+            </a:extLst>
+          </p:cNvPr>
+          <p:cNvSpPr/>
+          <p:nvPr/>
+        </p:nvSpPr>
+        <p:spPr>
+          <a:xfrm>
+            <a:off x="8493567" y="2259000"/>
+            <a:ext cx="1092816" cy="537930"/>
+          </a:xfrm>
+          <a:prstGeom prst="ellipse">
+            <a:avLst/>
+          </a:prstGeom>
+          <a:noFill/>
+          <a:ln>
+            <a:solidFill>
+              <a:schemeClr val="tx1"/>
             </a:solidFill>
           </a:ln>
         </p:spPr>
@@ -32805,10 +35221,220 @@
           </a:p>
         </p:txBody>
       </p:sp>
+      <p:sp>
+        <p:nvSpPr>
+          <p:cNvPr id="30" name="楕円 29">
+            <a:extLst>
+              <a:ext uri="{FF2B5EF4-FFF2-40B4-BE49-F238E27FC236}">
+                <a16:creationId xmlns:a16="http://schemas.microsoft.com/office/drawing/2014/main" id="{5F900103-5978-4947-AC24-216DA2449B0A}"/>
+              </a:ext>
+            </a:extLst>
+          </p:cNvPr>
+          <p:cNvSpPr/>
+          <p:nvPr/>
+        </p:nvSpPr>
+        <p:spPr>
+          <a:xfrm>
+            <a:off x="7553756" y="1793334"/>
+            <a:ext cx="1020861" cy="502511"/>
+          </a:xfrm>
+          <a:prstGeom prst="ellipse">
+            <a:avLst/>
+          </a:prstGeom>
+          <a:noFill/>
+          <a:ln>
+            <a:solidFill>
+              <a:schemeClr val="tx1"/>
+            </a:solidFill>
+          </a:ln>
+        </p:spPr>
+        <p:style>
+          <a:lnRef idx="2">
+            <a:schemeClr val="accent1">
+              <a:shade val="50000"/>
+            </a:schemeClr>
+          </a:lnRef>
+          <a:fillRef idx="1">
+            <a:schemeClr val="accent1"/>
+          </a:fillRef>
+          <a:effectRef idx="0">
+            <a:schemeClr val="accent1"/>
+          </a:effectRef>
+          <a:fontRef idx="minor">
+            <a:schemeClr val="lt1"/>
+          </a:fontRef>
+        </p:style>
+        <p:txBody>
+          <a:bodyPr rtlCol="0" anchor="ctr"/>
+          <a:lstStyle/>
+          <a:p>
+            <a:pPr algn="ctr"/>
+            <a:endParaRPr kumimoji="1" lang="ja-JP" altLang="en-US"/>
+          </a:p>
+        </p:txBody>
+      </p:sp>
+      <p:grpSp>
+        <p:nvGrpSpPr>
+          <p:cNvPr id="3" name="グループ化 2">
+            <a:extLst>
+              <a:ext uri="{FF2B5EF4-FFF2-40B4-BE49-F238E27FC236}">
+                <a16:creationId xmlns:a16="http://schemas.microsoft.com/office/drawing/2014/main" id="{5939CE71-5C66-4DBD-A725-435D12C3F332}"/>
+              </a:ext>
+            </a:extLst>
+          </p:cNvPr>
+          <p:cNvGrpSpPr/>
+          <p:nvPr/>
+        </p:nvGrpSpPr>
+        <p:grpSpPr>
+          <a:xfrm>
+            <a:off x="5483525" y="4133590"/>
+            <a:ext cx="5212184" cy="1809750"/>
+            <a:chOff x="4374200" y="4520940"/>
+            <a:chExt cx="5212184" cy="1809750"/>
+          </a:xfrm>
+        </p:grpSpPr>
+        <p:pic>
+          <p:nvPicPr>
+            <p:cNvPr id="2" name="Picture 2" descr="「SNES ロゴ」の画像検索結果">
+              <a:extLst>
+                <a:ext uri="{FF2B5EF4-FFF2-40B4-BE49-F238E27FC236}">
+                  <a16:creationId xmlns:a16="http://schemas.microsoft.com/office/drawing/2014/main" id="{2E33C64E-D02E-4B2A-91D1-552A09E2153D}"/>
+                </a:ext>
+              </a:extLst>
+            </p:cNvPr>
+            <p:cNvPicPr>
+              <a:picLocks noChangeAspect="1" noChangeArrowheads="1"/>
+            </p:cNvPicPr>
+            <p:nvPr/>
+          </p:nvPicPr>
+          <p:blipFill>
+            <a:blip r:embed="rId2">
+              <a:extLst>
+                <a:ext uri="{28A0092B-C50C-407E-A947-70E740481C1C}">
+                  <a14:useLocalDpi xmlns:a14="http://schemas.microsoft.com/office/drawing/2010/main" val="0"/>
+                </a:ext>
+              </a:extLst>
+            </a:blip>
+            <a:srcRect/>
+            <a:stretch>
+              <a:fillRect/>
+            </a:stretch>
+          </p:blipFill>
+          <p:spPr bwMode="auto">
+            <a:xfrm>
+              <a:off x="5713467" y="4520940"/>
+              <a:ext cx="2533650" cy="1809750"/>
+            </a:xfrm>
+            <a:prstGeom prst="rect">
+              <a:avLst/>
+            </a:prstGeom>
+            <a:noFill/>
+            <a:extLst>
+              <a:ext uri="{909E8E84-426E-40DD-AFC4-6F175D3DCCD1}">
+                <a14:hiddenFill xmlns:a14="http://schemas.microsoft.com/office/drawing/2010/main">
+                  <a:solidFill>
+                    <a:srgbClr val="FFFFFF"/>
+                  </a:solidFill>
+                </a14:hiddenFill>
+              </a:ext>
+            </a:extLst>
+          </p:spPr>
+        </p:pic>
+        <p:sp>
+          <p:nvSpPr>
+            <p:cNvPr id="31" name="正方形/長方形 30">
+              <a:extLst>
+                <a:ext uri="{FF2B5EF4-FFF2-40B4-BE49-F238E27FC236}">
+                  <a16:creationId xmlns:a16="http://schemas.microsoft.com/office/drawing/2014/main" id="{5EB54D0A-35E5-4B88-8419-D4DB0D1DE6D2}"/>
+                </a:ext>
+              </a:extLst>
+            </p:cNvPr>
+            <p:cNvSpPr/>
+            <p:nvPr/>
+          </p:nvSpPr>
+          <p:spPr>
+            <a:xfrm>
+              <a:off x="4374200" y="4804531"/>
+              <a:ext cx="5212184" cy="1323439"/>
+            </a:xfrm>
+            <a:prstGeom prst="rect">
+              <a:avLst/>
+            </a:prstGeom>
+          </p:spPr>
+          <p:txBody>
+            <a:bodyPr wrap="square">
+              <a:spAutoFit/>
+              <a:scene3d>
+                <a:camera prst="orthographicFront"/>
+                <a:lightRig rig="harsh" dir="t"/>
+              </a:scene3d>
+              <a:sp3d extrusionH="57150" prstMaterial="matte">
+                <a:bevelT w="63500" h="12700" prst="angle"/>
+                <a:contourClr>
+                  <a:schemeClr val="bg1">
+                    <a:lumMod val="65000"/>
+                  </a:schemeClr>
+                </a:contourClr>
+              </a:sp3d>
+            </a:bodyPr>
+            <a:lstStyle/>
+            <a:p>
+              <a:pPr algn="ctr"/>
+              <a:r>
+                <a:rPr lang="en-US" altLang="ja-JP" sz="8000" b="1" dirty="0">
+                  <a:ln/>
+                  <a:solidFill>
+                    <a:schemeClr val="accent3"/>
+                  </a:solidFill>
+                  <a:latin typeface="HandelGothic BT" panose="04030805030B02020C03" pitchFamily="82" charset="0"/>
+                </a:rPr>
+                <a:t>SPC700</a:t>
+              </a:r>
+              <a:endParaRPr lang="ja-JP" altLang="en-US" sz="8000" b="1" dirty="0">
+                <a:ln/>
+                <a:solidFill>
+                  <a:schemeClr val="accent3"/>
+                </a:solidFill>
+                <a:latin typeface="HandelGothic BT" panose="04030805030B02020C03" pitchFamily="82" charset="0"/>
+              </a:endParaRPr>
+            </a:p>
+          </p:txBody>
+        </p:sp>
+      </p:grpSp>
+      <p:pic>
+        <p:nvPicPr>
+          <p:cNvPr id="4" name="図 3">
+            <a:extLst>
+              <a:ext uri="{FF2B5EF4-FFF2-40B4-BE49-F238E27FC236}">
+                <a16:creationId xmlns:a16="http://schemas.microsoft.com/office/drawing/2014/main" id="{E9DBC7A4-10B0-450D-9CD8-2667974477B5}"/>
+              </a:ext>
+            </a:extLst>
+          </p:cNvPr>
+          <p:cNvPicPr>
+            <a:picLocks noChangeAspect="1"/>
+          </p:cNvPicPr>
+          <p:nvPr/>
+        </p:nvPicPr>
+        <p:blipFill>
+          <a:blip r:embed="rId3"/>
+          <a:stretch>
+            <a:fillRect/>
+          </a:stretch>
+        </p:blipFill>
+        <p:spPr>
+          <a:xfrm>
+            <a:off x="5821454" y="3160652"/>
+            <a:ext cx="884466" cy="307236"/>
+          </a:xfrm>
+          <a:prstGeom prst="rect">
+            <a:avLst/>
+          </a:prstGeom>
+        </p:spPr>
+      </p:pic>
     </p:spTree>
     <p:extLst>
       <p:ext uri="{BB962C8B-B14F-4D97-AF65-F5344CB8AC3E}">
-        <p14:creationId xmlns:p14="http://schemas.microsoft.com/office/powerpoint/2010/main" val="1391422416"/>
+        <p14:creationId xmlns:p14="http://schemas.microsoft.com/office/powerpoint/2010/main" val="4192155628"/>
       </p:ext>
     </p:extLst>
   </p:cSld>
@@ -32818,7 +35444,7 @@
 </p:sld>
 </file>
 
-<file path=ppt/slides/slide3.xml><?xml version="1.0" encoding="utf-8"?>
+<file path=ppt/slides/slide4.xml><?xml version="1.0" encoding="utf-8"?>
 <p:sld xmlns:a="http://schemas.openxmlformats.org/drawingml/2006/main" xmlns:r="http://schemas.openxmlformats.org/officeDocument/2006/relationships" xmlns:p="http://schemas.openxmlformats.org/presentationml/2006/main">
   <p:cSld>
     <p:spTree>

--- a/src/mamidimemo/Data/Images.pptx
+++ b/src/mamidimemo/Data/Images.pptx
@@ -5,13 +5,14 @@
     <p:sldMasterId id="2147483648" r:id="rId1"/>
   </p:sldMasterIdLst>
   <p:notesMasterIdLst>
-    <p:notesMasterId r:id="rId6"/>
+    <p:notesMasterId r:id="rId7"/>
   </p:notesMasterIdLst>
   <p:sldIdLst>
     <p:sldId id="256" r:id="rId2"/>
     <p:sldId id="258" r:id="rId3"/>
     <p:sldId id="259" r:id="rId4"/>
-    <p:sldId id="257" r:id="rId5"/>
+    <p:sldId id="260" r:id="rId5"/>
+    <p:sldId id="257" r:id="rId6"/>
   </p:sldIdLst>
   <p:sldSz cx="12192000" cy="6858000"/>
   <p:notesSz cx="6858000" cy="9144000"/>
@@ -200,7 +201,7 @@
           <a:p>
             <a:fld id="{FD0ADE19-EE5F-4EAE-BCEC-0B5F9244BB48}" type="datetimeFigureOut">
               <a:rPr kumimoji="1" lang="ja-JP" altLang="en-US" smtClean="0"/>
-              <a:t>2019/12/15</a:t>
+              <a:t>2019/12/21</a:t>
             </a:fld>
             <a:endParaRPr kumimoji="1" lang="ja-JP" altLang="en-US"/>
           </a:p>
@@ -730,7 +731,7 @@
           <a:p>
             <a:fld id="{B7E48A73-9369-4B88-BBE6-B1D33CBD5F01}" type="datetimeFigureOut">
               <a:rPr kumimoji="1" lang="ja-JP" altLang="en-US" smtClean="0"/>
-              <a:t>2019/12/15</a:t>
+              <a:t>2019/12/21</a:t>
             </a:fld>
             <a:endParaRPr kumimoji="1" lang="ja-JP" altLang="en-US"/>
           </a:p>
@@ -960,7 +961,7 @@
           <a:p>
             <a:fld id="{B7E48A73-9369-4B88-BBE6-B1D33CBD5F01}" type="datetimeFigureOut">
               <a:rPr kumimoji="1" lang="ja-JP" altLang="en-US" smtClean="0"/>
-              <a:t>2019/12/15</a:t>
+              <a:t>2019/12/21</a:t>
             </a:fld>
             <a:endParaRPr kumimoji="1" lang="ja-JP" altLang="en-US"/>
           </a:p>
@@ -1200,7 +1201,7 @@
           <a:p>
             <a:fld id="{B7E48A73-9369-4B88-BBE6-B1D33CBD5F01}" type="datetimeFigureOut">
               <a:rPr kumimoji="1" lang="ja-JP" altLang="en-US" smtClean="0"/>
-              <a:t>2019/12/15</a:t>
+              <a:t>2019/12/21</a:t>
             </a:fld>
             <a:endParaRPr kumimoji="1" lang="ja-JP" altLang="en-US"/>
           </a:p>
@@ -1430,7 +1431,7 @@
           <a:p>
             <a:fld id="{B7E48A73-9369-4B88-BBE6-B1D33CBD5F01}" type="datetimeFigureOut">
               <a:rPr kumimoji="1" lang="ja-JP" altLang="en-US" smtClean="0"/>
-              <a:t>2019/12/15</a:t>
+              <a:t>2019/12/21</a:t>
             </a:fld>
             <a:endParaRPr kumimoji="1" lang="ja-JP" altLang="en-US"/>
           </a:p>
@@ -1705,7 +1706,7 @@
           <a:p>
             <a:fld id="{B7E48A73-9369-4B88-BBE6-B1D33CBD5F01}" type="datetimeFigureOut">
               <a:rPr kumimoji="1" lang="ja-JP" altLang="en-US" smtClean="0"/>
-              <a:t>2019/12/15</a:t>
+              <a:t>2019/12/21</a:t>
             </a:fld>
             <a:endParaRPr kumimoji="1" lang="ja-JP" altLang="en-US"/>
           </a:p>
@@ -2034,7 +2035,7 @@
           <a:p>
             <a:fld id="{B7E48A73-9369-4B88-BBE6-B1D33CBD5F01}" type="datetimeFigureOut">
               <a:rPr kumimoji="1" lang="ja-JP" altLang="en-US" smtClean="0"/>
-              <a:t>2019/12/15</a:t>
+              <a:t>2019/12/21</a:t>
             </a:fld>
             <a:endParaRPr kumimoji="1" lang="ja-JP" altLang="en-US"/>
           </a:p>
@@ -2510,7 +2511,7 @@
           <a:p>
             <a:fld id="{B7E48A73-9369-4B88-BBE6-B1D33CBD5F01}" type="datetimeFigureOut">
               <a:rPr kumimoji="1" lang="ja-JP" altLang="en-US" smtClean="0"/>
-              <a:t>2019/12/15</a:t>
+              <a:t>2019/12/21</a:t>
             </a:fld>
             <a:endParaRPr kumimoji="1" lang="ja-JP" altLang="en-US"/>
           </a:p>
@@ -2651,7 +2652,7 @@
           <a:p>
             <a:fld id="{B7E48A73-9369-4B88-BBE6-B1D33CBD5F01}" type="datetimeFigureOut">
               <a:rPr kumimoji="1" lang="ja-JP" altLang="en-US" smtClean="0"/>
-              <a:t>2019/12/15</a:t>
+              <a:t>2019/12/21</a:t>
             </a:fld>
             <a:endParaRPr kumimoji="1" lang="ja-JP" altLang="en-US"/>
           </a:p>
@@ -2764,7 +2765,7 @@
           <a:p>
             <a:fld id="{B7E48A73-9369-4B88-BBE6-B1D33CBD5F01}" type="datetimeFigureOut">
               <a:rPr kumimoji="1" lang="ja-JP" altLang="en-US" smtClean="0"/>
-              <a:t>2019/12/15</a:t>
+              <a:t>2019/12/21</a:t>
             </a:fld>
             <a:endParaRPr kumimoji="1" lang="ja-JP" altLang="en-US"/>
           </a:p>
@@ -3107,7 +3108,7 @@
           <a:p>
             <a:fld id="{B7E48A73-9369-4B88-BBE6-B1D33CBD5F01}" type="datetimeFigureOut">
               <a:rPr kumimoji="1" lang="ja-JP" altLang="en-US" smtClean="0"/>
-              <a:t>2019/12/15</a:t>
+              <a:t>2019/12/21</a:t>
             </a:fld>
             <a:endParaRPr kumimoji="1" lang="ja-JP" altLang="en-US"/>
           </a:p>
@@ -3395,7 +3396,7 @@
           <a:p>
             <a:fld id="{B7E48A73-9369-4B88-BBE6-B1D33CBD5F01}" type="datetimeFigureOut">
               <a:rPr kumimoji="1" lang="ja-JP" altLang="en-US" smtClean="0"/>
-              <a:t>2019/12/15</a:t>
+              <a:t>2019/12/21</a:t>
             </a:fld>
             <a:endParaRPr kumimoji="1" lang="ja-JP" altLang="en-US"/>
           </a:p>
@@ -3668,7 +3669,7 @@
           <a:p>
             <a:fld id="{B7E48A73-9369-4B88-BBE6-B1D33CBD5F01}" type="datetimeFigureOut">
               <a:rPr kumimoji="1" lang="ja-JP" altLang="en-US" smtClean="0"/>
-              <a:t>2019/12/15</a:t>
+              <a:t>2019/12/21</a:t>
             </a:fld>
             <a:endParaRPr kumimoji="1" lang="ja-JP" altLang="en-US"/>
           </a:p>
@@ -35461,6 +35462,142 @@
           <a:chExt cx="0" cy="0"/>
         </a:xfrm>
       </p:grpSpPr>
+      <p:pic>
+        <p:nvPicPr>
+          <p:cNvPr id="7" name="図 6">
+            <a:extLst>
+              <a:ext uri="{FF2B5EF4-FFF2-40B4-BE49-F238E27FC236}">
+                <a16:creationId xmlns:a16="http://schemas.microsoft.com/office/drawing/2014/main" id="{8FF95DA5-05B2-47F7-AE82-C2389B0EFBBF}"/>
+              </a:ext>
+            </a:extLst>
+          </p:cNvPr>
+          <p:cNvPicPr>
+            <a:picLocks noChangeAspect="1"/>
+          </p:cNvPicPr>
+          <p:nvPr/>
+        </p:nvPicPr>
+        <p:blipFill>
+          <a:blip r:embed="rId2">
+            <a:extLst>
+              <a:ext uri="{28A0092B-C50C-407E-A947-70E740481C1C}">
+                <a14:useLocalDpi xmlns:a14="http://schemas.microsoft.com/office/drawing/2010/main" val="0"/>
+              </a:ext>
+            </a:extLst>
+          </a:blip>
+          <a:stretch>
+            <a:fillRect/>
+          </a:stretch>
+        </p:blipFill>
+        <p:spPr>
+          <a:xfrm>
+            <a:off x="2060575" y="1963374"/>
+            <a:ext cx="2381250" cy="976676"/>
+          </a:xfrm>
+          <a:prstGeom prst="rect">
+            <a:avLst/>
+          </a:prstGeom>
+        </p:spPr>
+      </p:pic>
+      <p:sp>
+        <p:nvSpPr>
+          <p:cNvPr id="8" name="正方形/長方形 7">
+            <a:extLst>
+              <a:ext uri="{FF2B5EF4-FFF2-40B4-BE49-F238E27FC236}">
+                <a16:creationId xmlns:a16="http://schemas.microsoft.com/office/drawing/2014/main" id="{691025B0-B35A-48D2-9C69-F1AAA5E5F11F}"/>
+              </a:ext>
+            </a:extLst>
+          </p:cNvPr>
+          <p:cNvSpPr/>
+          <p:nvPr/>
+        </p:nvSpPr>
+        <p:spPr>
+          <a:xfrm>
+            <a:off x="2060576" y="1851547"/>
+            <a:ext cx="2381248" cy="1200329"/>
+          </a:xfrm>
+          <a:prstGeom prst="rect">
+            <a:avLst/>
+          </a:prstGeom>
+        </p:spPr>
+        <p:txBody>
+          <a:bodyPr wrap="square">
+            <a:spAutoFit/>
+          </a:bodyPr>
+          <a:lstStyle/>
+          <a:p>
+            <a:pPr algn="ctr"/>
+            <a:r>
+              <a:rPr lang="en-US" altLang="ja-JP" sz="7200" dirty="0">
+                <a:latin typeface="SF Atarian System" panose="00000400000000000000" pitchFamily="2" charset="0"/>
+              </a:rPr>
+              <a:t>POKEY</a:t>
+            </a:r>
+            <a:endParaRPr lang="ja-JP" altLang="en-US" sz="7200" dirty="0">
+              <a:latin typeface="SF Atarian System" panose="00000400000000000000" pitchFamily="2" charset="0"/>
+            </a:endParaRPr>
+          </a:p>
+        </p:txBody>
+      </p:sp>
+      <p:pic>
+        <p:nvPicPr>
+          <p:cNvPr id="12" name="図 11">
+            <a:extLst>
+              <a:ext uri="{FF2B5EF4-FFF2-40B4-BE49-F238E27FC236}">
+                <a16:creationId xmlns:a16="http://schemas.microsoft.com/office/drawing/2014/main" id="{F89490F5-F260-4372-8601-6F8CE488AF86}"/>
+              </a:ext>
+            </a:extLst>
+          </p:cNvPr>
+          <p:cNvPicPr>
+            <a:picLocks noChangeAspect="1"/>
+          </p:cNvPicPr>
+          <p:nvPr/>
+        </p:nvPicPr>
+        <p:blipFill>
+          <a:blip r:embed="rId3"/>
+          <a:stretch>
+            <a:fillRect/>
+          </a:stretch>
+        </p:blipFill>
+        <p:spPr>
+          <a:xfrm>
+            <a:off x="6402889" y="2465749"/>
+            <a:ext cx="615978" cy="390862"/>
+          </a:xfrm>
+          <a:prstGeom prst="rect">
+            <a:avLst/>
+          </a:prstGeom>
+        </p:spPr>
+      </p:pic>
+    </p:spTree>
+    <p:extLst>
+      <p:ext uri="{BB962C8B-B14F-4D97-AF65-F5344CB8AC3E}">
+        <p14:creationId xmlns:p14="http://schemas.microsoft.com/office/powerpoint/2010/main" val="134647022"/>
+      </p:ext>
+    </p:extLst>
+  </p:cSld>
+  <p:clrMapOvr>
+    <a:masterClrMapping/>
+  </p:clrMapOvr>
+</p:sld>
+</file>
+
+<file path=ppt/slides/slide5.xml><?xml version="1.0" encoding="utf-8"?>
+<p:sld xmlns:a="http://schemas.openxmlformats.org/drawingml/2006/main" xmlns:r="http://schemas.openxmlformats.org/officeDocument/2006/relationships" xmlns:p="http://schemas.openxmlformats.org/presentationml/2006/main">
+  <p:cSld>
+    <p:spTree>
+      <p:nvGrpSpPr>
+        <p:cNvPr id="1" name=""/>
+        <p:cNvGrpSpPr/>
+        <p:nvPr/>
+      </p:nvGrpSpPr>
+      <p:grpSpPr>
+        <a:xfrm>
+          <a:off x="0" y="0"/>
+          <a:ext cx="0" cy="0"/>
+          <a:chOff x="0" y="0"/>
+          <a:chExt cx="0" cy="0"/>
+        </a:xfrm>
+      </p:grpSpPr>
       <p:sp>
         <p:nvSpPr>
           <p:cNvPr id="5" name="テキスト ボックス 4">

--- a/src/mamidimemo/Data/Images.pptx
+++ b/src/mamidimemo/Data/Images.pptx
@@ -5,14 +5,15 @@
     <p:sldMasterId id="2147483648" r:id="rId1"/>
   </p:sldMasterIdLst>
   <p:notesMasterIdLst>
-    <p:notesMasterId r:id="rId7"/>
+    <p:notesMasterId r:id="rId8"/>
   </p:notesMasterIdLst>
   <p:sldIdLst>
     <p:sldId id="256" r:id="rId2"/>
     <p:sldId id="258" r:id="rId3"/>
     <p:sldId id="259" r:id="rId4"/>
     <p:sldId id="260" r:id="rId5"/>
-    <p:sldId id="257" r:id="rId6"/>
+    <p:sldId id="261" r:id="rId6"/>
+    <p:sldId id="257" r:id="rId7"/>
   </p:sldIdLst>
   <p:sldSz cx="12192000" cy="6858000"/>
   <p:notesSz cx="6858000" cy="9144000"/>
@@ -201,7 +202,7 @@
           <a:p>
             <a:fld id="{FD0ADE19-EE5F-4EAE-BCEC-0B5F9244BB48}" type="datetimeFigureOut">
               <a:rPr kumimoji="1" lang="ja-JP" altLang="en-US" smtClean="0"/>
-              <a:t>2019/12/21</a:t>
+              <a:t>2020/2/19</a:t>
             </a:fld>
             <a:endParaRPr kumimoji="1" lang="ja-JP" altLang="en-US"/>
           </a:p>
@@ -731,7 +732,7 @@
           <a:p>
             <a:fld id="{B7E48A73-9369-4B88-BBE6-B1D33CBD5F01}" type="datetimeFigureOut">
               <a:rPr kumimoji="1" lang="ja-JP" altLang="en-US" smtClean="0"/>
-              <a:t>2019/12/21</a:t>
+              <a:t>2020/2/19</a:t>
             </a:fld>
             <a:endParaRPr kumimoji="1" lang="ja-JP" altLang="en-US"/>
           </a:p>
@@ -961,7 +962,7 @@
           <a:p>
             <a:fld id="{B7E48A73-9369-4B88-BBE6-B1D33CBD5F01}" type="datetimeFigureOut">
               <a:rPr kumimoji="1" lang="ja-JP" altLang="en-US" smtClean="0"/>
-              <a:t>2019/12/21</a:t>
+              <a:t>2020/2/19</a:t>
             </a:fld>
             <a:endParaRPr kumimoji="1" lang="ja-JP" altLang="en-US"/>
           </a:p>
@@ -1201,7 +1202,7 @@
           <a:p>
             <a:fld id="{B7E48A73-9369-4B88-BBE6-B1D33CBD5F01}" type="datetimeFigureOut">
               <a:rPr kumimoji="1" lang="ja-JP" altLang="en-US" smtClean="0"/>
-              <a:t>2019/12/21</a:t>
+              <a:t>2020/2/19</a:t>
             </a:fld>
             <a:endParaRPr kumimoji="1" lang="ja-JP" altLang="en-US"/>
           </a:p>
@@ -1431,7 +1432,7 @@
           <a:p>
             <a:fld id="{B7E48A73-9369-4B88-BBE6-B1D33CBD5F01}" type="datetimeFigureOut">
               <a:rPr kumimoji="1" lang="ja-JP" altLang="en-US" smtClean="0"/>
-              <a:t>2019/12/21</a:t>
+              <a:t>2020/2/19</a:t>
             </a:fld>
             <a:endParaRPr kumimoji="1" lang="ja-JP" altLang="en-US"/>
           </a:p>
@@ -1706,7 +1707,7 @@
           <a:p>
             <a:fld id="{B7E48A73-9369-4B88-BBE6-B1D33CBD5F01}" type="datetimeFigureOut">
               <a:rPr kumimoji="1" lang="ja-JP" altLang="en-US" smtClean="0"/>
-              <a:t>2019/12/21</a:t>
+              <a:t>2020/2/19</a:t>
             </a:fld>
             <a:endParaRPr kumimoji="1" lang="ja-JP" altLang="en-US"/>
           </a:p>
@@ -2035,7 +2036,7 @@
           <a:p>
             <a:fld id="{B7E48A73-9369-4B88-BBE6-B1D33CBD5F01}" type="datetimeFigureOut">
               <a:rPr kumimoji="1" lang="ja-JP" altLang="en-US" smtClean="0"/>
-              <a:t>2019/12/21</a:t>
+              <a:t>2020/2/19</a:t>
             </a:fld>
             <a:endParaRPr kumimoji="1" lang="ja-JP" altLang="en-US"/>
           </a:p>
@@ -2511,7 +2512,7 @@
           <a:p>
             <a:fld id="{B7E48A73-9369-4B88-BBE6-B1D33CBD5F01}" type="datetimeFigureOut">
               <a:rPr kumimoji="1" lang="ja-JP" altLang="en-US" smtClean="0"/>
-              <a:t>2019/12/21</a:t>
+              <a:t>2020/2/19</a:t>
             </a:fld>
             <a:endParaRPr kumimoji="1" lang="ja-JP" altLang="en-US"/>
           </a:p>
@@ -2652,7 +2653,7 @@
           <a:p>
             <a:fld id="{B7E48A73-9369-4B88-BBE6-B1D33CBD5F01}" type="datetimeFigureOut">
               <a:rPr kumimoji="1" lang="ja-JP" altLang="en-US" smtClean="0"/>
-              <a:t>2019/12/21</a:t>
+              <a:t>2020/2/19</a:t>
             </a:fld>
             <a:endParaRPr kumimoji="1" lang="ja-JP" altLang="en-US"/>
           </a:p>
@@ -2765,7 +2766,7 @@
           <a:p>
             <a:fld id="{B7E48A73-9369-4B88-BBE6-B1D33CBD5F01}" type="datetimeFigureOut">
               <a:rPr kumimoji="1" lang="ja-JP" altLang="en-US" smtClean="0"/>
-              <a:t>2019/12/21</a:t>
+              <a:t>2020/2/19</a:t>
             </a:fld>
             <a:endParaRPr kumimoji="1" lang="ja-JP" altLang="en-US"/>
           </a:p>
@@ -3108,7 +3109,7 @@
           <a:p>
             <a:fld id="{B7E48A73-9369-4B88-BBE6-B1D33CBD5F01}" type="datetimeFigureOut">
               <a:rPr kumimoji="1" lang="ja-JP" altLang="en-US" smtClean="0"/>
-              <a:t>2019/12/21</a:t>
+              <a:t>2020/2/19</a:t>
             </a:fld>
             <a:endParaRPr kumimoji="1" lang="ja-JP" altLang="en-US"/>
           </a:p>
@@ -3396,7 +3397,7 @@
           <a:p>
             <a:fld id="{B7E48A73-9369-4B88-BBE6-B1D33CBD5F01}" type="datetimeFigureOut">
               <a:rPr kumimoji="1" lang="ja-JP" altLang="en-US" smtClean="0"/>
-              <a:t>2019/12/21</a:t>
+              <a:t>2020/2/19</a:t>
             </a:fld>
             <a:endParaRPr kumimoji="1" lang="ja-JP" altLang="en-US"/>
           </a:p>
@@ -3669,7 +3670,7 @@
           <a:p>
             <a:fld id="{B7E48A73-9369-4B88-BBE6-B1D33CBD5F01}" type="datetimeFigureOut">
               <a:rPr kumimoji="1" lang="ja-JP" altLang="en-US" smtClean="0"/>
-              <a:t>2019/12/21</a:t>
+              <a:t>2020/2/19</a:t>
             </a:fld>
             <a:endParaRPr kumimoji="1" lang="ja-JP" altLang="en-US"/>
           </a:p>
@@ -35598,6 +35599,4588 @@
           <a:chExt cx="0" cy="0"/>
         </a:xfrm>
       </p:grpSpPr>
+      <p:pic>
+        <p:nvPicPr>
+          <p:cNvPr id="6" name="図 5">
+            <a:extLst>
+              <a:ext uri="{FF2B5EF4-FFF2-40B4-BE49-F238E27FC236}">
+                <a16:creationId xmlns:a16="http://schemas.microsoft.com/office/drawing/2014/main" id="{226536D9-FF43-4FA7-B999-0E37A7DB61A1}"/>
+              </a:ext>
+            </a:extLst>
+          </p:cNvPr>
+          <p:cNvPicPr>
+            <a:picLocks noChangeAspect="1"/>
+          </p:cNvPicPr>
+          <p:nvPr/>
+        </p:nvPicPr>
+        <p:blipFill>
+          <a:blip r:embed="rId2"/>
+          <a:stretch>
+            <a:fillRect/>
+          </a:stretch>
+        </p:blipFill>
+        <p:spPr>
+          <a:xfrm>
+            <a:off x="0" y="4588831"/>
+            <a:ext cx="2438740" cy="2219635"/>
+          </a:xfrm>
+          <a:prstGeom prst="rect">
+            <a:avLst/>
+          </a:prstGeom>
+        </p:spPr>
+      </p:pic>
+      <p:grpSp>
+        <p:nvGrpSpPr>
+          <p:cNvPr id="7" name="グループ化 6">
+            <a:extLst>
+              <a:ext uri="{FF2B5EF4-FFF2-40B4-BE49-F238E27FC236}">
+                <a16:creationId xmlns:a16="http://schemas.microsoft.com/office/drawing/2014/main" id="{F9DE9335-9B54-479E-A1BB-48345720B959}"/>
+              </a:ext>
+            </a:extLst>
+          </p:cNvPr>
+          <p:cNvGrpSpPr/>
+          <p:nvPr/>
+        </p:nvGrpSpPr>
+        <p:grpSpPr>
+          <a:xfrm>
+            <a:off x="1752153" y="306387"/>
+            <a:ext cx="9408345" cy="4728805"/>
+            <a:chOff x="918072" y="-101386"/>
+            <a:chExt cx="9408345" cy="4728805"/>
+          </a:xfrm>
+        </p:grpSpPr>
+        <p:sp>
+          <p:nvSpPr>
+            <p:cNvPr id="8" name="テキスト ボックス 7">
+              <a:extLst>
+                <a:ext uri="{FF2B5EF4-FFF2-40B4-BE49-F238E27FC236}">
+                  <a16:creationId xmlns:a16="http://schemas.microsoft.com/office/drawing/2014/main" id="{E6E650D9-CDD2-4D19-AC94-9AA6797A0B9A}"/>
+                </a:ext>
+              </a:extLst>
+            </p:cNvPr>
+            <p:cNvSpPr txBox="1"/>
+            <p:nvPr/>
+          </p:nvSpPr>
+          <p:spPr>
+            <a:xfrm>
+              <a:off x="918072" y="1980541"/>
+              <a:ext cx="9408345" cy="2646878"/>
+            </a:xfrm>
+            <a:prstGeom prst="rect">
+              <a:avLst/>
+            </a:prstGeom>
+            <a:noFill/>
+          </p:spPr>
+          <p:txBody>
+            <a:bodyPr wrap="none" rtlCol="0">
+              <a:spAutoFit/>
+            </a:bodyPr>
+            <a:lstStyle/>
+            <a:p>
+              <a:r>
+                <a:rPr lang="en-US" altLang="ja-JP" sz="16600" b="1" spc="-300" dirty="0">
+                  <a:latin typeface="Times New Roman" panose="02020603050405020304" pitchFamily="18" charset="0"/>
+                  <a:cs typeface="Times New Roman" panose="02020603050405020304" pitchFamily="18" charset="0"/>
+                </a:rPr>
+                <a:t>YM2610B</a:t>
+              </a:r>
+              <a:endParaRPr kumimoji="1" lang="ja-JP" altLang="en-US" sz="16600" b="1" spc="-300" dirty="0">
+                <a:latin typeface="Times New Roman" panose="02020603050405020304" pitchFamily="18" charset="0"/>
+                <a:cs typeface="Times New Roman" panose="02020603050405020304" pitchFamily="18" charset="0"/>
+              </a:endParaRPr>
+            </a:p>
+          </p:txBody>
+        </p:sp>
+        <p:grpSp>
+          <p:nvGrpSpPr>
+            <p:cNvPr id="2" name="グループ化 1">
+              <a:extLst>
+                <a:ext uri="{FF2B5EF4-FFF2-40B4-BE49-F238E27FC236}">
+                  <a16:creationId xmlns:a16="http://schemas.microsoft.com/office/drawing/2014/main" id="{D92C24F2-FE04-4F6C-ADDE-D2FCE3DB8AE6}"/>
+                </a:ext>
+              </a:extLst>
+            </p:cNvPr>
+            <p:cNvGrpSpPr/>
+            <p:nvPr/>
+          </p:nvGrpSpPr>
+          <p:grpSpPr>
+            <a:xfrm>
+              <a:off x="3998551" y="-101386"/>
+              <a:ext cx="2690250" cy="2690250"/>
+              <a:chOff x="805218" y="627798"/>
+              <a:chExt cx="2166202" cy="2166202"/>
+            </a:xfrm>
+          </p:grpSpPr>
+          <p:sp>
+            <p:nvSpPr>
+              <p:cNvPr id="4" name="楕円 3">
+                <a:extLst>
+                  <a:ext uri="{FF2B5EF4-FFF2-40B4-BE49-F238E27FC236}">
+                    <a16:creationId xmlns:a16="http://schemas.microsoft.com/office/drawing/2014/main" id="{EEDBE994-C874-4476-A3CB-83F276B0DF53}"/>
+                  </a:ext>
+                </a:extLst>
+              </p:cNvPr>
+              <p:cNvSpPr/>
+              <p:nvPr/>
+            </p:nvSpPr>
+            <p:spPr>
+              <a:xfrm>
+                <a:off x="805218" y="627798"/>
+                <a:ext cx="2166202" cy="2166202"/>
+              </a:xfrm>
+              <a:prstGeom prst="ellipse">
+                <a:avLst/>
+              </a:prstGeom>
+            </p:spPr>
+            <p:style>
+              <a:lnRef idx="2">
+                <a:schemeClr val="dk1">
+                  <a:shade val="50000"/>
+                </a:schemeClr>
+              </a:lnRef>
+              <a:fillRef idx="1">
+                <a:schemeClr val="dk1"/>
+              </a:fillRef>
+              <a:effectRef idx="0">
+                <a:schemeClr val="dk1"/>
+              </a:effectRef>
+              <a:fontRef idx="minor">
+                <a:schemeClr val="lt1"/>
+              </a:fontRef>
+            </p:style>
+            <p:txBody>
+              <a:bodyPr rtlCol="0" anchor="ctr"/>
+              <a:lstStyle/>
+              <a:p>
+                <a:pPr algn="ctr"/>
+                <a:endParaRPr kumimoji="1" lang="ja-JP" altLang="en-US" dirty="0"/>
+              </a:p>
+            </p:txBody>
+          </p:sp>
+          <p:grpSp>
+            <p:nvGrpSpPr>
+              <p:cNvPr id="14" name="グループ化 13">
+                <a:extLst>
+                  <a:ext uri="{FF2B5EF4-FFF2-40B4-BE49-F238E27FC236}">
+                    <a16:creationId xmlns:a16="http://schemas.microsoft.com/office/drawing/2014/main" id="{0E944BDE-0D14-4E64-A7DA-F6F898D2F107}"/>
+                  </a:ext>
+                </a:extLst>
+              </p:cNvPr>
+              <p:cNvGrpSpPr/>
+              <p:nvPr/>
+            </p:nvGrpSpPr>
+            <p:grpSpPr>
+              <a:xfrm flipH="1">
+                <a:off x="1055083" y="841726"/>
+                <a:ext cx="738338" cy="922921"/>
+                <a:chOff x="2831147" y="3868243"/>
+                <a:chExt cx="609600" cy="762000"/>
+              </a:xfrm>
+            </p:grpSpPr>
+            <p:sp>
+              <p:nvSpPr>
+                <p:cNvPr id="9" name="フリーフォーム: 図形 8">
+                  <a:extLst>
+                    <a:ext uri="{FF2B5EF4-FFF2-40B4-BE49-F238E27FC236}">
+                      <a16:creationId xmlns:a16="http://schemas.microsoft.com/office/drawing/2014/main" id="{4E594649-782F-4EAC-AF43-676B1186715A}"/>
+                    </a:ext>
+                  </a:extLst>
+                </p:cNvPr>
+                <p:cNvSpPr/>
+                <p:nvPr/>
+              </p:nvSpPr>
+              <p:spPr>
+                <a:xfrm>
+                  <a:off x="2831147" y="3868243"/>
+                  <a:ext cx="609600" cy="762000"/>
+                </a:xfrm>
+                <a:custGeom>
+                  <a:avLst/>
+                  <a:gdLst>
+                    <a:gd name="connsiteX0" fmla="*/ 152400 w 609600"/>
+                    <a:gd name="connsiteY0" fmla="*/ 0 h 762000"/>
+                    <a:gd name="connsiteX1" fmla="*/ 0 w 609600"/>
+                    <a:gd name="connsiteY1" fmla="*/ 205740 h 762000"/>
+                    <a:gd name="connsiteX2" fmla="*/ 60960 w 609600"/>
+                    <a:gd name="connsiteY2" fmla="*/ 426720 h 762000"/>
+                    <a:gd name="connsiteX3" fmla="*/ 297180 w 609600"/>
+                    <a:gd name="connsiteY3" fmla="*/ 708660 h 762000"/>
+                    <a:gd name="connsiteX4" fmla="*/ 449580 w 609600"/>
+                    <a:gd name="connsiteY4" fmla="*/ 762000 h 762000"/>
+                    <a:gd name="connsiteX5" fmla="*/ 609600 w 609600"/>
+                    <a:gd name="connsiteY5" fmla="*/ 533400 h 762000"/>
+                    <a:gd name="connsiteX6" fmla="*/ 594360 w 609600"/>
+                    <a:gd name="connsiteY6" fmla="*/ 358140 h 762000"/>
+                    <a:gd name="connsiteX7" fmla="*/ 396240 w 609600"/>
+                    <a:gd name="connsiteY7" fmla="*/ 38100 h 762000"/>
+                    <a:gd name="connsiteX8" fmla="*/ 152400 w 609600"/>
+                    <a:gd name="connsiteY8" fmla="*/ 0 h 762000"/>
+                  </a:gdLst>
+                  <a:ahLst/>
+                  <a:cxnLst>
+                    <a:cxn ang="0">
+                      <a:pos x="connsiteX0" y="connsiteY0"/>
+                    </a:cxn>
+                    <a:cxn ang="0">
+                      <a:pos x="connsiteX1" y="connsiteY1"/>
+                    </a:cxn>
+                    <a:cxn ang="0">
+                      <a:pos x="connsiteX2" y="connsiteY2"/>
+                    </a:cxn>
+                    <a:cxn ang="0">
+                      <a:pos x="connsiteX3" y="connsiteY3"/>
+                    </a:cxn>
+                    <a:cxn ang="0">
+                      <a:pos x="connsiteX4" y="connsiteY4"/>
+                    </a:cxn>
+                    <a:cxn ang="0">
+                      <a:pos x="connsiteX5" y="connsiteY5"/>
+                    </a:cxn>
+                    <a:cxn ang="0">
+                      <a:pos x="connsiteX6" y="connsiteY6"/>
+                    </a:cxn>
+                    <a:cxn ang="0">
+                      <a:pos x="connsiteX7" y="connsiteY7"/>
+                    </a:cxn>
+                    <a:cxn ang="0">
+                      <a:pos x="connsiteX8" y="connsiteY8"/>
+                    </a:cxn>
+                  </a:cxnLst>
+                  <a:rect l="l" t="t" r="r" b="b"/>
+                  <a:pathLst>
+                    <a:path w="609600" h="762000">
+                      <a:moveTo>
+                        <a:pt x="152400" y="0"/>
+                      </a:moveTo>
+                      <a:lnTo>
+                        <a:pt x="0" y="205740"/>
+                      </a:lnTo>
+                      <a:lnTo>
+                        <a:pt x="60960" y="426720"/>
+                      </a:lnTo>
+                      <a:lnTo>
+                        <a:pt x="297180" y="708660"/>
+                      </a:lnTo>
+                      <a:lnTo>
+                        <a:pt x="449580" y="762000"/>
+                      </a:lnTo>
+                      <a:lnTo>
+                        <a:pt x="609600" y="533400"/>
+                      </a:lnTo>
+                      <a:lnTo>
+                        <a:pt x="594360" y="358140"/>
+                      </a:lnTo>
+                      <a:lnTo>
+                        <a:pt x="396240" y="38100"/>
+                      </a:lnTo>
+                      <a:lnTo>
+                        <a:pt x="152400" y="0"/>
+                      </a:lnTo>
+                      <a:close/>
+                    </a:path>
+                  </a:pathLst>
+                </a:custGeom>
+                <a:solidFill>
+                  <a:srgbClr val="FFCD05"/>
+                </a:solidFill>
+                <a:ln>
+                  <a:noFill/>
+                </a:ln>
+              </p:spPr>
+              <p:style>
+                <a:lnRef idx="2">
+                  <a:schemeClr val="accent1">
+                    <a:shade val="50000"/>
+                  </a:schemeClr>
+                </a:lnRef>
+                <a:fillRef idx="1">
+                  <a:schemeClr val="accent1"/>
+                </a:fillRef>
+                <a:effectRef idx="0">
+                  <a:schemeClr val="accent1"/>
+                </a:effectRef>
+                <a:fontRef idx="minor">
+                  <a:schemeClr val="lt1"/>
+                </a:fontRef>
+              </p:style>
+              <p:txBody>
+                <a:bodyPr rtlCol="0" anchor="ctr"/>
+                <a:lstStyle/>
+                <a:p>
+                  <a:pPr algn="ctr"/>
+                  <a:endParaRPr kumimoji="1" lang="ja-JP" altLang="en-US" dirty="0"/>
+                </a:p>
+              </p:txBody>
+            </p:sp>
+            <p:sp>
+              <p:nvSpPr>
+                <p:cNvPr id="10" name="フリーフォーム: 図形 9">
+                  <a:extLst>
+                    <a:ext uri="{FF2B5EF4-FFF2-40B4-BE49-F238E27FC236}">
+                      <a16:creationId xmlns:a16="http://schemas.microsoft.com/office/drawing/2014/main" id="{DAF799E8-7A66-4D09-B9A1-C50F5AA4EA09}"/>
+                    </a:ext>
+                  </a:extLst>
+                </p:cNvPr>
+                <p:cNvSpPr/>
+                <p:nvPr/>
+              </p:nvSpPr>
+              <p:spPr>
+                <a:xfrm>
+                  <a:off x="3162776" y="4036648"/>
+                  <a:ext cx="60325" cy="88900"/>
+                </a:xfrm>
+                <a:custGeom>
+                  <a:avLst/>
+                  <a:gdLst>
+                    <a:gd name="connsiteX0" fmla="*/ 3175 w 60325"/>
+                    <a:gd name="connsiteY0" fmla="*/ 0 h 88900"/>
+                    <a:gd name="connsiteX1" fmla="*/ 0 w 60325"/>
+                    <a:gd name="connsiteY1" fmla="*/ 66675 h 88900"/>
+                    <a:gd name="connsiteX2" fmla="*/ 41275 w 60325"/>
+                    <a:gd name="connsiteY2" fmla="*/ 88900 h 88900"/>
+                    <a:gd name="connsiteX3" fmla="*/ 60325 w 60325"/>
+                    <a:gd name="connsiteY3" fmla="*/ 63500 h 88900"/>
+                    <a:gd name="connsiteX4" fmla="*/ 53975 w 60325"/>
+                    <a:gd name="connsiteY4" fmla="*/ 6350 h 88900"/>
+                    <a:gd name="connsiteX5" fmla="*/ 3175 w 60325"/>
+                    <a:gd name="connsiteY5" fmla="*/ 0 h 88900"/>
+                  </a:gdLst>
+                  <a:ahLst/>
+                  <a:cxnLst>
+                    <a:cxn ang="0">
+                      <a:pos x="connsiteX0" y="connsiteY0"/>
+                    </a:cxn>
+                    <a:cxn ang="0">
+                      <a:pos x="connsiteX1" y="connsiteY1"/>
+                    </a:cxn>
+                    <a:cxn ang="0">
+                      <a:pos x="connsiteX2" y="connsiteY2"/>
+                    </a:cxn>
+                    <a:cxn ang="0">
+                      <a:pos x="connsiteX3" y="connsiteY3"/>
+                    </a:cxn>
+                    <a:cxn ang="0">
+                      <a:pos x="connsiteX4" y="connsiteY4"/>
+                    </a:cxn>
+                    <a:cxn ang="0">
+                      <a:pos x="connsiteX5" y="connsiteY5"/>
+                    </a:cxn>
+                  </a:cxnLst>
+                  <a:rect l="l" t="t" r="r" b="b"/>
+                  <a:pathLst>
+                    <a:path w="60325" h="88900">
+                      <a:moveTo>
+                        <a:pt x="3175" y="0"/>
+                      </a:moveTo>
+                      <a:lnTo>
+                        <a:pt x="0" y="66675"/>
+                      </a:lnTo>
+                      <a:lnTo>
+                        <a:pt x="41275" y="88900"/>
+                      </a:lnTo>
+                      <a:lnTo>
+                        <a:pt x="60325" y="63500"/>
+                      </a:lnTo>
+                      <a:lnTo>
+                        <a:pt x="53975" y="6350"/>
+                      </a:lnTo>
+                      <a:lnTo>
+                        <a:pt x="3175" y="0"/>
+                      </a:lnTo>
+                      <a:close/>
+                    </a:path>
+                  </a:pathLst>
+                </a:custGeom>
+              </p:spPr>
+              <p:style>
+                <a:lnRef idx="2">
+                  <a:schemeClr val="dk1">
+                    <a:shade val="50000"/>
+                  </a:schemeClr>
+                </a:lnRef>
+                <a:fillRef idx="1">
+                  <a:schemeClr val="dk1"/>
+                </a:fillRef>
+                <a:effectRef idx="0">
+                  <a:schemeClr val="dk1"/>
+                </a:effectRef>
+                <a:fontRef idx="minor">
+                  <a:schemeClr val="lt1"/>
+                </a:fontRef>
+              </p:style>
+              <p:txBody>
+                <a:bodyPr rtlCol="0" anchor="ctr"/>
+                <a:lstStyle/>
+                <a:p>
+                  <a:pPr algn="ctr"/>
+                  <a:endParaRPr kumimoji="1" lang="ja-JP" altLang="en-US"/>
+                </a:p>
+              </p:txBody>
+            </p:sp>
+            <p:sp>
+              <p:nvSpPr>
+                <p:cNvPr id="12" name="フリーフォーム: 図形 11">
+                  <a:extLst>
+                    <a:ext uri="{FF2B5EF4-FFF2-40B4-BE49-F238E27FC236}">
+                      <a16:creationId xmlns:a16="http://schemas.microsoft.com/office/drawing/2014/main" id="{802A3BDC-166F-4700-91DF-950A6D4FD71B}"/>
+                    </a:ext>
+                  </a:extLst>
+                </p:cNvPr>
+                <p:cNvSpPr/>
+                <p:nvPr/>
+              </p:nvSpPr>
+              <p:spPr>
+                <a:xfrm>
+                  <a:off x="2997776" y="4148880"/>
+                  <a:ext cx="67782" cy="69297"/>
+                </a:xfrm>
+                <a:custGeom>
+                  <a:avLst/>
+                  <a:gdLst>
+                    <a:gd name="connsiteX0" fmla="*/ 0 w 73025"/>
+                    <a:gd name="connsiteY0" fmla="*/ 3175 h 66675"/>
+                    <a:gd name="connsiteX1" fmla="*/ 25400 w 73025"/>
+                    <a:gd name="connsiteY1" fmla="*/ 66675 h 66675"/>
+                    <a:gd name="connsiteX2" fmla="*/ 73025 w 73025"/>
+                    <a:gd name="connsiteY2" fmla="*/ 31750 h 66675"/>
+                    <a:gd name="connsiteX3" fmla="*/ 69850 w 73025"/>
+                    <a:gd name="connsiteY3" fmla="*/ 0 h 66675"/>
+                    <a:gd name="connsiteX4" fmla="*/ 0 w 73025"/>
+                    <a:gd name="connsiteY4" fmla="*/ 3175 h 66675"/>
+                    <a:gd name="connsiteX0" fmla="*/ 0 w 73025"/>
+                    <a:gd name="connsiteY0" fmla="*/ 3175 h 66675"/>
+                    <a:gd name="connsiteX1" fmla="*/ 10060 w 73025"/>
+                    <a:gd name="connsiteY1" fmla="*/ 31064 h 66675"/>
+                    <a:gd name="connsiteX2" fmla="*/ 25400 w 73025"/>
+                    <a:gd name="connsiteY2" fmla="*/ 66675 h 66675"/>
+                    <a:gd name="connsiteX3" fmla="*/ 73025 w 73025"/>
+                    <a:gd name="connsiteY3" fmla="*/ 31750 h 66675"/>
+                    <a:gd name="connsiteX4" fmla="*/ 69850 w 73025"/>
+                    <a:gd name="connsiteY4" fmla="*/ 0 h 66675"/>
+                    <a:gd name="connsiteX5" fmla="*/ 0 w 73025"/>
+                    <a:gd name="connsiteY5" fmla="*/ 3175 h 66675"/>
+                    <a:gd name="connsiteX0" fmla="*/ 0 w 73025"/>
+                    <a:gd name="connsiteY0" fmla="*/ 8418 h 71918"/>
+                    <a:gd name="connsiteX1" fmla="*/ 10060 w 73025"/>
+                    <a:gd name="connsiteY1" fmla="*/ 36307 h 71918"/>
+                    <a:gd name="connsiteX2" fmla="*/ 25400 w 73025"/>
+                    <a:gd name="connsiteY2" fmla="*/ 71918 h 71918"/>
+                    <a:gd name="connsiteX3" fmla="*/ 73025 w 73025"/>
+                    <a:gd name="connsiteY3" fmla="*/ 36993 h 71918"/>
+                    <a:gd name="connsiteX4" fmla="*/ 56743 w 73025"/>
+                    <a:gd name="connsiteY4" fmla="*/ 0 h 71918"/>
+                    <a:gd name="connsiteX5" fmla="*/ 0 w 73025"/>
+                    <a:gd name="connsiteY5" fmla="*/ 8418 h 71918"/>
+                    <a:gd name="connsiteX0" fmla="*/ 0 w 67782"/>
+                    <a:gd name="connsiteY0" fmla="*/ 8418 h 71918"/>
+                    <a:gd name="connsiteX1" fmla="*/ 4817 w 67782"/>
+                    <a:gd name="connsiteY1" fmla="*/ 36307 h 71918"/>
+                    <a:gd name="connsiteX2" fmla="*/ 20157 w 67782"/>
+                    <a:gd name="connsiteY2" fmla="*/ 71918 h 71918"/>
+                    <a:gd name="connsiteX3" fmla="*/ 67782 w 67782"/>
+                    <a:gd name="connsiteY3" fmla="*/ 36993 h 71918"/>
+                    <a:gd name="connsiteX4" fmla="*/ 51500 w 67782"/>
+                    <a:gd name="connsiteY4" fmla="*/ 0 h 71918"/>
+                    <a:gd name="connsiteX5" fmla="*/ 0 w 67782"/>
+                    <a:gd name="connsiteY5" fmla="*/ 8418 h 71918"/>
+                    <a:gd name="connsiteX0" fmla="*/ 0 w 67782"/>
+                    <a:gd name="connsiteY0" fmla="*/ 8418 h 69297"/>
+                    <a:gd name="connsiteX1" fmla="*/ 4817 w 67782"/>
+                    <a:gd name="connsiteY1" fmla="*/ 36307 h 69297"/>
+                    <a:gd name="connsiteX2" fmla="*/ 25400 w 67782"/>
+                    <a:gd name="connsiteY2" fmla="*/ 69297 h 69297"/>
+                    <a:gd name="connsiteX3" fmla="*/ 67782 w 67782"/>
+                    <a:gd name="connsiteY3" fmla="*/ 36993 h 69297"/>
+                    <a:gd name="connsiteX4" fmla="*/ 51500 w 67782"/>
+                    <a:gd name="connsiteY4" fmla="*/ 0 h 69297"/>
+                    <a:gd name="connsiteX5" fmla="*/ 0 w 67782"/>
+                    <a:gd name="connsiteY5" fmla="*/ 8418 h 69297"/>
+                  </a:gdLst>
+                  <a:ahLst/>
+                  <a:cxnLst>
+                    <a:cxn ang="0">
+                      <a:pos x="connsiteX0" y="connsiteY0"/>
+                    </a:cxn>
+                    <a:cxn ang="0">
+                      <a:pos x="connsiteX1" y="connsiteY1"/>
+                    </a:cxn>
+                    <a:cxn ang="0">
+                      <a:pos x="connsiteX2" y="connsiteY2"/>
+                    </a:cxn>
+                    <a:cxn ang="0">
+                      <a:pos x="connsiteX3" y="connsiteY3"/>
+                    </a:cxn>
+                    <a:cxn ang="0">
+                      <a:pos x="connsiteX4" y="connsiteY4"/>
+                    </a:cxn>
+                    <a:cxn ang="0">
+                      <a:pos x="connsiteX5" y="connsiteY5"/>
+                    </a:cxn>
+                  </a:cxnLst>
+                  <a:rect l="l" t="t" r="r" b="b"/>
+                  <a:pathLst>
+                    <a:path w="67782" h="69297">
+                      <a:moveTo>
+                        <a:pt x="0" y="8418"/>
+                      </a:moveTo>
+                      <a:lnTo>
+                        <a:pt x="4817" y="36307"/>
+                      </a:lnTo>
+                      <a:lnTo>
+                        <a:pt x="25400" y="69297"/>
+                      </a:lnTo>
+                      <a:lnTo>
+                        <a:pt x="67782" y="36993"/>
+                      </a:lnTo>
+                      <a:lnTo>
+                        <a:pt x="51500" y="0"/>
+                      </a:lnTo>
+                      <a:lnTo>
+                        <a:pt x="0" y="8418"/>
+                      </a:lnTo>
+                      <a:close/>
+                    </a:path>
+                  </a:pathLst>
+                </a:custGeom>
+              </p:spPr>
+              <p:style>
+                <a:lnRef idx="2">
+                  <a:schemeClr val="dk1">
+                    <a:shade val="50000"/>
+                  </a:schemeClr>
+                </a:lnRef>
+                <a:fillRef idx="1">
+                  <a:schemeClr val="dk1"/>
+                </a:fillRef>
+                <a:effectRef idx="0">
+                  <a:schemeClr val="dk1"/>
+                </a:effectRef>
+                <a:fontRef idx="minor">
+                  <a:schemeClr val="lt1"/>
+                </a:fontRef>
+              </p:style>
+              <p:txBody>
+                <a:bodyPr rtlCol="0" anchor="ctr"/>
+                <a:lstStyle/>
+                <a:p>
+                  <a:pPr algn="ctr"/>
+                  <a:endParaRPr kumimoji="1" lang="ja-JP" altLang="en-US"/>
+                </a:p>
+              </p:txBody>
+            </p:sp>
+            <p:sp>
+              <p:nvSpPr>
+                <p:cNvPr id="13" name="フリーフォーム: 図形 12">
+                  <a:extLst>
+                    <a:ext uri="{FF2B5EF4-FFF2-40B4-BE49-F238E27FC236}">
+                      <a16:creationId xmlns:a16="http://schemas.microsoft.com/office/drawing/2014/main" id="{D656C137-3FA4-4A5E-915A-7B8A7A034415}"/>
+                    </a:ext>
+                  </a:extLst>
+                </p:cNvPr>
+                <p:cNvSpPr/>
+                <p:nvPr/>
+              </p:nvSpPr>
+              <p:spPr>
+                <a:xfrm>
+                  <a:off x="3107213" y="4249244"/>
+                  <a:ext cx="231775" cy="203200"/>
+                </a:xfrm>
+                <a:custGeom>
+                  <a:avLst/>
+                  <a:gdLst>
+                    <a:gd name="connsiteX0" fmla="*/ 0 w 231775"/>
+                    <a:gd name="connsiteY0" fmla="*/ 146050 h 203200"/>
+                    <a:gd name="connsiteX1" fmla="*/ 76200 w 231775"/>
+                    <a:gd name="connsiteY1" fmla="*/ 161925 h 203200"/>
+                    <a:gd name="connsiteX2" fmla="*/ 146050 w 231775"/>
+                    <a:gd name="connsiteY2" fmla="*/ 158750 h 203200"/>
+                    <a:gd name="connsiteX3" fmla="*/ 184150 w 231775"/>
+                    <a:gd name="connsiteY3" fmla="*/ 98425 h 203200"/>
+                    <a:gd name="connsiteX4" fmla="*/ 193675 w 231775"/>
+                    <a:gd name="connsiteY4" fmla="*/ 76200 h 203200"/>
+                    <a:gd name="connsiteX5" fmla="*/ 222250 w 231775"/>
+                    <a:gd name="connsiteY5" fmla="*/ 0 h 203200"/>
+                    <a:gd name="connsiteX6" fmla="*/ 231775 w 231775"/>
+                    <a:gd name="connsiteY6" fmla="*/ 130175 h 203200"/>
+                    <a:gd name="connsiteX7" fmla="*/ 168275 w 231775"/>
+                    <a:gd name="connsiteY7" fmla="*/ 193675 h 203200"/>
+                    <a:gd name="connsiteX8" fmla="*/ 63500 w 231775"/>
+                    <a:gd name="connsiteY8" fmla="*/ 203200 h 203200"/>
+                    <a:gd name="connsiteX9" fmla="*/ 0 w 231775"/>
+                    <a:gd name="connsiteY9" fmla="*/ 146050 h 203200"/>
+                    <a:gd name="connsiteX0" fmla="*/ 0 w 231775"/>
+                    <a:gd name="connsiteY0" fmla="*/ 146050 h 203200"/>
+                    <a:gd name="connsiteX1" fmla="*/ 76200 w 231775"/>
+                    <a:gd name="connsiteY1" fmla="*/ 161925 h 203200"/>
+                    <a:gd name="connsiteX2" fmla="*/ 143428 w 231775"/>
+                    <a:gd name="connsiteY2" fmla="*/ 153507 h 203200"/>
+                    <a:gd name="connsiteX3" fmla="*/ 184150 w 231775"/>
+                    <a:gd name="connsiteY3" fmla="*/ 98425 h 203200"/>
+                    <a:gd name="connsiteX4" fmla="*/ 193675 w 231775"/>
+                    <a:gd name="connsiteY4" fmla="*/ 76200 h 203200"/>
+                    <a:gd name="connsiteX5" fmla="*/ 222250 w 231775"/>
+                    <a:gd name="connsiteY5" fmla="*/ 0 h 203200"/>
+                    <a:gd name="connsiteX6" fmla="*/ 231775 w 231775"/>
+                    <a:gd name="connsiteY6" fmla="*/ 130175 h 203200"/>
+                    <a:gd name="connsiteX7" fmla="*/ 168275 w 231775"/>
+                    <a:gd name="connsiteY7" fmla="*/ 193675 h 203200"/>
+                    <a:gd name="connsiteX8" fmla="*/ 63500 w 231775"/>
+                    <a:gd name="connsiteY8" fmla="*/ 203200 h 203200"/>
+                    <a:gd name="connsiteX9" fmla="*/ 0 w 231775"/>
+                    <a:gd name="connsiteY9" fmla="*/ 146050 h 203200"/>
+                    <a:gd name="connsiteX0" fmla="*/ 0 w 231775"/>
+                    <a:gd name="connsiteY0" fmla="*/ 146050 h 203200"/>
+                    <a:gd name="connsiteX1" fmla="*/ 76200 w 231775"/>
+                    <a:gd name="connsiteY1" fmla="*/ 161925 h 203200"/>
+                    <a:gd name="connsiteX2" fmla="*/ 143428 w 231775"/>
+                    <a:gd name="connsiteY2" fmla="*/ 153507 h 203200"/>
+                    <a:gd name="connsiteX3" fmla="*/ 184150 w 231775"/>
+                    <a:gd name="connsiteY3" fmla="*/ 98425 h 203200"/>
+                    <a:gd name="connsiteX4" fmla="*/ 193675 w 231775"/>
+                    <a:gd name="connsiteY4" fmla="*/ 76200 h 203200"/>
+                    <a:gd name="connsiteX5" fmla="*/ 222250 w 231775"/>
+                    <a:gd name="connsiteY5" fmla="*/ 0 h 203200"/>
+                    <a:gd name="connsiteX6" fmla="*/ 231775 w 231775"/>
+                    <a:gd name="connsiteY6" fmla="*/ 124933 h 203200"/>
+                    <a:gd name="connsiteX7" fmla="*/ 168275 w 231775"/>
+                    <a:gd name="connsiteY7" fmla="*/ 193675 h 203200"/>
+                    <a:gd name="connsiteX8" fmla="*/ 63500 w 231775"/>
+                    <a:gd name="connsiteY8" fmla="*/ 203200 h 203200"/>
+                    <a:gd name="connsiteX9" fmla="*/ 0 w 231775"/>
+                    <a:gd name="connsiteY9" fmla="*/ 146050 h 203200"/>
+                    <a:gd name="connsiteX0" fmla="*/ 0 w 231775"/>
+                    <a:gd name="connsiteY0" fmla="*/ 146050 h 203200"/>
+                    <a:gd name="connsiteX1" fmla="*/ 76200 w 231775"/>
+                    <a:gd name="connsiteY1" fmla="*/ 161925 h 203200"/>
+                    <a:gd name="connsiteX2" fmla="*/ 143428 w 231775"/>
+                    <a:gd name="connsiteY2" fmla="*/ 153507 h 203200"/>
+                    <a:gd name="connsiteX3" fmla="*/ 184150 w 231775"/>
+                    <a:gd name="connsiteY3" fmla="*/ 98425 h 203200"/>
+                    <a:gd name="connsiteX4" fmla="*/ 193675 w 231775"/>
+                    <a:gd name="connsiteY4" fmla="*/ 76200 h 203200"/>
+                    <a:gd name="connsiteX5" fmla="*/ 222250 w 231775"/>
+                    <a:gd name="connsiteY5" fmla="*/ 0 h 203200"/>
+                    <a:gd name="connsiteX6" fmla="*/ 231775 w 231775"/>
+                    <a:gd name="connsiteY6" fmla="*/ 113137 h 203200"/>
+                    <a:gd name="connsiteX7" fmla="*/ 168275 w 231775"/>
+                    <a:gd name="connsiteY7" fmla="*/ 193675 h 203200"/>
+                    <a:gd name="connsiteX8" fmla="*/ 63500 w 231775"/>
+                    <a:gd name="connsiteY8" fmla="*/ 203200 h 203200"/>
+                    <a:gd name="connsiteX9" fmla="*/ 0 w 231775"/>
+                    <a:gd name="connsiteY9" fmla="*/ 146050 h 203200"/>
+                  </a:gdLst>
+                  <a:ahLst/>
+                  <a:cxnLst>
+                    <a:cxn ang="0">
+                      <a:pos x="connsiteX0" y="connsiteY0"/>
+                    </a:cxn>
+                    <a:cxn ang="0">
+                      <a:pos x="connsiteX1" y="connsiteY1"/>
+                    </a:cxn>
+                    <a:cxn ang="0">
+                      <a:pos x="connsiteX2" y="connsiteY2"/>
+                    </a:cxn>
+                    <a:cxn ang="0">
+                      <a:pos x="connsiteX3" y="connsiteY3"/>
+                    </a:cxn>
+                    <a:cxn ang="0">
+                      <a:pos x="connsiteX4" y="connsiteY4"/>
+                    </a:cxn>
+                    <a:cxn ang="0">
+                      <a:pos x="connsiteX5" y="connsiteY5"/>
+                    </a:cxn>
+                    <a:cxn ang="0">
+                      <a:pos x="connsiteX6" y="connsiteY6"/>
+                    </a:cxn>
+                    <a:cxn ang="0">
+                      <a:pos x="connsiteX7" y="connsiteY7"/>
+                    </a:cxn>
+                    <a:cxn ang="0">
+                      <a:pos x="connsiteX8" y="connsiteY8"/>
+                    </a:cxn>
+                    <a:cxn ang="0">
+                      <a:pos x="connsiteX9" y="connsiteY9"/>
+                    </a:cxn>
+                  </a:cxnLst>
+                  <a:rect l="l" t="t" r="r" b="b"/>
+                  <a:pathLst>
+                    <a:path w="231775" h="203200">
+                      <a:moveTo>
+                        <a:pt x="0" y="146050"/>
+                      </a:moveTo>
+                      <a:lnTo>
+                        <a:pt x="76200" y="161925"/>
+                      </a:lnTo>
+                      <a:lnTo>
+                        <a:pt x="143428" y="153507"/>
+                      </a:lnTo>
+                      <a:lnTo>
+                        <a:pt x="184150" y="98425"/>
+                      </a:lnTo>
+                      <a:lnTo>
+                        <a:pt x="193675" y="76200"/>
+                      </a:lnTo>
+                      <a:lnTo>
+                        <a:pt x="222250" y="0"/>
+                      </a:lnTo>
+                      <a:lnTo>
+                        <a:pt x="231775" y="113137"/>
+                      </a:lnTo>
+                      <a:lnTo>
+                        <a:pt x="168275" y="193675"/>
+                      </a:lnTo>
+                      <a:lnTo>
+                        <a:pt x="63500" y="203200"/>
+                      </a:lnTo>
+                      <a:lnTo>
+                        <a:pt x="0" y="146050"/>
+                      </a:lnTo>
+                      <a:close/>
+                    </a:path>
+                  </a:pathLst>
+                </a:custGeom>
+              </p:spPr>
+              <p:style>
+                <a:lnRef idx="2">
+                  <a:schemeClr val="dk1">
+                    <a:shade val="50000"/>
+                  </a:schemeClr>
+                </a:lnRef>
+                <a:fillRef idx="1">
+                  <a:schemeClr val="dk1"/>
+                </a:fillRef>
+                <a:effectRef idx="0">
+                  <a:schemeClr val="dk1"/>
+                </a:effectRef>
+                <a:fontRef idx="minor">
+                  <a:schemeClr val="lt1"/>
+                </a:fontRef>
+              </p:style>
+              <p:txBody>
+                <a:bodyPr rtlCol="0" anchor="ctr"/>
+                <a:lstStyle/>
+                <a:p>
+                  <a:pPr algn="ctr"/>
+                  <a:endParaRPr kumimoji="1" lang="ja-JP" altLang="en-US"/>
+                </a:p>
+              </p:txBody>
+            </p:sp>
+          </p:grpSp>
+          <p:sp>
+            <p:nvSpPr>
+              <p:cNvPr id="15" name="フリーフォーム: 図形 14">
+                <a:extLst>
+                  <a:ext uri="{FF2B5EF4-FFF2-40B4-BE49-F238E27FC236}">
+                    <a16:creationId xmlns:a16="http://schemas.microsoft.com/office/drawing/2014/main" id="{E97AD130-E463-497F-B74D-93DC17DF0B5D}"/>
+                  </a:ext>
+                </a:extLst>
+              </p:cNvPr>
+              <p:cNvSpPr/>
+              <p:nvPr/>
+            </p:nvSpPr>
+            <p:spPr>
+              <a:xfrm rot="577827">
+                <a:off x="1169372" y="1601105"/>
+                <a:ext cx="650217" cy="1067871"/>
+              </a:xfrm>
+              <a:custGeom>
+                <a:avLst/>
+                <a:gdLst>
+                  <a:gd name="connsiteX0" fmla="*/ 0 w 509587"/>
+                  <a:gd name="connsiteY0" fmla="*/ 766762 h 766762"/>
+                  <a:gd name="connsiteX1" fmla="*/ 33337 w 509587"/>
+                  <a:gd name="connsiteY1" fmla="*/ 247650 h 766762"/>
+                  <a:gd name="connsiteX2" fmla="*/ 104775 w 509587"/>
+                  <a:gd name="connsiteY2" fmla="*/ 171450 h 766762"/>
+                  <a:gd name="connsiteX3" fmla="*/ 342900 w 509587"/>
+                  <a:gd name="connsiteY3" fmla="*/ 371475 h 766762"/>
+                  <a:gd name="connsiteX4" fmla="*/ 409575 w 509587"/>
+                  <a:gd name="connsiteY4" fmla="*/ 0 h 766762"/>
+                  <a:gd name="connsiteX5" fmla="*/ 419100 w 509587"/>
+                  <a:gd name="connsiteY5" fmla="*/ 104775 h 766762"/>
+                  <a:gd name="connsiteX6" fmla="*/ 452437 w 509587"/>
+                  <a:gd name="connsiteY6" fmla="*/ 42862 h 766762"/>
+                  <a:gd name="connsiteX7" fmla="*/ 461962 w 509587"/>
+                  <a:gd name="connsiteY7" fmla="*/ 119062 h 766762"/>
+                  <a:gd name="connsiteX8" fmla="*/ 509587 w 509587"/>
+                  <a:gd name="connsiteY8" fmla="*/ 47625 h 766762"/>
+                  <a:gd name="connsiteX9" fmla="*/ 485775 w 509587"/>
+                  <a:gd name="connsiteY9" fmla="*/ 714375 h 766762"/>
+                  <a:gd name="connsiteX10" fmla="*/ 176212 w 509587"/>
+                  <a:gd name="connsiteY10" fmla="*/ 428625 h 766762"/>
+                  <a:gd name="connsiteX11" fmla="*/ 0 w 509587"/>
+                  <a:gd name="connsiteY11" fmla="*/ 766762 h 766762"/>
+                  <a:gd name="connsiteX0" fmla="*/ 0 w 512927"/>
+                  <a:gd name="connsiteY0" fmla="*/ 676745 h 714375"/>
+                  <a:gd name="connsiteX1" fmla="*/ 36677 w 512927"/>
+                  <a:gd name="connsiteY1" fmla="*/ 247650 h 714375"/>
+                  <a:gd name="connsiteX2" fmla="*/ 108115 w 512927"/>
+                  <a:gd name="connsiteY2" fmla="*/ 171450 h 714375"/>
+                  <a:gd name="connsiteX3" fmla="*/ 346240 w 512927"/>
+                  <a:gd name="connsiteY3" fmla="*/ 371475 h 714375"/>
+                  <a:gd name="connsiteX4" fmla="*/ 412915 w 512927"/>
+                  <a:gd name="connsiteY4" fmla="*/ 0 h 714375"/>
+                  <a:gd name="connsiteX5" fmla="*/ 422440 w 512927"/>
+                  <a:gd name="connsiteY5" fmla="*/ 104775 h 714375"/>
+                  <a:gd name="connsiteX6" fmla="*/ 455777 w 512927"/>
+                  <a:gd name="connsiteY6" fmla="*/ 42862 h 714375"/>
+                  <a:gd name="connsiteX7" fmla="*/ 465302 w 512927"/>
+                  <a:gd name="connsiteY7" fmla="*/ 119062 h 714375"/>
+                  <a:gd name="connsiteX8" fmla="*/ 512927 w 512927"/>
+                  <a:gd name="connsiteY8" fmla="*/ 47625 h 714375"/>
+                  <a:gd name="connsiteX9" fmla="*/ 489115 w 512927"/>
+                  <a:gd name="connsiteY9" fmla="*/ 714375 h 714375"/>
+                  <a:gd name="connsiteX10" fmla="*/ 179552 w 512927"/>
+                  <a:gd name="connsiteY10" fmla="*/ 428625 h 714375"/>
+                  <a:gd name="connsiteX11" fmla="*/ 0 w 512927"/>
+                  <a:gd name="connsiteY11" fmla="*/ 676745 h 714375"/>
+                  <a:gd name="connsiteX0" fmla="*/ 0 w 512927"/>
+                  <a:gd name="connsiteY0" fmla="*/ 676745 h 881677"/>
+                  <a:gd name="connsiteX1" fmla="*/ 36677 w 512927"/>
+                  <a:gd name="connsiteY1" fmla="*/ 247650 h 881677"/>
+                  <a:gd name="connsiteX2" fmla="*/ 108115 w 512927"/>
+                  <a:gd name="connsiteY2" fmla="*/ 171450 h 881677"/>
+                  <a:gd name="connsiteX3" fmla="*/ 346240 w 512927"/>
+                  <a:gd name="connsiteY3" fmla="*/ 371475 h 881677"/>
+                  <a:gd name="connsiteX4" fmla="*/ 412915 w 512927"/>
+                  <a:gd name="connsiteY4" fmla="*/ 0 h 881677"/>
+                  <a:gd name="connsiteX5" fmla="*/ 422440 w 512927"/>
+                  <a:gd name="connsiteY5" fmla="*/ 104775 h 881677"/>
+                  <a:gd name="connsiteX6" fmla="*/ 455777 w 512927"/>
+                  <a:gd name="connsiteY6" fmla="*/ 42862 h 881677"/>
+                  <a:gd name="connsiteX7" fmla="*/ 465302 w 512927"/>
+                  <a:gd name="connsiteY7" fmla="*/ 119062 h 881677"/>
+                  <a:gd name="connsiteX8" fmla="*/ 512927 w 512927"/>
+                  <a:gd name="connsiteY8" fmla="*/ 47625 h 881677"/>
+                  <a:gd name="connsiteX9" fmla="*/ 459705 w 512927"/>
+                  <a:gd name="connsiteY9" fmla="*/ 881677 h 881677"/>
+                  <a:gd name="connsiteX10" fmla="*/ 179552 w 512927"/>
+                  <a:gd name="connsiteY10" fmla="*/ 428625 h 881677"/>
+                  <a:gd name="connsiteX11" fmla="*/ 0 w 512927"/>
+                  <a:gd name="connsiteY11" fmla="*/ 676745 h 881677"/>
+                  <a:gd name="connsiteX0" fmla="*/ 0 w 512927"/>
+                  <a:gd name="connsiteY0" fmla="*/ 676745 h 881677"/>
+                  <a:gd name="connsiteX1" fmla="*/ 36677 w 512927"/>
+                  <a:gd name="connsiteY1" fmla="*/ 247650 h 881677"/>
+                  <a:gd name="connsiteX2" fmla="*/ 108115 w 512927"/>
+                  <a:gd name="connsiteY2" fmla="*/ 171450 h 881677"/>
+                  <a:gd name="connsiteX3" fmla="*/ 348829 w 512927"/>
+                  <a:gd name="connsiteY3" fmla="*/ 429421 h 881677"/>
+                  <a:gd name="connsiteX4" fmla="*/ 412915 w 512927"/>
+                  <a:gd name="connsiteY4" fmla="*/ 0 h 881677"/>
+                  <a:gd name="connsiteX5" fmla="*/ 422440 w 512927"/>
+                  <a:gd name="connsiteY5" fmla="*/ 104775 h 881677"/>
+                  <a:gd name="connsiteX6" fmla="*/ 455777 w 512927"/>
+                  <a:gd name="connsiteY6" fmla="*/ 42862 h 881677"/>
+                  <a:gd name="connsiteX7" fmla="*/ 465302 w 512927"/>
+                  <a:gd name="connsiteY7" fmla="*/ 119062 h 881677"/>
+                  <a:gd name="connsiteX8" fmla="*/ 512927 w 512927"/>
+                  <a:gd name="connsiteY8" fmla="*/ 47625 h 881677"/>
+                  <a:gd name="connsiteX9" fmla="*/ 459705 w 512927"/>
+                  <a:gd name="connsiteY9" fmla="*/ 881677 h 881677"/>
+                  <a:gd name="connsiteX10" fmla="*/ 179552 w 512927"/>
+                  <a:gd name="connsiteY10" fmla="*/ 428625 h 881677"/>
+                  <a:gd name="connsiteX11" fmla="*/ 0 w 512927"/>
+                  <a:gd name="connsiteY11" fmla="*/ 676745 h 881677"/>
+                  <a:gd name="connsiteX0" fmla="*/ 0 w 536844"/>
+                  <a:gd name="connsiteY0" fmla="*/ 676745 h 881677"/>
+                  <a:gd name="connsiteX1" fmla="*/ 36677 w 536844"/>
+                  <a:gd name="connsiteY1" fmla="*/ 247650 h 881677"/>
+                  <a:gd name="connsiteX2" fmla="*/ 108115 w 536844"/>
+                  <a:gd name="connsiteY2" fmla="*/ 171450 h 881677"/>
+                  <a:gd name="connsiteX3" fmla="*/ 348829 w 536844"/>
+                  <a:gd name="connsiteY3" fmla="*/ 429421 h 881677"/>
+                  <a:gd name="connsiteX4" fmla="*/ 412915 w 536844"/>
+                  <a:gd name="connsiteY4" fmla="*/ 0 h 881677"/>
+                  <a:gd name="connsiteX5" fmla="*/ 422440 w 536844"/>
+                  <a:gd name="connsiteY5" fmla="*/ 104775 h 881677"/>
+                  <a:gd name="connsiteX6" fmla="*/ 455777 w 536844"/>
+                  <a:gd name="connsiteY6" fmla="*/ 42862 h 881677"/>
+                  <a:gd name="connsiteX7" fmla="*/ 465302 w 536844"/>
+                  <a:gd name="connsiteY7" fmla="*/ 119062 h 881677"/>
+                  <a:gd name="connsiteX8" fmla="*/ 536844 w 536844"/>
+                  <a:gd name="connsiteY8" fmla="*/ 47837 h 881677"/>
+                  <a:gd name="connsiteX9" fmla="*/ 459705 w 536844"/>
+                  <a:gd name="connsiteY9" fmla="*/ 881677 h 881677"/>
+                  <a:gd name="connsiteX10" fmla="*/ 179552 w 536844"/>
+                  <a:gd name="connsiteY10" fmla="*/ 428625 h 881677"/>
+                  <a:gd name="connsiteX11" fmla="*/ 0 w 536844"/>
+                  <a:gd name="connsiteY11" fmla="*/ 676745 h 881677"/>
+                </a:gdLst>
+                <a:ahLst/>
+                <a:cxnLst>
+                  <a:cxn ang="0">
+                    <a:pos x="connsiteX0" y="connsiteY0"/>
+                  </a:cxn>
+                  <a:cxn ang="0">
+                    <a:pos x="connsiteX1" y="connsiteY1"/>
+                  </a:cxn>
+                  <a:cxn ang="0">
+                    <a:pos x="connsiteX2" y="connsiteY2"/>
+                  </a:cxn>
+                  <a:cxn ang="0">
+                    <a:pos x="connsiteX3" y="connsiteY3"/>
+                  </a:cxn>
+                  <a:cxn ang="0">
+                    <a:pos x="connsiteX4" y="connsiteY4"/>
+                  </a:cxn>
+                  <a:cxn ang="0">
+                    <a:pos x="connsiteX5" y="connsiteY5"/>
+                  </a:cxn>
+                  <a:cxn ang="0">
+                    <a:pos x="connsiteX6" y="connsiteY6"/>
+                  </a:cxn>
+                  <a:cxn ang="0">
+                    <a:pos x="connsiteX7" y="connsiteY7"/>
+                  </a:cxn>
+                  <a:cxn ang="0">
+                    <a:pos x="connsiteX8" y="connsiteY8"/>
+                  </a:cxn>
+                  <a:cxn ang="0">
+                    <a:pos x="connsiteX9" y="connsiteY9"/>
+                  </a:cxn>
+                  <a:cxn ang="0">
+                    <a:pos x="connsiteX10" y="connsiteY10"/>
+                  </a:cxn>
+                  <a:cxn ang="0">
+                    <a:pos x="connsiteX11" y="connsiteY11"/>
+                  </a:cxn>
+                </a:cxnLst>
+                <a:rect l="l" t="t" r="r" b="b"/>
+                <a:pathLst>
+                  <a:path w="536844" h="881677">
+                    <a:moveTo>
+                      <a:pt x="0" y="676745"/>
+                    </a:moveTo>
+                    <a:lnTo>
+                      <a:pt x="36677" y="247650"/>
+                    </a:lnTo>
+                    <a:lnTo>
+                      <a:pt x="108115" y="171450"/>
+                    </a:lnTo>
+                    <a:lnTo>
+                      <a:pt x="348829" y="429421"/>
+                    </a:lnTo>
+                    <a:lnTo>
+                      <a:pt x="412915" y="0"/>
+                    </a:lnTo>
+                    <a:lnTo>
+                      <a:pt x="422440" y="104775"/>
+                    </a:lnTo>
+                    <a:lnTo>
+                      <a:pt x="455777" y="42862"/>
+                    </a:lnTo>
+                    <a:lnTo>
+                      <a:pt x="465302" y="119062"/>
+                    </a:lnTo>
+                    <a:lnTo>
+                      <a:pt x="536844" y="47837"/>
+                    </a:lnTo>
+                    <a:lnTo>
+                      <a:pt x="459705" y="881677"/>
+                    </a:lnTo>
+                    <a:lnTo>
+                      <a:pt x="179552" y="428625"/>
+                    </a:lnTo>
+                    <a:lnTo>
+                      <a:pt x="0" y="676745"/>
+                    </a:lnTo>
+                    <a:close/>
+                  </a:path>
+                </a:pathLst>
+              </a:custGeom>
+              <a:solidFill>
+                <a:srgbClr val="0297DE"/>
+              </a:solidFill>
+              <a:ln>
+                <a:noFill/>
+              </a:ln>
+            </p:spPr>
+            <p:style>
+              <a:lnRef idx="2">
+                <a:schemeClr val="accent1">
+                  <a:shade val="50000"/>
+                </a:schemeClr>
+              </a:lnRef>
+              <a:fillRef idx="1">
+                <a:schemeClr val="accent1"/>
+              </a:fillRef>
+              <a:effectRef idx="0">
+                <a:schemeClr val="accent1"/>
+              </a:effectRef>
+              <a:fontRef idx="minor">
+                <a:schemeClr val="lt1"/>
+              </a:fontRef>
+            </p:style>
+            <p:txBody>
+              <a:bodyPr rot="0" spcFirstLastPara="0" vertOverflow="overflow" horzOverflow="overflow" vert="horz" wrap="square" lIns="91440" tIns="45720" rIns="91440" bIns="45720" numCol="1" spcCol="0" rtlCol="0" fromWordArt="0" anchor="ctr" anchorCtr="0" forceAA="0" compatLnSpc="1">
+                <a:prstTxWarp prst="textNoShape">
+                  <a:avLst/>
+                </a:prstTxWarp>
+                <a:noAutofit/>
+              </a:bodyPr>
+              <a:lstStyle/>
+              <a:p>
+                <a:pPr algn="ctr"/>
+                <a:endParaRPr lang="ja-JP" altLang="en-US"/>
+              </a:p>
+            </p:txBody>
+          </p:sp>
+          <p:grpSp>
+            <p:nvGrpSpPr>
+              <p:cNvPr id="20" name="グループ化 19">
+                <a:extLst>
+                  <a:ext uri="{FF2B5EF4-FFF2-40B4-BE49-F238E27FC236}">
+                    <a16:creationId xmlns:a16="http://schemas.microsoft.com/office/drawing/2014/main" id="{237C6E9C-6A5E-42BC-A274-5FD1C49301A9}"/>
+                  </a:ext>
+                </a:extLst>
+              </p:cNvPr>
+              <p:cNvGrpSpPr/>
+              <p:nvPr/>
+            </p:nvGrpSpPr>
+            <p:grpSpPr>
+              <a:xfrm>
+                <a:off x="1924969" y="1560558"/>
+                <a:ext cx="824495" cy="983973"/>
+                <a:chOff x="3003861" y="4638546"/>
+                <a:chExt cx="680734" cy="812408"/>
+              </a:xfrm>
+            </p:grpSpPr>
+            <p:sp>
+              <p:nvSpPr>
+                <p:cNvPr id="16" name="フリーフォーム: 図形 15">
+                  <a:extLst>
+                    <a:ext uri="{FF2B5EF4-FFF2-40B4-BE49-F238E27FC236}">
+                      <a16:creationId xmlns:a16="http://schemas.microsoft.com/office/drawing/2014/main" id="{3D0EC6DF-E9EB-4F2C-9422-61EE1162DE56}"/>
+                    </a:ext>
+                  </a:extLst>
+                </p:cNvPr>
+                <p:cNvSpPr/>
+                <p:nvPr/>
+              </p:nvSpPr>
+              <p:spPr>
+                <a:xfrm>
+                  <a:off x="3003861" y="4638546"/>
+                  <a:ext cx="680734" cy="812408"/>
+                </a:xfrm>
+                <a:custGeom>
+                  <a:avLst/>
+                  <a:gdLst>
+                    <a:gd name="connsiteX0" fmla="*/ 276225 w 600075"/>
+                    <a:gd name="connsiteY0" fmla="*/ 0 h 652463"/>
+                    <a:gd name="connsiteX1" fmla="*/ 9525 w 600075"/>
+                    <a:gd name="connsiteY1" fmla="*/ 328613 h 652463"/>
+                    <a:gd name="connsiteX2" fmla="*/ 0 w 600075"/>
+                    <a:gd name="connsiteY2" fmla="*/ 576263 h 652463"/>
+                    <a:gd name="connsiteX3" fmla="*/ 85725 w 600075"/>
+                    <a:gd name="connsiteY3" fmla="*/ 652463 h 652463"/>
+                    <a:gd name="connsiteX4" fmla="*/ 271462 w 600075"/>
+                    <a:gd name="connsiteY4" fmla="*/ 628650 h 652463"/>
+                    <a:gd name="connsiteX5" fmla="*/ 581025 w 600075"/>
+                    <a:gd name="connsiteY5" fmla="*/ 342900 h 652463"/>
+                    <a:gd name="connsiteX6" fmla="*/ 600075 w 600075"/>
+                    <a:gd name="connsiteY6" fmla="*/ 19050 h 652463"/>
+                    <a:gd name="connsiteX7" fmla="*/ 276225 w 600075"/>
+                    <a:gd name="connsiteY7" fmla="*/ 0 h 652463"/>
+                    <a:gd name="connsiteX0" fmla="*/ 276225 w 600075"/>
+                    <a:gd name="connsiteY0" fmla="*/ 0 h 652463"/>
+                    <a:gd name="connsiteX1" fmla="*/ 9525 w 600075"/>
+                    <a:gd name="connsiteY1" fmla="*/ 328613 h 652463"/>
+                    <a:gd name="connsiteX2" fmla="*/ 0 w 600075"/>
+                    <a:gd name="connsiteY2" fmla="*/ 576263 h 652463"/>
+                    <a:gd name="connsiteX3" fmla="*/ 85725 w 600075"/>
+                    <a:gd name="connsiteY3" fmla="*/ 652463 h 652463"/>
+                    <a:gd name="connsiteX4" fmla="*/ 271462 w 600075"/>
+                    <a:gd name="connsiteY4" fmla="*/ 628650 h 652463"/>
+                    <a:gd name="connsiteX5" fmla="*/ 439293 w 600075"/>
+                    <a:gd name="connsiteY5" fmla="*/ 471199 h 652463"/>
+                    <a:gd name="connsiteX6" fmla="*/ 581025 w 600075"/>
+                    <a:gd name="connsiteY6" fmla="*/ 342900 h 652463"/>
+                    <a:gd name="connsiteX7" fmla="*/ 600075 w 600075"/>
+                    <a:gd name="connsiteY7" fmla="*/ 19050 h 652463"/>
+                    <a:gd name="connsiteX8" fmla="*/ 276225 w 600075"/>
+                    <a:gd name="connsiteY8" fmla="*/ 0 h 652463"/>
+                    <a:gd name="connsiteX0" fmla="*/ 276225 w 600075"/>
+                    <a:gd name="connsiteY0" fmla="*/ 0 h 652463"/>
+                    <a:gd name="connsiteX1" fmla="*/ 9525 w 600075"/>
+                    <a:gd name="connsiteY1" fmla="*/ 328613 h 652463"/>
+                    <a:gd name="connsiteX2" fmla="*/ 0 w 600075"/>
+                    <a:gd name="connsiteY2" fmla="*/ 576263 h 652463"/>
+                    <a:gd name="connsiteX3" fmla="*/ 85725 w 600075"/>
+                    <a:gd name="connsiteY3" fmla="*/ 652463 h 652463"/>
+                    <a:gd name="connsiteX4" fmla="*/ 271462 w 600075"/>
+                    <a:gd name="connsiteY4" fmla="*/ 628650 h 652463"/>
+                    <a:gd name="connsiteX5" fmla="*/ 399553 w 600075"/>
+                    <a:gd name="connsiteY5" fmla="*/ 465522 h 652463"/>
+                    <a:gd name="connsiteX6" fmla="*/ 581025 w 600075"/>
+                    <a:gd name="connsiteY6" fmla="*/ 342900 h 652463"/>
+                    <a:gd name="connsiteX7" fmla="*/ 600075 w 600075"/>
+                    <a:gd name="connsiteY7" fmla="*/ 19050 h 652463"/>
+                    <a:gd name="connsiteX8" fmla="*/ 276225 w 600075"/>
+                    <a:gd name="connsiteY8" fmla="*/ 0 h 652463"/>
+                    <a:gd name="connsiteX0" fmla="*/ 276225 w 600075"/>
+                    <a:gd name="connsiteY0" fmla="*/ 0 h 652463"/>
+                    <a:gd name="connsiteX1" fmla="*/ 9525 w 600075"/>
+                    <a:gd name="connsiteY1" fmla="*/ 328613 h 652463"/>
+                    <a:gd name="connsiteX2" fmla="*/ 0 w 600075"/>
+                    <a:gd name="connsiteY2" fmla="*/ 576263 h 652463"/>
+                    <a:gd name="connsiteX3" fmla="*/ 85725 w 600075"/>
+                    <a:gd name="connsiteY3" fmla="*/ 652463 h 652463"/>
+                    <a:gd name="connsiteX4" fmla="*/ 271462 w 600075"/>
+                    <a:gd name="connsiteY4" fmla="*/ 628650 h 652463"/>
+                    <a:gd name="connsiteX5" fmla="*/ 348460 w 600075"/>
+                    <a:gd name="connsiteY5" fmla="*/ 556356 h 652463"/>
+                    <a:gd name="connsiteX6" fmla="*/ 399553 w 600075"/>
+                    <a:gd name="connsiteY6" fmla="*/ 465522 h 652463"/>
+                    <a:gd name="connsiteX7" fmla="*/ 581025 w 600075"/>
+                    <a:gd name="connsiteY7" fmla="*/ 342900 h 652463"/>
+                    <a:gd name="connsiteX8" fmla="*/ 600075 w 600075"/>
+                    <a:gd name="connsiteY8" fmla="*/ 19050 h 652463"/>
+                    <a:gd name="connsiteX9" fmla="*/ 276225 w 600075"/>
+                    <a:gd name="connsiteY9" fmla="*/ 0 h 652463"/>
+                    <a:gd name="connsiteX0" fmla="*/ 276225 w 600075"/>
+                    <a:gd name="connsiteY0" fmla="*/ 0 h 652463"/>
+                    <a:gd name="connsiteX1" fmla="*/ 9525 w 600075"/>
+                    <a:gd name="connsiteY1" fmla="*/ 328613 h 652463"/>
+                    <a:gd name="connsiteX2" fmla="*/ 0 w 600075"/>
+                    <a:gd name="connsiteY2" fmla="*/ 576263 h 652463"/>
+                    <a:gd name="connsiteX3" fmla="*/ 85725 w 600075"/>
+                    <a:gd name="connsiteY3" fmla="*/ 652463 h 652463"/>
+                    <a:gd name="connsiteX4" fmla="*/ 271462 w 600075"/>
+                    <a:gd name="connsiteY4" fmla="*/ 628650 h 652463"/>
+                    <a:gd name="connsiteX5" fmla="*/ 348460 w 600075"/>
+                    <a:gd name="connsiteY5" fmla="*/ 556356 h 652463"/>
+                    <a:gd name="connsiteX6" fmla="*/ 399553 w 600075"/>
+                    <a:gd name="connsiteY6" fmla="*/ 465522 h 652463"/>
+                    <a:gd name="connsiteX7" fmla="*/ 501741 w 600075"/>
+                    <a:gd name="connsiteY7" fmla="*/ 442814 h 652463"/>
+                    <a:gd name="connsiteX8" fmla="*/ 581025 w 600075"/>
+                    <a:gd name="connsiteY8" fmla="*/ 342900 h 652463"/>
+                    <a:gd name="connsiteX9" fmla="*/ 600075 w 600075"/>
+                    <a:gd name="connsiteY9" fmla="*/ 19050 h 652463"/>
+                    <a:gd name="connsiteX10" fmla="*/ 276225 w 600075"/>
+                    <a:gd name="connsiteY10" fmla="*/ 0 h 652463"/>
+                    <a:gd name="connsiteX0" fmla="*/ 276225 w 600075"/>
+                    <a:gd name="connsiteY0" fmla="*/ 0 h 652463"/>
+                    <a:gd name="connsiteX1" fmla="*/ 9525 w 600075"/>
+                    <a:gd name="connsiteY1" fmla="*/ 328613 h 652463"/>
+                    <a:gd name="connsiteX2" fmla="*/ 0 w 600075"/>
+                    <a:gd name="connsiteY2" fmla="*/ 576263 h 652463"/>
+                    <a:gd name="connsiteX3" fmla="*/ 85725 w 600075"/>
+                    <a:gd name="connsiteY3" fmla="*/ 652463 h 652463"/>
+                    <a:gd name="connsiteX4" fmla="*/ 271462 w 600075"/>
+                    <a:gd name="connsiteY4" fmla="*/ 628650 h 652463"/>
+                    <a:gd name="connsiteX5" fmla="*/ 348460 w 600075"/>
+                    <a:gd name="connsiteY5" fmla="*/ 556356 h 652463"/>
+                    <a:gd name="connsiteX6" fmla="*/ 501741 w 600075"/>
+                    <a:gd name="connsiteY6" fmla="*/ 442814 h 652463"/>
+                    <a:gd name="connsiteX7" fmla="*/ 581025 w 600075"/>
+                    <a:gd name="connsiteY7" fmla="*/ 342900 h 652463"/>
+                    <a:gd name="connsiteX8" fmla="*/ 600075 w 600075"/>
+                    <a:gd name="connsiteY8" fmla="*/ 19050 h 652463"/>
+                    <a:gd name="connsiteX9" fmla="*/ 276225 w 600075"/>
+                    <a:gd name="connsiteY9" fmla="*/ 0 h 652463"/>
+                    <a:gd name="connsiteX0" fmla="*/ 276225 w 600075"/>
+                    <a:gd name="connsiteY0" fmla="*/ 0 h 652463"/>
+                    <a:gd name="connsiteX1" fmla="*/ 9525 w 600075"/>
+                    <a:gd name="connsiteY1" fmla="*/ 328613 h 652463"/>
+                    <a:gd name="connsiteX2" fmla="*/ 0 w 600075"/>
+                    <a:gd name="connsiteY2" fmla="*/ 576263 h 652463"/>
+                    <a:gd name="connsiteX3" fmla="*/ 85725 w 600075"/>
+                    <a:gd name="connsiteY3" fmla="*/ 652463 h 652463"/>
+                    <a:gd name="connsiteX4" fmla="*/ 271462 w 600075"/>
+                    <a:gd name="connsiteY4" fmla="*/ 628650 h 652463"/>
+                    <a:gd name="connsiteX5" fmla="*/ 348460 w 600075"/>
+                    <a:gd name="connsiteY5" fmla="*/ 556356 h 652463"/>
+                    <a:gd name="connsiteX6" fmla="*/ 438003 w 600075"/>
+                    <a:gd name="connsiteY6" fmla="*/ 493001 h 652463"/>
+                    <a:gd name="connsiteX7" fmla="*/ 501741 w 600075"/>
+                    <a:gd name="connsiteY7" fmla="*/ 442814 h 652463"/>
+                    <a:gd name="connsiteX8" fmla="*/ 581025 w 600075"/>
+                    <a:gd name="connsiteY8" fmla="*/ 342900 h 652463"/>
+                    <a:gd name="connsiteX9" fmla="*/ 600075 w 600075"/>
+                    <a:gd name="connsiteY9" fmla="*/ 19050 h 652463"/>
+                    <a:gd name="connsiteX10" fmla="*/ 276225 w 600075"/>
+                    <a:gd name="connsiteY10" fmla="*/ 0 h 652463"/>
+                    <a:gd name="connsiteX0" fmla="*/ 276225 w 600075"/>
+                    <a:gd name="connsiteY0" fmla="*/ 0 h 652463"/>
+                    <a:gd name="connsiteX1" fmla="*/ 9525 w 600075"/>
+                    <a:gd name="connsiteY1" fmla="*/ 328613 h 652463"/>
+                    <a:gd name="connsiteX2" fmla="*/ 0 w 600075"/>
+                    <a:gd name="connsiteY2" fmla="*/ 576263 h 652463"/>
+                    <a:gd name="connsiteX3" fmla="*/ 85725 w 600075"/>
+                    <a:gd name="connsiteY3" fmla="*/ 652463 h 652463"/>
+                    <a:gd name="connsiteX4" fmla="*/ 271462 w 600075"/>
+                    <a:gd name="connsiteY4" fmla="*/ 628650 h 652463"/>
+                    <a:gd name="connsiteX5" fmla="*/ 348460 w 600075"/>
+                    <a:gd name="connsiteY5" fmla="*/ 556356 h 652463"/>
+                    <a:gd name="connsiteX6" fmla="*/ 414349 w 600075"/>
+                    <a:gd name="connsiteY6" fmla="*/ 462250 h 652463"/>
+                    <a:gd name="connsiteX7" fmla="*/ 501741 w 600075"/>
+                    <a:gd name="connsiteY7" fmla="*/ 442814 h 652463"/>
+                    <a:gd name="connsiteX8" fmla="*/ 581025 w 600075"/>
+                    <a:gd name="connsiteY8" fmla="*/ 342900 h 652463"/>
+                    <a:gd name="connsiteX9" fmla="*/ 600075 w 600075"/>
+                    <a:gd name="connsiteY9" fmla="*/ 19050 h 652463"/>
+                    <a:gd name="connsiteX10" fmla="*/ 276225 w 600075"/>
+                    <a:gd name="connsiteY10" fmla="*/ 0 h 652463"/>
+                    <a:gd name="connsiteX0" fmla="*/ 276225 w 600075"/>
+                    <a:gd name="connsiteY0" fmla="*/ 0 h 652463"/>
+                    <a:gd name="connsiteX1" fmla="*/ 9525 w 600075"/>
+                    <a:gd name="connsiteY1" fmla="*/ 328613 h 652463"/>
+                    <a:gd name="connsiteX2" fmla="*/ 0 w 600075"/>
+                    <a:gd name="connsiteY2" fmla="*/ 576263 h 652463"/>
+                    <a:gd name="connsiteX3" fmla="*/ 85725 w 600075"/>
+                    <a:gd name="connsiteY3" fmla="*/ 652463 h 652463"/>
+                    <a:gd name="connsiteX4" fmla="*/ 271462 w 600075"/>
+                    <a:gd name="connsiteY4" fmla="*/ 628650 h 652463"/>
+                    <a:gd name="connsiteX5" fmla="*/ 414349 w 600075"/>
+                    <a:gd name="connsiteY5" fmla="*/ 462250 h 652463"/>
+                    <a:gd name="connsiteX6" fmla="*/ 501741 w 600075"/>
+                    <a:gd name="connsiteY6" fmla="*/ 442814 h 652463"/>
+                    <a:gd name="connsiteX7" fmla="*/ 581025 w 600075"/>
+                    <a:gd name="connsiteY7" fmla="*/ 342900 h 652463"/>
+                    <a:gd name="connsiteX8" fmla="*/ 600075 w 600075"/>
+                    <a:gd name="connsiteY8" fmla="*/ 19050 h 652463"/>
+                    <a:gd name="connsiteX9" fmla="*/ 276225 w 600075"/>
+                    <a:gd name="connsiteY9" fmla="*/ 0 h 652463"/>
+                    <a:gd name="connsiteX0" fmla="*/ 276225 w 600075"/>
+                    <a:gd name="connsiteY0" fmla="*/ 0 h 652463"/>
+                    <a:gd name="connsiteX1" fmla="*/ 9525 w 600075"/>
+                    <a:gd name="connsiteY1" fmla="*/ 328613 h 652463"/>
+                    <a:gd name="connsiteX2" fmla="*/ 0 w 600075"/>
+                    <a:gd name="connsiteY2" fmla="*/ 576263 h 652463"/>
+                    <a:gd name="connsiteX3" fmla="*/ 85725 w 600075"/>
+                    <a:gd name="connsiteY3" fmla="*/ 652463 h 652463"/>
+                    <a:gd name="connsiteX4" fmla="*/ 414349 w 600075"/>
+                    <a:gd name="connsiteY4" fmla="*/ 462250 h 652463"/>
+                    <a:gd name="connsiteX5" fmla="*/ 501741 w 600075"/>
+                    <a:gd name="connsiteY5" fmla="*/ 442814 h 652463"/>
+                    <a:gd name="connsiteX6" fmla="*/ 581025 w 600075"/>
+                    <a:gd name="connsiteY6" fmla="*/ 342900 h 652463"/>
+                    <a:gd name="connsiteX7" fmla="*/ 600075 w 600075"/>
+                    <a:gd name="connsiteY7" fmla="*/ 19050 h 652463"/>
+                    <a:gd name="connsiteX8" fmla="*/ 276225 w 600075"/>
+                    <a:gd name="connsiteY8" fmla="*/ 0 h 652463"/>
+                    <a:gd name="connsiteX0" fmla="*/ 276225 w 600075"/>
+                    <a:gd name="connsiteY0" fmla="*/ 0 h 652463"/>
+                    <a:gd name="connsiteX1" fmla="*/ 9525 w 600075"/>
+                    <a:gd name="connsiteY1" fmla="*/ 328613 h 652463"/>
+                    <a:gd name="connsiteX2" fmla="*/ 0 w 600075"/>
+                    <a:gd name="connsiteY2" fmla="*/ 576263 h 652463"/>
+                    <a:gd name="connsiteX3" fmla="*/ 85725 w 600075"/>
+                    <a:gd name="connsiteY3" fmla="*/ 652463 h 652463"/>
+                    <a:gd name="connsiteX4" fmla="*/ 246401 w 600075"/>
+                    <a:gd name="connsiteY4" fmla="*/ 559234 h 652463"/>
+                    <a:gd name="connsiteX5" fmla="*/ 414349 w 600075"/>
+                    <a:gd name="connsiteY5" fmla="*/ 462250 h 652463"/>
+                    <a:gd name="connsiteX6" fmla="*/ 501741 w 600075"/>
+                    <a:gd name="connsiteY6" fmla="*/ 442814 h 652463"/>
+                    <a:gd name="connsiteX7" fmla="*/ 581025 w 600075"/>
+                    <a:gd name="connsiteY7" fmla="*/ 342900 h 652463"/>
+                    <a:gd name="connsiteX8" fmla="*/ 600075 w 600075"/>
+                    <a:gd name="connsiteY8" fmla="*/ 19050 h 652463"/>
+                    <a:gd name="connsiteX9" fmla="*/ 276225 w 600075"/>
+                    <a:gd name="connsiteY9" fmla="*/ 0 h 652463"/>
+                    <a:gd name="connsiteX0" fmla="*/ 276225 w 600075"/>
+                    <a:gd name="connsiteY0" fmla="*/ 0 h 652463"/>
+                    <a:gd name="connsiteX1" fmla="*/ 9525 w 600075"/>
+                    <a:gd name="connsiteY1" fmla="*/ 328613 h 652463"/>
+                    <a:gd name="connsiteX2" fmla="*/ 0 w 600075"/>
+                    <a:gd name="connsiteY2" fmla="*/ 576263 h 652463"/>
+                    <a:gd name="connsiteX3" fmla="*/ 85725 w 600075"/>
+                    <a:gd name="connsiteY3" fmla="*/ 652463 h 652463"/>
+                    <a:gd name="connsiteX4" fmla="*/ 296076 w 600075"/>
+                    <a:gd name="connsiteY4" fmla="*/ 594716 h 652463"/>
+                    <a:gd name="connsiteX5" fmla="*/ 414349 w 600075"/>
+                    <a:gd name="connsiteY5" fmla="*/ 462250 h 652463"/>
+                    <a:gd name="connsiteX6" fmla="*/ 501741 w 600075"/>
+                    <a:gd name="connsiteY6" fmla="*/ 442814 h 652463"/>
+                    <a:gd name="connsiteX7" fmla="*/ 581025 w 600075"/>
+                    <a:gd name="connsiteY7" fmla="*/ 342900 h 652463"/>
+                    <a:gd name="connsiteX8" fmla="*/ 600075 w 600075"/>
+                    <a:gd name="connsiteY8" fmla="*/ 19050 h 652463"/>
+                    <a:gd name="connsiteX9" fmla="*/ 276225 w 600075"/>
+                    <a:gd name="connsiteY9" fmla="*/ 0 h 652463"/>
+                    <a:gd name="connsiteX0" fmla="*/ 276225 w 600075"/>
+                    <a:gd name="connsiteY0" fmla="*/ 0 h 652463"/>
+                    <a:gd name="connsiteX1" fmla="*/ 9525 w 600075"/>
+                    <a:gd name="connsiteY1" fmla="*/ 328613 h 652463"/>
+                    <a:gd name="connsiteX2" fmla="*/ 0 w 600075"/>
+                    <a:gd name="connsiteY2" fmla="*/ 576263 h 652463"/>
+                    <a:gd name="connsiteX3" fmla="*/ 85725 w 600075"/>
+                    <a:gd name="connsiteY3" fmla="*/ 652463 h 652463"/>
+                    <a:gd name="connsiteX4" fmla="*/ 296076 w 600075"/>
+                    <a:gd name="connsiteY4" fmla="*/ 627832 h 652463"/>
+                    <a:gd name="connsiteX5" fmla="*/ 414349 w 600075"/>
+                    <a:gd name="connsiteY5" fmla="*/ 462250 h 652463"/>
+                    <a:gd name="connsiteX6" fmla="*/ 501741 w 600075"/>
+                    <a:gd name="connsiteY6" fmla="*/ 442814 h 652463"/>
+                    <a:gd name="connsiteX7" fmla="*/ 581025 w 600075"/>
+                    <a:gd name="connsiteY7" fmla="*/ 342900 h 652463"/>
+                    <a:gd name="connsiteX8" fmla="*/ 600075 w 600075"/>
+                    <a:gd name="connsiteY8" fmla="*/ 19050 h 652463"/>
+                    <a:gd name="connsiteX9" fmla="*/ 276225 w 600075"/>
+                    <a:gd name="connsiteY9" fmla="*/ 0 h 652463"/>
+                    <a:gd name="connsiteX0" fmla="*/ 276225 w 600075"/>
+                    <a:gd name="connsiteY0" fmla="*/ 0 h 652463"/>
+                    <a:gd name="connsiteX1" fmla="*/ 9525 w 600075"/>
+                    <a:gd name="connsiteY1" fmla="*/ 328613 h 652463"/>
+                    <a:gd name="connsiteX2" fmla="*/ 0 w 600075"/>
+                    <a:gd name="connsiteY2" fmla="*/ 576263 h 652463"/>
+                    <a:gd name="connsiteX3" fmla="*/ 85725 w 600075"/>
+                    <a:gd name="connsiteY3" fmla="*/ 652463 h 652463"/>
+                    <a:gd name="connsiteX4" fmla="*/ 296076 w 600075"/>
+                    <a:gd name="connsiteY4" fmla="*/ 627832 h 652463"/>
+                    <a:gd name="connsiteX5" fmla="*/ 359943 w 600075"/>
+                    <a:gd name="connsiteY5" fmla="*/ 542675 h 652463"/>
+                    <a:gd name="connsiteX6" fmla="*/ 414349 w 600075"/>
+                    <a:gd name="connsiteY6" fmla="*/ 462250 h 652463"/>
+                    <a:gd name="connsiteX7" fmla="*/ 501741 w 600075"/>
+                    <a:gd name="connsiteY7" fmla="*/ 442814 h 652463"/>
+                    <a:gd name="connsiteX8" fmla="*/ 581025 w 600075"/>
+                    <a:gd name="connsiteY8" fmla="*/ 342900 h 652463"/>
+                    <a:gd name="connsiteX9" fmla="*/ 600075 w 600075"/>
+                    <a:gd name="connsiteY9" fmla="*/ 19050 h 652463"/>
+                    <a:gd name="connsiteX10" fmla="*/ 276225 w 600075"/>
+                    <a:gd name="connsiteY10" fmla="*/ 0 h 652463"/>
+                    <a:gd name="connsiteX0" fmla="*/ 276225 w 600075"/>
+                    <a:gd name="connsiteY0" fmla="*/ 0 h 652463"/>
+                    <a:gd name="connsiteX1" fmla="*/ 9525 w 600075"/>
+                    <a:gd name="connsiteY1" fmla="*/ 328613 h 652463"/>
+                    <a:gd name="connsiteX2" fmla="*/ 0 w 600075"/>
+                    <a:gd name="connsiteY2" fmla="*/ 576263 h 652463"/>
+                    <a:gd name="connsiteX3" fmla="*/ 85725 w 600075"/>
+                    <a:gd name="connsiteY3" fmla="*/ 652463 h 652463"/>
+                    <a:gd name="connsiteX4" fmla="*/ 296076 w 600075"/>
+                    <a:gd name="connsiteY4" fmla="*/ 627832 h 652463"/>
+                    <a:gd name="connsiteX5" fmla="*/ 388329 w 600075"/>
+                    <a:gd name="connsiteY5" fmla="*/ 556868 h 652463"/>
+                    <a:gd name="connsiteX6" fmla="*/ 414349 w 600075"/>
+                    <a:gd name="connsiteY6" fmla="*/ 462250 h 652463"/>
+                    <a:gd name="connsiteX7" fmla="*/ 501741 w 600075"/>
+                    <a:gd name="connsiteY7" fmla="*/ 442814 h 652463"/>
+                    <a:gd name="connsiteX8" fmla="*/ 581025 w 600075"/>
+                    <a:gd name="connsiteY8" fmla="*/ 342900 h 652463"/>
+                    <a:gd name="connsiteX9" fmla="*/ 600075 w 600075"/>
+                    <a:gd name="connsiteY9" fmla="*/ 19050 h 652463"/>
+                    <a:gd name="connsiteX10" fmla="*/ 276225 w 600075"/>
+                    <a:gd name="connsiteY10" fmla="*/ 0 h 652463"/>
+                    <a:gd name="connsiteX0" fmla="*/ 276225 w 600075"/>
+                    <a:gd name="connsiteY0" fmla="*/ 0 h 652463"/>
+                    <a:gd name="connsiteX1" fmla="*/ 9525 w 600075"/>
+                    <a:gd name="connsiteY1" fmla="*/ 328613 h 652463"/>
+                    <a:gd name="connsiteX2" fmla="*/ 0 w 600075"/>
+                    <a:gd name="connsiteY2" fmla="*/ 576263 h 652463"/>
+                    <a:gd name="connsiteX3" fmla="*/ 85725 w 600075"/>
+                    <a:gd name="connsiteY3" fmla="*/ 652463 h 652463"/>
+                    <a:gd name="connsiteX4" fmla="*/ 296076 w 600075"/>
+                    <a:gd name="connsiteY4" fmla="*/ 627832 h 652463"/>
+                    <a:gd name="connsiteX5" fmla="*/ 388329 w 600075"/>
+                    <a:gd name="connsiteY5" fmla="*/ 556868 h 652463"/>
+                    <a:gd name="connsiteX6" fmla="*/ 400157 w 600075"/>
+                    <a:gd name="connsiteY6" fmla="*/ 445692 h 652463"/>
+                    <a:gd name="connsiteX7" fmla="*/ 501741 w 600075"/>
+                    <a:gd name="connsiteY7" fmla="*/ 442814 h 652463"/>
+                    <a:gd name="connsiteX8" fmla="*/ 581025 w 600075"/>
+                    <a:gd name="connsiteY8" fmla="*/ 342900 h 652463"/>
+                    <a:gd name="connsiteX9" fmla="*/ 600075 w 600075"/>
+                    <a:gd name="connsiteY9" fmla="*/ 19050 h 652463"/>
+                    <a:gd name="connsiteX10" fmla="*/ 276225 w 600075"/>
+                    <a:gd name="connsiteY10" fmla="*/ 0 h 652463"/>
+                    <a:gd name="connsiteX0" fmla="*/ 276225 w 600075"/>
+                    <a:gd name="connsiteY0" fmla="*/ 0 h 652463"/>
+                    <a:gd name="connsiteX1" fmla="*/ 9525 w 600075"/>
+                    <a:gd name="connsiteY1" fmla="*/ 328613 h 652463"/>
+                    <a:gd name="connsiteX2" fmla="*/ 0 w 600075"/>
+                    <a:gd name="connsiteY2" fmla="*/ 576263 h 652463"/>
+                    <a:gd name="connsiteX3" fmla="*/ 85725 w 600075"/>
+                    <a:gd name="connsiteY3" fmla="*/ 652463 h 652463"/>
+                    <a:gd name="connsiteX4" fmla="*/ 296076 w 600075"/>
+                    <a:gd name="connsiteY4" fmla="*/ 627832 h 652463"/>
+                    <a:gd name="connsiteX5" fmla="*/ 388329 w 600075"/>
+                    <a:gd name="connsiteY5" fmla="*/ 556868 h 652463"/>
+                    <a:gd name="connsiteX6" fmla="*/ 400157 w 600075"/>
+                    <a:gd name="connsiteY6" fmla="*/ 445692 h 652463"/>
+                    <a:gd name="connsiteX7" fmla="*/ 501741 w 600075"/>
+                    <a:gd name="connsiteY7" fmla="*/ 442814 h 652463"/>
+                    <a:gd name="connsiteX8" fmla="*/ 581025 w 600075"/>
+                    <a:gd name="connsiteY8" fmla="*/ 342900 h 652463"/>
+                    <a:gd name="connsiteX9" fmla="*/ 600075 w 600075"/>
+                    <a:gd name="connsiteY9" fmla="*/ 19050 h 652463"/>
+                    <a:gd name="connsiteX10" fmla="*/ 440369 w 600075"/>
+                    <a:gd name="connsiteY10" fmla="*/ 11631 h 652463"/>
+                    <a:gd name="connsiteX11" fmla="*/ 276225 w 600075"/>
+                    <a:gd name="connsiteY11" fmla="*/ 0 h 652463"/>
+                    <a:gd name="connsiteX0" fmla="*/ 276225 w 600075"/>
+                    <a:gd name="connsiteY0" fmla="*/ 27399 h 679862"/>
+                    <a:gd name="connsiteX1" fmla="*/ 9525 w 600075"/>
+                    <a:gd name="connsiteY1" fmla="*/ 356012 h 679862"/>
+                    <a:gd name="connsiteX2" fmla="*/ 0 w 600075"/>
+                    <a:gd name="connsiteY2" fmla="*/ 603662 h 679862"/>
+                    <a:gd name="connsiteX3" fmla="*/ 85725 w 600075"/>
+                    <a:gd name="connsiteY3" fmla="*/ 679862 h 679862"/>
+                    <a:gd name="connsiteX4" fmla="*/ 296076 w 600075"/>
+                    <a:gd name="connsiteY4" fmla="*/ 655231 h 679862"/>
+                    <a:gd name="connsiteX5" fmla="*/ 388329 w 600075"/>
+                    <a:gd name="connsiteY5" fmla="*/ 584267 h 679862"/>
+                    <a:gd name="connsiteX6" fmla="*/ 400157 w 600075"/>
+                    <a:gd name="connsiteY6" fmla="*/ 473091 h 679862"/>
+                    <a:gd name="connsiteX7" fmla="*/ 501741 w 600075"/>
+                    <a:gd name="connsiteY7" fmla="*/ 470213 h 679862"/>
+                    <a:gd name="connsiteX8" fmla="*/ 581025 w 600075"/>
+                    <a:gd name="connsiteY8" fmla="*/ 370299 h 679862"/>
+                    <a:gd name="connsiteX9" fmla="*/ 600075 w 600075"/>
+                    <a:gd name="connsiteY9" fmla="*/ 46449 h 679862"/>
+                    <a:gd name="connsiteX10" fmla="*/ 429725 w 600075"/>
+                    <a:gd name="connsiteY10" fmla="*/ 0 h 679862"/>
+                    <a:gd name="connsiteX11" fmla="*/ 276225 w 600075"/>
+                    <a:gd name="connsiteY11" fmla="*/ 27399 h 679862"/>
+                    <a:gd name="connsiteX0" fmla="*/ 276225 w 639105"/>
+                    <a:gd name="connsiteY0" fmla="*/ 27399 h 679862"/>
+                    <a:gd name="connsiteX1" fmla="*/ 9525 w 639105"/>
+                    <a:gd name="connsiteY1" fmla="*/ 356012 h 679862"/>
+                    <a:gd name="connsiteX2" fmla="*/ 0 w 639105"/>
+                    <a:gd name="connsiteY2" fmla="*/ 603662 h 679862"/>
+                    <a:gd name="connsiteX3" fmla="*/ 85725 w 639105"/>
+                    <a:gd name="connsiteY3" fmla="*/ 679862 h 679862"/>
+                    <a:gd name="connsiteX4" fmla="*/ 296076 w 639105"/>
+                    <a:gd name="connsiteY4" fmla="*/ 655231 h 679862"/>
+                    <a:gd name="connsiteX5" fmla="*/ 388329 w 639105"/>
+                    <a:gd name="connsiteY5" fmla="*/ 584267 h 679862"/>
+                    <a:gd name="connsiteX6" fmla="*/ 400157 w 639105"/>
+                    <a:gd name="connsiteY6" fmla="*/ 473091 h 679862"/>
+                    <a:gd name="connsiteX7" fmla="*/ 501741 w 639105"/>
+                    <a:gd name="connsiteY7" fmla="*/ 470213 h 679862"/>
+                    <a:gd name="connsiteX8" fmla="*/ 581025 w 639105"/>
+                    <a:gd name="connsiteY8" fmla="*/ 370299 h 679862"/>
+                    <a:gd name="connsiteX9" fmla="*/ 639105 w 639105"/>
+                    <a:gd name="connsiteY9" fmla="*/ 142251 h 679862"/>
+                    <a:gd name="connsiteX10" fmla="*/ 429725 w 639105"/>
+                    <a:gd name="connsiteY10" fmla="*/ 0 h 679862"/>
+                    <a:gd name="connsiteX11" fmla="*/ 276225 w 639105"/>
+                    <a:gd name="connsiteY11" fmla="*/ 27399 h 679862"/>
+                    <a:gd name="connsiteX0" fmla="*/ 276225 w 639105"/>
+                    <a:gd name="connsiteY0" fmla="*/ 27399 h 679862"/>
+                    <a:gd name="connsiteX1" fmla="*/ 9525 w 639105"/>
+                    <a:gd name="connsiteY1" fmla="*/ 356012 h 679862"/>
+                    <a:gd name="connsiteX2" fmla="*/ 0 w 639105"/>
+                    <a:gd name="connsiteY2" fmla="*/ 603662 h 679862"/>
+                    <a:gd name="connsiteX3" fmla="*/ 85725 w 639105"/>
+                    <a:gd name="connsiteY3" fmla="*/ 679862 h 679862"/>
+                    <a:gd name="connsiteX4" fmla="*/ 296076 w 639105"/>
+                    <a:gd name="connsiteY4" fmla="*/ 655231 h 679862"/>
+                    <a:gd name="connsiteX5" fmla="*/ 388329 w 639105"/>
+                    <a:gd name="connsiteY5" fmla="*/ 584267 h 679862"/>
+                    <a:gd name="connsiteX6" fmla="*/ 400157 w 639105"/>
+                    <a:gd name="connsiteY6" fmla="*/ 473091 h 679862"/>
+                    <a:gd name="connsiteX7" fmla="*/ 501741 w 639105"/>
+                    <a:gd name="connsiteY7" fmla="*/ 470213 h 679862"/>
+                    <a:gd name="connsiteX8" fmla="*/ 581025 w 639105"/>
+                    <a:gd name="connsiteY8" fmla="*/ 370299 h 679862"/>
+                    <a:gd name="connsiteX9" fmla="*/ 639105 w 639105"/>
+                    <a:gd name="connsiteY9" fmla="*/ 142251 h 679862"/>
+                    <a:gd name="connsiteX10" fmla="*/ 521975 w 639105"/>
+                    <a:gd name="connsiteY10" fmla="*/ 60321 h 679862"/>
+                    <a:gd name="connsiteX11" fmla="*/ 429725 w 639105"/>
+                    <a:gd name="connsiteY11" fmla="*/ 0 h 679862"/>
+                    <a:gd name="connsiteX12" fmla="*/ 276225 w 639105"/>
+                    <a:gd name="connsiteY12" fmla="*/ 27399 h 679862"/>
+                    <a:gd name="connsiteX0" fmla="*/ 276225 w 639105"/>
+                    <a:gd name="connsiteY0" fmla="*/ 27399 h 679862"/>
+                    <a:gd name="connsiteX1" fmla="*/ 9525 w 639105"/>
+                    <a:gd name="connsiteY1" fmla="*/ 356012 h 679862"/>
+                    <a:gd name="connsiteX2" fmla="*/ 0 w 639105"/>
+                    <a:gd name="connsiteY2" fmla="*/ 603662 h 679862"/>
+                    <a:gd name="connsiteX3" fmla="*/ 85725 w 639105"/>
+                    <a:gd name="connsiteY3" fmla="*/ 679862 h 679862"/>
+                    <a:gd name="connsiteX4" fmla="*/ 296076 w 639105"/>
+                    <a:gd name="connsiteY4" fmla="*/ 655231 h 679862"/>
+                    <a:gd name="connsiteX5" fmla="*/ 388329 w 639105"/>
+                    <a:gd name="connsiteY5" fmla="*/ 584267 h 679862"/>
+                    <a:gd name="connsiteX6" fmla="*/ 400157 w 639105"/>
+                    <a:gd name="connsiteY6" fmla="*/ 473091 h 679862"/>
+                    <a:gd name="connsiteX7" fmla="*/ 501741 w 639105"/>
+                    <a:gd name="connsiteY7" fmla="*/ 470213 h 679862"/>
+                    <a:gd name="connsiteX8" fmla="*/ 581025 w 639105"/>
+                    <a:gd name="connsiteY8" fmla="*/ 370299 h 679862"/>
+                    <a:gd name="connsiteX9" fmla="*/ 639105 w 639105"/>
+                    <a:gd name="connsiteY9" fmla="*/ 142251 h 679862"/>
+                    <a:gd name="connsiteX10" fmla="*/ 546813 w 639105"/>
+                    <a:gd name="connsiteY10" fmla="*/ 24839 h 679862"/>
+                    <a:gd name="connsiteX11" fmla="*/ 429725 w 639105"/>
+                    <a:gd name="connsiteY11" fmla="*/ 0 h 679862"/>
+                    <a:gd name="connsiteX12" fmla="*/ 276225 w 639105"/>
+                    <a:gd name="connsiteY12" fmla="*/ 27399 h 679862"/>
+                    <a:gd name="connsiteX0" fmla="*/ 276225 w 639105"/>
+                    <a:gd name="connsiteY0" fmla="*/ 112555 h 765018"/>
+                    <a:gd name="connsiteX1" fmla="*/ 9525 w 639105"/>
+                    <a:gd name="connsiteY1" fmla="*/ 441168 h 765018"/>
+                    <a:gd name="connsiteX2" fmla="*/ 0 w 639105"/>
+                    <a:gd name="connsiteY2" fmla="*/ 688818 h 765018"/>
+                    <a:gd name="connsiteX3" fmla="*/ 85725 w 639105"/>
+                    <a:gd name="connsiteY3" fmla="*/ 765018 h 765018"/>
+                    <a:gd name="connsiteX4" fmla="*/ 296076 w 639105"/>
+                    <a:gd name="connsiteY4" fmla="*/ 740387 h 765018"/>
+                    <a:gd name="connsiteX5" fmla="*/ 388329 w 639105"/>
+                    <a:gd name="connsiteY5" fmla="*/ 669423 h 765018"/>
+                    <a:gd name="connsiteX6" fmla="*/ 400157 w 639105"/>
+                    <a:gd name="connsiteY6" fmla="*/ 558247 h 765018"/>
+                    <a:gd name="connsiteX7" fmla="*/ 501741 w 639105"/>
+                    <a:gd name="connsiteY7" fmla="*/ 555369 h 765018"/>
+                    <a:gd name="connsiteX8" fmla="*/ 581025 w 639105"/>
+                    <a:gd name="connsiteY8" fmla="*/ 455455 h 765018"/>
+                    <a:gd name="connsiteX9" fmla="*/ 639105 w 639105"/>
+                    <a:gd name="connsiteY9" fmla="*/ 227407 h 765018"/>
+                    <a:gd name="connsiteX10" fmla="*/ 546813 w 639105"/>
+                    <a:gd name="connsiteY10" fmla="*/ 109995 h 765018"/>
+                    <a:gd name="connsiteX11" fmla="*/ 419080 w 639105"/>
+                    <a:gd name="connsiteY11" fmla="*/ 0 h 765018"/>
+                    <a:gd name="connsiteX12" fmla="*/ 276225 w 639105"/>
+                    <a:gd name="connsiteY12" fmla="*/ 112555 h 765018"/>
+                    <a:gd name="connsiteX0" fmla="*/ 276225 w 639105"/>
+                    <a:gd name="connsiteY0" fmla="*/ 112555 h 765018"/>
+                    <a:gd name="connsiteX1" fmla="*/ 9525 w 639105"/>
+                    <a:gd name="connsiteY1" fmla="*/ 441168 h 765018"/>
+                    <a:gd name="connsiteX2" fmla="*/ 0 w 639105"/>
+                    <a:gd name="connsiteY2" fmla="*/ 688818 h 765018"/>
+                    <a:gd name="connsiteX3" fmla="*/ 85725 w 639105"/>
+                    <a:gd name="connsiteY3" fmla="*/ 765018 h 765018"/>
+                    <a:gd name="connsiteX4" fmla="*/ 296076 w 639105"/>
+                    <a:gd name="connsiteY4" fmla="*/ 740387 h 765018"/>
+                    <a:gd name="connsiteX5" fmla="*/ 388329 w 639105"/>
+                    <a:gd name="connsiteY5" fmla="*/ 669423 h 765018"/>
+                    <a:gd name="connsiteX6" fmla="*/ 400157 w 639105"/>
+                    <a:gd name="connsiteY6" fmla="*/ 558247 h 765018"/>
+                    <a:gd name="connsiteX7" fmla="*/ 501741 w 639105"/>
+                    <a:gd name="connsiteY7" fmla="*/ 555369 h 765018"/>
+                    <a:gd name="connsiteX8" fmla="*/ 581025 w 639105"/>
+                    <a:gd name="connsiteY8" fmla="*/ 455455 h 765018"/>
+                    <a:gd name="connsiteX9" fmla="*/ 639105 w 639105"/>
+                    <a:gd name="connsiteY9" fmla="*/ 227407 h 765018"/>
+                    <a:gd name="connsiteX10" fmla="*/ 557457 w 639105"/>
+                    <a:gd name="connsiteY10" fmla="*/ 85158 h 765018"/>
+                    <a:gd name="connsiteX11" fmla="*/ 419080 w 639105"/>
+                    <a:gd name="connsiteY11" fmla="*/ 0 h 765018"/>
+                    <a:gd name="connsiteX12" fmla="*/ 276225 w 639105"/>
+                    <a:gd name="connsiteY12" fmla="*/ 112555 h 765018"/>
+                    <a:gd name="connsiteX0" fmla="*/ 276225 w 635557"/>
+                    <a:gd name="connsiteY0" fmla="*/ 112555 h 765018"/>
+                    <a:gd name="connsiteX1" fmla="*/ 9525 w 635557"/>
+                    <a:gd name="connsiteY1" fmla="*/ 441168 h 765018"/>
+                    <a:gd name="connsiteX2" fmla="*/ 0 w 635557"/>
+                    <a:gd name="connsiteY2" fmla="*/ 688818 h 765018"/>
+                    <a:gd name="connsiteX3" fmla="*/ 85725 w 635557"/>
+                    <a:gd name="connsiteY3" fmla="*/ 765018 h 765018"/>
+                    <a:gd name="connsiteX4" fmla="*/ 296076 w 635557"/>
+                    <a:gd name="connsiteY4" fmla="*/ 740387 h 765018"/>
+                    <a:gd name="connsiteX5" fmla="*/ 388329 w 635557"/>
+                    <a:gd name="connsiteY5" fmla="*/ 669423 h 765018"/>
+                    <a:gd name="connsiteX6" fmla="*/ 400157 w 635557"/>
+                    <a:gd name="connsiteY6" fmla="*/ 558247 h 765018"/>
+                    <a:gd name="connsiteX7" fmla="*/ 501741 w 635557"/>
+                    <a:gd name="connsiteY7" fmla="*/ 555369 h 765018"/>
+                    <a:gd name="connsiteX8" fmla="*/ 581025 w 635557"/>
+                    <a:gd name="connsiteY8" fmla="*/ 455455 h 765018"/>
+                    <a:gd name="connsiteX9" fmla="*/ 635557 w 635557"/>
+                    <a:gd name="connsiteY9" fmla="*/ 245147 h 765018"/>
+                    <a:gd name="connsiteX10" fmla="*/ 557457 w 635557"/>
+                    <a:gd name="connsiteY10" fmla="*/ 85158 h 765018"/>
+                    <a:gd name="connsiteX11" fmla="*/ 419080 w 635557"/>
+                    <a:gd name="connsiteY11" fmla="*/ 0 h 765018"/>
+                    <a:gd name="connsiteX12" fmla="*/ 276225 w 635557"/>
+                    <a:gd name="connsiteY12" fmla="*/ 112555 h 765018"/>
+                    <a:gd name="connsiteX0" fmla="*/ 240743 w 635557"/>
+                    <a:gd name="connsiteY0" fmla="*/ 169326 h 765018"/>
+                    <a:gd name="connsiteX1" fmla="*/ 9525 w 635557"/>
+                    <a:gd name="connsiteY1" fmla="*/ 441168 h 765018"/>
+                    <a:gd name="connsiteX2" fmla="*/ 0 w 635557"/>
+                    <a:gd name="connsiteY2" fmla="*/ 688818 h 765018"/>
+                    <a:gd name="connsiteX3" fmla="*/ 85725 w 635557"/>
+                    <a:gd name="connsiteY3" fmla="*/ 765018 h 765018"/>
+                    <a:gd name="connsiteX4" fmla="*/ 296076 w 635557"/>
+                    <a:gd name="connsiteY4" fmla="*/ 740387 h 765018"/>
+                    <a:gd name="connsiteX5" fmla="*/ 388329 w 635557"/>
+                    <a:gd name="connsiteY5" fmla="*/ 669423 h 765018"/>
+                    <a:gd name="connsiteX6" fmla="*/ 400157 w 635557"/>
+                    <a:gd name="connsiteY6" fmla="*/ 558247 h 765018"/>
+                    <a:gd name="connsiteX7" fmla="*/ 501741 w 635557"/>
+                    <a:gd name="connsiteY7" fmla="*/ 555369 h 765018"/>
+                    <a:gd name="connsiteX8" fmla="*/ 581025 w 635557"/>
+                    <a:gd name="connsiteY8" fmla="*/ 455455 h 765018"/>
+                    <a:gd name="connsiteX9" fmla="*/ 635557 w 635557"/>
+                    <a:gd name="connsiteY9" fmla="*/ 245147 h 765018"/>
+                    <a:gd name="connsiteX10" fmla="*/ 557457 w 635557"/>
+                    <a:gd name="connsiteY10" fmla="*/ 85158 h 765018"/>
+                    <a:gd name="connsiteX11" fmla="*/ 419080 w 635557"/>
+                    <a:gd name="connsiteY11" fmla="*/ 0 h 765018"/>
+                    <a:gd name="connsiteX12" fmla="*/ 240743 w 635557"/>
+                    <a:gd name="connsiteY12" fmla="*/ 169326 h 765018"/>
+                    <a:gd name="connsiteX0" fmla="*/ 240743 w 635557"/>
+                    <a:gd name="connsiteY0" fmla="*/ 137392 h 733084"/>
+                    <a:gd name="connsiteX1" fmla="*/ 9525 w 635557"/>
+                    <a:gd name="connsiteY1" fmla="*/ 409234 h 733084"/>
+                    <a:gd name="connsiteX2" fmla="*/ 0 w 635557"/>
+                    <a:gd name="connsiteY2" fmla="*/ 656884 h 733084"/>
+                    <a:gd name="connsiteX3" fmla="*/ 85725 w 635557"/>
+                    <a:gd name="connsiteY3" fmla="*/ 733084 h 733084"/>
+                    <a:gd name="connsiteX4" fmla="*/ 296076 w 635557"/>
+                    <a:gd name="connsiteY4" fmla="*/ 708453 h 733084"/>
+                    <a:gd name="connsiteX5" fmla="*/ 388329 w 635557"/>
+                    <a:gd name="connsiteY5" fmla="*/ 637489 h 733084"/>
+                    <a:gd name="connsiteX6" fmla="*/ 400157 w 635557"/>
+                    <a:gd name="connsiteY6" fmla="*/ 526313 h 733084"/>
+                    <a:gd name="connsiteX7" fmla="*/ 501741 w 635557"/>
+                    <a:gd name="connsiteY7" fmla="*/ 523435 h 733084"/>
+                    <a:gd name="connsiteX8" fmla="*/ 581025 w 635557"/>
+                    <a:gd name="connsiteY8" fmla="*/ 423521 h 733084"/>
+                    <a:gd name="connsiteX9" fmla="*/ 635557 w 635557"/>
+                    <a:gd name="connsiteY9" fmla="*/ 213213 h 733084"/>
+                    <a:gd name="connsiteX10" fmla="*/ 557457 w 635557"/>
+                    <a:gd name="connsiteY10" fmla="*/ 53224 h 733084"/>
+                    <a:gd name="connsiteX11" fmla="*/ 397791 w 635557"/>
+                    <a:gd name="connsiteY11" fmla="*/ 0 h 733084"/>
+                    <a:gd name="connsiteX12" fmla="*/ 240743 w 635557"/>
+                    <a:gd name="connsiteY12" fmla="*/ 137392 h 733084"/>
+                    <a:gd name="connsiteX0" fmla="*/ 240743 w 635557"/>
+                    <a:gd name="connsiteY0" fmla="*/ 137392 h 733084"/>
+                    <a:gd name="connsiteX1" fmla="*/ 9525 w 635557"/>
+                    <a:gd name="connsiteY1" fmla="*/ 409234 h 733084"/>
+                    <a:gd name="connsiteX2" fmla="*/ 0 w 635557"/>
+                    <a:gd name="connsiteY2" fmla="*/ 656884 h 733084"/>
+                    <a:gd name="connsiteX3" fmla="*/ 85725 w 635557"/>
+                    <a:gd name="connsiteY3" fmla="*/ 733084 h 733084"/>
+                    <a:gd name="connsiteX4" fmla="*/ 296076 w 635557"/>
+                    <a:gd name="connsiteY4" fmla="*/ 708453 h 733084"/>
+                    <a:gd name="connsiteX5" fmla="*/ 388329 w 635557"/>
+                    <a:gd name="connsiteY5" fmla="*/ 637489 h 733084"/>
+                    <a:gd name="connsiteX6" fmla="*/ 400157 w 635557"/>
+                    <a:gd name="connsiteY6" fmla="*/ 526313 h 733084"/>
+                    <a:gd name="connsiteX7" fmla="*/ 501741 w 635557"/>
+                    <a:gd name="connsiteY7" fmla="*/ 523435 h 733084"/>
+                    <a:gd name="connsiteX8" fmla="*/ 581025 w 635557"/>
+                    <a:gd name="connsiteY8" fmla="*/ 423521 h 733084"/>
+                    <a:gd name="connsiteX9" fmla="*/ 635557 w 635557"/>
+                    <a:gd name="connsiteY9" fmla="*/ 213213 h 733084"/>
+                    <a:gd name="connsiteX10" fmla="*/ 550361 w 635557"/>
+                    <a:gd name="connsiteY10" fmla="*/ 92254 h 733084"/>
+                    <a:gd name="connsiteX11" fmla="*/ 397791 w 635557"/>
+                    <a:gd name="connsiteY11" fmla="*/ 0 h 733084"/>
+                    <a:gd name="connsiteX12" fmla="*/ 240743 w 635557"/>
+                    <a:gd name="connsiteY12" fmla="*/ 137392 h 733084"/>
+                    <a:gd name="connsiteX0" fmla="*/ 240743 w 614268"/>
+                    <a:gd name="connsiteY0" fmla="*/ 137392 h 733084"/>
+                    <a:gd name="connsiteX1" fmla="*/ 9525 w 614268"/>
+                    <a:gd name="connsiteY1" fmla="*/ 409234 h 733084"/>
+                    <a:gd name="connsiteX2" fmla="*/ 0 w 614268"/>
+                    <a:gd name="connsiteY2" fmla="*/ 656884 h 733084"/>
+                    <a:gd name="connsiteX3" fmla="*/ 85725 w 614268"/>
+                    <a:gd name="connsiteY3" fmla="*/ 733084 h 733084"/>
+                    <a:gd name="connsiteX4" fmla="*/ 296076 w 614268"/>
+                    <a:gd name="connsiteY4" fmla="*/ 708453 h 733084"/>
+                    <a:gd name="connsiteX5" fmla="*/ 388329 w 614268"/>
+                    <a:gd name="connsiteY5" fmla="*/ 637489 h 733084"/>
+                    <a:gd name="connsiteX6" fmla="*/ 400157 w 614268"/>
+                    <a:gd name="connsiteY6" fmla="*/ 526313 h 733084"/>
+                    <a:gd name="connsiteX7" fmla="*/ 501741 w 614268"/>
+                    <a:gd name="connsiteY7" fmla="*/ 523435 h 733084"/>
+                    <a:gd name="connsiteX8" fmla="*/ 581025 w 614268"/>
+                    <a:gd name="connsiteY8" fmla="*/ 423521 h 733084"/>
+                    <a:gd name="connsiteX9" fmla="*/ 614268 w 614268"/>
+                    <a:gd name="connsiteY9" fmla="*/ 269984 h 733084"/>
+                    <a:gd name="connsiteX10" fmla="*/ 550361 w 614268"/>
+                    <a:gd name="connsiteY10" fmla="*/ 92254 h 733084"/>
+                    <a:gd name="connsiteX11" fmla="*/ 397791 w 614268"/>
+                    <a:gd name="connsiteY11" fmla="*/ 0 h 733084"/>
+                    <a:gd name="connsiteX12" fmla="*/ 240743 w 614268"/>
+                    <a:gd name="connsiteY12" fmla="*/ 137392 h 733084"/>
+                    <a:gd name="connsiteX0" fmla="*/ 240743 w 614268"/>
+                    <a:gd name="connsiteY0" fmla="*/ 137392 h 733084"/>
+                    <a:gd name="connsiteX1" fmla="*/ 9525 w 614268"/>
+                    <a:gd name="connsiteY1" fmla="*/ 409234 h 733084"/>
+                    <a:gd name="connsiteX2" fmla="*/ 0 w 614268"/>
+                    <a:gd name="connsiteY2" fmla="*/ 656884 h 733084"/>
+                    <a:gd name="connsiteX3" fmla="*/ 85725 w 614268"/>
+                    <a:gd name="connsiteY3" fmla="*/ 733084 h 733084"/>
+                    <a:gd name="connsiteX4" fmla="*/ 296076 w 614268"/>
+                    <a:gd name="connsiteY4" fmla="*/ 708453 h 733084"/>
+                    <a:gd name="connsiteX5" fmla="*/ 388329 w 614268"/>
+                    <a:gd name="connsiteY5" fmla="*/ 637489 h 733084"/>
+                    <a:gd name="connsiteX6" fmla="*/ 400157 w 614268"/>
+                    <a:gd name="connsiteY6" fmla="*/ 526313 h 733084"/>
+                    <a:gd name="connsiteX7" fmla="*/ 501741 w 614268"/>
+                    <a:gd name="connsiteY7" fmla="*/ 523435 h 733084"/>
+                    <a:gd name="connsiteX8" fmla="*/ 581025 w 614268"/>
+                    <a:gd name="connsiteY8" fmla="*/ 423521 h 733084"/>
+                    <a:gd name="connsiteX9" fmla="*/ 614268 w 614268"/>
+                    <a:gd name="connsiteY9" fmla="*/ 248695 h 733084"/>
+                    <a:gd name="connsiteX10" fmla="*/ 550361 w 614268"/>
+                    <a:gd name="connsiteY10" fmla="*/ 92254 h 733084"/>
+                    <a:gd name="connsiteX11" fmla="*/ 397791 w 614268"/>
+                    <a:gd name="connsiteY11" fmla="*/ 0 h 733084"/>
+                    <a:gd name="connsiteX12" fmla="*/ 240743 w 614268"/>
+                    <a:gd name="connsiteY12" fmla="*/ 137392 h 733084"/>
+                  </a:gdLst>
+                  <a:ahLst/>
+                  <a:cxnLst>
+                    <a:cxn ang="0">
+                      <a:pos x="connsiteX0" y="connsiteY0"/>
+                    </a:cxn>
+                    <a:cxn ang="0">
+                      <a:pos x="connsiteX1" y="connsiteY1"/>
+                    </a:cxn>
+                    <a:cxn ang="0">
+                      <a:pos x="connsiteX2" y="connsiteY2"/>
+                    </a:cxn>
+                    <a:cxn ang="0">
+                      <a:pos x="connsiteX3" y="connsiteY3"/>
+                    </a:cxn>
+                    <a:cxn ang="0">
+                      <a:pos x="connsiteX4" y="connsiteY4"/>
+                    </a:cxn>
+                    <a:cxn ang="0">
+                      <a:pos x="connsiteX5" y="connsiteY5"/>
+                    </a:cxn>
+                    <a:cxn ang="0">
+                      <a:pos x="connsiteX6" y="connsiteY6"/>
+                    </a:cxn>
+                    <a:cxn ang="0">
+                      <a:pos x="connsiteX7" y="connsiteY7"/>
+                    </a:cxn>
+                    <a:cxn ang="0">
+                      <a:pos x="connsiteX8" y="connsiteY8"/>
+                    </a:cxn>
+                    <a:cxn ang="0">
+                      <a:pos x="connsiteX9" y="connsiteY9"/>
+                    </a:cxn>
+                    <a:cxn ang="0">
+                      <a:pos x="connsiteX10" y="connsiteY10"/>
+                    </a:cxn>
+                    <a:cxn ang="0">
+                      <a:pos x="connsiteX11" y="connsiteY11"/>
+                    </a:cxn>
+                    <a:cxn ang="0">
+                      <a:pos x="connsiteX12" y="connsiteY12"/>
+                    </a:cxn>
+                  </a:cxnLst>
+                  <a:rect l="l" t="t" r="r" b="b"/>
+                  <a:pathLst>
+                    <a:path w="614268" h="733084">
+                      <a:moveTo>
+                        <a:pt x="240743" y="137392"/>
+                      </a:moveTo>
+                      <a:lnTo>
+                        <a:pt x="9525" y="409234"/>
+                      </a:lnTo>
+                      <a:lnTo>
+                        <a:pt x="0" y="656884"/>
+                      </a:lnTo>
+                      <a:lnTo>
+                        <a:pt x="85725" y="733084"/>
+                      </a:lnTo>
+                      <a:lnTo>
+                        <a:pt x="296076" y="708453"/>
+                      </a:lnTo>
+                      <a:lnTo>
+                        <a:pt x="388329" y="637489"/>
+                      </a:lnTo>
+                      <a:lnTo>
+                        <a:pt x="400157" y="526313"/>
+                      </a:lnTo>
+                      <a:lnTo>
+                        <a:pt x="501741" y="523435"/>
+                      </a:lnTo>
+                      <a:lnTo>
+                        <a:pt x="581025" y="423521"/>
+                      </a:lnTo>
+                      <a:lnTo>
+                        <a:pt x="614268" y="248695"/>
+                      </a:lnTo>
+                      <a:lnTo>
+                        <a:pt x="550361" y="92254"/>
+                      </a:lnTo>
+                      <a:lnTo>
+                        <a:pt x="397791" y="0"/>
+                      </a:lnTo>
+                      <a:lnTo>
+                        <a:pt x="240743" y="137392"/>
+                      </a:lnTo>
+                      <a:close/>
+                    </a:path>
+                  </a:pathLst>
+                </a:custGeom>
+                <a:solidFill>
+                  <a:srgbClr val="0297DE"/>
+                </a:solidFill>
+                <a:ln>
+                  <a:noFill/>
+                </a:ln>
+              </p:spPr>
+              <p:style>
+                <a:lnRef idx="2">
+                  <a:schemeClr val="accent1">
+                    <a:shade val="50000"/>
+                  </a:schemeClr>
+                </a:lnRef>
+                <a:fillRef idx="1">
+                  <a:schemeClr val="accent1"/>
+                </a:fillRef>
+                <a:effectRef idx="0">
+                  <a:schemeClr val="accent1"/>
+                </a:effectRef>
+                <a:fontRef idx="minor">
+                  <a:schemeClr val="lt1"/>
+                </a:fontRef>
+              </p:style>
+              <p:txBody>
+                <a:bodyPr rtlCol="0" anchor="ctr"/>
+                <a:lstStyle/>
+                <a:p>
+                  <a:pPr algn="ctr"/>
+                  <a:endParaRPr kumimoji="1" lang="ja-JP" altLang="en-US"/>
+                </a:p>
+              </p:txBody>
+            </p:sp>
+            <p:sp>
+              <p:nvSpPr>
+                <p:cNvPr id="17" name="フリーフォーム: 図形 16">
+                  <a:extLst>
+                    <a:ext uri="{FF2B5EF4-FFF2-40B4-BE49-F238E27FC236}">
+                      <a16:creationId xmlns:a16="http://schemas.microsoft.com/office/drawing/2014/main" id="{69CC6930-5866-4BEB-BEDE-9F0004939516}"/>
+                    </a:ext>
+                  </a:extLst>
+                </p:cNvPr>
+                <p:cNvSpPr/>
+                <p:nvPr/>
+              </p:nvSpPr>
+              <p:spPr>
+                <a:xfrm>
+                  <a:off x="3324322" y="4880904"/>
+                  <a:ext cx="126667" cy="121389"/>
+                </a:xfrm>
+                <a:custGeom>
+                  <a:avLst/>
+                  <a:gdLst>
+                    <a:gd name="connsiteX0" fmla="*/ 23813 w 114300"/>
+                    <a:gd name="connsiteY0" fmla="*/ 0 h 109537"/>
+                    <a:gd name="connsiteX1" fmla="*/ 0 w 114300"/>
+                    <a:gd name="connsiteY1" fmla="*/ 52387 h 109537"/>
+                    <a:gd name="connsiteX2" fmla="*/ 33338 w 114300"/>
+                    <a:gd name="connsiteY2" fmla="*/ 109537 h 109537"/>
+                    <a:gd name="connsiteX3" fmla="*/ 95250 w 114300"/>
+                    <a:gd name="connsiteY3" fmla="*/ 104775 h 109537"/>
+                    <a:gd name="connsiteX4" fmla="*/ 114300 w 114300"/>
+                    <a:gd name="connsiteY4" fmla="*/ 76200 h 109537"/>
+                    <a:gd name="connsiteX5" fmla="*/ 109538 w 114300"/>
+                    <a:gd name="connsiteY5" fmla="*/ 9525 h 109537"/>
+                    <a:gd name="connsiteX6" fmla="*/ 23813 w 114300"/>
+                    <a:gd name="connsiteY6" fmla="*/ 0 h 109537"/>
+                  </a:gdLst>
+                  <a:ahLst/>
+                  <a:cxnLst>
+                    <a:cxn ang="0">
+                      <a:pos x="connsiteX0" y="connsiteY0"/>
+                    </a:cxn>
+                    <a:cxn ang="0">
+                      <a:pos x="connsiteX1" y="connsiteY1"/>
+                    </a:cxn>
+                    <a:cxn ang="0">
+                      <a:pos x="connsiteX2" y="connsiteY2"/>
+                    </a:cxn>
+                    <a:cxn ang="0">
+                      <a:pos x="connsiteX3" y="connsiteY3"/>
+                    </a:cxn>
+                    <a:cxn ang="0">
+                      <a:pos x="connsiteX4" y="connsiteY4"/>
+                    </a:cxn>
+                    <a:cxn ang="0">
+                      <a:pos x="connsiteX5" y="connsiteY5"/>
+                    </a:cxn>
+                    <a:cxn ang="0">
+                      <a:pos x="connsiteX6" y="connsiteY6"/>
+                    </a:cxn>
+                  </a:cxnLst>
+                  <a:rect l="l" t="t" r="r" b="b"/>
+                  <a:pathLst>
+                    <a:path w="114300" h="109537">
+                      <a:moveTo>
+                        <a:pt x="23813" y="0"/>
+                      </a:moveTo>
+                      <a:lnTo>
+                        <a:pt x="0" y="52387"/>
+                      </a:lnTo>
+                      <a:lnTo>
+                        <a:pt x="33338" y="109537"/>
+                      </a:lnTo>
+                      <a:lnTo>
+                        <a:pt x="95250" y="104775"/>
+                      </a:lnTo>
+                      <a:lnTo>
+                        <a:pt x="114300" y="76200"/>
+                      </a:lnTo>
+                      <a:lnTo>
+                        <a:pt x="109538" y="9525"/>
+                      </a:lnTo>
+                      <a:lnTo>
+                        <a:pt x="23813" y="0"/>
+                      </a:lnTo>
+                      <a:close/>
+                    </a:path>
+                  </a:pathLst>
+                </a:custGeom>
+              </p:spPr>
+              <p:style>
+                <a:lnRef idx="2">
+                  <a:schemeClr val="dk1">
+                    <a:shade val="50000"/>
+                  </a:schemeClr>
+                </a:lnRef>
+                <a:fillRef idx="1">
+                  <a:schemeClr val="dk1"/>
+                </a:fillRef>
+                <a:effectRef idx="0">
+                  <a:schemeClr val="dk1"/>
+                </a:effectRef>
+                <a:fontRef idx="minor">
+                  <a:schemeClr val="lt1"/>
+                </a:fontRef>
+              </p:style>
+              <p:txBody>
+                <a:bodyPr rtlCol="0" anchor="ctr"/>
+                <a:lstStyle/>
+                <a:p>
+                  <a:pPr algn="ctr"/>
+                  <a:endParaRPr kumimoji="1" lang="ja-JP" altLang="en-US"/>
+                </a:p>
+              </p:txBody>
+            </p:sp>
+            <p:sp>
+              <p:nvSpPr>
+                <p:cNvPr id="19" name="フリーフォーム: 図形 18">
+                  <a:extLst>
+                    <a:ext uri="{FF2B5EF4-FFF2-40B4-BE49-F238E27FC236}">
+                      <a16:creationId xmlns:a16="http://schemas.microsoft.com/office/drawing/2014/main" id="{D4C76A8C-F547-47EA-8121-39230B520937}"/>
+                    </a:ext>
+                  </a:extLst>
+                </p:cNvPr>
+                <p:cNvSpPr/>
+                <p:nvPr/>
+              </p:nvSpPr>
+              <p:spPr>
+                <a:xfrm>
+                  <a:off x="3103987" y="5138236"/>
+                  <a:ext cx="248058" cy="190001"/>
+                </a:xfrm>
+                <a:custGeom>
+                  <a:avLst/>
+                  <a:gdLst>
+                    <a:gd name="connsiteX0" fmla="*/ 85725 w 223838"/>
+                    <a:gd name="connsiteY0" fmla="*/ 0 h 171450"/>
+                    <a:gd name="connsiteX1" fmla="*/ 138113 w 223838"/>
+                    <a:gd name="connsiteY1" fmla="*/ 66675 h 171450"/>
+                    <a:gd name="connsiteX2" fmla="*/ 195263 w 223838"/>
+                    <a:gd name="connsiteY2" fmla="*/ 52387 h 171450"/>
+                    <a:gd name="connsiteX3" fmla="*/ 223838 w 223838"/>
+                    <a:gd name="connsiteY3" fmla="*/ 142875 h 171450"/>
+                    <a:gd name="connsiteX4" fmla="*/ 104775 w 223838"/>
+                    <a:gd name="connsiteY4" fmla="*/ 171450 h 171450"/>
+                    <a:gd name="connsiteX5" fmla="*/ 90488 w 223838"/>
+                    <a:gd name="connsiteY5" fmla="*/ 133350 h 171450"/>
+                    <a:gd name="connsiteX6" fmla="*/ 9525 w 223838"/>
+                    <a:gd name="connsiteY6" fmla="*/ 133350 h 171450"/>
+                    <a:gd name="connsiteX7" fmla="*/ 0 w 223838"/>
+                    <a:gd name="connsiteY7" fmla="*/ 61912 h 171450"/>
+                    <a:gd name="connsiteX8" fmla="*/ 9525 w 223838"/>
+                    <a:gd name="connsiteY8" fmla="*/ 33337 h 171450"/>
+                    <a:gd name="connsiteX9" fmla="*/ 85725 w 223838"/>
+                    <a:gd name="connsiteY9" fmla="*/ 0 h 171450"/>
+                  </a:gdLst>
+                  <a:ahLst/>
+                  <a:cxnLst>
+                    <a:cxn ang="0">
+                      <a:pos x="connsiteX0" y="connsiteY0"/>
+                    </a:cxn>
+                    <a:cxn ang="0">
+                      <a:pos x="connsiteX1" y="connsiteY1"/>
+                    </a:cxn>
+                    <a:cxn ang="0">
+                      <a:pos x="connsiteX2" y="connsiteY2"/>
+                    </a:cxn>
+                    <a:cxn ang="0">
+                      <a:pos x="connsiteX3" y="connsiteY3"/>
+                    </a:cxn>
+                    <a:cxn ang="0">
+                      <a:pos x="connsiteX4" y="connsiteY4"/>
+                    </a:cxn>
+                    <a:cxn ang="0">
+                      <a:pos x="connsiteX5" y="connsiteY5"/>
+                    </a:cxn>
+                    <a:cxn ang="0">
+                      <a:pos x="connsiteX6" y="connsiteY6"/>
+                    </a:cxn>
+                    <a:cxn ang="0">
+                      <a:pos x="connsiteX7" y="connsiteY7"/>
+                    </a:cxn>
+                    <a:cxn ang="0">
+                      <a:pos x="connsiteX8" y="connsiteY8"/>
+                    </a:cxn>
+                    <a:cxn ang="0">
+                      <a:pos x="connsiteX9" y="connsiteY9"/>
+                    </a:cxn>
+                  </a:cxnLst>
+                  <a:rect l="l" t="t" r="r" b="b"/>
+                  <a:pathLst>
+                    <a:path w="223838" h="171450">
+                      <a:moveTo>
+                        <a:pt x="85725" y="0"/>
+                      </a:moveTo>
+                      <a:lnTo>
+                        <a:pt x="138113" y="66675"/>
+                      </a:lnTo>
+                      <a:lnTo>
+                        <a:pt x="195263" y="52387"/>
+                      </a:lnTo>
+                      <a:lnTo>
+                        <a:pt x="223838" y="142875"/>
+                      </a:lnTo>
+                      <a:lnTo>
+                        <a:pt x="104775" y="171450"/>
+                      </a:lnTo>
+                      <a:lnTo>
+                        <a:pt x="90488" y="133350"/>
+                      </a:lnTo>
+                      <a:lnTo>
+                        <a:pt x="9525" y="133350"/>
+                      </a:lnTo>
+                      <a:lnTo>
+                        <a:pt x="0" y="61912"/>
+                      </a:lnTo>
+                      <a:lnTo>
+                        <a:pt x="9525" y="33337"/>
+                      </a:lnTo>
+                      <a:lnTo>
+                        <a:pt x="85725" y="0"/>
+                      </a:lnTo>
+                      <a:close/>
+                    </a:path>
+                  </a:pathLst>
+                </a:custGeom>
+              </p:spPr>
+              <p:style>
+                <a:lnRef idx="2">
+                  <a:schemeClr val="dk1">
+                    <a:shade val="50000"/>
+                  </a:schemeClr>
+                </a:lnRef>
+                <a:fillRef idx="1">
+                  <a:schemeClr val="dk1"/>
+                </a:fillRef>
+                <a:effectRef idx="0">
+                  <a:schemeClr val="dk1"/>
+                </a:effectRef>
+                <a:fontRef idx="minor">
+                  <a:schemeClr val="lt1"/>
+                </a:fontRef>
+              </p:style>
+              <p:txBody>
+                <a:bodyPr rtlCol="0" anchor="ctr"/>
+                <a:lstStyle/>
+                <a:p>
+                  <a:pPr algn="ctr"/>
+                  <a:endParaRPr kumimoji="1" lang="ja-JP" altLang="en-US"/>
+                </a:p>
+              </p:txBody>
+            </p:sp>
+            <p:sp>
+              <p:nvSpPr>
+                <p:cNvPr id="21" name="フリーフォーム: 図形 20">
+                  <a:extLst>
+                    <a:ext uri="{FF2B5EF4-FFF2-40B4-BE49-F238E27FC236}">
+                      <a16:creationId xmlns:a16="http://schemas.microsoft.com/office/drawing/2014/main" id="{DE7E9988-29EC-425B-AFB9-77315F508761}"/>
+                    </a:ext>
+                  </a:extLst>
+                </p:cNvPr>
+                <p:cNvSpPr/>
+                <p:nvPr/>
+              </p:nvSpPr>
+              <p:spPr>
+                <a:xfrm flipH="1">
+                  <a:off x="3446037" y="5014717"/>
+                  <a:ext cx="80927" cy="79479"/>
+                </a:xfrm>
+                <a:custGeom>
+                  <a:avLst/>
+                  <a:gdLst>
+                    <a:gd name="connsiteX0" fmla="*/ 0 w 73025"/>
+                    <a:gd name="connsiteY0" fmla="*/ 3175 h 66675"/>
+                    <a:gd name="connsiteX1" fmla="*/ 25400 w 73025"/>
+                    <a:gd name="connsiteY1" fmla="*/ 66675 h 66675"/>
+                    <a:gd name="connsiteX2" fmla="*/ 73025 w 73025"/>
+                    <a:gd name="connsiteY2" fmla="*/ 31750 h 66675"/>
+                    <a:gd name="connsiteX3" fmla="*/ 69850 w 73025"/>
+                    <a:gd name="connsiteY3" fmla="*/ 0 h 66675"/>
+                    <a:gd name="connsiteX4" fmla="*/ 0 w 73025"/>
+                    <a:gd name="connsiteY4" fmla="*/ 3175 h 66675"/>
+                    <a:gd name="connsiteX0" fmla="*/ 0 w 73025"/>
+                    <a:gd name="connsiteY0" fmla="*/ 3487 h 66987"/>
+                    <a:gd name="connsiteX1" fmla="*/ 25400 w 73025"/>
+                    <a:gd name="connsiteY1" fmla="*/ 66987 h 66987"/>
+                    <a:gd name="connsiteX2" fmla="*/ 73025 w 73025"/>
+                    <a:gd name="connsiteY2" fmla="*/ 32062 h 66987"/>
+                    <a:gd name="connsiteX3" fmla="*/ 69850 w 73025"/>
+                    <a:gd name="connsiteY3" fmla="*/ 312 h 66987"/>
+                    <a:gd name="connsiteX4" fmla="*/ 38755 w 73025"/>
+                    <a:gd name="connsiteY4" fmla="*/ 0 h 66987"/>
+                    <a:gd name="connsiteX5" fmla="*/ 0 w 73025"/>
+                    <a:gd name="connsiteY5" fmla="*/ 3487 h 66987"/>
+                    <a:gd name="connsiteX0" fmla="*/ 0 w 73025"/>
+                    <a:gd name="connsiteY0" fmla="*/ 17680 h 81180"/>
+                    <a:gd name="connsiteX1" fmla="*/ 25400 w 73025"/>
+                    <a:gd name="connsiteY1" fmla="*/ 81180 h 81180"/>
+                    <a:gd name="connsiteX2" fmla="*/ 73025 w 73025"/>
+                    <a:gd name="connsiteY2" fmla="*/ 46255 h 81180"/>
+                    <a:gd name="connsiteX3" fmla="*/ 69850 w 73025"/>
+                    <a:gd name="connsiteY3" fmla="*/ 14505 h 81180"/>
+                    <a:gd name="connsiteX4" fmla="*/ 38755 w 73025"/>
+                    <a:gd name="connsiteY4" fmla="*/ 0 h 81180"/>
+                    <a:gd name="connsiteX5" fmla="*/ 0 w 73025"/>
+                    <a:gd name="connsiteY5" fmla="*/ 17680 h 81180"/>
+                    <a:gd name="connsiteX0" fmla="*/ 0 w 73025"/>
+                    <a:gd name="connsiteY0" fmla="*/ 17680 h 71718"/>
+                    <a:gd name="connsiteX1" fmla="*/ 30131 w 73025"/>
+                    <a:gd name="connsiteY1" fmla="*/ 71718 h 71718"/>
+                    <a:gd name="connsiteX2" fmla="*/ 73025 w 73025"/>
+                    <a:gd name="connsiteY2" fmla="*/ 46255 h 71718"/>
+                    <a:gd name="connsiteX3" fmla="*/ 69850 w 73025"/>
+                    <a:gd name="connsiteY3" fmla="*/ 14505 h 71718"/>
+                    <a:gd name="connsiteX4" fmla="*/ 38755 w 73025"/>
+                    <a:gd name="connsiteY4" fmla="*/ 0 h 71718"/>
+                    <a:gd name="connsiteX5" fmla="*/ 0 w 73025"/>
+                    <a:gd name="connsiteY5" fmla="*/ 17680 h 71718"/>
+                  </a:gdLst>
+                  <a:ahLst/>
+                  <a:cxnLst>
+                    <a:cxn ang="0">
+                      <a:pos x="connsiteX0" y="connsiteY0"/>
+                    </a:cxn>
+                    <a:cxn ang="0">
+                      <a:pos x="connsiteX1" y="connsiteY1"/>
+                    </a:cxn>
+                    <a:cxn ang="0">
+                      <a:pos x="connsiteX2" y="connsiteY2"/>
+                    </a:cxn>
+                    <a:cxn ang="0">
+                      <a:pos x="connsiteX3" y="connsiteY3"/>
+                    </a:cxn>
+                    <a:cxn ang="0">
+                      <a:pos x="connsiteX4" y="connsiteY4"/>
+                    </a:cxn>
+                    <a:cxn ang="0">
+                      <a:pos x="connsiteX5" y="connsiteY5"/>
+                    </a:cxn>
+                  </a:cxnLst>
+                  <a:rect l="l" t="t" r="r" b="b"/>
+                  <a:pathLst>
+                    <a:path w="73025" h="71718">
+                      <a:moveTo>
+                        <a:pt x="0" y="17680"/>
+                      </a:moveTo>
+                      <a:lnTo>
+                        <a:pt x="30131" y="71718"/>
+                      </a:lnTo>
+                      <a:lnTo>
+                        <a:pt x="73025" y="46255"/>
+                      </a:lnTo>
+                      <a:lnTo>
+                        <a:pt x="69850" y="14505"/>
+                      </a:lnTo>
+                      <a:lnTo>
+                        <a:pt x="38755" y="0"/>
+                      </a:lnTo>
+                      <a:lnTo>
+                        <a:pt x="0" y="17680"/>
+                      </a:lnTo>
+                      <a:close/>
+                    </a:path>
+                  </a:pathLst>
+                </a:custGeom>
+              </p:spPr>
+              <p:style>
+                <a:lnRef idx="2">
+                  <a:schemeClr val="dk1">
+                    <a:shade val="50000"/>
+                  </a:schemeClr>
+                </a:lnRef>
+                <a:fillRef idx="1">
+                  <a:schemeClr val="dk1"/>
+                </a:fillRef>
+                <a:effectRef idx="0">
+                  <a:schemeClr val="dk1"/>
+                </a:effectRef>
+                <a:fontRef idx="minor">
+                  <a:schemeClr val="lt1"/>
+                </a:fontRef>
+              </p:style>
+              <p:txBody>
+                <a:bodyPr rtlCol="0" anchor="ctr"/>
+                <a:lstStyle/>
+                <a:p>
+                  <a:pPr algn="ctr"/>
+                  <a:endParaRPr kumimoji="1" lang="ja-JP" altLang="en-US"/>
+                </a:p>
+              </p:txBody>
+            </p:sp>
+          </p:grpSp>
+          <p:grpSp>
+            <p:nvGrpSpPr>
+              <p:cNvPr id="23" name="グループ化 22">
+                <a:extLst>
+                  <a:ext uri="{FF2B5EF4-FFF2-40B4-BE49-F238E27FC236}">
+                    <a16:creationId xmlns:a16="http://schemas.microsoft.com/office/drawing/2014/main" id="{A05D5F54-E54A-4075-85F6-E312A5B0F129}"/>
+                  </a:ext>
+                </a:extLst>
+              </p:cNvPr>
+              <p:cNvGrpSpPr/>
+              <p:nvPr/>
+            </p:nvGrpSpPr>
+            <p:grpSpPr>
+              <a:xfrm>
+                <a:off x="1950897" y="816026"/>
+                <a:ext cx="644667" cy="965205"/>
+                <a:chOff x="3759743" y="3041202"/>
+                <a:chExt cx="532262" cy="860341"/>
+              </a:xfrm>
+            </p:grpSpPr>
+            <p:sp>
+              <p:nvSpPr>
+                <p:cNvPr id="22" name="フリーフォーム: 図形 21">
+                  <a:extLst>
+                    <a:ext uri="{FF2B5EF4-FFF2-40B4-BE49-F238E27FC236}">
+                      <a16:creationId xmlns:a16="http://schemas.microsoft.com/office/drawing/2014/main" id="{CBD0F9A5-6F9C-45BF-B541-8A24786DBC9E}"/>
+                    </a:ext>
+                  </a:extLst>
+                </p:cNvPr>
+                <p:cNvSpPr/>
+                <p:nvPr/>
+              </p:nvSpPr>
+              <p:spPr>
+                <a:xfrm rot="703770">
+                  <a:off x="3759743" y="3041202"/>
+                  <a:ext cx="532262" cy="860341"/>
+                </a:xfrm>
+                <a:custGeom>
+                  <a:avLst/>
+                  <a:gdLst>
+                    <a:gd name="connsiteX0" fmla="*/ 0 w 523875"/>
+                    <a:gd name="connsiteY0" fmla="*/ 757237 h 833437"/>
+                    <a:gd name="connsiteX1" fmla="*/ 0 w 523875"/>
+                    <a:gd name="connsiteY1" fmla="*/ 757237 h 833437"/>
+                    <a:gd name="connsiteX2" fmla="*/ 52388 w 523875"/>
+                    <a:gd name="connsiteY2" fmla="*/ 33337 h 833437"/>
+                    <a:gd name="connsiteX3" fmla="*/ 247650 w 523875"/>
+                    <a:gd name="connsiteY3" fmla="*/ 0 h 833437"/>
+                    <a:gd name="connsiteX4" fmla="*/ 371475 w 523875"/>
+                    <a:gd name="connsiteY4" fmla="*/ 19050 h 833437"/>
+                    <a:gd name="connsiteX5" fmla="*/ 500063 w 523875"/>
+                    <a:gd name="connsiteY5" fmla="*/ 80962 h 833437"/>
+                    <a:gd name="connsiteX6" fmla="*/ 514350 w 523875"/>
+                    <a:gd name="connsiteY6" fmla="*/ 152400 h 833437"/>
+                    <a:gd name="connsiteX7" fmla="*/ 523875 w 523875"/>
+                    <a:gd name="connsiteY7" fmla="*/ 252412 h 833437"/>
+                    <a:gd name="connsiteX8" fmla="*/ 523875 w 523875"/>
+                    <a:gd name="connsiteY8" fmla="*/ 304800 h 833437"/>
+                    <a:gd name="connsiteX9" fmla="*/ 452438 w 523875"/>
+                    <a:gd name="connsiteY9" fmla="*/ 357187 h 833437"/>
+                    <a:gd name="connsiteX10" fmla="*/ 400050 w 523875"/>
+                    <a:gd name="connsiteY10" fmla="*/ 395287 h 833437"/>
+                    <a:gd name="connsiteX11" fmla="*/ 295275 w 523875"/>
+                    <a:gd name="connsiteY11" fmla="*/ 414337 h 833437"/>
+                    <a:gd name="connsiteX12" fmla="*/ 214313 w 523875"/>
+                    <a:gd name="connsiteY12" fmla="*/ 409575 h 833437"/>
+                    <a:gd name="connsiteX13" fmla="*/ 142875 w 523875"/>
+                    <a:gd name="connsiteY13" fmla="*/ 819150 h 833437"/>
+                    <a:gd name="connsiteX14" fmla="*/ 123825 w 523875"/>
+                    <a:gd name="connsiteY14" fmla="*/ 723900 h 833437"/>
+                    <a:gd name="connsiteX15" fmla="*/ 85725 w 523875"/>
+                    <a:gd name="connsiteY15" fmla="*/ 833437 h 833437"/>
+                    <a:gd name="connsiteX16" fmla="*/ 85725 w 523875"/>
+                    <a:gd name="connsiteY16" fmla="*/ 695325 h 833437"/>
+                    <a:gd name="connsiteX17" fmla="*/ 0 w 523875"/>
+                    <a:gd name="connsiteY17" fmla="*/ 757237 h 833437"/>
+                    <a:gd name="connsiteX0" fmla="*/ 0 w 538163"/>
+                    <a:gd name="connsiteY0" fmla="*/ 862012 h 862012"/>
+                    <a:gd name="connsiteX1" fmla="*/ 14288 w 538163"/>
+                    <a:gd name="connsiteY1" fmla="*/ 757237 h 862012"/>
+                    <a:gd name="connsiteX2" fmla="*/ 66676 w 538163"/>
+                    <a:gd name="connsiteY2" fmla="*/ 33337 h 862012"/>
+                    <a:gd name="connsiteX3" fmla="*/ 261938 w 538163"/>
+                    <a:gd name="connsiteY3" fmla="*/ 0 h 862012"/>
+                    <a:gd name="connsiteX4" fmla="*/ 385763 w 538163"/>
+                    <a:gd name="connsiteY4" fmla="*/ 19050 h 862012"/>
+                    <a:gd name="connsiteX5" fmla="*/ 514351 w 538163"/>
+                    <a:gd name="connsiteY5" fmla="*/ 80962 h 862012"/>
+                    <a:gd name="connsiteX6" fmla="*/ 528638 w 538163"/>
+                    <a:gd name="connsiteY6" fmla="*/ 152400 h 862012"/>
+                    <a:gd name="connsiteX7" fmla="*/ 538163 w 538163"/>
+                    <a:gd name="connsiteY7" fmla="*/ 252412 h 862012"/>
+                    <a:gd name="connsiteX8" fmla="*/ 538163 w 538163"/>
+                    <a:gd name="connsiteY8" fmla="*/ 304800 h 862012"/>
+                    <a:gd name="connsiteX9" fmla="*/ 466726 w 538163"/>
+                    <a:gd name="connsiteY9" fmla="*/ 357187 h 862012"/>
+                    <a:gd name="connsiteX10" fmla="*/ 414338 w 538163"/>
+                    <a:gd name="connsiteY10" fmla="*/ 395287 h 862012"/>
+                    <a:gd name="connsiteX11" fmla="*/ 309563 w 538163"/>
+                    <a:gd name="connsiteY11" fmla="*/ 414337 h 862012"/>
+                    <a:gd name="connsiteX12" fmla="*/ 228601 w 538163"/>
+                    <a:gd name="connsiteY12" fmla="*/ 409575 h 862012"/>
+                    <a:gd name="connsiteX13" fmla="*/ 157163 w 538163"/>
+                    <a:gd name="connsiteY13" fmla="*/ 819150 h 862012"/>
+                    <a:gd name="connsiteX14" fmla="*/ 138113 w 538163"/>
+                    <a:gd name="connsiteY14" fmla="*/ 723900 h 862012"/>
+                    <a:gd name="connsiteX15" fmla="*/ 100013 w 538163"/>
+                    <a:gd name="connsiteY15" fmla="*/ 833437 h 862012"/>
+                    <a:gd name="connsiteX16" fmla="*/ 100013 w 538163"/>
+                    <a:gd name="connsiteY16" fmla="*/ 695325 h 862012"/>
+                    <a:gd name="connsiteX17" fmla="*/ 0 w 538163"/>
+                    <a:gd name="connsiteY17" fmla="*/ 862012 h 862012"/>
+                    <a:gd name="connsiteX0" fmla="*/ 0 w 538163"/>
+                    <a:gd name="connsiteY0" fmla="*/ 862012 h 862012"/>
+                    <a:gd name="connsiteX1" fmla="*/ 14288 w 538163"/>
+                    <a:gd name="connsiteY1" fmla="*/ 757237 h 862012"/>
+                    <a:gd name="connsiteX2" fmla="*/ 66676 w 538163"/>
+                    <a:gd name="connsiteY2" fmla="*/ 33337 h 862012"/>
+                    <a:gd name="connsiteX3" fmla="*/ 160664 w 538163"/>
+                    <a:gd name="connsiteY3" fmla="*/ 13079 h 862012"/>
+                    <a:gd name="connsiteX4" fmla="*/ 261938 w 538163"/>
+                    <a:gd name="connsiteY4" fmla="*/ 0 h 862012"/>
+                    <a:gd name="connsiteX5" fmla="*/ 385763 w 538163"/>
+                    <a:gd name="connsiteY5" fmla="*/ 19050 h 862012"/>
+                    <a:gd name="connsiteX6" fmla="*/ 514351 w 538163"/>
+                    <a:gd name="connsiteY6" fmla="*/ 80962 h 862012"/>
+                    <a:gd name="connsiteX7" fmla="*/ 528638 w 538163"/>
+                    <a:gd name="connsiteY7" fmla="*/ 152400 h 862012"/>
+                    <a:gd name="connsiteX8" fmla="*/ 538163 w 538163"/>
+                    <a:gd name="connsiteY8" fmla="*/ 252412 h 862012"/>
+                    <a:gd name="connsiteX9" fmla="*/ 538163 w 538163"/>
+                    <a:gd name="connsiteY9" fmla="*/ 304800 h 862012"/>
+                    <a:gd name="connsiteX10" fmla="*/ 466726 w 538163"/>
+                    <a:gd name="connsiteY10" fmla="*/ 357187 h 862012"/>
+                    <a:gd name="connsiteX11" fmla="*/ 414338 w 538163"/>
+                    <a:gd name="connsiteY11" fmla="*/ 395287 h 862012"/>
+                    <a:gd name="connsiteX12" fmla="*/ 309563 w 538163"/>
+                    <a:gd name="connsiteY12" fmla="*/ 414337 h 862012"/>
+                    <a:gd name="connsiteX13" fmla="*/ 228601 w 538163"/>
+                    <a:gd name="connsiteY13" fmla="*/ 409575 h 862012"/>
+                    <a:gd name="connsiteX14" fmla="*/ 157163 w 538163"/>
+                    <a:gd name="connsiteY14" fmla="*/ 819150 h 862012"/>
+                    <a:gd name="connsiteX15" fmla="*/ 138113 w 538163"/>
+                    <a:gd name="connsiteY15" fmla="*/ 723900 h 862012"/>
+                    <a:gd name="connsiteX16" fmla="*/ 100013 w 538163"/>
+                    <a:gd name="connsiteY16" fmla="*/ 833437 h 862012"/>
+                    <a:gd name="connsiteX17" fmla="*/ 100013 w 538163"/>
+                    <a:gd name="connsiteY17" fmla="*/ 695325 h 862012"/>
+                    <a:gd name="connsiteX18" fmla="*/ 0 w 538163"/>
+                    <a:gd name="connsiteY18" fmla="*/ 862012 h 862012"/>
+                    <a:gd name="connsiteX0" fmla="*/ 0 w 538163"/>
+                    <a:gd name="connsiteY0" fmla="*/ 862012 h 862012"/>
+                    <a:gd name="connsiteX1" fmla="*/ 14288 w 538163"/>
+                    <a:gd name="connsiteY1" fmla="*/ 757237 h 862012"/>
+                    <a:gd name="connsiteX2" fmla="*/ 66676 w 538163"/>
+                    <a:gd name="connsiteY2" fmla="*/ 33337 h 862012"/>
+                    <a:gd name="connsiteX3" fmla="*/ 160664 w 538163"/>
+                    <a:gd name="connsiteY3" fmla="*/ 13079 h 862012"/>
+                    <a:gd name="connsiteX4" fmla="*/ 261938 w 538163"/>
+                    <a:gd name="connsiteY4" fmla="*/ 0 h 862012"/>
+                    <a:gd name="connsiteX5" fmla="*/ 385763 w 538163"/>
+                    <a:gd name="connsiteY5" fmla="*/ 19050 h 862012"/>
+                    <a:gd name="connsiteX6" fmla="*/ 447708 w 538163"/>
+                    <a:gd name="connsiteY6" fmla="*/ 47040 h 862012"/>
+                    <a:gd name="connsiteX7" fmla="*/ 514351 w 538163"/>
+                    <a:gd name="connsiteY7" fmla="*/ 80962 h 862012"/>
+                    <a:gd name="connsiteX8" fmla="*/ 528638 w 538163"/>
+                    <a:gd name="connsiteY8" fmla="*/ 152400 h 862012"/>
+                    <a:gd name="connsiteX9" fmla="*/ 538163 w 538163"/>
+                    <a:gd name="connsiteY9" fmla="*/ 252412 h 862012"/>
+                    <a:gd name="connsiteX10" fmla="*/ 538163 w 538163"/>
+                    <a:gd name="connsiteY10" fmla="*/ 304800 h 862012"/>
+                    <a:gd name="connsiteX11" fmla="*/ 466726 w 538163"/>
+                    <a:gd name="connsiteY11" fmla="*/ 357187 h 862012"/>
+                    <a:gd name="connsiteX12" fmla="*/ 414338 w 538163"/>
+                    <a:gd name="connsiteY12" fmla="*/ 395287 h 862012"/>
+                    <a:gd name="connsiteX13" fmla="*/ 309563 w 538163"/>
+                    <a:gd name="connsiteY13" fmla="*/ 414337 h 862012"/>
+                    <a:gd name="connsiteX14" fmla="*/ 228601 w 538163"/>
+                    <a:gd name="connsiteY14" fmla="*/ 409575 h 862012"/>
+                    <a:gd name="connsiteX15" fmla="*/ 157163 w 538163"/>
+                    <a:gd name="connsiteY15" fmla="*/ 819150 h 862012"/>
+                    <a:gd name="connsiteX16" fmla="*/ 138113 w 538163"/>
+                    <a:gd name="connsiteY16" fmla="*/ 723900 h 862012"/>
+                    <a:gd name="connsiteX17" fmla="*/ 100013 w 538163"/>
+                    <a:gd name="connsiteY17" fmla="*/ 833437 h 862012"/>
+                    <a:gd name="connsiteX18" fmla="*/ 100013 w 538163"/>
+                    <a:gd name="connsiteY18" fmla="*/ 695325 h 862012"/>
+                    <a:gd name="connsiteX19" fmla="*/ 0 w 538163"/>
+                    <a:gd name="connsiteY19" fmla="*/ 862012 h 862012"/>
+                    <a:gd name="connsiteX0" fmla="*/ 0 w 549943"/>
+                    <a:gd name="connsiteY0" fmla="*/ 862012 h 862012"/>
+                    <a:gd name="connsiteX1" fmla="*/ 14288 w 549943"/>
+                    <a:gd name="connsiteY1" fmla="*/ 757237 h 862012"/>
+                    <a:gd name="connsiteX2" fmla="*/ 66676 w 549943"/>
+                    <a:gd name="connsiteY2" fmla="*/ 33337 h 862012"/>
+                    <a:gd name="connsiteX3" fmla="*/ 160664 w 549943"/>
+                    <a:gd name="connsiteY3" fmla="*/ 13079 h 862012"/>
+                    <a:gd name="connsiteX4" fmla="*/ 261938 w 549943"/>
+                    <a:gd name="connsiteY4" fmla="*/ 0 h 862012"/>
+                    <a:gd name="connsiteX5" fmla="*/ 385763 w 549943"/>
+                    <a:gd name="connsiteY5" fmla="*/ 19050 h 862012"/>
+                    <a:gd name="connsiteX6" fmla="*/ 447708 w 549943"/>
+                    <a:gd name="connsiteY6" fmla="*/ 47040 h 862012"/>
+                    <a:gd name="connsiteX7" fmla="*/ 514351 w 549943"/>
+                    <a:gd name="connsiteY7" fmla="*/ 80962 h 862012"/>
+                    <a:gd name="connsiteX8" fmla="*/ 528638 w 549943"/>
+                    <a:gd name="connsiteY8" fmla="*/ 152400 h 862012"/>
+                    <a:gd name="connsiteX9" fmla="*/ 549943 w 549943"/>
+                    <a:gd name="connsiteY9" fmla="*/ 216843 h 862012"/>
+                    <a:gd name="connsiteX10" fmla="*/ 538163 w 549943"/>
+                    <a:gd name="connsiteY10" fmla="*/ 252412 h 862012"/>
+                    <a:gd name="connsiteX11" fmla="*/ 538163 w 549943"/>
+                    <a:gd name="connsiteY11" fmla="*/ 304800 h 862012"/>
+                    <a:gd name="connsiteX12" fmla="*/ 466726 w 549943"/>
+                    <a:gd name="connsiteY12" fmla="*/ 357187 h 862012"/>
+                    <a:gd name="connsiteX13" fmla="*/ 414338 w 549943"/>
+                    <a:gd name="connsiteY13" fmla="*/ 395287 h 862012"/>
+                    <a:gd name="connsiteX14" fmla="*/ 309563 w 549943"/>
+                    <a:gd name="connsiteY14" fmla="*/ 414337 h 862012"/>
+                    <a:gd name="connsiteX15" fmla="*/ 228601 w 549943"/>
+                    <a:gd name="connsiteY15" fmla="*/ 409575 h 862012"/>
+                    <a:gd name="connsiteX16" fmla="*/ 157163 w 549943"/>
+                    <a:gd name="connsiteY16" fmla="*/ 819150 h 862012"/>
+                    <a:gd name="connsiteX17" fmla="*/ 138113 w 549943"/>
+                    <a:gd name="connsiteY17" fmla="*/ 723900 h 862012"/>
+                    <a:gd name="connsiteX18" fmla="*/ 100013 w 549943"/>
+                    <a:gd name="connsiteY18" fmla="*/ 833437 h 862012"/>
+                    <a:gd name="connsiteX19" fmla="*/ 100013 w 549943"/>
+                    <a:gd name="connsiteY19" fmla="*/ 695325 h 862012"/>
+                    <a:gd name="connsiteX20" fmla="*/ 0 w 549943"/>
+                    <a:gd name="connsiteY20" fmla="*/ 862012 h 862012"/>
+                    <a:gd name="connsiteX0" fmla="*/ 0 w 549943"/>
+                    <a:gd name="connsiteY0" fmla="*/ 862012 h 862012"/>
+                    <a:gd name="connsiteX1" fmla="*/ 14288 w 549943"/>
+                    <a:gd name="connsiteY1" fmla="*/ 757237 h 862012"/>
+                    <a:gd name="connsiteX2" fmla="*/ 66676 w 549943"/>
+                    <a:gd name="connsiteY2" fmla="*/ 33337 h 862012"/>
+                    <a:gd name="connsiteX3" fmla="*/ 160664 w 549943"/>
+                    <a:gd name="connsiteY3" fmla="*/ 13079 h 862012"/>
+                    <a:gd name="connsiteX4" fmla="*/ 261938 w 549943"/>
+                    <a:gd name="connsiteY4" fmla="*/ 0 h 862012"/>
+                    <a:gd name="connsiteX5" fmla="*/ 385763 w 549943"/>
+                    <a:gd name="connsiteY5" fmla="*/ 19050 h 862012"/>
+                    <a:gd name="connsiteX6" fmla="*/ 447708 w 549943"/>
+                    <a:gd name="connsiteY6" fmla="*/ 47040 h 862012"/>
+                    <a:gd name="connsiteX7" fmla="*/ 514351 w 549943"/>
+                    <a:gd name="connsiteY7" fmla="*/ 80962 h 862012"/>
+                    <a:gd name="connsiteX8" fmla="*/ 528638 w 549943"/>
+                    <a:gd name="connsiteY8" fmla="*/ 152400 h 862012"/>
+                    <a:gd name="connsiteX9" fmla="*/ 549943 w 549943"/>
+                    <a:gd name="connsiteY9" fmla="*/ 216843 h 862012"/>
+                    <a:gd name="connsiteX10" fmla="*/ 538163 w 549943"/>
+                    <a:gd name="connsiteY10" fmla="*/ 252412 h 862012"/>
+                    <a:gd name="connsiteX11" fmla="*/ 522434 w 549943"/>
+                    <a:gd name="connsiteY11" fmla="*/ 309045 h 862012"/>
+                    <a:gd name="connsiteX12" fmla="*/ 466726 w 549943"/>
+                    <a:gd name="connsiteY12" fmla="*/ 357187 h 862012"/>
+                    <a:gd name="connsiteX13" fmla="*/ 414338 w 549943"/>
+                    <a:gd name="connsiteY13" fmla="*/ 395287 h 862012"/>
+                    <a:gd name="connsiteX14" fmla="*/ 309563 w 549943"/>
+                    <a:gd name="connsiteY14" fmla="*/ 414337 h 862012"/>
+                    <a:gd name="connsiteX15" fmla="*/ 228601 w 549943"/>
+                    <a:gd name="connsiteY15" fmla="*/ 409575 h 862012"/>
+                    <a:gd name="connsiteX16" fmla="*/ 157163 w 549943"/>
+                    <a:gd name="connsiteY16" fmla="*/ 819150 h 862012"/>
+                    <a:gd name="connsiteX17" fmla="*/ 138113 w 549943"/>
+                    <a:gd name="connsiteY17" fmla="*/ 723900 h 862012"/>
+                    <a:gd name="connsiteX18" fmla="*/ 100013 w 549943"/>
+                    <a:gd name="connsiteY18" fmla="*/ 833437 h 862012"/>
+                    <a:gd name="connsiteX19" fmla="*/ 100013 w 549943"/>
+                    <a:gd name="connsiteY19" fmla="*/ 695325 h 862012"/>
+                    <a:gd name="connsiteX20" fmla="*/ 0 w 549943"/>
+                    <a:gd name="connsiteY20" fmla="*/ 862012 h 862012"/>
+                    <a:gd name="connsiteX0" fmla="*/ 0 w 549943"/>
+                    <a:gd name="connsiteY0" fmla="*/ 862012 h 862012"/>
+                    <a:gd name="connsiteX1" fmla="*/ 14288 w 549943"/>
+                    <a:gd name="connsiteY1" fmla="*/ 757237 h 862012"/>
+                    <a:gd name="connsiteX2" fmla="*/ 66676 w 549943"/>
+                    <a:gd name="connsiteY2" fmla="*/ 33337 h 862012"/>
+                    <a:gd name="connsiteX3" fmla="*/ 160664 w 549943"/>
+                    <a:gd name="connsiteY3" fmla="*/ 13079 h 862012"/>
+                    <a:gd name="connsiteX4" fmla="*/ 261938 w 549943"/>
+                    <a:gd name="connsiteY4" fmla="*/ 0 h 862012"/>
+                    <a:gd name="connsiteX5" fmla="*/ 385763 w 549943"/>
+                    <a:gd name="connsiteY5" fmla="*/ 19050 h 862012"/>
+                    <a:gd name="connsiteX6" fmla="*/ 447708 w 549943"/>
+                    <a:gd name="connsiteY6" fmla="*/ 47040 h 862012"/>
+                    <a:gd name="connsiteX7" fmla="*/ 514351 w 549943"/>
+                    <a:gd name="connsiteY7" fmla="*/ 80962 h 862012"/>
+                    <a:gd name="connsiteX8" fmla="*/ 528638 w 549943"/>
+                    <a:gd name="connsiteY8" fmla="*/ 152400 h 862012"/>
+                    <a:gd name="connsiteX9" fmla="*/ 549943 w 549943"/>
+                    <a:gd name="connsiteY9" fmla="*/ 216843 h 862012"/>
+                    <a:gd name="connsiteX10" fmla="*/ 538163 w 549943"/>
+                    <a:gd name="connsiteY10" fmla="*/ 252412 h 862012"/>
+                    <a:gd name="connsiteX11" fmla="*/ 522434 w 549943"/>
+                    <a:gd name="connsiteY11" fmla="*/ 309045 h 862012"/>
+                    <a:gd name="connsiteX12" fmla="*/ 466726 w 549943"/>
+                    <a:gd name="connsiteY12" fmla="*/ 357187 h 862012"/>
+                    <a:gd name="connsiteX13" fmla="*/ 414338 w 549943"/>
+                    <a:gd name="connsiteY13" fmla="*/ 395287 h 862012"/>
+                    <a:gd name="connsiteX14" fmla="*/ 361202 w 549943"/>
+                    <a:gd name="connsiteY14" fmla="*/ 412117 h 862012"/>
+                    <a:gd name="connsiteX15" fmla="*/ 309563 w 549943"/>
+                    <a:gd name="connsiteY15" fmla="*/ 414337 h 862012"/>
+                    <a:gd name="connsiteX16" fmla="*/ 228601 w 549943"/>
+                    <a:gd name="connsiteY16" fmla="*/ 409575 h 862012"/>
+                    <a:gd name="connsiteX17" fmla="*/ 157163 w 549943"/>
+                    <a:gd name="connsiteY17" fmla="*/ 819150 h 862012"/>
+                    <a:gd name="connsiteX18" fmla="*/ 138113 w 549943"/>
+                    <a:gd name="connsiteY18" fmla="*/ 723900 h 862012"/>
+                    <a:gd name="connsiteX19" fmla="*/ 100013 w 549943"/>
+                    <a:gd name="connsiteY19" fmla="*/ 833437 h 862012"/>
+                    <a:gd name="connsiteX20" fmla="*/ 100013 w 549943"/>
+                    <a:gd name="connsiteY20" fmla="*/ 695325 h 862012"/>
+                    <a:gd name="connsiteX21" fmla="*/ 0 w 549943"/>
+                    <a:gd name="connsiteY21" fmla="*/ 862012 h 862012"/>
+                    <a:gd name="connsiteX0" fmla="*/ 0 w 549943"/>
+                    <a:gd name="connsiteY0" fmla="*/ 862012 h 862012"/>
+                    <a:gd name="connsiteX1" fmla="*/ 14288 w 549943"/>
+                    <a:gd name="connsiteY1" fmla="*/ 757237 h 862012"/>
+                    <a:gd name="connsiteX2" fmla="*/ 66676 w 549943"/>
+                    <a:gd name="connsiteY2" fmla="*/ 33337 h 862012"/>
+                    <a:gd name="connsiteX3" fmla="*/ 160664 w 549943"/>
+                    <a:gd name="connsiteY3" fmla="*/ 13079 h 862012"/>
+                    <a:gd name="connsiteX4" fmla="*/ 261938 w 549943"/>
+                    <a:gd name="connsiteY4" fmla="*/ 0 h 862012"/>
+                    <a:gd name="connsiteX5" fmla="*/ 385763 w 549943"/>
+                    <a:gd name="connsiteY5" fmla="*/ 19050 h 862012"/>
+                    <a:gd name="connsiteX6" fmla="*/ 447708 w 549943"/>
+                    <a:gd name="connsiteY6" fmla="*/ 47040 h 862012"/>
+                    <a:gd name="connsiteX7" fmla="*/ 514351 w 549943"/>
+                    <a:gd name="connsiteY7" fmla="*/ 80962 h 862012"/>
+                    <a:gd name="connsiteX8" fmla="*/ 528638 w 549943"/>
+                    <a:gd name="connsiteY8" fmla="*/ 152400 h 862012"/>
+                    <a:gd name="connsiteX9" fmla="*/ 549943 w 549943"/>
+                    <a:gd name="connsiteY9" fmla="*/ 216843 h 862012"/>
+                    <a:gd name="connsiteX10" fmla="*/ 538163 w 549943"/>
+                    <a:gd name="connsiteY10" fmla="*/ 252412 h 862012"/>
+                    <a:gd name="connsiteX11" fmla="*/ 522434 w 549943"/>
+                    <a:gd name="connsiteY11" fmla="*/ 309045 h 862012"/>
+                    <a:gd name="connsiteX12" fmla="*/ 466726 w 549943"/>
+                    <a:gd name="connsiteY12" fmla="*/ 357187 h 862012"/>
+                    <a:gd name="connsiteX13" fmla="*/ 414338 w 549943"/>
+                    <a:gd name="connsiteY13" fmla="*/ 395287 h 862012"/>
+                    <a:gd name="connsiteX14" fmla="*/ 361202 w 549943"/>
+                    <a:gd name="connsiteY14" fmla="*/ 412117 h 862012"/>
+                    <a:gd name="connsiteX15" fmla="*/ 309563 w 549943"/>
+                    <a:gd name="connsiteY15" fmla="*/ 414337 h 862012"/>
+                    <a:gd name="connsiteX16" fmla="*/ 208941 w 549943"/>
+                    <a:gd name="connsiteY16" fmla="*/ 409575 h 862012"/>
+                    <a:gd name="connsiteX17" fmla="*/ 157163 w 549943"/>
+                    <a:gd name="connsiteY17" fmla="*/ 819150 h 862012"/>
+                    <a:gd name="connsiteX18" fmla="*/ 138113 w 549943"/>
+                    <a:gd name="connsiteY18" fmla="*/ 723900 h 862012"/>
+                    <a:gd name="connsiteX19" fmla="*/ 100013 w 549943"/>
+                    <a:gd name="connsiteY19" fmla="*/ 833437 h 862012"/>
+                    <a:gd name="connsiteX20" fmla="*/ 100013 w 549943"/>
+                    <a:gd name="connsiteY20" fmla="*/ 695325 h 862012"/>
+                    <a:gd name="connsiteX21" fmla="*/ 0 w 549943"/>
+                    <a:gd name="connsiteY21" fmla="*/ 862012 h 862012"/>
+                    <a:gd name="connsiteX0" fmla="*/ 0 w 549943"/>
+                    <a:gd name="connsiteY0" fmla="*/ 862012 h 862012"/>
+                    <a:gd name="connsiteX1" fmla="*/ 14288 w 549943"/>
+                    <a:gd name="connsiteY1" fmla="*/ 757237 h 862012"/>
+                    <a:gd name="connsiteX2" fmla="*/ 66676 w 549943"/>
+                    <a:gd name="connsiteY2" fmla="*/ 33337 h 862012"/>
+                    <a:gd name="connsiteX3" fmla="*/ 160664 w 549943"/>
+                    <a:gd name="connsiteY3" fmla="*/ 13079 h 862012"/>
+                    <a:gd name="connsiteX4" fmla="*/ 261938 w 549943"/>
+                    <a:gd name="connsiteY4" fmla="*/ 0 h 862012"/>
+                    <a:gd name="connsiteX5" fmla="*/ 385763 w 549943"/>
+                    <a:gd name="connsiteY5" fmla="*/ 19050 h 862012"/>
+                    <a:gd name="connsiteX6" fmla="*/ 447708 w 549943"/>
+                    <a:gd name="connsiteY6" fmla="*/ 47040 h 862012"/>
+                    <a:gd name="connsiteX7" fmla="*/ 514351 w 549943"/>
+                    <a:gd name="connsiteY7" fmla="*/ 80962 h 862012"/>
+                    <a:gd name="connsiteX8" fmla="*/ 528638 w 549943"/>
+                    <a:gd name="connsiteY8" fmla="*/ 152400 h 862012"/>
+                    <a:gd name="connsiteX9" fmla="*/ 549943 w 549943"/>
+                    <a:gd name="connsiteY9" fmla="*/ 216843 h 862012"/>
+                    <a:gd name="connsiteX10" fmla="*/ 538163 w 549943"/>
+                    <a:gd name="connsiteY10" fmla="*/ 252412 h 862012"/>
+                    <a:gd name="connsiteX11" fmla="*/ 522434 w 549943"/>
+                    <a:gd name="connsiteY11" fmla="*/ 309045 h 862012"/>
+                    <a:gd name="connsiteX12" fmla="*/ 466726 w 549943"/>
+                    <a:gd name="connsiteY12" fmla="*/ 357187 h 862012"/>
+                    <a:gd name="connsiteX13" fmla="*/ 414338 w 549943"/>
+                    <a:gd name="connsiteY13" fmla="*/ 395287 h 862012"/>
+                    <a:gd name="connsiteX14" fmla="*/ 361202 w 549943"/>
+                    <a:gd name="connsiteY14" fmla="*/ 412117 h 862012"/>
+                    <a:gd name="connsiteX15" fmla="*/ 309563 w 549943"/>
+                    <a:gd name="connsiteY15" fmla="*/ 414337 h 862012"/>
+                    <a:gd name="connsiteX16" fmla="*/ 193213 w 549943"/>
+                    <a:gd name="connsiteY16" fmla="*/ 409575 h 862012"/>
+                    <a:gd name="connsiteX17" fmla="*/ 157163 w 549943"/>
+                    <a:gd name="connsiteY17" fmla="*/ 819150 h 862012"/>
+                    <a:gd name="connsiteX18" fmla="*/ 138113 w 549943"/>
+                    <a:gd name="connsiteY18" fmla="*/ 723900 h 862012"/>
+                    <a:gd name="connsiteX19" fmla="*/ 100013 w 549943"/>
+                    <a:gd name="connsiteY19" fmla="*/ 833437 h 862012"/>
+                    <a:gd name="connsiteX20" fmla="*/ 100013 w 549943"/>
+                    <a:gd name="connsiteY20" fmla="*/ 695325 h 862012"/>
+                    <a:gd name="connsiteX21" fmla="*/ 0 w 549943"/>
+                    <a:gd name="connsiteY21" fmla="*/ 862012 h 862012"/>
+                    <a:gd name="connsiteX0" fmla="*/ 0 w 549943"/>
+                    <a:gd name="connsiteY0" fmla="*/ 862012 h 862012"/>
+                    <a:gd name="connsiteX1" fmla="*/ 14288 w 549943"/>
+                    <a:gd name="connsiteY1" fmla="*/ 757237 h 862012"/>
+                    <a:gd name="connsiteX2" fmla="*/ 66676 w 549943"/>
+                    <a:gd name="connsiteY2" fmla="*/ 33337 h 862012"/>
+                    <a:gd name="connsiteX3" fmla="*/ 160664 w 549943"/>
+                    <a:gd name="connsiteY3" fmla="*/ 13079 h 862012"/>
+                    <a:gd name="connsiteX4" fmla="*/ 261938 w 549943"/>
+                    <a:gd name="connsiteY4" fmla="*/ 0 h 862012"/>
+                    <a:gd name="connsiteX5" fmla="*/ 385763 w 549943"/>
+                    <a:gd name="connsiteY5" fmla="*/ 19050 h 862012"/>
+                    <a:gd name="connsiteX6" fmla="*/ 447708 w 549943"/>
+                    <a:gd name="connsiteY6" fmla="*/ 47040 h 862012"/>
+                    <a:gd name="connsiteX7" fmla="*/ 514351 w 549943"/>
+                    <a:gd name="connsiteY7" fmla="*/ 80962 h 862012"/>
+                    <a:gd name="connsiteX8" fmla="*/ 549943 w 549943"/>
+                    <a:gd name="connsiteY8" fmla="*/ 216843 h 862012"/>
+                    <a:gd name="connsiteX9" fmla="*/ 538163 w 549943"/>
+                    <a:gd name="connsiteY9" fmla="*/ 252412 h 862012"/>
+                    <a:gd name="connsiteX10" fmla="*/ 522434 w 549943"/>
+                    <a:gd name="connsiteY10" fmla="*/ 309045 h 862012"/>
+                    <a:gd name="connsiteX11" fmla="*/ 466726 w 549943"/>
+                    <a:gd name="connsiteY11" fmla="*/ 357187 h 862012"/>
+                    <a:gd name="connsiteX12" fmla="*/ 414338 w 549943"/>
+                    <a:gd name="connsiteY12" fmla="*/ 395287 h 862012"/>
+                    <a:gd name="connsiteX13" fmla="*/ 361202 w 549943"/>
+                    <a:gd name="connsiteY13" fmla="*/ 412117 h 862012"/>
+                    <a:gd name="connsiteX14" fmla="*/ 309563 w 549943"/>
+                    <a:gd name="connsiteY14" fmla="*/ 414337 h 862012"/>
+                    <a:gd name="connsiteX15" fmla="*/ 193213 w 549943"/>
+                    <a:gd name="connsiteY15" fmla="*/ 409575 h 862012"/>
+                    <a:gd name="connsiteX16" fmla="*/ 157163 w 549943"/>
+                    <a:gd name="connsiteY16" fmla="*/ 819150 h 862012"/>
+                    <a:gd name="connsiteX17" fmla="*/ 138113 w 549943"/>
+                    <a:gd name="connsiteY17" fmla="*/ 723900 h 862012"/>
+                    <a:gd name="connsiteX18" fmla="*/ 100013 w 549943"/>
+                    <a:gd name="connsiteY18" fmla="*/ 833437 h 862012"/>
+                    <a:gd name="connsiteX19" fmla="*/ 100013 w 549943"/>
+                    <a:gd name="connsiteY19" fmla="*/ 695325 h 862012"/>
+                    <a:gd name="connsiteX20" fmla="*/ 0 w 549943"/>
+                    <a:gd name="connsiteY20" fmla="*/ 862012 h 862012"/>
+                    <a:gd name="connsiteX0" fmla="*/ 0 w 549943"/>
+                    <a:gd name="connsiteY0" fmla="*/ 862012 h 862012"/>
+                    <a:gd name="connsiteX1" fmla="*/ 14288 w 549943"/>
+                    <a:gd name="connsiteY1" fmla="*/ 757237 h 862012"/>
+                    <a:gd name="connsiteX2" fmla="*/ 66676 w 549943"/>
+                    <a:gd name="connsiteY2" fmla="*/ 33337 h 862012"/>
+                    <a:gd name="connsiteX3" fmla="*/ 160664 w 549943"/>
+                    <a:gd name="connsiteY3" fmla="*/ 13079 h 862012"/>
+                    <a:gd name="connsiteX4" fmla="*/ 261938 w 549943"/>
+                    <a:gd name="connsiteY4" fmla="*/ 0 h 862012"/>
+                    <a:gd name="connsiteX5" fmla="*/ 385763 w 549943"/>
+                    <a:gd name="connsiteY5" fmla="*/ 19050 h 862012"/>
+                    <a:gd name="connsiteX6" fmla="*/ 447708 w 549943"/>
+                    <a:gd name="connsiteY6" fmla="*/ 47040 h 862012"/>
+                    <a:gd name="connsiteX7" fmla="*/ 514351 w 549943"/>
+                    <a:gd name="connsiteY7" fmla="*/ 80962 h 862012"/>
+                    <a:gd name="connsiteX8" fmla="*/ 523609 w 549943"/>
+                    <a:gd name="connsiteY8" fmla="*/ 143309 h 862012"/>
+                    <a:gd name="connsiteX9" fmla="*/ 549943 w 549943"/>
+                    <a:gd name="connsiteY9" fmla="*/ 216843 h 862012"/>
+                    <a:gd name="connsiteX10" fmla="*/ 538163 w 549943"/>
+                    <a:gd name="connsiteY10" fmla="*/ 252412 h 862012"/>
+                    <a:gd name="connsiteX11" fmla="*/ 522434 w 549943"/>
+                    <a:gd name="connsiteY11" fmla="*/ 309045 h 862012"/>
+                    <a:gd name="connsiteX12" fmla="*/ 466726 w 549943"/>
+                    <a:gd name="connsiteY12" fmla="*/ 357187 h 862012"/>
+                    <a:gd name="connsiteX13" fmla="*/ 414338 w 549943"/>
+                    <a:gd name="connsiteY13" fmla="*/ 395287 h 862012"/>
+                    <a:gd name="connsiteX14" fmla="*/ 361202 w 549943"/>
+                    <a:gd name="connsiteY14" fmla="*/ 412117 h 862012"/>
+                    <a:gd name="connsiteX15" fmla="*/ 309563 w 549943"/>
+                    <a:gd name="connsiteY15" fmla="*/ 414337 h 862012"/>
+                    <a:gd name="connsiteX16" fmla="*/ 193213 w 549943"/>
+                    <a:gd name="connsiteY16" fmla="*/ 409575 h 862012"/>
+                    <a:gd name="connsiteX17" fmla="*/ 157163 w 549943"/>
+                    <a:gd name="connsiteY17" fmla="*/ 819150 h 862012"/>
+                    <a:gd name="connsiteX18" fmla="*/ 138113 w 549943"/>
+                    <a:gd name="connsiteY18" fmla="*/ 723900 h 862012"/>
+                    <a:gd name="connsiteX19" fmla="*/ 100013 w 549943"/>
+                    <a:gd name="connsiteY19" fmla="*/ 833437 h 862012"/>
+                    <a:gd name="connsiteX20" fmla="*/ 100013 w 549943"/>
+                    <a:gd name="connsiteY20" fmla="*/ 695325 h 862012"/>
+                    <a:gd name="connsiteX21" fmla="*/ 0 w 549943"/>
+                    <a:gd name="connsiteY21" fmla="*/ 862012 h 862012"/>
+                    <a:gd name="connsiteX0" fmla="*/ 0 w 549943"/>
+                    <a:gd name="connsiteY0" fmla="*/ 862012 h 862012"/>
+                    <a:gd name="connsiteX1" fmla="*/ 14288 w 549943"/>
+                    <a:gd name="connsiteY1" fmla="*/ 757237 h 862012"/>
+                    <a:gd name="connsiteX2" fmla="*/ 66676 w 549943"/>
+                    <a:gd name="connsiteY2" fmla="*/ 33337 h 862012"/>
+                    <a:gd name="connsiteX3" fmla="*/ 160664 w 549943"/>
+                    <a:gd name="connsiteY3" fmla="*/ 13079 h 862012"/>
+                    <a:gd name="connsiteX4" fmla="*/ 261938 w 549943"/>
+                    <a:gd name="connsiteY4" fmla="*/ 0 h 862012"/>
+                    <a:gd name="connsiteX5" fmla="*/ 385763 w 549943"/>
+                    <a:gd name="connsiteY5" fmla="*/ 19050 h 862012"/>
+                    <a:gd name="connsiteX6" fmla="*/ 447708 w 549943"/>
+                    <a:gd name="connsiteY6" fmla="*/ 47040 h 862012"/>
+                    <a:gd name="connsiteX7" fmla="*/ 514351 w 549943"/>
+                    <a:gd name="connsiteY7" fmla="*/ 80962 h 862012"/>
+                    <a:gd name="connsiteX8" fmla="*/ 539338 w 549943"/>
+                    <a:gd name="connsiteY8" fmla="*/ 143309 h 862012"/>
+                    <a:gd name="connsiteX9" fmla="*/ 549943 w 549943"/>
+                    <a:gd name="connsiteY9" fmla="*/ 216843 h 862012"/>
+                    <a:gd name="connsiteX10" fmla="*/ 538163 w 549943"/>
+                    <a:gd name="connsiteY10" fmla="*/ 252412 h 862012"/>
+                    <a:gd name="connsiteX11" fmla="*/ 522434 w 549943"/>
+                    <a:gd name="connsiteY11" fmla="*/ 309045 h 862012"/>
+                    <a:gd name="connsiteX12" fmla="*/ 466726 w 549943"/>
+                    <a:gd name="connsiteY12" fmla="*/ 357187 h 862012"/>
+                    <a:gd name="connsiteX13" fmla="*/ 414338 w 549943"/>
+                    <a:gd name="connsiteY13" fmla="*/ 395287 h 862012"/>
+                    <a:gd name="connsiteX14" fmla="*/ 361202 w 549943"/>
+                    <a:gd name="connsiteY14" fmla="*/ 412117 h 862012"/>
+                    <a:gd name="connsiteX15" fmla="*/ 309563 w 549943"/>
+                    <a:gd name="connsiteY15" fmla="*/ 414337 h 862012"/>
+                    <a:gd name="connsiteX16" fmla="*/ 193213 w 549943"/>
+                    <a:gd name="connsiteY16" fmla="*/ 409575 h 862012"/>
+                    <a:gd name="connsiteX17" fmla="*/ 157163 w 549943"/>
+                    <a:gd name="connsiteY17" fmla="*/ 819150 h 862012"/>
+                    <a:gd name="connsiteX18" fmla="*/ 138113 w 549943"/>
+                    <a:gd name="connsiteY18" fmla="*/ 723900 h 862012"/>
+                    <a:gd name="connsiteX19" fmla="*/ 100013 w 549943"/>
+                    <a:gd name="connsiteY19" fmla="*/ 833437 h 862012"/>
+                    <a:gd name="connsiteX20" fmla="*/ 100013 w 549943"/>
+                    <a:gd name="connsiteY20" fmla="*/ 695325 h 862012"/>
+                    <a:gd name="connsiteX21" fmla="*/ 0 w 549943"/>
+                    <a:gd name="connsiteY21" fmla="*/ 862012 h 862012"/>
+                    <a:gd name="connsiteX0" fmla="*/ 465 w 550408"/>
+                    <a:gd name="connsiteY0" fmla="*/ 862012 h 862012"/>
+                    <a:gd name="connsiteX1" fmla="*/ 67141 w 550408"/>
+                    <a:gd name="connsiteY1" fmla="*/ 33337 h 862012"/>
+                    <a:gd name="connsiteX2" fmla="*/ 161129 w 550408"/>
+                    <a:gd name="connsiteY2" fmla="*/ 13079 h 862012"/>
+                    <a:gd name="connsiteX3" fmla="*/ 262403 w 550408"/>
+                    <a:gd name="connsiteY3" fmla="*/ 0 h 862012"/>
+                    <a:gd name="connsiteX4" fmla="*/ 386228 w 550408"/>
+                    <a:gd name="connsiteY4" fmla="*/ 19050 h 862012"/>
+                    <a:gd name="connsiteX5" fmla="*/ 448173 w 550408"/>
+                    <a:gd name="connsiteY5" fmla="*/ 47040 h 862012"/>
+                    <a:gd name="connsiteX6" fmla="*/ 514816 w 550408"/>
+                    <a:gd name="connsiteY6" fmla="*/ 80962 h 862012"/>
+                    <a:gd name="connsiteX7" fmla="*/ 539803 w 550408"/>
+                    <a:gd name="connsiteY7" fmla="*/ 143309 h 862012"/>
+                    <a:gd name="connsiteX8" fmla="*/ 550408 w 550408"/>
+                    <a:gd name="connsiteY8" fmla="*/ 216843 h 862012"/>
+                    <a:gd name="connsiteX9" fmla="*/ 538628 w 550408"/>
+                    <a:gd name="connsiteY9" fmla="*/ 252412 h 862012"/>
+                    <a:gd name="connsiteX10" fmla="*/ 522899 w 550408"/>
+                    <a:gd name="connsiteY10" fmla="*/ 309045 h 862012"/>
+                    <a:gd name="connsiteX11" fmla="*/ 467191 w 550408"/>
+                    <a:gd name="connsiteY11" fmla="*/ 357187 h 862012"/>
+                    <a:gd name="connsiteX12" fmla="*/ 414803 w 550408"/>
+                    <a:gd name="connsiteY12" fmla="*/ 395287 h 862012"/>
+                    <a:gd name="connsiteX13" fmla="*/ 361667 w 550408"/>
+                    <a:gd name="connsiteY13" fmla="*/ 412117 h 862012"/>
+                    <a:gd name="connsiteX14" fmla="*/ 310028 w 550408"/>
+                    <a:gd name="connsiteY14" fmla="*/ 414337 h 862012"/>
+                    <a:gd name="connsiteX15" fmla="*/ 193678 w 550408"/>
+                    <a:gd name="connsiteY15" fmla="*/ 409575 h 862012"/>
+                    <a:gd name="connsiteX16" fmla="*/ 157628 w 550408"/>
+                    <a:gd name="connsiteY16" fmla="*/ 819150 h 862012"/>
+                    <a:gd name="connsiteX17" fmla="*/ 138578 w 550408"/>
+                    <a:gd name="connsiteY17" fmla="*/ 723900 h 862012"/>
+                    <a:gd name="connsiteX18" fmla="*/ 100478 w 550408"/>
+                    <a:gd name="connsiteY18" fmla="*/ 833437 h 862012"/>
+                    <a:gd name="connsiteX19" fmla="*/ 100478 w 550408"/>
+                    <a:gd name="connsiteY19" fmla="*/ 695325 h 862012"/>
+                    <a:gd name="connsiteX20" fmla="*/ 465 w 550408"/>
+                    <a:gd name="connsiteY20" fmla="*/ 862012 h 862012"/>
+                    <a:gd name="connsiteX0" fmla="*/ 2245 w 552188"/>
+                    <a:gd name="connsiteY0" fmla="*/ 862012 h 862012"/>
+                    <a:gd name="connsiteX1" fmla="*/ 26978 w 552188"/>
+                    <a:gd name="connsiteY1" fmla="*/ 36167 h 862012"/>
+                    <a:gd name="connsiteX2" fmla="*/ 162909 w 552188"/>
+                    <a:gd name="connsiteY2" fmla="*/ 13079 h 862012"/>
+                    <a:gd name="connsiteX3" fmla="*/ 264183 w 552188"/>
+                    <a:gd name="connsiteY3" fmla="*/ 0 h 862012"/>
+                    <a:gd name="connsiteX4" fmla="*/ 388008 w 552188"/>
+                    <a:gd name="connsiteY4" fmla="*/ 19050 h 862012"/>
+                    <a:gd name="connsiteX5" fmla="*/ 449953 w 552188"/>
+                    <a:gd name="connsiteY5" fmla="*/ 47040 h 862012"/>
+                    <a:gd name="connsiteX6" fmla="*/ 516596 w 552188"/>
+                    <a:gd name="connsiteY6" fmla="*/ 80962 h 862012"/>
+                    <a:gd name="connsiteX7" fmla="*/ 541583 w 552188"/>
+                    <a:gd name="connsiteY7" fmla="*/ 143309 h 862012"/>
+                    <a:gd name="connsiteX8" fmla="*/ 552188 w 552188"/>
+                    <a:gd name="connsiteY8" fmla="*/ 216843 h 862012"/>
+                    <a:gd name="connsiteX9" fmla="*/ 540408 w 552188"/>
+                    <a:gd name="connsiteY9" fmla="*/ 252412 h 862012"/>
+                    <a:gd name="connsiteX10" fmla="*/ 524679 w 552188"/>
+                    <a:gd name="connsiteY10" fmla="*/ 309045 h 862012"/>
+                    <a:gd name="connsiteX11" fmla="*/ 468971 w 552188"/>
+                    <a:gd name="connsiteY11" fmla="*/ 357187 h 862012"/>
+                    <a:gd name="connsiteX12" fmla="*/ 416583 w 552188"/>
+                    <a:gd name="connsiteY12" fmla="*/ 395287 h 862012"/>
+                    <a:gd name="connsiteX13" fmla="*/ 363447 w 552188"/>
+                    <a:gd name="connsiteY13" fmla="*/ 412117 h 862012"/>
+                    <a:gd name="connsiteX14" fmla="*/ 311808 w 552188"/>
+                    <a:gd name="connsiteY14" fmla="*/ 414337 h 862012"/>
+                    <a:gd name="connsiteX15" fmla="*/ 195458 w 552188"/>
+                    <a:gd name="connsiteY15" fmla="*/ 409575 h 862012"/>
+                    <a:gd name="connsiteX16" fmla="*/ 159408 w 552188"/>
+                    <a:gd name="connsiteY16" fmla="*/ 819150 h 862012"/>
+                    <a:gd name="connsiteX17" fmla="*/ 140358 w 552188"/>
+                    <a:gd name="connsiteY17" fmla="*/ 723900 h 862012"/>
+                    <a:gd name="connsiteX18" fmla="*/ 102258 w 552188"/>
+                    <a:gd name="connsiteY18" fmla="*/ 833437 h 862012"/>
+                    <a:gd name="connsiteX19" fmla="*/ 102258 w 552188"/>
+                    <a:gd name="connsiteY19" fmla="*/ 695325 h 862012"/>
+                    <a:gd name="connsiteX20" fmla="*/ 2245 w 552188"/>
+                    <a:gd name="connsiteY20" fmla="*/ 862012 h 862012"/>
+                    <a:gd name="connsiteX0" fmla="*/ 24413 w 574356"/>
+                    <a:gd name="connsiteY0" fmla="*/ 862012 h 862012"/>
+                    <a:gd name="connsiteX1" fmla="*/ 49146 w 574356"/>
+                    <a:gd name="connsiteY1" fmla="*/ 36167 h 862012"/>
+                    <a:gd name="connsiteX2" fmla="*/ 185077 w 574356"/>
+                    <a:gd name="connsiteY2" fmla="*/ 13079 h 862012"/>
+                    <a:gd name="connsiteX3" fmla="*/ 286351 w 574356"/>
+                    <a:gd name="connsiteY3" fmla="*/ 0 h 862012"/>
+                    <a:gd name="connsiteX4" fmla="*/ 410176 w 574356"/>
+                    <a:gd name="connsiteY4" fmla="*/ 19050 h 862012"/>
+                    <a:gd name="connsiteX5" fmla="*/ 472121 w 574356"/>
+                    <a:gd name="connsiteY5" fmla="*/ 47040 h 862012"/>
+                    <a:gd name="connsiteX6" fmla="*/ 538764 w 574356"/>
+                    <a:gd name="connsiteY6" fmla="*/ 80962 h 862012"/>
+                    <a:gd name="connsiteX7" fmla="*/ 563751 w 574356"/>
+                    <a:gd name="connsiteY7" fmla="*/ 143309 h 862012"/>
+                    <a:gd name="connsiteX8" fmla="*/ 574356 w 574356"/>
+                    <a:gd name="connsiteY8" fmla="*/ 216843 h 862012"/>
+                    <a:gd name="connsiteX9" fmla="*/ 562576 w 574356"/>
+                    <a:gd name="connsiteY9" fmla="*/ 252412 h 862012"/>
+                    <a:gd name="connsiteX10" fmla="*/ 546847 w 574356"/>
+                    <a:gd name="connsiteY10" fmla="*/ 309045 h 862012"/>
+                    <a:gd name="connsiteX11" fmla="*/ 491139 w 574356"/>
+                    <a:gd name="connsiteY11" fmla="*/ 357187 h 862012"/>
+                    <a:gd name="connsiteX12" fmla="*/ 438751 w 574356"/>
+                    <a:gd name="connsiteY12" fmla="*/ 395287 h 862012"/>
+                    <a:gd name="connsiteX13" fmla="*/ 385615 w 574356"/>
+                    <a:gd name="connsiteY13" fmla="*/ 412117 h 862012"/>
+                    <a:gd name="connsiteX14" fmla="*/ 333976 w 574356"/>
+                    <a:gd name="connsiteY14" fmla="*/ 414337 h 862012"/>
+                    <a:gd name="connsiteX15" fmla="*/ 217626 w 574356"/>
+                    <a:gd name="connsiteY15" fmla="*/ 409575 h 862012"/>
+                    <a:gd name="connsiteX16" fmla="*/ 181576 w 574356"/>
+                    <a:gd name="connsiteY16" fmla="*/ 819150 h 862012"/>
+                    <a:gd name="connsiteX17" fmla="*/ 162526 w 574356"/>
+                    <a:gd name="connsiteY17" fmla="*/ 723900 h 862012"/>
+                    <a:gd name="connsiteX18" fmla="*/ 124426 w 574356"/>
+                    <a:gd name="connsiteY18" fmla="*/ 833437 h 862012"/>
+                    <a:gd name="connsiteX19" fmla="*/ 124426 w 574356"/>
+                    <a:gd name="connsiteY19" fmla="*/ 695325 h 862012"/>
+                    <a:gd name="connsiteX20" fmla="*/ 24413 w 574356"/>
+                    <a:gd name="connsiteY20" fmla="*/ 862012 h 862012"/>
+                    <a:gd name="connsiteX0" fmla="*/ 7021 w 556964"/>
+                    <a:gd name="connsiteY0" fmla="*/ 862012 h 862012"/>
+                    <a:gd name="connsiteX1" fmla="*/ 31754 w 556964"/>
+                    <a:gd name="connsiteY1" fmla="*/ 36167 h 862012"/>
+                    <a:gd name="connsiteX2" fmla="*/ 167685 w 556964"/>
+                    <a:gd name="connsiteY2" fmla="*/ 13079 h 862012"/>
+                    <a:gd name="connsiteX3" fmla="*/ 268959 w 556964"/>
+                    <a:gd name="connsiteY3" fmla="*/ 0 h 862012"/>
+                    <a:gd name="connsiteX4" fmla="*/ 392784 w 556964"/>
+                    <a:gd name="connsiteY4" fmla="*/ 19050 h 862012"/>
+                    <a:gd name="connsiteX5" fmla="*/ 454729 w 556964"/>
+                    <a:gd name="connsiteY5" fmla="*/ 47040 h 862012"/>
+                    <a:gd name="connsiteX6" fmla="*/ 521372 w 556964"/>
+                    <a:gd name="connsiteY6" fmla="*/ 80962 h 862012"/>
+                    <a:gd name="connsiteX7" fmla="*/ 546359 w 556964"/>
+                    <a:gd name="connsiteY7" fmla="*/ 143309 h 862012"/>
+                    <a:gd name="connsiteX8" fmla="*/ 556964 w 556964"/>
+                    <a:gd name="connsiteY8" fmla="*/ 216843 h 862012"/>
+                    <a:gd name="connsiteX9" fmla="*/ 545184 w 556964"/>
+                    <a:gd name="connsiteY9" fmla="*/ 252412 h 862012"/>
+                    <a:gd name="connsiteX10" fmla="*/ 529455 w 556964"/>
+                    <a:gd name="connsiteY10" fmla="*/ 309045 h 862012"/>
+                    <a:gd name="connsiteX11" fmla="*/ 473747 w 556964"/>
+                    <a:gd name="connsiteY11" fmla="*/ 357187 h 862012"/>
+                    <a:gd name="connsiteX12" fmla="*/ 421359 w 556964"/>
+                    <a:gd name="connsiteY12" fmla="*/ 395287 h 862012"/>
+                    <a:gd name="connsiteX13" fmla="*/ 368223 w 556964"/>
+                    <a:gd name="connsiteY13" fmla="*/ 412117 h 862012"/>
+                    <a:gd name="connsiteX14" fmla="*/ 316584 w 556964"/>
+                    <a:gd name="connsiteY14" fmla="*/ 414337 h 862012"/>
+                    <a:gd name="connsiteX15" fmla="*/ 200234 w 556964"/>
+                    <a:gd name="connsiteY15" fmla="*/ 409575 h 862012"/>
+                    <a:gd name="connsiteX16" fmla="*/ 164184 w 556964"/>
+                    <a:gd name="connsiteY16" fmla="*/ 819150 h 862012"/>
+                    <a:gd name="connsiteX17" fmla="*/ 145134 w 556964"/>
+                    <a:gd name="connsiteY17" fmla="*/ 723900 h 862012"/>
+                    <a:gd name="connsiteX18" fmla="*/ 107034 w 556964"/>
+                    <a:gd name="connsiteY18" fmla="*/ 833437 h 862012"/>
+                    <a:gd name="connsiteX19" fmla="*/ 107034 w 556964"/>
+                    <a:gd name="connsiteY19" fmla="*/ 695325 h 862012"/>
+                    <a:gd name="connsiteX20" fmla="*/ 7021 w 556964"/>
+                    <a:gd name="connsiteY20" fmla="*/ 862012 h 862012"/>
+                    <a:gd name="connsiteX0" fmla="*/ 7021 w 556964"/>
+                    <a:gd name="connsiteY0" fmla="*/ 862012 h 862012"/>
+                    <a:gd name="connsiteX1" fmla="*/ 31754 w 556964"/>
+                    <a:gd name="connsiteY1" fmla="*/ 36167 h 862012"/>
+                    <a:gd name="connsiteX2" fmla="*/ 167685 w 556964"/>
+                    <a:gd name="connsiteY2" fmla="*/ 13079 h 862012"/>
+                    <a:gd name="connsiteX3" fmla="*/ 268959 w 556964"/>
+                    <a:gd name="connsiteY3" fmla="*/ 0 h 862012"/>
+                    <a:gd name="connsiteX4" fmla="*/ 392784 w 556964"/>
+                    <a:gd name="connsiteY4" fmla="*/ 19050 h 862012"/>
+                    <a:gd name="connsiteX5" fmla="*/ 454729 w 556964"/>
+                    <a:gd name="connsiteY5" fmla="*/ 47040 h 862012"/>
+                    <a:gd name="connsiteX6" fmla="*/ 521372 w 556964"/>
+                    <a:gd name="connsiteY6" fmla="*/ 80962 h 862012"/>
+                    <a:gd name="connsiteX7" fmla="*/ 546359 w 556964"/>
+                    <a:gd name="connsiteY7" fmla="*/ 143309 h 862012"/>
+                    <a:gd name="connsiteX8" fmla="*/ 556964 w 556964"/>
+                    <a:gd name="connsiteY8" fmla="*/ 216843 h 862012"/>
+                    <a:gd name="connsiteX9" fmla="*/ 545184 w 556964"/>
+                    <a:gd name="connsiteY9" fmla="*/ 252412 h 862012"/>
+                    <a:gd name="connsiteX10" fmla="*/ 529455 w 556964"/>
+                    <a:gd name="connsiteY10" fmla="*/ 309045 h 862012"/>
+                    <a:gd name="connsiteX11" fmla="*/ 473747 w 556964"/>
+                    <a:gd name="connsiteY11" fmla="*/ 357187 h 862012"/>
+                    <a:gd name="connsiteX12" fmla="*/ 421359 w 556964"/>
+                    <a:gd name="connsiteY12" fmla="*/ 395287 h 862012"/>
+                    <a:gd name="connsiteX13" fmla="*/ 368223 w 556964"/>
+                    <a:gd name="connsiteY13" fmla="*/ 412117 h 862012"/>
+                    <a:gd name="connsiteX14" fmla="*/ 316584 w 556964"/>
+                    <a:gd name="connsiteY14" fmla="*/ 414337 h 862012"/>
+                    <a:gd name="connsiteX15" fmla="*/ 200234 w 556964"/>
+                    <a:gd name="connsiteY15" fmla="*/ 409575 h 862012"/>
+                    <a:gd name="connsiteX16" fmla="*/ 164184 w 556964"/>
+                    <a:gd name="connsiteY16" fmla="*/ 819150 h 862012"/>
+                    <a:gd name="connsiteX17" fmla="*/ 145134 w 556964"/>
+                    <a:gd name="connsiteY17" fmla="*/ 723900 h 862012"/>
+                    <a:gd name="connsiteX18" fmla="*/ 107034 w 556964"/>
+                    <a:gd name="connsiteY18" fmla="*/ 833437 h 862012"/>
+                    <a:gd name="connsiteX19" fmla="*/ 107034 w 556964"/>
+                    <a:gd name="connsiteY19" fmla="*/ 695325 h 862012"/>
+                    <a:gd name="connsiteX20" fmla="*/ 7021 w 556964"/>
+                    <a:gd name="connsiteY20" fmla="*/ 862012 h 862012"/>
+                    <a:gd name="connsiteX0" fmla="*/ 49103 w 599046"/>
+                    <a:gd name="connsiteY0" fmla="*/ 862012 h 862012"/>
+                    <a:gd name="connsiteX1" fmla="*/ 73836 w 599046"/>
+                    <a:gd name="connsiteY1" fmla="*/ 36167 h 862012"/>
+                    <a:gd name="connsiteX2" fmla="*/ 209767 w 599046"/>
+                    <a:gd name="connsiteY2" fmla="*/ 13079 h 862012"/>
+                    <a:gd name="connsiteX3" fmla="*/ 311041 w 599046"/>
+                    <a:gd name="connsiteY3" fmla="*/ 0 h 862012"/>
+                    <a:gd name="connsiteX4" fmla="*/ 434866 w 599046"/>
+                    <a:gd name="connsiteY4" fmla="*/ 19050 h 862012"/>
+                    <a:gd name="connsiteX5" fmla="*/ 496811 w 599046"/>
+                    <a:gd name="connsiteY5" fmla="*/ 47040 h 862012"/>
+                    <a:gd name="connsiteX6" fmla="*/ 563454 w 599046"/>
+                    <a:gd name="connsiteY6" fmla="*/ 80962 h 862012"/>
+                    <a:gd name="connsiteX7" fmla="*/ 588441 w 599046"/>
+                    <a:gd name="connsiteY7" fmla="*/ 143309 h 862012"/>
+                    <a:gd name="connsiteX8" fmla="*/ 599046 w 599046"/>
+                    <a:gd name="connsiteY8" fmla="*/ 216843 h 862012"/>
+                    <a:gd name="connsiteX9" fmla="*/ 587266 w 599046"/>
+                    <a:gd name="connsiteY9" fmla="*/ 252412 h 862012"/>
+                    <a:gd name="connsiteX10" fmla="*/ 571537 w 599046"/>
+                    <a:gd name="connsiteY10" fmla="*/ 309045 h 862012"/>
+                    <a:gd name="connsiteX11" fmla="*/ 515829 w 599046"/>
+                    <a:gd name="connsiteY11" fmla="*/ 357187 h 862012"/>
+                    <a:gd name="connsiteX12" fmla="*/ 463441 w 599046"/>
+                    <a:gd name="connsiteY12" fmla="*/ 395287 h 862012"/>
+                    <a:gd name="connsiteX13" fmla="*/ 410305 w 599046"/>
+                    <a:gd name="connsiteY13" fmla="*/ 412117 h 862012"/>
+                    <a:gd name="connsiteX14" fmla="*/ 358666 w 599046"/>
+                    <a:gd name="connsiteY14" fmla="*/ 414337 h 862012"/>
+                    <a:gd name="connsiteX15" fmla="*/ 242316 w 599046"/>
+                    <a:gd name="connsiteY15" fmla="*/ 409575 h 862012"/>
+                    <a:gd name="connsiteX16" fmla="*/ 206266 w 599046"/>
+                    <a:gd name="connsiteY16" fmla="*/ 819150 h 862012"/>
+                    <a:gd name="connsiteX17" fmla="*/ 187216 w 599046"/>
+                    <a:gd name="connsiteY17" fmla="*/ 723900 h 862012"/>
+                    <a:gd name="connsiteX18" fmla="*/ 149116 w 599046"/>
+                    <a:gd name="connsiteY18" fmla="*/ 833437 h 862012"/>
+                    <a:gd name="connsiteX19" fmla="*/ 149116 w 599046"/>
+                    <a:gd name="connsiteY19" fmla="*/ 695325 h 862012"/>
+                    <a:gd name="connsiteX20" fmla="*/ 49103 w 599046"/>
+                    <a:gd name="connsiteY20" fmla="*/ 862012 h 862012"/>
+                    <a:gd name="connsiteX0" fmla="*/ 49103 w 599046"/>
+                    <a:gd name="connsiteY0" fmla="*/ 862012 h 862012"/>
+                    <a:gd name="connsiteX1" fmla="*/ 73836 w 599046"/>
+                    <a:gd name="connsiteY1" fmla="*/ 36167 h 862012"/>
+                    <a:gd name="connsiteX2" fmla="*/ 209767 w 599046"/>
+                    <a:gd name="connsiteY2" fmla="*/ 13079 h 862012"/>
+                    <a:gd name="connsiteX3" fmla="*/ 311041 w 599046"/>
+                    <a:gd name="connsiteY3" fmla="*/ 0 h 862012"/>
+                    <a:gd name="connsiteX4" fmla="*/ 434866 w 599046"/>
+                    <a:gd name="connsiteY4" fmla="*/ 19050 h 862012"/>
+                    <a:gd name="connsiteX5" fmla="*/ 496811 w 599046"/>
+                    <a:gd name="connsiteY5" fmla="*/ 47040 h 862012"/>
+                    <a:gd name="connsiteX6" fmla="*/ 563454 w 599046"/>
+                    <a:gd name="connsiteY6" fmla="*/ 80962 h 862012"/>
+                    <a:gd name="connsiteX7" fmla="*/ 588441 w 599046"/>
+                    <a:gd name="connsiteY7" fmla="*/ 143309 h 862012"/>
+                    <a:gd name="connsiteX8" fmla="*/ 599046 w 599046"/>
+                    <a:gd name="connsiteY8" fmla="*/ 216843 h 862012"/>
+                    <a:gd name="connsiteX9" fmla="*/ 587266 w 599046"/>
+                    <a:gd name="connsiteY9" fmla="*/ 252412 h 862012"/>
+                    <a:gd name="connsiteX10" fmla="*/ 571537 w 599046"/>
+                    <a:gd name="connsiteY10" fmla="*/ 309045 h 862012"/>
+                    <a:gd name="connsiteX11" fmla="*/ 515829 w 599046"/>
+                    <a:gd name="connsiteY11" fmla="*/ 357187 h 862012"/>
+                    <a:gd name="connsiteX12" fmla="*/ 463441 w 599046"/>
+                    <a:gd name="connsiteY12" fmla="*/ 395287 h 862012"/>
+                    <a:gd name="connsiteX13" fmla="*/ 410305 w 599046"/>
+                    <a:gd name="connsiteY13" fmla="*/ 412117 h 862012"/>
+                    <a:gd name="connsiteX14" fmla="*/ 358666 w 599046"/>
+                    <a:gd name="connsiteY14" fmla="*/ 414337 h 862012"/>
+                    <a:gd name="connsiteX15" fmla="*/ 242316 w 599046"/>
+                    <a:gd name="connsiteY15" fmla="*/ 409575 h 862012"/>
+                    <a:gd name="connsiteX16" fmla="*/ 206266 w 599046"/>
+                    <a:gd name="connsiteY16" fmla="*/ 819150 h 862012"/>
+                    <a:gd name="connsiteX17" fmla="*/ 187216 w 599046"/>
+                    <a:gd name="connsiteY17" fmla="*/ 723900 h 862012"/>
+                    <a:gd name="connsiteX18" fmla="*/ 149116 w 599046"/>
+                    <a:gd name="connsiteY18" fmla="*/ 833437 h 862012"/>
+                    <a:gd name="connsiteX19" fmla="*/ 149116 w 599046"/>
+                    <a:gd name="connsiteY19" fmla="*/ 695325 h 862012"/>
+                    <a:gd name="connsiteX20" fmla="*/ 49103 w 599046"/>
+                    <a:gd name="connsiteY20" fmla="*/ 862012 h 862012"/>
+                    <a:gd name="connsiteX0" fmla="*/ 0 w 549943"/>
+                    <a:gd name="connsiteY0" fmla="*/ 862012 h 862012"/>
+                    <a:gd name="connsiteX1" fmla="*/ 160664 w 549943"/>
+                    <a:gd name="connsiteY1" fmla="*/ 13079 h 862012"/>
+                    <a:gd name="connsiteX2" fmla="*/ 261938 w 549943"/>
+                    <a:gd name="connsiteY2" fmla="*/ 0 h 862012"/>
+                    <a:gd name="connsiteX3" fmla="*/ 385763 w 549943"/>
+                    <a:gd name="connsiteY3" fmla="*/ 19050 h 862012"/>
+                    <a:gd name="connsiteX4" fmla="*/ 447708 w 549943"/>
+                    <a:gd name="connsiteY4" fmla="*/ 47040 h 862012"/>
+                    <a:gd name="connsiteX5" fmla="*/ 514351 w 549943"/>
+                    <a:gd name="connsiteY5" fmla="*/ 80962 h 862012"/>
+                    <a:gd name="connsiteX6" fmla="*/ 539338 w 549943"/>
+                    <a:gd name="connsiteY6" fmla="*/ 143309 h 862012"/>
+                    <a:gd name="connsiteX7" fmla="*/ 549943 w 549943"/>
+                    <a:gd name="connsiteY7" fmla="*/ 216843 h 862012"/>
+                    <a:gd name="connsiteX8" fmla="*/ 538163 w 549943"/>
+                    <a:gd name="connsiteY8" fmla="*/ 252412 h 862012"/>
+                    <a:gd name="connsiteX9" fmla="*/ 522434 w 549943"/>
+                    <a:gd name="connsiteY9" fmla="*/ 309045 h 862012"/>
+                    <a:gd name="connsiteX10" fmla="*/ 466726 w 549943"/>
+                    <a:gd name="connsiteY10" fmla="*/ 357187 h 862012"/>
+                    <a:gd name="connsiteX11" fmla="*/ 414338 w 549943"/>
+                    <a:gd name="connsiteY11" fmla="*/ 395287 h 862012"/>
+                    <a:gd name="connsiteX12" fmla="*/ 361202 w 549943"/>
+                    <a:gd name="connsiteY12" fmla="*/ 412117 h 862012"/>
+                    <a:gd name="connsiteX13" fmla="*/ 309563 w 549943"/>
+                    <a:gd name="connsiteY13" fmla="*/ 414337 h 862012"/>
+                    <a:gd name="connsiteX14" fmla="*/ 193213 w 549943"/>
+                    <a:gd name="connsiteY14" fmla="*/ 409575 h 862012"/>
+                    <a:gd name="connsiteX15" fmla="*/ 157163 w 549943"/>
+                    <a:gd name="connsiteY15" fmla="*/ 819150 h 862012"/>
+                    <a:gd name="connsiteX16" fmla="*/ 138113 w 549943"/>
+                    <a:gd name="connsiteY16" fmla="*/ 723900 h 862012"/>
+                    <a:gd name="connsiteX17" fmla="*/ 100013 w 549943"/>
+                    <a:gd name="connsiteY17" fmla="*/ 833437 h 862012"/>
+                    <a:gd name="connsiteX18" fmla="*/ 100013 w 549943"/>
+                    <a:gd name="connsiteY18" fmla="*/ 695325 h 862012"/>
+                    <a:gd name="connsiteX19" fmla="*/ 0 w 549943"/>
+                    <a:gd name="connsiteY19" fmla="*/ 862012 h 862012"/>
+                    <a:gd name="connsiteX0" fmla="*/ 0 w 549943"/>
+                    <a:gd name="connsiteY0" fmla="*/ 862012 h 862012"/>
+                    <a:gd name="connsiteX1" fmla="*/ 122534 w 549943"/>
+                    <a:gd name="connsiteY1" fmla="*/ 148970 h 862012"/>
+                    <a:gd name="connsiteX2" fmla="*/ 160664 w 549943"/>
+                    <a:gd name="connsiteY2" fmla="*/ 13079 h 862012"/>
+                    <a:gd name="connsiteX3" fmla="*/ 261938 w 549943"/>
+                    <a:gd name="connsiteY3" fmla="*/ 0 h 862012"/>
+                    <a:gd name="connsiteX4" fmla="*/ 385763 w 549943"/>
+                    <a:gd name="connsiteY4" fmla="*/ 19050 h 862012"/>
+                    <a:gd name="connsiteX5" fmla="*/ 447708 w 549943"/>
+                    <a:gd name="connsiteY5" fmla="*/ 47040 h 862012"/>
+                    <a:gd name="connsiteX6" fmla="*/ 514351 w 549943"/>
+                    <a:gd name="connsiteY6" fmla="*/ 80962 h 862012"/>
+                    <a:gd name="connsiteX7" fmla="*/ 539338 w 549943"/>
+                    <a:gd name="connsiteY7" fmla="*/ 143309 h 862012"/>
+                    <a:gd name="connsiteX8" fmla="*/ 549943 w 549943"/>
+                    <a:gd name="connsiteY8" fmla="*/ 216843 h 862012"/>
+                    <a:gd name="connsiteX9" fmla="*/ 538163 w 549943"/>
+                    <a:gd name="connsiteY9" fmla="*/ 252412 h 862012"/>
+                    <a:gd name="connsiteX10" fmla="*/ 522434 w 549943"/>
+                    <a:gd name="connsiteY10" fmla="*/ 309045 h 862012"/>
+                    <a:gd name="connsiteX11" fmla="*/ 466726 w 549943"/>
+                    <a:gd name="connsiteY11" fmla="*/ 357187 h 862012"/>
+                    <a:gd name="connsiteX12" fmla="*/ 414338 w 549943"/>
+                    <a:gd name="connsiteY12" fmla="*/ 395287 h 862012"/>
+                    <a:gd name="connsiteX13" fmla="*/ 361202 w 549943"/>
+                    <a:gd name="connsiteY13" fmla="*/ 412117 h 862012"/>
+                    <a:gd name="connsiteX14" fmla="*/ 309563 w 549943"/>
+                    <a:gd name="connsiteY14" fmla="*/ 414337 h 862012"/>
+                    <a:gd name="connsiteX15" fmla="*/ 193213 w 549943"/>
+                    <a:gd name="connsiteY15" fmla="*/ 409575 h 862012"/>
+                    <a:gd name="connsiteX16" fmla="*/ 157163 w 549943"/>
+                    <a:gd name="connsiteY16" fmla="*/ 819150 h 862012"/>
+                    <a:gd name="connsiteX17" fmla="*/ 138113 w 549943"/>
+                    <a:gd name="connsiteY17" fmla="*/ 723900 h 862012"/>
+                    <a:gd name="connsiteX18" fmla="*/ 100013 w 549943"/>
+                    <a:gd name="connsiteY18" fmla="*/ 833437 h 862012"/>
+                    <a:gd name="connsiteX19" fmla="*/ 100013 w 549943"/>
+                    <a:gd name="connsiteY19" fmla="*/ 695325 h 862012"/>
+                    <a:gd name="connsiteX20" fmla="*/ 0 w 549943"/>
+                    <a:gd name="connsiteY20" fmla="*/ 862012 h 862012"/>
+                    <a:gd name="connsiteX0" fmla="*/ 0 w 549943"/>
+                    <a:gd name="connsiteY0" fmla="*/ 866237 h 866237"/>
+                    <a:gd name="connsiteX1" fmla="*/ 54377 w 549943"/>
+                    <a:gd name="connsiteY1" fmla="*/ 73953 h 866237"/>
+                    <a:gd name="connsiteX2" fmla="*/ 160664 w 549943"/>
+                    <a:gd name="connsiteY2" fmla="*/ 17304 h 866237"/>
+                    <a:gd name="connsiteX3" fmla="*/ 261938 w 549943"/>
+                    <a:gd name="connsiteY3" fmla="*/ 4225 h 866237"/>
+                    <a:gd name="connsiteX4" fmla="*/ 385763 w 549943"/>
+                    <a:gd name="connsiteY4" fmla="*/ 23275 h 866237"/>
+                    <a:gd name="connsiteX5" fmla="*/ 447708 w 549943"/>
+                    <a:gd name="connsiteY5" fmla="*/ 51265 h 866237"/>
+                    <a:gd name="connsiteX6" fmla="*/ 514351 w 549943"/>
+                    <a:gd name="connsiteY6" fmla="*/ 85187 h 866237"/>
+                    <a:gd name="connsiteX7" fmla="*/ 539338 w 549943"/>
+                    <a:gd name="connsiteY7" fmla="*/ 147534 h 866237"/>
+                    <a:gd name="connsiteX8" fmla="*/ 549943 w 549943"/>
+                    <a:gd name="connsiteY8" fmla="*/ 221068 h 866237"/>
+                    <a:gd name="connsiteX9" fmla="*/ 538163 w 549943"/>
+                    <a:gd name="connsiteY9" fmla="*/ 256637 h 866237"/>
+                    <a:gd name="connsiteX10" fmla="*/ 522434 w 549943"/>
+                    <a:gd name="connsiteY10" fmla="*/ 313270 h 866237"/>
+                    <a:gd name="connsiteX11" fmla="*/ 466726 w 549943"/>
+                    <a:gd name="connsiteY11" fmla="*/ 361412 h 866237"/>
+                    <a:gd name="connsiteX12" fmla="*/ 414338 w 549943"/>
+                    <a:gd name="connsiteY12" fmla="*/ 399512 h 866237"/>
+                    <a:gd name="connsiteX13" fmla="*/ 361202 w 549943"/>
+                    <a:gd name="connsiteY13" fmla="*/ 416342 h 866237"/>
+                    <a:gd name="connsiteX14" fmla="*/ 309563 w 549943"/>
+                    <a:gd name="connsiteY14" fmla="*/ 418562 h 866237"/>
+                    <a:gd name="connsiteX15" fmla="*/ 193213 w 549943"/>
+                    <a:gd name="connsiteY15" fmla="*/ 413800 h 866237"/>
+                    <a:gd name="connsiteX16" fmla="*/ 157163 w 549943"/>
+                    <a:gd name="connsiteY16" fmla="*/ 823375 h 866237"/>
+                    <a:gd name="connsiteX17" fmla="*/ 138113 w 549943"/>
+                    <a:gd name="connsiteY17" fmla="*/ 728125 h 866237"/>
+                    <a:gd name="connsiteX18" fmla="*/ 100013 w 549943"/>
+                    <a:gd name="connsiteY18" fmla="*/ 837662 h 866237"/>
+                    <a:gd name="connsiteX19" fmla="*/ 100013 w 549943"/>
+                    <a:gd name="connsiteY19" fmla="*/ 699550 h 866237"/>
+                    <a:gd name="connsiteX20" fmla="*/ 0 w 549943"/>
+                    <a:gd name="connsiteY20" fmla="*/ 866237 h 866237"/>
+                    <a:gd name="connsiteX0" fmla="*/ 0 w 549943"/>
+                    <a:gd name="connsiteY0" fmla="*/ 877963 h 877963"/>
+                    <a:gd name="connsiteX1" fmla="*/ 54377 w 549943"/>
+                    <a:gd name="connsiteY1" fmla="*/ 85679 h 877963"/>
+                    <a:gd name="connsiteX2" fmla="*/ 261938 w 549943"/>
+                    <a:gd name="connsiteY2" fmla="*/ 15951 h 877963"/>
+                    <a:gd name="connsiteX3" fmla="*/ 385763 w 549943"/>
+                    <a:gd name="connsiteY3" fmla="*/ 35001 h 877963"/>
+                    <a:gd name="connsiteX4" fmla="*/ 447708 w 549943"/>
+                    <a:gd name="connsiteY4" fmla="*/ 62991 h 877963"/>
+                    <a:gd name="connsiteX5" fmla="*/ 514351 w 549943"/>
+                    <a:gd name="connsiteY5" fmla="*/ 96913 h 877963"/>
+                    <a:gd name="connsiteX6" fmla="*/ 539338 w 549943"/>
+                    <a:gd name="connsiteY6" fmla="*/ 159260 h 877963"/>
+                    <a:gd name="connsiteX7" fmla="*/ 549943 w 549943"/>
+                    <a:gd name="connsiteY7" fmla="*/ 232794 h 877963"/>
+                    <a:gd name="connsiteX8" fmla="*/ 538163 w 549943"/>
+                    <a:gd name="connsiteY8" fmla="*/ 268363 h 877963"/>
+                    <a:gd name="connsiteX9" fmla="*/ 522434 w 549943"/>
+                    <a:gd name="connsiteY9" fmla="*/ 324996 h 877963"/>
+                    <a:gd name="connsiteX10" fmla="*/ 466726 w 549943"/>
+                    <a:gd name="connsiteY10" fmla="*/ 373138 h 877963"/>
+                    <a:gd name="connsiteX11" fmla="*/ 414338 w 549943"/>
+                    <a:gd name="connsiteY11" fmla="*/ 411238 h 877963"/>
+                    <a:gd name="connsiteX12" fmla="*/ 361202 w 549943"/>
+                    <a:gd name="connsiteY12" fmla="*/ 428068 h 877963"/>
+                    <a:gd name="connsiteX13" fmla="*/ 309563 w 549943"/>
+                    <a:gd name="connsiteY13" fmla="*/ 430288 h 877963"/>
+                    <a:gd name="connsiteX14" fmla="*/ 193213 w 549943"/>
+                    <a:gd name="connsiteY14" fmla="*/ 425526 h 877963"/>
+                    <a:gd name="connsiteX15" fmla="*/ 157163 w 549943"/>
+                    <a:gd name="connsiteY15" fmla="*/ 835101 h 877963"/>
+                    <a:gd name="connsiteX16" fmla="*/ 138113 w 549943"/>
+                    <a:gd name="connsiteY16" fmla="*/ 739851 h 877963"/>
+                    <a:gd name="connsiteX17" fmla="*/ 100013 w 549943"/>
+                    <a:gd name="connsiteY17" fmla="*/ 849388 h 877963"/>
+                    <a:gd name="connsiteX18" fmla="*/ 100013 w 549943"/>
+                    <a:gd name="connsiteY18" fmla="*/ 711276 h 877963"/>
+                    <a:gd name="connsiteX19" fmla="*/ 0 w 549943"/>
+                    <a:gd name="connsiteY19" fmla="*/ 877963 h 877963"/>
+                    <a:gd name="connsiteX0" fmla="*/ 45636 w 495566"/>
+                    <a:gd name="connsiteY0" fmla="*/ 711276 h 849388"/>
+                    <a:gd name="connsiteX1" fmla="*/ 0 w 495566"/>
+                    <a:gd name="connsiteY1" fmla="*/ 85679 h 849388"/>
+                    <a:gd name="connsiteX2" fmla="*/ 207561 w 495566"/>
+                    <a:gd name="connsiteY2" fmla="*/ 15951 h 849388"/>
+                    <a:gd name="connsiteX3" fmla="*/ 331386 w 495566"/>
+                    <a:gd name="connsiteY3" fmla="*/ 35001 h 849388"/>
+                    <a:gd name="connsiteX4" fmla="*/ 393331 w 495566"/>
+                    <a:gd name="connsiteY4" fmla="*/ 62991 h 849388"/>
+                    <a:gd name="connsiteX5" fmla="*/ 459974 w 495566"/>
+                    <a:gd name="connsiteY5" fmla="*/ 96913 h 849388"/>
+                    <a:gd name="connsiteX6" fmla="*/ 484961 w 495566"/>
+                    <a:gd name="connsiteY6" fmla="*/ 159260 h 849388"/>
+                    <a:gd name="connsiteX7" fmla="*/ 495566 w 495566"/>
+                    <a:gd name="connsiteY7" fmla="*/ 232794 h 849388"/>
+                    <a:gd name="connsiteX8" fmla="*/ 483786 w 495566"/>
+                    <a:gd name="connsiteY8" fmla="*/ 268363 h 849388"/>
+                    <a:gd name="connsiteX9" fmla="*/ 468057 w 495566"/>
+                    <a:gd name="connsiteY9" fmla="*/ 324996 h 849388"/>
+                    <a:gd name="connsiteX10" fmla="*/ 412349 w 495566"/>
+                    <a:gd name="connsiteY10" fmla="*/ 373138 h 849388"/>
+                    <a:gd name="connsiteX11" fmla="*/ 359961 w 495566"/>
+                    <a:gd name="connsiteY11" fmla="*/ 411238 h 849388"/>
+                    <a:gd name="connsiteX12" fmla="*/ 306825 w 495566"/>
+                    <a:gd name="connsiteY12" fmla="*/ 428068 h 849388"/>
+                    <a:gd name="connsiteX13" fmla="*/ 255186 w 495566"/>
+                    <a:gd name="connsiteY13" fmla="*/ 430288 h 849388"/>
+                    <a:gd name="connsiteX14" fmla="*/ 138836 w 495566"/>
+                    <a:gd name="connsiteY14" fmla="*/ 425526 h 849388"/>
+                    <a:gd name="connsiteX15" fmla="*/ 102786 w 495566"/>
+                    <a:gd name="connsiteY15" fmla="*/ 835101 h 849388"/>
+                    <a:gd name="connsiteX16" fmla="*/ 83736 w 495566"/>
+                    <a:gd name="connsiteY16" fmla="*/ 739851 h 849388"/>
+                    <a:gd name="connsiteX17" fmla="*/ 45636 w 495566"/>
+                    <a:gd name="connsiteY17" fmla="*/ 849388 h 849388"/>
+                    <a:gd name="connsiteX18" fmla="*/ 45636 w 495566"/>
+                    <a:gd name="connsiteY18" fmla="*/ 711276 h 849388"/>
+                    <a:gd name="connsiteX0" fmla="*/ 45636 w 495566"/>
+                    <a:gd name="connsiteY0" fmla="*/ 711276 h 849388"/>
+                    <a:gd name="connsiteX1" fmla="*/ 34082 w 495566"/>
+                    <a:gd name="connsiteY1" fmla="*/ 583770 h 849388"/>
+                    <a:gd name="connsiteX2" fmla="*/ 0 w 495566"/>
+                    <a:gd name="connsiteY2" fmla="*/ 85679 h 849388"/>
+                    <a:gd name="connsiteX3" fmla="*/ 207561 w 495566"/>
+                    <a:gd name="connsiteY3" fmla="*/ 15951 h 849388"/>
+                    <a:gd name="connsiteX4" fmla="*/ 331386 w 495566"/>
+                    <a:gd name="connsiteY4" fmla="*/ 35001 h 849388"/>
+                    <a:gd name="connsiteX5" fmla="*/ 393331 w 495566"/>
+                    <a:gd name="connsiteY5" fmla="*/ 62991 h 849388"/>
+                    <a:gd name="connsiteX6" fmla="*/ 459974 w 495566"/>
+                    <a:gd name="connsiteY6" fmla="*/ 96913 h 849388"/>
+                    <a:gd name="connsiteX7" fmla="*/ 484961 w 495566"/>
+                    <a:gd name="connsiteY7" fmla="*/ 159260 h 849388"/>
+                    <a:gd name="connsiteX8" fmla="*/ 495566 w 495566"/>
+                    <a:gd name="connsiteY8" fmla="*/ 232794 h 849388"/>
+                    <a:gd name="connsiteX9" fmla="*/ 483786 w 495566"/>
+                    <a:gd name="connsiteY9" fmla="*/ 268363 h 849388"/>
+                    <a:gd name="connsiteX10" fmla="*/ 468057 w 495566"/>
+                    <a:gd name="connsiteY10" fmla="*/ 324996 h 849388"/>
+                    <a:gd name="connsiteX11" fmla="*/ 412349 w 495566"/>
+                    <a:gd name="connsiteY11" fmla="*/ 373138 h 849388"/>
+                    <a:gd name="connsiteX12" fmla="*/ 359961 w 495566"/>
+                    <a:gd name="connsiteY12" fmla="*/ 411238 h 849388"/>
+                    <a:gd name="connsiteX13" fmla="*/ 306825 w 495566"/>
+                    <a:gd name="connsiteY13" fmla="*/ 428068 h 849388"/>
+                    <a:gd name="connsiteX14" fmla="*/ 255186 w 495566"/>
+                    <a:gd name="connsiteY14" fmla="*/ 430288 h 849388"/>
+                    <a:gd name="connsiteX15" fmla="*/ 138836 w 495566"/>
+                    <a:gd name="connsiteY15" fmla="*/ 425526 h 849388"/>
+                    <a:gd name="connsiteX16" fmla="*/ 102786 w 495566"/>
+                    <a:gd name="connsiteY16" fmla="*/ 835101 h 849388"/>
+                    <a:gd name="connsiteX17" fmla="*/ 83736 w 495566"/>
+                    <a:gd name="connsiteY17" fmla="*/ 739851 h 849388"/>
+                    <a:gd name="connsiteX18" fmla="*/ 45636 w 495566"/>
+                    <a:gd name="connsiteY18" fmla="*/ 849388 h 849388"/>
+                    <a:gd name="connsiteX19" fmla="*/ 45636 w 495566"/>
+                    <a:gd name="connsiteY19" fmla="*/ 711276 h 849388"/>
+                    <a:gd name="connsiteX0" fmla="*/ 82332 w 532262"/>
+                    <a:gd name="connsiteY0" fmla="*/ 711276 h 869606"/>
+                    <a:gd name="connsiteX1" fmla="*/ 0 w 532262"/>
+                    <a:gd name="connsiteY1" fmla="*/ 869606 h 869606"/>
+                    <a:gd name="connsiteX2" fmla="*/ 36696 w 532262"/>
+                    <a:gd name="connsiteY2" fmla="*/ 85679 h 869606"/>
+                    <a:gd name="connsiteX3" fmla="*/ 244257 w 532262"/>
+                    <a:gd name="connsiteY3" fmla="*/ 15951 h 869606"/>
+                    <a:gd name="connsiteX4" fmla="*/ 368082 w 532262"/>
+                    <a:gd name="connsiteY4" fmla="*/ 35001 h 869606"/>
+                    <a:gd name="connsiteX5" fmla="*/ 430027 w 532262"/>
+                    <a:gd name="connsiteY5" fmla="*/ 62991 h 869606"/>
+                    <a:gd name="connsiteX6" fmla="*/ 496670 w 532262"/>
+                    <a:gd name="connsiteY6" fmla="*/ 96913 h 869606"/>
+                    <a:gd name="connsiteX7" fmla="*/ 521657 w 532262"/>
+                    <a:gd name="connsiteY7" fmla="*/ 159260 h 869606"/>
+                    <a:gd name="connsiteX8" fmla="*/ 532262 w 532262"/>
+                    <a:gd name="connsiteY8" fmla="*/ 232794 h 869606"/>
+                    <a:gd name="connsiteX9" fmla="*/ 520482 w 532262"/>
+                    <a:gd name="connsiteY9" fmla="*/ 268363 h 869606"/>
+                    <a:gd name="connsiteX10" fmla="*/ 504753 w 532262"/>
+                    <a:gd name="connsiteY10" fmla="*/ 324996 h 869606"/>
+                    <a:gd name="connsiteX11" fmla="*/ 449045 w 532262"/>
+                    <a:gd name="connsiteY11" fmla="*/ 373138 h 869606"/>
+                    <a:gd name="connsiteX12" fmla="*/ 396657 w 532262"/>
+                    <a:gd name="connsiteY12" fmla="*/ 411238 h 869606"/>
+                    <a:gd name="connsiteX13" fmla="*/ 343521 w 532262"/>
+                    <a:gd name="connsiteY13" fmla="*/ 428068 h 869606"/>
+                    <a:gd name="connsiteX14" fmla="*/ 291882 w 532262"/>
+                    <a:gd name="connsiteY14" fmla="*/ 430288 h 869606"/>
+                    <a:gd name="connsiteX15" fmla="*/ 175532 w 532262"/>
+                    <a:gd name="connsiteY15" fmla="*/ 425526 h 869606"/>
+                    <a:gd name="connsiteX16" fmla="*/ 139482 w 532262"/>
+                    <a:gd name="connsiteY16" fmla="*/ 835101 h 869606"/>
+                    <a:gd name="connsiteX17" fmla="*/ 120432 w 532262"/>
+                    <a:gd name="connsiteY17" fmla="*/ 739851 h 869606"/>
+                    <a:gd name="connsiteX18" fmla="*/ 82332 w 532262"/>
+                    <a:gd name="connsiteY18" fmla="*/ 849388 h 869606"/>
+                    <a:gd name="connsiteX19" fmla="*/ 82332 w 532262"/>
+                    <a:gd name="connsiteY19" fmla="*/ 711276 h 869606"/>
+                    <a:gd name="connsiteX0" fmla="*/ 82332 w 532262"/>
+                    <a:gd name="connsiteY0" fmla="*/ 702759 h 861089"/>
+                    <a:gd name="connsiteX1" fmla="*/ 0 w 532262"/>
+                    <a:gd name="connsiteY1" fmla="*/ 861089 h 861089"/>
+                    <a:gd name="connsiteX2" fmla="*/ 36696 w 532262"/>
+                    <a:gd name="connsiteY2" fmla="*/ 77162 h 861089"/>
+                    <a:gd name="connsiteX3" fmla="*/ 368082 w 532262"/>
+                    <a:gd name="connsiteY3" fmla="*/ 26484 h 861089"/>
+                    <a:gd name="connsiteX4" fmla="*/ 430027 w 532262"/>
+                    <a:gd name="connsiteY4" fmla="*/ 54474 h 861089"/>
+                    <a:gd name="connsiteX5" fmla="*/ 496670 w 532262"/>
+                    <a:gd name="connsiteY5" fmla="*/ 88396 h 861089"/>
+                    <a:gd name="connsiteX6" fmla="*/ 521657 w 532262"/>
+                    <a:gd name="connsiteY6" fmla="*/ 150743 h 861089"/>
+                    <a:gd name="connsiteX7" fmla="*/ 532262 w 532262"/>
+                    <a:gd name="connsiteY7" fmla="*/ 224277 h 861089"/>
+                    <a:gd name="connsiteX8" fmla="*/ 520482 w 532262"/>
+                    <a:gd name="connsiteY8" fmla="*/ 259846 h 861089"/>
+                    <a:gd name="connsiteX9" fmla="*/ 504753 w 532262"/>
+                    <a:gd name="connsiteY9" fmla="*/ 316479 h 861089"/>
+                    <a:gd name="connsiteX10" fmla="*/ 449045 w 532262"/>
+                    <a:gd name="connsiteY10" fmla="*/ 364621 h 861089"/>
+                    <a:gd name="connsiteX11" fmla="*/ 396657 w 532262"/>
+                    <a:gd name="connsiteY11" fmla="*/ 402721 h 861089"/>
+                    <a:gd name="connsiteX12" fmla="*/ 343521 w 532262"/>
+                    <a:gd name="connsiteY12" fmla="*/ 419551 h 861089"/>
+                    <a:gd name="connsiteX13" fmla="*/ 291882 w 532262"/>
+                    <a:gd name="connsiteY13" fmla="*/ 421771 h 861089"/>
+                    <a:gd name="connsiteX14" fmla="*/ 175532 w 532262"/>
+                    <a:gd name="connsiteY14" fmla="*/ 417009 h 861089"/>
+                    <a:gd name="connsiteX15" fmla="*/ 139482 w 532262"/>
+                    <a:gd name="connsiteY15" fmla="*/ 826584 h 861089"/>
+                    <a:gd name="connsiteX16" fmla="*/ 120432 w 532262"/>
+                    <a:gd name="connsiteY16" fmla="*/ 731334 h 861089"/>
+                    <a:gd name="connsiteX17" fmla="*/ 82332 w 532262"/>
+                    <a:gd name="connsiteY17" fmla="*/ 840871 h 861089"/>
+                    <a:gd name="connsiteX18" fmla="*/ 82332 w 532262"/>
+                    <a:gd name="connsiteY18" fmla="*/ 702759 h 861089"/>
+                    <a:gd name="connsiteX0" fmla="*/ 82332 w 532262"/>
+                    <a:gd name="connsiteY0" fmla="*/ 692352 h 850682"/>
+                    <a:gd name="connsiteX1" fmla="*/ 0 w 532262"/>
+                    <a:gd name="connsiteY1" fmla="*/ 850682 h 850682"/>
+                    <a:gd name="connsiteX2" fmla="*/ 36696 w 532262"/>
+                    <a:gd name="connsiteY2" fmla="*/ 66755 h 850682"/>
+                    <a:gd name="connsiteX3" fmla="*/ 430027 w 532262"/>
+                    <a:gd name="connsiteY3" fmla="*/ 44067 h 850682"/>
+                    <a:gd name="connsiteX4" fmla="*/ 496670 w 532262"/>
+                    <a:gd name="connsiteY4" fmla="*/ 77989 h 850682"/>
+                    <a:gd name="connsiteX5" fmla="*/ 521657 w 532262"/>
+                    <a:gd name="connsiteY5" fmla="*/ 140336 h 850682"/>
+                    <a:gd name="connsiteX6" fmla="*/ 532262 w 532262"/>
+                    <a:gd name="connsiteY6" fmla="*/ 213870 h 850682"/>
+                    <a:gd name="connsiteX7" fmla="*/ 520482 w 532262"/>
+                    <a:gd name="connsiteY7" fmla="*/ 249439 h 850682"/>
+                    <a:gd name="connsiteX8" fmla="*/ 504753 w 532262"/>
+                    <a:gd name="connsiteY8" fmla="*/ 306072 h 850682"/>
+                    <a:gd name="connsiteX9" fmla="*/ 449045 w 532262"/>
+                    <a:gd name="connsiteY9" fmla="*/ 354214 h 850682"/>
+                    <a:gd name="connsiteX10" fmla="*/ 396657 w 532262"/>
+                    <a:gd name="connsiteY10" fmla="*/ 392314 h 850682"/>
+                    <a:gd name="connsiteX11" fmla="*/ 343521 w 532262"/>
+                    <a:gd name="connsiteY11" fmla="*/ 409144 h 850682"/>
+                    <a:gd name="connsiteX12" fmla="*/ 291882 w 532262"/>
+                    <a:gd name="connsiteY12" fmla="*/ 411364 h 850682"/>
+                    <a:gd name="connsiteX13" fmla="*/ 175532 w 532262"/>
+                    <a:gd name="connsiteY13" fmla="*/ 406602 h 850682"/>
+                    <a:gd name="connsiteX14" fmla="*/ 139482 w 532262"/>
+                    <a:gd name="connsiteY14" fmla="*/ 816177 h 850682"/>
+                    <a:gd name="connsiteX15" fmla="*/ 120432 w 532262"/>
+                    <a:gd name="connsiteY15" fmla="*/ 720927 h 850682"/>
+                    <a:gd name="connsiteX16" fmla="*/ 82332 w 532262"/>
+                    <a:gd name="connsiteY16" fmla="*/ 830464 h 850682"/>
+                    <a:gd name="connsiteX17" fmla="*/ 82332 w 532262"/>
+                    <a:gd name="connsiteY17" fmla="*/ 692352 h 850682"/>
+                    <a:gd name="connsiteX0" fmla="*/ 82332 w 532262"/>
+                    <a:gd name="connsiteY0" fmla="*/ 682651 h 840981"/>
+                    <a:gd name="connsiteX1" fmla="*/ 0 w 532262"/>
+                    <a:gd name="connsiteY1" fmla="*/ 840981 h 840981"/>
+                    <a:gd name="connsiteX2" fmla="*/ 36696 w 532262"/>
+                    <a:gd name="connsiteY2" fmla="*/ 57054 h 840981"/>
+                    <a:gd name="connsiteX3" fmla="*/ 496670 w 532262"/>
+                    <a:gd name="connsiteY3" fmla="*/ 68288 h 840981"/>
+                    <a:gd name="connsiteX4" fmla="*/ 521657 w 532262"/>
+                    <a:gd name="connsiteY4" fmla="*/ 130635 h 840981"/>
+                    <a:gd name="connsiteX5" fmla="*/ 532262 w 532262"/>
+                    <a:gd name="connsiteY5" fmla="*/ 204169 h 840981"/>
+                    <a:gd name="connsiteX6" fmla="*/ 520482 w 532262"/>
+                    <a:gd name="connsiteY6" fmla="*/ 239738 h 840981"/>
+                    <a:gd name="connsiteX7" fmla="*/ 504753 w 532262"/>
+                    <a:gd name="connsiteY7" fmla="*/ 296371 h 840981"/>
+                    <a:gd name="connsiteX8" fmla="*/ 449045 w 532262"/>
+                    <a:gd name="connsiteY8" fmla="*/ 344513 h 840981"/>
+                    <a:gd name="connsiteX9" fmla="*/ 396657 w 532262"/>
+                    <a:gd name="connsiteY9" fmla="*/ 382613 h 840981"/>
+                    <a:gd name="connsiteX10" fmla="*/ 343521 w 532262"/>
+                    <a:gd name="connsiteY10" fmla="*/ 399443 h 840981"/>
+                    <a:gd name="connsiteX11" fmla="*/ 291882 w 532262"/>
+                    <a:gd name="connsiteY11" fmla="*/ 401663 h 840981"/>
+                    <a:gd name="connsiteX12" fmla="*/ 175532 w 532262"/>
+                    <a:gd name="connsiteY12" fmla="*/ 396901 h 840981"/>
+                    <a:gd name="connsiteX13" fmla="*/ 139482 w 532262"/>
+                    <a:gd name="connsiteY13" fmla="*/ 806476 h 840981"/>
+                    <a:gd name="connsiteX14" fmla="*/ 120432 w 532262"/>
+                    <a:gd name="connsiteY14" fmla="*/ 711226 h 840981"/>
+                    <a:gd name="connsiteX15" fmla="*/ 82332 w 532262"/>
+                    <a:gd name="connsiteY15" fmla="*/ 820763 h 840981"/>
+                    <a:gd name="connsiteX16" fmla="*/ 82332 w 532262"/>
+                    <a:gd name="connsiteY16" fmla="*/ 682651 h 840981"/>
+                    <a:gd name="connsiteX0" fmla="*/ 82332 w 532262"/>
+                    <a:gd name="connsiteY0" fmla="*/ 667516 h 825846"/>
+                    <a:gd name="connsiteX1" fmla="*/ 0 w 532262"/>
+                    <a:gd name="connsiteY1" fmla="*/ 825846 h 825846"/>
+                    <a:gd name="connsiteX2" fmla="*/ 36696 w 532262"/>
+                    <a:gd name="connsiteY2" fmla="*/ 41919 h 825846"/>
+                    <a:gd name="connsiteX3" fmla="*/ 521657 w 532262"/>
+                    <a:gd name="connsiteY3" fmla="*/ 115500 h 825846"/>
+                    <a:gd name="connsiteX4" fmla="*/ 532262 w 532262"/>
+                    <a:gd name="connsiteY4" fmla="*/ 189034 h 825846"/>
+                    <a:gd name="connsiteX5" fmla="*/ 520482 w 532262"/>
+                    <a:gd name="connsiteY5" fmla="*/ 224603 h 825846"/>
+                    <a:gd name="connsiteX6" fmla="*/ 504753 w 532262"/>
+                    <a:gd name="connsiteY6" fmla="*/ 281236 h 825846"/>
+                    <a:gd name="connsiteX7" fmla="*/ 449045 w 532262"/>
+                    <a:gd name="connsiteY7" fmla="*/ 329378 h 825846"/>
+                    <a:gd name="connsiteX8" fmla="*/ 396657 w 532262"/>
+                    <a:gd name="connsiteY8" fmla="*/ 367478 h 825846"/>
+                    <a:gd name="connsiteX9" fmla="*/ 343521 w 532262"/>
+                    <a:gd name="connsiteY9" fmla="*/ 384308 h 825846"/>
+                    <a:gd name="connsiteX10" fmla="*/ 291882 w 532262"/>
+                    <a:gd name="connsiteY10" fmla="*/ 386528 h 825846"/>
+                    <a:gd name="connsiteX11" fmla="*/ 175532 w 532262"/>
+                    <a:gd name="connsiteY11" fmla="*/ 381766 h 825846"/>
+                    <a:gd name="connsiteX12" fmla="*/ 139482 w 532262"/>
+                    <a:gd name="connsiteY12" fmla="*/ 791341 h 825846"/>
+                    <a:gd name="connsiteX13" fmla="*/ 120432 w 532262"/>
+                    <a:gd name="connsiteY13" fmla="*/ 696091 h 825846"/>
+                    <a:gd name="connsiteX14" fmla="*/ 82332 w 532262"/>
+                    <a:gd name="connsiteY14" fmla="*/ 805628 h 825846"/>
+                    <a:gd name="connsiteX15" fmla="*/ 82332 w 532262"/>
+                    <a:gd name="connsiteY15" fmla="*/ 667516 h 825846"/>
+                    <a:gd name="connsiteX0" fmla="*/ 82332 w 532262"/>
+                    <a:gd name="connsiteY0" fmla="*/ 552016 h 710346"/>
+                    <a:gd name="connsiteX1" fmla="*/ 0 w 532262"/>
+                    <a:gd name="connsiteY1" fmla="*/ 710346 h 710346"/>
+                    <a:gd name="connsiteX2" fmla="*/ 521657 w 532262"/>
+                    <a:gd name="connsiteY2" fmla="*/ 0 h 710346"/>
+                    <a:gd name="connsiteX3" fmla="*/ 532262 w 532262"/>
+                    <a:gd name="connsiteY3" fmla="*/ 73534 h 710346"/>
+                    <a:gd name="connsiteX4" fmla="*/ 520482 w 532262"/>
+                    <a:gd name="connsiteY4" fmla="*/ 109103 h 710346"/>
+                    <a:gd name="connsiteX5" fmla="*/ 504753 w 532262"/>
+                    <a:gd name="connsiteY5" fmla="*/ 165736 h 710346"/>
+                    <a:gd name="connsiteX6" fmla="*/ 449045 w 532262"/>
+                    <a:gd name="connsiteY6" fmla="*/ 213878 h 710346"/>
+                    <a:gd name="connsiteX7" fmla="*/ 396657 w 532262"/>
+                    <a:gd name="connsiteY7" fmla="*/ 251978 h 710346"/>
+                    <a:gd name="connsiteX8" fmla="*/ 343521 w 532262"/>
+                    <a:gd name="connsiteY8" fmla="*/ 268808 h 710346"/>
+                    <a:gd name="connsiteX9" fmla="*/ 291882 w 532262"/>
+                    <a:gd name="connsiteY9" fmla="*/ 271028 h 710346"/>
+                    <a:gd name="connsiteX10" fmla="*/ 175532 w 532262"/>
+                    <a:gd name="connsiteY10" fmla="*/ 266266 h 710346"/>
+                    <a:gd name="connsiteX11" fmla="*/ 139482 w 532262"/>
+                    <a:gd name="connsiteY11" fmla="*/ 675841 h 710346"/>
+                    <a:gd name="connsiteX12" fmla="*/ 120432 w 532262"/>
+                    <a:gd name="connsiteY12" fmla="*/ 580591 h 710346"/>
+                    <a:gd name="connsiteX13" fmla="*/ 82332 w 532262"/>
+                    <a:gd name="connsiteY13" fmla="*/ 690128 h 710346"/>
+                    <a:gd name="connsiteX14" fmla="*/ 82332 w 532262"/>
+                    <a:gd name="connsiteY14" fmla="*/ 552016 h 710346"/>
+                    <a:gd name="connsiteX0" fmla="*/ 82332 w 532262"/>
+                    <a:gd name="connsiteY0" fmla="*/ 552016 h 710346"/>
+                    <a:gd name="connsiteX1" fmla="*/ 0 w 532262"/>
+                    <a:gd name="connsiteY1" fmla="*/ 710346 h 710346"/>
+                    <a:gd name="connsiteX2" fmla="*/ 393207 w 532262"/>
+                    <a:gd name="connsiteY2" fmla="*/ 164142 h 710346"/>
+                    <a:gd name="connsiteX3" fmla="*/ 521657 w 532262"/>
+                    <a:gd name="connsiteY3" fmla="*/ 0 h 710346"/>
+                    <a:gd name="connsiteX4" fmla="*/ 532262 w 532262"/>
+                    <a:gd name="connsiteY4" fmla="*/ 73534 h 710346"/>
+                    <a:gd name="connsiteX5" fmla="*/ 520482 w 532262"/>
+                    <a:gd name="connsiteY5" fmla="*/ 109103 h 710346"/>
+                    <a:gd name="connsiteX6" fmla="*/ 504753 w 532262"/>
+                    <a:gd name="connsiteY6" fmla="*/ 165736 h 710346"/>
+                    <a:gd name="connsiteX7" fmla="*/ 449045 w 532262"/>
+                    <a:gd name="connsiteY7" fmla="*/ 213878 h 710346"/>
+                    <a:gd name="connsiteX8" fmla="*/ 396657 w 532262"/>
+                    <a:gd name="connsiteY8" fmla="*/ 251978 h 710346"/>
+                    <a:gd name="connsiteX9" fmla="*/ 343521 w 532262"/>
+                    <a:gd name="connsiteY9" fmla="*/ 268808 h 710346"/>
+                    <a:gd name="connsiteX10" fmla="*/ 291882 w 532262"/>
+                    <a:gd name="connsiteY10" fmla="*/ 271028 h 710346"/>
+                    <a:gd name="connsiteX11" fmla="*/ 175532 w 532262"/>
+                    <a:gd name="connsiteY11" fmla="*/ 266266 h 710346"/>
+                    <a:gd name="connsiteX12" fmla="*/ 139482 w 532262"/>
+                    <a:gd name="connsiteY12" fmla="*/ 675841 h 710346"/>
+                    <a:gd name="connsiteX13" fmla="*/ 120432 w 532262"/>
+                    <a:gd name="connsiteY13" fmla="*/ 580591 h 710346"/>
+                    <a:gd name="connsiteX14" fmla="*/ 82332 w 532262"/>
+                    <a:gd name="connsiteY14" fmla="*/ 690128 h 710346"/>
+                    <a:gd name="connsiteX15" fmla="*/ 82332 w 532262"/>
+                    <a:gd name="connsiteY15" fmla="*/ 552016 h 710346"/>
+                    <a:gd name="connsiteX0" fmla="*/ 82332 w 532262"/>
+                    <a:gd name="connsiteY0" fmla="*/ 642579 h 800909"/>
+                    <a:gd name="connsiteX1" fmla="*/ 0 w 532262"/>
+                    <a:gd name="connsiteY1" fmla="*/ 800909 h 800909"/>
+                    <a:gd name="connsiteX2" fmla="*/ 47182 w 532262"/>
+                    <a:gd name="connsiteY2" fmla="*/ 0 h 800909"/>
+                    <a:gd name="connsiteX3" fmla="*/ 521657 w 532262"/>
+                    <a:gd name="connsiteY3" fmla="*/ 90563 h 800909"/>
+                    <a:gd name="connsiteX4" fmla="*/ 532262 w 532262"/>
+                    <a:gd name="connsiteY4" fmla="*/ 164097 h 800909"/>
+                    <a:gd name="connsiteX5" fmla="*/ 520482 w 532262"/>
+                    <a:gd name="connsiteY5" fmla="*/ 199666 h 800909"/>
+                    <a:gd name="connsiteX6" fmla="*/ 504753 w 532262"/>
+                    <a:gd name="connsiteY6" fmla="*/ 256299 h 800909"/>
+                    <a:gd name="connsiteX7" fmla="*/ 449045 w 532262"/>
+                    <a:gd name="connsiteY7" fmla="*/ 304441 h 800909"/>
+                    <a:gd name="connsiteX8" fmla="*/ 396657 w 532262"/>
+                    <a:gd name="connsiteY8" fmla="*/ 342541 h 800909"/>
+                    <a:gd name="connsiteX9" fmla="*/ 343521 w 532262"/>
+                    <a:gd name="connsiteY9" fmla="*/ 359371 h 800909"/>
+                    <a:gd name="connsiteX10" fmla="*/ 291882 w 532262"/>
+                    <a:gd name="connsiteY10" fmla="*/ 361591 h 800909"/>
+                    <a:gd name="connsiteX11" fmla="*/ 175532 w 532262"/>
+                    <a:gd name="connsiteY11" fmla="*/ 356829 h 800909"/>
+                    <a:gd name="connsiteX12" fmla="*/ 139482 w 532262"/>
+                    <a:gd name="connsiteY12" fmla="*/ 766404 h 800909"/>
+                    <a:gd name="connsiteX13" fmla="*/ 120432 w 532262"/>
+                    <a:gd name="connsiteY13" fmla="*/ 671154 h 800909"/>
+                    <a:gd name="connsiteX14" fmla="*/ 82332 w 532262"/>
+                    <a:gd name="connsiteY14" fmla="*/ 780691 h 800909"/>
+                    <a:gd name="connsiteX15" fmla="*/ 82332 w 532262"/>
+                    <a:gd name="connsiteY15" fmla="*/ 642579 h 800909"/>
+                    <a:gd name="connsiteX0" fmla="*/ 82332 w 532262"/>
+                    <a:gd name="connsiteY0" fmla="*/ 642579 h 800909"/>
+                    <a:gd name="connsiteX1" fmla="*/ 0 w 532262"/>
+                    <a:gd name="connsiteY1" fmla="*/ 800909 h 800909"/>
+                    <a:gd name="connsiteX2" fmla="*/ 47182 w 532262"/>
+                    <a:gd name="connsiteY2" fmla="*/ 0 h 800909"/>
+                    <a:gd name="connsiteX3" fmla="*/ 293594 w 532262"/>
+                    <a:gd name="connsiteY3" fmla="*/ 50939 h 800909"/>
+                    <a:gd name="connsiteX4" fmla="*/ 521657 w 532262"/>
+                    <a:gd name="connsiteY4" fmla="*/ 90563 h 800909"/>
+                    <a:gd name="connsiteX5" fmla="*/ 532262 w 532262"/>
+                    <a:gd name="connsiteY5" fmla="*/ 164097 h 800909"/>
+                    <a:gd name="connsiteX6" fmla="*/ 520482 w 532262"/>
+                    <a:gd name="connsiteY6" fmla="*/ 199666 h 800909"/>
+                    <a:gd name="connsiteX7" fmla="*/ 504753 w 532262"/>
+                    <a:gd name="connsiteY7" fmla="*/ 256299 h 800909"/>
+                    <a:gd name="connsiteX8" fmla="*/ 449045 w 532262"/>
+                    <a:gd name="connsiteY8" fmla="*/ 304441 h 800909"/>
+                    <a:gd name="connsiteX9" fmla="*/ 396657 w 532262"/>
+                    <a:gd name="connsiteY9" fmla="*/ 342541 h 800909"/>
+                    <a:gd name="connsiteX10" fmla="*/ 343521 w 532262"/>
+                    <a:gd name="connsiteY10" fmla="*/ 359371 h 800909"/>
+                    <a:gd name="connsiteX11" fmla="*/ 291882 w 532262"/>
+                    <a:gd name="connsiteY11" fmla="*/ 361591 h 800909"/>
+                    <a:gd name="connsiteX12" fmla="*/ 175532 w 532262"/>
+                    <a:gd name="connsiteY12" fmla="*/ 356829 h 800909"/>
+                    <a:gd name="connsiteX13" fmla="*/ 139482 w 532262"/>
+                    <a:gd name="connsiteY13" fmla="*/ 766404 h 800909"/>
+                    <a:gd name="connsiteX14" fmla="*/ 120432 w 532262"/>
+                    <a:gd name="connsiteY14" fmla="*/ 671154 h 800909"/>
+                    <a:gd name="connsiteX15" fmla="*/ 82332 w 532262"/>
+                    <a:gd name="connsiteY15" fmla="*/ 780691 h 800909"/>
+                    <a:gd name="connsiteX16" fmla="*/ 82332 w 532262"/>
+                    <a:gd name="connsiteY16" fmla="*/ 642579 h 800909"/>
+                    <a:gd name="connsiteX0" fmla="*/ 82332 w 532262"/>
+                    <a:gd name="connsiteY0" fmla="*/ 702012 h 860342"/>
+                    <a:gd name="connsiteX1" fmla="*/ 0 w 532262"/>
+                    <a:gd name="connsiteY1" fmla="*/ 860342 h 860342"/>
+                    <a:gd name="connsiteX2" fmla="*/ 47182 w 532262"/>
+                    <a:gd name="connsiteY2" fmla="*/ 59433 h 860342"/>
+                    <a:gd name="connsiteX3" fmla="*/ 138931 w 532262"/>
+                    <a:gd name="connsiteY3" fmla="*/ 0 h 860342"/>
+                    <a:gd name="connsiteX4" fmla="*/ 521657 w 532262"/>
+                    <a:gd name="connsiteY4" fmla="*/ 149996 h 860342"/>
+                    <a:gd name="connsiteX5" fmla="*/ 532262 w 532262"/>
+                    <a:gd name="connsiteY5" fmla="*/ 223530 h 860342"/>
+                    <a:gd name="connsiteX6" fmla="*/ 520482 w 532262"/>
+                    <a:gd name="connsiteY6" fmla="*/ 259099 h 860342"/>
+                    <a:gd name="connsiteX7" fmla="*/ 504753 w 532262"/>
+                    <a:gd name="connsiteY7" fmla="*/ 315732 h 860342"/>
+                    <a:gd name="connsiteX8" fmla="*/ 449045 w 532262"/>
+                    <a:gd name="connsiteY8" fmla="*/ 363874 h 860342"/>
+                    <a:gd name="connsiteX9" fmla="*/ 396657 w 532262"/>
+                    <a:gd name="connsiteY9" fmla="*/ 401974 h 860342"/>
+                    <a:gd name="connsiteX10" fmla="*/ 343521 w 532262"/>
+                    <a:gd name="connsiteY10" fmla="*/ 418804 h 860342"/>
+                    <a:gd name="connsiteX11" fmla="*/ 291882 w 532262"/>
+                    <a:gd name="connsiteY11" fmla="*/ 421024 h 860342"/>
+                    <a:gd name="connsiteX12" fmla="*/ 175532 w 532262"/>
+                    <a:gd name="connsiteY12" fmla="*/ 416262 h 860342"/>
+                    <a:gd name="connsiteX13" fmla="*/ 139482 w 532262"/>
+                    <a:gd name="connsiteY13" fmla="*/ 825837 h 860342"/>
+                    <a:gd name="connsiteX14" fmla="*/ 120432 w 532262"/>
+                    <a:gd name="connsiteY14" fmla="*/ 730587 h 860342"/>
+                    <a:gd name="connsiteX15" fmla="*/ 82332 w 532262"/>
+                    <a:gd name="connsiteY15" fmla="*/ 840124 h 860342"/>
+                    <a:gd name="connsiteX16" fmla="*/ 82332 w 532262"/>
+                    <a:gd name="connsiteY16" fmla="*/ 702012 h 860342"/>
+                    <a:gd name="connsiteX0" fmla="*/ 82332 w 532262"/>
+                    <a:gd name="connsiteY0" fmla="*/ 702012 h 860342"/>
+                    <a:gd name="connsiteX1" fmla="*/ 0 w 532262"/>
+                    <a:gd name="connsiteY1" fmla="*/ 860342 h 860342"/>
+                    <a:gd name="connsiteX2" fmla="*/ 47182 w 532262"/>
+                    <a:gd name="connsiteY2" fmla="*/ 59433 h 860342"/>
+                    <a:gd name="connsiteX3" fmla="*/ 138931 w 532262"/>
+                    <a:gd name="connsiteY3" fmla="*/ 0 h 860342"/>
+                    <a:gd name="connsiteX4" fmla="*/ 327672 w 532262"/>
+                    <a:gd name="connsiteY4" fmla="*/ 73583 h 860342"/>
+                    <a:gd name="connsiteX5" fmla="*/ 521657 w 532262"/>
+                    <a:gd name="connsiteY5" fmla="*/ 149996 h 860342"/>
+                    <a:gd name="connsiteX6" fmla="*/ 532262 w 532262"/>
+                    <a:gd name="connsiteY6" fmla="*/ 223530 h 860342"/>
+                    <a:gd name="connsiteX7" fmla="*/ 520482 w 532262"/>
+                    <a:gd name="connsiteY7" fmla="*/ 259099 h 860342"/>
+                    <a:gd name="connsiteX8" fmla="*/ 504753 w 532262"/>
+                    <a:gd name="connsiteY8" fmla="*/ 315732 h 860342"/>
+                    <a:gd name="connsiteX9" fmla="*/ 449045 w 532262"/>
+                    <a:gd name="connsiteY9" fmla="*/ 363874 h 860342"/>
+                    <a:gd name="connsiteX10" fmla="*/ 396657 w 532262"/>
+                    <a:gd name="connsiteY10" fmla="*/ 401974 h 860342"/>
+                    <a:gd name="connsiteX11" fmla="*/ 343521 w 532262"/>
+                    <a:gd name="connsiteY11" fmla="*/ 418804 h 860342"/>
+                    <a:gd name="connsiteX12" fmla="*/ 291882 w 532262"/>
+                    <a:gd name="connsiteY12" fmla="*/ 421024 h 860342"/>
+                    <a:gd name="connsiteX13" fmla="*/ 175532 w 532262"/>
+                    <a:gd name="connsiteY13" fmla="*/ 416262 h 860342"/>
+                    <a:gd name="connsiteX14" fmla="*/ 139482 w 532262"/>
+                    <a:gd name="connsiteY14" fmla="*/ 825837 h 860342"/>
+                    <a:gd name="connsiteX15" fmla="*/ 120432 w 532262"/>
+                    <a:gd name="connsiteY15" fmla="*/ 730587 h 860342"/>
+                    <a:gd name="connsiteX16" fmla="*/ 82332 w 532262"/>
+                    <a:gd name="connsiteY16" fmla="*/ 840124 h 860342"/>
+                    <a:gd name="connsiteX17" fmla="*/ 82332 w 532262"/>
+                    <a:gd name="connsiteY17" fmla="*/ 702012 h 860342"/>
+                    <a:gd name="connsiteX0" fmla="*/ 82332 w 532262"/>
+                    <a:gd name="connsiteY0" fmla="*/ 702012 h 860342"/>
+                    <a:gd name="connsiteX1" fmla="*/ 0 w 532262"/>
+                    <a:gd name="connsiteY1" fmla="*/ 860342 h 860342"/>
+                    <a:gd name="connsiteX2" fmla="*/ 47182 w 532262"/>
+                    <a:gd name="connsiteY2" fmla="*/ 59433 h 860342"/>
+                    <a:gd name="connsiteX3" fmla="*/ 138931 w 532262"/>
+                    <a:gd name="connsiteY3" fmla="*/ 0 h 860342"/>
+                    <a:gd name="connsiteX4" fmla="*/ 270001 w 532262"/>
+                    <a:gd name="connsiteY4" fmla="*/ 8492 h 860342"/>
+                    <a:gd name="connsiteX5" fmla="*/ 521657 w 532262"/>
+                    <a:gd name="connsiteY5" fmla="*/ 149996 h 860342"/>
+                    <a:gd name="connsiteX6" fmla="*/ 532262 w 532262"/>
+                    <a:gd name="connsiteY6" fmla="*/ 223530 h 860342"/>
+                    <a:gd name="connsiteX7" fmla="*/ 520482 w 532262"/>
+                    <a:gd name="connsiteY7" fmla="*/ 259099 h 860342"/>
+                    <a:gd name="connsiteX8" fmla="*/ 504753 w 532262"/>
+                    <a:gd name="connsiteY8" fmla="*/ 315732 h 860342"/>
+                    <a:gd name="connsiteX9" fmla="*/ 449045 w 532262"/>
+                    <a:gd name="connsiteY9" fmla="*/ 363874 h 860342"/>
+                    <a:gd name="connsiteX10" fmla="*/ 396657 w 532262"/>
+                    <a:gd name="connsiteY10" fmla="*/ 401974 h 860342"/>
+                    <a:gd name="connsiteX11" fmla="*/ 343521 w 532262"/>
+                    <a:gd name="connsiteY11" fmla="*/ 418804 h 860342"/>
+                    <a:gd name="connsiteX12" fmla="*/ 291882 w 532262"/>
+                    <a:gd name="connsiteY12" fmla="*/ 421024 h 860342"/>
+                    <a:gd name="connsiteX13" fmla="*/ 175532 w 532262"/>
+                    <a:gd name="connsiteY13" fmla="*/ 416262 h 860342"/>
+                    <a:gd name="connsiteX14" fmla="*/ 139482 w 532262"/>
+                    <a:gd name="connsiteY14" fmla="*/ 825837 h 860342"/>
+                    <a:gd name="connsiteX15" fmla="*/ 120432 w 532262"/>
+                    <a:gd name="connsiteY15" fmla="*/ 730587 h 860342"/>
+                    <a:gd name="connsiteX16" fmla="*/ 82332 w 532262"/>
+                    <a:gd name="connsiteY16" fmla="*/ 840124 h 860342"/>
+                    <a:gd name="connsiteX17" fmla="*/ 82332 w 532262"/>
+                    <a:gd name="connsiteY17" fmla="*/ 702012 h 860342"/>
+                    <a:gd name="connsiteX0" fmla="*/ 82332 w 532262"/>
+                    <a:gd name="connsiteY0" fmla="*/ 702012 h 860342"/>
+                    <a:gd name="connsiteX1" fmla="*/ 0 w 532262"/>
+                    <a:gd name="connsiteY1" fmla="*/ 860342 h 860342"/>
+                    <a:gd name="connsiteX2" fmla="*/ 47182 w 532262"/>
+                    <a:gd name="connsiteY2" fmla="*/ 59433 h 860342"/>
+                    <a:gd name="connsiteX3" fmla="*/ 138931 w 532262"/>
+                    <a:gd name="connsiteY3" fmla="*/ 0 h 860342"/>
+                    <a:gd name="connsiteX4" fmla="*/ 270001 w 532262"/>
+                    <a:gd name="connsiteY4" fmla="*/ 8492 h 860342"/>
+                    <a:gd name="connsiteX5" fmla="*/ 393207 w 532262"/>
+                    <a:gd name="connsiteY5" fmla="*/ 82073 h 860342"/>
+                    <a:gd name="connsiteX6" fmla="*/ 521657 w 532262"/>
+                    <a:gd name="connsiteY6" fmla="*/ 149996 h 860342"/>
+                    <a:gd name="connsiteX7" fmla="*/ 532262 w 532262"/>
+                    <a:gd name="connsiteY7" fmla="*/ 223530 h 860342"/>
+                    <a:gd name="connsiteX8" fmla="*/ 520482 w 532262"/>
+                    <a:gd name="connsiteY8" fmla="*/ 259099 h 860342"/>
+                    <a:gd name="connsiteX9" fmla="*/ 504753 w 532262"/>
+                    <a:gd name="connsiteY9" fmla="*/ 315732 h 860342"/>
+                    <a:gd name="connsiteX10" fmla="*/ 449045 w 532262"/>
+                    <a:gd name="connsiteY10" fmla="*/ 363874 h 860342"/>
+                    <a:gd name="connsiteX11" fmla="*/ 396657 w 532262"/>
+                    <a:gd name="connsiteY11" fmla="*/ 401974 h 860342"/>
+                    <a:gd name="connsiteX12" fmla="*/ 343521 w 532262"/>
+                    <a:gd name="connsiteY12" fmla="*/ 418804 h 860342"/>
+                    <a:gd name="connsiteX13" fmla="*/ 291882 w 532262"/>
+                    <a:gd name="connsiteY13" fmla="*/ 421024 h 860342"/>
+                    <a:gd name="connsiteX14" fmla="*/ 175532 w 532262"/>
+                    <a:gd name="connsiteY14" fmla="*/ 416262 h 860342"/>
+                    <a:gd name="connsiteX15" fmla="*/ 139482 w 532262"/>
+                    <a:gd name="connsiteY15" fmla="*/ 825837 h 860342"/>
+                    <a:gd name="connsiteX16" fmla="*/ 120432 w 532262"/>
+                    <a:gd name="connsiteY16" fmla="*/ 730587 h 860342"/>
+                    <a:gd name="connsiteX17" fmla="*/ 82332 w 532262"/>
+                    <a:gd name="connsiteY17" fmla="*/ 840124 h 860342"/>
+                    <a:gd name="connsiteX18" fmla="*/ 82332 w 532262"/>
+                    <a:gd name="connsiteY18" fmla="*/ 702012 h 860342"/>
+                    <a:gd name="connsiteX0" fmla="*/ 82332 w 532262"/>
+                    <a:gd name="connsiteY0" fmla="*/ 702012 h 860342"/>
+                    <a:gd name="connsiteX1" fmla="*/ 0 w 532262"/>
+                    <a:gd name="connsiteY1" fmla="*/ 860342 h 860342"/>
+                    <a:gd name="connsiteX2" fmla="*/ 47182 w 532262"/>
+                    <a:gd name="connsiteY2" fmla="*/ 59433 h 860342"/>
+                    <a:gd name="connsiteX3" fmla="*/ 138931 w 532262"/>
+                    <a:gd name="connsiteY3" fmla="*/ 0 h 860342"/>
+                    <a:gd name="connsiteX4" fmla="*/ 270001 w 532262"/>
+                    <a:gd name="connsiteY4" fmla="*/ 8492 h 860342"/>
+                    <a:gd name="connsiteX5" fmla="*/ 398450 w 532262"/>
+                    <a:gd name="connsiteY5" fmla="*/ 45282 h 860342"/>
+                    <a:gd name="connsiteX6" fmla="*/ 521657 w 532262"/>
+                    <a:gd name="connsiteY6" fmla="*/ 149996 h 860342"/>
+                    <a:gd name="connsiteX7" fmla="*/ 532262 w 532262"/>
+                    <a:gd name="connsiteY7" fmla="*/ 223530 h 860342"/>
+                    <a:gd name="connsiteX8" fmla="*/ 520482 w 532262"/>
+                    <a:gd name="connsiteY8" fmla="*/ 259099 h 860342"/>
+                    <a:gd name="connsiteX9" fmla="*/ 504753 w 532262"/>
+                    <a:gd name="connsiteY9" fmla="*/ 315732 h 860342"/>
+                    <a:gd name="connsiteX10" fmla="*/ 449045 w 532262"/>
+                    <a:gd name="connsiteY10" fmla="*/ 363874 h 860342"/>
+                    <a:gd name="connsiteX11" fmla="*/ 396657 w 532262"/>
+                    <a:gd name="connsiteY11" fmla="*/ 401974 h 860342"/>
+                    <a:gd name="connsiteX12" fmla="*/ 343521 w 532262"/>
+                    <a:gd name="connsiteY12" fmla="*/ 418804 h 860342"/>
+                    <a:gd name="connsiteX13" fmla="*/ 291882 w 532262"/>
+                    <a:gd name="connsiteY13" fmla="*/ 421024 h 860342"/>
+                    <a:gd name="connsiteX14" fmla="*/ 175532 w 532262"/>
+                    <a:gd name="connsiteY14" fmla="*/ 416262 h 860342"/>
+                    <a:gd name="connsiteX15" fmla="*/ 139482 w 532262"/>
+                    <a:gd name="connsiteY15" fmla="*/ 825837 h 860342"/>
+                    <a:gd name="connsiteX16" fmla="*/ 120432 w 532262"/>
+                    <a:gd name="connsiteY16" fmla="*/ 730587 h 860342"/>
+                    <a:gd name="connsiteX17" fmla="*/ 82332 w 532262"/>
+                    <a:gd name="connsiteY17" fmla="*/ 840124 h 860342"/>
+                    <a:gd name="connsiteX18" fmla="*/ 82332 w 532262"/>
+                    <a:gd name="connsiteY18" fmla="*/ 702012 h 860342"/>
+                    <a:gd name="connsiteX0" fmla="*/ 82332 w 532262"/>
+                    <a:gd name="connsiteY0" fmla="*/ 702012 h 860342"/>
+                    <a:gd name="connsiteX1" fmla="*/ 0 w 532262"/>
+                    <a:gd name="connsiteY1" fmla="*/ 860342 h 860342"/>
+                    <a:gd name="connsiteX2" fmla="*/ 47182 w 532262"/>
+                    <a:gd name="connsiteY2" fmla="*/ 59433 h 860342"/>
+                    <a:gd name="connsiteX3" fmla="*/ 138931 w 532262"/>
+                    <a:gd name="connsiteY3" fmla="*/ 0 h 860342"/>
+                    <a:gd name="connsiteX4" fmla="*/ 270001 w 532262"/>
+                    <a:gd name="connsiteY4" fmla="*/ 8492 h 860342"/>
+                    <a:gd name="connsiteX5" fmla="*/ 398450 w 532262"/>
+                    <a:gd name="connsiteY5" fmla="*/ 45282 h 860342"/>
+                    <a:gd name="connsiteX6" fmla="*/ 477092 w 532262"/>
+                    <a:gd name="connsiteY6" fmla="*/ 107544 h 860342"/>
+                    <a:gd name="connsiteX7" fmla="*/ 521657 w 532262"/>
+                    <a:gd name="connsiteY7" fmla="*/ 149996 h 860342"/>
+                    <a:gd name="connsiteX8" fmla="*/ 532262 w 532262"/>
+                    <a:gd name="connsiteY8" fmla="*/ 223530 h 860342"/>
+                    <a:gd name="connsiteX9" fmla="*/ 520482 w 532262"/>
+                    <a:gd name="connsiteY9" fmla="*/ 259099 h 860342"/>
+                    <a:gd name="connsiteX10" fmla="*/ 504753 w 532262"/>
+                    <a:gd name="connsiteY10" fmla="*/ 315732 h 860342"/>
+                    <a:gd name="connsiteX11" fmla="*/ 449045 w 532262"/>
+                    <a:gd name="connsiteY11" fmla="*/ 363874 h 860342"/>
+                    <a:gd name="connsiteX12" fmla="*/ 396657 w 532262"/>
+                    <a:gd name="connsiteY12" fmla="*/ 401974 h 860342"/>
+                    <a:gd name="connsiteX13" fmla="*/ 343521 w 532262"/>
+                    <a:gd name="connsiteY13" fmla="*/ 418804 h 860342"/>
+                    <a:gd name="connsiteX14" fmla="*/ 291882 w 532262"/>
+                    <a:gd name="connsiteY14" fmla="*/ 421024 h 860342"/>
+                    <a:gd name="connsiteX15" fmla="*/ 175532 w 532262"/>
+                    <a:gd name="connsiteY15" fmla="*/ 416262 h 860342"/>
+                    <a:gd name="connsiteX16" fmla="*/ 139482 w 532262"/>
+                    <a:gd name="connsiteY16" fmla="*/ 825837 h 860342"/>
+                    <a:gd name="connsiteX17" fmla="*/ 120432 w 532262"/>
+                    <a:gd name="connsiteY17" fmla="*/ 730587 h 860342"/>
+                    <a:gd name="connsiteX18" fmla="*/ 82332 w 532262"/>
+                    <a:gd name="connsiteY18" fmla="*/ 840124 h 860342"/>
+                    <a:gd name="connsiteX19" fmla="*/ 82332 w 532262"/>
+                    <a:gd name="connsiteY19" fmla="*/ 702012 h 860342"/>
+                    <a:gd name="connsiteX0" fmla="*/ 82332 w 532262"/>
+                    <a:gd name="connsiteY0" fmla="*/ 702012 h 860342"/>
+                    <a:gd name="connsiteX1" fmla="*/ 0 w 532262"/>
+                    <a:gd name="connsiteY1" fmla="*/ 860342 h 860342"/>
+                    <a:gd name="connsiteX2" fmla="*/ 47182 w 532262"/>
+                    <a:gd name="connsiteY2" fmla="*/ 59433 h 860342"/>
+                    <a:gd name="connsiteX3" fmla="*/ 138931 w 532262"/>
+                    <a:gd name="connsiteY3" fmla="*/ 0 h 860342"/>
+                    <a:gd name="connsiteX4" fmla="*/ 270001 w 532262"/>
+                    <a:gd name="connsiteY4" fmla="*/ 8492 h 860342"/>
+                    <a:gd name="connsiteX5" fmla="*/ 398450 w 532262"/>
+                    <a:gd name="connsiteY5" fmla="*/ 45282 h 860342"/>
+                    <a:gd name="connsiteX6" fmla="*/ 477092 w 532262"/>
+                    <a:gd name="connsiteY6" fmla="*/ 84904 h 860342"/>
+                    <a:gd name="connsiteX7" fmla="*/ 521657 w 532262"/>
+                    <a:gd name="connsiteY7" fmla="*/ 149996 h 860342"/>
+                    <a:gd name="connsiteX8" fmla="*/ 532262 w 532262"/>
+                    <a:gd name="connsiteY8" fmla="*/ 223530 h 860342"/>
+                    <a:gd name="connsiteX9" fmla="*/ 520482 w 532262"/>
+                    <a:gd name="connsiteY9" fmla="*/ 259099 h 860342"/>
+                    <a:gd name="connsiteX10" fmla="*/ 504753 w 532262"/>
+                    <a:gd name="connsiteY10" fmla="*/ 315732 h 860342"/>
+                    <a:gd name="connsiteX11" fmla="*/ 449045 w 532262"/>
+                    <a:gd name="connsiteY11" fmla="*/ 363874 h 860342"/>
+                    <a:gd name="connsiteX12" fmla="*/ 396657 w 532262"/>
+                    <a:gd name="connsiteY12" fmla="*/ 401974 h 860342"/>
+                    <a:gd name="connsiteX13" fmla="*/ 343521 w 532262"/>
+                    <a:gd name="connsiteY13" fmla="*/ 418804 h 860342"/>
+                    <a:gd name="connsiteX14" fmla="*/ 291882 w 532262"/>
+                    <a:gd name="connsiteY14" fmla="*/ 421024 h 860342"/>
+                    <a:gd name="connsiteX15" fmla="*/ 175532 w 532262"/>
+                    <a:gd name="connsiteY15" fmla="*/ 416262 h 860342"/>
+                    <a:gd name="connsiteX16" fmla="*/ 139482 w 532262"/>
+                    <a:gd name="connsiteY16" fmla="*/ 825837 h 860342"/>
+                    <a:gd name="connsiteX17" fmla="*/ 120432 w 532262"/>
+                    <a:gd name="connsiteY17" fmla="*/ 730587 h 860342"/>
+                    <a:gd name="connsiteX18" fmla="*/ 82332 w 532262"/>
+                    <a:gd name="connsiteY18" fmla="*/ 840124 h 860342"/>
+                    <a:gd name="connsiteX19" fmla="*/ 82332 w 532262"/>
+                    <a:gd name="connsiteY19" fmla="*/ 702012 h 860342"/>
+                    <a:gd name="connsiteX0" fmla="*/ 82332 w 532262"/>
+                    <a:gd name="connsiteY0" fmla="*/ 702012 h 860342"/>
+                    <a:gd name="connsiteX1" fmla="*/ 0 w 532262"/>
+                    <a:gd name="connsiteY1" fmla="*/ 860342 h 860342"/>
+                    <a:gd name="connsiteX2" fmla="*/ 47182 w 532262"/>
+                    <a:gd name="connsiteY2" fmla="*/ 59433 h 860342"/>
+                    <a:gd name="connsiteX3" fmla="*/ 138931 w 532262"/>
+                    <a:gd name="connsiteY3" fmla="*/ 0 h 860342"/>
+                    <a:gd name="connsiteX4" fmla="*/ 270001 w 532262"/>
+                    <a:gd name="connsiteY4" fmla="*/ 8492 h 860342"/>
+                    <a:gd name="connsiteX5" fmla="*/ 398450 w 532262"/>
+                    <a:gd name="connsiteY5" fmla="*/ 45282 h 860342"/>
+                    <a:gd name="connsiteX6" fmla="*/ 477092 w 532262"/>
+                    <a:gd name="connsiteY6" fmla="*/ 84904 h 860342"/>
+                    <a:gd name="connsiteX7" fmla="*/ 521657 w 532262"/>
+                    <a:gd name="connsiteY7" fmla="*/ 149996 h 860342"/>
+                    <a:gd name="connsiteX8" fmla="*/ 532262 w 532262"/>
+                    <a:gd name="connsiteY8" fmla="*/ 223530 h 860342"/>
+                    <a:gd name="connsiteX9" fmla="*/ 520482 w 532262"/>
+                    <a:gd name="connsiteY9" fmla="*/ 259099 h 860342"/>
+                    <a:gd name="connsiteX10" fmla="*/ 504753 w 532262"/>
+                    <a:gd name="connsiteY10" fmla="*/ 315732 h 860342"/>
+                    <a:gd name="connsiteX11" fmla="*/ 449045 w 532262"/>
+                    <a:gd name="connsiteY11" fmla="*/ 363874 h 860342"/>
+                    <a:gd name="connsiteX12" fmla="*/ 396657 w 532262"/>
+                    <a:gd name="connsiteY12" fmla="*/ 401974 h 860342"/>
+                    <a:gd name="connsiteX13" fmla="*/ 343521 w 532262"/>
+                    <a:gd name="connsiteY13" fmla="*/ 418804 h 860342"/>
+                    <a:gd name="connsiteX14" fmla="*/ 175532 w 532262"/>
+                    <a:gd name="connsiteY14" fmla="*/ 416262 h 860342"/>
+                    <a:gd name="connsiteX15" fmla="*/ 139482 w 532262"/>
+                    <a:gd name="connsiteY15" fmla="*/ 825837 h 860342"/>
+                    <a:gd name="connsiteX16" fmla="*/ 120432 w 532262"/>
+                    <a:gd name="connsiteY16" fmla="*/ 730587 h 860342"/>
+                    <a:gd name="connsiteX17" fmla="*/ 82332 w 532262"/>
+                    <a:gd name="connsiteY17" fmla="*/ 840124 h 860342"/>
+                    <a:gd name="connsiteX18" fmla="*/ 82332 w 532262"/>
+                    <a:gd name="connsiteY18" fmla="*/ 702012 h 860342"/>
+                    <a:gd name="connsiteX0" fmla="*/ 82332 w 532262"/>
+                    <a:gd name="connsiteY0" fmla="*/ 702012 h 860342"/>
+                    <a:gd name="connsiteX1" fmla="*/ 0 w 532262"/>
+                    <a:gd name="connsiteY1" fmla="*/ 860342 h 860342"/>
+                    <a:gd name="connsiteX2" fmla="*/ 47182 w 532262"/>
+                    <a:gd name="connsiteY2" fmla="*/ 59433 h 860342"/>
+                    <a:gd name="connsiteX3" fmla="*/ 138931 w 532262"/>
+                    <a:gd name="connsiteY3" fmla="*/ 0 h 860342"/>
+                    <a:gd name="connsiteX4" fmla="*/ 270001 w 532262"/>
+                    <a:gd name="connsiteY4" fmla="*/ 8492 h 860342"/>
+                    <a:gd name="connsiteX5" fmla="*/ 398450 w 532262"/>
+                    <a:gd name="connsiteY5" fmla="*/ 45282 h 860342"/>
+                    <a:gd name="connsiteX6" fmla="*/ 477092 w 532262"/>
+                    <a:gd name="connsiteY6" fmla="*/ 84904 h 860342"/>
+                    <a:gd name="connsiteX7" fmla="*/ 521657 w 532262"/>
+                    <a:gd name="connsiteY7" fmla="*/ 149996 h 860342"/>
+                    <a:gd name="connsiteX8" fmla="*/ 532262 w 532262"/>
+                    <a:gd name="connsiteY8" fmla="*/ 223530 h 860342"/>
+                    <a:gd name="connsiteX9" fmla="*/ 520482 w 532262"/>
+                    <a:gd name="connsiteY9" fmla="*/ 259099 h 860342"/>
+                    <a:gd name="connsiteX10" fmla="*/ 504753 w 532262"/>
+                    <a:gd name="connsiteY10" fmla="*/ 315732 h 860342"/>
+                    <a:gd name="connsiteX11" fmla="*/ 449045 w 532262"/>
+                    <a:gd name="connsiteY11" fmla="*/ 363874 h 860342"/>
+                    <a:gd name="connsiteX12" fmla="*/ 343521 w 532262"/>
+                    <a:gd name="connsiteY12" fmla="*/ 418804 h 860342"/>
+                    <a:gd name="connsiteX13" fmla="*/ 175532 w 532262"/>
+                    <a:gd name="connsiteY13" fmla="*/ 416262 h 860342"/>
+                    <a:gd name="connsiteX14" fmla="*/ 139482 w 532262"/>
+                    <a:gd name="connsiteY14" fmla="*/ 825837 h 860342"/>
+                    <a:gd name="connsiteX15" fmla="*/ 120432 w 532262"/>
+                    <a:gd name="connsiteY15" fmla="*/ 730587 h 860342"/>
+                    <a:gd name="connsiteX16" fmla="*/ 82332 w 532262"/>
+                    <a:gd name="connsiteY16" fmla="*/ 840124 h 860342"/>
+                    <a:gd name="connsiteX17" fmla="*/ 82332 w 532262"/>
+                    <a:gd name="connsiteY17" fmla="*/ 702012 h 860342"/>
+                    <a:gd name="connsiteX0" fmla="*/ 82332 w 532262"/>
+                    <a:gd name="connsiteY0" fmla="*/ 702012 h 860342"/>
+                    <a:gd name="connsiteX1" fmla="*/ 0 w 532262"/>
+                    <a:gd name="connsiteY1" fmla="*/ 860342 h 860342"/>
+                    <a:gd name="connsiteX2" fmla="*/ 47182 w 532262"/>
+                    <a:gd name="connsiteY2" fmla="*/ 59433 h 860342"/>
+                    <a:gd name="connsiteX3" fmla="*/ 138931 w 532262"/>
+                    <a:gd name="connsiteY3" fmla="*/ 0 h 860342"/>
+                    <a:gd name="connsiteX4" fmla="*/ 270001 w 532262"/>
+                    <a:gd name="connsiteY4" fmla="*/ 8492 h 860342"/>
+                    <a:gd name="connsiteX5" fmla="*/ 398450 w 532262"/>
+                    <a:gd name="connsiteY5" fmla="*/ 45282 h 860342"/>
+                    <a:gd name="connsiteX6" fmla="*/ 477092 w 532262"/>
+                    <a:gd name="connsiteY6" fmla="*/ 84904 h 860342"/>
+                    <a:gd name="connsiteX7" fmla="*/ 521657 w 532262"/>
+                    <a:gd name="connsiteY7" fmla="*/ 149996 h 860342"/>
+                    <a:gd name="connsiteX8" fmla="*/ 532262 w 532262"/>
+                    <a:gd name="connsiteY8" fmla="*/ 223530 h 860342"/>
+                    <a:gd name="connsiteX9" fmla="*/ 520482 w 532262"/>
+                    <a:gd name="connsiteY9" fmla="*/ 259099 h 860342"/>
+                    <a:gd name="connsiteX10" fmla="*/ 504753 w 532262"/>
+                    <a:gd name="connsiteY10" fmla="*/ 315732 h 860342"/>
+                    <a:gd name="connsiteX11" fmla="*/ 449045 w 532262"/>
+                    <a:gd name="connsiteY11" fmla="*/ 363874 h 860342"/>
+                    <a:gd name="connsiteX12" fmla="*/ 175532 w 532262"/>
+                    <a:gd name="connsiteY12" fmla="*/ 416262 h 860342"/>
+                    <a:gd name="connsiteX13" fmla="*/ 139482 w 532262"/>
+                    <a:gd name="connsiteY13" fmla="*/ 825837 h 860342"/>
+                    <a:gd name="connsiteX14" fmla="*/ 120432 w 532262"/>
+                    <a:gd name="connsiteY14" fmla="*/ 730587 h 860342"/>
+                    <a:gd name="connsiteX15" fmla="*/ 82332 w 532262"/>
+                    <a:gd name="connsiteY15" fmla="*/ 840124 h 860342"/>
+                    <a:gd name="connsiteX16" fmla="*/ 82332 w 532262"/>
+                    <a:gd name="connsiteY16" fmla="*/ 702012 h 860342"/>
+                    <a:gd name="connsiteX0" fmla="*/ 82332 w 532262"/>
+                    <a:gd name="connsiteY0" fmla="*/ 702012 h 860342"/>
+                    <a:gd name="connsiteX1" fmla="*/ 0 w 532262"/>
+                    <a:gd name="connsiteY1" fmla="*/ 860342 h 860342"/>
+                    <a:gd name="connsiteX2" fmla="*/ 47182 w 532262"/>
+                    <a:gd name="connsiteY2" fmla="*/ 59433 h 860342"/>
+                    <a:gd name="connsiteX3" fmla="*/ 138931 w 532262"/>
+                    <a:gd name="connsiteY3" fmla="*/ 0 h 860342"/>
+                    <a:gd name="connsiteX4" fmla="*/ 270001 w 532262"/>
+                    <a:gd name="connsiteY4" fmla="*/ 8492 h 860342"/>
+                    <a:gd name="connsiteX5" fmla="*/ 398450 w 532262"/>
+                    <a:gd name="connsiteY5" fmla="*/ 45282 h 860342"/>
+                    <a:gd name="connsiteX6" fmla="*/ 477092 w 532262"/>
+                    <a:gd name="connsiteY6" fmla="*/ 84904 h 860342"/>
+                    <a:gd name="connsiteX7" fmla="*/ 521657 w 532262"/>
+                    <a:gd name="connsiteY7" fmla="*/ 149996 h 860342"/>
+                    <a:gd name="connsiteX8" fmla="*/ 532262 w 532262"/>
+                    <a:gd name="connsiteY8" fmla="*/ 223530 h 860342"/>
+                    <a:gd name="connsiteX9" fmla="*/ 520482 w 532262"/>
+                    <a:gd name="connsiteY9" fmla="*/ 259099 h 860342"/>
+                    <a:gd name="connsiteX10" fmla="*/ 504753 w 532262"/>
+                    <a:gd name="connsiteY10" fmla="*/ 315732 h 860342"/>
+                    <a:gd name="connsiteX11" fmla="*/ 449045 w 532262"/>
+                    <a:gd name="connsiteY11" fmla="*/ 363874 h 860342"/>
+                    <a:gd name="connsiteX12" fmla="*/ 251651 w 532262"/>
+                    <a:gd name="connsiteY12" fmla="*/ 399040 h 860342"/>
+                    <a:gd name="connsiteX13" fmla="*/ 175532 w 532262"/>
+                    <a:gd name="connsiteY13" fmla="*/ 416262 h 860342"/>
+                    <a:gd name="connsiteX14" fmla="*/ 139482 w 532262"/>
+                    <a:gd name="connsiteY14" fmla="*/ 825837 h 860342"/>
+                    <a:gd name="connsiteX15" fmla="*/ 120432 w 532262"/>
+                    <a:gd name="connsiteY15" fmla="*/ 730587 h 860342"/>
+                    <a:gd name="connsiteX16" fmla="*/ 82332 w 532262"/>
+                    <a:gd name="connsiteY16" fmla="*/ 840124 h 860342"/>
+                    <a:gd name="connsiteX17" fmla="*/ 82332 w 532262"/>
+                    <a:gd name="connsiteY17" fmla="*/ 702012 h 860342"/>
+                    <a:gd name="connsiteX0" fmla="*/ 82332 w 532262"/>
+                    <a:gd name="connsiteY0" fmla="*/ 702012 h 860342"/>
+                    <a:gd name="connsiteX1" fmla="*/ 0 w 532262"/>
+                    <a:gd name="connsiteY1" fmla="*/ 860342 h 860342"/>
+                    <a:gd name="connsiteX2" fmla="*/ 47182 w 532262"/>
+                    <a:gd name="connsiteY2" fmla="*/ 59433 h 860342"/>
+                    <a:gd name="connsiteX3" fmla="*/ 138931 w 532262"/>
+                    <a:gd name="connsiteY3" fmla="*/ 0 h 860342"/>
+                    <a:gd name="connsiteX4" fmla="*/ 270001 w 532262"/>
+                    <a:gd name="connsiteY4" fmla="*/ 8492 h 860342"/>
+                    <a:gd name="connsiteX5" fmla="*/ 398450 w 532262"/>
+                    <a:gd name="connsiteY5" fmla="*/ 45282 h 860342"/>
+                    <a:gd name="connsiteX6" fmla="*/ 477092 w 532262"/>
+                    <a:gd name="connsiteY6" fmla="*/ 84904 h 860342"/>
+                    <a:gd name="connsiteX7" fmla="*/ 521657 w 532262"/>
+                    <a:gd name="connsiteY7" fmla="*/ 149996 h 860342"/>
+                    <a:gd name="connsiteX8" fmla="*/ 532262 w 532262"/>
+                    <a:gd name="connsiteY8" fmla="*/ 223530 h 860342"/>
+                    <a:gd name="connsiteX9" fmla="*/ 520482 w 532262"/>
+                    <a:gd name="connsiteY9" fmla="*/ 259099 h 860342"/>
+                    <a:gd name="connsiteX10" fmla="*/ 504753 w 532262"/>
+                    <a:gd name="connsiteY10" fmla="*/ 315732 h 860342"/>
+                    <a:gd name="connsiteX11" fmla="*/ 449045 w 532262"/>
+                    <a:gd name="connsiteY11" fmla="*/ 363874 h 860342"/>
+                    <a:gd name="connsiteX12" fmla="*/ 280487 w 532262"/>
+                    <a:gd name="connsiteY12" fmla="*/ 416020 h 860342"/>
+                    <a:gd name="connsiteX13" fmla="*/ 175532 w 532262"/>
+                    <a:gd name="connsiteY13" fmla="*/ 416262 h 860342"/>
+                    <a:gd name="connsiteX14" fmla="*/ 139482 w 532262"/>
+                    <a:gd name="connsiteY14" fmla="*/ 825837 h 860342"/>
+                    <a:gd name="connsiteX15" fmla="*/ 120432 w 532262"/>
+                    <a:gd name="connsiteY15" fmla="*/ 730587 h 860342"/>
+                    <a:gd name="connsiteX16" fmla="*/ 82332 w 532262"/>
+                    <a:gd name="connsiteY16" fmla="*/ 840124 h 860342"/>
+                    <a:gd name="connsiteX17" fmla="*/ 82332 w 532262"/>
+                    <a:gd name="connsiteY17" fmla="*/ 702012 h 860342"/>
+                    <a:gd name="connsiteX0" fmla="*/ 82332 w 532262"/>
+                    <a:gd name="connsiteY0" fmla="*/ 702012 h 860342"/>
+                    <a:gd name="connsiteX1" fmla="*/ 0 w 532262"/>
+                    <a:gd name="connsiteY1" fmla="*/ 860342 h 860342"/>
+                    <a:gd name="connsiteX2" fmla="*/ 47182 w 532262"/>
+                    <a:gd name="connsiteY2" fmla="*/ 59433 h 860342"/>
+                    <a:gd name="connsiteX3" fmla="*/ 138931 w 532262"/>
+                    <a:gd name="connsiteY3" fmla="*/ 0 h 860342"/>
+                    <a:gd name="connsiteX4" fmla="*/ 270001 w 532262"/>
+                    <a:gd name="connsiteY4" fmla="*/ 8492 h 860342"/>
+                    <a:gd name="connsiteX5" fmla="*/ 398450 w 532262"/>
+                    <a:gd name="connsiteY5" fmla="*/ 45282 h 860342"/>
+                    <a:gd name="connsiteX6" fmla="*/ 477092 w 532262"/>
+                    <a:gd name="connsiteY6" fmla="*/ 84904 h 860342"/>
+                    <a:gd name="connsiteX7" fmla="*/ 521657 w 532262"/>
+                    <a:gd name="connsiteY7" fmla="*/ 149996 h 860342"/>
+                    <a:gd name="connsiteX8" fmla="*/ 532262 w 532262"/>
+                    <a:gd name="connsiteY8" fmla="*/ 223530 h 860342"/>
+                    <a:gd name="connsiteX9" fmla="*/ 520482 w 532262"/>
+                    <a:gd name="connsiteY9" fmla="*/ 259099 h 860342"/>
+                    <a:gd name="connsiteX10" fmla="*/ 504753 w 532262"/>
+                    <a:gd name="connsiteY10" fmla="*/ 315732 h 860342"/>
+                    <a:gd name="connsiteX11" fmla="*/ 449045 w 532262"/>
+                    <a:gd name="connsiteY11" fmla="*/ 363874 h 860342"/>
+                    <a:gd name="connsiteX12" fmla="*/ 366993 w 532262"/>
+                    <a:gd name="connsiteY12" fmla="*/ 390550 h 860342"/>
+                    <a:gd name="connsiteX13" fmla="*/ 280487 w 532262"/>
+                    <a:gd name="connsiteY13" fmla="*/ 416020 h 860342"/>
+                    <a:gd name="connsiteX14" fmla="*/ 175532 w 532262"/>
+                    <a:gd name="connsiteY14" fmla="*/ 416262 h 860342"/>
+                    <a:gd name="connsiteX15" fmla="*/ 139482 w 532262"/>
+                    <a:gd name="connsiteY15" fmla="*/ 825837 h 860342"/>
+                    <a:gd name="connsiteX16" fmla="*/ 120432 w 532262"/>
+                    <a:gd name="connsiteY16" fmla="*/ 730587 h 860342"/>
+                    <a:gd name="connsiteX17" fmla="*/ 82332 w 532262"/>
+                    <a:gd name="connsiteY17" fmla="*/ 840124 h 860342"/>
+                    <a:gd name="connsiteX18" fmla="*/ 82332 w 532262"/>
+                    <a:gd name="connsiteY18" fmla="*/ 702012 h 860342"/>
+                    <a:gd name="connsiteX0" fmla="*/ 82332 w 532262"/>
+                    <a:gd name="connsiteY0" fmla="*/ 702012 h 860342"/>
+                    <a:gd name="connsiteX1" fmla="*/ 0 w 532262"/>
+                    <a:gd name="connsiteY1" fmla="*/ 860342 h 860342"/>
+                    <a:gd name="connsiteX2" fmla="*/ 47182 w 532262"/>
+                    <a:gd name="connsiteY2" fmla="*/ 59433 h 860342"/>
+                    <a:gd name="connsiteX3" fmla="*/ 138931 w 532262"/>
+                    <a:gd name="connsiteY3" fmla="*/ 0 h 860342"/>
+                    <a:gd name="connsiteX4" fmla="*/ 270001 w 532262"/>
+                    <a:gd name="connsiteY4" fmla="*/ 8492 h 860342"/>
+                    <a:gd name="connsiteX5" fmla="*/ 398450 w 532262"/>
+                    <a:gd name="connsiteY5" fmla="*/ 45282 h 860342"/>
+                    <a:gd name="connsiteX6" fmla="*/ 477092 w 532262"/>
+                    <a:gd name="connsiteY6" fmla="*/ 84904 h 860342"/>
+                    <a:gd name="connsiteX7" fmla="*/ 521657 w 532262"/>
+                    <a:gd name="connsiteY7" fmla="*/ 149996 h 860342"/>
+                    <a:gd name="connsiteX8" fmla="*/ 532262 w 532262"/>
+                    <a:gd name="connsiteY8" fmla="*/ 223530 h 860342"/>
+                    <a:gd name="connsiteX9" fmla="*/ 520482 w 532262"/>
+                    <a:gd name="connsiteY9" fmla="*/ 259099 h 860342"/>
+                    <a:gd name="connsiteX10" fmla="*/ 504753 w 532262"/>
+                    <a:gd name="connsiteY10" fmla="*/ 315732 h 860342"/>
+                    <a:gd name="connsiteX11" fmla="*/ 449045 w 532262"/>
+                    <a:gd name="connsiteY11" fmla="*/ 363874 h 860342"/>
+                    <a:gd name="connsiteX12" fmla="*/ 366993 w 532262"/>
+                    <a:gd name="connsiteY12" fmla="*/ 410360 h 860342"/>
+                    <a:gd name="connsiteX13" fmla="*/ 280487 w 532262"/>
+                    <a:gd name="connsiteY13" fmla="*/ 416020 h 860342"/>
+                    <a:gd name="connsiteX14" fmla="*/ 175532 w 532262"/>
+                    <a:gd name="connsiteY14" fmla="*/ 416262 h 860342"/>
+                    <a:gd name="connsiteX15" fmla="*/ 139482 w 532262"/>
+                    <a:gd name="connsiteY15" fmla="*/ 825837 h 860342"/>
+                    <a:gd name="connsiteX16" fmla="*/ 120432 w 532262"/>
+                    <a:gd name="connsiteY16" fmla="*/ 730587 h 860342"/>
+                    <a:gd name="connsiteX17" fmla="*/ 82332 w 532262"/>
+                    <a:gd name="connsiteY17" fmla="*/ 840124 h 860342"/>
+                    <a:gd name="connsiteX18" fmla="*/ 82332 w 532262"/>
+                    <a:gd name="connsiteY18" fmla="*/ 702012 h 860342"/>
+                    <a:gd name="connsiteX0" fmla="*/ 82332 w 532262"/>
+                    <a:gd name="connsiteY0" fmla="*/ 702012 h 860342"/>
+                    <a:gd name="connsiteX1" fmla="*/ 0 w 532262"/>
+                    <a:gd name="connsiteY1" fmla="*/ 860342 h 860342"/>
+                    <a:gd name="connsiteX2" fmla="*/ 47182 w 532262"/>
+                    <a:gd name="connsiteY2" fmla="*/ 59433 h 860342"/>
+                    <a:gd name="connsiteX3" fmla="*/ 138931 w 532262"/>
+                    <a:gd name="connsiteY3" fmla="*/ 0 h 860342"/>
+                    <a:gd name="connsiteX4" fmla="*/ 270001 w 532262"/>
+                    <a:gd name="connsiteY4" fmla="*/ 8492 h 860342"/>
+                    <a:gd name="connsiteX5" fmla="*/ 398450 w 532262"/>
+                    <a:gd name="connsiteY5" fmla="*/ 45282 h 860342"/>
+                    <a:gd name="connsiteX6" fmla="*/ 477092 w 532262"/>
+                    <a:gd name="connsiteY6" fmla="*/ 84904 h 860342"/>
+                    <a:gd name="connsiteX7" fmla="*/ 521657 w 532262"/>
+                    <a:gd name="connsiteY7" fmla="*/ 149996 h 860342"/>
+                    <a:gd name="connsiteX8" fmla="*/ 532262 w 532262"/>
+                    <a:gd name="connsiteY8" fmla="*/ 223530 h 860342"/>
+                    <a:gd name="connsiteX9" fmla="*/ 520482 w 532262"/>
+                    <a:gd name="connsiteY9" fmla="*/ 259099 h 860342"/>
+                    <a:gd name="connsiteX10" fmla="*/ 504753 w 532262"/>
+                    <a:gd name="connsiteY10" fmla="*/ 315732 h 860342"/>
+                    <a:gd name="connsiteX11" fmla="*/ 454288 w 532262"/>
+                    <a:gd name="connsiteY11" fmla="*/ 372364 h 860342"/>
+                    <a:gd name="connsiteX12" fmla="*/ 366993 w 532262"/>
+                    <a:gd name="connsiteY12" fmla="*/ 410360 h 860342"/>
+                    <a:gd name="connsiteX13" fmla="*/ 280487 w 532262"/>
+                    <a:gd name="connsiteY13" fmla="*/ 416020 h 860342"/>
+                    <a:gd name="connsiteX14" fmla="*/ 175532 w 532262"/>
+                    <a:gd name="connsiteY14" fmla="*/ 416262 h 860342"/>
+                    <a:gd name="connsiteX15" fmla="*/ 139482 w 532262"/>
+                    <a:gd name="connsiteY15" fmla="*/ 825837 h 860342"/>
+                    <a:gd name="connsiteX16" fmla="*/ 120432 w 532262"/>
+                    <a:gd name="connsiteY16" fmla="*/ 730587 h 860342"/>
+                    <a:gd name="connsiteX17" fmla="*/ 82332 w 532262"/>
+                    <a:gd name="connsiteY17" fmla="*/ 840124 h 860342"/>
+                    <a:gd name="connsiteX18" fmla="*/ 82332 w 532262"/>
+                    <a:gd name="connsiteY18" fmla="*/ 702012 h 860342"/>
+                    <a:gd name="connsiteX0" fmla="*/ 66603 w 532262"/>
+                    <a:gd name="connsiteY0" fmla="*/ 704842 h 860342"/>
+                    <a:gd name="connsiteX1" fmla="*/ 0 w 532262"/>
+                    <a:gd name="connsiteY1" fmla="*/ 860342 h 860342"/>
+                    <a:gd name="connsiteX2" fmla="*/ 47182 w 532262"/>
+                    <a:gd name="connsiteY2" fmla="*/ 59433 h 860342"/>
+                    <a:gd name="connsiteX3" fmla="*/ 138931 w 532262"/>
+                    <a:gd name="connsiteY3" fmla="*/ 0 h 860342"/>
+                    <a:gd name="connsiteX4" fmla="*/ 270001 w 532262"/>
+                    <a:gd name="connsiteY4" fmla="*/ 8492 h 860342"/>
+                    <a:gd name="connsiteX5" fmla="*/ 398450 w 532262"/>
+                    <a:gd name="connsiteY5" fmla="*/ 45282 h 860342"/>
+                    <a:gd name="connsiteX6" fmla="*/ 477092 w 532262"/>
+                    <a:gd name="connsiteY6" fmla="*/ 84904 h 860342"/>
+                    <a:gd name="connsiteX7" fmla="*/ 521657 w 532262"/>
+                    <a:gd name="connsiteY7" fmla="*/ 149996 h 860342"/>
+                    <a:gd name="connsiteX8" fmla="*/ 532262 w 532262"/>
+                    <a:gd name="connsiteY8" fmla="*/ 223530 h 860342"/>
+                    <a:gd name="connsiteX9" fmla="*/ 520482 w 532262"/>
+                    <a:gd name="connsiteY9" fmla="*/ 259099 h 860342"/>
+                    <a:gd name="connsiteX10" fmla="*/ 504753 w 532262"/>
+                    <a:gd name="connsiteY10" fmla="*/ 315732 h 860342"/>
+                    <a:gd name="connsiteX11" fmla="*/ 454288 w 532262"/>
+                    <a:gd name="connsiteY11" fmla="*/ 372364 h 860342"/>
+                    <a:gd name="connsiteX12" fmla="*/ 366993 w 532262"/>
+                    <a:gd name="connsiteY12" fmla="*/ 410360 h 860342"/>
+                    <a:gd name="connsiteX13" fmla="*/ 280487 w 532262"/>
+                    <a:gd name="connsiteY13" fmla="*/ 416020 h 860342"/>
+                    <a:gd name="connsiteX14" fmla="*/ 175532 w 532262"/>
+                    <a:gd name="connsiteY14" fmla="*/ 416262 h 860342"/>
+                    <a:gd name="connsiteX15" fmla="*/ 139482 w 532262"/>
+                    <a:gd name="connsiteY15" fmla="*/ 825837 h 860342"/>
+                    <a:gd name="connsiteX16" fmla="*/ 120432 w 532262"/>
+                    <a:gd name="connsiteY16" fmla="*/ 730587 h 860342"/>
+                    <a:gd name="connsiteX17" fmla="*/ 82332 w 532262"/>
+                    <a:gd name="connsiteY17" fmla="*/ 840124 h 860342"/>
+                    <a:gd name="connsiteX18" fmla="*/ 66603 w 532262"/>
+                    <a:gd name="connsiteY18" fmla="*/ 704842 h 860342"/>
+                    <a:gd name="connsiteX0" fmla="*/ 66603 w 532262"/>
+                    <a:gd name="connsiteY0" fmla="*/ 704842 h 860342"/>
+                    <a:gd name="connsiteX1" fmla="*/ 0 w 532262"/>
+                    <a:gd name="connsiteY1" fmla="*/ 860342 h 860342"/>
+                    <a:gd name="connsiteX2" fmla="*/ 47182 w 532262"/>
+                    <a:gd name="connsiteY2" fmla="*/ 59433 h 860342"/>
+                    <a:gd name="connsiteX3" fmla="*/ 138931 w 532262"/>
+                    <a:gd name="connsiteY3" fmla="*/ 0 h 860342"/>
+                    <a:gd name="connsiteX4" fmla="*/ 270001 w 532262"/>
+                    <a:gd name="connsiteY4" fmla="*/ 8492 h 860342"/>
+                    <a:gd name="connsiteX5" fmla="*/ 398450 w 532262"/>
+                    <a:gd name="connsiteY5" fmla="*/ 45282 h 860342"/>
+                    <a:gd name="connsiteX6" fmla="*/ 477092 w 532262"/>
+                    <a:gd name="connsiteY6" fmla="*/ 84904 h 860342"/>
+                    <a:gd name="connsiteX7" fmla="*/ 521657 w 532262"/>
+                    <a:gd name="connsiteY7" fmla="*/ 149996 h 860342"/>
+                    <a:gd name="connsiteX8" fmla="*/ 532262 w 532262"/>
+                    <a:gd name="connsiteY8" fmla="*/ 223530 h 860342"/>
+                    <a:gd name="connsiteX9" fmla="*/ 520482 w 532262"/>
+                    <a:gd name="connsiteY9" fmla="*/ 259099 h 860342"/>
+                    <a:gd name="connsiteX10" fmla="*/ 504753 w 532262"/>
+                    <a:gd name="connsiteY10" fmla="*/ 315732 h 860342"/>
+                    <a:gd name="connsiteX11" fmla="*/ 454288 w 532262"/>
+                    <a:gd name="connsiteY11" fmla="*/ 372364 h 860342"/>
+                    <a:gd name="connsiteX12" fmla="*/ 366993 w 532262"/>
+                    <a:gd name="connsiteY12" fmla="*/ 410360 h 860342"/>
+                    <a:gd name="connsiteX13" fmla="*/ 280487 w 532262"/>
+                    <a:gd name="connsiteY13" fmla="*/ 416020 h 860342"/>
+                    <a:gd name="connsiteX14" fmla="*/ 175532 w 532262"/>
+                    <a:gd name="connsiteY14" fmla="*/ 416262 h 860342"/>
+                    <a:gd name="connsiteX15" fmla="*/ 142103 w 532262"/>
+                    <a:gd name="connsiteY15" fmla="*/ 825837 h 860342"/>
+                    <a:gd name="connsiteX16" fmla="*/ 120432 w 532262"/>
+                    <a:gd name="connsiteY16" fmla="*/ 730587 h 860342"/>
+                    <a:gd name="connsiteX17" fmla="*/ 82332 w 532262"/>
+                    <a:gd name="connsiteY17" fmla="*/ 840124 h 860342"/>
+                    <a:gd name="connsiteX18" fmla="*/ 66603 w 532262"/>
+                    <a:gd name="connsiteY18" fmla="*/ 704842 h 860342"/>
+                  </a:gdLst>
+                  <a:ahLst/>
+                  <a:cxnLst>
+                    <a:cxn ang="0">
+                      <a:pos x="connsiteX0" y="connsiteY0"/>
+                    </a:cxn>
+                    <a:cxn ang="0">
+                      <a:pos x="connsiteX1" y="connsiteY1"/>
+                    </a:cxn>
+                    <a:cxn ang="0">
+                      <a:pos x="connsiteX2" y="connsiteY2"/>
+                    </a:cxn>
+                    <a:cxn ang="0">
+                      <a:pos x="connsiteX3" y="connsiteY3"/>
+                    </a:cxn>
+                    <a:cxn ang="0">
+                      <a:pos x="connsiteX4" y="connsiteY4"/>
+                    </a:cxn>
+                    <a:cxn ang="0">
+                      <a:pos x="connsiteX5" y="connsiteY5"/>
+                    </a:cxn>
+                    <a:cxn ang="0">
+                      <a:pos x="connsiteX6" y="connsiteY6"/>
+                    </a:cxn>
+                    <a:cxn ang="0">
+                      <a:pos x="connsiteX7" y="connsiteY7"/>
+                    </a:cxn>
+                    <a:cxn ang="0">
+                      <a:pos x="connsiteX8" y="connsiteY8"/>
+                    </a:cxn>
+                    <a:cxn ang="0">
+                      <a:pos x="connsiteX9" y="connsiteY9"/>
+                    </a:cxn>
+                    <a:cxn ang="0">
+                      <a:pos x="connsiteX10" y="connsiteY10"/>
+                    </a:cxn>
+                    <a:cxn ang="0">
+                      <a:pos x="connsiteX11" y="connsiteY11"/>
+                    </a:cxn>
+                    <a:cxn ang="0">
+                      <a:pos x="connsiteX12" y="connsiteY12"/>
+                    </a:cxn>
+                    <a:cxn ang="0">
+                      <a:pos x="connsiteX13" y="connsiteY13"/>
+                    </a:cxn>
+                    <a:cxn ang="0">
+                      <a:pos x="connsiteX14" y="connsiteY14"/>
+                    </a:cxn>
+                    <a:cxn ang="0">
+                      <a:pos x="connsiteX15" y="connsiteY15"/>
+                    </a:cxn>
+                    <a:cxn ang="0">
+                      <a:pos x="connsiteX16" y="connsiteY16"/>
+                    </a:cxn>
+                    <a:cxn ang="0">
+                      <a:pos x="connsiteX17" y="connsiteY17"/>
+                    </a:cxn>
+                    <a:cxn ang="0">
+                      <a:pos x="connsiteX18" y="connsiteY18"/>
+                    </a:cxn>
+                  </a:cxnLst>
+                  <a:rect l="l" t="t" r="r" b="b"/>
+                  <a:pathLst>
+                    <a:path w="532262" h="860342">
+                      <a:moveTo>
+                        <a:pt x="66603" y="704842"/>
+                      </a:moveTo>
+                      <a:lnTo>
+                        <a:pt x="0" y="860342"/>
+                      </a:lnTo>
+                      <a:lnTo>
+                        <a:pt x="47182" y="59433"/>
+                      </a:lnTo>
+                      <a:lnTo>
+                        <a:pt x="138931" y="0"/>
+                      </a:lnTo>
+                      <a:lnTo>
+                        <a:pt x="270001" y="8492"/>
+                      </a:lnTo>
+                      <a:lnTo>
+                        <a:pt x="398450" y="45282"/>
+                      </a:lnTo>
+                      <a:lnTo>
+                        <a:pt x="477092" y="84904"/>
+                      </a:lnTo>
+                      <a:lnTo>
+                        <a:pt x="521657" y="149996"/>
+                      </a:lnTo>
+                      <a:lnTo>
+                        <a:pt x="532262" y="223530"/>
+                      </a:lnTo>
+                      <a:lnTo>
+                        <a:pt x="520482" y="259099"/>
+                      </a:lnTo>
+                      <a:lnTo>
+                        <a:pt x="504753" y="315732"/>
+                      </a:lnTo>
+                      <a:lnTo>
+                        <a:pt x="454288" y="372364"/>
+                      </a:lnTo>
+                      <a:lnTo>
+                        <a:pt x="366993" y="410360"/>
+                      </a:lnTo>
+                      <a:lnTo>
+                        <a:pt x="280487" y="416020"/>
+                      </a:lnTo>
+                      <a:lnTo>
+                        <a:pt x="175532" y="416262"/>
+                      </a:lnTo>
+                      <a:lnTo>
+                        <a:pt x="142103" y="825837"/>
+                      </a:lnTo>
+                      <a:lnTo>
+                        <a:pt x="120432" y="730587"/>
+                      </a:lnTo>
+                      <a:lnTo>
+                        <a:pt x="82332" y="840124"/>
+                      </a:lnTo>
+                      <a:lnTo>
+                        <a:pt x="66603" y="704842"/>
+                      </a:lnTo>
+                      <a:close/>
+                    </a:path>
+                  </a:pathLst>
+                </a:custGeom>
+                <a:solidFill>
+                  <a:srgbClr val="FFCD05"/>
+                </a:solidFill>
+                <a:ln>
+                  <a:noFill/>
+                </a:ln>
+              </p:spPr>
+              <p:style>
+                <a:lnRef idx="2">
+                  <a:schemeClr val="accent1">
+                    <a:shade val="50000"/>
+                  </a:schemeClr>
+                </a:lnRef>
+                <a:fillRef idx="1">
+                  <a:schemeClr val="accent1"/>
+                </a:fillRef>
+                <a:effectRef idx="0">
+                  <a:schemeClr val="accent1"/>
+                </a:effectRef>
+                <a:fontRef idx="minor">
+                  <a:schemeClr val="lt1"/>
+                </a:fontRef>
+              </p:style>
+              <p:txBody>
+                <a:bodyPr rot="0" spcFirstLastPara="0" vertOverflow="overflow" horzOverflow="overflow" vert="horz" wrap="square" lIns="91440" tIns="45720" rIns="91440" bIns="45720" numCol="1" spcCol="0" rtlCol="0" fromWordArt="0" anchor="ctr" anchorCtr="0" forceAA="0" compatLnSpc="1">
+                  <a:prstTxWarp prst="textNoShape">
+                    <a:avLst/>
+                  </a:prstTxWarp>
+                  <a:noAutofit/>
+                </a:bodyPr>
+                <a:lstStyle/>
+                <a:p>
+                  <a:pPr algn="ctr"/>
+                  <a:endParaRPr lang="ja-JP" altLang="en-US"/>
+                </a:p>
+              </p:txBody>
+            </p:sp>
+            <p:sp>
+              <p:nvSpPr>
+                <p:cNvPr id="25" name="フリーフォーム: 図形 24">
+                  <a:extLst>
+                    <a:ext uri="{FF2B5EF4-FFF2-40B4-BE49-F238E27FC236}">
+                      <a16:creationId xmlns:a16="http://schemas.microsoft.com/office/drawing/2014/main" id="{E78F6E1B-0B59-46F5-9252-08818F52D453}"/>
+                    </a:ext>
+                  </a:extLst>
+                </p:cNvPr>
+                <p:cNvSpPr/>
+                <p:nvPr/>
+              </p:nvSpPr>
+              <p:spPr>
+                <a:xfrm rot="703770">
+                  <a:off x="4002392" y="3186717"/>
+                  <a:ext cx="163650" cy="153009"/>
+                </a:xfrm>
+                <a:custGeom>
+                  <a:avLst/>
+                  <a:gdLst>
+                    <a:gd name="connsiteX0" fmla="*/ 23813 w 114300"/>
+                    <a:gd name="connsiteY0" fmla="*/ 0 h 109537"/>
+                    <a:gd name="connsiteX1" fmla="*/ 0 w 114300"/>
+                    <a:gd name="connsiteY1" fmla="*/ 52387 h 109537"/>
+                    <a:gd name="connsiteX2" fmla="*/ 33338 w 114300"/>
+                    <a:gd name="connsiteY2" fmla="*/ 109537 h 109537"/>
+                    <a:gd name="connsiteX3" fmla="*/ 95250 w 114300"/>
+                    <a:gd name="connsiteY3" fmla="*/ 104775 h 109537"/>
+                    <a:gd name="connsiteX4" fmla="*/ 114300 w 114300"/>
+                    <a:gd name="connsiteY4" fmla="*/ 76200 h 109537"/>
+                    <a:gd name="connsiteX5" fmla="*/ 109538 w 114300"/>
+                    <a:gd name="connsiteY5" fmla="*/ 9525 h 109537"/>
+                    <a:gd name="connsiteX6" fmla="*/ 23813 w 114300"/>
+                    <a:gd name="connsiteY6" fmla="*/ 0 h 109537"/>
+                  </a:gdLst>
+                  <a:ahLst/>
+                  <a:cxnLst>
+                    <a:cxn ang="0">
+                      <a:pos x="connsiteX0" y="connsiteY0"/>
+                    </a:cxn>
+                    <a:cxn ang="0">
+                      <a:pos x="connsiteX1" y="connsiteY1"/>
+                    </a:cxn>
+                    <a:cxn ang="0">
+                      <a:pos x="connsiteX2" y="connsiteY2"/>
+                    </a:cxn>
+                    <a:cxn ang="0">
+                      <a:pos x="connsiteX3" y="connsiteY3"/>
+                    </a:cxn>
+                    <a:cxn ang="0">
+                      <a:pos x="connsiteX4" y="connsiteY4"/>
+                    </a:cxn>
+                    <a:cxn ang="0">
+                      <a:pos x="connsiteX5" y="connsiteY5"/>
+                    </a:cxn>
+                    <a:cxn ang="0">
+                      <a:pos x="connsiteX6" y="connsiteY6"/>
+                    </a:cxn>
+                  </a:cxnLst>
+                  <a:rect l="l" t="t" r="r" b="b"/>
+                  <a:pathLst>
+                    <a:path w="114300" h="109537">
+                      <a:moveTo>
+                        <a:pt x="23813" y="0"/>
+                      </a:moveTo>
+                      <a:lnTo>
+                        <a:pt x="0" y="52387"/>
+                      </a:lnTo>
+                      <a:lnTo>
+                        <a:pt x="33338" y="109537"/>
+                      </a:lnTo>
+                      <a:lnTo>
+                        <a:pt x="95250" y="104775"/>
+                      </a:lnTo>
+                      <a:lnTo>
+                        <a:pt x="114300" y="76200"/>
+                      </a:lnTo>
+                      <a:lnTo>
+                        <a:pt x="109538" y="9525"/>
+                      </a:lnTo>
+                      <a:lnTo>
+                        <a:pt x="23813" y="0"/>
+                      </a:lnTo>
+                      <a:close/>
+                    </a:path>
+                  </a:pathLst>
+                </a:custGeom>
+              </p:spPr>
+              <p:style>
+                <a:lnRef idx="2">
+                  <a:schemeClr val="dk1">
+                    <a:shade val="50000"/>
+                  </a:schemeClr>
+                </a:lnRef>
+                <a:fillRef idx="1">
+                  <a:schemeClr val="dk1"/>
+                </a:fillRef>
+                <a:effectRef idx="0">
+                  <a:schemeClr val="dk1"/>
+                </a:effectRef>
+                <a:fontRef idx="minor">
+                  <a:schemeClr val="lt1"/>
+                </a:fontRef>
+              </p:style>
+              <p:txBody>
+                <a:bodyPr rtlCol="0" anchor="ctr"/>
+                <a:lstStyle/>
+                <a:p>
+                  <a:pPr algn="ctr"/>
+                  <a:endParaRPr kumimoji="1" lang="ja-JP" altLang="en-US"/>
+                </a:p>
+              </p:txBody>
+            </p:sp>
+          </p:grpSp>
+        </p:grpSp>
+      </p:grpSp>
+      <p:pic>
+        <p:nvPicPr>
+          <p:cNvPr id="11" name="図 10">
+            <a:extLst>
+              <a:ext uri="{FF2B5EF4-FFF2-40B4-BE49-F238E27FC236}">
+                <a16:creationId xmlns:a16="http://schemas.microsoft.com/office/drawing/2014/main" id="{B3CDE990-432F-4CC9-B5C7-6AC125775723}"/>
+              </a:ext>
+            </a:extLst>
+          </p:cNvPr>
+          <p:cNvPicPr>
+            <a:picLocks noChangeAspect="1"/>
+          </p:cNvPicPr>
+          <p:nvPr/>
+        </p:nvPicPr>
+        <p:blipFill>
+          <a:blip r:embed="rId3"/>
+          <a:stretch>
+            <a:fillRect/>
+          </a:stretch>
+        </p:blipFill>
+        <p:spPr>
+          <a:xfrm>
+            <a:off x="383553" y="463040"/>
+            <a:ext cx="678927" cy="352506"/>
+          </a:xfrm>
+          <a:prstGeom prst="rect">
+            <a:avLst/>
+          </a:prstGeom>
+        </p:spPr>
+      </p:pic>
+    </p:spTree>
+    <p:extLst>
+      <p:ext uri="{BB962C8B-B14F-4D97-AF65-F5344CB8AC3E}">
+        <p14:creationId xmlns:p14="http://schemas.microsoft.com/office/powerpoint/2010/main" val="404523952"/>
+      </p:ext>
+    </p:extLst>
+  </p:cSld>
+  <p:clrMapOvr>
+    <a:masterClrMapping/>
+  </p:clrMapOvr>
+</p:sld>
+</file>
+
+<file path=ppt/slides/slide6.xml><?xml version="1.0" encoding="utf-8"?>
+<p:sld xmlns:a="http://schemas.openxmlformats.org/drawingml/2006/main" xmlns:r="http://schemas.openxmlformats.org/officeDocument/2006/relationships" xmlns:p="http://schemas.openxmlformats.org/presentationml/2006/main">
+  <p:cSld>
+    <p:spTree>
+      <p:nvGrpSpPr>
+        <p:cNvPr id="1" name=""/>
+        <p:cNvGrpSpPr/>
+        <p:nvPr/>
+      </p:nvGrpSpPr>
+      <p:grpSpPr>
+        <a:xfrm>
+          <a:off x="0" y="0"/>
+          <a:ext cx="0" cy="0"/>
+          <a:chOff x="0" y="0"/>
+          <a:chExt cx="0" cy="0"/>
+        </a:xfrm>
+      </p:grpSpPr>
       <p:sp>
         <p:nvSpPr>
           <p:cNvPr id="5" name="テキスト ボックス 4">

--- a/src/mamidimemo/Data/Images.pptx
+++ b/src/mamidimemo/Data/Images.pptx
@@ -5,7 +5,7 @@
     <p:sldMasterId id="2147483648" r:id="rId1"/>
   </p:sldMasterIdLst>
   <p:notesMasterIdLst>
-    <p:notesMasterId r:id="rId8"/>
+    <p:notesMasterId r:id="rId9"/>
   </p:notesMasterIdLst>
   <p:sldIdLst>
     <p:sldId id="256" r:id="rId2"/>
@@ -13,7 +13,8 @@
     <p:sldId id="259" r:id="rId4"/>
     <p:sldId id="260" r:id="rId5"/>
     <p:sldId id="261" r:id="rId6"/>
-    <p:sldId id="257" r:id="rId7"/>
+    <p:sldId id="262" r:id="rId7"/>
+    <p:sldId id="257" r:id="rId8"/>
   </p:sldIdLst>
   <p:sldSz cx="12192000" cy="6858000"/>
   <p:notesSz cx="6858000" cy="9144000"/>
@@ -202,7 +203,7 @@
           <a:p>
             <a:fld id="{FD0ADE19-EE5F-4EAE-BCEC-0B5F9244BB48}" type="datetimeFigureOut">
               <a:rPr kumimoji="1" lang="ja-JP" altLang="en-US" smtClean="0"/>
-              <a:t>2020/2/19</a:t>
+              <a:t>2020/3/14</a:t>
             </a:fld>
             <a:endParaRPr kumimoji="1" lang="ja-JP" altLang="en-US"/>
           </a:p>
@@ -732,7 +733,7 @@
           <a:p>
             <a:fld id="{B7E48A73-9369-4B88-BBE6-B1D33CBD5F01}" type="datetimeFigureOut">
               <a:rPr kumimoji="1" lang="ja-JP" altLang="en-US" smtClean="0"/>
-              <a:t>2020/2/19</a:t>
+              <a:t>2020/3/14</a:t>
             </a:fld>
             <a:endParaRPr kumimoji="1" lang="ja-JP" altLang="en-US"/>
           </a:p>
@@ -962,7 +963,7 @@
           <a:p>
             <a:fld id="{B7E48A73-9369-4B88-BBE6-B1D33CBD5F01}" type="datetimeFigureOut">
               <a:rPr kumimoji="1" lang="ja-JP" altLang="en-US" smtClean="0"/>
-              <a:t>2020/2/19</a:t>
+              <a:t>2020/3/14</a:t>
             </a:fld>
             <a:endParaRPr kumimoji="1" lang="ja-JP" altLang="en-US"/>
           </a:p>
@@ -1202,7 +1203,7 @@
           <a:p>
             <a:fld id="{B7E48A73-9369-4B88-BBE6-B1D33CBD5F01}" type="datetimeFigureOut">
               <a:rPr kumimoji="1" lang="ja-JP" altLang="en-US" smtClean="0"/>
-              <a:t>2020/2/19</a:t>
+              <a:t>2020/3/14</a:t>
             </a:fld>
             <a:endParaRPr kumimoji="1" lang="ja-JP" altLang="en-US"/>
           </a:p>
@@ -1432,7 +1433,7 @@
           <a:p>
             <a:fld id="{B7E48A73-9369-4B88-BBE6-B1D33CBD5F01}" type="datetimeFigureOut">
               <a:rPr kumimoji="1" lang="ja-JP" altLang="en-US" smtClean="0"/>
-              <a:t>2020/2/19</a:t>
+              <a:t>2020/3/14</a:t>
             </a:fld>
             <a:endParaRPr kumimoji="1" lang="ja-JP" altLang="en-US"/>
           </a:p>
@@ -1707,7 +1708,7 @@
           <a:p>
             <a:fld id="{B7E48A73-9369-4B88-BBE6-B1D33CBD5F01}" type="datetimeFigureOut">
               <a:rPr kumimoji="1" lang="ja-JP" altLang="en-US" smtClean="0"/>
-              <a:t>2020/2/19</a:t>
+              <a:t>2020/3/14</a:t>
             </a:fld>
             <a:endParaRPr kumimoji="1" lang="ja-JP" altLang="en-US"/>
           </a:p>
@@ -2036,7 +2037,7 @@
           <a:p>
             <a:fld id="{B7E48A73-9369-4B88-BBE6-B1D33CBD5F01}" type="datetimeFigureOut">
               <a:rPr kumimoji="1" lang="ja-JP" altLang="en-US" smtClean="0"/>
-              <a:t>2020/2/19</a:t>
+              <a:t>2020/3/14</a:t>
             </a:fld>
             <a:endParaRPr kumimoji="1" lang="ja-JP" altLang="en-US"/>
           </a:p>
@@ -2512,7 +2513,7 @@
           <a:p>
             <a:fld id="{B7E48A73-9369-4B88-BBE6-B1D33CBD5F01}" type="datetimeFigureOut">
               <a:rPr kumimoji="1" lang="ja-JP" altLang="en-US" smtClean="0"/>
-              <a:t>2020/2/19</a:t>
+              <a:t>2020/3/14</a:t>
             </a:fld>
             <a:endParaRPr kumimoji="1" lang="ja-JP" altLang="en-US"/>
           </a:p>
@@ -2653,7 +2654,7 @@
           <a:p>
             <a:fld id="{B7E48A73-9369-4B88-BBE6-B1D33CBD5F01}" type="datetimeFigureOut">
               <a:rPr kumimoji="1" lang="ja-JP" altLang="en-US" smtClean="0"/>
-              <a:t>2020/2/19</a:t>
+              <a:t>2020/3/14</a:t>
             </a:fld>
             <a:endParaRPr kumimoji="1" lang="ja-JP" altLang="en-US"/>
           </a:p>
@@ -2766,7 +2767,7 @@
           <a:p>
             <a:fld id="{B7E48A73-9369-4B88-BBE6-B1D33CBD5F01}" type="datetimeFigureOut">
               <a:rPr kumimoji="1" lang="ja-JP" altLang="en-US" smtClean="0"/>
-              <a:t>2020/2/19</a:t>
+              <a:t>2020/3/14</a:t>
             </a:fld>
             <a:endParaRPr kumimoji="1" lang="ja-JP" altLang="en-US"/>
           </a:p>
@@ -3109,7 +3110,7 @@
           <a:p>
             <a:fld id="{B7E48A73-9369-4B88-BBE6-B1D33CBD5F01}" type="datetimeFigureOut">
               <a:rPr kumimoji="1" lang="ja-JP" altLang="en-US" smtClean="0"/>
-              <a:t>2020/2/19</a:t>
+              <a:t>2020/3/14</a:t>
             </a:fld>
             <a:endParaRPr kumimoji="1" lang="ja-JP" altLang="en-US"/>
           </a:p>
@@ -3397,7 +3398,7 @@
           <a:p>
             <a:fld id="{B7E48A73-9369-4B88-BBE6-B1D33CBD5F01}" type="datetimeFigureOut">
               <a:rPr kumimoji="1" lang="ja-JP" altLang="en-US" smtClean="0"/>
-              <a:t>2020/2/19</a:t>
+              <a:t>2020/3/14</a:t>
             </a:fld>
             <a:endParaRPr kumimoji="1" lang="ja-JP" altLang="en-US"/>
           </a:p>
@@ -3670,7 +3671,7 @@
           <a:p>
             <a:fld id="{B7E48A73-9369-4B88-BBE6-B1D33CBD5F01}" type="datetimeFigureOut">
               <a:rPr kumimoji="1" lang="ja-JP" altLang="en-US" smtClean="0"/>
-              <a:t>2020/2/19</a:t>
+              <a:t>2020/3/14</a:t>
             </a:fld>
             <a:endParaRPr kumimoji="1" lang="ja-JP" altLang="en-US"/>
           </a:p>
@@ -40181,6 +40182,463 @@
           <a:chExt cx="0" cy="0"/>
         </a:xfrm>
       </p:grpSpPr>
+      <p:pic>
+        <p:nvPicPr>
+          <p:cNvPr id="1026" name="Picture 2" descr="「Roland MT-32 logo」の画像検索結果">
+            <a:extLst>
+              <a:ext uri="{FF2B5EF4-FFF2-40B4-BE49-F238E27FC236}">
+                <a16:creationId xmlns:a16="http://schemas.microsoft.com/office/drawing/2014/main" id="{5DF97D44-FC46-4F2A-BA7C-21A9A8A9C55B}"/>
+              </a:ext>
+            </a:extLst>
+          </p:cNvPr>
+          <p:cNvPicPr>
+            <a:picLocks noChangeAspect="1" noChangeArrowheads="1"/>
+          </p:cNvPicPr>
+          <p:nvPr/>
+        </p:nvPicPr>
+        <p:blipFill>
+          <a:blip r:embed="rId2">
+            <a:extLst>
+              <a:ext uri="{28A0092B-C50C-407E-A947-70E740481C1C}">
+                <a14:useLocalDpi xmlns:a14="http://schemas.microsoft.com/office/drawing/2010/main" val="0"/>
+              </a:ext>
+            </a:extLst>
+          </a:blip>
+          <a:srcRect/>
+          <a:stretch>
+            <a:fillRect/>
+          </a:stretch>
+        </p:blipFill>
+        <p:spPr bwMode="auto">
+          <a:xfrm>
+            <a:off x="3736479" y="998534"/>
+            <a:ext cx="3032621" cy="581599"/>
+          </a:xfrm>
+          <a:prstGeom prst="rect">
+            <a:avLst/>
+          </a:prstGeom>
+          <a:noFill/>
+          <a:extLst>
+            <a:ext uri="{909E8E84-426E-40DD-AFC4-6F175D3DCCD1}">
+              <a14:hiddenFill xmlns:a14="http://schemas.microsoft.com/office/drawing/2010/main">
+                <a:solidFill>
+                  <a:srgbClr val="FFFFFF"/>
+                </a:solidFill>
+              </a14:hiddenFill>
+            </a:ext>
+          </a:extLst>
+        </p:spPr>
+      </p:pic>
+      <p:pic>
+        <p:nvPicPr>
+          <p:cNvPr id="6" name="Picture 4" descr="「Roland MT-32 logo」の画像検索結果">
+            <a:extLst>
+              <a:ext uri="{FF2B5EF4-FFF2-40B4-BE49-F238E27FC236}">
+                <a16:creationId xmlns:a16="http://schemas.microsoft.com/office/drawing/2014/main" id="{B950E0B0-7497-408E-B695-D93CE358648C}"/>
+              </a:ext>
+            </a:extLst>
+          </p:cNvPr>
+          <p:cNvPicPr>
+            <a:picLocks noChangeAspect="1" noChangeArrowheads="1"/>
+          </p:cNvPicPr>
+          <p:nvPr/>
+        </p:nvPicPr>
+        <p:blipFill rotWithShape="1">
+          <a:blip r:embed="rId3">
+            <a:extLst>
+              <a:ext uri="{28A0092B-C50C-407E-A947-70E740481C1C}">
+                <a14:useLocalDpi xmlns:a14="http://schemas.microsoft.com/office/drawing/2010/main" val="0"/>
+              </a:ext>
+            </a:extLst>
+          </a:blip>
+          <a:srcRect l="24667" t="18627" r="24262" b="63758"/>
+          <a:stretch/>
+        </p:blipFill>
+        <p:spPr bwMode="auto">
+          <a:xfrm>
+            <a:off x="5577941" y="483957"/>
+            <a:ext cx="4924269" cy="951143"/>
+          </a:xfrm>
+          <a:prstGeom prst="rect">
+            <a:avLst/>
+          </a:prstGeom>
+          <a:noFill/>
+          <a:extLst>
+            <a:ext uri="{909E8E84-426E-40DD-AFC4-6F175D3DCCD1}">
+              <a14:hiddenFill xmlns:a14="http://schemas.microsoft.com/office/drawing/2010/main">
+                <a:solidFill>
+                  <a:srgbClr val="FFFFFF"/>
+                </a:solidFill>
+              </a14:hiddenFill>
+            </a:ext>
+          </a:extLst>
+        </p:spPr>
+      </p:pic>
+      <p:pic>
+        <p:nvPicPr>
+          <p:cNvPr id="1030" name="Picture 6" descr="「Roland MT-32 logo」の画像検索結果">
+            <a:extLst>
+              <a:ext uri="{FF2B5EF4-FFF2-40B4-BE49-F238E27FC236}">
+                <a16:creationId xmlns:a16="http://schemas.microsoft.com/office/drawing/2014/main" id="{21DE573B-9CB6-4EC9-A30D-B605EE7EBEFE}"/>
+              </a:ext>
+            </a:extLst>
+          </p:cNvPr>
+          <p:cNvPicPr>
+            <a:picLocks noChangeAspect="1" noChangeArrowheads="1"/>
+          </p:cNvPicPr>
+          <p:nvPr/>
+        </p:nvPicPr>
+        <p:blipFill>
+          <a:blip r:embed="rId4">
+            <a:extLst>
+              <a:ext uri="{28A0092B-C50C-407E-A947-70E740481C1C}">
+                <a14:useLocalDpi xmlns:a14="http://schemas.microsoft.com/office/drawing/2010/main" val="0"/>
+              </a:ext>
+            </a:extLst>
+          </a:blip>
+          <a:srcRect/>
+          <a:stretch>
+            <a:fillRect/>
+          </a:stretch>
+        </p:blipFill>
+        <p:spPr bwMode="auto">
+          <a:xfrm>
+            <a:off x="673175" y="510761"/>
+            <a:ext cx="2567609" cy="924339"/>
+          </a:xfrm>
+          <a:prstGeom prst="rect">
+            <a:avLst/>
+          </a:prstGeom>
+          <a:noFill/>
+          <a:extLst>
+            <a:ext uri="{909E8E84-426E-40DD-AFC4-6F175D3DCCD1}">
+              <a14:hiddenFill xmlns:a14="http://schemas.microsoft.com/office/drawing/2010/main">
+                <a:solidFill>
+                  <a:srgbClr val="FFFFFF"/>
+                </a:solidFill>
+              </a14:hiddenFill>
+            </a:ext>
+          </a:extLst>
+        </p:spPr>
+      </p:pic>
+      <p:grpSp>
+        <p:nvGrpSpPr>
+          <p:cNvPr id="11" name="グループ化 10">
+            <a:extLst>
+              <a:ext uri="{FF2B5EF4-FFF2-40B4-BE49-F238E27FC236}">
+                <a16:creationId xmlns:a16="http://schemas.microsoft.com/office/drawing/2014/main" id="{8FA39783-3A9D-4268-9941-94B97C8A35A8}"/>
+              </a:ext>
+            </a:extLst>
+          </p:cNvPr>
+          <p:cNvGrpSpPr/>
+          <p:nvPr/>
+        </p:nvGrpSpPr>
+        <p:grpSpPr>
+          <a:xfrm>
+            <a:off x="227995" y="2077283"/>
+            <a:ext cx="9059694" cy="2703434"/>
+            <a:chOff x="1599249" y="3670609"/>
+            <a:chExt cx="9059694" cy="2703434"/>
+          </a:xfrm>
+        </p:grpSpPr>
+        <p:sp>
+          <p:nvSpPr>
+            <p:cNvPr id="10" name="正方形/長方形 9">
+              <a:extLst>
+                <a:ext uri="{FF2B5EF4-FFF2-40B4-BE49-F238E27FC236}">
+                  <a16:creationId xmlns:a16="http://schemas.microsoft.com/office/drawing/2014/main" id="{C50097BB-EE59-4431-9846-E1BCEA8CAF60}"/>
+                </a:ext>
+              </a:extLst>
+            </p:cNvPr>
+            <p:cNvSpPr/>
+            <p:nvPr/>
+          </p:nvSpPr>
+          <p:spPr>
+            <a:xfrm>
+              <a:off x="1599249" y="3670609"/>
+              <a:ext cx="9059694" cy="2703434"/>
+            </a:xfrm>
+            <a:prstGeom prst="rect">
+              <a:avLst/>
+            </a:prstGeom>
+            <a:solidFill>
+              <a:schemeClr val="tx1"/>
+            </a:solidFill>
+            <a:ln>
+              <a:noFill/>
+            </a:ln>
+          </p:spPr>
+          <p:style>
+            <a:lnRef idx="2">
+              <a:schemeClr val="accent1">
+                <a:shade val="50000"/>
+              </a:schemeClr>
+            </a:lnRef>
+            <a:fillRef idx="1">
+              <a:schemeClr val="accent1"/>
+            </a:fillRef>
+            <a:effectRef idx="0">
+              <a:schemeClr val="accent1"/>
+            </a:effectRef>
+            <a:fontRef idx="minor">
+              <a:schemeClr val="lt1"/>
+            </a:fontRef>
+          </p:style>
+          <p:txBody>
+            <a:bodyPr rtlCol="0" anchor="ctr"/>
+            <a:lstStyle/>
+            <a:p>
+              <a:pPr algn="ctr"/>
+              <a:endParaRPr kumimoji="1" lang="ja-JP" altLang="en-US"/>
+            </a:p>
+          </p:txBody>
+        </p:sp>
+        <p:pic>
+          <p:nvPicPr>
+            <p:cNvPr id="5" name="図 4">
+              <a:extLst>
+                <a:ext uri="{FF2B5EF4-FFF2-40B4-BE49-F238E27FC236}">
+                  <a16:creationId xmlns:a16="http://schemas.microsoft.com/office/drawing/2014/main" id="{98D74674-4B34-4F89-A455-F3CDA47441E2}"/>
+                </a:ext>
+              </a:extLst>
+            </p:cNvPr>
+            <p:cNvPicPr>
+              <a:picLocks noChangeAspect="1"/>
+            </p:cNvPicPr>
+            <p:nvPr/>
+          </p:nvPicPr>
+          <p:blipFill rotWithShape="1">
+            <a:blip r:embed="rId5" cstate="print">
+              <a:lum bright="70000" contrast="-70000"/>
+              <a:extLst>
+                <a:ext uri="{BEBA8EAE-BF5A-486C-A8C5-ECC9F3942E4B}">
+                  <a14:imgProps xmlns:a14="http://schemas.microsoft.com/office/drawing/2010/main">
+                    <a14:imgLayer r:embed="rId6">
+                      <a14:imgEffect>
+                        <a14:backgroundRemoval t="9772" b="89577" l="2422" r="89909">
+                          <a14:foregroundMark x1="2523" y1="15961" x2="2523" y2="15961"/>
+                          <a14:foregroundMark x1="10394" y1="29642" x2="10394" y2="29642"/>
+                          <a14:foregroundMark x1="13623" y1="39414" x2="13925" y2="57655"/>
+                          <a14:foregroundMark x1="30979" y1="56678" x2="28961" y2="72313"/>
+                          <a14:foregroundMark x1="15843" y1="62866" x2="19273" y2="83062"/>
+                          <a14:foregroundMark x1="64682" y1="13029" x2="67911" y2="27036"/>
+                        </a14:backgroundRemoval>
+                      </a14:imgEffect>
+                    </a14:imgLayer>
+                  </a14:imgProps>
+                </a:ext>
+                <a:ext uri="{28A0092B-C50C-407E-A947-70E740481C1C}">
+                  <a14:useLocalDpi xmlns:a14="http://schemas.microsoft.com/office/drawing/2010/main"/>
+                </a:ext>
+              </a:extLst>
+            </a:blip>
+            <a:srcRect/>
+            <a:stretch/>
+          </p:blipFill>
+          <p:spPr>
+            <a:xfrm>
+              <a:off x="2548457" y="4438968"/>
+              <a:ext cx="4028974" cy="1147674"/>
+            </a:xfrm>
+            <a:prstGeom prst="rect">
+              <a:avLst/>
+            </a:prstGeom>
+          </p:spPr>
+        </p:pic>
+        <p:pic>
+          <p:nvPicPr>
+            <p:cNvPr id="8" name="図 7">
+              <a:extLst>
+                <a:ext uri="{FF2B5EF4-FFF2-40B4-BE49-F238E27FC236}">
+                  <a16:creationId xmlns:a16="http://schemas.microsoft.com/office/drawing/2014/main" id="{C2E9128A-E809-44A4-93B2-6058764B9986}"/>
+                </a:ext>
+              </a:extLst>
+            </p:cNvPr>
+            <p:cNvPicPr>
+              <a:picLocks noChangeAspect="1"/>
+            </p:cNvPicPr>
+            <p:nvPr/>
+          </p:nvPicPr>
+          <p:blipFill rotWithShape="1">
+            <a:blip r:embed="rId7" cstate="print">
+              <a:lum bright="70000" contrast="-70000"/>
+              <a:extLst>
+                <a:ext uri="{BEBA8EAE-BF5A-486C-A8C5-ECC9F3942E4B}">
+                  <a14:imgProps xmlns:a14="http://schemas.microsoft.com/office/drawing/2010/main">
+                    <a14:imgLayer r:embed="rId8">
+                      <a14:imgEffect>
+                        <a14:backgroundRemoval t="8039" b="90997" l="4126" r="90011">
+                          <a14:foregroundMark x1="24104" y1="48875" x2="30836" y2="50804"/>
+                          <a14:foregroundMark x1="38545" y1="18650" x2="37134" y2="40193"/>
+                          <a14:foregroundMark x1="53963" y1="48232" x2="61455" y2="48875"/>
+                          <a14:foregroundMark x1="9663" y1="51447" x2="20521" y2="46945"/>
+                          <a14:foregroundMark x1="4126" y1="13826" x2="5755" y2="13826"/>
+                          <a14:foregroundMark x1="4452" y1="7717" x2="30945" y2="8039"/>
+                          <a14:foregroundMark x1="30945" y1="8039" x2="37676" y2="19614"/>
+                          <a14:foregroundMark x1="26167" y1="90032" x2="32573" y2="90997"/>
+                          <a14:foregroundMark x1="38654" y1="62058" x2="35505" y2="87138"/>
+                          <a14:foregroundMark x1="7275" y1="90997" x2="20087" y2="90675"/>
+                          <a14:foregroundMark x1="20087" y1="90675" x2="20195" y2="90675"/>
+                          <a14:foregroundMark x1="50054" y1="12219" x2="67644" y2="12862"/>
+                          <a14:foregroundMark x1="65364" y1="10289" x2="78936" y2="10611"/>
+                          <a14:foregroundMark x1="78709" y1="40109" x2="78610" y2="48553"/>
+                          <a14:foregroundMark x1="78936" y1="10611" x2="78827" y2="18971"/>
+                          <a14:foregroundMark x1="78610" y1="48553" x2="63301" y2="48232"/>
+                          <a14:foregroundMark x1="53094" y1="49839" x2="49511" y2="72347"/>
+                          <a14:foregroundMark x1="50923" y1="87460" x2="49403" y2="64952"/>
+                          <a14:foregroundMark x1="53312" y1="90675" x2="68404" y2="90997"/>
+                          <a14:foregroundMark x1="83931" y1="89711" x2="74701" y2="88103"/>
+                          <a14:foregroundMark x1="81759" y1="47267" x2="82302" y2="34727"/>
+                          <a14:backgroundMark x1="47340" y1="31833" x2="45820" y2="31833"/>
+                          <a14:backgroundMark x1="78936" y1="32797" x2="79370" y2="28296"/>
+                          <a14:backgroundMark x1="79262" y1="24759" x2="79262" y2="34405"/>
+                          <a14:backgroundMark x1="78719" y1="21222" x2="79045" y2="27653"/>
+                          <a14:backgroundMark x1="78502" y1="35691" x2="78393" y2="37942"/>
+                          <a14:backgroundMark x1="78284" y1="34405" x2="78610" y2="37299"/>
+                          <a14:backgroundMark x1="79045" y1="19936" x2="78719" y2="19614"/>
+                          <a14:backgroundMark x1="78936" y1="35691" x2="78719" y2="38264"/>
+                          <a14:backgroundMark x1="78502" y1="36977" x2="78502" y2="39228"/>
+                          <a14:backgroundMark x1="78825" y1="20000" x2="78947" y2="18929"/>
+                          <a14:backgroundMark x1="78825" y1="37143" x2="78703" y2="38929"/>
+                          <a14:backgroundMark x1="78703" y1="38929" x2="78825" y2="40000"/>
+                          <a14:backgroundMark x1="78458" y1="39286" x2="78703" y2="39643"/>
+                          <a14:backgroundMark x1="78580" y1="21429" x2="78825" y2="18571"/>
+                        </a14:backgroundRemoval>
+                      </a14:imgEffect>
+                    </a14:imgLayer>
+                  </a14:imgProps>
+                </a:ext>
+                <a:ext uri="{28A0092B-C50C-407E-A947-70E740481C1C}">
+                  <a14:useLocalDpi xmlns:a14="http://schemas.microsoft.com/office/drawing/2010/main"/>
+                </a:ext>
+              </a:extLst>
+            </a:blip>
+            <a:srcRect t="-5300" b="-5300"/>
+            <a:stretch/>
+          </p:blipFill>
+          <p:spPr>
+            <a:xfrm>
+              <a:off x="6464187" y="4361093"/>
+              <a:ext cx="3396521" cy="1285866"/>
+            </a:xfrm>
+            <a:prstGeom prst="rect">
+              <a:avLst/>
+            </a:prstGeom>
+          </p:spPr>
+        </p:pic>
+        <p:sp>
+          <p:nvSpPr>
+            <p:cNvPr id="9" name="正方形/長方形 8">
+              <a:extLst>
+                <a:ext uri="{FF2B5EF4-FFF2-40B4-BE49-F238E27FC236}">
+                  <a16:creationId xmlns:a16="http://schemas.microsoft.com/office/drawing/2014/main" id="{AC7978F2-92A0-45DD-80CB-5FD67A89C341}"/>
+                </a:ext>
+              </a:extLst>
+            </p:cNvPr>
+            <p:cNvSpPr/>
+            <p:nvPr/>
+          </p:nvSpPr>
+          <p:spPr>
+            <a:xfrm>
+              <a:off x="6019322" y="4873856"/>
+              <a:ext cx="339726" cy="196849"/>
+            </a:xfrm>
+            <a:prstGeom prst="rect">
+              <a:avLst/>
+            </a:prstGeom>
+            <a:solidFill>
+              <a:srgbClr val="CDCDCD"/>
+            </a:solidFill>
+            <a:ln>
+              <a:noFill/>
+            </a:ln>
+          </p:spPr>
+          <p:style>
+            <a:lnRef idx="2">
+              <a:schemeClr val="dk1">
+                <a:shade val="50000"/>
+              </a:schemeClr>
+            </a:lnRef>
+            <a:fillRef idx="1">
+              <a:schemeClr val="dk1"/>
+            </a:fillRef>
+            <a:effectRef idx="0">
+              <a:schemeClr val="dk1"/>
+            </a:effectRef>
+            <a:fontRef idx="minor">
+              <a:schemeClr val="lt1"/>
+            </a:fontRef>
+          </p:style>
+          <p:txBody>
+            <a:bodyPr rtlCol="0" anchor="ctr"/>
+            <a:lstStyle/>
+            <a:p>
+              <a:pPr algn="ctr"/>
+              <a:endParaRPr kumimoji="1" lang="ja-JP" altLang="en-US"/>
+            </a:p>
+          </p:txBody>
+        </p:sp>
+      </p:grpSp>
+      <p:pic>
+        <p:nvPicPr>
+          <p:cNvPr id="12" name="図 11">
+            <a:extLst>
+              <a:ext uri="{FF2B5EF4-FFF2-40B4-BE49-F238E27FC236}">
+                <a16:creationId xmlns:a16="http://schemas.microsoft.com/office/drawing/2014/main" id="{1885B302-3C38-472D-A453-D108076F13AF}"/>
+              </a:ext>
+            </a:extLst>
+          </p:cNvPr>
+          <p:cNvPicPr>
+            <a:picLocks noChangeAspect="1"/>
+          </p:cNvPicPr>
+          <p:nvPr/>
+        </p:nvPicPr>
+        <p:blipFill>
+          <a:blip r:embed="rId9"/>
+          <a:stretch>
+            <a:fillRect/>
+          </a:stretch>
+        </p:blipFill>
+        <p:spPr>
+          <a:xfrm>
+            <a:off x="10388599" y="6158133"/>
+            <a:ext cx="1230769" cy="366665"/>
+          </a:xfrm>
+          <a:prstGeom prst="rect">
+            <a:avLst/>
+          </a:prstGeom>
+        </p:spPr>
+      </p:pic>
+    </p:spTree>
+    <p:extLst>
+      <p:ext uri="{BB962C8B-B14F-4D97-AF65-F5344CB8AC3E}">
+        <p14:creationId xmlns:p14="http://schemas.microsoft.com/office/powerpoint/2010/main" val="2837179726"/>
+      </p:ext>
+    </p:extLst>
+  </p:cSld>
+  <p:clrMapOvr>
+    <a:masterClrMapping/>
+  </p:clrMapOvr>
+</p:sld>
+</file>
+
+<file path=ppt/slides/slide7.xml><?xml version="1.0" encoding="utf-8"?>
+<p:sld xmlns:a="http://schemas.openxmlformats.org/drawingml/2006/main" xmlns:r="http://schemas.openxmlformats.org/officeDocument/2006/relationships" xmlns:p="http://schemas.openxmlformats.org/presentationml/2006/main">
+  <p:cSld>
+    <p:spTree>
+      <p:nvGrpSpPr>
+        <p:cNvPr id="1" name=""/>
+        <p:cNvGrpSpPr/>
+        <p:nvPr/>
+      </p:nvGrpSpPr>
+      <p:grpSpPr>
+        <a:xfrm>
+          <a:off x="0" y="0"/>
+          <a:ext cx="0" cy="0"/>
+          <a:chOff x="0" y="0"/>
+          <a:chExt cx="0" cy="0"/>
+        </a:xfrm>
+      </p:grpSpPr>
       <p:sp>
         <p:nvSpPr>
           <p:cNvPr id="5" name="テキスト ボックス 4">

--- a/src/mamidimemo/Data/Images.pptx
+++ b/src/mamidimemo/Data/Images.pptx
@@ -5,7 +5,7 @@
     <p:sldMasterId id="2147483648" r:id="rId1"/>
   </p:sldMasterIdLst>
   <p:notesMasterIdLst>
-    <p:notesMasterId r:id="rId9"/>
+    <p:notesMasterId r:id="rId10"/>
   </p:notesMasterIdLst>
   <p:sldIdLst>
     <p:sldId id="256" r:id="rId2"/>
@@ -14,7 +14,8 @@
     <p:sldId id="260" r:id="rId5"/>
     <p:sldId id="261" r:id="rId6"/>
     <p:sldId id="262" r:id="rId7"/>
-    <p:sldId id="257" r:id="rId8"/>
+    <p:sldId id="263" r:id="rId8"/>
+    <p:sldId id="257" r:id="rId9"/>
   </p:sldIdLst>
   <p:sldSz cx="12192000" cy="6858000"/>
   <p:notesSz cx="6858000" cy="9144000"/>
@@ -203,7 +204,7 @@
           <a:p>
             <a:fld id="{FD0ADE19-EE5F-4EAE-BCEC-0B5F9244BB48}" type="datetimeFigureOut">
               <a:rPr kumimoji="1" lang="ja-JP" altLang="en-US" smtClean="0"/>
-              <a:t>2020/3/14</a:t>
+              <a:t>2020/3/21</a:t>
             </a:fld>
             <a:endParaRPr kumimoji="1" lang="ja-JP" altLang="en-US"/>
           </a:p>
@@ -733,7 +734,7 @@
           <a:p>
             <a:fld id="{B7E48A73-9369-4B88-BBE6-B1D33CBD5F01}" type="datetimeFigureOut">
               <a:rPr kumimoji="1" lang="ja-JP" altLang="en-US" smtClean="0"/>
-              <a:t>2020/3/14</a:t>
+              <a:t>2020/3/21</a:t>
             </a:fld>
             <a:endParaRPr kumimoji="1" lang="ja-JP" altLang="en-US"/>
           </a:p>
@@ -963,7 +964,7 @@
           <a:p>
             <a:fld id="{B7E48A73-9369-4B88-BBE6-B1D33CBD5F01}" type="datetimeFigureOut">
               <a:rPr kumimoji="1" lang="ja-JP" altLang="en-US" smtClean="0"/>
-              <a:t>2020/3/14</a:t>
+              <a:t>2020/3/21</a:t>
             </a:fld>
             <a:endParaRPr kumimoji="1" lang="ja-JP" altLang="en-US"/>
           </a:p>
@@ -1203,7 +1204,7 @@
           <a:p>
             <a:fld id="{B7E48A73-9369-4B88-BBE6-B1D33CBD5F01}" type="datetimeFigureOut">
               <a:rPr kumimoji="1" lang="ja-JP" altLang="en-US" smtClean="0"/>
-              <a:t>2020/3/14</a:t>
+              <a:t>2020/3/21</a:t>
             </a:fld>
             <a:endParaRPr kumimoji="1" lang="ja-JP" altLang="en-US"/>
           </a:p>
@@ -1433,7 +1434,7 @@
           <a:p>
             <a:fld id="{B7E48A73-9369-4B88-BBE6-B1D33CBD5F01}" type="datetimeFigureOut">
               <a:rPr kumimoji="1" lang="ja-JP" altLang="en-US" smtClean="0"/>
-              <a:t>2020/3/14</a:t>
+              <a:t>2020/3/21</a:t>
             </a:fld>
             <a:endParaRPr kumimoji="1" lang="ja-JP" altLang="en-US"/>
           </a:p>
@@ -1708,7 +1709,7 @@
           <a:p>
             <a:fld id="{B7E48A73-9369-4B88-BBE6-B1D33CBD5F01}" type="datetimeFigureOut">
               <a:rPr kumimoji="1" lang="ja-JP" altLang="en-US" smtClean="0"/>
-              <a:t>2020/3/14</a:t>
+              <a:t>2020/3/21</a:t>
             </a:fld>
             <a:endParaRPr kumimoji="1" lang="ja-JP" altLang="en-US"/>
           </a:p>
@@ -2037,7 +2038,7 @@
           <a:p>
             <a:fld id="{B7E48A73-9369-4B88-BBE6-B1D33CBD5F01}" type="datetimeFigureOut">
               <a:rPr kumimoji="1" lang="ja-JP" altLang="en-US" smtClean="0"/>
-              <a:t>2020/3/14</a:t>
+              <a:t>2020/3/21</a:t>
             </a:fld>
             <a:endParaRPr kumimoji="1" lang="ja-JP" altLang="en-US"/>
           </a:p>
@@ -2513,7 +2514,7 @@
           <a:p>
             <a:fld id="{B7E48A73-9369-4B88-BBE6-B1D33CBD5F01}" type="datetimeFigureOut">
               <a:rPr kumimoji="1" lang="ja-JP" altLang="en-US" smtClean="0"/>
-              <a:t>2020/3/14</a:t>
+              <a:t>2020/3/21</a:t>
             </a:fld>
             <a:endParaRPr kumimoji="1" lang="ja-JP" altLang="en-US"/>
           </a:p>
@@ -2654,7 +2655,7 @@
           <a:p>
             <a:fld id="{B7E48A73-9369-4B88-BBE6-B1D33CBD5F01}" type="datetimeFigureOut">
               <a:rPr kumimoji="1" lang="ja-JP" altLang="en-US" smtClean="0"/>
-              <a:t>2020/3/14</a:t>
+              <a:t>2020/3/21</a:t>
             </a:fld>
             <a:endParaRPr kumimoji="1" lang="ja-JP" altLang="en-US"/>
           </a:p>
@@ -2767,7 +2768,7 @@
           <a:p>
             <a:fld id="{B7E48A73-9369-4B88-BBE6-B1D33CBD5F01}" type="datetimeFigureOut">
               <a:rPr kumimoji="1" lang="ja-JP" altLang="en-US" smtClean="0"/>
-              <a:t>2020/3/14</a:t>
+              <a:t>2020/3/21</a:t>
             </a:fld>
             <a:endParaRPr kumimoji="1" lang="ja-JP" altLang="en-US"/>
           </a:p>
@@ -3110,7 +3111,7 @@
           <a:p>
             <a:fld id="{B7E48A73-9369-4B88-BBE6-B1D33CBD5F01}" type="datetimeFigureOut">
               <a:rPr kumimoji="1" lang="ja-JP" altLang="en-US" smtClean="0"/>
-              <a:t>2020/3/14</a:t>
+              <a:t>2020/3/21</a:t>
             </a:fld>
             <a:endParaRPr kumimoji="1" lang="ja-JP" altLang="en-US"/>
           </a:p>
@@ -3398,7 +3399,7 @@
           <a:p>
             <a:fld id="{B7E48A73-9369-4B88-BBE6-B1D33CBD5F01}" type="datetimeFigureOut">
               <a:rPr kumimoji="1" lang="ja-JP" altLang="en-US" smtClean="0"/>
-              <a:t>2020/3/14</a:t>
+              <a:t>2020/3/21</a:t>
             </a:fld>
             <a:endParaRPr kumimoji="1" lang="ja-JP" altLang="en-US"/>
           </a:p>
@@ -3671,7 +3672,7 @@
           <a:p>
             <a:fld id="{B7E48A73-9369-4B88-BBE6-B1D33CBD5F01}" type="datetimeFigureOut">
               <a:rPr kumimoji="1" lang="ja-JP" altLang="en-US" smtClean="0"/>
-              <a:t>2020/3/14</a:t>
+              <a:t>2020/3/21</a:t>
             </a:fld>
             <a:endParaRPr kumimoji="1" lang="ja-JP" altLang="en-US"/>
           </a:p>
@@ -40594,15 +40595,27 @@
           <p:nvPr/>
         </p:nvPicPr>
         <p:blipFill>
-          <a:blip r:embed="rId9"/>
+          <a:blip r:embed="rId9">
+            <a:extLst>
+              <a:ext uri="{BEBA8EAE-BF5A-486C-A8C5-ECC9F3942E4B}">
+                <a14:imgProps xmlns:a14="http://schemas.microsoft.com/office/drawing/2010/main">
+                  <a14:imgLayer r:embed="rId10">
+                    <a14:imgEffect>
+                      <a14:brightnessContrast bright="40000" contrast="-40000"/>
+                    </a14:imgEffect>
+                  </a14:imgLayer>
+                </a14:imgProps>
+              </a:ext>
+            </a:extLst>
+          </a:blip>
           <a:stretch>
             <a:fillRect/>
           </a:stretch>
         </p:blipFill>
         <p:spPr>
           <a:xfrm>
-            <a:off x="10388599" y="6158133"/>
-            <a:ext cx="1230769" cy="366665"/>
+            <a:off x="5092934" y="5422900"/>
+            <a:ext cx="575500" cy="171450"/>
           </a:xfrm>
           <a:prstGeom prst="rect">
             <a:avLst/>
@@ -40623,6 +40636,429 @@
 </file>
 
 <file path=ppt/slides/slide7.xml><?xml version="1.0" encoding="utf-8"?>
+<p:sld xmlns:a="http://schemas.openxmlformats.org/drawingml/2006/main" xmlns:r="http://schemas.openxmlformats.org/officeDocument/2006/relationships" xmlns:p="http://schemas.openxmlformats.org/presentationml/2006/main">
+  <p:cSld>
+    <p:spTree>
+      <p:nvGrpSpPr>
+        <p:cNvPr id="1" name=""/>
+        <p:cNvGrpSpPr/>
+        <p:nvPr/>
+      </p:nvGrpSpPr>
+      <p:grpSpPr>
+        <a:xfrm>
+          <a:off x="0" y="0"/>
+          <a:ext cx="0" cy="0"/>
+          <a:chOff x="0" y="0"/>
+          <a:chExt cx="0" cy="0"/>
+        </a:xfrm>
+      </p:grpSpPr>
+      <p:pic>
+        <p:nvPicPr>
+          <p:cNvPr id="20" name="図 19">
+            <a:extLst>
+              <a:ext uri="{FF2B5EF4-FFF2-40B4-BE49-F238E27FC236}">
+                <a16:creationId xmlns:a16="http://schemas.microsoft.com/office/drawing/2014/main" id="{A69F27D6-A34A-40EF-BA70-C84B6A1EC477}"/>
+              </a:ext>
+            </a:extLst>
+          </p:cNvPr>
+          <p:cNvPicPr>
+            <a:picLocks noChangeAspect="1"/>
+          </p:cNvPicPr>
+          <p:nvPr/>
+        </p:nvPicPr>
+        <p:blipFill>
+          <a:blip r:embed="rId2">
+            <a:extLst>
+              <a:ext uri="{28A0092B-C50C-407E-A947-70E740481C1C}">
+                <a14:useLocalDpi xmlns:a14="http://schemas.microsoft.com/office/drawing/2010/main" val="0"/>
+              </a:ext>
+            </a:extLst>
+          </a:blip>
+          <a:stretch>
+            <a:fillRect/>
+          </a:stretch>
+        </p:blipFill>
+        <p:spPr>
+          <a:xfrm>
+            <a:off x="6570287" y="3498698"/>
+            <a:ext cx="4908624" cy="2703434"/>
+          </a:xfrm>
+          <a:prstGeom prst="rect">
+            <a:avLst/>
+          </a:prstGeom>
+        </p:spPr>
+      </p:pic>
+      <p:grpSp>
+        <p:nvGrpSpPr>
+          <p:cNvPr id="24" name="グループ化 23">
+            <a:extLst>
+              <a:ext uri="{FF2B5EF4-FFF2-40B4-BE49-F238E27FC236}">
+                <a16:creationId xmlns:a16="http://schemas.microsoft.com/office/drawing/2014/main" id="{15975587-E182-46D9-9833-92ED274828E4}"/>
+              </a:ext>
+            </a:extLst>
+          </p:cNvPr>
+          <p:cNvGrpSpPr/>
+          <p:nvPr/>
+        </p:nvGrpSpPr>
+        <p:grpSpPr>
+          <a:xfrm>
+            <a:off x="569741" y="1085000"/>
+            <a:ext cx="8260635" cy="1206516"/>
+            <a:chOff x="569741" y="1085000"/>
+            <a:chExt cx="8260635" cy="1206516"/>
+          </a:xfrm>
+        </p:grpSpPr>
+        <p:pic>
+          <p:nvPicPr>
+            <p:cNvPr id="16" name="図 15">
+              <a:extLst>
+                <a:ext uri="{FF2B5EF4-FFF2-40B4-BE49-F238E27FC236}">
+                  <a16:creationId xmlns:a16="http://schemas.microsoft.com/office/drawing/2014/main" id="{74490BD7-E605-425B-B50E-1D8E748C99A1}"/>
+                </a:ext>
+              </a:extLst>
+            </p:cNvPr>
+            <p:cNvPicPr>
+              <a:picLocks noChangeAspect="1"/>
+            </p:cNvPicPr>
+            <p:nvPr/>
+          </p:nvPicPr>
+          <p:blipFill rotWithShape="1">
+            <a:blip r:embed="rId3">
+              <a:extLst>
+                <a:ext uri="{28A0092B-C50C-407E-A947-70E740481C1C}">
+                  <a14:useLocalDpi xmlns:a14="http://schemas.microsoft.com/office/drawing/2010/main" val="0"/>
+                </a:ext>
+              </a:extLst>
+            </a:blip>
+            <a:srcRect l="10464" r="76493"/>
+            <a:stretch/>
+          </p:blipFill>
+          <p:spPr>
+            <a:xfrm>
+              <a:off x="1841500" y="1085000"/>
+              <a:ext cx="2048617" cy="1125728"/>
+            </a:xfrm>
+            <a:prstGeom prst="rect">
+              <a:avLst/>
+            </a:prstGeom>
+          </p:spPr>
+        </p:pic>
+        <p:pic>
+          <p:nvPicPr>
+            <p:cNvPr id="18" name="図 17">
+              <a:extLst>
+                <a:ext uri="{FF2B5EF4-FFF2-40B4-BE49-F238E27FC236}">
+                  <a16:creationId xmlns:a16="http://schemas.microsoft.com/office/drawing/2014/main" id="{84566010-4864-4492-8DD3-FB5A73E5EDBF}"/>
+                </a:ext>
+              </a:extLst>
+            </p:cNvPr>
+            <p:cNvPicPr>
+              <a:picLocks noChangeAspect="1"/>
+            </p:cNvPicPr>
+            <p:nvPr/>
+          </p:nvPicPr>
+          <p:blipFill rotWithShape="1">
+            <a:blip r:embed="rId4">
+              <a:extLst>
+                <a:ext uri="{28A0092B-C50C-407E-A947-70E740481C1C}">
+                  <a14:useLocalDpi xmlns:a14="http://schemas.microsoft.com/office/drawing/2010/main" val="0"/>
+                </a:ext>
+              </a:extLst>
+            </a:blip>
+            <a:srcRect l="30746" r="44727"/>
+            <a:stretch/>
+          </p:blipFill>
+          <p:spPr>
+            <a:xfrm>
+              <a:off x="4355870" y="1085000"/>
+              <a:ext cx="2990335" cy="1125728"/>
+            </a:xfrm>
+            <a:prstGeom prst="rect">
+              <a:avLst/>
+            </a:prstGeom>
+          </p:spPr>
+        </p:pic>
+        <p:sp>
+          <p:nvSpPr>
+            <p:cNvPr id="22" name="正方形/長方形 21">
+              <a:extLst>
+                <a:ext uri="{FF2B5EF4-FFF2-40B4-BE49-F238E27FC236}">
+                  <a16:creationId xmlns:a16="http://schemas.microsoft.com/office/drawing/2014/main" id="{E28AB870-650E-4E99-B36A-F31776CB8DCF}"/>
+                </a:ext>
+              </a:extLst>
+            </p:cNvPr>
+            <p:cNvSpPr/>
+            <p:nvPr/>
+          </p:nvSpPr>
+          <p:spPr>
+            <a:xfrm>
+              <a:off x="3936653" y="1519406"/>
+              <a:ext cx="339726" cy="196849"/>
+            </a:xfrm>
+            <a:prstGeom prst="rect">
+              <a:avLst/>
+            </a:prstGeom>
+            <a:solidFill>
+              <a:schemeClr val="tx1"/>
+            </a:solidFill>
+            <a:ln>
+              <a:noFill/>
+            </a:ln>
+          </p:spPr>
+          <p:style>
+            <a:lnRef idx="2">
+              <a:schemeClr val="dk1">
+                <a:shade val="50000"/>
+              </a:schemeClr>
+            </a:lnRef>
+            <a:fillRef idx="1">
+              <a:schemeClr val="dk1"/>
+            </a:fillRef>
+            <a:effectRef idx="0">
+              <a:schemeClr val="dk1"/>
+            </a:effectRef>
+            <a:fontRef idx="minor">
+              <a:schemeClr val="lt1"/>
+            </a:fontRef>
+          </p:style>
+          <p:txBody>
+            <a:bodyPr rtlCol="0" anchor="ctr"/>
+            <a:lstStyle/>
+            <a:p>
+              <a:pPr algn="ctr"/>
+              <a:endParaRPr kumimoji="1" lang="ja-JP" altLang="en-US"/>
+            </a:p>
+          </p:txBody>
+        </p:sp>
+        <p:pic>
+          <p:nvPicPr>
+            <p:cNvPr id="23" name="Picture 2" descr="Aggie URW">
+              <a:extLst>
+                <a:ext uri="{FF2B5EF4-FFF2-40B4-BE49-F238E27FC236}">
+                  <a16:creationId xmlns:a16="http://schemas.microsoft.com/office/drawing/2014/main" id="{540802E3-839C-4379-83E6-8EF2DF217238}"/>
+                </a:ext>
+              </a:extLst>
+            </p:cNvPr>
+            <p:cNvPicPr>
+              <a:picLocks noChangeAspect="1" noChangeArrowheads="1"/>
+            </p:cNvPicPr>
+            <p:nvPr/>
+          </p:nvPicPr>
+          <p:blipFill rotWithShape="1">
+            <a:blip r:embed="rId5">
+              <a:extLst>
+                <a:ext uri="{28A0092B-C50C-407E-A947-70E740481C1C}">
+                  <a14:useLocalDpi xmlns:a14="http://schemas.microsoft.com/office/drawing/2010/main" val="0"/>
+                </a:ext>
+              </a:extLst>
+            </a:blip>
+            <a:srcRect r="80709"/>
+            <a:stretch/>
+          </p:blipFill>
+          <p:spPr bwMode="auto">
+            <a:xfrm>
+              <a:off x="569741" y="1092200"/>
+              <a:ext cx="1189209" cy="1092200"/>
+            </a:xfrm>
+            <a:prstGeom prst="rect">
+              <a:avLst/>
+            </a:prstGeom>
+            <a:noFill/>
+            <a:extLst>
+              <a:ext uri="{909E8E84-426E-40DD-AFC4-6F175D3DCCD1}">
+                <a14:hiddenFill xmlns:a14="http://schemas.microsoft.com/office/drawing/2010/main">
+                  <a:solidFill>
+                    <a:srgbClr val="FFFFFF"/>
+                  </a:solidFill>
+                </a14:hiddenFill>
+              </a:ext>
+            </a:extLst>
+          </p:spPr>
+        </p:pic>
+        <p:pic>
+          <p:nvPicPr>
+            <p:cNvPr id="27" name="図 26">
+              <a:extLst>
+                <a:ext uri="{FF2B5EF4-FFF2-40B4-BE49-F238E27FC236}">
+                  <a16:creationId xmlns:a16="http://schemas.microsoft.com/office/drawing/2014/main" id="{EFF2A684-2915-45A9-81D6-B3879E1DCD77}"/>
+                </a:ext>
+              </a:extLst>
+            </p:cNvPr>
+            <p:cNvPicPr>
+              <a:picLocks noChangeAspect="1"/>
+            </p:cNvPicPr>
+            <p:nvPr/>
+          </p:nvPicPr>
+          <p:blipFill rotWithShape="1">
+            <a:blip r:embed="rId4">
+              <a:extLst>
+                <a:ext uri="{28A0092B-C50C-407E-A947-70E740481C1C}">
+                  <a14:useLocalDpi xmlns:a14="http://schemas.microsoft.com/office/drawing/2010/main" val="0"/>
+                </a:ext>
+              </a:extLst>
+            </a:blip>
+            <a:srcRect l="43100" r="44727"/>
+            <a:stretch/>
+          </p:blipFill>
+          <p:spPr>
+            <a:xfrm>
+              <a:off x="7346205" y="1092200"/>
+              <a:ext cx="1484171" cy="1125728"/>
+            </a:xfrm>
+            <a:prstGeom prst="rect">
+              <a:avLst/>
+            </a:prstGeom>
+          </p:spPr>
+        </p:pic>
+        <p:sp>
+          <p:nvSpPr>
+            <p:cNvPr id="28" name="正方形/長方形 27">
+              <a:extLst>
+                <a:ext uri="{FF2B5EF4-FFF2-40B4-BE49-F238E27FC236}">
+                  <a16:creationId xmlns:a16="http://schemas.microsoft.com/office/drawing/2014/main" id="{96C96CC6-1523-49D5-A5FA-A155F4522C11}"/>
+                </a:ext>
+              </a:extLst>
+            </p:cNvPr>
+            <p:cNvSpPr/>
+            <p:nvPr/>
+          </p:nvSpPr>
+          <p:spPr>
+            <a:xfrm>
+              <a:off x="7579783" y="1923538"/>
+              <a:ext cx="1250592" cy="367978"/>
+            </a:xfrm>
+            <a:prstGeom prst="rect">
+              <a:avLst/>
+            </a:prstGeom>
+            <a:solidFill>
+              <a:schemeClr val="bg1"/>
+            </a:solidFill>
+            <a:ln>
+              <a:noFill/>
+            </a:ln>
+          </p:spPr>
+          <p:style>
+            <a:lnRef idx="2">
+              <a:schemeClr val="dk1">
+                <a:shade val="50000"/>
+              </a:schemeClr>
+            </a:lnRef>
+            <a:fillRef idx="1">
+              <a:schemeClr val="dk1"/>
+            </a:fillRef>
+            <a:effectRef idx="0">
+              <a:schemeClr val="dk1"/>
+            </a:effectRef>
+            <a:fontRef idx="minor">
+              <a:schemeClr val="lt1"/>
+            </a:fontRef>
+          </p:style>
+          <p:txBody>
+            <a:bodyPr rtlCol="0" anchor="ctr"/>
+            <a:lstStyle/>
+            <a:p>
+              <a:pPr algn="ctr"/>
+              <a:endParaRPr kumimoji="1" lang="ja-JP" altLang="en-US"/>
+            </a:p>
+          </p:txBody>
+        </p:sp>
+        <p:sp>
+          <p:nvSpPr>
+            <p:cNvPr id="29" name="正方形/長方形 28">
+              <a:extLst>
+                <a:ext uri="{FF2B5EF4-FFF2-40B4-BE49-F238E27FC236}">
+                  <a16:creationId xmlns:a16="http://schemas.microsoft.com/office/drawing/2014/main" id="{F8CC568B-9DBB-4A05-8984-520DDDBDB2D4}"/>
+                </a:ext>
+              </a:extLst>
+            </p:cNvPr>
+            <p:cNvSpPr/>
+            <p:nvPr/>
+          </p:nvSpPr>
+          <p:spPr>
+            <a:xfrm>
+              <a:off x="7391401" y="1551633"/>
+              <a:ext cx="159220" cy="200967"/>
+            </a:xfrm>
+            <a:prstGeom prst="rect">
+              <a:avLst/>
+            </a:prstGeom>
+            <a:solidFill>
+              <a:schemeClr val="tx1"/>
+            </a:solidFill>
+            <a:ln>
+              <a:noFill/>
+            </a:ln>
+          </p:spPr>
+          <p:style>
+            <a:lnRef idx="2">
+              <a:schemeClr val="dk1">
+                <a:shade val="50000"/>
+              </a:schemeClr>
+            </a:lnRef>
+            <a:fillRef idx="1">
+              <a:schemeClr val="dk1"/>
+            </a:fillRef>
+            <a:effectRef idx="0">
+              <a:schemeClr val="dk1"/>
+            </a:effectRef>
+            <a:fontRef idx="minor">
+              <a:schemeClr val="lt1"/>
+            </a:fontRef>
+          </p:style>
+          <p:txBody>
+            <a:bodyPr rtlCol="0" anchor="ctr"/>
+            <a:lstStyle/>
+            <a:p>
+              <a:pPr algn="ctr"/>
+              <a:endParaRPr kumimoji="1" lang="ja-JP" altLang="en-US"/>
+            </a:p>
+          </p:txBody>
+        </p:sp>
+      </p:grpSp>
+      <p:pic>
+        <p:nvPicPr>
+          <p:cNvPr id="25" name="図 24">
+            <a:extLst>
+              <a:ext uri="{FF2B5EF4-FFF2-40B4-BE49-F238E27FC236}">
+                <a16:creationId xmlns:a16="http://schemas.microsoft.com/office/drawing/2014/main" id="{532CA8C2-BC95-4190-B53C-7C72CA02470D}"/>
+              </a:ext>
+            </a:extLst>
+          </p:cNvPr>
+          <p:cNvPicPr>
+            <a:picLocks noChangeAspect="1"/>
+          </p:cNvPicPr>
+          <p:nvPr/>
+        </p:nvPicPr>
+        <p:blipFill>
+          <a:blip r:embed="rId6"/>
+          <a:stretch>
+            <a:fillRect/>
+          </a:stretch>
+        </p:blipFill>
+        <p:spPr>
+          <a:xfrm>
+            <a:off x="1962555" y="2825443"/>
+            <a:ext cx="741396" cy="108257"/>
+          </a:xfrm>
+          <a:prstGeom prst="rect">
+            <a:avLst/>
+          </a:prstGeom>
+        </p:spPr>
+      </p:pic>
+    </p:spTree>
+    <p:extLst>
+      <p:ext uri="{BB962C8B-B14F-4D97-AF65-F5344CB8AC3E}">
+        <p14:creationId xmlns:p14="http://schemas.microsoft.com/office/powerpoint/2010/main" val="4267557751"/>
+      </p:ext>
+    </p:extLst>
+  </p:cSld>
+  <p:clrMapOvr>
+    <a:masterClrMapping/>
+  </p:clrMapOvr>
+</p:sld>
+</file>
+
+<file path=ppt/slides/slide8.xml><?xml version="1.0" encoding="utf-8"?>
 <p:sld xmlns:a="http://schemas.openxmlformats.org/drawingml/2006/main" xmlns:r="http://schemas.openxmlformats.org/officeDocument/2006/relationships" xmlns:p="http://schemas.openxmlformats.org/presentationml/2006/main">
   <p:cSld>
     <p:spTree>
